--- a/doc/Gacha Collection.pptx
+++ b/doc/Gacha Collection.pptx
@@ -13,6 +13,9 @@
     <p:sldId id="261" r:id="rId7"/>
     <p:sldId id="262" r:id="rId8"/>
     <p:sldId id="263" r:id="rId9"/>
+    <p:sldId id="264" r:id="rId10"/>
+    <p:sldId id="265" r:id="rId11"/>
+    <p:sldId id="266" r:id="rId12"/>
   </p:sldIdLst>
   <p:sldSz cx="12192000" cy="6858000"/>
   <p:notesSz cx="6858000" cy="9144000"/>
@@ -161,10 +164,9 @@
           </a:lstStyle>
           <a:p>
             <a:r>
-              <a:rPr lang="it-IT" smtClean="0"/>
+              <a:rPr lang="it-IT"/>
               <a:t>Fare clic per modificare lo stile del titolo</a:t>
             </a:r>
-            <a:endParaRPr lang="it-IT"/>
           </a:p>
         </p:txBody>
       </p:sp>
@@ -226,10 +228,9 @@
           </a:lstStyle>
           <a:p>
             <a:r>
-              <a:rPr lang="it-IT" smtClean="0"/>
+              <a:rPr lang="it-IT"/>
               <a:t>Fare clic per modificare lo stile del sottotitolo dello schema</a:t>
             </a:r>
-            <a:endParaRPr lang="it-IT"/>
           </a:p>
         </p:txBody>
       </p:sp>
@@ -344,10 +345,9 @@
           <a:lstStyle/>
           <a:p>
             <a:r>
-              <a:rPr lang="it-IT" smtClean="0"/>
+              <a:rPr lang="it-IT"/>
               <a:t>Fare clic per modificare lo stile del titolo</a:t>
             </a:r>
-            <a:endParaRPr lang="it-IT"/>
           </a:p>
         </p:txBody>
       </p:sp>
@@ -368,38 +368,37 @@
           <a:p>
             <a:pPr lvl="0"/>
             <a:r>
-              <a:rPr lang="it-IT" smtClean="0"/>
+              <a:rPr lang="it-IT"/>
               <a:t>Modifica gli stili del testo dello schema</a:t>
             </a:r>
           </a:p>
           <a:p>
             <a:pPr lvl="1"/>
             <a:r>
-              <a:rPr lang="it-IT" smtClean="0"/>
+              <a:rPr lang="it-IT"/>
               <a:t>Secondo livello</a:t>
             </a:r>
           </a:p>
           <a:p>
             <a:pPr lvl="2"/>
             <a:r>
-              <a:rPr lang="it-IT" smtClean="0"/>
+              <a:rPr lang="it-IT"/>
               <a:t>Terzo livello</a:t>
             </a:r>
           </a:p>
           <a:p>
             <a:pPr lvl="3"/>
             <a:r>
-              <a:rPr lang="it-IT" smtClean="0"/>
+              <a:rPr lang="it-IT"/>
               <a:t>Quarto livello</a:t>
             </a:r>
           </a:p>
           <a:p>
             <a:pPr lvl="4"/>
             <a:r>
-              <a:rPr lang="it-IT" smtClean="0"/>
+              <a:rPr lang="it-IT"/>
               <a:t>Quinto livello</a:t>
             </a:r>
-            <a:endParaRPr lang="it-IT"/>
           </a:p>
         </p:txBody>
       </p:sp>
@@ -519,10 +518,9 @@
           <a:lstStyle/>
           <a:p>
             <a:r>
-              <a:rPr lang="it-IT" smtClean="0"/>
+              <a:rPr lang="it-IT"/>
               <a:t>Fare clic per modificare lo stile del titolo</a:t>
             </a:r>
-            <a:endParaRPr lang="it-IT"/>
           </a:p>
         </p:txBody>
       </p:sp>
@@ -548,38 +546,37 @@
           <a:p>
             <a:pPr lvl="0"/>
             <a:r>
-              <a:rPr lang="it-IT" smtClean="0"/>
+              <a:rPr lang="it-IT"/>
               <a:t>Modifica gli stili del testo dello schema</a:t>
             </a:r>
           </a:p>
           <a:p>
             <a:pPr lvl="1"/>
             <a:r>
-              <a:rPr lang="it-IT" smtClean="0"/>
+              <a:rPr lang="it-IT"/>
               <a:t>Secondo livello</a:t>
             </a:r>
           </a:p>
           <a:p>
             <a:pPr lvl="2"/>
             <a:r>
-              <a:rPr lang="it-IT" smtClean="0"/>
+              <a:rPr lang="it-IT"/>
               <a:t>Terzo livello</a:t>
             </a:r>
           </a:p>
           <a:p>
             <a:pPr lvl="3"/>
             <a:r>
-              <a:rPr lang="it-IT" smtClean="0"/>
+              <a:rPr lang="it-IT"/>
               <a:t>Quarto livello</a:t>
             </a:r>
           </a:p>
           <a:p>
             <a:pPr lvl="4"/>
             <a:r>
-              <a:rPr lang="it-IT" smtClean="0"/>
+              <a:rPr lang="it-IT"/>
               <a:t>Quinto livello</a:t>
             </a:r>
-            <a:endParaRPr lang="it-IT"/>
           </a:p>
         </p:txBody>
       </p:sp>
@@ -694,10 +691,9 @@
           <a:lstStyle/>
           <a:p>
             <a:r>
-              <a:rPr lang="it-IT" smtClean="0"/>
+              <a:rPr lang="it-IT"/>
               <a:t>Fare clic per modificare lo stile del titolo</a:t>
             </a:r>
-            <a:endParaRPr lang="it-IT"/>
           </a:p>
         </p:txBody>
       </p:sp>
@@ -718,38 +714,37 @@
           <a:p>
             <a:pPr lvl="0"/>
             <a:r>
-              <a:rPr lang="it-IT" smtClean="0"/>
+              <a:rPr lang="it-IT"/>
               <a:t>Modifica gli stili del testo dello schema</a:t>
             </a:r>
           </a:p>
           <a:p>
             <a:pPr lvl="1"/>
             <a:r>
-              <a:rPr lang="it-IT" smtClean="0"/>
+              <a:rPr lang="it-IT"/>
               <a:t>Secondo livello</a:t>
             </a:r>
           </a:p>
           <a:p>
             <a:pPr lvl="2"/>
             <a:r>
-              <a:rPr lang="it-IT" smtClean="0"/>
+              <a:rPr lang="it-IT"/>
               <a:t>Terzo livello</a:t>
             </a:r>
           </a:p>
           <a:p>
             <a:pPr lvl="3"/>
             <a:r>
-              <a:rPr lang="it-IT" smtClean="0"/>
+              <a:rPr lang="it-IT"/>
               <a:t>Quarto livello</a:t>
             </a:r>
           </a:p>
           <a:p>
             <a:pPr lvl="4"/>
             <a:r>
-              <a:rPr lang="it-IT" smtClean="0"/>
+              <a:rPr lang="it-IT"/>
               <a:t>Quinto livello</a:t>
             </a:r>
-            <a:endParaRPr lang="it-IT"/>
           </a:p>
         </p:txBody>
       </p:sp>
@@ -873,10 +868,9 @@
           </a:lstStyle>
           <a:p>
             <a:r>
-              <a:rPr lang="it-IT" smtClean="0"/>
+              <a:rPr lang="it-IT"/>
               <a:t>Fare clic per modificare lo stile del titolo</a:t>
             </a:r>
-            <a:endParaRPr lang="it-IT"/>
           </a:p>
         </p:txBody>
       </p:sp>
@@ -993,7 +987,7 @@
           <a:p>
             <a:pPr lvl="0"/>
             <a:r>
-              <a:rPr lang="it-IT" smtClean="0"/>
+              <a:rPr lang="it-IT"/>
               <a:t>Modifica gli stili del testo dello schema</a:t>
             </a:r>
           </a:p>
@@ -1110,10 +1104,9 @@
           <a:lstStyle/>
           <a:p>
             <a:r>
-              <a:rPr lang="it-IT" smtClean="0"/>
+              <a:rPr lang="it-IT"/>
               <a:t>Fare clic per modificare lo stile del titolo</a:t>
             </a:r>
-            <a:endParaRPr lang="it-IT"/>
           </a:p>
         </p:txBody>
       </p:sp>
@@ -1139,38 +1132,37 @@
           <a:p>
             <a:pPr lvl="0"/>
             <a:r>
-              <a:rPr lang="it-IT" smtClean="0"/>
+              <a:rPr lang="it-IT"/>
               <a:t>Modifica gli stili del testo dello schema</a:t>
             </a:r>
           </a:p>
           <a:p>
             <a:pPr lvl="1"/>
             <a:r>
-              <a:rPr lang="it-IT" smtClean="0"/>
+              <a:rPr lang="it-IT"/>
               <a:t>Secondo livello</a:t>
             </a:r>
           </a:p>
           <a:p>
             <a:pPr lvl="2"/>
             <a:r>
-              <a:rPr lang="it-IT" smtClean="0"/>
+              <a:rPr lang="it-IT"/>
               <a:t>Terzo livello</a:t>
             </a:r>
           </a:p>
           <a:p>
             <a:pPr lvl="3"/>
             <a:r>
-              <a:rPr lang="it-IT" smtClean="0"/>
+              <a:rPr lang="it-IT"/>
               <a:t>Quarto livello</a:t>
             </a:r>
           </a:p>
           <a:p>
             <a:pPr lvl="4"/>
             <a:r>
-              <a:rPr lang="it-IT" smtClean="0"/>
+              <a:rPr lang="it-IT"/>
               <a:t>Quinto livello</a:t>
             </a:r>
-            <a:endParaRPr lang="it-IT"/>
           </a:p>
         </p:txBody>
       </p:sp>
@@ -1196,38 +1188,37 @@
           <a:p>
             <a:pPr lvl="0"/>
             <a:r>
-              <a:rPr lang="it-IT" smtClean="0"/>
+              <a:rPr lang="it-IT"/>
               <a:t>Modifica gli stili del testo dello schema</a:t>
             </a:r>
           </a:p>
           <a:p>
             <a:pPr lvl="1"/>
             <a:r>
-              <a:rPr lang="it-IT" smtClean="0"/>
+              <a:rPr lang="it-IT"/>
               <a:t>Secondo livello</a:t>
             </a:r>
           </a:p>
           <a:p>
             <a:pPr lvl="2"/>
             <a:r>
-              <a:rPr lang="it-IT" smtClean="0"/>
+              <a:rPr lang="it-IT"/>
               <a:t>Terzo livello</a:t>
             </a:r>
           </a:p>
           <a:p>
             <a:pPr lvl="3"/>
             <a:r>
-              <a:rPr lang="it-IT" smtClean="0"/>
+              <a:rPr lang="it-IT"/>
               <a:t>Quarto livello</a:t>
             </a:r>
           </a:p>
           <a:p>
             <a:pPr lvl="4"/>
             <a:r>
-              <a:rPr lang="it-IT" smtClean="0"/>
+              <a:rPr lang="it-IT"/>
               <a:t>Quinto livello</a:t>
             </a:r>
-            <a:endParaRPr lang="it-IT"/>
           </a:p>
         </p:txBody>
       </p:sp>
@@ -1347,10 +1338,9 @@
           <a:lstStyle/>
           <a:p>
             <a:r>
-              <a:rPr lang="it-IT" smtClean="0"/>
+              <a:rPr lang="it-IT"/>
               <a:t>Fare clic per modificare lo stile del titolo</a:t>
             </a:r>
-            <a:endParaRPr lang="it-IT"/>
           </a:p>
         </p:txBody>
       </p:sp>
@@ -1413,7 +1403,7 @@
           <a:p>
             <a:pPr lvl="0"/>
             <a:r>
-              <a:rPr lang="it-IT" smtClean="0"/>
+              <a:rPr lang="it-IT"/>
               <a:t>Modifica gli stili del testo dello schema</a:t>
             </a:r>
           </a:p>
@@ -1441,38 +1431,37 @@
           <a:p>
             <a:pPr lvl="0"/>
             <a:r>
-              <a:rPr lang="it-IT" smtClean="0"/>
+              <a:rPr lang="it-IT"/>
               <a:t>Modifica gli stili del testo dello schema</a:t>
             </a:r>
           </a:p>
           <a:p>
             <a:pPr lvl="1"/>
             <a:r>
-              <a:rPr lang="it-IT" smtClean="0"/>
+              <a:rPr lang="it-IT"/>
               <a:t>Secondo livello</a:t>
             </a:r>
           </a:p>
           <a:p>
             <a:pPr lvl="2"/>
             <a:r>
-              <a:rPr lang="it-IT" smtClean="0"/>
+              <a:rPr lang="it-IT"/>
               <a:t>Terzo livello</a:t>
             </a:r>
           </a:p>
           <a:p>
             <a:pPr lvl="3"/>
             <a:r>
-              <a:rPr lang="it-IT" smtClean="0"/>
+              <a:rPr lang="it-IT"/>
               <a:t>Quarto livello</a:t>
             </a:r>
           </a:p>
           <a:p>
             <a:pPr lvl="4"/>
             <a:r>
-              <a:rPr lang="it-IT" smtClean="0"/>
+              <a:rPr lang="it-IT"/>
               <a:t>Quinto livello</a:t>
             </a:r>
-            <a:endParaRPr lang="it-IT"/>
           </a:p>
         </p:txBody>
       </p:sp>
@@ -1535,7 +1524,7 @@
           <a:p>
             <a:pPr lvl="0"/>
             <a:r>
-              <a:rPr lang="it-IT" smtClean="0"/>
+              <a:rPr lang="it-IT"/>
               <a:t>Modifica gli stili del testo dello schema</a:t>
             </a:r>
           </a:p>
@@ -1563,38 +1552,37 @@
           <a:p>
             <a:pPr lvl="0"/>
             <a:r>
-              <a:rPr lang="it-IT" smtClean="0"/>
+              <a:rPr lang="it-IT"/>
               <a:t>Modifica gli stili del testo dello schema</a:t>
             </a:r>
           </a:p>
           <a:p>
             <a:pPr lvl="1"/>
             <a:r>
-              <a:rPr lang="it-IT" smtClean="0"/>
+              <a:rPr lang="it-IT"/>
               <a:t>Secondo livello</a:t>
             </a:r>
           </a:p>
           <a:p>
             <a:pPr lvl="2"/>
             <a:r>
-              <a:rPr lang="it-IT" smtClean="0"/>
+              <a:rPr lang="it-IT"/>
               <a:t>Terzo livello</a:t>
             </a:r>
           </a:p>
           <a:p>
             <a:pPr lvl="3"/>
             <a:r>
-              <a:rPr lang="it-IT" smtClean="0"/>
+              <a:rPr lang="it-IT"/>
               <a:t>Quarto livello</a:t>
             </a:r>
           </a:p>
           <a:p>
             <a:pPr lvl="4"/>
             <a:r>
-              <a:rPr lang="it-IT" smtClean="0"/>
+              <a:rPr lang="it-IT"/>
               <a:t>Quinto livello</a:t>
             </a:r>
-            <a:endParaRPr lang="it-IT"/>
           </a:p>
         </p:txBody>
       </p:sp>
@@ -1709,10 +1697,9 @@
           <a:lstStyle/>
           <a:p>
             <a:r>
-              <a:rPr lang="it-IT" smtClean="0"/>
+              <a:rPr lang="it-IT"/>
               <a:t>Fare clic per modificare lo stile del titolo</a:t>
             </a:r>
-            <a:endParaRPr lang="it-IT"/>
           </a:p>
         </p:txBody>
       </p:sp>
@@ -1931,10 +1918,9 @@
           </a:lstStyle>
           <a:p>
             <a:r>
-              <a:rPr lang="it-IT" smtClean="0"/>
+              <a:rPr lang="it-IT"/>
               <a:t>Fare clic per modificare lo stile del titolo</a:t>
             </a:r>
-            <a:endParaRPr lang="it-IT"/>
           </a:p>
         </p:txBody>
       </p:sp>
@@ -1988,38 +1974,37 @@
           <a:p>
             <a:pPr lvl="0"/>
             <a:r>
-              <a:rPr lang="it-IT" smtClean="0"/>
+              <a:rPr lang="it-IT"/>
               <a:t>Modifica gli stili del testo dello schema</a:t>
             </a:r>
           </a:p>
           <a:p>
             <a:pPr lvl="1"/>
             <a:r>
-              <a:rPr lang="it-IT" smtClean="0"/>
+              <a:rPr lang="it-IT"/>
               <a:t>Secondo livello</a:t>
             </a:r>
           </a:p>
           <a:p>
             <a:pPr lvl="2"/>
             <a:r>
-              <a:rPr lang="it-IT" smtClean="0"/>
+              <a:rPr lang="it-IT"/>
               <a:t>Terzo livello</a:t>
             </a:r>
           </a:p>
           <a:p>
             <a:pPr lvl="3"/>
             <a:r>
-              <a:rPr lang="it-IT" smtClean="0"/>
+              <a:rPr lang="it-IT"/>
               <a:t>Quarto livello</a:t>
             </a:r>
           </a:p>
           <a:p>
             <a:pPr lvl="4"/>
             <a:r>
-              <a:rPr lang="it-IT" smtClean="0"/>
+              <a:rPr lang="it-IT"/>
               <a:t>Quinto livello</a:t>
             </a:r>
-            <a:endParaRPr lang="it-IT"/>
           </a:p>
         </p:txBody>
       </p:sp>
@@ -2082,7 +2067,7 @@
           <a:p>
             <a:pPr lvl="0"/>
             <a:r>
-              <a:rPr lang="it-IT" smtClean="0"/>
+              <a:rPr lang="it-IT"/>
               <a:t>Modifica gli stili del testo dello schema</a:t>
             </a:r>
           </a:p>
@@ -2208,10 +2193,9 @@
           </a:lstStyle>
           <a:p>
             <a:r>
-              <a:rPr lang="it-IT" smtClean="0"/>
+              <a:rPr lang="it-IT"/>
               <a:t>Fare clic per modificare lo stile del titolo</a:t>
             </a:r>
-            <a:endParaRPr lang="it-IT"/>
           </a:p>
         </p:txBody>
       </p:sp>
@@ -2335,7 +2319,7 @@
           <a:p>
             <a:pPr lvl="0"/>
             <a:r>
-              <a:rPr lang="it-IT" smtClean="0"/>
+              <a:rPr lang="it-IT"/>
               <a:t>Modifica gli stili del testo dello schema</a:t>
             </a:r>
           </a:p>
@@ -2467,10 +2451,9 @@
           <a:lstStyle/>
           <a:p>
             <a:r>
-              <a:rPr lang="it-IT" smtClean="0"/>
+              <a:rPr lang="it-IT"/>
               <a:t>Fare clic per modificare lo stile del titolo</a:t>
             </a:r>
-            <a:endParaRPr lang="it-IT"/>
           </a:p>
         </p:txBody>
       </p:sp>
@@ -2501,38 +2484,37 @@
           <a:p>
             <a:pPr lvl="0"/>
             <a:r>
-              <a:rPr lang="it-IT" smtClean="0"/>
+              <a:rPr lang="it-IT"/>
               <a:t>Modifica gli stili del testo dello schema</a:t>
             </a:r>
           </a:p>
           <a:p>
             <a:pPr lvl="1"/>
             <a:r>
-              <a:rPr lang="it-IT" smtClean="0"/>
+              <a:rPr lang="it-IT"/>
               <a:t>Secondo livello</a:t>
             </a:r>
           </a:p>
           <a:p>
             <a:pPr lvl="2"/>
             <a:r>
-              <a:rPr lang="it-IT" smtClean="0"/>
+              <a:rPr lang="it-IT"/>
               <a:t>Terzo livello</a:t>
             </a:r>
           </a:p>
           <a:p>
             <a:pPr lvl="3"/>
             <a:r>
-              <a:rPr lang="it-IT" smtClean="0"/>
+              <a:rPr lang="it-IT"/>
               <a:t>Quarto livello</a:t>
             </a:r>
           </a:p>
           <a:p>
             <a:pPr lvl="4"/>
             <a:r>
-              <a:rPr lang="it-IT" smtClean="0"/>
+              <a:rPr lang="it-IT"/>
               <a:t>Quinto livello</a:t>
             </a:r>
-            <a:endParaRPr lang="it-IT"/>
           </a:p>
         </p:txBody>
       </p:sp>
@@ -3024,19 +3006,19 @@
           <a:p>
             <a:pPr algn="l"/>
             <a:r>
-              <a:rPr lang="it-IT" dirty="0" err="1" smtClean="0">
+              <a:rPr lang="it-IT" dirty="0" err="1">
                 <a:latin typeface="Cooper Black" panose="0208090404030B020404" pitchFamily="18" charset="0"/>
               </a:rPr>
               <a:t>Gacha</a:t>
             </a:r>
             <a:r>
-              <a:rPr lang="it-IT" dirty="0" smtClean="0">
+              <a:rPr lang="it-IT" dirty="0">
                 <a:latin typeface="Cooper Black" panose="0208090404030B020404" pitchFamily="18" charset="0"/>
               </a:rPr>
               <a:t> Collection </a:t>
             </a:r>
             <a:r>
-              <a:rPr lang="it-IT" dirty="0" err="1" smtClean="0">
+              <a:rPr lang="it-IT" dirty="0" err="1">
                 <a:latin typeface="Cooper Black" panose="0208090404030B020404" pitchFamily="18" charset="0"/>
               </a:rPr>
               <a:t>Beckend</a:t>
@@ -3069,7 +3051,7 @@
           <a:p>
             <a:pPr algn="l"/>
             <a:r>
-              <a:rPr lang="en-US" dirty="0" smtClean="0"/>
+              <a:rPr lang="en-US" dirty="0"/>
               <a:t>290AA – Advanced Software Engineering</a:t>
             </a:r>
             <a:endParaRPr lang="it-IT" dirty="0"/>
@@ -3264,58 +3246,57 @@
           <a:p>
             <a:pPr algn="l"/>
             <a:r>
-              <a:rPr lang="en-US" sz="1600" dirty="0" smtClean="0"/>
+              <a:rPr lang="en-US" sz="1600" dirty="0"/>
               <a:t>Group</a:t>
             </a:r>
             <a:r>
-              <a:rPr lang="it-IT" sz="1600" dirty="0" smtClean="0"/>
+              <a:rPr lang="it-IT" sz="1600" dirty="0"/>
               <a:t>:</a:t>
             </a:r>
             <a:br>
-              <a:rPr lang="it-IT" sz="1600" dirty="0" smtClean="0"/>
+              <a:rPr lang="it-IT" sz="1600" dirty="0"/>
             </a:br>
             <a:r>
-              <a:rPr lang="it-IT" sz="1600" dirty="0" err="1" smtClean="0"/>
+              <a:rPr lang="it-IT" sz="1600" dirty="0" err="1"/>
               <a:t>Ardizzoni</a:t>
             </a:r>
             <a:r>
-              <a:rPr lang="it-IT" sz="1600" dirty="0" smtClean="0"/>
+              <a:rPr lang="it-IT" sz="1600" dirty="0"/>
               <a:t> Francesco</a:t>
             </a:r>
             <a:br>
-              <a:rPr lang="it-IT" sz="1600" dirty="0" smtClean="0"/>
+              <a:rPr lang="it-IT" sz="1600" dirty="0"/>
             </a:br>
             <a:r>
-              <a:rPr lang="it-IT" sz="1600" dirty="0" smtClean="0"/>
+              <a:rPr lang="it-IT" sz="1600" dirty="0"/>
               <a:t>Del Castello Diego</a:t>
             </a:r>
             <a:br>
-              <a:rPr lang="it-IT" sz="1600" dirty="0" smtClean="0"/>
+              <a:rPr lang="it-IT" sz="1600" dirty="0"/>
             </a:br>
             <a:r>
-              <a:rPr lang="it-IT" sz="1600" dirty="0" err="1" smtClean="0"/>
+              <a:rPr lang="it-IT" sz="1600" dirty="0" err="1"/>
               <a:t>Prestifilippo</a:t>
             </a:r>
             <a:r>
-              <a:rPr lang="it-IT" sz="1600" dirty="0" smtClean="0"/>
+              <a:rPr lang="it-IT" sz="1600" dirty="0"/>
               <a:t> </a:t>
             </a:r>
             <a:r>
-              <a:rPr lang="it-IT" sz="1600" dirty="0" err="1" smtClean="0"/>
+              <a:rPr lang="it-IT" sz="1600" dirty="0" err="1"/>
               <a:t>Colombrino</a:t>
             </a:r>
             <a:r>
-              <a:rPr lang="it-IT" sz="1600" dirty="0" smtClean="0"/>
+              <a:rPr lang="it-IT" sz="1600" dirty="0"/>
               <a:t> Mattia</a:t>
             </a:r>
             <a:br>
-              <a:rPr lang="it-IT" sz="1600" dirty="0" smtClean="0"/>
+              <a:rPr lang="it-IT" sz="1600" dirty="0"/>
             </a:br>
             <a:r>
-              <a:rPr lang="it-IT" sz="1600" dirty="0" smtClean="0"/>
+              <a:rPr lang="it-IT" sz="1600" dirty="0"/>
               <a:t>Tortorelli Felice</a:t>
             </a:r>
-            <a:endParaRPr lang="it-IT" sz="1600" dirty="0"/>
           </a:p>
         </p:txBody>
       </p:sp>
@@ -3329,13 +3310,560 @@
   <p:clrMapOvr>
     <a:masterClrMapping/>
   </p:clrMapOvr>
-  <p:timing>
-    <p:tnLst>
-      <p:par>
-        <p:cTn id="1" dur="indefinite" restart="never" nodeType="tmRoot"/>
-      </p:par>
-    </p:tnLst>
-  </p:timing>
+</p:sld>
+</file>
+
+<file path=ppt/slides/slide10.xml><?xml version="1.0" encoding="utf-8"?>
+<p:sld xmlns:a="http://schemas.openxmlformats.org/drawingml/2006/main" xmlns:r="http://schemas.openxmlformats.org/officeDocument/2006/relationships" xmlns:p="http://schemas.openxmlformats.org/presentationml/2006/main">
+  <p:cSld>
+    <p:spTree>
+      <p:nvGrpSpPr>
+        <p:cNvPr id="1" name=""/>
+        <p:cNvGrpSpPr/>
+        <p:nvPr/>
+      </p:nvGrpSpPr>
+      <p:grpSpPr>
+        <a:xfrm>
+          <a:off x="0" y="0"/>
+          <a:ext cx="0" cy="0"/>
+          <a:chOff x="0" y="0"/>
+          <a:chExt cx="0" cy="0"/>
+        </a:xfrm>
+      </p:grpSpPr>
+      <p:sp>
+        <p:nvSpPr>
+          <p:cNvPr id="2" name="Titolo 1">
+            <a:extLst>
+              <a:ext uri="{FF2B5EF4-FFF2-40B4-BE49-F238E27FC236}">
+                <a16:creationId xmlns:a16="http://schemas.microsoft.com/office/drawing/2014/main" id="{B535146B-83DC-CCE7-7A6D-1A76BDE93113}"/>
+              </a:ext>
+            </a:extLst>
+          </p:cNvPr>
+          <p:cNvSpPr>
+            <a:spLocks noGrp="1"/>
+          </p:cNvSpPr>
+          <p:nvPr>
+            <p:ph type="title"/>
+          </p:nvPr>
+        </p:nvSpPr>
+        <p:spPr/>
+        <p:txBody>
+          <a:bodyPr>
+            <a:normAutofit fontScale="90000"/>
+          </a:bodyPr>
+          <a:lstStyle/>
+          <a:p>
+            <a:pPr algn="ctr"/>
+            <a:r>
+              <a:rPr lang="en-US" b="1" i="0" dirty="0">
+                <a:solidFill>
+                  <a:srgbClr val="0D0D0D"/>
+                </a:solidFill>
+                <a:effectLst/>
+                <a:latin typeface="ui-sans-serif"/>
+              </a:rPr>
+              <a:t>Flow Example2:</a:t>
+            </a:r>
+            <a:br>
+              <a:rPr lang="en-US" b="1" i="0" dirty="0">
+                <a:solidFill>
+                  <a:srgbClr val="0D0D0D"/>
+                </a:solidFill>
+                <a:effectLst/>
+                <a:latin typeface="ui-sans-serif"/>
+              </a:rPr>
+            </a:br>
+            <a:r>
+              <a:rPr lang="en-US" b="1" i="0" dirty="0">
+                <a:solidFill>
+                  <a:srgbClr val="0D0D0D"/>
+                </a:solidFill>
+                <a:effectLst/>
+                <a:latin typeface="ui-sans-serif"/>
+              </a:rPr>
+              <a:t> </a:t>
+            </a:r>
+            <a:r>
+              <a:rPr lang="en-US" sz="3200" b="1" dirty="0">
+                <a:effectLst/>
+                <a:latin typeface="Aptos" panose="020B0004020202020204" pitchFamily="34" charset="0"/>
+                <a:ea typeface="Aptos" panose="020B0004020202020204" pitchFamily="34" charset="0"/>
+                <a:cs typeface="Times New Roman" panose="02020603050405020304" pitchFamily="18" charset="0"/>
+              </a:rPr>
+              <a:t>a user wants to login into the system with his credentials</a:t>
+            </a:r>
+            <a:endParaRPr lang="it-IT" dirty="0"/>
+          </a:p>
+        </p:txBody>
+      </p:sp>
+      <p:sp>
+        <p:nvSpPr>
+          <p:cNvPr id="3" name="CasellaDiTesto 2">
+            <a:extLst>
+              <a:ext uri="{FF2B5EF4-FFF2-40B4-BE49-F238E27FC236}">
+                <a16:creationId xmlns:a16="http://schemas.microsoft.com/office/drawing/2014/main" id="{6FE048D2-0A5F-4FCC-1543-F213457023B4}"/>
+              </a:ext>
+            </a:extLst>
+          </p:cNvPr>
+          <p:cNvSpPr txBox="1"/>
+          <p:nvPr/>
+        </p:nvSpPr>
+        <p:spPr>
+          <a:xfrm>
+            <a:off x="838200" y="1968759"/>
+            <a:ext cx="10402078" cy="3547381"/>
+          </a:xfrm>
+          <a:prstGeom prst="rect">
+            <a:avLst/>
+          </a:prstGeom>
+          <a:noFill/>
+        </p:spPr>
+        <p:txBody>
+          <a:bodyPr wrap="square" rtlCol="0">
+            <a:spAutoFit/>
+          </a:bodyPr>
+          <a:lstStyle/>
+          <a:p>
+            <a:pPr>
+              <a:lnSpc>
+                <a:spcPct val="107000"/>
+              </a:lnSpc>
+              <a:spcAft>
+                <a:spcPts val="800"/>
+              </a:spcAft>
+            </a:pPr>
+            <a:r>
+              <a:rPr lang="en-US" sz="1800" b="1" kern="100" dirty="0">
+                <a:effectLst/>
+                <a:latin typeface="Aptos" panose="020B0004020202020204" pitchFamily="34" charset="0"/>
+                <a:ea typeface="Aptos" panose="020B0004020202020204" pitchFamily="34" charset="0"/>
+                <a:cs typeface="Times New Roman" panose="02020603050405020304" pitchFamily="18" charset="0"/>
+              </a:rPr>
+              <a:t>The </a:t>
+            </a:r>
+            <a:r>
+              <a:rPr lang="en-US" sz="1800" b="1" kern="100" dirty="0" err="1">
+                <a:effectLst/>
+                <a:latin typeface="Aptos" panose="020B0004020202020204" pitchFamily="34" charset="0"/>
+                <a:ea typeface="Aptos" panose="020B0004020202020204" pitchFamily="34" charset="0"/>
+                <a:cs typeface="Times New Roman" panose="02020603050405020304" pitchFamily="18" charset="0"/>
+              </a:rPr>
+              <a:t>login_user</a:t>
+            </a:r>
+            <a:r>
+              <a:rPr lang="en-US" sz="1800" b="1" kern="100" dirty="0">
+                <a:effectLst/>
+                <a:latin typeface="Aptos" panose="020B0004020202020204" pitchFamily="34" charset="0"/>
+                <a:ea typeface="Aptos" panose="020B0004020202020204" pitchFamily="34" charset="0"/>
+                <a:cs typeface="Times New Roman" panose="02020603050405020304" pitchFamily="18" charset="0"/>
+              </a:rPr>
+              <a:t>-related services are exposed externally to clients on port 8000 via an API gateway. When an HTTPS request is received for user registration, the API gateway forwards the HTTPS request to the auth-service/</a:t>
+            </a:r>
+            <a:r>
+              <a:rPr lang="en-US" sz="1800" b="1" kern="100" dirty="0" err="1">
+                <a:effectLst/>
+                <a:latin typeface="Aptos" panose="020B0004020202020204" pitchFamily="34" charset="0"/>
+                <a:ea typeface="Aptos" panose="020B0004020202020204" pitchFamily="34" charset="0"/>
+                <a:cs typeface="Times New Roman" panose="02020603050405020304" pitchFamily="18" charset="0"/>
+              </a:rPr>
+              <a:t>login_user</a:t>
+            </a:r>
+            <a:r>
+              <a:rPr lang="en-US" sz="1800" b="1" kern="100" dirty="0">
+                <a:effectLst/>
+                <a:latin typeface="Aptos" panose="020B0004020202020204" pitchFamily="34" charset="0"/>
+                <a:ea typeface="Aptos" panose="020B0004020202020204" pitchFamily="34" charset="0"/>
+                <a:cs typeface="Times New Roman" panose="02020603050405020304" pitchFamily="18" charset="0"/>
+              </a:rPr>
+              <a:t> on port 8001.</a:t>
+            </a:r>
+            <a:endParaRPr lang="it-IT" sz="1800" kern="100" dirty="0">
+              <a:effectLst/>
+              <a:latin typeface="Aptos" panose="020B0004020202020204" pitchFamily="34" charset="0"/>
+              <a:ea typeface="Aptos" panose="020B0004020202020204" pitchFamily="34" charset="0"/>
+              <a:cs typeface="Times New Roman" panose="02020603050405020304" pitchFamily="18" charset="0"/>
+            </a:endParaRPr>
+          </a:p>
+          <a:p>
+            <a:pPr>
+              <a:lnSpc>
+                <a:spcPct val="107000"/>
+              </a:lnSpc>
+              <a:spcAft>
+                <a:spcPts val="800"/>
+              </a:spcAft>
+            </a:pPr>
+            <a:r>
+              <a:rPr lang="en-US" sz="1800" b="1" kern="100" dirty="0">
+                <a:effectLst/>
+                <a:latin typeface="Aptos" panose="020B0004020202020204" pitchFamily="34" charset="0"/>
+                <a:ea typeface="Aptos" panose="020B0004020202020204" pitchFamily="34" charset="0"/>
+                <a:cs typeface="Times New Roman" panose="02020603050405020304" pitchFamily="18" charset="0"/>
+              </a:rPr>
+              <a:t>The auth-service itself exposes APIs on port 8001 to handle user login. To interface with the database, auth-service sends an HTTPS request to the </a:t>
+            </a:r>
+            <a:r>
+              <a:rPr lang="en-US" sz="1800" b="1" kern="100" dirty="0" err="1">
+                <a:effectLst/>
+                <a:latin typeface="Aptos" panose="020B0004020202020204" pitchFamily="34" charset="0"/>
+                <a:ea typeface="Aptos" panose="020B0004020202020204" pitchFamily="34" charset="0"/>
+                <a:cs typeface="Times New Roman" panose="02020603050405020304" pitchFamily="18" charset="0"/>
+              </a:rPr>
+              <a:t>db_manager</a:t>
+            </a:r>
+            <a:r>
+              <a:rPr lang="en-US" sz="1800" b="1" kern="100" dirty="0">
+                <a:effectLst/>
+                <a:latin typeface="Aptos" panose="020B0004020202020204" pitchFamily="34" charset="0"/>
+                <a:ea typeface="Aptos" panose="020B0004020202020204" pitchFamily="34" charset="0"/>
+                <a:cs typeface="Times New Roman" panose="02020603050405020304" pitchFamily="18" charset="0"/>
+              </a:rPr>
+              <a:t>( containing the user's email), which provides APIs for database-related operations. These database-related APIs are exposed by the </a:t>
+            </a:r>
+            <a:r>
+              <a:rPr lang="en-US" sz="1800" b="1" kern="100" dirty="0" err="1">
+                <a:effectLst/>
+                <a:latin typeface="Aptos" panose="020B0004020202020204" pitchFamily="34" charset="0"/>
+                <a:ea typeface="Aptos" panose="020B0004020202020204" pitchFamily="34" charset="0"/>
+                <a:cs typeface="Times New Roman" panose="02020603050405020304" pitchFamily="18" charset="0"/>
+              </a:rPr>
+              <a:t>db_manager</a:t>
+            </a:r>
+            <a:r>
+              <a:rPr lang="en-US" sz="1800" b="1" kern="100" dirty="0">
+                <a:effectLst/>
+                <a:latin typeface="Aptos" panose="020B0004020202020204" pitchFamily="34" charset="0"/>
+                <a:ea typeface="Aptos" panose="020B0004020202020204" pitchFamily="34" charset="0"/>
+                <a:cs typeface="Times New Roman" panose="02020603050405020304" pitchFamily="18" charset="0"/>
+              </a:rPr>
+              <a:t> on port 8005.</a:t>
+            </a:r>
+            <a:endParaRPr lang="it-IT" sz="1800" kern="100" dirty="0">
+              <a:effectLst/>
+              <a:latin typeface="Aptos" panose="020B0004020202020204" pitchFamily="34" charset="0"/>
+              <a:ea typeface="Aptos" panose="020B0004020202020204" pitchFamily="34" charset="0"/>
+              <a:cs typeface="Times New Roman" panose="02020603050405020304" pitchFamily="18" charset="0"/>
+            </a:endParaRPr>
+          </a:p>
+          <a:p>
+            <a:pPr>
+              <a:lnSpc>
+                <a:spcPct val="107000"/>
+              </a:lnSpc>
+              <a:spcAft>
+                <a:spcPts val="800"/>
+              </a:spcAft>
+            </a:pPr>
+            <a:r>
+              <a:rPr lang="en-US" sz="1800" b="1" kern="100" dirty="0">
+                <a:effectLst/>
+                <a:latin typeface="Aptos" panose="020B0004020202020204" pitchFamily="34" charset="0"/>
+                <a:ea typeface="Aptos" panose="020B0004020202020204" pitchFamily="34" charset="0"/>
+                <a:cs typeface="Times New Roman" panose="02020603050405020304" pitchFamily="18" charset="0"/>
+              </a:rPr>
+              <a:t>The </a:t>
+            </a:r>
+            <a:r>
+              <a:rPr lang="en-US" sz="1800" b="1" kern="100" dirty="0" err="1">
+                <a:effectLst/>
+                <a:latin typeface="Aptos" panose="020B0004020202020204" pitchFamily="34" charset="0"/>
+                <a:ea typeface="Aptos" panose="020B0004020202020204" pitchFamily="34" charset="0"/>
+                <a:cs typeface="Times New Roman" panose="02020603050405020304" pitchFamily="18" charset="0"/>
+              </a:rPr>
+              <a:t>db</a:t>
+            </a:r>
+            <a:r>
+              <a:rPr lang="en-US" sz="1800" b="1" kern="100" dirty="0">
+                <a:effectLst/>
+                <a:latin typeface="Aptos" panose="020B0004020202020204" pitchFamily="34" charset="0"/>
+                <a:ea typeface="Aptos" panose="020B0004020202020204" pitchFamily="34" charset="0"/>
+                <a:cs typeface="Times New Roman" panose="02020603050405020304" pitchFamily="18" charset="0"/>
+              </a:rPr>
+              <a:t>-manager performs a lookup through the email provided and returns the corresponding encrypted password if successful. The </a:t>
+            </a:r>
+            <a:r>
+              <a:rPr lang="en-US" sz="1800" b="1" kern="100" dirty="0" err="1">
+                <a:effectLst/>
+                <a:latin typeface="Aptos" panose="020B0004020202020204" pitchFamily="34" charset="0"/>
+                <a:ea typeface="Aptos" panose="020B0004020202020204" pitchFamily="34" charset="0"/>
+                <a:cs typeface="Times New Roman" panose="02020603050405020304" pitchFamily="18" charset="0"/>
+              </a:rPr>
+              <a:t>auth.service</a:t>
+            </a:r>
+            <a:r>
+              <a:rPr lang="en-US" sz="1800" b="1" kern="100" dirty="0">
+                <a:effectLst/>
+                <a:latin typeface="Aptos" panose="020B0004020202020204" pitchFamily="34" charset="0"/>
+                <a:ea typeface="Aptos" panose="020B0004020202020204" pitchFamily="34" charset="0"/>
+                <a:cs typeface="Times New Roman" panose="02020603050405020304" pitchFamily="18" charset="0"/>
+              </a:rPr>
+              <a:t> service will then perform a check on the password now encrypted by the user and the one received from the </a:t>
+            </a:r>
+            <a:r>
+              <a:rPr lang="en-US" sz="1800" b="1" kern="100" dirty="0" err="1">
+                <a:effectLst/>
+                <a:latin typeface="Aptos" panose="020B0004020202020204" pitchFamily="34" charset="0"/>
+                <a:ea typeface="Aptos" panose="020B0004020202020204" pitchFamily="34" charset="0"/>
+                <a:cs typeface="Times New Roman" panose="02020603050405020304" pitchFamily="18" charset="0"/>
+              </a:rPr>
+              <a:t>db</a:t>
+            </a:r>
+            <a:r>
+              <a:rPr lang="en-US" sz="1800" b="1" kern="100" dirty="0">
+                <a:effectLst/>
+                <a:latin typeface="Aptos" panose="020B0004020202020204" pitchFamily="34" charset="0"/>
+                <a:ea typeface="Aptos" panose="020B0004020202020204" pitchFamily="34" charset="0"/>
+                <a:cs typeface="Times New Roman" panose="02020603050405020304" pitchFamily="18" charset="0"/>
+              </a:rPr>
+              <a:t>-manager. If the match is positive, the auth-service service will then forward the login to the </a:t>
+            </a:r>
+            <a:r>
+              <a:rPr lang="en-US" sz="1800" b="1" kern="100" dirty="0" err="1">
+                <a:effectLst/>
+                <a:latin typeface="Aptos" panose="020B0004020202020204" pitchFamily="34" charset="0"/>
+                <a:ea typeface="Aptos" panose="020B0004020202020204" pitchFamily="34" charset="0"/>
+                <a:cs typeface="Times New Roman" panose="02020603050405020304" pitchFamily="18" charset="0"/>
+              </a:rPr>
+              <a:t>api</a:t>
+            </a:r>
+            <a:r>
+              <a:rPr lang="en-US" sz="1800" b="1" kern="100" dirty="0">
+                <a:effectLst/>
+                <a:latin typeface="Aptos" panose="020B0004020202020204" pitchFamily="34" charset="0"/>
+                <a:ea typeface="Aptos" panose="020B0004020202020204" pitchFamily="34" charset="0"/>
+                <a:cs typeface="Times New Roman" panose="02020603050405020304" pitchFamily="18" charset="0"/>
+              </a:rPr>
+              <a:t>-gateway.</a:t>
+            </a:r>
+            <a:endParaRPr lang="it-IT" sz="1800" kern="100" dirty="0">
+              <a:effectLst/>
+              <a:latin typeface="Aptos" panose="020B0004020202020204" pitchFamily="34" charset="0"/>
+              <a:ea typeface="Aptos" panose="020B0004020202020204" pitchFamily="34" charset="0"/>
+              <a:cs typeface="Times New Roman" panose="02020603050405020304" pitchFamily="18" charset="0"/>
+            </a:endParaRPr>
+          </a:p>
+        </p:txBody>
+      </p:sp>
+    </p:spTree>
+    <p:extLst>
+      <p:ext uri="{BB962C8B-B14F-4D97-AF65-F5344CB8AC3E}">
+        <p14:creationId xmlns:p14="http://schemas.microsoft.com/office/powerpoint/2010/main" val="2917735196"/>
+      </p:ext>
+    </p:extLst>
+  </p:cSld>
+  <p:clrMapOvr>
+    <a:masterClrMapping/>
+  </p:clrMapOvr>
+</p:sld>
+</file>
+
+<file path=ppt/slides/slide11.xml><?xml version="1.0" encoding="utf-8"?>
+<p:sld xmlns:a="http://schemas.openxmlformats.org/drawingml/2006/main" xmlns:r="http://schemas.openxmlformats.org/officeDocument/2006/relationships" xmlns:p="http://schemas.openxmlformats.org/presentationml/2006/main">
+  <p:cSld>
+    <p:spTree>
+      <p:nvGrpSpPr>
+        <p:cNvPr id="1" name=""/>
+        <p:cNvGrpSpPr/>
+        <p:nvPr/>
+      </p:nvGrpSpPr>
+      <p:grpSpPr>
+        <a:xfrm>
+          <a:off x="0" y="0"/>
+          <a:ext cx="0" cy="0"/>
+          <a:chOff x="0" y="0"/>
+          <a:chExt cx="0" cy="0"/>
+        </a:xfrm>
+      </p:grpSpPr>
+      <p:sp>
+        <p:nvSpPr>
+          <p:cNvPr id="2" name="Titolo 1">
+            <a:extLst>
+              <a:ext uri="{FF2B5EF4-FFF2-40B4-BE49-F238E27FC236}">
+                <a16:creationId xmlns:a16="http://schemas.microsoft.com/office/drawing/2014/main" id="{E7B44D84-163C-5DF6-8CD9-08ADC1A7EEFE}"/>
+              </a:ext>
+            </a:extLst>
+          </p:cNvPr>
+          <p:cNvSpPr>
+            <a:spLocks noGrp="1"/>
+          </p:cNvSpPr>
+          <p:nvPr>
+            <p:ph type="title"/>
+          </p:nvPr>
+        </p:nvSpPr>
+        <p:spPr>
+          <a:xfrm>
+            <a:off x="0" y="365125"/>
+            <a:ext cx="12192000" cy="1370369"/>
+          </a:xfrm>
+        </p:spPr>
+        <p:txBody>
+          <a:bodyPr>
+            <a:normAutofit/>
+          </a:bodyPr>
+          <a:lstStyle/>
+          <a:p>
+            <a:pPr algn="ctr"/>
+            <a:r>
+              <a:rPr lang="en-US" b="1" i="0" dirty="0">
+                <a:solidFill>
+                  <a:srgbClr val="0D0D0D"/>
+                </a:solidFill>
+                <a:effectLst/>
+                <a:latin typeface="ui-sans-serif"/>
+              </a:rPr>
+              <a:t>Flow Example3:</a:t>
+            </a:r>
+            <a:br>
+              <a:rPr lang="en-US" b="1" i="0" dirty="0">
+                <a:solidFill>
+                  <a:srgbClr val="0D0D0D"/>
+                </a:solidFill>
+                <a:effectLst/>
+                <a:latin typeface="ui-sans-serif"/>
+              </a:rPr>
+            </a:br>
+            <a:r>
+              <a:rPr lang="en-US" b="1" i="0" dirty="0">
+                <a:solidFill>
+                  <a:srgbClr val="0D0D0D"/>
+                </a:solidFill>
+                <a:effectLst/>
+                <a:latin typeface="ui-sans-serif"/>
+              </a:rPr>
+              <a:t> </a:t>
+            </a:r>
+            <a:r>
+              <a:rPr lang="en-US" sz="4400" b="1" dirty="0">
+                <a:effectLst/>
+                <a:latin typeface="Aptos" panose="020B0004020202020204" pitchFamily="34" charset="0"/>
+                <a:ea typeface="Aptos" panose="020B0004020202020204" pitchFamily="34" charset="0"/>
+                <a:cs typeface="Times New Roman" panose="02020603050405020304" pitchFamily="18" charset="0"/>
+              </a:rPr>
+              <a:t>a user wants to roll a </a:t>
+            </a:r>
+            <a:r>
+              <a:rPr lang="en-US" sz="4400" b="1" dirty="0" err="1">
+                <a:effectLst/>
+                <a:latin typeface="Aptos" panose="020B0004020202020204" pitchFamily="34" charset="0"/>
+                <a:ea typeface="Aptos" panose="020B0004020202020204" pitchFamily="34" charset="0"/>
+                <a:cs typeface="Times New Roman" panose="02020603050405020304" pitchFamily="18" charset="0"/>
+              </a:rPr>
+              <a:t>gacha</a:t>
+            </a:r>
+            <a:endParaRPr lang="it-IT" dirty="0"/>
+          </a:p>
+        </p:txBody>
+      </p:sp>
+      <p:sp>
+        <p:nvSpPr>
+          <p:cNvPr id="3" name="CasellaDiTesto 2">
+            <a:extLst>
+              <a:ext uri="{FF2B5EF4-FFF2-40B4-BE49-F238E27FC236}">
+                <a16:creationId xmlns:a16="http://schemas.microsoft.com/office/drawing/2014/main" id="{364572C7-51D7-709D-8C5B-6598ADD5B1A7}"/>
+              </a:ext>
+            </a:extLst>
+          </p:cNvPr>
+          <p:cNvSpPr txBox="1"/>
+          <p:nvPr/>
+        </p:nvSpPr>
+        <p:spPr>
+          <a:xfrm>
+            <a:off x="886408" y="2192694"/>
+            <a:ext cx="10692882" cy="2246769"/>
+          </a:xfrm>
+          <a:prstGeom prst="rect">
+            <a:avLst/>
+          </a:prstGeom>
+          <a:noFill/>
+        </p:spPr>
+        <p:txBody>
+          <a:bodyPr wrap="square" rtlCol="0">
+            <a:spAutoFit/>
+          </a:bodyPr>
+          <a:lstStyle/>
+          <a:p>
+            <a:r>
+              <a:rPr lang="en-US" sz="2000" b="1" dirty="0"/>
+              <a:t>The currency service is exposed to external clients through an API Gateway on port 8000. When an HTTPS request for </a:t>
+            </a:r>
+            <a:r>
+              <a:rPr lang="en-US" sz="2000" b="1" dirty="0" err="1"/>
+              <a:t>roll_gacha</a:t>
+            </a:r>
+            <a:r>
+              <a:rPr lang="en-US" sz="2000" b="1" dirty="0"/>
+              <a:t> or </a:t>
+            </a:r>
+            <a:r>
+              <a:rPr lang="en-US" sz="2000" b="1" dirty="0" err="1"/>
+              <a:t>buy_currency</a:t>
+            </a:r>
+            <a:r>
+              <a:rPr lang="en-US" sz="2000" b="1" dirty="0"/>
+              <a:t> is received, the API Gateway forwards the request to the </a:t>
+            </a:r>
+            <a:r>
+              <a:rPr lang="en-US" sz="2000" b="1" dirty="0" err="1"/>
+              <a:t>currency_service</a:t>
+            </a:r>
+            <a:r>
+              <a:rPr lang="en-US" sz="2000" b="1" dirty="0"/>
+              <a:t> via HTTPS on port 8004. The </a:t>
+            </a:r>
+            <a:r>
+              <a:rPr lang="en-US" sz="2000" b="1" dirty="0" err="1"/>
+              <a:t>currency_service</a:t>
+            </a:r>
+            <a:r>
+              <a:rPr lang="en-US" sz="2000" b="1" dirty="0"/>
+              <a:t> is responsible for implementing the business logic associated with these requests. To interface with the database, the </a:t>
+            </a:r>
+            <a:r>
+              <a:rPr lang="en-US" sz="2000" b="1" dirty="0" err="1"/>
+              <a:t>currency_service</a:t>
+            </a:r>
+            <a:r>
+              <a:rPr lang="en-US" sz="2000" b="1" dirty="0"/>
+              <a:t> sends an HTTPS request to the </a:t>
+            </a:r>
+            <a:r>
+              <a:rPr lang="en-US" sz="2000" b="1" dirty="0" err="1"/>
+              <a:t>db_manager</a:t>
+            </a:r>
+            <a:r>
+              <a:rPr lang="en-US" sz="2000" b="1" dirty="0"/>
+              <a:t>, which listens on port 8005. The </a:t>
+            </a:r>
+            <a:r>
+              <a:rPr lang="en-US" sz="2000" b="1" dirty="0" err="1"/>
+              <a:t>db_manager</a:t>
+            </a:r>
+            <a:r>
+              <a:rPr lang="en-US" sz="2000" b="1" dirty="0"/>
+              <a:t> exposes APIs that handle database queries, enabling the </a:t>
+            </a:r>
+            <a:r>
+              <a:rPr lang="en-US" sz="2000" b="1" dirty="0" err="1"/>
+              <a:t>currency_service</a:t>
+            </a:r>
+            <a:r>
+              <a:rPr lang="en-US" sz="2000" b="1" dirty="0"/>
+              <a:t> to retrieve or update data as required.</a:t>
+            </a:r>
+            <a:endParaRPr lang="it-IT" sz="2000" b="1" dirty="0"/>
+          </a:p>
+        </p:txBody>
+      </p:sp>
+    </p:spTree>
+    <p:extLst>
+      <p:ext uri="{BB962C8B-B14F-4D97-AF65-F5344CB8AC3E}">
+        <p14:creationId xmlns:p14="http://schemas.microsoft.com/office/powerpoint/2010/main" val="560043698"/>
+      </p:ext>
+    </p:extLst>
+  </p:cSld>
+  <p:clrMapOvr>
+    <a:masterClrMapping/>
+  </p:clrMapOvr>
 </p:sld>
 </file>
 
@@ -3380,17 +3908,8 @@
               <a:rPr lang="it-IT" dirty="0">
                 <a:latin typeface="Cooper Black" panose="0208090404030B020404" pitchFamily="18" charset="0"/>
               </a:rPr>
-              <a:t>U</a:t>
-            </a:r>
-            <a:r>
-              <a:rPr lang="it-IT" dirty="0" smtClean="0">
-                <a:latin typeface="Cooper Black" panose="0208090404030B020404" pitchFamily="18" charset="0"/>
-              </a:rPr>
-              <a:t>ser</a:t>
-            </a:r>
-            <a:endParaRPr lang="it-IT" dirty="0">
-              <a:latin typeface="Cooper Black" panose="0208090404030B020404" pitchFamily="18" charset="0"/>
-            </a:endParaRPr>
+              <a:t>User</a:t>
+            </a:r>
           </a:p>
         </p:txBody>
       </p:sp>
@@ -3410,70 +3929,70 @@
           <a:lstStyle/>
           <a:p>
             <a:r>
-              <a:rPr lang="it-IT" dirty="0" smtClean="0"/>
+              <a:rPr lang="it-IT" dirty="0"/>
               <a:t>ID</a:t>
             </a:r>
           </a:p>
           <a:p>
             <a:r>
-              <a:rPr lang="it-IT" dirty="0" smtClean="0"/>
+              <a:rPr lang="it-IT" dirty="0"/>
               <a:t>First </a:t>
             </a:r>
             <a:r>
-              <a:rPr lang="it-IT" dirty="0" err="1" smtClean="0"/>
+              <a:rPr lang="it-IT" dirty="0" err="1"/>
               <a:t>Name</a:t>
             </a:r>
-            <a:endParaRPr lang="it-IT" dirty="0" smtClean="0"/>
-          </a:p>
-          <a:p>
-            <a:r>
-              <a:rPr lang="it-IT" dirty="0" smtClean="0"/>
+            <a:endParaRPr lang="it-IT" dirty="0"/>
+          </a:p>
+          <a:p>
+            <a:r>
+              <a:rPr lang="it-IT" dirty="0"/>
               <a:t>Last </a:t>
             </a:r>
             <a:r>
-              <a:rPr lang="it-IT" dirty="0" err="1" smtClean="0"/>
+              <a:rPr lang="it-IT" dirty="0" err="1"/>
               <a:t>Name</a:t>
             </a:r>
-            <a:endParaRPr lang="it-IT" dirty="0" smtClean="0"/>
-          </a:p>
-          <a:p>
-            <a:r>
-              <a:rPr lang="it-IT" dirty="0" smtClean="0"/>
+            <a:endParaRPr lang="it-IT" dirty="0"/>
+          </a:p>
+          <a:p>
+            <a:r>
+              <a:rPr lang="it-IT" dirty="0"/>
               <a:t>E-mail</a:t>
             </a:r>
           </a:p>
           <a:p>
             <a:r>
-              <a:rPr lang="it-IT" dirty="0" smtClean="0"/>
+              <a:rPr lang="it-IT" dirty="0"/>
               <a:t>Password (</a:t>
             </a:r>
             <a:r>
-              <a:rPr lang="it-IT" dirty="0" err="1" smtClean="0"/>
+              <a:rPr lang="it-IT" dirty="0" err="1"/>
               <a:t>hash</a:t>
             </a:r>
             <a:r>
-              <a:rPr lang="it-IT" dirty="0" smtClean="0"/>
+              <a:rPr lang="it-IT" dirty="0"/>
               <a:t>)</a:t>
             </a:r>
           </a:p>
           <a:p>
             <a:r>
-              <a:rPr lang="it-IT" dirty="0" err="1" smtClean="0"/>
+              <a:rPr lang="it-IT" dirty="0" err="1"/>
               <a:t>History</a:t>
             </a:r>
-            <a:endParaRPr lang="it-IT" dirty="0" smtClean="0"/>
-          </a:p>
-          <a:p>
-            <a:r>
-              <a:rPr lang="it-IT" dirty="0" err="1" smtClean="0"/>
+            <a:endParaRPr lang="it-IT" dirty="0"/>
+          </a:p>
+          <a:p>
+            <a:r>
+              <a:rPr lang="it-IT" dirty="0" err="1"/>
               <a:t>Currency</a:t>
             </a:r>
             <a:r>
-              <a:rPr lang="it-IT" dirty="0" smtClean="0"/>
+              <a:rPr lang="it-IT" dirty="0"/>
               <a:t> </a:t>
             </a:r>
             <a:r>
-              <a:rPr lang="it-IT" dirty="0" err="1" smtClean="0"/>
+              <a:rPr lang="it-IT" dirty="0" err="1"/>
               <a:t>Amount</a:t>
             </a:r>
             <a:endParaRPr lang="it-IT" dirty="0"/>
@@ -3542,13 +4061,6 @@
   <p:clrMapOvr>
     <a:masterClrMapping/>
   </p:clrMapOvr>
-  <p:timing>
-    <p:tnLst>
-      <p:par>
-        <p:cTn id="1" dur="indefinite" restart="never" nodeType="tmRoot"/>
-      </p:par>
-    </p:tnLst>
-  </p:timing>
 </p:sld>
 </file>
 
@@ -3593,7 +4105,7 @@
           <a:p>
             <a:pPr algn="ctr"/>
             <a:r>
-              <a:rPr lang="it-IT" sz="3200" dirty="0" err="1" smtClean="0">
+              <a:rPr lang="it-IT" sz="3200" dirty="0" err="1">
                 <a:latin typeface="Cooper Black" panose="0208090404030B020404" pitchFamily="18" charset="0"/>
               </a:rPr>
               <a:t>Catalogue</a:t>
@@ -3602,40 +4114,34 @@
               <a:rPr lang="it-IT" sz="3200" dirty="0">
                 <a:latin typeface="Cooper Black" panose="0208090404030B020404" pitchFamily="18" charset="0"/>
               </a:rPr>
-              <a:t> </a:t>
-            </a:r>
-            <a:r>
-              <a:rPr lang="it-IT" sz="3200" dirty="0" smtClean="0">
-                <a:latin typeface="Cooper Black" panose="0208090404030B020404" pitchFamily="18" charset="0"/>
-              </a:rPr>
-              <a:t>– </a:t>
-            </a:r>
-            <a:r>
-              <a:rPr lang="it-IT" sz="3200" dirty="0" err="1" smtClean="0">
+              <a:t> – </a:t>
+            </a:r>
+            <a:r>
+              <a:rPr lang="it-IT" sz="3200" dirty="0" err="1">
                 <a:latin typeface="Cooper Black" panose="0208090404030B020404" pitchFamily="18" charset="0"/>
               </a:rPr>
               <a:t>All</a:t>
             </a:r>
             <a:r>
-              <a:rPr lang="it-IT" sz="3200" dirty="0" smtClean="0">
+              <a:rPr lang="it-IT" sz="3200" dirty="0">
                 <a:latin typeface="Cooper Black" panose="0208090404030B020404" pitchFamily="18" charset="0"/>
               </a:rPr>
               <a:t> 151 </a:t>
             </a:r>
             <a:r>
-              <a:rPr lang="it-IT" sz="3200" dirty="0" err="1" smtClean="0">
+              <a:rPr lang="it-IT" sz="3200" dirty="0" err="1">
                 <a:latin typeface="Cooper Black" panose="0208090404030B020404" pitchFamily="18" charset="0"/>
               </a:rPr>
               <a:t>Pokémon</a:t>
             </a:r>
             <a:r>
-              <a:rPr lang="it-IT" sz="3200" dirty="0" smtClean="0">
+              <a:rPr lang="it-IT" sz="3200" dirty="0">
                 <a:latin typeface="Cooper Black" panose="0208090404030B020404" pitchFamily="18" charset="0"/>
               </a:rPr>
               <a:t> from 1° </a:t>
             </a:r>
             <a:r>
-              <a:rPr lang="it-IT" sz="3200" dirty="0" err="1" smtClean="0">
+              <a:rPr lang="it-IT" sz="3200" dirty="0" err="1">
                 <a:latin typeface="Cooper Black" panose="0208090404030B020404" pitchFamily="18" charset="0"/>
               </a:rPr>
               <a:t>gen</a:t>
@@ -3673,7 +4179,7 @@
           <a:lstStyle/>
           <a:p>
             <a:r>
-              <a:rPr lang="it-IT" dirty="0" smtClean="0">
+              <a:rPr lang="it-IT" dirty="0">
                 <a:ln>
                   <a:solidFill>
                     <a:schemeClr val="tx1">
@@ -3883,7 +4389,7 @@
           </a:lstStyle>
           <a:p>
             <a:r>
-              <a:rPr lang="it-IT" dirty="0" err="1" smtClean="0">
+              <a:rPr lang="it-IT" dirty="0" err="1">
                 <a:ln>
                   <a:solidFill>
                     <a:schemeClr val="accent6">
@@ -3898,7 +4404,7 @@
               <a:t>Uncommon</a:t>
             </a:r>
             <a:r>
-              <a:rPr lang="it-IT" dirty="0" smtClean="0">
+              <a:rPr lang="it-IT" dirty="0">
                 <a:ln>
                   <a:solidFill>
                     <a:schemeClr val="accent6">
@@ -3912,18 +4418,6 @@
               </a:rPr>
               <a:t> (40%)</a:t>
             </a:r>
-            <a:endParaRPr lang="it-IT" dirty="0">
-              <a:ln>
-                <a:solidFill>
-                  <a:schemeClr val="accent6">
-                    <a:lumMod val="50000"/>
-                  </a:schemeClr>
-                </a:solidFill>
-              </a:ln>
-              <a:solidFill>
-                <a:schemeClr val="bg1"/>
-              </a:solidFill>
-            </a:endParaRPr>
           </a:p>
         </p:txBody>
       </p:sp>
@@ -4119,7 +4613,7 @@
           </a:lstStyle>
           <a:p>
             <a:r>
-              <a:rPr lang="it-IT" dirty="0" smtClean="0">
+              <a:rPr lang="it-IT" dirty="0">
                 <a:ln>
                   <a:solidFill>
                     <a:schemeClr val="accent1">
@@ -4133,18 +4627,6 @@
               </a:rPr>
               <a:t>Rare (5%)</a:t>
             </a:r>
-            <a:endParaRPr lang="it-IT" dirty="0">
-              <a:ln>
-                <a:solidFill>
-                  <a:schemeClr val="accent1">
-                    <a:lumMod val="50000"/>
-                  </a:schemeClr>
-                </a:solidFill>
-              </a:ln>
-              <a:solidFill>
-                <a:schemeClr val="bg1"/>
-              </a:solidFill>
-            </a:endParaRPr>
           </a:p>
         </p:txBody>
       </p:sp>
@@ -4340,7 +4822,7 @@
           </a:lstStyle>
           <a:p>
             <a:r>
-              <a:rPr lang="it-IT" dirty="0" err="1" smtClean="0">
+              <a:rPr lang="it-IT" dirty="0" err="1">
                 <a:ln>
                   <a:solidFill>
                     <a:srgbClr val="7030A0"/>
@@ -4353,7 +4835,7 @@
               <a:t>Epic</a:t>
             </a:r>
             <a:r>
-              <a:rPr lang="it-IT" dirty="0" smtClean="0">
+              <a:rPr lang="it-IT" dirty="0">
                 <a:ln>
                   <a:solidFill>
                     <a:srgbClr val="7030A0"/>
@@ -4365,16 +4847,6 @@
               </a:rPr>
               <a:t> (0,5%)</a:t>
             </a:r>
-            <a:endParaRPr lang="it-IT" dirty="0">
-              <a:ln>
-                <a:solidFill>
-                  <a:srgbClr val="7030A0"/>
-                </a:solidFill>
-              </a:ln>
-              <a:solidFill>
-                <a:schemeClr val="bg1"/>
-              </a:solidFill>
-            </a:endParaRPr>
           </a:p>
         </p:txBody>
       </p:sp>
@@ -4570,7 +5042,7 @@
           </a:lstStyle>
           <a:p>
             <a:r>
-              <a:rPr lang="it-IT" dirty="0" err="1" smtClean="0">
+              <a:rPr lang="it-IT" dirty="0" err="1">
                 <a:ln>
                   <a:solidFill>
                     <a:schemeClr val="accent4">
@@ -4585,7 +5057,7 @@
               <a:t>Legendary</a:t>
             </a:r>
             <a:r>
-              <a:rPr lang="it-IT" dirty="0" smtClean="0">
+              <a:rPr lang="it-IT" dirty="0">
                 <a:ln>
                   <a:solidFill>
                     <a:schemeClr val="accent4">
@@ -4599,18 +5071,6 @@
               </a:rPr>
               <a:t> (0,05%)</a:t>
             </a:r>
-            <a:endParaRPr lang="it-IT" dirty="0">
-              <a:ln>
-                <a:solidFill>
-                  <a:schemeClr val="accent4">
-                    <a:lumMod val="50000"/>
-                  </a:schemeClr>
-                </a:solidFill>
-              </a:ln>
-              <a:solidFill>
-                <a:schemeClr val="bg1"/>
-              </a:solidFill>
-            </a:endParaRPr>
           </a:p>
         </p:txBody>
       </p:sp>
@@ -5950,38 +6410,35 @@
           </a:lstStyle>
           <a:p>
             <a:r>
-              <a:rPr lang="it-IT" dirty="0" smtClean="0">
+              <a:rPr lang="it-IT" dirty="0">
                 <a:latin typeface="Cooper Black" panose="0208090404030B020404" pitchFamily="18" charset="0"/>
               </a:rPr>
               <a:t>In-game </a:t>
             </a:r>
             <a:r>
-              <a:rPr lang="it-IT" dirty="0" err="1" smtClean="0">
+              <a:rPr lang="it-IT" dirty="0" err="1">
                 <a:latin typeface="Cooper Black" panose="0208090404030B020404" pitchFamily="18" charset="0"/>
               </a:rPr>
               <a:t>currency</a:t>
             </a:r>
             <a:r>
-              <a:rPr lang="it-IT" dirty="0" smtClean="0">
+              <a:rPr lang="it-IT" dirty="0">
                 <a:latin typeface="Cooper Black" panose="0208090404030B020404" pitchFamily="18" charset="0"/>
               </a:rPr>
               <a:t>: </a:t>
             </a:r>
             <a:r>
-              <a:rPr lang="it-IT" dirty="0" err="1" smtClean="0">
+              <a:rPr lang="it-IT" dirty="0" err="1">
                 <a:latin typeface="Cooper Black" panose="0208090404030B020404" pitchFamily="18" charset="0"/>
               </a:rPr>
               <a:t>Pokedollars</a:t>
             </a:r>
             <a:r>
-              <a:rPr lang="it-IT" dirty="0" smtClean="0">
+              <a:rPr lang="it-IT" dirty="0">
                 <a:latin typeface="Cooper Black" panose="0208090404030B020404" pitchFamily="18" charset="0"/>
               </a:rPr>
               <a:t> </a:t>
             </a:r>
-            <a:endParaRPr lang="it-IT" dirty="0">
-              <a:latin typeface="Cooper Black" panose="0208090404030B020404" pitchFamily="18" charset="0"/>
-            </a:endParaRPr>
           </a:p>
         </p:txBody>
       </p:sp>
@@ -6077,13 +6534,6 @@
   <p:clrMapOvr>
     <a:masterClrMapping/>
   </p:clrMapOvr>
-  <p:timing>
-    <p:tnLst>
-      <p:par>
-        <p:cTn id="1" dur="indefinite" restart="never" nodeType="tmRoot"/>
-      </p:par>
-    </p:tnLst>
-  </p:timing>
 </p:sld>
 </file>
 
@@ -6120,14 +6570,11 @@
           <a:lstStyle/>
           <a:p>
             <a:r>
-              <a:rPr lang="it-IT" dirty="0" smtClean="0">
+              <a:rPr lang="it-IT" dirty="0">
                 <a:latin typeface="Cooper Black" panose="0208090404030B020404" pitchFamily="18" charset="0"/>
               </a:rPr>
               <a:t>The Architecture</a:t>
             </a:r>
-            <a:endParaRPr lang="it-IT" dirty="0">
-              <a:latin typeface="Cooper Black" panose="0208090404030B020404" pitchFamily="18" charset="0"/>
-            </a:endParaRPr>
           </a:p>
         </p:txBody>
       </p:sp>
@@ -6165,13 +6612,6 @@
   <p:clrMapOvr>
     <a:masterClrMapping/>
   </p:clrMapOvr>
-  <p:timing>
-    <p:tnLst>
-      <p:par>
-        <p:cTn id="1" dur="indefinite" restart="never" nodeType="tmRoot"/>
-      </p:par>
-    </p:tnLst>
-  </p:timing>
 </p:sld>
 </file>
 
@@ -6261,14 +6701,11 @@
           <a:lstStyle/>
           <a:p>
             <a:r>
-              <a:rPr lang="it-IT" dirty="0" smtClean="0">
+              <a:rPr lang="it-IT" dirty="0">
                 <a:latin typeface="Cooper Black" panose="0208090404030B020404" pitchFamily="18" charset="0"/>
               </a:rPr>
               <a:t>The Architecture</a:t>
             </a:r>
-            <a:endParaRPr lang="it-IT" dirty="0">
-              <a:latin typeface="Cooper Black" panose="0208090404030B020404" pitchFamily="18" charset="0"/>
-            </a:endParaRPr>
           </a:p>
         </p:txBody>
       </p:sp>
@@ -6282,13 +6719,6 @@
   <p:clrMapOvr>
     <a:masterClrMapping/>
   </p:clrMapOvr>
-  <p:timing>
-    <p:tnLst>
-      <p:par>
-        <p:cTn id="1" dur="indefinite" restart="never" nodeType="tmRoot"/>
-      </p:par>
-    </p:tnLst>
-  </p:timing>
 </p:sld>
 </file>
 
@@ -6349,14 +6779,11 @@
           <a:lstStyle/>
           <a:p>
             <a:r>
-              <a:rPr lang="it-IT" dirty="0" smtClean="0">
+              <a:rPr lang="it-IT" dirty="0">
                 <a:latin typeface="Cooper Black" panose="0208090404030B020404" pitchFamily="18" charset="0"/>
               </a:rPr>
               <a:t>The Architecture</a:t>
             </a:r>
-            <a:endParaRPr lang="it-IT" dirty="0">
-              <a:latin typeface="Cooper Black" panose="0208090404030B020404" pitchFamily="18" charset="0"/>
-            </a:endParaRPr>
           </a:p>
         </p:txBody>
       </p:sp>
@@ -6370,13 +6797,6 @@
   <p:clrMapOvr>
     <a:masterClrMapping/>
   </p:clrMapOvr>
-  <p:timing>
-    <p:tnLst>
-      <p:par>
-        <p:cTn id="1" dur="indefinite" restart="never" nodeType="tmRoot"/>
-      </p:par>
-    </p:tnLst>
-  </p:timing>
 </p:sld>
 </file>
 
@@ -6442,7 +6862,7 @@
           <a:lstStyle/>
           <a:p>
             <a:r>
-              <a:rPr lang="it-IT" dirty="0" err="1" smtClean="0">
+              <a:rPr lang="it-IT" dirty="0" err="1">
                 <a:latin typeface="Cooper Black" panose="0208090404030B020404" pitchFamily="18" charset="0"/>
               </a:rPr>
               <a:t>Microfreshener</a:t>
@@ -6504,13 +6924,13 @@
           <a:lstStyle/>
           <a:p>
             <a:r>
-              <a:rPr lang="it-IT" dirty="0" smtClean="0">
+              <a:rPr lang="it-IT" dirty="0">
                 <a:latin typeface="Cooper Black" panose="0208090404030B020404" pitchFamily="18" charset="0"/>
               </a:rPr>
               <a:t>The micro-</a:t>
             </a:r>
             <a:r>
-              <a:rPr lang="it-IT" dirty="0" err="1" smtClean="0">
+              <a:rPr lang="it-IT" dirty="0" err="1">
                 <a:latin typeface="Cooper Black" panose="0208090404030B020404" pitchFamily="18" charset="0"/>
               </a:rPr>
               <a:t>services</a:t>
@@ -6549,47 +6969,15 @@
           <a:lstStyle/>
           <a:p>
             <a:r>
-              <a:rPr lang="it-IT" dirty="0" smtClean="0"/>
-              <a:t>-</a:t>
-            </a:r>
-            <a:r>
-              <a:rPr lang="it-IT" dirty="0" smtClean="0"/>
-              <a:t>api-gateway</a:t>
-            </a:r>
-            <a:r>
-              <a:rPr lang="en-US" dirty="0"/>
-              <a:t/>
+              <a:rPr lang="it-IT" dirty="0"/>
+              <a:t>-api-gateway</a:t>
             </a:r>
             <a:br>
               <a:rPr lang="en-US" dirty="0"/>
             </a:br>
             <a:r>
-              <a:rPr lang="en-US" sz="1400" dirty="0" smtClean="0"/>
-              <a:t>This </a:t>
-            </a:r>
-            <a:r>
               <a:rPr lang="en-US" sz="1400" dirty="0"/>
-              <a:t>API Gateway acts as the main entry point for client requests, forwarding </a:t>
-            </a:r>
-            <a:r>
-              <a:rPr lang="en-US" sz="1400" dirty="0" smtClean="0"/>
-              <a:t>them</a:t>
-            </a:r>
-            <a:r>
-              <a:rPr lang="en-US" sz="1400" dirty="0"/>
-              <a:t> </a:t>
-            </a:r>
-            <a:r>
-              <a:rPr lang="en-US" sz="1400" dirty="0" smtClean="0"/>
-              <a:t>to </a:t>
-            </a:r>
-            <a:r>
-              <a:rPr lang="en-US" sz="1400" dirty="0"/>
-              <a:t>the appropriate microservices for processing. It integrates with multiple </a:t>
-            </a:r>
-            <a:r>
-              <a:rPr lang="en-US" sz="1400" dirty="0" smtClean="0"/>
-              <a:t>services.</a:t>
+              <a:t>This API Gateway acts as the main entry point for client requests, forwarding them to the appropriate microservices for processing. It integrates with multiple services.</a:t>
             </a:r>
           </a:p>
           <a:p>
@@ -6628,15 +7016,15 @@
           <a:lstStyle/>
           <a:p>
             <a:r>
-              <a:rPr lang="it-IT" dirty="0" smtClean="0"/>
+              <a:rPr lang="it-IT" dirty="0"/>
               <a:t>-</a:t>
             </a:r>
             <a:r>
-              <a:rPr lang="it-IT" dirty="0" err="1" smtClean="0"/>
+              <a:rPr lang="it-IT" dirty="0" err="1"/>
               <a:t>db</a:t>
             </a:r>
             <a:r>
-              <a:rPr lang="it-IT" dirty="0" smtClean="0"/>
+              <a:rPr lang="it-IT" dirty="0"/>
               <a:t>-manager</a:t>
             </a:r>
           </a:p>
@@ -6647,7 +7035,7 @@
             </a:r>
           </a:p>
           <a:p>
-            <a:endParaRPr lang="en-US" sz="1400" dirty="0" smtClean="0"/>
+            <a:endParaRPr lang="en-US" sz="1400" dirty="0"/>
           </a:p>
           <a:p>
             <a:endParaRPr lang="en-US" sz="1400" dirty="0"/>
@@ -6685,75 +7073,115 @@
           <a:lstStyle/>
           <a:p>
             <a:r>
-              <a:rPr lang="it-IT" dirty="0" smtClean="0"/>
+              <a:rPr lang="it-IT" dirty="0"/>
               <a:t>-</a:t>
             </a:r>
             <a:r>
-              <a:rPr lang="it-IT" dirty="0" err="1" smtClean="0"/>
+              <a:rPr lang="it-IT" dirty="0" err="1"/>
               <a:t>auth</a:t>
             </a:r>
             <a:r>
-              <a:rPr lang="it-IT" dirty="0" smtClean="0"/>
+              <a:rPr lang="it-IT" dirty="0"/>
               <a:t>-service</a:t>
-            </a:r>
-            <a:r>
-              <a:rPr lang="en-US" dirty="0"/>
-              <a:t/>
             </a:r>
             <a:br>
               <a:rPr lang="en-US" dirty="0"/>
             </a:br>
             <a:r>
-              <a:rPr lang="en-US" sz="1400" dirty="0" smtClean="0"/>
-              <a:t>This </a:t>
-            </a:r>
-            <a:r>
               <a:rPr lang="en-US" sz="1400" dirty="0"/>
-              <a:t>API is part of a microservices architecture and serves as the user management </a:t>
-            </a:r>
-            <a:r>
-              <a:rPr lang="en-US" sz="1400" dirty="0" smtClean="0"/>
-              <a:t>service</a:t>
+              <a:t>This API is part of a microservices architecture and serves as the user management service for the application. It provides operations such as register a new user or authenticate a user</a:t>
+            </a:r>
+          </a:p>
+          <a:p>
+            <a:r>
+              <a:rPr lang="it-IT" dirty="0"/>
+              <a:t>-</a:t>
+            </a:r>
+            <a:r>
+              <a:rPr lang="it-IT" dirty="0" err="1"/>
+              <a:t>currency</a:t>
+            </a:r>
+            <a:r>
+              <a:rPr lang="it-IT" dirty="0"/>
+              <a:t>-service</a:t>
+            </a:r>
+          </a:p>
+          <a:p>
+            <a:r>
+              <a:rPr lang="en-US" sz="1400" dirty="0"/>
+              <a:t>This API is part of a microservices architecture and serves as the currency management service for the application. It provides operations for managing in-game currency and rolling </a:t>
+            </a:r>
+            <a:r>
+              <a:rPr lang="en-US" sz="1400" dirty="0" err="1"/>
+              <a:t>gacha</a:t>
+            </a:r>
+            <a:r>
+              <a:rPr lang="en-US" sz="1400" dirty="0"/>
+              <a:t> items.</a:t>
+            </a:r>
+          </a:p>
+          <a:p>
+            <a:r>
+              <a:rPr lang="it-IT" dirty="0"/>
+              <a:t>-</a:t>
+            </a:r>
+            <a:r>
+              <a:rPr lang="it-IT" dirty="0" err="1"/>
+              <a:t>gacha</a:t>
+            </a:r>
+            <a:r>
+              <a:rPr lang="it-IT" dirty="0"/>
+              <a:t>-service</a:t>
+            </a:r>
+          </a:p>
+          <a:p>
+            <a:r>
+              <a:rPr lang="en-US" sz="1400" dirty="0"/>
+              <a:t>This API is part of a microservices architecture and serves as the </a:t>
+            </a:r>
+            <a:r>
+              <a:rPr lang="en-US" sz="1400" dirty="0" err="1"/>
+              <a:t>gacha</a:t>
+            </a:r>
+            <a:r>
+              <a:rPr lang="en-US" sz="1400" dirty="0"/>
+              <a:t> management service for the application. It provides operations for managing </a:t>
+            </a:r>
+            <a:r>
+              <a:rPr lang="en-US" sz="1400" dirty="0" err="1"/>
+              <a:t>gachas</a:t>
+            </a:r>
+            <a:r>
+              <a:rPr lang="en-US" sz="1400" dirty="0"/>
+              <a:t> and retrieving </a:t>
+            </a:r>
+            <a:r>
+              <a:rPr lang="en-US" sz="1400" dirty="0" err="1"/>
+              <a:t>gacha</a:t>
             </a:r>
             <a:r>
               <a:rPr lang="en-US" sz="1400" dirty="0"/>
               <a:t> </a:t>
             </a:r>
             <a:r>
-              <a:rPr lang="en-US" sz="1400" dirty="0" smtClean="0"/>
-              <a:t>for </a:t>
+              <a:rPr lang="en-US" sz="1400" dirty="0" err="1"/>
+              <a:t>infos</a:t>
             </a:r>
             <a:r>
               <a:rPr lang="en-US" sz="1400" dirty="0"/>
-              <a:t>the application. It provides operations such as register a new user or authenticate a user</a:t>
-            </a:r>
-          </a:p>
-          <a:p>
-            <a:r>
-              <a:rPr lang="it-IT" dirty="0" smtClean="0"/>
-              <a:t>-</a:t>
-            </a:r>
-            <a:r>
-              <a:rPr lang="it-IT" dirty="0" err="1" smtClean="0"/>
-              <a:t>currency</a:t>
-            </a:r>
-            <a:r>
-              <a:rPr lang="it-IT" dirty="0" smtClean="0"/>
-              <a:t>-service</a:t>
+              <a:t>.</a:t>
+            </a:r>
+          </a:p>
+          <a:p>
+            <a:r>
+              <a:rPr lang="it-IT" dirty="0"/>
+              <a:t>-market-service</a:t>
             </a:r>
           </a:p>
           <a:p>
             <a:r>
               <a:rPr lang="en-US" sz="1400" dirty="0"/>
-              <a:t>This API is part of a microservices architecture and serves as the currency management </a:t>
-            </a:r>
-            <a:r>
-              <a:rPr lang="en-US" sz="1400" dirty="0" smtClean="0"/>
-              <a:t>service for </a:t>
-            </a:r>
-            <a:r>
-              <a:rPr lang="en-US" sz="1400" dirty="0"/>
-              <a:t>the application. It provides operations for managing in-game currency and rolling </a:t>
+              <a:t>This API is part of a microservices architecture and handles transactions related to </a:t>
             </a:r>
             <a:r>
               <a:rPr lang="en-US" sz="1400" dirty="0" err="1"/>
@@ -6761,106 +7189,16 @@
             </a:r>
             <a:r>
               <a:rPr lang="en-US" sz="1400" dirty="0"/>
-              <a:t> items.</a:t>
-            </a:r>
-          </a:p>
-          <a:p>
-            <a:r>
-              <a:rPr lang="it-IT" dirty="0" smtClean="0"/>
-              <a:t>-</a:t>
-            </a:r>
-            <a:r>
-              <a:rPr lang="it-IT" dirty="0" err="1" smtClean="0"/>
-              <a:t>gacha</a:t>
-            </a:r>
-            <a:r>
-              <a:rPr lang="it-IT" dirty="0" smtClean="0"/>
-              <a:t>-service</a:t>
-            </a:r>
-          </a:p>
-          <a:p>
+              <a:t> </a:t>
+            </a:r>
+            <a:r>
+              <a:rPr lang="en-US" sz="1400" dirty="0" err="1"/>
+              <a:t>itemsand</a:t>
+            </a:r>
             <a:r>
               <a:rPr lang="en-US" sz="1400" dirty="0"/>
-              <a:t>This API is part of a microservices architecture and serves as the </a:t>
-            </a:r>
-            <a:r>
-              <a:rPr lang="en-US" sz="1400" dirty="0" err="1"/>
-              <a:t>gacha</a:t>
-            </a:r>
-            <a:r>
-              <a:rPr lang="en-US" sz="1400" dirty="0"/>
-              <a:t> management </a:t>
-            </a:r>
-            <a:r>
-              <a:rPr lang="en-US" sz="1400" dirty="0" smtClean="0"/>
-              <a:t>service for </a:t>
-            </a:r>
-            <a:r>
-              <a:rPr lang="en-US" sz="1400" dirty="0"/>
-              <a:t>the application. It provides operations for managing </a:t>
-            </a:r>
-            <a:r>
-              <a:rPr lang="en-US" sz="1400" dirty="0" err="1"/>
-              <a:t>gachas</a:t>
-            </a:r>
-            <a:r>
-              <a:rPr lang="en-US" sz="1400" dirty="0"/>
-              <a:t> and retrieving </a:t>
-            </a:r>
-            <a:r>
-              <a:rPr lang="en-US" sz="1400" dirty="0" err="1"/>
-              <a:t>gacha</a:t>
-            </a:r>
-            <a:r>
-              <a:rPr lang="en-US" sz="1400" dirty="0"/>
-              <a:t> </a:t>
-            </a:r>
-            <a:r>
-              <a:rPr lang="en-US" sz="1400" dirty="0" err="1"/>
-              <a:t>infos</a:t>
-            </a:r>
-            <a:r>
-              <a:rPr lang="en-US" sz="1400" dirty="0"/>
-              <a:t>.</a:t>
-            </a:r>
-          </a:p>
-          <a:p>
-            <a:r>
-              <a:rPr lang="it-IT" dirty="0" smtClean="0"/>
-              <a:t>-market-service</a:t>
-            </a:r>
-            <a:endParaRPr lang="it-IT" dirty="0"/>
-          </a:p>
-          <a:p>
-            <a:r>
-              <a:rPr lang="en-US" sz="1400" dirty="0"/>
-              <a:t>This API is part of a microservices architecture and handles transactions related to </a:t>
-            </a:r>
-            <a:r>
-              <a:rPr lang="en-US" sz="1400" dirty="0" err="1"/>
-              <a:t>gacha</a:t>
-            </a:r>
-            <a:r>
-              <a:rPr lang="en-US" sz="1400" dirty="0"/>
-              <a:t> </a:t>
-            </a:r>
-            <a:r>
-              <a:rPr lang="en-US" sz="1400" dirty="0" err="1" smtClean="0"/>
-              <a:t>itemsand</a:t>
-            </a:r>
-            <a:r>
-              <a:rPr lang="en-US" sz="1400" dirty="0" smtClean="0"/>
-              <a:t> </a:t>
-            </a:r>
-            <a:r>
-              <a:rPr lang="en-US" sz="1400" dirty="0"/>
-              <a:t>user purchases. It interacts with other services to track and update user transactions</a:t>
-            </a:r>
-            <a:r>
-              <a:rPr lang="en-US" sz="1400" dirty="0" smtClean="0"/>
-              <a:t>.</a:t>
-            </a:r>
-            <a:endParaRPr lang="en-US" sz="1400" dirty="0"/>
+              <a:t> user purchases. It interacts with other services to track and update user transactions.</a:t>
+            </a:r>
           </a:p>
         </p:txBody>
       </p:sp>
@@ -6868,6 +7206,267 @@
     <p:extLst>
       <p:ext uri="{BB962C8B-B14F-4D97-AF65-F5344CB8AC3E}">
         <p14:creationId xmlns:p14="http://schemas.microsoft.com/office/powerpoint/2010/main" val="1791188445"/>
+      </p:ext>
+    </p:extLst>
+  </p:cSld>
+  <p:clrMapOvr>
+    <a:masterClrMapping/>
+  </p:clrMapOvr>
+</p:sld>
+</file>
+
+<file path=ppt/slides/slide9.xml><?xml version="1.0" encoding="utf-8"?>
+<p:sld xmlns:a="http://schemas.openxmlformats.org/drawingml/2006/main" xmlns:r="http://schemas.openxmlformats.org/officeDocument/2006/relationships" xmlns:p="http://schemas.openxmlformats.org/presentationml/2006/main">
+  <p:cSld>
+    <p:spTree>
+      <p:nvGrpSpPr>
+        <p:cNvPr id="1" name=""/>
+        <p:cNvGrpSpPr/>
+        <p:nvPr/>
+      </p:nvGrpSpPr>
+      <p:grpSpPr>
+        <a:xfrm>
+          <a:off x="0" y="0"/>
+          <a:ext cx="0" cy="0"/>
+          <a:chOff x="0" y="0"/>
+          <a:chExt cx="0" cy="0"/>
+        </a:xfrm>
+      </p:grpSpPr>
+      <p:sp>
+        <p:nvSpPr>
+          <p:cNvPr id="2" name="Titolo 1">
+            <a:extLst>
+              <a:ext uri="{FF2B5EF4-FFF2-40B4-BE49-F238E27FC236}">
+                <a16:creationId xmlns:a16="http://schemas.microsoft.com/office/drawing/2014/main" id="{FBD6A503-5818-264B-D94A-E0C2414A3F53}"/>
+              </a:ext>
+            </a:extLst>
+          </p:cNvPr>
+          <p:cNvSpPr>
+            <a:spLocks noGrp="1"/>
+          </p:cNvSpPr>
+          <p:nvPr>
+            <p:ph type="title"/>
+          </p:nvPr>
+        </p:nvSpPr>
+        <p:spPr/>
+        <p:txBody>
+          <a:bodyPr/>
+          <a:lstStyle/>
+          <a:p>
+            <a:pPr algn="ctr"/>
+            <a:r>
+              <a:rPr lang="en-US" b="1" i="0" dirty="0">
+                <a:solidFill>
+                  <a:srgbClr val="0D0D0D"/>
+                </a:solidFill>
+                <a:effectLst/>
+                <a:latin typeface="ui-sans-serif"/>
+              </a:rPr>
+              <a:t>Flow Example1: </a:t>
+            </a:r>
+            <a:br>
+              <a:rPr lang="en-US" b="1" i="0" dirty="0">
+                <a:solidFill>
+                  <a:srgbClr val="0D0D0D"/>
+                </a:solidFill>
+                <a:effectLst/>
+                <a:latin typeface="ui-sans-serif"/>
+              </a:rPr>
+            </a:br>
+            <a:r>
+              <a:rPr lang="en-US" b="1" i="0" dirty="0">
+                <a:solidFill>
+                  <a:srgbClr val="0D0D0D"/>
+                </a:solidFill>
+                <a:effectLst/>
+                <a:latin typeface="ui-sans-serif"/>
+              </a:rPr>
+              <a:t>a user wants to register himself</a:t>
+            </a:r>
+            <a:endParaRPr lang="it-IT" dirty="0"/>
+          </a:p>
+        </p:txBody>
+      </p:sp>
+      <p:sp>
+        <p:nvSpPr>
+          <p:cNvPr id="3" name="CasellaDiTesto 2">
+            <a:extLst>
+              <a:ext uri="{FF2B5EF4-FFF2-40B4-BE49-F238E27FC236}">
+                <a16:creationId xmlns:a16="http://schemas.microsoft.com/office/drawing/2014/main" id="{57EDF572-5061-CA29-4C63-D0BD4A804680}"/>
+              </a:ext>
+            </a:extLst>
+          </p:cNvPr>
+          <p:cNvSpPr txBox="1"/>
+          <p:nvPr/>
+        </p:nvSpPr>
+        <p:spPr>
+          <a:xfrm>
+            <a:off x="838200" y="2164702"/>
+            <a:ext cx="10702212" cy="3251018"/>
+          </a:xfrm>
+          <a:prstGeom prst="rect">
+            <a:avLst/>
+          </a:prstGeom>
+          <a:noFill/>
+        </p:spPr>
+        <p:txBody>
+          <a:bodyPr wrap="square" rtlCol="0">
+            <a:spAutoFit/>
+          </a:bodyPr>
+          <a:lstStyle/>
+          <a:p>
+            <a:pPr>
+              <a:lnSpc>
+                <a:spcPct val="107000"/>
+              </a:lnSpc>
+              <a:spcAft>
+                <a:spcPts val="800"/>
+              </a:spcAft>
+            </a:pPr>
+            <a:r>
+              <a:rPr lang="en-US" sz="1800" b="1" kern="100" dirty="0">
+                <a:effectLst/>
+                <a:latin typeface="Aptos" panose="020B0004020202020204" pitchFamily="34" charset="0"/>
+                <a:ea typeface="Aptos" panose="020B0004020202020204" pitchFamily="34" charset="0"/>
+                <a:cs typeface="Times New Roman" panose="02020603050405020304" pitchFamily="18" charset="0"/>
+              </a:rPr>
+              <a:t>The registration-related services are exposed externally to clients on port 8000 via an API gateway. When an HTTPS request is received for user registration, the API gateway forwards the HTTPS request to the auth-service/register on port 8001.</a:t>
+            </a:r>
+            <a:endParaRPr lang="it-IT" sz="1800" kern="100" dirty="0">
+              <a:effectLst/>
+              <a:latin typeface="Aptos" panose="020B0004020202020204" pitchFamily="34" charset="0"/>
+              <a:ea typeface="Aptos" panose="020B0004020202020204" pitchFamily="34" charset="0"/>
+              <a:cs typeface="Times New Roman" panose="02020603050405020304" pitchFamily="18" charset="0"/>
+            </a:endParaRPr>
+          </a:p>
+          <a:p>
+            <a:pPr>
+              <a:lnSpc>
+                <a:spcPct val="107000"/>
+              </a:lnSpc>
+              <a:spcAft>
+                <a:spcPts val="800"/>
+              </a:spcAft>
+            </a:pPr>
+            <a:r>
+              <a:rPr lang="en-US" sz="1800" b="1" kern="100" dirty="0">
+                <a:effectLst/>
+                <a:latin typeface="Aptos" panose="020B0004020202020204" pitchFamily="34" charset="0"/>
+                <a:ea typeface="Aptos" panose="020B0004020202020204" pitchFamily="34" charset="0"/>
+                <a:cs typeface="Times New Roman" panose="02020603050405020304" pitchFamily="18" charset="0"/>
+              </a:rPr>
+              <a:t>The auth-service itself exposes APIs on port 8001 to handle user registration, login, updating user details, and deleting users. To interface with the database, the auth-service sends an HTTPS request to the </a:t>
+            </a:r>
+            <a:r>
+              <a:rPr lang="en-US" sz="1800" b="1" kern="100" dirty="0" err="1">
+                <a:effectLst/>
+                <a:latin typeface="Aptos" panose="020B0004020202020204" pitchFamily="34" charset="0"/>
+                <a:ea typeface="Aptos" panose="020B0004020202020204" pitchFamily="34" charset="0"/>
+                <a:cs typeface="Times New Roman" panose="02020603050405020304" pitchFamily="18" charset="0"/>
+              </a:rPr>
+              <a:t>db_manager</a:t>
+            </a:r>
+            <a:r>
+              <a:rPr lang="en-US" sz="1800" b="1" kern="100" dirty="0">
+                <a:effectLst/>
+                <a:latin typeface="Aptos" panose="020B0004020202020204" pitchFamily="34" charset="0"/>
+                <a:ea typeface="Aptos" panose="020B0004020202020204" pitchFamily="34" charset="0"/>
+                <a:cs typeface="Times New Roman" panose="02020603050405020304" pitchFamily="18" charset="0"/>
+              </a:rPr>
+              <a:t>, which provides APIs for database-related operations. These database-related APIs are exposed by the </a:t>
+            </a:r>
+            <a:r>
+              <a:rPr lang="en-US" sz="1800" b="1" kern="100" dirty="0" err="1">
+                <a:effectLst/>
+                <a:latin typeface="Aptos" panose="020B0004020202020204" pitchFamily="34" charset="0"/>
+                <a:ea typeface="Aptos" panose="020B0004020202020204" pitchFamily="34" charset="0"/>
+                <a:cs typeface="Times New Roman" panose="02020603050405020304" pitchFamily="18" charset="0"/>
+              </a:rPr>
+              <a:t>db_manager</a:t>
+            </a:r>
+            <a:r>
+              <a:rPr lang="en-US" sz="1800" b="1" kern="100" dirty="0">
+                <a:effectLst/>
+                <a:latin typeface="Aptos" panose="020B0004020202020204" pitchFamily="34" charset="0"/>
+                <a:ea typeface="Aptos" panose="020B0004020202020204" pitchFamily="34" charset="0"/>
+                <a:cs typeface="Times New Roman" panose="02020603050405020304" pitchFamily="18" charset="0"/>
+              </a:rPr>
+              <a:t> on port 8005.</a:t>
+            </a:r>
+            <a:endParaRPr lang="it-IT" sz="1800" kern="100" dirty="0">
+              <a:effectLst/>
+              <a:latin typeface="Aptos" panose="020B0004020202020204" pitchFamily="34" charset="0"/>
+              <a:ea typeface="Aptos" panose="020B0004020202020204" pitchFamily="34" charset="0"/>
+              <a:cs typeface="Times New Roman" panose="02020603050405020304" pitchFamily="18" charset="0"/>
+            </a:endParaRPr>
+          </a:p>
+          <a:p>
+            <a:pPr>
+              <a:lnSpc>
+                <a:spcPct val="107000"/>
+              </a:lnSpc>
+              <a:spcAft>
+                <a:spcPts val="800"/>
+              </a:spcAft>
+            </a:pPr>
+            <a:r>
+              <a:rPr lang="en-US" sz="1800" b="1" kern="100" dirty="0">
+                <a:effectLst/>
+                <a:latin typeface="Aptos" panose="020B0004020202020204" pitchFamily="34" charset="0"/>
+                <a:ea typeface="Aptos" panose="020B0004020202020204" pitchFamily="34" charset="0"/>
+                <a:cs typeface="Times New Roman" panose="02020603050405020304" pitchFamily="18" charset="0"/>
+              </a:rPr>
+              <a:t>Once the registration is successful, without any problems on DB, the </a:t>
+            </a:r>
+            <a:r>
+              <a:rPr lang="en-US" sz="1800" b="1" kern="100" dirty="0" err="1">
+                <a:effectLst/>
+                <a:latin typeface="Aptos" panose="020B0004020202020204" pitchFamily="34" charset="0"/>
+                <a:ea typeface="Aptos" panose="020B0004020202020204" pitchFamily="34" charset="0"/>
+                <a:cs typeface="Times New Roman" panose="02020603050405020304" pitchFamily="18" charset="0"/>
+              </a:rPr>
+              <a:t>db</a:t>
+            </a:r>
+            <a:r>
+              <a:rPr lang="en-US" sz="1800" b="1" kern="100" dirty="0">
+                <a:effectLst/>
+                <a:latin typeface="Aptos" panose="020B0004020202020204" pitchFamily="34" charset="0"/>
+                <a:ea typeface="Aptos" panose="020B0004020202020204" pitchFamily="34" charset="0"/>
+                <a:cs typeface="Times New Roman" panose="02020603050405020304" pitchFamily="18" charset="0"/>
+              </a:rPr>
+              <a:t>-manager service communicates the registration in the database. The auth-service service will then forward the response obtained to the </a:t>
+            </a:r>
+            <a:r>
+              <a:rPr lang="en-US" sz="1800" b="1" kern="100" dirty="0" err="1">
+                <a:effectLst/>
+                <a:latin typeface="Aptos" panose="020B0004020202020204" pitchFamily="34" charset="0"/>
+                <a:ea typeface="Aptos" panose="020B0004020202020204" pitchFamily="34" charset="0"/>
+                <a:cs typeface="Times New Roman" panose="02020603050405020304" pitchFamily="18" charset="0"/>
+              </a:rPr>
+              <a:t>api</a:t>
+            </a:r>
+            <a:r>
+              <a:rPr lang="en-US" sz="1800" b="1" kern="100" dirty="0">
+                <a:effectLst/>
+                <a:latin typeface="Aptos" panose="020B0004020202020204" pitchFamily="34" charset="0"/>
+                <a:ea typeface="Aptos" panose="020B0004020202020204" pitchFamily="34" charset="0"/>
+                <a:cs typeface="Times New Roman" panose="02020603050405020304" pitchFamily="18" charset="0"/>
+              </a:rPr>
+              <a:t>-gateway</a:t>
+            </a:r>
+            <a:endParaRPr lang="it-IT" sz="1800" kern="100" dirty="0">
+              <a:effectLst/>
+              <a:latin typeface="Aptos" panose="020B0004020202020204" pitchFamily="34" charset="0"/>
+              <a:ea typeface="Aptos" panose="020B0004020202020204" pitchFamily="34" charset="0"/>
+              <a:cs typeface="Times New Roman" panose="02020603050405020304" pitchFamily="18" charset="0"/>
+            </a:endParaRPr>
+          </a:p>
+        </p:txBody>
+      </p:sp>
+    </p:spTree>
+    <p:extLst>
+      <p:ext uri="{BB962C8B-B14F-4D97-AF65-F5344CB8AC3E}">
+        <p14:creationId xmlns:p14="http://schemas.microsoft.com/office/powerpoint/2010/main" val="45223910"/>
       </p:ext>
     </p:extLst>
   </p:cSld>

--- a/doc/Gacha Collection.pptx
+++ b/doc/Gacha Collection.pptx
@@ -13,6 +13,8 @@
     <p:sldId id="261" r:id="rId7"/>
     <p:sldId id="262" r:id="rId8"/>
     <p:sldId id="263" r:id="rId9"/>
+    <p:sldId id="265" r:id="rId10"/>
+    <p:sldId id="264" r:id="rId11"/>
   </p:sldIdLst>
   <p:sldSz cx="12192000" cy="6858000"/>
   <p:notesSz cx="6858000" cy="9144000"/>
@@ -161,10 +163,9 @@
           </a:lstStyle>
           <a:p>
             <a:r>
-              <a:rPr lang="it-IT" smtClean="0"/>
+              <a:rPr lang="it-IT"/>
               <a:t>Fare clic per modificare lo stile del titolo</a:t>
             </a:r>
-            <a:endParaRPr lang="it-IT"/>
           </a:p>
         </p:txBody>
       </p:sp>
@@ -226,10 +227,9 @@
           </a:lstStyle>
           <a:p>
             <a:r>
-              <a:rPr lang="it-IT" smtClean="0"/>
+              <a:rPr lang="it-IT"/>
               <a:t>Fare clic per modificare lo stile del sottotitolo dello schema</a:t>
             </a:r>
-            <a:endParaRPr lang="it-IT"/>
           </a:p>
         </p:txBody>
       </p:sp>
@@ -344,10 +344,9 @@
           <a:lstStyle/>
           <a:p>
             <a:r>
-              <a:rPr lang="it-IT" smtClean="0"/>
+              <a:rPr lang="it-IT"/>
               <a:t>Fare clic per modificare lo stile del titolo</a:t>
             </a:r>
-            <a:endParaRPr lang="it-IT"/>
           </a:p>
         </p:txBody>
       </p:sp>
@@ -368,38 +367,37 @@
           <a:p>
             <a:pPr lvl="0"/>
             <a:r>
-              <a:rPr lang="it-IT" smtClean="0"/>
+              <a:rPr lang="it-IT"/>
               <a:t>Modifica gli stili del testo dello schema</a:t>
             </a:r>
           </a:p>
           <a:p>
             <a:pPr lvl="1"/>
             <a:r>
-              <a:rPr lang="it-IT" smtClean="0"/>
+              <a:rPr lang="it-IT"/>
               <a:t>Secondo livello</a:t>
             </a:r>
           </a:p>
           <a:p>
             <a:pPr lvl="2"/>
             <a:r>
-              <a:rPr lang="it-IT" smtClean="0"/>
+              <a:rPr lang="it-IT"/>
               <a:t>Terzo livello</a:t>
             </a:r>
           </a:p>
           <a:p>
             <a:pPr lvl="3"/>
             <a:r>
-              <a:rPr lang="it-IT" smtClean="0"/>
+              <a:rPr lang="it-IT"/>
               <a:t>Quarto livello</a:t>
             </a:r>
           </a:p>
           <a:p>
             <a:pPr lvl="4"/>
             <a:r>
-              <a:rPr lang="it-IT" smtClean="0"/>
+              <a:rPr lang="it-IT"/>
               <a:t>Quinto livello</a:t>
             </a:r>
-            <a:endParaRPr lang="it-IT"/>
           </a:p>
         </p:txBody>
       </p:sp>
@@ -519,10 +517,9 @@
           <a:lstStyle/>
           <a:p>
             <a:r>
-              <a:rPr lang="it-IT" smtClean="0"/>
+              <a:rPr lang="it-IT"/>
               <a:t>Fare clic per modificare lo stile del titolo</a:t>
             </a:r>
-            <a:endParaRPr lang="it-IT"/>
           </a:p>
         </p:txBody>
       </p:sp>
@@ -548,38 +545,37 @@
           <a:p>
             <a:pPr lvl="0"/>
             <a:r>
-              <a:rPr lang="it-IT" smtClean="0"/>
+              <a:rPr lang="it-IT"/>
               <a:t>Modifica gli stili del testo dello schema</a:t>
             </a:r>
           </a:p>
           <a:p>
             <a:pPr lvl="1"/>
             <a:r>
-              <a:rPr lang="it-IT" smtClean="0"/>
+              <a:rPr lang="it-IT"/>
               <a:t>Secondo livello</a:t>
             </a:r>
           </a:p>
           <a:p>
             <a:pPr lvl="2"/>
             <a:r>
-              <a:rPr lang="it-IT" smtClean="0"/>
+              <a:rPr lang="it-IT"/>
               <a:t>Terzo livello</a:t>
             </a:r>
           </a:p>
           <a:p>
             <a:pPr lvl="3"/>
             <a:r>
-              <a:rPr lang="it-IT" smtClean="0"/>
+              <a:rPr lang="it-IT"/>
               <a:t>Quarto livello</a:t>
             </a:r>
           </a:p>
           <a:p>
             <a:pPr lvl="4"/>
             <a:r>
-              <a:rPr lang="it-IT" smtClean="0"/>
+              <a:rPr lang="it-IT"/>
               <a:t>Quinto livello</a:t>
             </a:r>
-            <a:endParaRPr lang="it-IT"/>
           </a:p>
         </p:txBody>
       </p:sp>
@@ -694,10 +690,9 @@
           <a:lstStyle/>
           <a:p>
             <a:r>
-              <a:rPr lang="it-IT" smtClean="0"/>
+              <a:rPr lang="it-IT"/>
               <a:t>Fare clic per modificare lo stile del titolo</a:t>
             </a:r>
-            <a:endParaRPr lang="it-IT"/>
           </a:p>
         </p:txBody>
       </p:sp>
@@ -718,38 +713,37 @@
           <a:p>
             <a:pPr lvl="0"/>
             <a:r>
-              <a:rPr lang="it-IT" smtClean="0"/>
+              <a:rPr lang="it-IT"/>
               <a:t>Modifica gli stili del testo dello schema</a:t>
             </a:r>
           </a:p>
           <a:p>
             <a:pPr lvl="1"/>
             <a:r>
-              <a:rPr lang="it-IT" smtClean="0"/>
+              <a:rPr lang="it-IT"/>
               <a:t>Secondo livello</a:t>
             </a:r>
           </a:p>
           <a:p>
             <a:pPr lvl="2"/>
             <a:r>
-              <a:rPr lang="it-IT" smtClean="0"/>
+              <a:rPr lang="it-IT"/>
               <a:t>Terzo livello</a:t>
             </a:r>
           </a:p>
           <a:p>
             <a:pPr lvl="3"/>
             <a:r>
-              <a:rPr lang="it-IT" smtClean="0"/>
+              <a:rPr lang="it-IT"/>
               <a:t>Quarto livello</a:t>
             </a:r>
           </a:p>
           <a:p>
             <a:pPr lvl="4"/>
             <a:r>
-              <a:rPr lang="it-IT" smtClean="0"/>
+              <a:rPr lang="it-IT"/>
               <a:t>Quinto livello</a:t>
             </a:r>
-            <a:endParaRPr lang="it-IT"/>
           </a:p>
         </p:txBody>
       </p:sp>
@@ -873,10 +867,9 @@
           </a:lstStyle>
           <a:p>
             <a:r>
-              <a:rPr lang="it-IT" smtClean="0"/>
+              <a:rPr lang="it-IT"/>
               <a:t>Fare clic per modificare lo stile del titolo</a:t>
             </a:r>
-            <a:endParaRPr lang="it-IT"/>
           </a:p>
         </p:txBody>
       </p:sp>
@@ -993,7 +986,7 @@
           <a:p>
             <a:pPr lvl="0"/>
             <a:r>
-              <a:rPr lang="it-IT" smtClean="0"/>
+              <a:rPr lang="it-IT"/>
               <a:t>Modifica gli stili del testo dello schema</a:t>
             </a:r>
           </a:p>
@@ -1110,10 +1103,9 @@
           <a:lstStyle/>
           <a:p>
             <a:r>
-              <a:rPr lang="it-IT" smtClean="0"/>
+              <a:rPr lang="it-IT"/>
               <a:t>Fare clic per modificare lo stile del titolo</a:t>
             </a:r>
-            <a:endParaRPr lang="it-IT"/>
           </a:p>
         </p:txBody>
       </p:sp>
@@ -1139,38 +1131,37 @@
           <a:p>
             <a:pPr lvl="0"/>
             <a:r>
-              <a:rPr lang="it-IT" smtClean="0"/>
+              <a:rPr lang="it-IT"/>
               <a:t>Modifica gli stili del testo dello schema</a:t>
             </a:r>
           </a:p>
           <a:p>
             <a:pPr lvl="1"/>
             <a:r>
-              <a:rPr lang="it-IT" smtClean="0"/>
+              <a:rPr lang="it-IT"/>
               <a:t>Secondo livello</a:t>
             </a:r>
           </a:p>
           <a:p>
             <a:pPr lvl="2"/>
             <a:r>
-              <a:rPr lang="it-IT" smtClean="0"/>
+              <a:rPr lang="it-IT"/>
               <a:t>Terzo livello</a:t>
             </a:r>
           </a:p>
           <a:p>
             <a:pPr lvl="3"/>
             <a:r>
-              <a:rPr lang="it-IT" smtClean="0"/>
+              <a:rPr lang="it-IT"/>
               <a:t>Quarto livello</a:t>
             </a:r>
           </a:p>
           <a:p>
             <a:pPr lvl="4"/>
             <a:r>
-              <a:rPr lang="it-IT" smtClean="0"/>
+              <a:rPr lang="it-IT"/>
               <a:t>Quinto livello</a:t>
             </a:r>
-            <a:endParaRPr lang="it-IT"/>
           </a:p>
         </p:txBody>
       </p:sp>
@@ -1196,38 +1187,37 @@
           <a:p>
             <a:pPr lvl="0"/>
             <a:r>
-              <a:rPr lang="it-IT" smtClean="0"/>
+              <a:rPr lang="it-IT"/>
               <a:t>Modifica gli stili del testo dello schema</a:t>
             </a:r>
           </a:p>
           <a:p>
             <a:pPr lvl="1"/>
             <a:r>
-              <a:rPr lang="it-IT" smtClean="0"/>
+              <a:rPr lang="it-IT"/>
               <a:t>Secondo livello</a:t>
             </a:r>
           </a:p>
           <a:p>
             <a:pPr lvl="2"/>
             <a:r>
-              <a:rPr lang="it-IT" smtClean="0"/>
+              <a:rPr lang="it-IT"/>
               <a:t>Terzo livello</a:t>
             </a:r>
           </a:p>
           <a:p>
             <a:pPr lvl="3"/>
             <a:r>
-              <a:rPr lang="it-IT" smtClean="0"/>
+              <a:rPr lang="it-IT"/>
               <a:t>Quarto livello</a:t>
             </a:r>
           </a:p>
           <a:p>
             <a:pPr lvl="4"/>
             <a:r>
-              <a:rPr lang="it-IT" smtClean="0"/>
+              <a:rPr lang="it-IT"/>
               <a:t>Quinto livello</a:t>
             </a:r>
-            <a:endParaRPr lang="it-IT"/>
           </a:p>
         </p:txBody>
       </p:sp>
@@ -1347,10 +1337,9 @@
           <a:lstStyle/>
           <a:p>
             <a:r>
-              <a:rPr lang="it-IT" smtClean="0"/>
+              <a:rPr lang="it-IT"/>
               <a:t>Fare clic per modificare lo stile del titolo</a:t>
             </a:r>
-            <a:endParaRPr lang="it-IT"/>
           </a:p>
         </p:txBody>
       </p:sp>
@@ -1413,7 +1402,7 @@
           <a:p>
             <a:pPr lvl="0"/>
             <a:r>
-              <a:rPr lang="it-IT" smtClean="0"/>
+              <a:rPr lang="it-IT"/>
               <a:t>Modifica gli stili del testo dello schema</a:t>
             </a:r>
           </a:p>
@@ -1441,38 +1430,37 @@
           <a:p>
             <a:pPr lvl="0"/>
             <a:r>
-              <a:rPr lang="it-IT" smtClean="0"/>
+              <a:rPr lang="it-IT"/>
               <a:t>Modifica gli stili del testo dello schema</a:t>
             </a:r>
           </a:p>
           <a:p>
             <a:pPr lvl="1"/>
             <a:r>
-              <a:rPr lang="it-IT" smtClean="0"/>
+              <a:rPr lang="it-IT"/>
               <a:t>Secondo livello</a:t>
             </a:r>
           </a:p>
           <a:p>
             <a:pPr lvl="2"/>
             <a:r>
-              <a:rPr lang="it-IT" smtClean="0"/>
+              <a:rPr lang="it-IT"/>
               <a:t>Terzo livello</a:t>
             </a:r>
           </a:p>
           <a:p>
             <a:pPr lvl="3"/>
             <a:r>
-              <a:rPr lang="it-IT" smtClean="0"/>
+              <a:rPr lang="it-IT"/>
               <a:t>Quarto livello</a:t>
             </a:r>
           </a:p>
           <a:p>
             <a:pPr lvl="4"/>
             <a:r>
-              <a:rPr lang="it-IT" smtClean="0"/>
+              <a:rPr lang="it-IT"/>
               <a:t>Quinto livello</a:t>
             </a:r>
-            <a:endParaRPr lang="it-IT"/>
           </a:p>
         </p:txBody>
       </p:sp>
@@ -1535,7 +1523,7 @@
           <a:p>
             <a:pPr lvl="0"/>
             <a:r>
-              <a:rPr lang="it-IT" smtClean="0"/>
+              <a:rPr lang="it-IT"/>
               <a:t>Modifica gli stili del testo dello schema</a:t>
             </a:r>
           </a:p>
@@ -1563,38 +1551,37 @@
           <a:p>
             <a:pPr lvl="0"/>
             <a:r>
-              <a:rPr lang="it-IT" smtClean="0"/>
+              <a:rPr lang="it-IT"/>
               <a:t>Modifica gli stili del testo dello schema</a:t>
             </a:r>
           </a:p>
           <a:p>
             <a:pPr lvl="1"/>
             <a:r>
-              <a:rPr lang="it-IT" smtClean="0"/>
+              <a:rPr lang="it-IT"/>
               <a:t>Secondo livello</a:t>
             </a:r>
           </a:p>
           <a:p>
             <a:pPr lvl="2"/>
             <a:r>
-              <a:rPr lang="it-IT" smtClean="0"/>
+              <a:rPr lang="it-IT"/>
               <a:t>Terzo livello</a:t>
             </a:r>
           </a:p>
           <a:p>
             <a:pPr lvl="3"/>
             <a:r>
-              <a:rPr lang="it-IT" smtClean="0"/>
+              <a:rPr lang="it-IT"/>
               <a:t>Quarto livello</a:t>
             </a:r>
           </a:p>
           <a:p>
             <a:pPr lvl="4"/>
             <a:r>
-              <a:rPr lang="it-IT" smtClean="0"/>
+              <a:rPr lang="it-IT"/>
               <a:t>Quinto livello</a:t>
             </a:r>
-            <a:endParaRPr lang="it-IT"/>
           </a:p>
         </p:txBody>
       </p:sp>
@@ -1709,10 +1696,9 @@
           <a:lstStyle/>
           <a:p>
             <a:r>
-              <a:rPr lang="it-IT" smtClean="0"/>
+              <a:rPr lang="it-IT"/>
               <a:t>Fare clic per modificare lo stile del titolo</a:t>
             </a:r>
-            <a:endParaRPr lang="it-IT"/>
           </a:p>
         </p:txBody>
       </p:sp>
@@ -1931,10 +1917,9 @@
           </a:lstStyle>
           <a:p>
             <a:r>
-              <a:rPr lang="it-IT" smtClean="0"/>
+              <a:rPr lang="it-IT"/>
               <a:t>Fare clic per modificare lo stile del titolo</a:t>
             </a:r>
-            <a:endParaRPr lang="it-IT"/>
           </a:p>
         </p:txBody>
       </p:sp>
@@ -1988,38 +1973,37 @@
           <a:p>
             <a:pPr lvl="0"/>
             <a:r>
-              <a:rPr lang="it-IT" smtClean="0"/>
+              <a:rPr lang="it-IT"/>
               <a:t>Modifica gli stili del testo dello schema</a:t>
             </a:r>
           </a:p>
           <a:p>
             <a:pPr lvl="1"/>
             <a:r>
-              <a:rPr lang="it-IT" smtClean="0"/>
+              <a:rPr lang="it-IT"/>
               <a:t>Secondo livello</a:t>
             </a:r>
           </a:p>
           <a:p>
             <a:pPr lvl="2"/>
             <a:r>
-              <a:rPr lang="it-IT" smtClean="0"/>
+              <a:rPr lang="it-IT"/>
               <a:t>Terzo livello</a:t>
             </a:r>
           </a:p>
           <a:p>
             <a:pPr lvl="3"/>
             <a:r>
-              <a:rPr lang="it-IT" smtClean="0"/>
+              <a:rPr lang="it-IT"/>
               <a:t>Quarto livello</a:t>
             </a:r>
           </a:p>
           <a:p>
             <a:pPr lvl="4"/>
             <a:r>
-              <a:rPr lang="it-IT" smtClean="0"/>
+              <a:rPr lang="it-IT"/>
               <a:t>Quinto livello</a:t>
             </a:r>
-            <a:endParaRPr lang="it-IT"/>
           </a:p>
         </p:txBody>
       </p:sp>
@@ -2082,7 +2066,7 @@
           <a:p>
             <a:pPr lvl="0"/>
             <a:r>
-              <a:rPr lang="it-IT" smtClean="0"/>
+              <a:rPr lang="it-IT"/>
               <a:t>Modifica gli stili del testo dello schema</a:t>
             </a:r>
           </a:p>
@@ -2208,10 +2192,9 @@
           </a:lstStyle>
           <a:p>
             <a:r>
-              <a:rPr lang="it-IT" smtClean="0"/>
+              <a:rPr lang="it-IT"/>
               <a:t>Fare clic per modificare lo stile del titolo</a:t>
             </a:r>
-            <a:endParaRPr lang="it-IT"/>
           </a:p>
         </p:txBody>
       </p:sp>
@@ -2335,7 +2318,7 @@
           <a:p>
             <a:pPr lvl="0"/>
             <a:r>
-              <a:rPr lang="it-IT" smtClean="0"/>
+              <a:rPr lang="it-IT"/>
               <a:t>Modifica gli stili del testo dello schema</a:t>
             </a:r>
           </a:p>
@@ -2467,10 +2450,9 @@
           <a:lstStyle/>
           <a:p>
             <a:r>
-              <a:rPr lang="it-IT" smtClean="0"/>
+              <a:rPr lang="it-IT"/>
               <a:t>Fare clic per modificare lo stile del titolo</a:t>
             </a:r>
-            <a:endParaRPr lang="it-IT"/>
           </a:p>
         </p:txBody>
       </p:sp>
@@ -2501,38 +2483,37 @@
           <a:p>
             <a:pPr lvl="0"/>
             <a:r>
-              <a:rPr lang="it-IT" smtClean="0"/>
+              <a:rPr lang="it-IT"/>
               <a:t>Modifica gli stili del testo dello schema</a:t>
             </a:r>
           </a:p>
           <a:p>
             <a:pPr lvl="1"/>
             <a:r>
-              <a:rPr lang="it-IT" smtClean="0"/>
+              <a:rPr lang="it-IT"/>
               <a:t>Secondo livello</a:t>
             </a:r>
           </a:p>
           <a:p>
             <a:pPr lvl="2"/>
             <a:r>
-              <a:rPr lang="it-IT" smtClean="0"/>
+              <a:rPr lang="it-IT"/>
               <a:t>Terzo livello</a:t>
             </a:r>
           </a:p>
           <a:p>
             <a:pPr lvl="3"/>
             <a:r>
-              <a:rPr lang="it-IT" smtClean="0"/>
+              <a:rPr lang="it-IT"/>
               <a:t>Quarto livello</a:t>
             </a:r>
           </a:p>
           <a:p>
             <a:pPr lvl="4"/>
             <a:r>
-              <a:rPr lang="it-IT" smtClean="0"/>
+              <a:rPr lang="it-IT"/>
               <a:t>Quinto livello</a:t>
             </a:r>
-            <a:endParaRPr lang="it-IT"/>
           </a:p>
         </p:txBody>
       </p:sp>
@@ -3024,19 +3005,19 @@
           <a:p>
             <a:pPr algn="l"/>
             <a:r>
-              <a:rPr lang="it-IT" dirty="0" err="1" smtClean="0">
+              <a:rPr lang="it-IT" dirty="0" err="1">
                 <a:latin typeface="Cooper Black" panose="0208090404030B020404" pitchFamily="18" charset="0"/>
               </a:rPr>
               <a:t>Gacha</a:t>
             </a:r>
             <a:r>
-              <a:rPr lang="it-IT" dirty="0" smtClean="0">
+              <a:rPr lang="it-IT" dirty="0">
                 <a:latin typeface="Cooper Black" panose="0208090404030B020404" pitchFamily="18" charset="0"/>
               </a:rPr>
               <a:t> Collection </a:t>
             </a:r>
             <a:r>
-              <a:rPr lang="it-IT" dirty="0" err="1" smtClean="0">
+              <a:rPr lang="it-IT" dirty="0" err="1">
                 <a:latin typeface="Cooper Black" panose="0208090404030B020404" pitchFamily="18" charset="0"/>
               </a:rPr>
               <a:t>Beckend</a:t>
@@ -3069,7 +3050,7 @@
           <a:p>
             <a:pPr algn="l"/>
             <a:r>
-              <a:rPr lang="en-US" dirty="0" smtClean="0"/>
+              <a:rPr lang="en-US" dirty="0"/>
               <a:t>290AA – Advanced Software Engineering</a:t>
             </a:r>
             <a:endParaRPr lang="it-IT" dirty="0"/>
@@ -3264,58 +3245,57 @@
           <a:p>
             <a:pPr algn="l"/>
             <a:r>
-              <a:rPr lang="en-US" sz="1600" dirty="0" smtClean="0"/>
+              <a:rPr lang="en-US" sz="1600" dirty="0"/>
               <a:t>Group</a:t>
             </a:r>
             <a:r>
-              <a:rPr lang="it-IT" sz="1600" dirty="0" smtClean="0"/>
+              <a:rPr lang="it-IT" sz="1600" dirty="0"/>
               <a:t>:</a:t>
             </a:r>
             <a:br>
-              <a:rPr lang="it-IT" sz="1600" dirty="0" smtClean="0"/>
+              <a:rPr lang="it-IT" sz="1600" dirty="0"/>
             </a:br>
             <a:r>
-              <a:rPr lang="it-IT" sz="1600" dirty="0" err="1" smtClean="0"/>
+              <a:rPr lang="it-IT" sz="1600" dirty="0" err="1"/>
               <a:t>Ardizzoni</a:t>
             </a:r>
             <a:r>
-              <a:rPr lang="it-IT" sz="1600" dirty="0" smtClean="0"/>
+              <a:rPr lang="it-IT" sz="1600" dirty="0"/>
               <a:t> Francesco</a:t>
             </a:r>
             <a:br>
-              <a:rPr lang="it-IT" sz="1600" dirty="0" smtClean="0"/>
+              <a:rPr lang="it-IT" sz="1600" dirty="0"/>
             </a:br>
             <a:r>
-              <a:rPr lang="it-IT" sz="1600" dirty="0" smtClean="0"/>
+              <a:rPr lang="it-IT" sz="1600" dirty="0"/>
               <a:t>Del Castello Diego</a:t>
             </a:r>
             <a:br>
-              <a:rPr lang="it-IT" sz="1600" dirty="0" smtClean="0"/>
+              <a:rPr lang="it-IT" sz="1600" dirty="0"/>
             </a:br>
             <a:r>
-              <a:rPr lang="it-IT" sz="1600" dirty="0" err="1" smtClean="0"/>
+              <a:rPr lang="it-IT" sz="1600" dirty="0" err="1"/>
               <a:t>Prestifilippo</a:t>
             </a:r>
             <a:r>
-              <a:rPr lang="it-IT" sz="1600" dirty="0" smtClean="0"/>
+              <a:rPr lang="it-IT" sz="1600" dirty="0"/>
               <a:t> </a:t>
             </a:r>
             <a:r>
-              <a:rPr lang="it-IT" sz="1600" dirty="0" err="1" smtClean="0"/>
+              <a:rPr lang="it-IT" sz="1600" dirty="0" err="1"/>
               <a:t>Colombrino</a:t>
             </a:r>
             <a:r>
-              <a:rPr lang="it-IT" sz="1600" dirty="0" smtClean="0"/>
+              <a:rPr lang="it-IT" sz="1600" dirty="0"/>
               <a:t> Mattia</a:t>
             </a:r>
             <a:br>
-              <a:rPr lang="it-IT" sz="1600" dirty="0" smtClean="0"/>
+              <a:rPr lang="it-IT" sz="1600" dirty="0"/>
             </a:br>
             <a:r>
-              <a:rPr lang="it-IT" sz="1600" dirty="0" smtClean="0"/>
+              <a:rPr lang="it-IT" sz="1600" dirty="0"/>
               <a:t>Tortorelli Felice</a:t>
             </a:r>
-            <a:endParaRPr lang="it-IT" sz="1600" dirty="0"/>
           </a:p>
         </p:txBody>
       </p:sp>
@@ -3329,13 +3309,228 @@
   <p:clrMapOvr>
     <a:masterClrMapping/>
   </p:clrMapOvr>
-  <p:timing>
-    <p:tnLst>
-      <p:par>
-        <p:cTn id="1" dur="indefinite" restart="never" nodeType="tmRoot"/>
-      </p:par>
-    </p:tnLst>
-  </p:timing>
+</p:sld>
+</file>
+
+<file path=ppt/slides/slide10.xml><?xml version="1.0" encoding="utf-8"?>
+<p:sld xmlns:a="http://schemas.openxmlformats.org/drawingml/2006/main" xmlns:r="http://schemas.openxmlformats.org/officeDocument/2006/relationships" xmlns:p="http://schemas.openxmlformats.org/presentationml/2006/main">
+  <p:cSld>
+    <p:spTree>
+      <p:nvGrpSpPr>
+        <p:cNvPr id="1" name="">
+          <a:extLst>
+            <a:ext uri="{FF2B5EF4-FFF2-40B4-BE49-F238E27FC236}">
+              <a16:creationId xmlns:a16="http://schemas.microsoft.com/office/drawing/2014/main" id="{55024CAE-0043-C575-7405-870A75A36FC0}"/>
+            </a:ext>
+          </a:extLst>
+        </p:cNvPr>
+        <p:cNvGrpSpPr/>
+        <p:nvPr/>
+      </p:nvGrpSpPr>
+      <p:grpSpPr>
+        <a:xfrm>
+          <a:off x="0" y="0"/>
+          <a:ext cx="0" cy="0"/>
+          <a:chOff x="0" y="0"/>
+          <a:chExt cx="0" cy="0"/>
+        </a:xfrm>
+      </p:grpSpPr>
+      <p:sp>
+        <p:nvSpPr>
+          <p:cNvPr id="3" name="Titolo 1">
+            <a:extLst>
+              <a:ext uri="{FF2B5EF4-FFF2-40B4-BE49-F238E27FC236}">
+                <a16:creationId xmlns:a16="http://schemas.microsoft.com/office/drawing/2014/main" id="{AE60F3C4-78DC-1E7C-CBB2-4558A345C83D}"/>
+              </a:ext>
+            </a:extLst>
+          </p:cNvPr>
+          <p:cNvSpPr>
+            <a:spLocks noGrp="1"/>
+          </p:cNvSpPr>
+          <p:nvPr>
+            <p:ph type="title"/>
+          </p:nvPr>
+        </p:nvSpPr>
+        <p:spPr>
+          <a:xfrm>
+            <a:off x="838200" y="365125"/>
+            <a:ext cx="10515600" cy="1325563"/>
+          </a:xfrm>
+        </p:spPr>
+        <p:txBody>
+          <a:bodyPr/>
+          <a:lstStyle/>
+          <a:p>
+            <a:r>
+              <a:rPr lang="it-IT" dirty="0">
+                <a:latin typeface="Cooper Black" panose="0208090404030B020404" pitchFamily="18" charset="0"/>
+              </a:rPr>
+              <a:t>The </a:t>
+            </a:r>
+            <a:r>
+              <a:rPr lang="it-IT" dirty="0" err="1">
+                <a:latin typeface="Cooper Black" panose="0208090404030B020404" pitchFamily="18" charset="0"/>
+              </a:rPr>
+              <a:t>gacha</a:t>
+            </a:r>
+            <a:r>
+              <a:rPr lang="it-IT" dirty="0">
+                <a:latin typeface="Cooper Black" panose="0208090404030B020404" pitchFamily="18" charset="0"/>
+              </a:rPr>
+              <a:t> service </a:t>
+            </a:r>
+            <a:r>
+              <a:rPr lang="it-IT" dirty="0" err="1">
+                <a:latin typeface="Cooper Black" panose="0208090404030B020404" pitchFamily="18" charset="0"/>
+              </a:rPr>
+              <a:t>datapath</a:t>
+            </a:r>
+            <a:endParaRPr lang="it-IT" dirty="0">
+              <a:latin typeface="Cooper Black" panose="0208090404030B020404" pitchFamily="18" charset="0"/>
+            </a:endParaRPr>
+          </a:p>
+        </p:txBody>
+      </p:sp>
+      <p:sp>
+        <p:nvSpPr>
+          <p:cNvPr id="6" name="CasellaDiTesto 5">
+            <a:extLst>
+              <a:ext uri="{FF2B5EF4-FFF2-40B4-BE49-F238E27FC236}">
+                <a16:creationId xmlns:a16="http://schemas.microsoft.com/office/drawing/2014/main" id="{29642769-4BD8-0967-D985-DD96D14D6EF4}"/>
+              </a:ext>
+            </a:extLst>
+          </p:cNvPr>
+          <p:cNvSpPr txBox="1"/>
+          <p:nvPr/>
+        </p:nvSpPr>
+        <p:spPr>
+          <a:xfrm>
+            <a:off x="373224" y="1690687"/>
+            <a:ext cx="10879494" cy="4524315"/>
+          </a:xfrm>
+          <a:prstGeom prst="rect">
+            <a:avLst/>
+          </a:prstGeom>
+          <a:noFill/>
+          <a:ln>
+            <a:solidFill>
+              <a:srgbClr val="002060"/>
+            </a:solidFill>
+          </a:ln>
+        </p:spPr>
+        <p:txBody>
+          <a:bodyPr wrap="square" rtlCol="0">
+            <a:spAutoFit/>
+          </a:bodyPr>
+          <a:lstStyle/>
+          <a:p>
+            <a:r>
+              <a:rPr lang="en-US" sz="2400" dirty="0"/>
+              <a:t>The currency service is exposed to external clients through an API Gateway on port 8000.</a:t>
+            </a:r>
+          </a:p>
+          <a:p>
+            <a:endParaRPr lang="en-US" sz="2400" dirty="0"/>
+          </a:p>
+          <a:p>
+            <a:r>
+              <a:rPr lang="en-US" sz="2400" dirty="0"/>
+              <a:t>When an HTTPS request for </a:t>
+            </a:r>
+            <a:r>
+              <a:rPr lang="en-US" sz="2400" dirty="0" err="1"/>
+              <a:t>roll_gacha</a:t>
+            </a:r>
+            <a:r>
+              <a:rPr lang="en-US" sz="2400" dirty="0"/>
+              <a:t> or </a:t>
+            </a:r>
+            <a:r>
+              <a:rPr lang="en-US" sz="2400" dirty="0" err="1"/>
+              <a:t>buy_currency</a:t>
+            </a:r>
+            <a:r>
+              <a:rPr lang="en-US" sz="2400" dirty="0"/>
+              <a:t> is received, the API Gateway forwards the request to the </a:t>
+            </a:r>
+            <a:r>
+              <a:rPr lang="en-US" sz="2400" dirty="0" err="1"/>
+              <a:t>currency_service</a:t>
+            </a:r>
+            <a:r>
+              <a:rPr lang="en-US" sz="2400" dirty="0"/>
+              <a:t> via HTTPS on port </a:t>
+            </a:r>
+            <a:r>
+              <a:rPr lang="en-US" sz="2400"/>
+              <a:t>8004. </a:t>
+            </a:r>
+            <a:r>
+              <a:rPr lang="en-US" sz="2400" dirty="0"/>
+              <a:t>The </a:t>
+            </a:r>
+            <a:r>
+              <a:rPr lang="en-US" sz="2400" dirty="0" err="1"/>
+              <a:t>currency_service</a:t>
+            </a:r>
+            <a:r>
+              <a:rPr lang="en-US" sz="2400" dirty="0"/>
+              <a:t> is responsible for implementing the business logic associated with these requests. </a:t>
+            </a:r>
+          </a:p>
+          <a:p>
+            <a:endParaRPr lang="en-US" sz="2400" dirty="0"/>
+          </a:p>
+          <a:p>
+            <a:r>
+              <a:rPr lang="en-US" sz="2400" dirty="0"/>
+              <a:t>To interface with the database, the </a:t>
+            </a:r>
+            <a:r>
+              <a:rPr lang="en-US" sz="2400" dirty="0" err="1"/>
+              <a:t>currency_service</a:t>
+            </a:r>
+            <a:r>
+              <a:rPr lang="en-US" sz="2400" dirty="0"/>
+              <a:t> sends an HTTP request to the </a:t>
+            </a:r>
+            <a:r>
+              <a:rPr lang="en-US" sz="2400" dirty="0" err="1"/>
+              <a:t>db_manager</a:t>
+            </a:r>
+            <a:r>
+              <a:rPr lang="en-US" sz="2400" dirty="0"/>
+              <a:t>, which listens on port 8005. The </a:t>
+            </a:r>
+            <a:r>
+              <a:rPr lang="en-US" sz="2400" dirty="0" err="1"/>
+              <a:t>db_manager</a:t>
+            </a:r>
+            <a:r>
+              <a:rPr lang="en-US" sz="2400" dirty="0"/>
+              <a:t> exposes APIs that handle database queries, enabling the </a:t>
+            </a:r>
+            <a:r>
+              <a:rPr lang="en-US" sz="2400" dirty="0" err="1"/>
+              <a:t>currency_service</a:t>
+            </a:r>
+            <a:r>
+              <a:rPr lang="en-US" sz="2400" dirty="0"/>
+              <a:t> to retrieve or update data as required.</a:t>
+            </a:r>
+          </a:p>
+        </p:txBody>
+      </p:sp>
+    </p:spTree>
+    <p:extLst>
+      <p:ext uri="{BB962C8B-B14F-4D97-AF65-F5344CB8AC3E}">
+        <p14:creationId xmlns:p14="http://schemas.microsoft.com/office/powerpoint/2010/main" val="3516781793"/>
+      </p:ext>
+    </p:extLst>
+  </p:cSld>
+  <p:clrMapOvr>
+    <a:masterClrMapping/>
+  </p:clrMapOvr>
 </p:sld>
 </file>
 
@@ -3380,17 +3575,8 @@
               <a:rPr lang="it-IT" dirty="0">
                 <a:latin typeface="Cooper Black" panose="0208090404030B020404" pitchFamily="18" charset="0"/>
               </a:rPr>
-              <a:t>U</a:t>
-            </a:r>
-            <a:r>
-              <a:rPr lang="it-IT" dirty="0" smtClean="0">
-                <a:latin typeface="Cooper Black" panose="0208090404030B020404" pitchFamily="18" charset="0"/>
-              </a:rPr>
-              <a:t>ser</a:t>
-            </a:r>
-            <a:endParaRPr lang="it-IT" dirty="0">
-              <a:latin typeface="Cooper Black" panose="0208090404030B020404" pitchFamily="18" charset="0"/>
-            </a:endParaRPr>
+              <a:t>User</a:t>
+            </a:r>
           </a:p>
         </p:txBody>
       </p:sp>
@@ -3410,70 +3596,70 @@
           <a:lstStyle/>
           <a:p>
             <a:r>
-              <a:rPr lang="it-IT" dirty="0" smtClean="0"/>
+              <a:rPr lang="it-IT" dirty="0"/>
               <a:t>ID</a:t>
             </a:r>
           </a:p>
           <a:p>
             <a:r>
-              <a:rPr lang="it-IT" dirty="0" smtClean="0"/>
+              <a:rPr lang="it-IT" dirty="0"/>
               <a:t>First </a:t>
             </a:r>
             <a:r>
-              <a:rPr lang="it-IT" dirty="0" err="1" smtClean="0"/>
+              <a:rPr lang="it-IT" dirty="0" err="1"/>
               <a:t>Name</a:t>
             </a:r>
-            <a:endParaRPr lang="it-IT" dirty="0" smtClean="0"/>
-          </a:p>
-          <a:p>
-            <a:r>
-              <a:rPr lang="it-IT" dirty="0" smtClean="0"/>
+            <a:endParaRPr lang="it-IT" dirty="0"/>
+          </a:p>
+          <a:p>
+            <a:r>
+              <a:rPr lang="it-IT" dirty="0"/>
               <a:t>Last </a:t>
             </a:r>
             <a:r>
-              <a:rPr lang="it-IT" dirty="0" err="1" smtClean="0"/>
+              <a:rPr lang="it-IT" dirty="0" err="1"/>
               <a:t>Name</a:t>
             </a:r>
-            <a:endParaRPr lang="it-IT" dirty="0" smtClean="0"/>
-          </a:p>
-          <a:p>
-            <a:r>
-              <a:rPr lang="it-IT" dirty="0" smtClean="0"/>
+            <a:endParaRPr lang="it-IT" dirty="0"/>
+          </a:p>
+          <a:p>
+            <a:r>
+              <a:rPr lang="it-IT" dirty="0"/>
               <a:t>E-mail</a:t>
             </a:r>
           </a:p>
           <a:p>
             <a:r>
-              <a:rPr lang="it-IT" dirty="0" smtClean="0"/>
+              <a:rPr lang="it-IT" dirty="0"/>
               <a:t>Password (</a:t>
             </a:r>
             <a:r>
-              <a:rPr lang="it-IT" dirty="0" err="1" smtClean="0"/>
+              <a:rPr lang="it-IT" dirty="0" err="1"/>
               <a:t>hash</a:t>
             </a:r>
             <a:r>
-              <a:rPr lang="it-IT" dirty="0" smtClean="0"/>
+              <a:rPr lang="it-IT" dirty="0"/>
               <a:t>)</a:t>
             </a:r>
           </a:p>
           <a:p>
             <a:r>
-              <a:rPr lang="it-IT" dirty="0" err="1" smtClean="0"/>
+              <a:rPr lang="it-IT" dirty="0" err="1"/>
               <a:t>History</a:t>
             </a:r>
-            <a:endParaRPr lang="it-IT" dirty="0" smtClean="0"/>
-          </a:p>
-          <a:p>
-            <a:r>
-              <a:rPr lang="it-IT" dirty="0" err="1" smtClean="0"/>
+            <a:endParaRPr lang="it-IT" dirty="0"/>
+          </a:p>
+          <a:p>
+            <a:r>
+              <a:rPr lang="it-IT" dirty="0" err="1"/>
               <a:t>Currency</a:t>
             </a:r>
             <a:r>
-              <a:rPr lang="it-IT" dirty="0" smtClean="0"/>
+              <a:rPr lang="it-IT" dirty="0"/>
               <a:t> </a:t>
             </a:r>
             <a:r>
-              <a:rPr lang="it-IT" dirty="0" err="1" smtClean="0"/>
+              <a:rPr lang="it-IT" dirty="0" err="1"/>
               <a:t>Amount</a:t>
             </a:r>
             <a:endParaRPr lang="it-IT" dirty="0"/>
@@ -3542,13 +3728,6 @@
   <p:clrMapOvr>
     <a:masterClrMapping/>
   </p:clrMapOvr>
-  <p:timing>
-    <p:tnLst>
-      <p:par>
-        <p:cTn id="1" dur="indefinite" restart="never" nodeType="tmRoot"/>
-      </p:par>
-    </p:tnLst>
-  </p:timing>
 </p:sld>
 </file>
 
@@ -3593,7 +3772,7 @@
           <a:p>
             <a:pPr algn="ctr"/>
             <a:r>
-              <a:rPr lang="it-IT" sz="3200" dirty="0" err="1" smtClean="0">
+              <a:rPr lang="it-IT" sz="3200" dirty="0" err="1">
                 <a:latin typeface="Cooper Black" panose="0208090404030B020404" pitchFamily="18" charset="0"/>
               </a:rPr>
               <a:t>Catalogue</a:t>
@@ -3602,40 +3781,34 @@
               <a:rPr lang="it-IT" sz="3200" dirty="0">
                 <a:latin typeface="Cooper Black" panose="0208090404030B020404" pitchFamily="18" charset="0"/>
               </a:rPr>
-              <a:t> </a:t>
-            </a:r>
-            <a:r>
-              <a:rPr lang="it-IT" sz="3200" dirty="0" smtClean="0">
-                <a:latin typeface="Cooper Black" panose="0208090404030B020404" pitchFamily="18" charset="0"/>
-              </a:rPr>
-              <a:t>– </a:t>
-            </a:r>
-            <a:r>
-              <a:rPr lang="it-IT" sz="3200" dirty="0" err="1" smtClean="0">
+              <a:t> – </a:t>
+            </a:r>
+            <a:r>
+              <a:rPr lang="it-IT" sz="3200" dirty="0" err="1">
                 <a:latin typeface="Cooper Black" panose="0208090404030B020404" pitchFamily="18" charset="0"/>
               </a:rPr>
               <a:t>All</a:t>
             </a:r>
             <a:r>
-              <a:rPr lang="it-IT" sz="3200" dirty="0" smtClean="0">
+              <a:rPr lang="it-IT" sz="3200" dirty="0">
                 <a:latin typeface="Cooper Black" panose="0208090404030B020404" pitchFamily="18" charset="0"/>
               </a:rPr>
               <a:t> 151 </a:t>
             </a:r>
             <a:r>
-              <a:rPr lang="it-IT" sz="3200" dirty="0" err="1" smtClean="0">
+              <a:rPr lang="it-IT" sz="3200" dirty="0" err="1">
                 <a:latin typeface="Cooper Black" panose="0208090404030B020404" pitchFamily="18" charset="0"/>
               </a:rPr>
               <a:t>Pokémon</a:t>
             </a:r>
             <a:r>
-              <a:rPr lang="it-IT" sz="3200" dirty="0" smtClean="0">
+              <a:rPr lang="it-IT" sz="3200" dirty="0">
                 <a:latin typeface="Cooper Black" panose="0208090404030B020404" pitchFamily="18" charset="0"/>
               </a:rPr>
               <a:t> from 1° </a:t>
             </a:r>
             <a:r>
-              <a:rPr lang="it-IT" sz="3200" dirty="0" err="1" smtClean="0">
+              <a:rPr lang="it-IT" sz="3200" dirty="0" err="1">
                 <a:latin typeface="Cooper Black" panose="0208090404030B020404" pitchFamily="18" charset="0"/>
               </a:rPr>
               <a:t>gen</a:t>
@@ -3673,7 +3846,7 @@
           <a:lstStyle/>
           <a:p>
             <a:r>
-              <a:rPr lang="it-IT" dirty="0" smtClean="0">
+              <a:rPr lang="it-IT" dirty="0">
                 <a:ln>
                   <a:solidFill>
                     <a:schemeClr val="tx1">
@@ -3883,7 +4056,7 @@
           </a:lstStyle>
           <a:p>
             <a:r>
-              <a:rPr lang="it-IT" dirty="0" err="1" smtClean="0">
+              <a:rPr lang="it-IT" dirty="0" err="1">
                 <a:ln>
                   <a:solidFill>
                     <a:schemeClr val="accent6">
@@ -3898,7 +4071,7 @@
               <a:t>Uncommon</a:t>
             </a:r>
             <a:r>
-              <a:rPr lang="it-IT" dirty="0" smtClean="0">
+              <a:rPr lang="it-IT" dirty="0">
                 <a:ln>
                   <a:solidFill>
                     <a:schemeClr val="accent6">
@@ -3912,18 +4085,6 @@
               </a:rPr>
               <a:t> (40%)</a:t>
             </a:r>
-            <a:endParaRPr lang="it-IT" dirty="0">
-              <a:ln>
-                <a:solidFill>
-                  <a:schemeClr val="accent6">
-                    <a:lumMod val="50000"/>
-                  </a:schemeClr>
-                </a:solidFill>
-              </a:ln>
-              <a:solidFill>
-                <a:schemeClr val="bg1"/>
-              </a:solidFill>
-            </a:endParaRPr>
           </a:p>
         </p:txBody>
       </p:sp>
@@ -4119,7 +4280,7 @@
           </a:lstStyle>
           <a:p>
             <a:r>
-              <a:rPr lang="it-IT" dirty="0" smtClean="0">
+              <a:rPr lang="it-IT" dirty="0">
                 <a:ln>
                   <a:solidFill>
                     <a:schemeClr val="accent1">
@@ -4133,18 +4294,6 @@
               </a:rPr>
               <a:t>Rare (5%)</a:t>
             </a:r>
-            <a:endParaRPr lang="it-IT" dirty="0">
-              <a:ln>
-                <a:solidFill>
-                  <a:schemeClr val="accent1">
-                    <a:lumMod val="50000"/>
-                  </a:schemeClr>
-                </a:solidFill>
-              </a:ln>
-              <a:solidFill>
-                <a:schemeClr val="bg1"/>
-              </a:solidFill>
-            </a:endParaRPr>
           </a:p>
         </p:txBody>
       </p:sp>
@@ -4340,7 +4489,7 @@
           </a:lstStyle>
           <a:p>
             <a:r>
-              <a:rPr lang="it-IT" dirty="0" err="1" smtClean="0">
+              <a:rPr lang="it-IT" dirty="0" err="1">
                 <a:ln>
                   <a:solidFill>
                     <a:srgbClr val="7030A0"/>
@@ -4353,7 +4502,7 @@
               <a:t>Epic</a:t>
             </a:r>
             <a:r>
-              <a:rPr lang="it-IT" dirty="0" smtClean="0">
+              <a:rPr lang="it-IT" dirty="0">
                 <a:ln>
                   <a:solidFill>
                     <a:srgbClr val="7030A0"/>
@@ -4365,16 +4514,6 @@
               </a:rPr>
               <a:t> (0,5%)</a:t>
             </a:r>
-            <a:endParaRPr lang="it-IT" dirty="0">
-              <a:ln>
-                <a:solidFill>
-                  <a:srgbClr val="7030A0"/>
-                </a:solidFill>
-              </a:ln>
-              <a:solidFill>
-                <a:schemeClr val="bg1"/>
-              </a:solidFill>
-            </a:endParaRPr>
           </a:p>
         </p:txBody>
       </p:sp>
@@ -4570,7 +4709,7 @@
           </a:lstStyle>
           <a:p>
             <a:r>
-              <a:rPr lang="it-IT" dirty="0" err="1" smtClean="0">
+              <a:rPr lang="it-IT" dirty="0" err="1">
                 <a:ln>
                   <a:solidFill>
                     <a:schemeClr val="accent4">
@@ -4585,7 +4724,7 @@
               <a:t>Legendary</a:t>
             </a:r>
             <a:r>
-              <a:rPr lang="it-IT" dirty="0" smtClean="0">
+              <a:rPr lang="it-IT" dirty="0">
                 <a:ln>
                   <a:solidFill>
                     <a:schemeClr val="accent4">
@@ -4599,18 +4738,6 @@
               </a:rPr>
               <a:t> (0,05%)</a:t>
             </a:r>
-            <a:endParaRPr lang="it-IT" dirty="0">
-              <a:ln>
-                <a:solidFill>
-                  <a:schemeClr val="accent4">
-                    <a:lumMod val="50000"/>
-                  </a:schemeClr>
-                </a:solidFill>
-              </a:ln>
-              <a:solidFill>
-                <a:schemeClr val="bg1"/>
-              </a:solidFill>
-            </a:endParaRPr>
           </a:p>
         </p:txBody>
       </p:sp>
@@ -5950,38 +6077,35 @@
           </a:lstStyle>
           <a:p>
             <a:r>
-              <a:rPr lang="it-IT" dirty="0" smtClean="0">
+              <a:rPr lang="it-IT" dirty="0">
                 <a:latin typeface="Cooper Black" panose="0208090404030B020404" pitchFamily="18" charset="0"/>
               </a:rPr>
               <a:t>In-game </a:t>
             </a:r>
             <a:r>
-              <a:rPr lang="it-IT" dirty="0" err="1" smtClean="0">
+              <a:rPr lang="it-IT" dirty="0" err="1">
                 <a:latin typeface="Cooper Black" panose="0208090404030B020404" pitchFamily="18" charset="0"/>
               </a:rPr>
               <a:t>currency</a:t>
             </a:r>
             <a:r>
-              <a:rPr lang="it-IT" dirty="0" smtClean="0">
+              <a:rPr lang="it-IT" dirty="0">
                 <a:latin typeface="Cooper Black" panose="0208090404030B020404" pitchFamily="18" charset="0"/>
               </a:rPr>
               <a:t>: </a:t>
             </a:r>
             <a:r>
-              <a:rPr lang="it-IT" dirty="0" err="1" smtClean="0">
+              <a:rPr lang="it-IT" dirty="0" err="1">
                 <a:latin typeface="Cooper Black" panose="0208090404030B020404" pitchFamily="18" charset="0"/>
               </a:rPr>
               <a:t>Pokedollars</a:t>
             </a:r>
             <a:r>
-              <a:rPr lang="it-IT" dirty="0" smtClean="0">
+              <a:rPr lang="it-IT" dirty="0">
                 <a:latin typeface="Cooper Black" panose="0208090404030B020404" pitchFamily="18" charset="0"/>
               </a:rPr>
               <a:t> </a:t>
             </a:r>
-            <a:endParaRPr lang="it-IT" dirty="0">
-              <a:latin typeface="Cooper Black" panose="0208090404030B020404" pitchFamily="18" charset="0"/>
-            </a:endParaRPr>
           </a:p>
         </p:txBody>
       </p:sp>
@@ -6077,13 +6201,6 @@
   <p:clrMapOvr>
     <a:masterClrMapping/>
   </p:clrMapOvr>
-  <p:timing>
-    <p:tnLst>
-      <p:par>
-        <p:cTn id="1" dur="indefinite" restart="never" nodeType="tmRoot"/>
-      </p:par>
-    </p:tnLst>
-  </p:timing>
 </p:sld>
 </file>
 
@@ -6120,14 +6237,11 @@
           <a:lstStyle/>
           <a:p>
             <a:r>
-              <a:rPr lang="it-IT" dirty="0" smtClean="0">
+              <a:rPr lang="it-IT" dirty="0">
                 <a:latin typeface="Cooper Black" panose="0208090404030B020404" pitchFamily="18" charset="0"/>
               </a:rPr>
               <a:t>The Architecture</a:t>
             </a:r>
-            <a:endParaRPr lang="it-IT" dirty="0">
-              <a:latin typeface="Cooper Black" panose="0208090404030B020404" pitchFamily="18" charset="0"/>
-            </a:endParaRPr>
           </a:p>
         </p:txBody>
       </p:sp>
@@ -6165,13 +6279,6 @@
   <p:clrMapOvr>
     <a:masterClrMapping/>
   </p:clrMapOvr>
-  <p:timing>
-    <p:tnLst>
-      <p:par>
-        <p:cTn id="1" dur="indefinite" restart="never" nodeType="tmRoot"/>
-      </p:par>
-    </p:tnLst>
-  </p:timing>
 </p:sld>
 </file>
 
@@ -6261,14 +6368,11 @@
           <a:lstStyle/>
           <a:p>
             <a:r>
-              <a:rPr lang="it-IT" dirty="0" smtClean="0">
+              <a:rPr lang="it-IT" dirty="0">
                 <a:latin typeface="Cooper Black" panose="0208090404030B020404" pitchFamily="18" charset="0"/>
               </a:rPr>
               <a:t>The Architecture</a:t>
             </a:r>
-            <a:endParaRPr lang="it-IT" dirty="0">
-              <a:latin typeface="Cooper Black" panose="0208090404030B020404" pitchFamily="18" charset="0"/>
-            </a:endParaRPr>
           </a:p>
         </p:txBody>
       </p:sp>
@@ -6282,13 +6386,6 @@
   <p:clrMapOvr>
     <a:masterClrMapping/>
   </p:clrMapOvr>
-  <p:timing>
-    <p:tnLst>
-      <p:par>
-        <p:cTn id="1" dur="indefinite" restart="never" nodeType="tmRoot"/>
-      </p:par>
-    </p:tnLst>
-  </p:timing>
 </p:sld>
 </file>
 
@@ -6349,14 +6446,11 @@
           <a:lstStyle/>
           <a:p>
             <a:r>
-              <a:rPr lang="it-IT" dirty="0" smtClean="0">
+              <a:rPr lang="it-IT" dirty="0">
                 <a:latin typeface="Cooper Black" panose="0208090404030B020404" pitchFamily="18" charset="0"/>
               </a:rPr>
               <a:t>The Architecture</a:t>
             </a:r>
-            <a:endParaRPr lang="it-IT" dirty="0">
-              <a:latin typeface="Cooper Black" panose="0208090404030B020404" pitchFamily="18" charset="0"/>
-            </a:endParaRPr>
           </a:p>
         </p:txBody>
       </p:sp>
@@ -6370,13 +6464,6 @@
   <p:clrMapOvr>
     <a:masterClrMapping/>
   </p:clrMapOvr>
-  <p:timing>
-    <p:tnLst>
-      <p:par>
-        <p:cTn id="1" dur="indefinite" restart="never" nodeType="tmRoot"/>
-      </p:par>
-    </p:tnLst>
-  </p:timing>
 </p:sld>
 </file>
 
@@ -6442,7 +6529,7 @@
           <a:lstStyle/>
           <a:p>
             <a:r>
-              <a:rPr lang="it-IT" dirty="0" err="1" smtClean="0">
+              <a:rPr lang="it-IT" dirty="0" err="1">
                 <a:latin typeface="Cooper Black" panose="0208090404030B020404" pitchFamily="18" charset="0"/>
               </a:rPr>
               <a:t>Microfreshener</a:t>
@@ -6504,13 +6591,13 @@
           <a:lstStyle/>
           <a:p>
             <a:r>
-              <a:rPr lang="it-IT" dirty="0" smtClean="0">
+              <a:rPr lang="it-IT" dirty="0">
                 <a:latin typeface="Cooper Black" panose="0208090404030B020404" pitchFamily="18" charset="0"/>
               </a:rPr>
               <a:t>The micro-</a:t>
             </a:r>
             <a:r>
-              <a:rPr lang="it-IT" dirty="0" err="1" smtClean="0">
+              <a:rPr lang="it-IT" dirty="0" err="1">
                 <a:latin typeface="Cooper Black" panose="0208090404030B020404" pitchFamily="18" charset="0"/>
               </a:rPr>
               <a:t>services</a:t>
@@ -6549,47 +6636,15 @@
           <a:lstStyle/>
           <a:p>
             <a:r>
-              <a:rPr lang="it-IT" dirty="0" smtClean="0"/>
-              <a:t>-</a:t>
-            </a:r>
-            <a:r>
-              <a:rPr lang="it-IT" dirty="0" smtClean="0"/>
-              <a:t>api-gateway</a:t>
-            </a:r>
-            <a:r>
-              <a:rPr lang="en-US" dirty="0"/>
-              <a:t/>
+              <a:rPr lang="it-IT" dirty="0"/>
+              <a:t>-api-gateway</a:t>
             </a:r>
             <a:br>
               <a:rPr lang="en-US" dirty="0"/>
             </a:br>
             <a:r>
-              <a:rPr lang="en-US" sz="1400" dirty="0" smtClean="0"/>
-              <a:t>This </a:t>
-            </a:r>
-            <a:r>
               <a:rPr lang="en-US" sz="1400" dirty="0"/>
-              <a:t>API Gateway acts as the main entry point for client requests, forwarding </a:t>
-            </a:r>
-            <a:r>
-              <a:rPr lang="en-US" sz="1400" dirty="0" smtClean="0"/>
-              <a:t>them</a:t>
-            </a:r>
-            <a:r>
-              <a:rPr lang="en-US" sz="1400" dirty="0"/>
-              <a:t> </a:t>
-            </a:r>
-            <a:r>
-              <a:rPr lang="en-US" sz="1400" dirty="0" smtClean="0"/>
-              <a:t>to </a:t>
-            </a:r>
-            <a:r>
-              <a:rPr lang="en-US" sz="1400" dirty="0"/>
-              <a:t>the appropriate microservices for processing. It integrates with multiple </a:t>
-            </a:r>
-            <a:r>
-              <a:rPr lang="en-US" sz="1400" dirty="0" smtClean="0"/>
-              <a:t>services.</a:t>
+              <a:t>This API Gateway acts as the main entry point for client requests, forwarding them to the appropriate microservices for processing. It integrates with multiple services.</a:t>
             </a:r>
           </a:p>
           <a:p>
@@ -6628,15 +6683,15 @@
           <a:lstStyle/>
           <a:p>
             <a:r>
-              <a:rPr lang="it-IT" dirty="0" smtClean="0"/>
+              <a:rPr lang="it-IT" dirty="0"/>
               <a:t>-</a:t>
             </a:r>
             <a:r>
-              <a:rPr lang="it-IT" dirty="0" err="1" smtClean="0"/>
+              <a:rPr lang="it-IT" dirty="0" err="1"/>
               <a:t>db</a:t>
             </a:r>
             <a:r>
-              <a:rPr lang="it-IT" dirty="0" smtClean="0"/>
+              <a:rPr lang="it-IT" dirty="0"/>
               <a:t>-manager</a:t>
             </a:r>
           </a:p>
@@ -6647,7 +6702,7 @@
             </a:r>
           </a:p>
           <a:p>
-            <a:endParaRPr lang="en-US" sz="1400" dirty="0" smtClean="0"/>
+            <a:endParaRPr lang="en-US" sz="1400" dirty="0"/>
           </a:p>
           <a:p>
             <a:endParaRPr lang="en-US" sz="1400" dirty="0"/>
@@ -6685,75 +6740,115 @@
           <a:lstStyle/>
           <a:p>
             <a:r>
-              <a:rPr lang="it-IT" dirty="0" smtClean="0"/>
+              <a:rPr lang="it-IT" dirty="0"/>
               <a:t>-</a:t>
             </a:r>
             <a:r>
-              <a:rPr lang="it-IT" dirty="0" err="1" smtClean="0"/>
+              <a:rPr lang="it-IT" dirty="0" err="1"/>
               <a:t>auth</a:t>
             </a:r>
             <a:r>
-              <a:rPr lang="it-IT" dirty="0" smtClean="0"/>
+              <a:rPr lang="it-IT" dirty="0"/>
               <a:t>-service</a:t>
-            </a:r>
-            <a:r>
-              <a:rPr lang="en-US" dirty="0"/>
-              <a:t/>
             </a:r>
             <a:br>
               <a:rPr lang="en-US" dirty="0"/>
             </a:br>
             <a:r>
-              <a:rPr lang="en-US" sz="1400" dirty="0" smtClean="0"/>
-              <a:t>This </a:t>
-            </a:r>
-            <a:r>
               <a:rPr lang="en-US" sz="1400" dirty="0"/>
-              <a:t>API is part of a microservices architecture and serves as the user management </a:t>
-            </a:r>
-            <a:r>
-              <a:rPr lang="en-US" sz="1400" dirty="0" smtClean="0"/>
-              <a:t>service</a:t>
+              <a:t>This API is part of a microservices architecture and serves as the user management service for the application. It provides operations such as register a new user or authenticate a user</a:t>
+            </a:r>
+          </a:p>
+          <a:p>
+            <a:r>
+              <a:rPr lang="it-IT" dirty="0"/>
+              <a:t>-</a:t>
+            </a:r>
+            <a:r>
+              <a:rPr lang="it-IT" dirty="0" err="1"/>
+              <a:t>currency</a:t>
+            </a:r>
+            <a:r>
+              <a:rPr lang="it-IT" dirty="0"/>
+              <a:t>-service</a:t>
+            </a:r>
+          </a:p>
+          <a:p>
+            <a:r>
+              <a:rPr lang="en-US" sz="1400" dirty="0"/>
+              <a:t>This API is part of a microservices architecture and serves as the currency management service for the application. It provides operations for managing in-game currency and rolling </a:t>
+            </a:r>
+            <a:r>
+              <a:rPr lang="en-US" sz="1400" dirty="0" err="1"/>
+              <a:t>gacha</a:t>
+            </a:r>
+            <a:r>
+              <a:rPr lang="en-US" sz="1400" dirty="0"/>
+              <a:t> items.</a:t>
+            </a:r>
+          </a:p>
+          <a:p>
+            <a:r>
+              <a:rPr lang="it-IT" dirty="0"/>
+              <a:t>-</a:t>
+            </a:r>
+            <a:r>
+              <a:rPr lang="it-IT" dirty="0" err="1"/>
+              <a:t>gacha</a:t>
+            </a:r>
+            <a:r>
+              <a:rPr lang="it-IT" dirty="0"/>
+              <a:t>-service</a:t>
+            </a:r>
+          </a:p>
+          <a:p>
+            <a:r>
+              <a:rPr lang="en-US" sz="1400" dirty="0"/>
+              <a:t>This API is part of a microservices architecture and serves as the </a:t>
+            </a:r>
+            <a:r>
+              <a:rPr lang="en-US" sz="1400" dirty="0" err="1"/>
+              <a:t>gacha</a:t>
+            </a:r>
+            <a:r>
+              <a:rPr lang="en-US" sz="1400" dirty="0"/>
+              <a:t> management service for the application. It provides operations for managing </a:t>
+            </a:r>
+            <a:r>
+              <a:rPr lang="en-US" sz="1400" dirty="0" err="1"/>
+              <a:t>gachas</a:t>
+            </a:r>
+            <a:r>
+              <a:rPr lang="en-US" sz="1400" dirty="0"/>
+              <a:t> and retrieving </a:t>
+            </a:r>
+            <a:r>
+              <a:rPr lang="en-US" sz="1400" dirty="0" err="1"/>
+              <a:t>gacha</a:t>
             </a:r>
             <a:r>
               <a:rPr lang="en-US" sz="1400" dirty="0"/>
               <a:t> </a:t>
             </a:r>
             <a:r>
-              <a:rPr lang="en-US" sz="1400" dirty="0" smtClean="0"/>
-              <a:t>for </a:t>
+              <a:rPr lang="en-US" sz="1400" dirty="0" err="1"/>
+              <a:t>infos</a:t>
             </a:r>
             <a:r>
               <a:rPr lang="en-US" sz="1400" dirty="0"/>
-              <a:t>the application. It provides operations such as register a new user or authenticate a user</a:t>
-            </a:r>
-          </a:p>
-          <a:p>
-            <a:r>
-              <a:rPr lang="it-IT" dirty="0" smtClean="0"/>
-              <a:t>-</a:t>
-            </a:r>
-            <a:r>
-              <a:rPr lang="it-IT" dirty="0" err="1" smtClean="0"/>
-              <a:t>currency</a:t>
-            </a:r>
-            <a:r>
-              <a:rPr lang="it-IT" dirty="0" smtClean="0"/>
-              <a:t>-service</a:t>
+              <a:t>.</a:t>
+            </a:r>
+          </a:p>
+          <a:p>
+            <a:r>
+              <a:rPr lang="it-IT" dirty="0"/>
+              <a:t>-market-service</a:t>
             </a:r>
           </a:p>
           <a:p>
             <a:r>
               <a:rPr lang="en-US" sz="1400" dirty="0"/>
-              <a:t>This API is part of a microservices architecture and serves as the currency management </a:t>
-            </a:r>
-            <a:r>
-              <a:rPr lang="en-US" sz="1400" dirty="0" smtClean="0"/>
-              <a:t>service for </a:t>
-            </a:r>
-            <a:r>
-              <a:rPr lang="en-US" sz="1400" dirty="0"/>
-              <a:t>the application. It provides operations for managing in-game currency and rolling </a:t>
+              <a:t>This API is part of a microservices architecture and handles transactions related to </a:t>
             </a:r>
             <a:r>
               <a:rPr lang="en-US" sz="1400" dirty="0" err="1"/>
@@ -6761,106 +6856,16 @@
             </a:r>
             <a:r>
               <a:rPr lang="en-US" sz="1400" dirty="0"/>
-              <a:t> items.</a:t>
-            </a:r>
-          </a:p>
-          <a:p>
-            <a:r>
-              <a:rPr lang="it-IT" dirty="0" smtClean="0"/>
-              <a:t>-</a:t>
-            </a:r>
-            <a:r>
-              <a:rPr lang="it-IT" dirty="0" err="1" smtClean="0"/>
-              <a:t>gacha</a:t>
-            </a:r>
-            <a:r>
-              <a:rPr lang="it-IT" dirty="0" smtClean="0"/>
-              <a:t>-service</a:t>
-            </a:r>
-          </a:p>
-          <a:p>
+              <a:t> </a:t>
+            </a:r>
+            <a:r>
+              <a:rPr lang="en-US" sz="1400" dirty="0" err="1"/>
+              <a:t>itemsand</a:t>
+            </a:r>
             <a:r>
               <a:rPr lang="en-US" sz="1400" dirty="0"/>
-              <a:t>This API is part of a microservices architecture and serves as the </a:t>
-            </a:r>
-            <a:r>
-              <a:rPr lang="en-US" sz="1400" dirty="0" err="1"/>
-              <a:t>gacha</a:t>
-            </a:r>
-            <a:r>
-              <a:rPr lang="en-US" sz="1400" dirty="0"/>
-              <a:t> management </a:t>
-            </a:r>
-            <a:r>
-              <a:rPr lang="en-US" sz="1400" dirty="0" smtClean="0"/>
-              <a:t>service for </a:t>
-            </a:r>
-            <a:r>
-              <a:rPr lang="en-US" sz="1400" dirty="0"/>
-              <a:t>the application. It provides operations for managing </a:t>
-            </a:r>
-            <a:r>
-              <a:rPr lang="en-US" sz="1400" dirty="0" err="1"/>
-              <a:t>gachas</a:t>
-            </a:r>
-            <a:r>
-              <a:rPr lang="en-US" sz="1400" dirty="0"/>
-              <a:t> and retrieving </a:t>
-            </a:r>
-            <a:r>
-              <a:rPr lang="en-US" sz="1400" dirty="0" err="1"/>
-              <a:t>gacha</a:t>
-            </a:r>
-            <a:r>
-              <a:rPr lang="en-US" sz="1400" dirty="0"/>
-              <a:t> </a:t>
-            </a:r>
-            <a:r>
-              <a:rPr lang="en-US" sz="1400" dirty="0" err="1"/>
-              <a:t>infos</a:t>
-            </a:r>
-            <a:r>
-              <a:rPr lang="en-US" sz="1400" dirty="0"/>
-              <a:t>.</a:t>
-            </a:r>
-          </a:p>
-          <a:p>
-            <a:r>
-              <a:rPr lang="it-IT" dirty="0" smtClean="0"/>
-              <a:t>-market-service</a:t>
-            </a:r>
-            <a:endParaRPr lang="it-IT" dirty="0"/>
-          </a:p>
-          <a:p>
-            <a:r>
-              <a:rPr lang="en-US" sz="1400" dirty="0"/>
-              <a:t>This API is part of a microservices architecture and handles transactions related to </a:t>
-            </a:r>
-            <a:r>
-              <a:rPr lang="en-US" sz="1400" dirty="0" err="1"/>
-              <a:t>gacha</a:t>
-            </a:r>
-            <a:r>
-              <a:rPr lang="en-US" sz="1400" dirty="0"/>
-              <a:t> </a:t>
-            </a:r>
-            <a:r>
-              <a:rPr lang="en-US" sz="1400" dirty="0" err="1" smtClean="0"/>
-              <a:t>itemsand</a:t>
-            </a:r>
-            <a:r>
-              <a:rPr lang="en-US" sz="1400" dirty="0" smtClean="0"/>
-              <a:t> </a:t>
-            </a:r>
-            <a:r>
-              <a:rPr lang="en-US" sz="1400" dirty="0"/>
-              <a:t>user purchases. It interacts with other services to track and update user transactions</a:t>
-            </a:r>
-            <a:r>
-              <a:rPr lang="en-US" sz="1400" dirty="0" smtClean="0"/>
-              <a:t>.</a:t>
-            </a:r>
-            <a:endParaRPr lang="en-US" sz="1400" dirty="0"/>
+              <a:t> user purchases. It interacts with other services to track and update user transactions.</a:t>
+            </a:r>
           </a:p>
         </p:txBody>
       </p:sp>
@@ -6868,6 +6873,228 @@
     <p:extLst>
       <p:ext uri="{BB962C8B-B14F-4D97-AF65-F5344CB8AC3E}">
         <p14:creationId xmlns:p14="http://schemas.microsoft.com/office/powerpoint/2010/main" val="1791188445"/>
+      </p:ext>
+    </p:extLst>
+  </p:cSld>
+  <p:clrMapOvr>
+    <a:masterClrMapping/>
+  </p:clrMapOvr>
+</p:sld>
+</file>
+
+<file path=ppt/slides/slide9.xml><?xml version="1.0" encoding="utf-8"?>
+<p:sld xmlns:a="http://schemas.openxmlformats.org/drawingml/2006/main" xmlns:r="http://schemas.openxmlformats.org/officeDocument/2006/relationships" xmlns:p="http://schemas.openxmlformats.org/presentationml/2006/main">
+  <p:cSld>
+    <p:spTree>
+      <p:nvGrpSpPr>
+        <p:cNvPr id="1" name="">
+          <a:extLst>
+            <a:ext uri="{FF2B5EF4-FFF2-40B4-BE49-F238E27FC236}">
+              <a16:creationId xmlns:a16="http://schemas.microsoft.com/office/drawing/2014/main" id="{42351869-5381-2447-2D98-6E3E17CE9CBB}"/>
+            </a:ext>
+          </a:extLst>
+        </p:cNvPr>
+        <p:cNvGrpSpPr/>
+        <p:nvPr/>
+      </p:nvGrpSpPr>
+      <p:grpSpPr>
+        <a:xfrm>
+          <a:off x="0" y="0"/>
+          <a:ext cx="0" cy="0"/>
+          <a:chOff x="0" y="0"/>
+          <a:chExt cx="0" cy="0"/>
+        </a:xfrm>
+      </p:grpSpPr>
+      <p:sp>
+        <p:nvSpPr>
+          <p:cNvPr id="3" name="Titolo 1">
+            <a:extLst>
+              <a:ext uri="{FF2B5EF4-FFF2-40B4-BE49-F238E27FC236}">
+                <a16:creationId xmlns:a16="http://schemas.microsoft.com/office/drawing/2014/main" id="{BD54B1B5-F335-8ACC-EEF8-DE5AE274EEAA}"/>
+              </a:ext>
+            </a:extLst>
+          </p:cNvPr>
+          <p:cNvSpPr>
+            <a:spLocks noGrp="1"/>
+          </p:cNvSpPr>
+          <p:nvPr>
+            <p:ph type="title"/>
+          </p:nvPr>
+        </p:nvSpPr>
+        <p:spPr>
+          <a:xfrm>
+            <a:off x="838200" y="365125"/>
+            <a:ext cx="10515600" cy="1325563"/>
+          </a:xfrm>
+        </p:spPr>
+        <p:txBody>
+          <a:bodyPr/>
+          <a:lstStyle/>
+          <a:p>
+            <a:r>
+              <a:rPr lang="it-IT" dirty="0">
+                <a:latin typeface="Cooper Black" panose="0208090404030B020404" pitchFamily="18" charset="0"/>
+              </a:rPr>
+              <a:t>The </a:t>
+            </a:r>
+            <a:r>
+              <a:rPr lang="it-IT" dirty="0" err="1">
+                <a:latin typeface="Cooper Black" panose="0208090404030B020404" pitchFamily="18" charset="0"/>
+              </a:rPr>
+              <a:t>currency</a:t>
+            </a:r>
+            <a:r>
+              <a:rPr lang="it-IT" dirty="0">
+                <a:latin typeface="Cooper Black" panose="0208090404030B020404" pitchFamily="18" charset="0"/>
+              </a:rPr>
+              <a:t> service </a:t>
+            </a:r>
+            <a:r>
+              <a:rPr lang="it-IT" dirty="0" err="1">
+                <a:latin typeface="Cooper Black" panose="0208090404030B020404" pitchFamily="18" charset="0"/>
+              </a:rPr>
+              <a:t>datapath</a:t>
+            </a:r>
+            <a:endParaRPr lang="it-IT" dirty="0">
+              <a:latin typeface="Cooper Black" panose="0208090404030B020404" pitchFamily="18" charset="0"/>
+            </a:endParaRPr>
+          </a:p>
+        </p:txBody>
+      </p:sp>
+      <p:sp>
+        <p:nvSpPr>
+          <p:cNvPr id="6" name="CasellaDiTesto 5">
+            <a:extLst>
+              <a:ext uri="{FF2B5EF4-FFF2-40B4-BE49-F238E27FC236}">
+                <a16:creationId xmlns:a16="http://schemas.microsoft.com/office/drawing/2014/main" id="{854EE167-1917-09D5-E84F-C0F77B7AC06C}"/>
+              </a:ext>
+            </a:extLst>
+          </p:cNvPr>
+          <p:cNvSpPr txBox="1"/>
+          <p:nvPr/>
+        </p:nvSpPr>
+        <p:spPr>
+          <a:xfrm>
+            <a:off x="373224" y="1690687"/>
+            <a:ext cx="10879494" cy="4154984"/>
+          </a:xfrm>
+          <a:prstGeom prst="rect">
+            <a:avLst/>
+          </a:prstGeom>
+          <a:noFill/>
+          <a:ln>
+            <a:solidFill>
+              <a:srgbClr val="002060"/>
+            </a:solidFill>
+          </a:ln>
+        </p:spPr>
+        <p:txBody>
+          <a:bodyPr wrap="square" rtlCol="0">
+            <a:spAutoFit/>
+          </a:bodyPr>
+          <a:lstStyle/>
+          <a:p>
+            <a:r>
+              <a:rPr lang="en-US" sz="2400" dirty="0"/>
+              <a:t>The </a:t>
+            </a:r>
+            <a:r>
+              <a:rPr lang="en-US" sz="2400" dirty="0" err="1"/>
+              <a:t>gacha</a:t>
+            </a:r>
+            <a:r>
+              <a:rPr lang="en-US" sz="2400" dirty="0"/>
+              <a:t>-related services are exposed externally to clients on port 8000 via an API gateway. When an HTTPS request is received for a service related to CRUD operations for </a:t>
+            </a:r>
+            <a:r>
+              <a:rPr lang="en-US" sz="2400" dirty="0" err="1"/>
+              <a:t>gacha</a:t>
+            </a:r>
+            <a:r>
+              <a:rPr lang="en-US" sz="2400" dirty="0"/>
+              <a:t>, the API gateway forwards the HTTPS request to the </a:t>
+            </a:r>
+            <a:r>
+              <a:rPr lang="en-US" sz="2400" dirty="0" err="1"/>
+              <a:t>gachaservice</a:t>
+            </a:r>
+            <a:r>
+              <a:rPr lang="en-US" sz="2400" dirty="0"/>
+              <a:t> on port 8002.</a:t>
+            </a:r>
+          </a:p>
+          <a:p>
+            <a:endParaRPr lang="en-US" sz="2400" dirty="0"/>
+          </a:p>
+          <a:p>
+            <a:r>
+              <a:rPr lang="en-US" sz="2400" dirty="0"/>
+              <a:t>The </a:t>
+            </a:r>
+            <a:r>
+              <a:rPr lang="en-US" sz="2400" dirty="0" err="1"/>
+              <a:t>gachaservice</a:t>
+            </a:r>
+            <a:r>
+              <a:rPr lang="en-US" sz="2400" dirty="0"/>
+              <a:t> itself exposes APIs on port 8002 to add, modify, delete, and view a single </a:t>
+            </a:r>
+            <a:r>
+              <a:rPr lang="en-US" sz="2400" dirty="0" err="1"/>
+              <a:t>gacha</a:t>
+            </a:r>
+            <a:r>
+              <a:rPr lang="en-US" sz="2400" dirty="0"/>
+              <a:t> or the entire collection of </a:t>
+            </a:r>
+            <a:r>
+              <a:rPr lang="en-US" sz="2400" dirty="0" err="1"/>
+              <a:t>gachas</a:t>
+            </a:r>
+            <a:r>
+              <a:rPr lang="en-US" sz="2400" dirty="0"/>
+              <a:t>. </a:t>
+            </a:r>
+          </a:p>
+          <a:p>
+            <a:endParaRPr lang="en-US" sz="2400" dirty="0"/>
+          </a:p>
+          <a:p>
+            <a:r>
+              <a:rPr lang="en-US" sz="2400" dirty="0"/>
+              <a:t>To interface with the database, the </a:t>
+            </a:r>
+            <a:r>
+              <a:rPr lang="en-US" sz="2400" dirty="0" err="1"/>
+              <a:t>gachaservice</a:t>
+            </a:r>
+            <a:r>
+              <a:rPr lang="en-US" sz="2400" dirty="0"/>
+              <a:t> sends an HTTPS request to the </a:t>
+            </a:r>
+            <a:r>
+              <a:rPr lang="en-US" sz="2400" dirty="0" err="1"/>
+              <a:t>db_manager</a:t>
+            </a:r>
+            <a:r>
+              <a:rPr lang="en-US" sz="2400" dirty="0"/>
+              <a:t>, which provides APIs for database interfacing services. These database-related APIs are exposed by the </a:t>
+            </a:r>
+            <a:r>
+              <a:rPr lang="en-US" sz="2400" dirty="0" err="1"/>
+              <a:t>db_manager</a:t>
+            </a:r>
+            <a:r>
+              <a:rPr lang="en-US" sz="2400" dirty="0"/>
+              <a:t> on port 8005.</a:t>
+            </a:r>
+          </a:p>
+        </p:txBody>
+      </p:sp>
+    </p:spTree>
+    <p:extLst>
+      <p:ext uri="{BB962C8B-B14F-4D97-AF65-F5344CB8AC3E}">
+        <p14:creationId xmlns:p14="http://schemas.microsoft.com/office/powerpoint/2010/main" val="3120023185"/>
       </p:ext>
     </p:extLst>
   </p:cSld>

--- a/doc/Gacha Collection.pptx
+++ b/doc/Gacha Collection.pptx
@@ -13,8 +13,11 @@
     <p:sldId id="261" r:id="rId7"/>
     <p:sldId id="262" r:id="rId8"/>
     <p:sldId id="263" r:id="rId9"/>
-    <p:sldId id="265" r:id="rId10"/>
-    <p:sldId id="264" r:id="rId11"/>
+    <p:sldId id="264" r:id="rId10"/>
+    <p:sldId id="265" r:id="rId11"/>
+    <p:sldId id="266" r:id="rId12"/>
+    <p:sldId id="267" r:id="rId13"/>
+    <p:sldId id="268" r:id="rId14"/>
   </p:sldIdLst>
   <p:sldSz cx="12192000" cy="6858000"/>
   <p:notesSz cx="6858000" cy="9144000"/>
@@ -3317,6 +3320,337 @@
   <p:cSld>
     <p:spTree>
       <p:nvGrpSpPr>
+        <p:cNvPr id="1" name=""/>
+        <p:cNvGrpSpPr/>
+        <p:nvPr/>
+      </p:nvGrpSpPr>
+      <p:grpSpPr>
+        <a:xfrm>
+          <a:off x="0" y="0"/>
+          <a:ext cx="0" cy="0"/>
+          <a:chOff x="0" y="0"/>
+          <a:chExt cx="0" cy="0"/>
+        </a:xfrm>
+      </p:grpSpPr>
+      <p:sp>
+        <p:nvSpPr>
+          <p:cNvPr id="2" name="Titolo 1">
+            <a:extLst>
+              <a:ext uri="{FF2B5EF4-FFF2-40B4-BE49-F238E27FC236}">
+                <a16:creationId xmlns:a16="http://schemas.microsoft.com/office/drawing/2014/main" id="{B535146B-83DC-CCE7-7A6D-1A76BDE93113}"/>
+              </a:ext>
+            </a:extLst>
+          </p:cNvPr>
+          <p:cNvSpPr>
+            <a:spLocks noGrp="1"/>
+          </p:cNvSpPr>
+          <p:nvPr>
+            <p:ph type="title"/>
+          </p:nvPr>
+        </p:nvSpPr>
+        <p:spPr/>
+        <p:txBody>
+          <a:bodyPr>
+            <a:normAutofit/>
+          </a:bodyPr>
+          <a:lstStyle/>
+          <a:p>
+            <a:pPr algn="ctr"/>
+            <a:r>
+              <a:rPr lang="en-US" b="1" i="0" dirty="0">
+                <a:solidFill>
+                  <a:srgbClr val="0D0D0D"/>
+                </a:solidFill>
+                <a:effectLst/>
+                <a:latin typeface="ui-sans-serif"/>
+              </a:rPr>
+              <a:t>The login service </a:t>
+            </a:r>
+            <a:r>
+              <a:rPr lang="en-US" b="1" i="0" dirty="0" err="1">
+                <a:solidFill>
+                  <a:srgbClr val="0D0D0D"/>
+                </a:solidFill>
+                <a:effectLst/>
+                <a:latin typeface="ui-sans-serif"/>
+              </a:rPr>
+              <a:t>datapath</a:t>
+            </a:r>
+            <a:endParaRPr lang="it-IT" dirty="0"/>
+          </a:p>
+        </p:txBody>
+      </p:sp>
+      <p:sp>
+        <p:nvSpPr>
+          <p:cNvPr id="3" name="CasellaDiTesto 2">
+            <a:extLst>
+              <a:ext uri="{FF2B5EF4-FFF2-40B4-BE49-F238E27FC236}">
+                <a16:creationId xmlns:a16="http://schemas.microsoft.com/office/drawing/2014/main" id="{6FE048D2-0A5F-4FCC-1543-F213457023B4}"/>
+              </a:ext>
+            </a:extLst>
+          </p:cNvPr>
+          <p:cNvSpPr txBox="1"/>
+          <p:nvPr/>
+        </p:nvSpPr>
+        <p:spPr>
+          <a:xfrm>
+            <a:off x="838200" y="1483567"/>
+            <a:ext cx="10402078" cy="4238083"/>
+          </a:xfrm>
+          <a:prstGeom prst="rect">
+            <a:avLst/>
+          </a:prstGeom>
+          <a:noFill/>
+          <a:ln>
+            <a:solidFill>
+              <a:schemeClr val="tx1"/>
+            </a:solidFill>
+          </a:ln>
+        </p:spPr>
+        <p:txBody>
+          <a:bodyPr wrap="square" rtlCol="0">
+            <a:spAutoFit/>
+          </a:bodyPr>
+          <a:lstStyle/>
+          <a:p>
+            <a:pPr>
+              <a:lnSpc>
+                <a:spcPct val="107000"/>
+              </a:lnSpc>
+              <a:spcAft>
+                <a:spcPts val="800"/>
+              </a:spcAft>
+            </a:pPr>
+            <a:r>
+              <a:rPr lang="en-US" sz="2000" b="1" kern="100" dirty="0">
+                <a:effectLst/>
+                <a:latin typeface="Aptos" panose="020B0004020202020204" pitchFamily="34" charset="0"/>
+                <a:ea typeface="Aptos" panose="020B0004020202020204" pitchFamily="34" charset="0"/>
+                <a:cs typeface="Times New Roman" panose="02020603050405020304" pitchFamily="18" charset="0"/>
+              </a:rPr>
+              <a:t>The </a:t>
+            </a:r>
+            <a:r>
+              <a:rPr lang="en-US" sz="2000" b="1" kern="100" dirty="0" err="1">
+                <a:effectLst/>
+                <a:latin typeface="Aptos" panose="020B0004020202020204" pitchFamily="34" charset="0"/>
+                <a:ea typeface="Aptos" panose="020B0004020202020204" pitchFamily="34" charset="0"/>
+                <a:cs typeface="Times New Roman" panose="02020603050405020304" pitchFamily="18" charset="0"/>
+              </a:rPr>
+              <a:t>login_user</a:t>
+            </a:r>
+            <a:r>
+              <a:rPr lang="en-US" sz="2000" b="1" kern="100" dirty="0">
+                <a:effectLst/>
+                <a:latin typeface="Aptos" panose="020B0004020202020204" pitchFamily="34" charset="0"/>
+                <a:ea typeface="Aptos" panose="020B0004020202020204" pitchFamily="34" charset="0"/>
+                <a:cs typeface="Times New Roman" panose="02020603050405020304" pitchFamily="18" charset="0"/>
+              </a:rPr>
+              <a:t>-related services are exposed externally to clients on port 8000 via an API gateway. When an HTTPS request is received for user registration, the API gateway forwards the HTTPS request to the auth-service/</a:t>
+            </a:r>
+            <a:r>
+              <a:rPr lang="en-US" sz="2000" b="1" kern="100" dirty="0" err="1">
+                <a:effectLst/>
+                <a:latin typeface="Aptos" panose="020B0004020202020204" pitchFamily="34" charset="0"/>
+                <a:ea typeface="Aptos" panose="020B0004020202020204" pitchFamily="34" charset="0"/>
+                <a:cs typeface="Times New Roman" panose="02020603050405020304" pitchFamily="18" charset="0"/>
+              </a:rPr>
+              <a:t>login_user</a:t>
+            </a:r>
+            <a:r>
+              <a:rPr lang="en-US" sz="2000" b="1" kern="100" dirty="0">
+                <a:effectLst/>
+                <a:latin typeface="Aptos" panose="020B0004020202020204" pitchFamily="34" charset="0"/>
+                <a:ea typeface="Aptos" panose="020B0004020202020204" pitchFamily="34" charset="0"/>
+                <a:cs typeface="Times New Roman" panose="02020603050405020304" pitchFamily="18" charset="0"/>
+              </a:rPr>
+              <a:t> on port 8001.</a:t>
+            </a:r>
+            <a:endParaRPr lang="it-IT" sz="2000" kern="100" dirty="0">
+              <a:effectLst/>
+              <a:latin typeface="Aptos" panose="020B0004020202020204" pitchFamily="34" charset="0"/>
+              <a:ea typeface="Aptos" panose="020B0004020202020204" pitchFamily="34" charset="0"/>
+              <a:cs typeface="Times New Roman" panose="02020603050405020304" pitchFamily="18" charset="0"/>
+            </a:endParaRPr>
+          </a:p>
+          <a:p>
+            <a:pPr>
+              <a:lnSpc>
+                <a:spcPct val="107000"/>
+              </a:lnSpc>
+              <a:spcAft>
+                <a:spcPts val="800"/>
+              </a:spcAft>
+            </a:pPr>
+            <a:r>
+              <a:rPr lang="en-US" sz="2000" b="1" kern="100" dirty="0">
+                <a:effectLst/>
+                <a:latin typeface="Aptos" panose="020B0004020202020204" pitchFamily="34" charset="0"/>
+                <a:ea typeface="Aptos" panose="020B0004020202020204" pitchFamily="34" charset="0"/>
+                <a:cs typeface="Times New Roman" panose="02020603050405020304" pitchFamily="18" charset="0"/>
+              </a:rPr>
+              <a:t>The auth-service itself exposes APIs on port 8001 to handle user login. To interface with the database, auth-service sends an HTTPS request to the </a:t>
+            </a:r>
+            <a:r>
+              <a:rPr lang="en-US" sz="2000" b="1" kern="100" dirty="0" err="1">
+                <a:effectLst/>
+                <a:latin typeface="Aptos" panose="020B0004020202020204" pitchFamily="34" charset="0"/>
+                <a:ea typeface="Aptos" panose="020B0004020202020204" pitchFamily="34" charset="0"/>
+                <a:cs typeface="Times New Roman" panose="02020603050405020304" pitchFamily="18" charset="0"/>
+              </a:rPr>
+              <a:t>db_manager</a:t>
+            </a:r>
+            <a:r>
+              <a:rPr lang="en-US" sz="2000" b="1" kern="100" dirty="0">
+                <a:effectLst/>
+                <a:latin typeface="Aptos" panose="020B0004020202020204" pitchFamily="34" charset="0"/>
+                <a:ea typeface="Aptos" panose="020B0004020202020204" pitchFamily="34" charset="0"/>
+                <a:cs typeface="Times New Roman" panose="02020603050405020304" pitchFamily="18" charset="0"/>
+              </a:rPr>
+              <a:t>( containing the user's email), which provides APIs for database-related operations. These database-related APIs are exposed by the </a:t>
+            </a:r>
+            <a:r>
+              <a:rPr lang="en-US" sz="2000" b="1" kern="100" dirty="0" err="1">
+                <a:effectLst/>
+                <a:latin typeface="Aptos" panose="020B0004020202020204" pitchFamily="34" charset="0"/>
+                <a:ea typeface="Aptos" panose="020B0004020202020204" pitchFamily="34" charset="0"/>
+                <a:cs typeface="Times New Roman" panose="02020603050405020304" pitchFamily="18" charset="0"/>
+              </a:rPr>
+              <a:t>db_manager</a:t>
+            </a:r>
+            <a:r>
+              <a:rPr lang="en-US" sz="2000" b="1" kern="100" dirty="0">
+                <a:effectLst/>
+                <a:latin typeface="Aptos" panose="020B0004020202020204" pitchFamily="34" charset="0"/>
+                <a:ea typeface="Aptos" panose="020B0004020202020204" pitchFamily="34" charset="0"/>
+                <a:cs typeface="Times New Roman" panose="02020603050405020304" pitchFamily="18" charset="0"/>
+              </a:rPr>
+              <a:t> on port 8005.</a:t>
+            </a:r>
+            <a:endParaRPr lang="it-IT" sz="2000" kern="100" dirty="0">
+              <a:effectLst/>
+              <a:latin typeface="Aptos" panose="020B0004020202020204" pitchFamily="34" charset="0"/>
+              <a:ea typeface="Aptos" panose="020B0004020202020204" pitchFamily="34" charset="0"/>
+              <a:cs typeface="Times New Roman" panose="02020603050405020304" pitchFamily="18" charset="0"/>
+            </a:endParaRPr>
+          </a:p>
+          <a:p>
+            <a:pPr>
+              <a:lnSpc>
+                <a:spcPct val="107000"/>
+              </a:lnSpc>
+              <a:spcAft>
+                <a:spcPts val="800"/>
+              </a:spcAft>
+            </a:pPr>
+            <a:r>
+              <a:rPr lang="en-US" sz="2000" b="1" kern="100" dirty="0">
+                <a:effectLst/>
+                <a:latin typeface="Aptos" panose="020B0004020202020204" pitchFamily="34" charset="0"/>
+                <a:ea typeface="Aptos" panose="020B0004020202020204" pitchFamily="34" charset="0"/>
+                <a:cs typeface="Times New Roman" panose="02020603050405020304" pitchFamily="18" charset="0"/>
+              </a:rPr>
+              <a:t>The </a:t>
+            </a:r>
+            <a:r>
+              <a:rPr lang="en-US" sz="2000" b="1" kern="100" dirty="0" err="1">
+                <a:effectLst/>
+                <a:latin typeface="Aptos" panose="020B0004020202020204" pitchFamily="34" charset="0"/>
+                <a:ea typeface="Aptos" panose="020B0004020202020204" pitchFamily="34" charset="0"/>
+                <a:cs typeface="Times New Roman" panose="02020603050405020304" pitchFamily="18" charset="0"/>
+              </a:rPr>
+              <a:t>db</a:t>
+            </a:r>
+            <a:r>
+              <a:rPr lang="en-US" sz="2000" b="1" kern="100" dirty="0">
+                <a:effectLst/>
+                <a:latin typeface="Aptos" panose="020B0004020202020204" pitchFamily="34" charset="0"/>
+                <a:ea typeface="Aptos" panose="020B0004020202020204" pitchFamily="34" charset="0"/>
+                <a:cs typeface="Times New Roman" panose="02020603050405020304" pitchFamily="18" charset="0"/>
+              </a:rPr>
+              <a:t>-manager performs a lookup through the email provided and returns the corresponding encrypted password if successful. The </a:t>
+            </a:r>
+            <a:r>
+              <a:rPr lang="en-US" sz="2000" b="1" kern="100" dirty="0" err="1">
+                <a:effectLst/>
+                <a:latin typeface="Aptos" panose="020B0004020202020204" pitchFamily="34" charset="0"/>
+                <a:ea typeface="Aptos" panose="020B0004020202020204" pitchFamily="34" charset="0"/>
+                <a:cs typeface="Times New Roman" panose="02020603050405020304" pitchFamily="18" charset="0"/>
+              </a:rPr>
+              <a:t>auth.service</a:t>
+            </a:r>
+            <a:r>
+              <a:rPr lang="en-US" sz="2000" b="1" kern="100" dirty="0">
+                <a:effectLst/>
+                <a:latin typeface="Aptos" panose="020B0004020202020204" pitchFamily="34" charset="0"/>
+                <a:ea typeface="Aptos" panose="020B0004020202020204" pitchFamily="34" charset="0"/>
+                <a:cs typeface="Times New Roman" panose="02020603050405020304" pitchFamily="18" charset="0"/>
+              </a:rPr>
+              <a:t> service will then perform a check on the password now encrypted by the user and the one received from the </a:t>
+            </a:r>
+            <a:r>
+              <a:rPr lang="en-US" sz="2000" b="1" kern="100" dirty="0" err="1">
+                <a:effectLst/>
+                <a:latin typeface="Aptos" panose="020B0004020202020204" pitchFamily="34" charset="0"/>
+                <a:ea typeface="Aptos" panose="020B0004020202020204" pitchFamily="34" charset="0"/>
+                <a:cs typeface="Times New Roman" panose="02020603050405020304" pitchFamily="18" charset="0"/>
+              </a:rPr>
+              <a:t>db</a:t>
+            </a:r>
+            <a:r>
+              <a:rPr lang="en-US" sz="2000" b="1" kern="100" dirty="0">
+                <a:effectLst/>
+                <a:latin typeface="Aptos" panose="020B0004020202020204" pitchFamily="34" charset="0"/>
+                <a:ea typeface="Aptos" panose="020B0004020202020204" pitchFamily="34" charset="0"/>
+                <a:cs typeface="Times New Roman" panose="02020603050405020304" pitchFamily="18" charset="0"/>
+              </a:rPr>
+              <a:t>-manager. If the match is positive, the auth-service service will then forward the login to the </a:t>
+            </a:r>
+            <a:r>
+              <a:rPr lang="en-US" sz="2000" b="1" kern="100" dirty="0" err="1">
+                <a:effectLst/>
+                <a:latin typeface="Aptos" panose="020B0004020202020204" pitchFamily="34" charset="0"/>
+                <a:ea typeface="Aptos" panose="020B0004020202020204" pitchFamily="34" charset="0"/>
+                <a:cs typeface="Times New Roman" panose="02020603050405020304" pitchFamily="18" charset="0"/>
+              </a:rPr>
+              <a:t>api</a:t>
+            </a:r>
+            <a:r>
+              <a:rPr lang="en-US" sz="2000" b="1" kern="100" dirty="0">
+                <a:effectLst/>
+                <a:latin typeface="Aptos" panose="020B0004020202020204" pitchFamily="34" charset="0"/>
+                <a:ea typeface="Aptos" panose="020B0004020202020204" pitchFamily="34" charset="0"/>
+                <a:cs typeface="Times New Roman" panose="02020603050405020304" pitchFamily="18" charset="0"/>
+              </a:rPr>
+              <a:t>-gateway.</a:t>
+            </a:r>
+            <a:endParaRPr lang="it-IT" sz="2000" kern="100" dirty="0">
+              <a:effectLst/>
+              <a:latin typeface="Aptos" panose="020B0004020202020204" pitchFamily="34" charset="0"/>
+              <a:ea typeface="Aptos" panose="020B0004020202020204" pitchFamily="34" charset="0"/>
+              <a:cs typeface="Times New Roman" panose="02020603050405020304" pitchFamily="18" charset="0"/>
+            </a:endParaRPr>
+          </a:p>
+        </p:txBody>
+      </p:sp>
+    </p:spTree>
+    <p:extLst>
+      <p:ext uri="{BB962C8B-B14F-4D97-AF65-F5344CB8AC3E}">
+        <p14:creationId xmlns:p14="http://schemas.microsoft.com/office/powerpoint/2010/main" val="2917735196"/>
+      </p:ext>
+    </p:extLst>
+  </p:cSld>
+  <p:clrMapOvr>
+    <a:masterClrMapping/>
+  </p:clrMapOvr>
+</p:sld>
+</file>
+
+<file path=ppt/slides/slide11.xml><?xml version="1.0" encoding="utf-8"?>
+<p:sld xmlns:a="http://schemas.openxmlformats.org/drawingml/2006/main" xmlns:r="http://schemas.openxmlformats.org/officeDocument/2006/relationships" xmlns:p="http://schemas.openxmlformats.org/presentationml/2006/main">
+  <p:cSld>
+    <p:spTree>
+      <p:nvGrpSpPr>
         <p:cNvPr id="1" name="">
           <a:extLst>
             <a:ext uri="{FF2B5EF4-FFF2-40B4-BE49-F238E27FC236}">
@@ -3424,98 +3758,448 @@
           </a:bodyPr>
           <a:lstStyle/>
           <a:p>
-            <a:r>
-              <a:rPr lang="en-US" sz="2400" dirty="0"/>
+            <a:pPr marL="0" marR="0" lvl="0" indent="0" algn="l" defTabSz="914400" rtl="0" eaLnBrk="1" fontAlgn="auto" latinLnBrk="0" hangingPunct="1">
+              <a:lnSpc>
+                <a:spcPct val="100000"/>
+              </a:lnSpc>
+              <a:spcBef>
+                <a:spcPts val="0"/>
+              </a:spcBef>
+              <a:spcAft>
+                <a:spcPts val="0"/>
+              </a:spcAft>
+              <a:buClrTx/>
+              <a:buSzTx/>
+              <a:buFontTx/>
+              <a:buNone/>
+              <a:tabLst/>
+              <a:defRPr/>
+            </a:pPr>
+            <a:r>
+              <a:rPr kumimoji="0" lang="en-US" sz="2400" b="0" i="0" u="none" strike="noStrike" kern="1200" cap="none" spc="0" normalizeH="0" baseline="0" noProof="0" dirty="0">
+                <a:ln>
+                  <a:noFill/>
+                </a:ln>
+                <a:solidFill>
+                  <a:prstClr val="black"/>
+                </a:solidFill>
+                <a:effectLst/>
+                <a:uLnTx/>
+                <a:uFillTx/>
+                <a:latin typeface="Calibri" panose="020F0502020204030204"/>
+                <a:ea typeface="+mn-ea"/>
+                <a:cs typeface="+mn-cs"/>
+              </a:rPr>
               <a:t>The currency service is exposed to external clients through an API Gateway on port 8000.</a:t>
             </a:r>
           </a:p>
           <a:p>
-            <a:endParaRPr lang="en-US" sz="2400" dirty="0"/>
-          </a:p>
-          <a:p>
-            <a:r>
-              <a:rPr lang="en-US" sz="2400" dirty="0"/>
+            <a:pPr marL="0" marR="0" lvl="0" indent="0" algn="l" defTabSz="914400" rtl="0" eaLnBrk="1" fontAlgn="auto" latinLnBrk="0" hangingPunct="1">
+              <a:lnSpc>
+                <a:spcPct val="100000"/>
+              </a:lnSpc>
+              <a:spcBef>
+                <a:spcPts val="0"/>
+              </a:spcBef>
+              <a:spcAft>
+                <a:spcPts val="0"/>
+              </a:spcAft>
+              <a:buClrTx/>
+              <a:buSzTx/>
+              <a:buFontTx/>
+              <a:buNone/>
+              <a:tabLst/>
+              <a:defRPr/>
+            </a:pPr>
+            <a:endParaRPr kumimoji="0" lang="en-US" sz="2400" b="0" i="0" u="none" strike="noStrike" kern="1200" cap="none" spc="0" normalizeH="0" baseline="0" noProof="0" dirty="0">
+              <a:ln>
+                <a:noFill/>
+              </a:ln>
+              <a:solidFill>
+                <a:prstClr val="black"/>
+              </a:solidFill>
+              <a:effectLst/>
+              <a:uLnTx/>
+              <a:uFillTx/>
+              <a:latin typeface="Calibri" panose="020F0502020204030204"/>
+              <a:ea typeface="+mn-ea"/>
+              <a:cs typeface="+mn-cs"/>
+            </a:endParaRPr>
+          </a:p>
+          <a:p>
+            <a:pPr marL="0" marR="0" lvl="0" indent="0" algn="l" defTabSz="914400" rtl="0" eaLnBrk="1" fontAlgn="auto" latinLnBrk="0" hangingPunct="1">
+              <a:lnSpc>
+                <a:spcPct val="100000"/>
+              </a:lnSpc>
+              <a:spcBef>
+                <a:spcPts val="0"/>
+              </a:spcBef>
+              <a:spcAft>
+                <a:spcPts val="0"/>
+              </a:spcAft>
+              <a:buClrTx/>
+              <a:buSzTx/>
+              <a:buFontTx/>
+              <a:buNone/>
+              <a:tabLst/>
+              <a:defRPr/>
+            </a:pPr>
+            <a:r>
+              <a:rPr kumimoji="0" lang="en-US" sz="2400" b="0" i="0" u="none" strike="noStrike" kern="1200" cap="none" spc="0" normalizeH="0" baseline="0" noProof="0" dirty="0">
+                <a:ln>
+                  <a:noFill/>
+                </a:ln>
+                <a:solidFill>
+                  <a:prstClr val="black"/>
+                </a:solidFill>
+                <a:effectLst/>
+                <a:uLnTx/>
+                <a:uFillTx/>
+                <a:latin typeface="Calibri" panose="020F0502020204030204"/>
+                <a:ea typeface="+mn-ea"/>
+                <a:cs typeface="+mn-cs"/>
+              </a:rPr>
               <a:t>When an HTTPS request for </a:t>
             </a:r>
             <a:r>
-              <a:rPr lang="en-US" sz="2400" dirty="0" err="1"/>
+              <a:rPr kumimoji="0" lang="en-US" sz="2400" b="0" i="0" u="none" strike="noStrike" kern="1200" cap="none" spc="0" normalizeH="0" baseline="0" noProof="0" dirty="0" err="1">
+                <a:ln>
+                  <a:noFill/>
+                </a:ln>
+                <a:solidFill>
+                  <a:prstClr val="black"/>
+                </a:solidFill>
+                <a:effectLst/>
+                <a:uLnTx/>
+                <a:uFillTx/>
+                <a:latin typeface="Calibri" panose="020F0502020204030204"/>
+                <a:ea typeface="+mn-ea"/>
+                <a:cs typeface="+mn-cs"/>
+              </a:rPr>
               <a:t>roll_gacha</a:t>
             </a:r>
             <a:r>
-              <a:rPr lang="en-US" sz="2400" dirty="0"/>
+              <a:rPr kumimoji="0" lang="en-US" sz="2400" b="0" i="0" u="none" strike="noStrike" kern="1200" cap="none" spc="0" normalizeH="0" baseline="0" noProof="0" dirty="0">
+                <a:ln>
+                  <a:noFill/>
+                </a:ln>
+                <a:solidFill>
+                  <a:prstClr val="black"/>
+                </a:solidFill>
+                <a:effectLst/>
+                <a:uLnTx/>
+                <a:uFillTx/>
+                <a:latin typeface="Calibri" panose="020F0502020204030204"/>
+                <a:ea typeface="+mn-ea"/>
+                <a:cs typeface="+mn-cs"/>
+              </a:rPr>
               <a:t> or </a:t>
             </a:r>
             <a:r>
-              <a:rPr lang="en-US" sz="2400" dirty="0" err="1"/>
+              <a:rPr kumimoji="0" lang="en-US" sz="2400" b="0" i="0" u="none" strike="noStrike" kern="1200" cap="none" spc="0" normalizeH="0" baseline="0" noProof="0" dirty="0" err="1">
+                <a:ln>
+                  <a:noFill/>
+                </a:ln>
+                <a:solidFill>
+                  <a:prstClr val="black"/>
+                </a:solidFill>
+                <a:effectLst/>
+                <a:uLnTx/>
+                <a:uFillTx/>
+                <a:latin typeface="Calibri" panose="020F0502020204030204"/>
+                <a:ea typeface="+mn-ea"/>
+                <a:cs typeface="+mn-cs"/>
+              </a:rPr>
               <a:t>buy_currency</a:t>
             </a:r>
             <a:r>
-              <a:rPr lang="en-US" sz="2400" dirty="0"/>
+              <a:rPr kumimoji="0" lang="en-US" sz="2400" b="0" i="0" u="none" strike="noStrike" kern="1200" cap="none" spc="0" normalizeH="0" baseline="0" noProof="0" dirty="0">
+                <a:ln>
+                  <a:noFill/>
+                </a:ln>
+                <a:solidFill>
+                  <a:prstClr val="black"/>
+                </a:solidFill>
+                <a:effectLst/>
+                <a:uLnTx/>
+                <a:uFillTx/>
+                <a:latin typeface="Calibri" panose="020F0502020204030204"/>
+                <a:ea typeface="+mn-ea"/>
+                <a:cs typeface="+mn-cs"/>
+              </a:rPr>
               <a:t> is received, the API Gateway forwards the request to the </a:t>
             </a:r>
             <a:r>
-              <a:rPr lang="en-US" sz="2400" dirty="0" err="1"/>
+              <a:rPr kumimoji="0" lang="en-US" sz="2400" b="0" i="0" u="none" strike="noStrike" kern="1200" cap="none" spc="0" normalizeH="0" baseline="0" noProof="0" dirty="0" err="1">
+                <a:ln>
+                  <a:noFill/>
+                </a:ln>
+                <a:solidFill>
+                  <a:prstClr val="black"/>
+                </a:solidFill>
+                <a:effectLst/>
+                <a:uLnTx/>
+                <a:uFillTx/>
+                <a:latin typeface="Calibri" panose="020F0502020204030204"/>
+                <a:ea typeface="+mn-ea"/>
+                <a:cs typeface="+mn-cs"/>
+              </a:rPr>
               <a:t>currency_service</a:t>
             </a:r>
             <a:r>
-              <a:rPr lang="en-US" sz="2400" dirty="0"/>
-              <a:t> via HTTPS on port </a:t>
-            </a:r>
-            <a:r>
-              <a:rPr lang="en-US" sz="2400"/>
-              <a:t>8004. </a:t>
-            </a:r>
-            <a:r>
-              <a:rPr lang="en-US" sz="2400" dirty="0"/>
-              <a:t>The </a:t>
-            </a:r>
-            <a:r>
-              <a:rPr lang="en-US" sz="2400" dirty="0" err="1"/>
+              <a:rPr kumimoji="0" lang="en-US" sz="2400" b="0" i="0" u="none" strike="noStrike" kern="1200" cap="none" spc="0" normalizeH="0" baseline="0" noProof="0" dirty="0">
+                <a:ln>
+                  <a:noFill/>
+                </a:ln>
+                <a:solidFill>
+                  <a:prstClr val="black"/>
+                </a:solidFill>
+                <a:effectLst/>
+                <a:uLnTx/>
+                <a:uFillTx/>
+                <a:latin typeface="Calibri" panose="020F0502020204030204"/>
+                <a:ea typeface="+mn-ea"/>
+                <a:cs typeface="+mn-cs"/>
+              </a:rPr>
+              <a:t> via HTTPS on port 8004. The </a:t>
+            </a:r>
+            <a:r>
+              <a:rPr kumimoji="0" lang="en-US" sz="2400" b="0" i="0" u="none" strike="noStrike" kern="1200" cap="none" spc="0" normalizeH="0" baseline="0" noProof="0" dirty="0" err="1">
+                <a:ln>
+                  <a:noFill/>
+                </a:ln>
+                <a:solidFill>
+                  <a:prstClr val="black"/>
+                </a:solidFill>
+                <a:effectLst/>
+                <a:uLnTx/>
+                <a:uFillTx/>
+                <a:latin typeface="Calibri" panose="020F0502020204030204"/>
+                <a:ea typeface="+mn-ea"/>
+                <a:cs typeface="+mn-cs"/>
+              </a:rPr>
               <a:t>currency_service</a:t>
             </a:r>
             <a:r>
-              <a:rPr lang="en-US" sz="2400" dirty="0"/>
+              <a:rPr kumimoji="0" lang="en-US" sz="2400" b="0" i="0" u="none" strike="noStrike" kern="1200" cap="none" spc="0" normalizeH="0" baseline="0" noProof="0" dirty="0">
+                <a:ln>
+                  <a:noFill/>
+                </a:ln>
+                <a:solidFill>
+                  <a:prstClr val="black"/>
+                </a:solidFill>
+                <a:effectLst/>
+                <a:uLnTx/>
+                <a:uFillTx/>
+                <a:latin typeface="Calibri" panose="020F0502020204030204"/>
+                <a:ea typeface="+mn-ea"/>
+                <a:cs typeface="+mn-cs"/>
+              </a:rPr>
               <a:t> is responsible for implementing the business logic associated with these requests. </a:t>
             </a:r>
           </a:p>
           <a:p>
-            <a:endParaRPr lang="en-US" sz="2400" dirty="0"/>
-          </a:p>
-          <a:p>
-            <a:r>
-              <a:rPr lang="en-US" sz="2400" dirty="0"/>
+            <a:pPr marL="0" marR="0" lvl="0" indent="0" algn="l" defTabSz="914400" rtl="0" eaLnBrk="1" fontAlgn="auto" latinLnBrk="0" hangingPunct="1">
+              <a:lnSpc>
+                <a:spcPct val="100000"/>
+              </a:lnSpc>
+              <a:spcBef>
+                <a:spcPts val="0"/>
+              </a:spcBef>
+              <a:spcAft>
+                <a:spcPts val="0"/>
+              </a:spcAft>
+              <a:buClrTx/>
+              <a:buSzTx/>
+              <a:buFontTx/>
+              <a:buNone/>
+              <a:tabLst/>
+              <a:defRPr/>
+            </a:pPr>
+            <a:endParaRPr kumimoji="0" lang="en-US" sz="2400" b="0" i="0" u="none" strike="noStrike" kern="1200" cap="none" spc="0" normalizeH="0" baseline="0" noProof="0" dirty="0">
+              <a:ln>
+                <a:noFill/>
+              </a:ln>
+              <a:solidFill>
+                <a:prstClr val="black"/>
+              </a:solidFill>
+              <a:effectLst/>
+              <a:uLnTx/>
+              <a:uFillTx/>
+              <a:latin typeface="Calibri" panose="020F0502020204030204"/>
+              <a:ea typeface="+mn-ea"/>
+              <a:cs typeface="+mn-cs"/>
+            </a:endParaRPr>
+          </a:p>
+          <a:p>
+            <a:pPr marL="0" marR="0" lvl="0" indent="0" algn="l" defTabSz="914400" rtl="0" eaLnBrk="1" fontAlgn="auto" latinLnBrk="0" hangingPunct="1">
+              <a:lnSpc>
+                <a:spcPct val="100000"/>
+              </a:lnSpc>
+              <a:spcBef>
+                <a:spcPts val="0"/>
+              </a:spcBef>
+              <a:spcAft>
+                <a:spcPts val="0"/>
+              </a:spcAft>
+              <a:buClrTx/>
+              <a:buSzTx/>
+              <a:buFontTx/>
+              <a:buNone/>
+              <a:tabLst/>
+              <a:defRPr/>
+            </a:pPr>
+            <a:r>
+              <a:rPr kumimoji="0" lang="en-US" sz="2400" b="0" i="0" u="none" strike="noStrike" kern="1200" cap="none" spc="0" normalizeH="0" baseline="0" noProof="0" dirty="0">
+                <a:ln>
+                  <a:noFill/>
+                </a:ln>
+                <a:solidFill>
+                  <a:prstClr val="black"/>
+                </a:solidFill>
+                <a:effectLst/>
+                <a:uLnTx/>
+                <a:uFillTx/>
+                <a:latin typeface="Calibri" panose="020F0502020204030204"/>
+                <a:ea typeface="+mn-ea"/>
+                <a:cs typeface="+mn-cs"/>
+              </a:rPr>
               <a:t>To interface with the database, the </a:t>
             </a:r>
             <a:r>
-              <a:rPr lang="en-US" sz="2400" dirty="0" err="1"/>
+              <a:rPr kumimoji="0" lang="en-US" sz="2400" b="0" i="0" u="none" strike="noStrike" kern="1200" cap="none" spc="0" normalizeH="0" baseline="0" noProof="0" dirty="0" err="1">
+                <a:ln>
+                  <a:noFill/>
+                </a:ln>
+                <a:solidFill>
+                  <a:prstClr val="black"/>
+                </a:solidFill>
+                <a:effectLst/>
+                <a:uLnTx/>
+                <a:uFillTx/>
+                <a:latin typeface="Calibri" panose="020F0502020204030204"/>
+                <a:ea typeface="+mn-ea"/>
+                <a:cs typeface="+mn-cs"/>
+              </a:rPr>
               <a:t>currency_service</a:t>
             </a:r>
             <a:r>
-              <a:rPr lang="en-US" sz="2400" dirty="0"/>
-              <a:t> sends an HTTP request to the </a:t>
-            </a:r>
-            <a:r>
-              <a:rPr lang="en-US" sz="2400" dirty="0" err="1"/>
+              <a:rPr kumimoji="0" lang="en-US" sz="2400" b="0" i="0" u="none" strike="noStrike" kern="1200" cap="none" spc="0" normalizeH="0" baseline="0" noProof="0" dirty="0">
+                <a:ln>
+                  <a:noFill/>
+                </a:ln>
+                <a:solidFill>
+                  <a:prstClr val="black"/>
+                </a:solidFill>
+                <a:effectLst/>
+                <a:uLnTx/>
+                <a:uFillTx/>
+                <a:latin typeface="Calibri" panose="020F0502020204030204"/>
+                <a:ea typeface="+mn-ea"/>
+                <a:cs typeface="+mn-cs"/>
+              </a:rPr>
+              <a:t> sends an HTTPS request to the </a:t>
+            </a:r>
+            <a:r>
+              <a:rPr kumimoji="0" lang="en-US" sz="2400" b="0" i="0" u="none" strike="noStrike" kern="1200" cap="none" spc="0" normalizeH="0" baseline="0" noProof="0" dirty="0" err="1">
+                <a:ln>
+                  <a:noFill/>
+                </a:ln>
+                <a:solidFill>
+                  <a:prstClr val="black"/>
+                </a:solidFill>
+                <a:effectLst/>
+                <a:uLnTx/>
+                <a:uFillTx/>
+                <a:latin typeface="Calibri" panose="020F0502020204030204"/>
+                <a:ea typeface="+mn-ea"/>
+                <a:cs typeface="+mn-cs"/>
+              </a:rPr>
               <a:t>db_manager</a:t>
             </a:r>
             <a:r>
-              <a:rPr lang="en-US" sz="2400" dirty="0"/>
+              <a:rPr kumimoji="0" lang="en-US" sz="2400" b="0" i="0" u="none" strike="noStrike" kern="1200" cap="none" spc="0" normalizeH="0" baseline="0" noProof="0" dirty="0">
+                <a:ln>
+                  <a:noFill/>
+                </a:ln>
+                <a:solidFill>
+                  <a:prstClr val="black"/>
+                </a:solidFill>
+                <a:effectLst/>
+                <a:uLnTx/>
+                <a:uFillTx/>
+                <a:latin typeface="Calibri" panose="020F0502020204030204"/>
+                <a:ea typeface="+mn-ea"/>
+                <a:cs typeface="+mn-cs"/>
+              </a:rPr>
               <a:t>, which listens on port 8005. The </a:t>
             </a:r>
             <a:r>
-              <a:rPr lang="en-US" sz="2400" dirty="0" err="1"/>
+              <a:rPr kumimoji="0" lang="en-US" sz="2400" b="0" i="0" u="none" strike="noStrike" kern="1200" cap="none" spc="0" normalizeH="0" baseline="0" noProof="0" dirty="0" err="1">
+                <a:ln>
+                  <a:noFill/>
+                </a:ln>
+                <a:solidFill>
+                  <a:prstClr val="black"/>
+                </a:solidFill>
+                <a:effectLst/>
+                <a:uLnTx/>
+                <a:uFillTx/>
+                <a:latin typeface="Calibri" panose="020F0502020204030204"/>
+                <a:ea typeface="+mn-ea"/>
+                <a:cs typeface="+mn-cs"/>
+              </a:rPr>
               <a:t>db_manager</a:t>
             </a:r>
             <a:r>
-              <a:rPr lang="en-US" sz="2400" dirty="0"/>
+              <a:rPr kumimoji="0" lang="en-US" sz="2400" b="0" i="0" u="none" strike="noStrike" kern="1200" cap="none" spc="0" normalizeH="0" baseline="0" noProof="0" dirty="0">
+                <a:ln>
+                  <a:noFill/>
+                </a:ln>
+                <a:solidFill>
+                  <a:prstClr val="black"/>
+                </a:solidFill>
+                <a:effectLst/>
+                <a:uLnTx/>
+                <a:uFillTx/>
+                <a:latin typeface="Calibri" panose="020F0502020204030204"/>
+                <a:ea typeface="+mn-ea"/>
+                <a:cs typeface="+mn-cs"/>
+              </a:rPr>
               <a:t> exposes APIs that handle database queries, enabling the </a:t>
             </a:r>
             <a:r>
-              <a:rPr lang="en-US" sz="2400" dirty="0" err="1"/>
+              <a:rPr kumimoji="0" lang="en-US" sz="2400" b="0" i="0" u="none" strike="noStrike" kern="1200" cap="none" spc="0" normalizeH="0" baseline="0" noProof="0" dirty="0" err="1">
+                <a:ln>
+                  <a:noFill/>
+                </a:ln>
+                <a:solidFill>
+                  <a:prstClr val="black"/>
+                </a:solidFill>
+                <a:effectLst/>
+                <a:uLnTx/>
+                <a:uFillTx/>
+                <a:latin typeface="Calibri" panose="020F0502020204030204"/>
+                <a:ea typeface="+mn-ea"/>
+                <a:cs typeface="+mn-cs"/>
+              </a:rPr>
               <a:t>currency_service</a:t>
             </a:r>
             <a:r>
-              <a:rPr lang="en-US" sz="2400" dirty="0"/>
+              <a:rPr kumimoji="0" lang="en-US" sz="2400" b="0" i="0" u="none" strike="noStrike" kern="1200" cap="none" spc="0" normalizeH="0" baseline="0" noProof="0" dirty="0">
+                <a:ln>
+                  <a:noFill/>
+                </a:ln>
+                <a:solidFill>
+                  <a:prstClr val="black"/>
+                </a:solidFill>
+                <a:effectLst/>
+                <a:uLnTx/>
+                <a:uFillTx/>
+                <a:latin typeface="Calibri" panose="020F0502020204030204"/>
+                <a:ea typeface="+mn-ea"/>
+                <a:cs typeface="+mn-cs"/>
+              </a:rPr>
               <a:t> to retrieve or update data as required.</a:t>
             </a:r>
           </a:p>
@@ -3525,6 +4209,1184 @@
     <p:extLst>
       <p:ext uri="{BB962C8B-B14F-4D97-AF65-F5344CB8AC3E}">
         <p14:creationId xmlns:p14="http://schemas.microsoft.com/office/powerpoint/2010/main" val="3516781793"/>
+      </p:ext>
+    </p:extLst>
+  </p:cSld>
+  <p:clrMapOvr>
+    <a:masterClrMapping/>
+  </p:clrMapOvr>
+</p:sld>
+</file>
+
+<file path=ppt/slides/slide12.xml><?xml version="1.0" encoding="utf-8"?>
+<p:sld xmlns:a="http://schemas.openxmlformats.org/drawingml/2006/main" xmlns:r="http://schemas.openxmlformats.org/officeDocument/2006/relationships" xmlns:p="http://schemas.openxmlformats.org/presentationml/2006/main">
+  <p:cSld>
+    <p:spTree>
+      <p:nvGrpSpPr>
+        <p:cNvPr id="1" name="">
+          <a:extLst>
+            <a:ext uri="{FF2B5EF4-FFF2-40B4-BE49-F238E27FC236}">
+              <a16:creationId xmlns:a16="http://schemas.microsoft.com/office/drawing/2014/main" id="{42351869-5381-2447-2D98-6E3E17CE9CBB}"/>
+            </a:ext>
+          </a:extLst>
+        </p:cNvPr>
+        <p:cNvGrpSpPr/>
+        <p:nvPr/>
+      </p:nvGrpSpPr>
+      <p:grpSpPr>
+        <a:xfrm>
+          <a:off x="0" y="0"/>
+          <a:ext cx="0" cy="0"/>
+          <a:chOff x="0" y="0"/>
+          <a:chExt cx="0" cy="0"/>
+        </a:xfrm>
+      </p:grpSpPr>
+      <p:sp>
+        <p:nvSpPr>
+          <p:cNvPr id="3" name="Titolo 1">
+            <a:extLst>
+              <a:ext uri="{FF2B5EF4-FFF2-40B4-BE49-F238E27FC236}">
+                <a16:creationId xmlns:a16="http://schemas.microsoft.com/office/drawing/2014/main" id="{BD54B1B5-F335-8ACC-EEF8-DE5AE274EEAA}"/>
+              </a:ext>
+            </a:extLst>
+          </p:cNvPr>
+          <p:cNvSpPr>
+            <a:spLocks noGrp="1"/>
+          </p:cNvSpPr>
+          <p:nvPr>
+            <p:ph type="title"/>
+          </p:nvPr>
+        </p:nvSpPr>
+        <p:spPr>
+          <a:xfrm>
+            <a:off x="838200" y="365125"/>
+            <a:ext cx="10515600" cy="1325563"/>
+          </a:xfrm>
+        </p:spPr>
+        <p:txBody>
+          <a:bodyPr/>
+          <a:lstStyle/>
+          <a:p>
+            <a:r>
+              <a:rPr lang="it-IT" dirty="0">
+                <a:latin typeface="Cooper Black" panose="0208090404030B020404" pitchFamily="18" charset="0"/>
+              </a:rPr>
+              <a:t>The </a:t>
+            </a:r>
+            <a:r>
+              <a:rPr lang="it-IT" dirty="0" err="1">
+                <a:latin typeface="Cooper Black" panose="0208090404030B020404" pitchFamily="18" charset="0"/>
+              </a:rPr>
+              <a:t>currency</a:t>
+            </a:r>
+            <a:r>
+              <a:rPr lang="it-IT" dirty="0">
+                <a:latin typeface="Cooper Black" panose="0208090404030B020404" pitchFamily="18" charset="0"/>
+              </a:rPr>
+              <a:t> service </a:t>
+            </a:r>
+            <a:r>
+              <a:rPr lang="it-IT" dirty="0" err="1">
+                <a:latin typeface="Cooper Black" panose="0208090404030B020404" pitchFamily="18" charset="0"/>
+              </a:rPr>
+              <a:t>datapath</a:t>
+            </a:r>
+            <a:endParaRPr lang="it-IT" dirty="0">
+              <a:latin typeface="Cooper Black" panose="0208090404030B020404" pitchFamily="18" charset="0"/>
+            </a:endParaRPr>
+          </a:p>
+        </p:txBody>
+      </p:sp>
+      <p:sp>
+        <p:nvSpPr>
+          <p:cNvPr id="6" name="CasellaDiTesto 5">
+            <a:extLst>
+              <a:ext uri="{FF2B5EF4-FFF2-40B4-BE49-F238E27FC236}">
+                <a16:creationId xmlns:a16="http://schemas.microsoft.com/office/drawing/2014/main" id="{854EE167-1917-09D5-E84F-C0F77B7AC06C}"/>
+              </a:ext>
+            </a:extLst>
+          </p:cNvPr>
+          <p:cNvSpPr txBox="1"/>
+          <p:nvPr/>
+        </p:nvSpPr>
+        <p:spPr>
+          <a:xfrm>
+            <a:off x="373224" y="1690687"/>
+            <a:ext cx="10879494" cy="4154984"/>
+          </a:xfrm>
+          <a:prstGeom prst="rect">
+            <a:avLst/>
+          </a:prstGeom>
+          <a:noFill/>
+          <a:ln>
+            <a:solidFill>
+              <a:srgbClr val="002060"/>
+            </a:solidFill>
+          </a:ln>
+        </p:spPr>
+        <p:txBody>
+          <a:bodyPr wrap="square" rtlCol="0">
+            <a:spAutoFit/>
+          </a:bodyPr>
+          <a:lstStyle/>
+          <a:p>
+            <a:pPr marL="0" marR="0" lvl="0" indent="0" algn="l" defTabSz="914400" rtl="0" eaLnBrk="1" fontAlgn="auto" latinLnBrk="0" hangingPunct="1">
+              <a:lnSpc>
+                <a:spcPct val="100000"/>
+              </a:lnSpc>
+              <a:spcBef>
+                <a:spcPts val="0"/>
+              </a:spcBef>
+              <a:spcAft>
+                <a:spcPts val="0"/>
+              </a:spcAft>
+              <a:buClrTx/>
+              <a:buSzTx/>
+              <a:buFontTx/>
+              <a:buNone/>
+              <a:tabLst/>
+              <a:defRPr/>
+            </a:pPr>
+            <a:r>
+              <a:rPr kumimoji="0" lang="en-US" sz="2400" b="0" i="0" u="none" strike="noStrike" kern="1200" cap="none" spc="0" normalizeH="0" baseline="0" noProof="0" dirty="0">
+                <a:ln>
+                  <a:noFill/>
+                </a:ln>
+                <a:solidFill>
+                  <a:prstClr val="black"/>
+                </a:solidFill>
+                <a:effectLst/>
+                <a:uLnTx/>
+                <a:uFillTx/>
+                <a:latin typeface="Calibri" panose="020F0502020204030204"/>
+                <a:ea typeface="+mn-ea"/>
+                <a:cs typeface="+mn-cs"/>
+              </a:rPr>
+              <a:t>The </a:t>
+            </a:r>
+            <a:r>
+              <a:rPr kumimoji="0" lang="en-US" sz="2400" b="0" i="0" u="none" strike="noStrike" kern="1200" cap="none" spc="0" normalizeH="0" baseline="0" noProof="0" dirty="0" err="1">
+                <a:ln>
+                  <a:noFill/>
+                </a:ln>
+                <a:solidFill>
+                  <a:prstClr val="black"/>
+                </a:solidFill>
+                <a:effectLst/>
+                <a:uLnTx/>
+                <a:uFillTx/>
+                <a:latin typeface="Calibri" panose="020F0502020204030204"/>
+                <a:ea typeface="+mn-ea"/>
+                <a:cs typeface="+mn-cs"/>
+              </a:rPr>
+              <a:t>gacha</a:t>
+            </a:r>
+            <a:r>
+              <a:rPr kumimoji="0" lang="en-US" sz="2400" b="0" i="0" u="none" strike="noStrike" kern="1200" cap="none" spc="0" normalizeH="0" baseline="0" noProof="0" dirty="0">
+                <a:ln>
+                  <a:noFill/>
+                </a:ln>
+                <a:solidFill>
+                  <a:prstClr val="black"/>
+                </a:solidFill>
+                <a:effectLst/>
+                <a:uLnTx/>
+                <a:uFillTx/>
+                <a:latin typeface="Calibri" panose="020F0502020204030204"/>
+                <a:ea typeface="+mn-ea"/>
+                <a:cs typeface="+mn-cs"/>
+              </a:rPr>
+              <a:t>-related services are exposed externally to clients on port 8000 via an API gateway. When an HTTPS request is received for a service related to CRUD operations for </a:t>
+            </a:r>
+            <a:r>
+              <a:rPr kumimoji="0" lang="en-US" sz="2400" b="0" i="0" u="none" strike="noStrike" kern="1200" cap="none" spc="0" normalizeH="0" baseline="0" noProof="0" dirty="0" err="1">
+                <a:ln>
+                  <a:noFill/>
+                </a:ln>
+                <a:solidFill>
+                  <a:prstClr val="black"/>
+                </a:solidFill>
+                <a:effectLst/>
+                <a:uLnTx/>
+                <a:uFillTx/>
+                <a:latin typeface="Calibri" panose="020F0502020204030204"/>
+                <a:ea typeface="+mn-ea"/>
+                <a:cs typeface="+mn-cs"/>
+              </a:rPr>
+              <a:t>gacha</a:t>
+            </a:r>
+            <a:r>
+              <a:rPr kumimoji="0" lang="en-US" sz="2400" b="0" i="0" u="none" strike="noStrike" kern="1200" cap="none" spc="0" normalizeH="0" baseline="0" noProof="0" dirty="0">
+                <a:ln>
+                  <a:noFill/>
+                </a:ln>
+                <a:solidFill>
+                  <a:prstClr val="black"/>
+                </a:solidFill>
+                <a:effectLst/>
+                <a:uLnTx/>
+                <a:uFillTx/>
+                <a:latin typeface="Calibri" panose="020F0502020204030204"/>
+                <a:ea typeface="+mn-ea"/>
+                <a:cs typeface="+mn-cs"/>
+              </a:rPr>
+              <a:t>, the API gateway forwards the HTTPS request to the </a:t>
+            </a:r>
+            <a:r>
+              <a:rPr kumimoji="0" lang="en-US" sz="2400" b="0" i="0" u="none" strike="noStrike" kern="1200" cap="none" spc="0" normalizeH="0" baseline="0" noProof="0" dirty="0" err="1">
+                <a:ln>
+                  <a:noFill/>
+                </a:ln>
+                <a:solidFill>
+                  <a:prstClr val="black"/>
+                </a:solidFill>
+                <a:effectLst/>
+                <a:uLnTx/>
+                <a:uFillTx/>
+                <a:latin typeface="Calibri" panose="020F0502020204030204"/>
+                <a:ea typeface="+mn-ea"/>
+                <a:cs typeface="+mn-cs"/>
+              </a:rPr>
+              <a:t>gachaservice</a:t>
+            </a:r>
+            <a:r>
+              <a:rPr kumimoji="0" lang="en-US" sz="2400" b="0" i="0" u="none" strike="noStrike" kern="1200" cap="none" spc="0" normalizeH="0" baseline="0" noProof="0" dirty="0">
+                <a:ln>
+                  <a:noFill/>
+                </a:ln>
+                <a:solidFill>
+                  <a:prstClr val="black"/>
+                </a:solidFill>
+                <a:effectLst/>
+                <a:uLnTx/>
+                <a:uFillTx/>
+                <a:latin typeface="Calibri" panose="020F0502020204030204"/>
+                <a:ea typeface="+mn-ea"/>
+                <a:cs typeface="+mn-cs"/>
+              </a:rPr>
+              <a:t> on port 8002.</a:t>
+            </a:r>
+          </a:p>
+          <a:p>
+            <a:pPr marL="0" marR="0" lvl="0" indent="0" algn="l" defTabSz="914400" rtl="0" eaLnBrk="1" fontAlgn="auto" latinLnBrk="0" hangingPunct="1">
+              <a:lnSpc>
+                <a:spcPct val="100000"/>
+              </a:lnSpc>
+              <a:spcBef>
+                <a:spcPts val="0"/>
+              </a:spcBef>
+              <a:spcAft>
+                <a:spcPts val="0"/>
+              </a:spcAft>
+              <a:buClrTx/>
+              <a:buSzTx/>
+              <a:buFontTx/>
+              <a:buNone/>
+              <a:tabLst/>
+              <a:defRPr/>
+            </a:pPr>
+            <a:endParaRPr kumimoji="0" lang="en-US" sz="2400" b="0" i="0" u="none" strike="noStrike" kern="1200" cap="none" spc="0" normalizeH="0" baseline="0" noProof="0" dirty="0">
+              <a:ln>
+                <a:noFill/>
+              </a:ln>
+              <a:solidFill>
+                <a:prstClr val="black"/>
+              </a:solidFill>
+              <a:effectLst/>
+              <a:uLnTx/>
+              <a:uFillTx/>
+              <a:latin typeface="Calibri" panose="020F0502020204030204"/>
+              <a:ea typeface="+mn-ea"/>
+              <a:cs typeface="+mn-cs"/>
+            </a:endParaRPr>
+          </a:p>
+          <a:p>
+            <a:pPr marL="0" marR="0" lvl="0" indent="0" algn="l" defTabSz="914400" rtl="0" eaLnBrk="1" fontAlgn="auto" latinLnBrk="0" hangingPunct="1">
+              <a:lnSpc>
+                <a:spcPct val="100000"/>
+              </a:lnSpc>
+              <a:spcBef>
+                <a:spcPts val="0"/>
+              </a:spcBef>
+              <a:spcAft>
+                <a:spcPts val="0"/>
+              </a:spcAft>
+              <a:buClrTx/>
+              <a:buSzTx/>
+              <a:buFontTx/>
+              <a:buNone/>
+              <a:tabLst/>
+              <a:defRPr/>
+            </a:pPr>
+            <a:r>
+              <a:rPr kumimoji="0" lang="en-US" sz="2400" b="0" i="0" u="none" strike="noStrike" kern="1200" cap="none" spc="0" normalizeH="0" baseline="0" noProof="0" dirty="0">
+                <a:ln>
+                  <a:noFill/>
+                </a:ln>
+                <a:solidFill>
+                  <a:prstClr val="black"/>
+                </a:solidFill>
+                <a:effectLst/>
+                <a:uLnTx/>
+                <a:uFillTx/>
+                <a:latin typeface="Calibri" panose="020F0502020204030204"/>
+                <a:ea typeface="+mn-ea"/>
+                <a:cs typeface="+mn-cs"/>
+              </a:rPr>
+              <a:t>The </a:t>
+            </a:r>
+            <a:r>
+              <a:rPr kumimoji="0" lang="en-US" sz="2400" b="0" i="0" u="none" strike="noStrike" kern="1200" cap="none" spc="0" normalizeH="0" baseline="0" noProof="0" dirty="0" err="1">
+                <a:ln>
+                  <a:noFill/>
+                </a:ln>
+                <a:solidFill>
+                  <a:prstClr val="black"/>
+                </a:solidFill>
+                <a:effectLst/>
+                <a:uLnTx/>
+                <a:uFillTx/>
+                <a:latin typeface="Calibri" panose="020F0502020204030204"/>
+                <a:ea typeface="+mn-ea"/>
+                <a:cs typeface="+mn-cs"/>
+              </a:rPr>
+              <a:t>gachaservice</a:t>
+            </a:r>
+            <a:r>
+              <a:rPr kumimoji="0" lang="en-US" sz="2400" b="0" i="0" u="none" strike="noStrike" kern="1200" cap="none" spc="0" normalizeH="0" baseline="0" noProof="0" dirty="0">
+                <a:ln>
+                  <a:noFill/>
+                </a:ln>
+                <a:solidFill>
+                  <a:prstClr val="black"/>
+                </a:solidFill>
+                <a:effectLst/>
+                <a:uLnTx/>
+                <a:uFillTx/>
+                <a:latin typeface="Calibri" panose="020F0502020204030204"/>
+                <a:ea typeface="+mn-ea"/>
+                <a:cs typeface="+mn-cs"/>
+              </a:rPr>
+              <a:t> itself exposes APIs on port 8002 to add, modify, delete, and view a single </a:t>
+            </a:r>
+            <a:r>
+              <a:rPr kumimoji="0" lang="en-US" sz="2400" b="0" i="0" u="none" strike="noStrike" kern="1200" cap="none" spc="0" normalizeH="0" baseline="0" noProof="0" dirty="0" err="1">
+                <a:ln>
+                  <a:noFill/>
+                </a:ln>
+                <a:solidFill>
+                  <a:prstClr val="black"/>
+                </a:solidFill>
+                <a:effectLst/>
+                <a:uLnTx/>
+                <a:uFillTx/>
+                <a:latin typeface="Calibri" panose="020F0502020204030204"/>
+                <a:ea typeface="+mn-ea"/>
+                <a:cs typeface="+mn-cs"/>
+              </a:rPr>
+              <a:t>gacha</a:t>
+            </a:r>
+            <a:r>
+              <a:rPr kumimoji="0" lang="en-US" sz="2400" b="0" i="0" u="none" strike="noStrike" kern="1200" cap="none" spc="0" normalizeH="0" baseline="0" noProof="0" dirty="0">
+                <a:ln>
+                  <a:noFill/>
+                </a:ln>
+                <a:solidFill>
+                  <a:prstClr val="black"/>
+                </a:solidFill>
+                <a:effectLst/>
+                <a:uLnTx/>
+                <a:uFillTx/>
+                <a:latin typeface="Calibri" panose="020F0502020204030204"/>
+                <a:ea typeface="+mn-ea"/>
+                <a:cs typeface="+mn-cs"/>
+              </a:rPr>
+              <a:t> or the entire collection of </a:t>
+            </a:r>
+            <a:r>
+              <a:rPr kumimoji="0" lang="en-US" sz="2400" b="0" i="0" u="none" strike="noStrike" kern="1200" cap="none" spc="0" normalizeH="0" baseline="0" noProof="0" dirty="0" err="1">
+                <a:ln>
+                  <a:noFill/>
+                </a:ln>
+                <a:solidFill>
+                  <a:prstClr val="black"/>
+                </a:solidFill>
+                <a:effectLst/>
+                <a:uLnTx/>
+                <a:uFillTx/>
+                <a:latin typeface="Calibri" panose="020F0502020204030204"/>
+                <a:ea typeface="+mn-ea"/>
+                <a:cs typeface="+mn-cs"/>
+              </a:rPr>
+              <a:t>gachas</a:t>
+            </a:r>
+            <a:r>
+              <a:rPr kumimoji="0" lang="en-US" sz="2400" b="0" i="0" u="none" strike="noStrike" kern="1200" cap="none" spc="0" normalizeH="0" baseline="0" noProof="0" dirty="0">
+                <a:ln>
+                  <a:noFill/>
+                </a:ln>
+                <a:solidFill>
+                  <a:prstClr val="black"/>
+                </a:solidFill>
+                <a:effectLst/>
+                <a:uLnTx/>
+                <a:uFillTx/>
+                <a:latin typeface="Calibri" panose="020F0502020204030204"/>
+                <a:ea typeface="+mn-ea"/>
+                <a:cs typeface="+mn-cs"/>
+              </a:rPr>
+              <a:t>. </a:t>
+            </a:r>
+          </a:p>
+          <a:p>
+            <a:pPr marL="0" marR="0" lvl="0" indent="0" algn="l" defTabSz="914400" rtl="0" eaLnBrk="1" fontAlgn="auto" latinLnBrk="0" hangingPunct="1">
+              <a:lnSpc>
+                <a:spcPct val="100000"/>
+              </a:lnSpc>
+              <a:spcBef>
+                <a:spcPts val="0"/>
+              </a:spcBef>
+              <a:spcAft>
+                <a:spcPts val="0"/>
+              </a:spcAft>
+              <a:buClrTx/>
+              <a:buSzTx/>
+              <a:buFontTx/>
+              <a:buNone/>
+              <a:tabLst/>
+              <a:defRPr/>
+            </a:pPr>
+            <a:endParaRPr kumimoji="0" lang="en-US" sz="2400" b="0" i="0" u="none" strike="noStrike" kern="1200" cap="none" spc="0" normalizeH="0" baseline="0" noProof="0" dirty="0">
+              <a:ln>
+                <a:noFill/>
+              </a:ln>
+              <a:solidFill>
+                <a:prstClr val="black"/>
+              </a:solidFill>
+              <a:effectLst/>
+              <a:uLnTx/>
+              <a:uFillTx/>
+              <a:latin typeface="Calibri" panose="020F0502020204030204"/>
+              <a:ea typeface="+mn-ea"/>
+              <a:cs typeface="+mn-cs"/>
+            </a:endParaRPr>
+          </a:p>
+          <a:p>
+            <a:pPr marL="0" marR="0" lvl="0" indent="0" algn="l" defTabSz="914400" rtl="0" eaLnBrk="1" fontAlgn="auto" latinLnBrk="0" hangingPunct="1">
+              <a:lnSpc>
+                <a:spcPct val="100000"/>
+              </a:lnSpc>
+              <a:spcBef>
+                <a:spcPts val="0"/>
+              </a:spcBef>
+              <a:spcAft>
+                <a:spcPts val="0"/>
+              </a:spcAft>
+              <a:buClrTx/>
+              <a:buSzTx/>
+              <a:buFontTx/>
+              <a:buNone/>
+              <a:tabLst/>
+              <a:defRPr/>
+            </a:pPr>
+            <a:r>
+              <a:rPr kumimoji="0" lang="en-US" sz="2400" b="0" i="0" u="none" strike="noStrike" kern="1200" cap="none" spc="0" normalizeH="0" baseline="0" noProof="0" dirty="0">
+                <a:ln>
+                  <a:noFill/>
+                </a:ln>
+                <a:solidFill>
+                  <a:prstClr val="black"/>
+                </a:solidFill>
+                <a:effectLst/>
+                <a:uLnTx/>
+                <a:uFillTx/>
+                <a:latin typeface="Calibri" panose="020F0502020204030204"/>
+                <a:ea typeface="+mn-ea"/>
+                <a:cs typeface="+mn-cs"/>
+              </a:rPr>
+              <a:t>To interface with the database, the </a:t>
+            </a:r>
+            <a:r>
+              <a:rPr kumimoji="0" lang="en-US" sz="2400" b="0" i="0" u="none" strike="noStrike" kern="1200" cap="none" spc="0" normalizeH="0" baseline="0" noProof="0" dirty="0" err="1">
+                <a:ln>
+                  <a:noFill/>
+                </a:ln>
+                <a:solidFill>
+                  <a:prstClr val="black"/>
+                </a:solidFill>
+                <a:effectLst/>
+                <a:uLnTx/>
+                <a:uFillTx/>
+                <a:latin typeface="Calibri" panose="020F0502020204030204"/>
+                <a:ea typeface="+mn-ea"/>
+                <a:cs typeface="+mn-cs"/>
+              </a:rPr>
+              <a:t>gachaservice</a:t>
+            </a:r>
+            <a:r>
+              <a:rPr kumimoji="0" lang="en-US" sz="2400" b="0" i="0" u="none" strike="noStrike" kern="1200" cap="none" spc="0" normalizeH="0" baseline="0" noProof="0" dirty="0">
+                <a:ln>
+                  <a:noFill/>
+                </a:ln>
+                <a:solidFill>
+                  <a:prstClr val="black"/>
+                </a:solidFill>
+                <a:effectLst/>
+                <a:uLnTx/>
+                <a:uFillTx/>
+                <a:latin typeface="Calibri" panose="020F0502020204030204"/>
+                <a:ea typeface="+mn-ea"/>
+                <a:cs typeface="+mn-cs"/>
+              </a:rPr>
+              <a:t> sends an HTTPS request to the </a:t>
+            </a:r>
+            <a:r>
+              <a:rPr kumimoji="0" lang="en-US" sz="2400" b="0" i="0" u="none" strike="noStrike" kern="1200" cap="none" spc="0" normalizeH="0" baseline="0" noProof="0" dirty="0" err="1">
+                <a:ln>
+                  <a:noFill/>
+                </a:ln>
+                <a:solidFill>
+                  <a:prstClr val="black"/>
+                </a:solidFill>
+                <a:effectLst/>
+                <a:uLnTx/>
+                <a:uFillTx/>
+                <a:latin typeface="Calibri" panose="020F0502020204030204"/>
+                <a:ea typeface="+mn-ea"/>
+                <a:cs typeface="+mn-cs"/>
+              </a:rPr>
+              <a:t>db_manager</a:t>
+            </a:r>
+            <a:r>
+              <a:rPr kumimoji="0" lang="en-US" sz="2400" b="0" i="0" u="none" strike="noStrike" kern="1200" cap="none" spc="0" normalizeH="0" baseline="0" noProof="0" dirty="0">
+                <a:ln>
+                  <a:noFill/>
+                </a:ln>
+                <a:solidFill>
+                  <a:prstClr val="black"/>
+                </a:solidFill>
+                <a:effectLst/>
+                <a:uLnTx/>
+                <a:uFillTx/>
+                <a:latin typeface="Calibri" panose="020F0502020204030204"/>
+                <a:ea typeface="+mn-ea"/>
+                <a:cs typeface="+mn-cs"/>
+              </a:rPr>
+              <a:t>, which provides APIs for database interfacing services. These database-related APIs are exposed by the </a:t>
+            </a:r>
+            <a:r>
+              <a:rPr kumimoji="0" lang="en-US" sz="2400" b="0" i="0" u="none" strike="noStrike" kern="1200" cap="none" spc="0" normalizeH="0" baseline="0" noProof="0" dirty="0" err="1">
+                <a:ln>
+                  <a:noFill/>
+                </a:ln>
+                <a:solidFill>
+                  <a:prstClr val="black"/>
+                </a:solidFill>
+                <a:effectLst/>
+                <a:uLnTx/>
+                <a:uFillTx/>
+                <a:latin typeface="Calibri" panose="020F0502020204030204"/>
+                <a:ea typeface="+mn-ea"/>
+                <a:cs typeface="+mn-cs"/>
+              </a:rPr>
+              <a:t>db_manager</a:t>
+            </a:r>
+            <a:r>
+              <a:rPr kumimoji="0" lang="en-US" sz="2400" b="0" i="0" u="none" strike="noStrike" kern="1200" cap="none" spc="0" normalizeH="0" baseline="0" noProof="0" dirty="0">
+                <a:ln>
+                  <a:noFill/>
+                </a:ln>
+                <a:solidFill>
+                  <a:prstClr val="black"/>
+                </a:solidFill>
+                <a:effectLst/>
+                <a:uLnTx/>
+                <a:uFillTx/>
+                <a:latin typeface="Calibri" panose="020F0502020204030204"/>
+                <a:ea typeface="+mn-ea"/>
+                <a:cs typeface="+mn-cs"/>
+              </a:rPr>
+              <a:t> on port 8005.</a:t>
+            </a:r>
+          </a:p>
+        </p:txBody>
+      </p:sp>
+    </p:spTree>
+    <p:extLst>
+      <p:ext uri="{BB962C8B-B14F-4D97-AF65-F5344CB8AC3E}">
+        <p14:creationId xmlns:p14="http://schemas.microsoft.com/office/powerpoint/2010/main" val="3120023185"/>
+      </p:ext>
+    </p:extLst>
+  </p:cSld>
+  <p:clrMapOvr>
+    <a:masterClrMapping/>
+  </p:clrMapOvr>
+</p:sld>
+</file>
+
+<file path=ppt/slides/slide13.xml><?xml version="1.0" encoding="utf-8"?>
+<p:sld xmlns:a="http://schemas.openxmlformats.org/drawingml/2006/main" xmlns:r="http://schemas.openxmlformats.org/officeDocument/2006/relationships" xmlns:p="http://schemas.openxmlformats.org/presentationml/2006/main">
+  <p:cSld>
+    <p:spTree>
+      <p:nvGrpSpPr>
+        <p:cNvPr id="1" name="">
+          <a:extLst>
+            <a:ext uri="{FF2B5EF4-FFF2-40B4-BE49-F238E27FC236}">
+              <a16:creationId xmlns:a16="http://schemas.microsoft.com/office/drawing/2014/main" id="{55024CAE-0043-C575-7405-870A75A36FC0}"/>
+            </a:ext>
+          </a:extLst>
+        </p:cNvPr>
+        <p:cNvGrpSpPr/>
+        <p:nvPr/>
+      </p:nvGrpSpPr>
+      <p:grpSpPr>
+        <a:xfrm>
+          <a:off x="0" y="0"/>
+          <a:ext cx="0" cy="0"/>
+          <a:chOff x="0" y="0"/>
+          <a:chExt cx="0" cy="0"/>
+        </a:xfrm>
+      </p:grpSpPr>
+      <p:sp>
+        <p:nvSpPr>
+          <p:cNvPr id="3" name="Titolo 1">
+            <a:extLst>
+              <a:ext uri="{FF2B5EF4-FFF2-40B4-BE49-F238E27FC236}">
+                <a16:creationId xmlns:a16="http://schemas.microsoft.com/office/drawing/2014/main" id="{AE60F3C4-78DC-1E7C-CBB2-4558A345C83D}"/>
+              </a:ext>
+            </a:extLst>
+          </p:cNvPr>
+          <p:cNvSpPr>
+            <a:spLocks noGrp="1"/>
+          </p:cNvSpPr>
+          <p:nvPr>
+            <p:ph type="title"/>
+          </p:nvPr>
+        </p:nvSpPr>
+        <p:spPr>
+          <a:xfrm>
+            <a:off x="838200" y="365125"/>
+            <a:ext cx="10515600" cy="1325563"/>
+          </a:xfrm>
+        </p:spPr>
+        <p:txBody>
+          <a:bodyPr/>
+          <a:lstStyle/>
+          <a:p>
+            <a:r>
+              <a:rPr lang="it-IT" dirty="0">
+                <a:latin typeface="Cooper Black" panose="0208090404030B020404" pitchFamily="18" charset="0"/>
+              </a:rPr>
+              <a:t>The </a:t>
+            </a:r>
+            <a:r>
+              <a:rPr lang="it-IT" dirty="0" err="1">
+                <a:latin typeface="Cooper Black" panose="0208090404030B020404" pitchFamily="18" charset="0"/>
+              </a:rPr>
+              <a:t>gacha</a:t>
+            </a:r>
+            <a:r>
+              <a:rPr lang="it-IT" dirty="0">
+                <a:latin typeface="Cooper Black" panose="0208090404030B020404" pitchFamily="18" charset="0"/>
+              </a:rPr>
+              <a:t> service </a:t>
+            </a:r>
+            <a:r>
+              <a:rPr lang="it-IT" dirty="0" err="1">
+                <a:latin typeface="Cooper Black" panose="0208090404030B020404" pitchFamily="18" charset="0"/>
+              </a:rPr>
+              <a:t>datapath</a:t>
+            </a:r>
+            <a:endParaRPr lang="it-IT" dirty="0">
+              <a:latin typeface="Cooper Black" panose="0208090404030B020404" pitchFamily="18" charset="0"/>
+            </a:endParaRPr>
+          </a:p>
+        </p:txBody>
+      </p:sp>
+      <p:sp>
+        <p:nvSpPr>
+          <p:cNvPr id="6" name="CasellaDiTesto 5">
+            <a:extLst>
+              <a:ext uri="{FF2B5EF4-FFF2-40B4-BE49-F238E27FC236}">
+                <a16:creationId xmlns:a16="http://schemas.microsoft.com/office/drawing/2014/main" id="{29642769-4BD8-0967-D985-DD96D14D6EF4}"/>
+              </a:ext>
+            </a:extLst>
+          </p:cNvPr>
+          <p:cNvSpPr txBox="1"/>
+          <p:nvPr/>
+        </p:nvSpPr>
+        <p:spPr>
+          <a:xfrm>
+            <a:off x="373224" y="1690687"/>
+            <a:ext cx="10879494" cy="4524315"/>
+          </a:xfrm>
+          <a:prstGeom prst="rect">
+            <a:avLst/>
+          </a:prstGeom>
+          <a:noFill/>
+          <a:ln>
+            <a:solidFill>
+              <a:srgbClr val="002060"/>
+            </a:solidFill>
+          </a:ln>
+        </p:spPr>
+        <p:txBody>
+          <a:bodyPr wrap="square" rtlCol="0">
+            <a:spAutoFit/>
+          </a:bodyPr>
+          <a:lstStyle/>
+          <a:p>
+            <a:pPr marL="0" marR="0" lvl="0" indent="0" algn="l" defTabSz="914400" rtl="0" eaLnBrk="1" fontAlgn="auto" latinLnBrk="0" hangingPunct="1">
+              <a:lnSpc>
+                <a:spcPct val="100000"/>
+              </a:lnSpc>
+              <a:spcBef>
+                <a:spcPts val="0"/>
+              </a:spcBef>
+              <a:spcAft>
+                <a:spcPts val="0"/>
+              </a:spcAft>
+              <a:buClrTx/>
+              <a:buSzTx/>
+              <a:buFontTx/>
+              <a:buNone/>
+              <a:tabLst/>
+              <a:defRPr/>
+            </a:pPr>
+            <a:r>
+              <a:rPr kumimoji="0" lang="en-US" sz="2400" b="0" i="0" u="none" strike="noStrike" kern="1200" cap="none" spc="0" normalizeH="0" baseline="0" noProof="0" dirty="0">
+                <a:ln>
+                  <a:noFill/>
+                </a:ln>
+                <a:solidFill>
+                  <a:prstClr val="black"/>
+                </a:solidFill>
+                <a:effectLst/>
+                <a:uLnTx/>
+                <a:uFillTx/>
+                <a:latin typeface="Calibri" panose="020F0502020204030204"/>
+                <a:ea typeface="+mn-ea"/>
+                <a:cs typeface="+mn-cs"/>
+              </a:rPr>
+              <a:t>The currency service is exposed to external clients through an API Gateway on port 8000.</a:t>
+            </a:r>
+          </a:p>
+          <a:p>
+            <a:pPr marL="0" marR="0" lvl="0" indent="0" algn="l" defTabSz="914400" rtl="0" eaLnBrk="1" fontAlgn="auto" latinLnBrk="0" hangingPunct="1">
+              <a:lnSpc>
+                <a:spcPct val="100000"/>
+              </a:lnSpc>
+              <a:spcBef>
+                <a:spcPts val="0"/>
+              </a:spcBef>
+              <a:spcAft>
+                <a:spcPts val="0"/>
+              </a:spcAft>
+              <a:buClrTx/>
+              <a:buSzTx/>
+              <a:buFontTx/>
+              <a:buNone/>
+              <a:tabLst/>
+              <a:defRPr/>
+            </a:pPr>
+            <a:endParaRPr kumimoji="0" lang="en-US" sz="2400" b="0" i="0" u="none" strike="noStrike" kern="1200" cap="none" spc="0" normalizeH="0" baseline="0" noProof="0" dirty="0">
+              <a:ln>
+                <a:noFill/>
+              </a:ln>
+              <a:solidFill>
+                <a:prstClr val="black"/>
+              </a:solidFill>
+              <a:effectLst/>
+              <a:uLnTx/>
+              <a:uFillTx/>
+              <a:latin typeface="Calibri" panose="020F0502020204030204"/>
+              <a:ea typeface="+mn-ea"/>
+              <a:cs typeface="+mn-cs"/>
+            </a:endParaRPr>
+          </a:p>
+          <a:p>
+            <a:pPr marL="0" marR="0" lvl="0" indent="0" algn="l" defTabSz="914400" rtl="0" eaLnBrk="1" fontAlgn="auto" latinLnBrk="0" hangingPunct="1">
+              <a:lnSpc>
+                <a:spcPct val="100000"/>
+              </a:lnSpc>
+              <a:spcBef>
+                <a:spcPts val="0"/>
+              </a:spcBef>
+              <a:spcAft>
+                <a:spcPts val="0"/>
+              </a:spcAft>
+              <a:buClrTx/>
+              <a:buSzTx/>
+              <a:buFontTx/>
+              <a:buNone/>
+              <a:tabLst/>
+              <a:defRPr/>
+            </a:pPr>
+            <a:r>
+              <a:rPr kumimoji="0" lang="en-US" sz="2400" b="0" i="0" u="none" strike="noStrike" kern="1200" cap="none" spc="0" normalizeH="0" baseline="0" noProof="0" dirty="0">
+                <a:ln>
+                  <a:noFill/>
+                </a:ln>
+                <a:solidFill>
+                  <a:prstClr val="black"/>
+                </a:solidFill>
+                <a:effectLst/>
+                <a:uLnTx/>
+                <a:uFillTx/>
+                <a:latin typeface="Calibri" panose="020F0502020204030204"/>
+                <a:ea typeface="+mn-ea"/>
+                <a:cs typeface="+mn-cs"/>
+              </a:rPr>
+              <a:t>When an HTTPS request for </a:t>
+            </a:r>
+            <a:r>
+              <a:rPr kumimoji="0" lang="en-US" sz="2400" b="0" i="0" u="none" strike="noStrike" kern="1200" cap="none" spc="0" normalizeH="0" baseline="0" noProof="0" dirty="0" err="1">
+                <a:ln>
+                  <a:noFill/>
+                </a:ln>
+                <a:solidFill>
+                  <a:prstClr val="black"/>
+                </a:solidFill>
+                <a:effectLst/>
+                <a:uLnTx/>
+                <a:uFillTx/>
+                <a:latin typeface="Calibri" panose="020F0502020204030204"/>
+                <a:ea typeface="+mn-ea"/>
+                <a:cs typeface="+mn-cs"/>
+              </a:rPr>
+              <a:t>roll_gacha</a:t>
+            </a:r>
+            <a:r>
+              <a:rPr kumimoji="0" lang="en-US" sz="2400" b="0" i="0" u="none" strike="noStrike" kern="1200" cap="none" spc="0" normalizeH="0" baseline="0" noProof="0" dirty="0">
+                <a:ln>
+                  <a:noFill/>
+                </a:ln>
+                <a:solidFill>
+                  <a:prstClr val="black"/>
+                </a:solidFill>
+                <a:effectLst/>
+                <a:uLnTx/>
+                <a:uFillTx/>
+                <a:latin typeface="Calibri" panose="020F0502020204030204"/>
+                <a:ea typeface="+mn-ea"/>
+                <a:cs typeface="+mn-cs"/>
+              </a:rPr>
+              <a:t> or </a:t>
+            </a:r>
+            <a:r>
+              <a:rPr kumimoji="0" lang="en-US" sz="2400" b="0" i="0" u="none" strike="noStrike" kern="1200" cap="none" spc="0" normalizeH="0" baseline="0" noProof="0" dirty="0" err="1">
+                <a:ln>
+                  <a:noFill/>
+                </a:ln>
+                <a:solidFill>
+                  <a:prstClr val="black"/>
+                </a:solidFill>
+                <a:effectLst/>
+                <a:uLnTx/>
+                <a:uFillTx/>
+                <a:latin typeface="Calibri" panose="020F0502020204030204"/>
+                <a:ea typeface="+mn-ea"/>
+                <a:cs typeface="+mn-cs"/>
+              </a:rPr>
+              <a:t>buy_currency</a:t>
+            </a:r>
+            <a:r>
+              <a:rPr kumimoji="0" lang="en-US" sz="2400" b="0" i="0" u="none" strike="noStrike" kern="1200" cap="none" spc="0" normalizeH="0" baseline="0" noProof="0" dirty="0">
+                <a:ln>
+                  <a:noFill/>
+                </a:ln>
+                <a:solidFill>
+                  <a:prstClr val="black"/>
+                </a:solidFill>
+                <a:effectLst/>
+                <a:uLnTx/>
+                <a:uFillTx/>
+                <a:latin typeface="Calibri" panose="020F0502020204030204"/>
+                <a:ea typeface="+mn-ea"/>
+                <a:cs typeface="+mn-cs"/>
+              </a:rPr>
+              <a:t> is received, the API Gateway forwards the request to the </a:t>
+            </a:r>
+            <a:r>
+              <a:rPr kumimoji="0" lang="en-US" sz="2400" b="0" i="0" u="none" strike="noStrike" kern="1200" cap="none" spc="0" normalizeH="0" baseline="0" noProof="0" dirty="0" err="1">
+                <a:ln>
+                  <a:noFill/>
+                </a:ln>
+                <a:solidFill>
+                  <a:prstClr val="black"/>
+                </a:solidFill>
+                <a:effectLst/>
+                <a:uLnTx/>
+                <a:uFillTx/>
+                <a:latin typeface="Calibri" panose="020F0502020204030204"/>
+                <a:ea typeface="+mn-ea"/>
+                <a:cs typeface="+mn-cs"/>
+              </a:rPr>
+              <a:t>currency_service</a:t>
+            </a:r>
+            <a:r>
+              <a:rPr kumimoji="0" lang="en-US" sz="2400" b="0" i="0" u="none" strike="noStrike" kern="1200" cap="none" spc="0" normalizeH="0" baseline="0" noProof="0" dirty="0">
+                <a:ln>
+                  <a:noFill/>
+                </a:ln>
+                <a:solidFill>
+                  <a:prstClr val="black"/>
+                </a:solidFill>
+                <a:effectLst/>
+                <a:uLnTx/>
+                <a:uFillTx/>
+                <a:latin typeface="Calibri" panose="020F0502020204030204"/>
+                <a:ea typeface="+mn-ea"/>
+                <a:cs typeface="+mn-cs"/>
+              </a:rPr>
+              <a:t> via HTTPS on port 8004. The </a:t>
+            </a:r>
+            <a:r>
+              <a:rPr kumimoji="0" lang="en-US" sz="2400" b="0" i="0" u="none" strike="noStrike" kern="1200" cap="none" spc="0" normalizeH="0" baseline="0" noProof="0" dirty="0" err="1">
+                <a:ln>
+                  <a:noFill/>
+                </a:ln>
+                <a:solidFill>
+                  <a:prstClr val="black"/>
+                </a:solidFill>
+                <a:effectLst/>
+                <a:uLnTx/>
+                <a:uFillTx/>
+                <a:latin typeface="Calibri" panose="020F0502020204030204"/>
+                <a:ea typeface="+mn-ea"/>
+                <a:cs typeface="+mn-cs"/>
+              </a:rPr>
+              <a:t>currency_service</a:t>
+            </a:r>
+            <a:r>
+              <a:rPr kumimoji="0" lang="en-US" sz="2400" b="0" i="0" u="none" strike="noStrike" kern="1200" cap="none" spc="0" normalizeH="0" baseline="0" noProof="0" dirty="0">
+                <a:ln>
+                  <a:noFill/>
+                </a:ln>
+                <a:solidFill>
+                  <a:prstClr val="black"/>
+                </a:solidFill>
+                <a:effectLst/>
+                <a:uLnTx/>
+                <a:uFillTx/>
+                <a:latin typeface="Calibri" panose="020F0502020204030204"/>
+                <a:ea typeface="+mn-ea"/>
+                <a:cs typeface="+mn-cs"/>
+              </a:rPr>
+              <a:t> is responsible for implementing the business logic associated with these requests. </a:t>
+            </a:r>
+          </a:p>
+          <a:p>
+            <a:pPr marL="0" marR="0" lvl="0" indent="0" algn="l" defTabSz="914400" rtl="0" eaLnBrk="1" fontAlgn="auto" latinLnBrk="0" hangingPunct="1">
+              <a:lnSpc>
+                <a:spcPct val="100000"/>
+              </a:lnSpc>
+              <a:spcBef>
+                <a:spcPts val="0"/>
+              </a:spcBef>
+              <a:spcAft>
+                <a:spcPts val="0"/>
+              </a:spcAft>
+              <a:buClrTx/>
+              <a:buSzTx/>
+              <a:buFontTx/>
+              <a:buNone/>
+              <a:tabLst/>
+              <a:defRPr/>
+            </a:pPr>
+            <a:endParaRPr kumimoji="0" lang="en-US" sz="2400" b="0" i="0" u="none" strike="noStrike" kern="1200" cap="none" spc="0" normalizeH="0" baseline="0" noProof="0" dirty="0">
+              <a:ln>
+                <a:noFill/>
+              </a:ln>
+              <a:solidFill>
+                <a:prstClr val="black"/>
+              </a:solidFill>
+              <a:effectLst/>
+              <a:uLnTx/>
+              <a:uFillTx/>
+              <a:latin typeface="Calibri" panose="020F0502020204030204"/>
+              <a:ea typeface="+mn-ea"/>
+              <a:cs typeface="+mn-cs"/>
+            </a:endParaRPr>
+          </a:p>
+          <a:p>
+            <a:pPr marL="0" marR="0" lvl="0" indent="0" algn="l" defTabSz="914400" rtl="0" eaLnBrk="1" fontAlgn="auto" latinLnBrk="0" hangingPunct="1">
+              <a:lnSpc>
+                <a:spcPct val="100000"/>
+              </a:lnSpc>
+              <a:spcBef>
+                <a:spcPts val="0"/>
+              </a:spcBef>
+              <a:spcAft>
+                <a:spcPts val="0"/>
+              </a:spcAft>
+              <a:buClrTx/>
+              <a:buSzTx/>
+              <a:buFontTx/>
+              <a:buNone/>
+              <a:tabLst/>
+              <a:defRPr/>
+            </a:pPr>
+            <a:r>
+              <a:rPr kumimoji="0" lang="en-US" sz="2400" b="0" i="0" u="none" strike="noStrike" kern="1200" cap="none" spc="0" normalizeH="0" baseline="0" noProof="0" dirty="0">
+                <a:ln>
+                  <a:noFill/>
+                </a:ln>
+                <a:solidFill>
+                  <a:prstClr val="black"/>
+                </a:solidFill>
+                <a:effectLst/>
+                <a:uLnTx/>
+                <a:uFillTx/>
+                <a:latin typeface="Calibri" panose="020F0502020204030204"/>
+                <a:ea typeface="+mn-ea"/>
+                <a:cs typeface="+mn-cs"/>
+              </a:rPr>
+              <a:t>To interface with the database, the </a:t>
+            </a:r>
+            <a:r>
+              <a:rPr kumimoji="0" lang="en-US" sz="2400" b="0" i="0" u="none" strike="noStrike" kern="1200" cap="none" spc="0" normalizeH="0" baseline="0" noProof="0" dirty="0" err="1">
+                <a:ln>
+                  <a:noFill/>
+                </a:ln>
+                <a:solidFill>
+                  <a:prstClr val="black"/>
+                </a:solidFill>
+                <a:effectLst/>
+                <a:uLnTx/>
+                <a:uFillTx/>
+                <a:latin typeface="Calibri" panose="020F0502020204030204"/>
+                <a:ea typeface="+mn-ea"/>
+                <a:cs typeface="+mn-cs"/>
+              </a:rPr>
+              <a:t>currency_service</a:t>
+            </a:r>
+            <a:r>
+              <a:rPr kumimoji="0" lang="en-US" sz="2400" b="0" i="0" u="none" strike="noStrike" kern="1200" cap="none" spc="0" normalizeH="0" baseline="0" noProof="0" dirty="0">
+                <a:ln>
+                  <a:noFill/>
+                </a:ln>
+                <a:solidFill>
+                  <a:prstClr val="black"/>
+                </a:solidFill>
+                <a:effectLst/>
+                <a:uLnTx/>
+                <a:uFillTx/>
+                <a:latin typeface="Calibri" panose="020F0502020204030204"/>
+                <a:ea typeface="+mn-ea"/>
+                <a:cs typeface="+mn-cs"/>
+              </a:rPr>
+              <a:t> sends an HTTP request to the </a:t>
+            </a:r>
+            <a:r>
+              <a:rPr kumimoji="0" lang="en-US" sz="2400" b="0" i="0" u="none" strike="noStrike" kern="1200" cap="none" spc="0" normalizeH="0" baseline="0" noProof="0" dirty="0" err="1">
+                <a:ln>
+                  <a:noFill/>
+                </a:ln>
+                <a:solidFill>
+                  <a:prstClr val="black"/>
+                </a:solidFill>
+                <a:effectLst/>
+                <a:uLnTx/>
+                <a:uFillTx/>
+                <a:latin typeface="Calibri" panose="020F0502020204030204"/>
+                <a:ea typeface="+mn-ea"/>
+                <a:cs typeface="+mn-cs"/>
+              </a:rPr>
+              <a:t>db_manager</a:t>
+            </a:r>
+            <a:r>
+              <a:rPr kumimoji="0" lang="en-US" sz="2400" b="0" i="0" u="none" strike="noStrike" kern="1200" cap="none" spc="0" normalizeH="0" baseline="0" noProof="0" dirty="0">
+                <a:ln>
+                  <a:noFill/>
+                </a:ln>
+                <a:solidFill>
+                  <a:prstClr val="black"/>
+                </a:solidFill>
+                <a:effectLst/>
+                <a:uLnTx/>
+                <a:uFillTx/>
+                <a:latin typeface="Calibri" panose="020F0502020204030204"/>
+                <a:ea typeface="+mn-ea"/>
+                <a:cs typeface="+mn-cs"/>
+              </a:rPr>
+              <a:t>, which listens on port 8005. The </a:t>
+            </a:r>
+            <a:r>
+              <a:rPr kumimoji="0" lang="en-US" sz="2400" b="0" i="0" u="none" strike="noStrike" kern="1200" cap="none" spc="0" normalizeH="0" baseline="0" noProof="0" dirty="0" err="1">
+                <a:ln>
+                  <a:noFill/>
+                </a:ln>
+                <a:solidFill>
+                  <a:prstClr val="black"/>
+                </a:solidFill>
+                <a:effectLst/>
+                <a:uLnTx/>
+                <a:uFillTx/>
+                <a:latin typeface="Calibri" panose="020F0502020204030204"/>
+                <a:ea typeface="+mn-ea"/>
+                <a:cs typeface="+mn-cs"/>
+              </a:rPr>
+              <a:t>db_manager</a:t>
+            </a:r>
+            <a:r>
+              <a:rPr kumimoji="0" lang="en-US" sz="2400" b="0" i="0" u="none" strike="noStrike" kern="1200" cap="none" spc="0" normalizeH="0" baseline="0" noProof="0" dirty="0">
+                <a:ln>
+                  <a:noFill/>
+                </a:ln>
+                <a:solidFill>
+                  <a:prstClr val="black"/>
+                </a:solidFill>
+                <a:effectLst/>
+                <a:uLnTx/>
+                <a:uFillTx/>
+                <a:latin typeface="Calibri" panose="020F0502020204030204"/>
+                <a:ea typeface="+mn-ea"/>
+                <a:cs typeface="+mn-cs"/>
+              </a:rPr>
+              <a:t> exposes APIs that handle database queries, enabling the </a:t>
+            </a:r>
+            <a:r>
+              <a:rPr kumimoji="0" lang="en-US" sz="2400" b="0" i="0" u="none" strike="noStrike" kern="1200" cap="none" spc="0" normalizeH="0" baseline="0" noProof="0" dirty="0" err="1">
+                <a:ln>
+                  <a:noFill/>
+                </a:ln>
+                <a:solidFill>
+                  <a:prstClr val="black"/>
+                </a:solidFill>
+                <a:effectLst/>
+                <a:uLnTx/>
+                <a:uFillTx/>
+                <a:latin typeface="Calibri" panose="020F0502020204030204"/>
+                <a:ea typeface="+mn-ea"/>
+                <a:cs typeface="+mn-cs"/>
+              </a:rPr>
+              <a:t>currency_service</a:t>
+            </a:r>
+            <a:r>
+              <a:rPr kumimoji="0" lang="en-US" sz="2400" b="0" i="0" u="none" strike="noStrike" kern="1200" cap="none" spc="0" normalizeH="0" baseline="0" noProof="0" dirty="0">
+                <a:ln>
+                  <a:noFill/>
+                </a:ln>
+                <a:solidFill>
+                  <a:prstClr val="black"/>
+                </a:solidFill>
+                <a:effectLst/>
+                <a:uLnTx/>
+                <a:uFillTx/>
+                <a:latin typeface="Calibri" panose="020F0502020204030204"/>
+                <a:ea typeface="+mn-ea"/>
+                <a:cs typeface="+mn-cs"/>
+              </a:rPr>
+              <a:t> to retrieve or update data as required.</a:t>
+            </a:r>
+          </a:p>
+        </p:txBody>
+      </p:sp>
+    </p:spTree>
+    <p:extLst>
+      <p:ext uri="{BB962C8B-B14F-4D97-AF65-F5344CB8AC3E}">
+        <p14:creationId xmlns:p14="http://schemas.microsoft.com/office/powerpoint/2010/main" val="4276114239"/>
       </p:ext>
     </p:extLst>
   </p:cSld>
@@ -6887,13 +8749,7 @@
   <p:cSld>
     <p:spTree>
       <p:nvGrpSpPr>
-        <p:cNvPr id="1" name="">
-          <a:extLst>
-            <a:ext uri="{FF2B5EF4-FFF2-40B4-BE49-F238E27FC236}">
-              <a16:creationId xmlns:a16="http://schemas.microsoft.com/office/drawing/2014/main" id="{42351869-5381-2447-2D98-6E3E17CE9CBB}"/>
-            </a:ext>
-          </a:extLst>
-        </p:cNvPr>
+        <p:cNvPr id="1" name=""/>
         <p:cNvGrpSpPr/>
         <p:nvPr/>
       </p:nvGrpSpPr>
@@ -6907,10 +8763,10 @@
       </p:grpSpPr>
       <p:sp>
         <p:nvSpPr>
-          <p:cNvPr id="3" name="Titolo 1">
+          <p:cNvPr id="2" name="Titolo 1">
             <a:extLst>
               <a:ext uri="{FF2B5EF4-FFF2-40B4-BE49-F238E27FC236}">
-                <a16:creationId xmlns:a16="http://schemas.microsoft.com/office/drawing/2014/main" id="{BD54B1B5-F335-8ACC-EEF8-DE5AE274EEAA}"/>
+                <a16:creationId xmlns:a16="http://schemas.microsoft.com/office/drawing/2014/main" id="{FBD6A503-5818-264B-D94A-E0C2414A3F53}"/>
               </a:ext>
             </a:extLst>
           </p:cNvPr>
@@ -6921,52 +8777,42 @@
             <p:ph type="title"/>
           </p:nvPr>
         </p:nvSpPr>
-        <p:spPr>
-          <a:xfrm>
-            <a:off x="838200" y="365125"/>
-            <a:ext cx="10515600" cy="1325563"/>
-          </a:xfrm>
-        </p:spPr>
+        <p:spPr/>
         <p:txBody>
           <a:bodyPr/>
           <a:lstStyle/>
           <a:p>
-            <a:r>
-              <a:rPr lang="it-IT" dirty="0">
-                <a:latin typeface="Cooper Black" panose="0208090404030B020404" pitchFamily="18" charset="0"/>
-              </a:rPr>
-              <a:t>The </a:t>
-            </a:r>
-            <a:r>
-              <a:rPr lang="it-IT" dirty="0" err="1">
-                <a:latin typeface="Cooper Black" panose="0208090404030B020404" pitchFamily="18" charset="0"/>
-              </a:rPr>
-              <a:t>currency</a:t>
-            </a:r>
-            <a:r>
-              <a:rPr lang="it-IT" dirty="0">
-                <a:latin typeface="Cooper Black" panose="0208090404030B020404" pitchFamily="18" charset="0"/>
-              </a:rPr>
-              <a:t> service </a:t>
-            </a:r>
-            <a:r>
-              <a:rPr lang="it-IT" dirty="0" err="1">
-                <a:latin typeface="Cooper Black" panose="0208090404030B020404" pitchFamily="18" charset="0"/>
+            <a:pPr algn="ctr"/>
+            <a:r>
+              <a:rPr lang="en-US" b="1" i="0" dirty="0">
+                <a:solidFill>
+                  <a:srgbClr val="0D0D0D"/>
+                </a:solidFill>
+                <a:effectLst/>
+                <a:latin typeface="ui-sans-serif"/>
+              </a:rPr>
+              <a:t>The register service </a:t>
+            </a:r>
+            <a:r>
+              <a:rPr lang="en-US" b="1" i="0" dirty="0" err="1">
+                <a:solidFill>
+                  <a:srgbClr val="0D0D0D"/>
+                </a:solidFill>
+                <a:effectLst/>
+                <a:latin typeface="ui-sans-serif"/>
               </a:rPr>
               <a:t>datapath</a:t>
             </a:r>
-            <a:endParaRPr lang="it-IT" dirty="0">
-              <a:latin typeface="Cooper Black" panose="0208090404030B020404" pitchFamily="18" charset="0"/>
-            </a:endParaRPr>
-          </a:p>
-        </p:txBody>
-      </p:sp>
-      <p:sp>
-        <p:nvSpPr>
-          <p:cNvPr id="6" name="CasellaDiTesto 5">
+            <a:endParaRPr lang="it-IT" dirty="0"/>
+          </a:p>
+        </p:txBody>
+      </p:sp>
+      <p:sp>
+        <p:nvSpPr>
+          <p:cNvPr id="3" name="CasellaDiTesto 2">
             <a:extLst>
               <a:ext uri="{FF2B5EF4-FFF2-40B4-BE49-F238E27FC236}">
-                <a16:creationId xmlns:a16="http://schemas.microsoft.com/office/drawing/2014/main" id="{854EE167-1917-09D5-E84F-C0F77B7AC06C}"/>
+                <a16:creationId xmlns:a16="http://schemas.microsoft.com/office/drawing/2014/main" id="{57EDF572-5061-CA29-4C63-D0BD4A804680}"/>
               </a:ext>
             </a:extLst>
           </p:cNvPr>
@@ -6975,8 +8821,8 @@
         </p:nvSpPr>
         <p:spPr>
           <a:xfrm>
-            <a:off x="373224" y="1690687"/>
-            <a:ext cx="10879494" cy="4154984"/>
+            <a:off x="744894" y="1558212"/>
+            <a:ext cx="10702212" cy="3579441"/>
           </a:xfrm>
           <a:prstGeom prst="rect">
             <a:avLst/>
@@ -6984,7 +8830,7 @@
           <a:noFill/>
           <a:ln>
             <a:solidFill>
-              <a:srgbClr val="002060"/>
+              <a:schemeClr val="tx1"/>
             </a:solidFill>
           </a:ln>
         </p:spPr>
@@ -6994,107 +8840,158 @@
           </a:bodyPr>
           <a:lstStyle/>
           <a:p>
-            <a:r>
-              <a:rPr lang="en-US" sz="2400" dirty="0"/>
-              <a:t>The </a:t>
-            </a:r>
-            <a:r>
-              <a:rPr lang="en-US" sz="2400" dirty="0" err="1"/>
-              <a:t>gacha</a:t>
-            </a:r>
-            <a:r>
-              <a:rPr lang="en-US" sz="2400" dirty="0"/>
-              <a:t>-related services are exposed externally to clients on port 8000 via an API gateway. When an HTTPS request is received for a service related to CRUD operations for </a:t>
-            </a:r>
-            <a:r>
-              <a:rPr lang="en-US" sz="2400" dirty="0" err="1"/>
-              <a:t>gacha</a:t>
-            </a:r>
-            <a:r>
-              <a:rPr lang="en-US" sz="2400" dirty="0"/>
-              <a:t>, the API gateway forwards the HTTPS request to the </a:t>
-            </a:r>
-            <a:r>
-              <a:rPr lang="en-US" sz="2400" dirty="0" err="1"/>
-              <a:t>gachaservice</a:t>
-            </a:r>
-            <a:r>
-              <a:rPr lang="en-US" sz="2400" dirty="0"/>
-              <a:t> on port 8002.</a:t>
-            </a:r>
-          </a:p>
-          <a:p>
-            <a:endParaRPr lang="en-US" sz="2400" dirty="0"/>
-          </a:p>
-          <a:p>
-            <a:r>
-              <a:rPr lang="en-US" sz="2400" dirty="0"/>
-              <a:t>The </a:t>
-            </a:r>
-            <a:r>
-              <a:rPr lang="en-US" sz="2400" dirty="0" err="1"/>
-              <a:t>gachaservice</a:t>
-            </a:r>
-            <a:r>
-              <a:rPr lang="en-US" sz="2400" dirty="0"/>
-              <a:t> itself exposes APIs on port 8002 to add, modify, delete, and view a single </a:t>
-            </a:r>
-            <a:r>
-              <a:rPr lang="en-US" sz="2400" dirty="0" err="1"/>
-              <a:t>gacha</a:t>
-            </a:r>
-            <a:r>
-              <a:rPr lang="en-US" sz="2400" dirty="0"/>
-              <a:t> or the entire collection of </a:t>
-            </a:r>
-            <a:r>
-              <a:rPr lang="en-US" sz="2400" dirty="0" err="1"/>
-              <a:t>gachas</a:t>
-            </a:r>
-            <a:r>
-              <a:rPr lang="en-US" sz="2400" dirty="0"/>
-              <a:t>. </a:t>
-            </a:r>
-          </a:p>
-          <a:p>
-            <a:endParaRPr lang="en-US" sz="2400" dirty="0"/>
-          </a:p>
-          <a:p>
-            <a:r>
-              <a:rPr lang="en-US" sz="2400" dirty="0"/>
-              <a:t>To interface with the database, the </a:t>
-            </a:r>
-            <a:r>
-              <a:rPr lang="en-US" sz="2400" dirty="0" err="1"/>
-              <a:t>gachaservice</a:t>
-            </a:r>
-            <a:r>
-              <a:rPr lang="en-US" sz="2400" dirty="0"/>
-              <a:t> sends an HTTPS request to the </a:t>
-            </a:r>
-            <a:r>
-              <a:rPr lang="en-US" sz="2400" dirty="0" err="1"/>
+            <a:pPr>
+              <a:lnSpc>
+                <a:spcPct val="107000"/>
+              </a:lnSpc>
+              <a:spcAft>
+                <a:spcPts val="800"/>
+              </a:spcAft>
+            </a:pPr>
+            <a:r>
+              <a:rPr lang="en-US" sz="2000" b="1" kern="100" dirty="0">
+                <a:effectLst/>
+                <a:latin typeface="Aptos" panose="020B0004020202020204" pitchFamily="34" charset="0"/>
+                <a:ea typeface="Aptos" panose="020B0004020202020204" pitchFamily="34" charset="0"/>
+                <a:cs typeface="Times New Roman" panose="02020603050405020304" pitchFamily="18" charset="0"/>
+              </a:rPr>
+              <a:t>The registration-related services are exposed externally to clients on port 8000 via an API gateway. When an HTTPS request is received for user registration, the API gateway forwards the HTTPS request to the auth-service/register on port 8001.</a:t>
+            </a:r>
+            <a:endParaRPr lang="it-IT" sz="2000" kern="100" dirty="0">
+              <a:effectLst/>
+              <a:latin typeface="Aptos" panose="020B0004020202020204" pitchFamily="34" charset="0"/>
+              <a:ea typeface="Aptos" panose="020B0004020202020204" pitchFamily="34" charset="0"/>
+              <a:cs typeface="Times New Roman" panose="02020603050405020304" pitchFamily="18" charset="0"/>
+            </a:endParaRPr>
+          </a:p>
+          <a:p>
+            <a:pPr>
+              <a:lnSpc>
+                <a:spcPct val="107000"/>
+              </a:lnSpc>
+              <a:spcAft>
+                <a:spcPts val="800"/>
+              </a:spcAft>
+            </a:pPr>
+            <a:r>
+              <a:rPr lang="en-US" sz="2000" b="1" kern="100" dirty="0">
+                <a:effectLst/>
+                <a:latin typeface="Aptos" panose="020B0004020202020204" pitchFamily="34" charset="0"/>
+                <a:ea typeface="Aptos" panose="020B0004020202020204" pitchFamily="34" charset="0"/>
+                <a:cs typeface="Times New Roman" panose="02020603050405020304" pitchFamily="18" charset="0"/>
+              </a:rPr>
+              <a:t>The auth-service itself exposes APIs on port 8001 to handle user registration, login, updating user details, and deleting users. To interface with the database, the auth-service sends an HTTPS request to the </a:t>
+            </a:r>
+            <a:r>
+              <a:rPr lang="en-US" sz="2000" b="1" kern="100" dirty="0" err="1">
+                <a:effectLst/>
+                <a:latin typeface="Aptos" panose="020B0004020202020204" pitchFamily="34" charset="0"/>
+                <a:ea typeface="Aptos" panose="020B0004020202020204" pitchFamily="34" charset="0"/>
+                <a:cs typeface="Times New Roman" panose="02020603050405020304" pitchFamily="18" charset="0"/>
+              </a:rPr>
               <a:t>db_manager</a:t>
             </a:r>
             <a:r>
-              <a:rPr lang="en-US" sz="2400" dirty="0"/>
-              <a:t>, which provides APIs for database interfacing services. These database-related APIs are exposed by the </a:t>
-            </a:r>
-            <a:r>
-              <a:rPr lang="en-US" sz="2400" dirty="0" err="1"/>
+              <a:rPr lang="en-US" sz="2000" b="1" kern="100" dirty="0">
+                <a:effectLst/>
+                <a:latin typeface="Aptos" panose="020B0004020202020204" pitchFamily="34" charset="0"/>
+                <a:ea typeface="Aptos" panose="020B0004020202020204" pitchFamily="34" charset="0"/>
+                <a:cs typeface="Times New Roman" panose="02020603050405020304" pitchFamily="18" charset="0"/>
+              </a:rPr>
+              <a:t>, which provides APIs for database-related operations. These database-related APIs are exposed by the </a:t>
+            </a:r>
+            <a:r>
+              <a:rPr lang="en-US" sz="2000" b="1" kern="100" dirty="0" err="1">
+                <a:effectLst/>
+                <a:latin typeface="Aptos" panose="020B0004020202020204" pitchFamily="34" charset="0"/>
+                <a:ea typeface="Aptos" panose="020B0004020202020204" pitchFamily="34" charset="0"/>
+                <a:cs typeface="Times New Roman" panose="02020603050405020304" pitchFamily="18" charset="0"/>
+              </a:rPr>
               <a:t>db_manager</a:t>
             </a:r>
             <a:r>
-              <a:rPr lang="en-US" sz="2400" dirty="0"/>
-              <a:t> on port 8005.</a:t>
-            </a:r>
+              <a:rPr lang="en-US" sz="2000" b="1" kern="100" dirty="0">
+                <a:effectLst/>
+                <a:latin typeface="Aptos" panose="020B0004020202020204" pitchFamily="34" charset="0"/>
+                <a:ea typeface="Aptos" panose="020B0004020202020204" pitchFamily="34" charset="0"/>
+                <a:cs typeface="Times New Roman" panose="02020603050405020304" pitchFamily="18" charset="0"/>
+              </a:rPr>
+              <a:t> on port 8005.</a:t>
+            </a:r>
+            <a:endParaRPr lang="it-IT" sz="2000" kern="100" dirty="0">
+              <a:effectLst/>
+              <a:latin typeface="Aptos" panose="020B0004020202020204" pitchFamily="34" charset="0"/>
+              <a:ea typeface="Aptos" panose="020B0004020202020204" pitchFamily="34" charset="0"/>
+              <a:cs typeface="Times New Roman" panose="02020603050405020304" pitchFamily="18" charset="0"/>
+            </a:endParaRPr>
+          </a:p>
+          <a:p>
+            <a:pPr>
+              <a:lnSpc>
+                <a:spcPct val="107000"/>
+              </a:lnSpc>
+              <a:spcAft>
+                <a:spcPts val="800"/>
+              </a:spcAft>
+            </a:pPr>
+            <a:r>
+              <a:rPr lang="en-US" sz="2000" b="1" kern="100" dirty="0">
+                <a:effectLst/>
+                <a:latin typeface="Aptos" panose="020B0004020202020204" pitchFamily="34" charset="0"/>
+                <a:ea typeface="Aptos" panose="020B0004020202020204" pitchFamily="34" charset="0"/>
+                <a:cs typeface="Times New Roman" panose="02020603050405020304" pitchFamily="18" charset="0"/>
+              </a:rPr>
+              <a:t>Once the registration is successful, without any problems on DB, the </a:t>
+            </a:r>
+            <a:r>
+              <a:rPr lang="en-US" sz="2000" b="1" kern="100" dirty="0" err="1">
+                <a:effectLst/>
+                <a:latin typeface="Aptos" panose="020B0004020202020204" pitchFamily="34" charset="0"/>
+                <a:ea typeface="Aptos" panose="020B0004020202020204" pitchFamily="34" charset="0"/>
+                <a:cs typeface="Times New Roman" panose="02020603050405020304" pitchFamily="18" charset="0"/>
+              </a:rPr>
+              <a:t>db</a:t>
+            </a:r>
+            <a:r>
+              <a:rPr lang="en-US" sz="2000" b="1" kern="100" dirty="0">
+                <a:effectLst/>
+                <a:latin typeface="Aptos" panose="020B0004020202020204" pitchFamily="34" charset="0"/>
+                <a:ea typeface="Aptos" panose="020B0004020202020204" pitchFamily="34" charset="0"/>
+                <a:cs typeface="Times New Roman" panose="02020603050405020304" pitchFamily="18" charset="0"/>
+              </a:rPr>
+              <a:t>-manager service communicates the registration in the database. The auth-service service will then forward the response obtained to the </a:t>
+            </a:r>
+            <a:r>
+              <a:rPr lang="en-US" sz="2000" b="1" kern="100" dirty="0" err="1">
+                <a:effectLst/>
+                <a:latin typeface="Aptos" panose="020B0004020202020204" pitchFamily="34" charset="0"/>
+                <a:ea typeface="Aptos" panose="020B0004020202020204" pitchFamily="34" charset="0"/>
+                <a:cs typeface="Times New Roman" panose="02020603050405020304" pitchFamily="18" charset="0"/>
+              </a:rPr>
+              <a:t>api</a:t>
+            </a:r>
+            <a:r>
+              <a:rPr lang="en-US" sz="2000" b="1" kern="100" dirty="0">
+                <a:effectLst/>
+                <a:latin typeface="Aptos" panose="020B0004020202020204" pitchFamily="34" charset="0"/>
+                <a:ea typeface="Aptos" panose="020B0004020202020204" pitchFamily="34" charset="0"/>
+                <a:cs typeface="Times New Roman" panose="02020603050405020304" pitchFamily="18" charset="0"/>
+              </a:rPr>
+              <a:t>-gateway</a:t>
+            </a:r>
+            <a:endParaRPr lang="it-IT" sz="2000" kern="100" dirty="0">
+              <a:effectLst/>
+              <a:latin typeface="Aptos" panose="020B0004020202020204" pitchFamily="34" charset="0"/>
+              <a:ea typeface="Aptos" panose="020B0004020202020204" pitchFamily="34" charset="0"/>
+              <a:cs typeface="Times New Roman" panose="02020603050405020304" pitchFamily="18" charset="0"/>
+            </a:endParaRPr>
           </a:p>
         </p:txBody>
       </p:sp>
     </p:spTree>
     <p:extLst>
       <p:ext uri="{BB962C8B-B14F-4D97-AF65-F5344CB8AC3E}">
-        <p14:creationId xmlns:p14="http://schemas.microsoft.com/office/powerpoint/2010/main" val="3120023185"/>
+        <p14:creationId xmlns:p14="http://schemas.microsoft.com/office/powerpoint/2010/main" val="45223910"/>
       </p:ext>
     </p:extLst>
   </p:cSld>

--- a/doc/Gacha Collection.pptx
+++ b/doc/Gacha Collection.pptx
@@ -16,8 +16,6 @@
     <p:sldId id="264" r:id="rId10"/>
     <p:sldId id="265" r:id="rId11"/>
     <p:sldId id="266" r:id="rId12"/>
-    <p:sldId id="267" r:id="rId13"/>
-    <p:sldId id="268" r:id="rId14"/>
   </p:sldIdLst>
   <p:sldSz cx="12192000" cy="6858000"/>
   <p:notesSz cx="6858000" cy="9144000"/>
@@ -3351,7 +3349,7 @@
         <p:spPr/>
         <p:txBody>
           <a:bodyPr>
-            <a:normAutofit/>
+            <a:normAutofit fontScale="90000"/>
           </a:bodyPr>
           <a:lstStyle/>
           <a:p>
@@ -3364,17 +3362,35 @@
                 <a:effectLst/>
                 <a:latin typeface="ui-sans-serif"/>
               </a:rPr>
-              <a:t>The login service </a:t>
-            </a:r>
-            <a:r>
-              <a:rPr lang="en-US" b="1" i="0" dirty="0" err="1">
+              <a:t>Flow Example2:</a:t>
+            </a:r>
+            <a:br>
+              <a:rPr lang="en-US" b="1" i="0" dirty="0">
                 <a:solidFill>
                   <a:srgbClr val="0D0D0D"/>
                 </a:solidFill>
                 <a:effectLst/>
                 <a:latin typeface="ui-sans-serif"/>
               </a:rPr>
-              <a:t>datapath</a:t>
+            </a:br>
+            <a:r>
+              <a:rPr lang="en-US" b="1" i="0" dirty="0">
+                <a:solidFill>
+                  <a:srgbClr val="0D0D0D"/>
+                </a:solidFill>
+                <a:effectLst/>
+                <a:latin typeface="ui-sans-serif"/>
+              </a:rPr>
+              <a:t> </a:t>
+            </a:r>
+            <a:r>
+              <a:rPr lang="en-US" sz="3200" b="1" dirty="0">
+                <a:effectLst/>
+                <a:latin typeface="Aptos" panose="020B0004020202020204" pitchFamily="34" charset="0"/>
+                <a:ea typeface="Aptos" panose="020B0004020202020204" pitchFamily="34" charset="0"/>
+                <a:cs typeface="Times New Roman" panose="02020603050405020304" pitchFamily="18" charset="0"/>
+              </a:rPr>
+              <a:t>a user wants to login into the system with his credentials</a:t>
             </a:r>
             <a:endParaRPr lang="it-IT" dirty="0"/>
           </a:p>
@@ -3394,18 +3410,13 @@
         </p:nvSpPr>
         <p:spPr>
           <a:xfrm>
-            <a:off x="838200" y="1483567"/>
-            <a:ext cx="10402078" cy="4238083"/>
+            <a:off x="838200" y="1968759"/>
+            <a:ext cx="10402078" cy="3547381"/>
           </a:xfrm>
           <a:prstGeom prst="rect">
             <a:avLst/>
           </a:prstGeom>
           <a:noFill/>
-          <a:ln>
-            <a:solidFill>
-              <a:schemeClr val="tx1"/>
-            </a:solidFill>
-          </a:ln>
         </p:spPr>
         <p:txBody>
           <a:bodyPr wrap="square" rtlCol="0">
@@ -3422,7 +3433,7 @@
               </a:spcAft>
             </a:pPr>
             <a:r>
-              <a:rPr lang="en-US" sz="2000" b="1" kern="100" dirty="0">
+              <a:rPr lang="en-US" sz="1800" b="1" kern="100" dirty="0">
                 <a:effectLst/>
                 <a:latin typeface="Aptos" panose="020B0004020202020204" pitchFamily="34" charset="0"/>
                 <a:ea typeface="Aptos" panose="020B0004020202020204" pitchFamily="34" charset="0"/>
@@ -3431,7 +3442,7 @@
               <a:t>The </a:t>
             </a:r>
             <a:r>
-              <a:rPr lang="en-US" sz="2000" b="1" kern="100" dirty="0" err="1">
+              <a:rPr lang="en-US" sz="1800" b="1" kern="100" dirty="0" err="1">
                 <a:effectLst/>
                 <a:latin typeface="Aptos" panose="020B0004020202020204" pitchFamily="34" charset="0"/>
                 <a:ea typeface="Aptos" panose="020B0004020202020204" pitchFamily="34" charset="0"/>
@@ -3440,7 +3451,7 @@
               <a:t>login_user</a:t>
             </a:r>
             <a:r>
-              <a:rPr lang="en-US" sz="2000" b="1" kern="100" dirty="0">
+              <a:rPr lang="en-US" sz="1800" b="1" kern="100" dirty="0">
                 <a:effectLst/>
                 <a:latin typeface="Aptos" panose="020B0004020202020204" pitchFamily="34" charset="0"/>
                 <a:ea typeface="Aptos" panose="020B0004020202020204" pitchFamily="34" charset="0"/>
@@ -3449,7 +3460,7 @@
               <a:t>-related services are exposed externally to clients on port 8000 via an API gateway. When an HTTPS request is received for user registration, the API gateway forwards the HTTPS request to the auth-service/</a:t>
             </a:r>
             <a:r>
-              <a:rPr lang="en-US" sz="2000" b="1" kern="100" dirty="0" err="1">
+              <a:rPr lang="en-US" sz="1800" b="1" kern="100" dirty="0" err="1">
                 <a:effectLst/>
                 <a:latin typeface="Aptos" panose="020B0004020202020204" pitchFamily="34" charset="0"/>
                 <a:ea typeface="Aptos" panose="020B0004020202020204" pitchFamily="34" charset="0"/>
@@ -3458,7 +3469,7 @@
               <a:t>login_user</a:t>
             </a:r>
             <a:r>
-              <a:rPr lang="en-US" sz="2000" b="1" kern="100" dirty="0">
+              <a:rPr lang="en-US" sz="1800" b="1" kern="100" dirty="0">
                 <a:effectLst/>
                 <a:latin typeface="Aptos" panose="020B0004020202020204" pitchFamily="34" charset="0"/>
                 <a:ea typeface="Aptos" panose="020B0004020202020204" pitchFamily="34" charset="0"/>
@@ -3466,7 +3477,7 @@
               </a:rPr>
               <a:t> on port 8001.</a:t>
             </a:r>
-            <a:endParaRPr lang="it-IT" sz="2000" kern="100" dirty="0">
+            <a:endParaRPr lang="it-IT" sz="1800" kern="100" dirty="0">
               <a:effectLst/>
               <a:latin typeface="Aptos" panose="020B0004020202020204" pitchFamily="34" charset="0"/>
               <a:ea typeface="Aptos" panose="020B0004020202020204" pitchFamily="34" charset="0"/>
@@ -3483,7 +3494,7 @@
               </a:spcAft>
             </a:pPr>
             <a:r>
-              <a:rPr lang="en-US" sz="2000" b="1" kern="100" dirty="0">
+              <a:rPr lang="en-US" sz="1800" b="1" kern="100" dirty="0">
                 <a:effectLst/>
                 <a:latin typeface="Aptos" panose="020B0004020202020204" pitchFamily="34" charset="0"/>
                 <a:ea typeface="Aptos" panose="020B0004020202020204" pitchFamily="34" charset="0"/>
@@ -3492,7 +3503,7 @@
               <a:t>The auth-service itself exposes APIs on port 8001 to handle user login. To interface with the database, auth-service sends an HTTPS request to the </a:t>
             </a:r>
             <a:r>
-              <a:rPr lang="en-US" sz="2000" b="1" kern="100" dirty="0" err="1">
+              <a:rPr lang="en-US" sz="1800" b="1" kern="100" dirty="0" err="1">
                 <a:effectLst/>
                 <a:latin typeface="Aptos" panose="020B0004020202020204" pitchFamily="34" charset="0"/>
                 <a:ea typeface="Aptos" panose="020B0004020202020204" pitchFamily="34" charset="0"/>
@@ -3501,7 +3512,7 @@
               <a:t>db_manager</a:t>
             </a:r>
             <a:r>
-              <a:rPr lang="en-US" sz="2000" b="1" kern="100" dirty="0">
+              <a:rPr lang="en-US" sz="1800" b="1" kern="100" dirty="0">
                 <a:effectLst/>
                 <a:latin typeface="Aptos" panose="020B0004020202020204" pitchFamily="34" charset="0"/>
                 <a:ea typeface="Aptos" panose="020B0004020202020204" pitchFamily="34" charset="0"/>
@@ -3510,7 +3521,7 @@
               <a:t>( containing the user's email), which provides APIs for database-related operations. These database-related APIs are exposed by the </a:t>
             </a:r>
             <a:r>
-              <a:rPr lang="en-US" sz="2000" b="1" kern="100" dirty="0" err="1">
+              <a:rPr lang="en-US" sz="1800" b="1" kern="100" dirty="0" err="1">
                 <a:effectLst/>
                 <a:latin typeface="Aptos" panose="020B0004020202020204" pitchFamily="34" charset="0"/>
                 <a:ea typeface="Aptos" panose="020B0004020202020204" pitchFamily="34" charset="0"/>
@@ -3519,7 +3530,7 @@
               <a:t>db_manager</a:t>
             </a:r>
             <a:r>
-              <a:rPr lang="en-US" sz="2000" b="1" kern="100" dirty="0">
+              <a:rPr lang="en-US" sz="1800" b="1" kern="100" dirty="0">
                 <a:effectLst/>
                 <a:latin typeface="Aptos" panose="020B0004020202020204" pitchFamily="34" charset="0"/>
                 <a:ea typeface="Aptos" panose="020B0004020202020204" pitchFamily="34" charset="0"/>
@@ -3527,7 +3538,7 @@
               </a:rPr>
               <a:t> on port 8005.</a:t>
             </a:r>
-            <a:endParaRPr lang="it-IT" sz="2000" kern="100" dirty="0">
+            <a:endParaRPr lang="it-IT" sz="1800" kern="100" dirty="0">
               <a:effectLst/>
               <a:latin typeface="Aptos" panose="020B0004020202020204" pitchFamily="34" charset="0"/>
               <a:ea typeface="Aptos" panose="020B0004020202020204" pitchFamily="34" charset="0"/>
@@ -3544,7 +3555,7 @@
               </a:spcAft>
             </a:pPr>
             <a:r>
-              <a:rPr lang="en-US" sz="2000" b="1" kern="100" dirty="0">
+              <a:rPr lang="en-US" sz="1800" b="1" kern="100" dirty="0">
                 <a:effectLst/>
                 <a:latin typeface="Aptos" panose="020B0004020202020204" pitchFamily="34" charset="0"/>
                 <a:ea typeface="Aptos" panose="020B0004020202020204" pitchFamily="34" charset="0"/>
@@ -3553,7 +3564,7 @@
               <a:t>The </a:t>
             </a:r>
             <a:r>
-              <a:rPr lang="en-US" sz="2000" b="1" kern="100" dirty="0" err="1">
+              <a:rPr lang="en-US" sz="1800" b="1" kern="100" dirty="0" err="1">
                 <a:effectLst/>
                 <a:latin typeface="Aptos" panose="020B0004020202020204" pitchFamily="34" charset="0"/>
                 <a:ea typeface="Aptos" panose="020B0004020202020204" pitchFamily="34" charset="0"/>
@@ -3562,7 +3573,7 @@
               <a:t>db</a:t>
             </a:r>
             <a:r>
-              <a:rPr lang="en-US" sz="2000" b="1" kern="100" dirty="0">
+              <a:rPr lang="en-US" sz="1800" b="1" kern="100" dirty="0">
                 <a:effectLst/>
                 <a:latin typeface="Aptos" panose="020B0004020202020204" pitchFamily="34" charset="0"/>
                 <a:ea typeface="Aptos" panose="020B0004020202020204" pitchFamily="34" charset="0"/>
@@ -3571,7 +3582,7 @@
               <a:t>-manager performs a lookup through the email provided and returns the corresponding encrypted password if successful. The </a:t>
             </a:r>
             <a:r>
-              <a:rPr lang="en-US" sz="2000" b="1" kern="100" dirty="0" err="1">
+              <a:rPr lang="en-US" sz="1800" b="1" kern="100" dirty="0" err="1">
                 <a:effectLst/>
                 <a:latin typeface="Aptos" panose="020B0004020202020204" pitchFamily="34" charset="0"/>
                 <a:ea typeface="Aptos" panose="020B0004020202020204" pitchFamily="34" charset="0"/>
@@ -3580,7 +3591,7 @@
               <a:t>auth.service</a:t>
             </a:r>
             <a:r>
-              <a:rPr lang="en-US" sz="2000" b="1" kern="100" dirty="0">
+              <a:rPr lang="en-US" sz="1800" b="1" kern="100" dirty="0">
                 <a:effectLst/>
                 <a:latin typeface="Aptos" panose="020B0004020202020204" pitchFamily="34" charset="0"/>
                 <a:ea typeface="Aptos" panose="020B0004020202020204" pitchFamily="34" charset="0"/>
@@ -3589,7 +3600,7 @@
               <a:t> service will then perform a check on the password now encrypted by the user and the one received from the </a:t>
             </a:r>
             <a:r>
-              <a:rPr lang="en-US" sz="2000" b="1" kern="100" dirty="0" err="1">
+              <a:rPr lang="en-US" sz="1800" b="1" kern="100" dirty="0" err="1">
                 <a:effectLst/>
                 <a:latin typeface="Aptos" panose="020B0004020202020204" pitchFamily="34" charset="0"/>
                 <a:ea typeface="Aptos" panose="020B0004020202020204" pitchFamily="34" charset="0"/>
@@ -3598,7 +3609,7 @@
               <a:t>db</a:t>
             </a:r>
             <a:r>
-              <a:rPr lang="en-US" sz="2000" b="1" kern="100" dirty="0">
+              <a:rPr lang="en-US" sz="1800" b="1" kern="100" dirty="0">
                 <a:effectLst/>
                 <a:latin typeface="Aptos" panose="020B0004020202020204" pitchFamily="34" charset="0"/>
                 <a:ea typeface="Aptos" panose="020B0004020202020204" pitchFamily="34" charset="0"/>
@@ -3607,7 +3618,7 @@
               <a:t>-manager. If the match is positive, the auth-service service will then forward the login to the </a:t>
             </a:r>
             <a:r>
-              <a:rPr lang="en-US" sz="2000" b="1" kern="100" dirty="0" err="1">
+              <a:rPr lang="en-US" sz="1800" b="1" kern="100" dirty="0" err="1">
                 <a:effectLst/>
                 <a:latin typeface="Aptos" panose="020B0004020202020204" pitchFamily="34" charset="0"/>
                 <a:ea typeface="Aptos" panose="020B0004020202020204" pitchFamily="34" charset="0"/>
@@ -3616,7 +3627,7 @@
               <a:t>api</a:t>
             </a:r>
             <a:r>
-              <a:rPr lang="en-US" sz="2000" b="1" kern="100" dirty="0">
+              <a:rPr lang="en-US" sz="1800" b="1" kern="100" dirty="0">
                 <a:effectLst/>
                 <a:latin typeface="Aptos" panose="020B0004020202020204" pitchFamily="34" charset="0"/>
                 <a:ea typeface="Aptos" panose="020B0004020202020204" pitchFamily="34" charset="0"/>
@@ -3624,7 +3635,7 @@
               </a:rPr>
               <a:t>-gateway.</a:t>
             </a:r>
-            <a:endParaRPr lang="it-IT" sz="2000" kern="100" dirty="0">
+            <a:endParaRPr lang="it-IT" sz="1800" kern="100" dirty="0">
               <a:effectLst/>
               <a:latin typeface="Aptos" panose="020B0004020202020204" pitchFamily="34" charset="0"/>
               <a:ea typeface="Aptos" panose="020B0004020202020204" pitchFamily="34" charset="0"/>
@@ -3651,13 +3662,7 @@
   <p:cSld>
     <p:spTree>
       <p:nvGrpSpPr>
-        <p:cNvPr id="1" name="">
-          <a:extLst>
-            <a:ext uri="{FF2B5EF4-FFF2-40B4-BE49-F238E27FC236}">
-              <a16:creationId xmlns:a16="http://schemas.microsoft.com/office/drawing/2014/main" id="{55024CAE-0043-C575-7405-870A75A36FC0}"/>
-            </a:ext>
-          </a:extLst>
-        </p:cNvPr>
+        <p:cNvPr id="1" name=""/>
         <p:cNvGrpSpPr/>
         <p:nvPr/>
       </p:nvGrpSpPr>
@@ -3671,10 +3676,10 @@
       </p:grpSpPr>
       <p:sp>
         <p:nvSpPr>
-          <p:cNvPr id="3" name="Titolo 1">
+          <p:cNvPr id="2" name="Titolo 1">
             <a:extLst>
               <a:ext uri="{FF2B5EF4-FFF2-40B4-BE49-F238E27FC236}">
-                <a16:creationId xmlns:a16="http://schemas.microsoft.com/office/drawing/2014/main" id="{AE60F3C4-78DC-1E7C-CBB2-4558A345C83D}"/>
+                <a16:creationId xmlns:a16="http://schemas.microsoft.com/office/drawing/2014/main" id="{E7B44D84-163C-5DF6-8CD9-08ADC1A7EEFE}"/>
               </a:ext>
             </a:extLst>
           </p:cNvPr>
@@ -3687,50 +3692,74 @@
         </p:nvSpPr>
         <p:spPr>
           <a:xfrm>
-            <a:off x="838200" y="365125"/>
-            <a:ext cx="10515600" cy="1325563"/>
-          </a:xfrm>
-        </p:spPr>
-        <p:txBody>
-          <a:bodyPr/>
+            <a:off x="0" y="365125"/>
+            <a:ext cx="12192000" cy="1370369"/>
+          </a:xfrm>
+        </p:spPr>
+        <p:txBody>
+          <a:bodyPr>
+            <a:normAutofit/>
+          </a:bodyPr>
           <a:lstStyle/>
           <a:p>
-            <a:r>
-              <a:rPr lang="it-IT" dirty="0">
-                <a:latin typeface="Cooper Black" panose="0208090404030B020404" pitchFamily="18" charset="0"/>
+            <a:pPr algn="ctr"/>
+            <a:r>
+              <a:rPr lang="en-US" b="1" i="0" dirty="0">
+                <a:solidFill>
+                  <a:srgbClr val="0D0D0D"/>
+                </a:solidFill>
+                <a:effectLst/>
+                <a:latin typeface="ui-sans-serif"/>
               </a:rPr>
-              <a:t>The </a:t>
-            </a:r>
-            <a:r>
-              <a:rPr lang="it-IT" dirty="0" err="1">
-                <a:latin typeface="Cooper Black" panose="0208090404030B020404" pitchFamily="18" charset="0"/>
+              <a:t>Flow Example3:</a:t>
+            </a:r>
+            <a:br>
+              <a:rPr lang="en-US" b="1" i="0" dirty="0">
+                <a:solidFill>
+                  <a:srgbClr val="0D0D0D"/>
+                </a:solidFill>
+                <a:effectLst/>
+                <a:latin typeface="ui-sans-serif"/>
+              </a:rPr>
+            </a:br>
+            <a:r>
+              <a:rPr lang="en-US" b="1" i="0" dirty="0">
+                <a:solidFill>
+                  <a:srgbClr val="0D0D0D"/>
+                </a:solidFill>
+                <a:effectLst/>
+                <a:latin typeface="ui-sans-serif"/>
+              </a:rPr>
+              <a:t> </a:t>
+            </a:r>
+            <a:r>
+              <a:rPr lang="en-US" sz="4400" b="1" dirty="0">
+                <a:effectLst/>
+                <a:latin typeface="Aptos" panose="020B0004020202020204" pitchFamily="34" charset="0"/>
+                <a:ea typeface="Aptos" panose="020B0004020202020204" pitchFamily="34" charset="0"/>
+                <a:cs typeface="Times New Roman" panose="02020603050405020304" pitchFamily="18" charset="0"/>
+              </a:rPr>
+              <a:t>a user wants to roll a </a:t>
+            </a:r>
+            <a:r>
+              <a:rPr lang="en-US" sz="4400" b="1" dirty="0" err="1">
+                <a:effectLst/>
+                <a:latin typeface="Aptos" panose="020B0004020202020204" pitchFamily="34" charset="0"/>
+                <a:ea typeface="Aptos" panose="020B0004020202020204" pitchFamily="34" charset="0"/>
+                <a:cs typeface="Times New Roman" panose="02020603050405020304" pitchFamily="18" charset="0"/>
               </a:rPr>
               <a:t>gacha</a:t>
             </a:r>
-            <a:r>
-              <a:rPr lang="it-IT" dirty="0">
-                <a:latin typeface="Cooper Black" panose="0208090404030B020404" pitchFamily="18" charset="0"/>
-              </a:rPr>
-              <a:t> service </a:t>
-            </a:r>
-            <a:r>
-              <a:rPr lang="it-IT" dirty="0" err="1">
-                <a:latin typeface="Cooper Black" panose="0208090404030B020404" pitchFamily="18" charset="0"/>
-              </a:rPr>
-              <a:t>datapath</a:t>
-            </a:r>
-            <a:endParaRPr lang="it-IT" dirty="0">
-              <a:latin typeface="Cooper Black" panose="0208090404030B020404" pitchFamily="18" charset="0"/>
-            </a:endParaRPr>
-          </a:p>
-        </p:txBody>
-      </p:sp>
-      <p:sp>
-        <p:nvSpPr>
-          <p:cNvPr id="6" name="CasellaDiTesto 5">
+            <a:endParaRPr lang="it-IT" dirty="0"/>
+          </a:p>
+        </p:txBody>
+      </p:sp>
+      <p:sp>
+        <p:nvSpPr>
+          <p:cNvPr id="3" name="CasellaDiTesto 2">
             <a:extLst>
               <a:ext uri="{FF2B5EF4-FFF2-40B4-BE49-F238E27FC236}">
-                <a16:creationId xmlns:a16="http://schemas.microsoft.com/office/drawing/2014/main" id="{29642769-4BD8-0967-D985-DD96D14D6EF4}"/>
+                <a16:creationId xmlns:a16="http://schemas.microsoft.com/office/drawing/2014/main" id="{364572C7-51D7-709D-8C5B-6598ADD5B1A7}"/>
               </a:ext>
             </a:extLst>
           </p:cNvPr>
@@ -3739,18 +3768,13 @@
         </p:nvSpPr>
         <p:spPr>
           <a:xfrm>
-            <a:off x="373224" y="1690687"/>
-            <a:ext cx="10879494" cy="4524315"/>
+            <a:off x="886408" y="2192694"/>
+            <a:ext cx="10692882" cy="2246769"/>
           </a:xfrm>
           <a:prstGeom prst="rect">
             <a:avLst/>
           </a:prstGeom>
           <a:noFill/>
-          <a:ln>
-            <a:solidFill>
-              <a:srgbClr val="002060"/>
-            </a:solidFill>
-          </a:ln>
         </p:spPr>
         <p:txBody>
           <a:bodyPr wrap="square" rtlCol="0">
@@ -3758,1635 +3782,82 @@
           </a:bodyPr>
           <a:lstStyle/>
           <a:p>
-            <a:pPr marL="0" marR="0" lvl="0" indent="0" algn="l" defTabSz="914400" rtl="0" eaLnBrk="1" fontAlgn="auto" latinLnBrk="0" hangingPunct="1">
-              <a:lnSpc>
-                <a:spcPct val="100000"/>
-              </a:lnSpc>
-              <a:spcBef>
-                <a:spcPts val="0"/>
-              </a:spcBef>
-              <a:spcAft>
-                <a:spcPts val="0"/>
-              </a:spcAft>
-              <a:buClrTx/>
-              <a:buSzTx/>
-              <a:buFontTx/>
-              <a:buNone/>
-              <a:tabLst/>
-              <a:defRPr/>
-            </a:pPr>
-            <a:r>
-              <a:rPr kumimoji="0" lang="en-US" sz="2400" b="0" i="0" u="none" strike="noStrike" kern="1200" cap="none" spc="0" normalizeH="0" baseline="0" noProof="0" dirty="0">
-                <a:ln>
-                  <a:noFill/>
-                </a:ln>
-                <a:solidFill>
-                  <a:prstClr val="black"/>
-                </a:solidFill>
-                <a:effectLst/>
-                <a:uLnTx/>
-                <a:uFillTx/>
-                <a:latin typeface="Calibri" panose="020F0502020204030204"/>
-                <a:ea typeface="+mn-ea"/>
-                <a:cs typeface="+mn-cs"/>
-              </a:rPr>
-              <a:t>The currency service is exposed to external clients through an API Gateway on port 8000.</a:t>
-            </a:r>
-          </a:p>
-          <a:p>
-            <a:pPr marL="0" marR="0" lvl="0" indent="0" algn="l" defTabSz="914400" rtl="0" eaLnBrk="1" fontAlgn="auto" latinLnBrk="0" hangingPunct="1">
-              <a:lnSpc>
-                <a:spcPct val="100000"/>
-              </a:lnSpc>
-              <a:spcBef>
-                <a:spcPts val="0"/>
-              </a:spcBef>
-              <a:spcAft>
-                <a:spcPts val="0"/>
-              </a:spcAft>
-              <a:buClrTx/>
-              <a:buSzTx/>
-              <a:buFontTx/>
-              <a:buNone/>
-              <a:tabLst/>
-              <a:defRPr/>
-            </a:pPr>
-            <a:endParaRPr kumimoji="0" lang="en-US" sz="2400" b="0" i="0" u="none" strike="noStrike" kern="1200" cap="none" spc="0" normalizeH="0" baseline="0" noProof="0" dirty="0">
-              <a:ln>
-                <a:noFill/>
-              </a:ln>
-              <a:solidFill>
-                <a:prstClr val="black"/>
-              </a:solidFill>
-              <a:effectLst/>
-              <a:uLnTx/>
-              <a:uFillTx/>
-              <a:latin typeface="Calibri" panose="020F0502020204030204"/>
-              <a:ea typeface="+mn-ea"/>
-              <a:cs typeface="+mn-cs"/>
-            </a:endParaRPr>
-          </a:p>
-          <a:p>
-            <a:pPr marL="0" marR="0" lvl="0" indent="0" algn="l" defTabSz="914400" rtl="0" eaLnBrk="1" fontAlgn="auto" latinLnBrk="0" hangingPunct="1">
-              <a:lnSpc>
-                <a:spcPct val="100000"/>
-              </a:lnSpc>
-              <a:spcBef>
-                <a:spcPts val="0"/>
-              </a:spcBef>
-              <a:spcAft>
-                <a:spcPts val="0"/>
-              </a:spcAft>
-              <a:buClrTx/>
-              <a:buSzTx/>
-              <a:buFontTx/>
-              <a:buNone/>
-              <a:tabLst/>
-              <a:defRPr/>
-            </a:pPr>
-            <a:r>
-              <a:rPr kumimoji="0" lang="en-US" sz="2400" b="0" i="0" u="none" strike="noStrike" kern="1200" cap="none" spc="0" normalizeH="0" baseline="0" noProof="0" dirty="0">
-                <a:ln>
-                  <a:noFill/>
-                </a:ln>
-                <a:solidFill>
-                  <a:prstClr val="black"/>
-                </a:solidFill>
-                <a:effectLst/>
-                <a:uLnTx/>
-                <a:uFillTx/>
-                <a:latin typeface="Calibri" panose="020F0502020204030204"/>
-                <a:ea typeface="+mn-ea"/>
-                <a:cs typeface="+mn-cs"/>
-              </a:rPr>
-              <a:t>When an HTTPS request for </a:t>
-            </a:r>
-            <a:r>
-              <a:rPr kumimoji="0" lang="en-US" sz="2400" b="0" i="0" u="none" strike="noStrike" kern="1200" cap="none" spc="0" normalizeH="0" baseline="0" noProof="0" dirty="0" err="1">
-                <a:ln>
-                  <a:noFill/>
-                </a:ln>
-                <a:solidFill>
-                  <a:prstClr val="black"/>
-                </a:solidFill>
-                <a:effectLst/>
-                <a:uLnTx/>
-                <a:uFillTx/>
-                <a:latin typeface="Calibri" panose="020F0502020204030204"/>
-                <a:ea typeface="+mn-ea"/>
-                <a:cs typeface="+mn-cs"/>
-              </a:rPr>
+            <a:r>
+              <a:rPr lang="en-US" sz="2000" b="1" dirty="0"/>
+              <a:t>The currency service is exposed to external clients through an API Gateway on port 8000. When an HTTPS request for </a:t>
+            </a:r>
+            <a:r>
+              <a:rPr lang="en-US" sz="2000" b="1" dirty="0" err="1"/>
               <a:t>roll_gacha</a:t>
             </a:r>
             <a:r>
-              <a:rPr kumimoji="0" lang="en-US" sz="2400" b="0" i="0" u="none" strike="noStrike" kern="1200" cap="none" spc="0" normalizeH="0" baseline="0" noProof="0" dirty="0">
-                <a:ln>
-                  <a:noFill/>
-                </a:ln>
-                <a:solidFill>
-                  <a:prstClr val="black"/>
-                </a:solidFill>
-                <a:effectLst/>
-                <a:uLnTx/>
-                <a:uFillTx/>
-                <a:latin typeface="Calibri" panose="020F0502020204030204"/>
-                <a:ea typeface="+mn-ea"/>
-                <a:cs typeface="+mn-cs"/>
-              </a:rPr>
+              <a:rPr lang="en-US" sz="2000" b="1" dirty="0"/>
               <a:t> or </a:t>
             </a:r>
             <a:r>
-              <a:rPr kumimoji="0" lang="en-US" sz="2400" b="0" i="0" u="none" strike="noStrike" kern="1200" cap="none" spc="0" normalizeH="0" baseline="0" noProof="0" dirty="0" err="1">
-                <a:ln>
-                  <a:noFill/>
-                </a:ln>
-                <a:solidFill>
-                  <a:prstClr val="black"/>
-                </a:solidFill>
-                <a:effectLst/>
-                <a:uLnTx/>
-                <a:uFillTx/>
-                <a:latin typeface="Calibri" panose="020F0502020204030204"/>
-                <a:ea typeface="+mn-ea"/>
-                <a:cs typeface="+mn-cs"/>
-              </a:rPr>
+              <a:rPr lang="en-US" sz="2000" b="1" dirty="0" err="1"/>
               <a:t>buy_currency</a:t>
             </a:r>
             <a:r>
-              <a:rPr kumimoji="0" lang="en-US" sz="2400" b="0" i="0" u="none" strike="noStrike" kern="1200" cap="none" spc="0" normalizeH="0" baseline="0" noProof="0" dirty="0">
-                <a:ln>
-                  <a:noFill/>
-                </a:ln>
-                <a:solidFill>
-                  <a:prstClr val="black"/>
-                </a:solidFill>
-                <a:effectLst/>
-                <a:uLnTx/>
-                <a:uFillTx/>
-                <a:latin typeface="Calibri" panose="020F0502020204030204"/>
-                <a:ea typeface="+mn-ea"/>
-                <a:cs typeface="+mn-cs"/>
-              </a:rPr>
+              <a:rPr lang="en-US" sz="2000" b="1" dirty="0"/>
               <a:t> is received, the API Gateway forwards the request to the </a:t>
             </a:r>
             <a:r>
-              <a:rPr kumimoji="0" lang="en-US" sz="2400" b="0" i="0" u="none" strike="noStrike" kern="1200" cap="none" spc="0" normalizeH="0" baseline="0" noProof="0" dirty="0" err="1">
-                <a:ln>
-                  <a:noFill/>
-                </a:ln>
-                <a:solidFill>
-                  <a:prstClr val="black"/>
-                </a:solidFill>
-                <a:effectLst/>
-                <a:uLnTx/>
-                <a:uFillTx/>
-                <a:latin typeface="Calibri" panose="020F0502020204030204"/>
-                <a:ea typeface="+mn-ea"/>
-                <a:cs typeface="+mn-cs"/>
-              </a:rPr>
+              <a:rPr lang="en-US" sz="2000" b="1" dirty="0" err="1"/>
               <a:t>currency_service</a:t>
             </a:r>
             <a:r>
-              <a:rPr kumimoji="0" lang="en-US" sz="2400" b="0" i="0" u="none" strike="noStrike" kern="1200" cap="none" spc="0" normalizeH="0" baseline="0" noProof="0" dirty="0">
-                <a:ln>
-                  <a:noFill/>
-                </a:ln>
-                <a:solidFill>
-                  <a:prstClr val="black"/>
-                </a:solidFill>
-                <a:effectLst/>
-                <a:uLnTx/>
-                <a:uFillTx/>
-                <a:latin typeface="Calibri" panose="020F0502020204030204"/>
-                <a:ea typeface="+mn-ea"/>
-                <a:cs typeface="+mn-cs"/>
-              </a:rPr>
+              <a:rPr lang="en-US" sz="2000" b="1" dirty="0"/>
               <a:t> via HTTPS on port 8004. The </a:t>
             </a:r>
             <a:r>
-              <a:rPr kumimoji="0" lang="en-US" sz="2400" b="0" i="0" u="none" strike="noStrike" kern="1200" cap="none" spc="0" normalizeH="0" baseline="0" noProof="0" dirty="0" err="1">
-                <a:ln>
-                  <a:noFill/>
-                </a:ln>
-                <a:solidFill>
-                  <a:prstClr val="black"/>
-                </a:solidFill>
-                <a:effectLst/>
-                <a:uLnTx/>
-                <a:uFillTx/>
-                <a:latin typeface="Calibri" panose="020F0502020204030204"/>
-                <a:ea typeface="+mn-ea"/>
-                <a:cs typeface="+mn-cs"/>
-              </a:rPr>
+              <a:rPr lang="en-US" sz="2000" b="1" dirty="0" err="1"/>
               <a:t>currency_service</a:t>
             </a:r>
             <a:r>
-              <a:rPr kumimoji="0" lang="en-US" sz="2400" b="0" i="0" u="none" strike="noStrike" kern="1200" cap="none" spc="0" normalizeH="0" baseline="0" noProof="0" dirty="0">
-                <a:ln>
-                  <a:noFill/>
-                </a:ln>
-                <a:solidFill>
-                  <a:prstClr val="black"/>
-                </a:solidFill>
-                <a:effectLst/>
-                <a:uLnTx/>
-                <a:uFillTx/>
-                <a:latin typeface="Calibri" panose="020F0502020204030204"/>
-                <a:ea typeface="+mn-ea"/>
-                <a:cs typeface="+mn-cs"/>
-              </a:rPr>
-              <a:t> is responsible for implementing the business logic associated with these requests. </a:t>
-            </a:r>
-          </a:p>
-          <a:p>
-            <a:pPr marL="0" marR="0" lvl="0" indent="0" algn="l" defTabSz="914400" rtl="0" eaLnBrk="1" fontAlgn="auto" latinLnBrk="0" hangingPunct="1">
-              <a:lnSpc>
-                <a:spcPct val="100000"/>
-              </a:lnSpc>
-              <a:spcBef>
-                <a:spcPts val="0"/>
-              </a:spcBef>
-              <a:spcAft>
-                <a:spcPts val="0"/>
-              </a:spcAft>
-              <a:buClrTx/>
-              <a:buSzTx/>
-              <a:buFontTx/>
-              <a:buNone/>
-              <a:tabLst/>
-              <a:defRPr/>
-            </a:pPr>
-            <a:endParaRPr kumimoji="0" lang="en-US" sz="2400" b="0" i="0" u="none" strike="noStrike" kern="1200" cap="none" spc="0" normalizeH="0" baseline="0" noProof="0" dirty="0">
-              <a:ln>
-                <a:noFill/>
-              </a:ln>
-              <a:solidFill>
-                <a:prstClr val="black"/>
-              </a:solidFill>
-              <a:effectLst/>
-              <a:uLnTx/>
-              <a:uFillTx/>
-              <a:latin typeface="Calibri" panose="020F0502020204030204"/>
-              <a:ea typeface="+mn-ea"/>
-              <a:cs typeface="+mn-cs"/>
-            </a:endParaRPr>
-          </a:p>
-          <a:p>
-            <a:pPr marL="0" marR="0" lvl="0" indent="0" algn="l" defTabSz="914400" rtl="0" eaLnBrk="1" fontAlgn="auto" latinLnBrk="0" hangingPunct="1">
-              <a:lnSpc>
-                <a:spcPct val="100000"/>
-              </a:lnSpc>
-              <a:spcBef>
-                <a:spcPts val="0"/>
-              </a:spcBef>
-              <a:spcAft>
-                <a:spcPts val="0"/>
-              </a:spcAft>
-              <a:buClrTx/>
-              <a:buSzTx/>
-              <a:buFontTx/>
-              <a:buNone/>
-              <a:tabLst/>
-              <a:defRPr/>
-            </a:pPr>
-            <a:r>
-              <a:rPr kumimoji="0" lang="en-US" sz="2400" b="0" i="0" u="none" strike="noStrike" kern="1200" cap="none" spc="0" normalizeH="0" baseline="0" noProof="0" dirty="0">
-                <a:ln>
-                  <a:noFill/>
-                </a:ln>
-                <a:solidFill>
-                  <a:prstClr val="black"/>
-                </a:solidFill>
-                <a:effectLst/>
-                <a:uLnTx/>
-                <a:uFillTx/>
-                <a:latin typeface="Calibri" panose="020F0502020204030204"/>
-                <a:ea typeface="+mn-ea"/>
-                <a:cs typeface="+mn-cs"/>
-              </a:rPr>
-              <a:t>To interface with the database, the </a:t>
-            </a:r>
-            <a:r>
-              <a:rPr kumimoji="0" lang="en-US" sz="2400" b="0" i="0" u="none" strike="noStrike" kern="1200" cap="none" spc="0" normalizeH="0" baseline="0" noProof="0" dirty="0" err="1">
-                <a:ln>
-                  <a:noFill/>
-                </a:ln>
-                <a:solidFill>
-                  <a:prstClr val="black"/>
-                </a:solidFill>
-                <a:effectLst/>
-                <a:uLnTx/>
-                <a:uFillTx/>
-                <a:latin typeface="Calibri" panose="020F0502020204030204"/>
-                <a:ea typeface="+mn-ea"/>
-                <a:cs typeface="+mn-cs"/>
-              </a:rPr>
+              <a:rPr lang="en-US" sz="2000" b="1" dirty="0"/>
+              <a:t> is responsible for implementing the business logic associated with these requests. To interface with the database, the </a:t>
+            </a:r>
+            <a:r>
+              <a:rPr lang="en-US" sz="2000" b="1" dirty="0" err="1"/>
               <a:t>currency_service</a:t>
             </a:r>
             <a:r>
-              <a:rPr kumimoji="0" lang="en-US" sz="2400" b="0" i="0" u="none" strike="noStrike" kern="1200" cap="none" spc="0" normalizeH="0" baseline="0" noProof="0" dirty="0">
-                <a:ln>
-                  <a:noFill/>
-                </a:ln>
-                <a:solidFill>
-                  <a:prstClr val="black"/>
-                </a:solidFill>
-                <a:effectLst/>
-                <a:uLnTx/>
-                <a:uFillTx/>
-                <a:latin typeface="Calibri" panose="020F0502020204030204"/>
-                <a:ea typeface="+mn-ea"/>
-                <a:cs typeface="+mn-cs"/>
-              </a:rPr>
+              <a:rPr lang="en-US" sz="2000" b="1" dirty="0"/>
               <a:t> sends an HTTPS request to the </a:t>
             </a:r>
             <a:r>
-              <a:rPr kumimoji="0" lang="en-US" sz="2400" b="0" i="0" u="none" strike="noStrike" kern="1200" cap="none" spc="0" normalizeH="0" baseline="0" noProof="0" dirty="0" err="1">
-                <a:ln>
-                  <a:noFill/>
-                </a:ln>
-                <a:solidFill>
-                  <a:prstClr val="black"/>
-                </a:solidFill>
-                <a:effectLst/>
-                <a:uLnTx/>
-                <a:uFillTx/>
-                <a:latin typeface="Calibri" panose="020F0502020204030204"/>
-                <a:ea typeface="+mn-ea"/>
-                <a:cs typeface="+mn-cs"/>
-              </a:rPr>
+              <a:rPr lang="en-US" sz="2000" b="1" dirty="0" err="1"/>
               <a:t>db_manager</a:t>
             </a:r>
             <a:r>
-              <a:rPr kumimoji="0" lang="en-US" sz="2400" b="0" i="0" u="none" strike="noStrike" kern="1200" cap="none" spc="0" normalizeH="0" baseline="0" noProof="0" dirty="0">
-                <a:ln>
-                  <a:noFill/>
-                </a:ln>
-                <a:solidFill>
-                  <a:prstClr val="black"/>
-                </a:solidFill>
-                <a:effectLst/>
-                <a:uLnTx/>
-                <a:uFillTx/>
-                <a:latin typeface="Calibri" panose="020F0502020204030204"/>
-                <a:ea typeface="+mn-ea"/>
-                <a:cs typeface="+mn-cs"/>
-              </a:rPr>
+              <a:rPr lang="en-US" sz="2000" b="1" dirty="0"/>
               <a:t>, which listens on port 8005. The </a:t>
             </a:r>
             <a:r>
-              <a:rPr kumimoji="0" lang="en-US" sz="2400" b="0" i="0" u="none" strike="noStrike" kern="1200" cap="none" spc="0" normalizeH="0" baseline="0" noProof="0" dirty="0" err="1">
-                <a:ln>
-                  <a:noFill/>
-                </a:ln>
-                <a:solidFill>
-                  <a:prstClr val="black"/>
-                </a:solidFill>
-                <a:effectLst/>
-                <a:uLnTx/>
-                <a:uFillTx/>
-                <a:latin typeface="Calibri" panose="020F0502020204030204"/>
-                <a:ea typeface="+mn-ea"/>
-                <a:cs typeface="+mn-cs"/>
-              </a:rPr>
+              <a:rPr lang="en-US" sz="2000" b="1" dirty="0" err="1"/>
               <a:t>db_manager</a:t>
             </a:r>
             <a:r>
-              <a:rPr kumimoji="0" lang="en-US" sz="2400" b="0" i="0" u="none" strike="noStrike" kern="1200" cap="none" spc="0" normalizeH="0" baseline="0" noProof="0" dirty="0">
-                <a:ln>
-                  <a:noFill/>
-                </a:ln>
-                <a:solidFill>
-                  <a:prstClr val="black"/>
-                </a:solidFill>
-                <a:effectLst/>
-                <a:uLnTx/>
-                <a:uFillTx/>
-                <a:latin typeface="Calibri" panose="020F0502020204030204"/>
-                <a:ea typeface="+mn-ea"/>
-                <a:cs typeface="+mn-cs"/>
-              </a:rPr>
+              <a:rPr lang="en-US" sz="2000" b="1" dirty="0"/>
               <a:t> exposes APIs that handle database queries, enabling the </a:t>
             </a:r>
             <a:r>
-              <a:rPr kumimoji="0" lang="en-US" sz="2400" b="0" i="0" u="none" strike="noStrike" kern="1200" cap="none" spc="0" normalizeH="0" baseline="0" noProof="0" dirty="0" err="1">
-                <a:ln>
-                  <a:noFill/>
-                </a:ln>
-                <a:solidFill>
-                  <a:prstClr val="black"/>
-                </a:solidFill>
-                <a:effectLst/>
-                <a:uLnTx/>
-                <a:uFillTx/>
-                <a:latin typeface="Calibri" panose="020F0502020204030204"/>
-                <a:ea typeface="+mn-ea"/>
-                <a:cs typeface="+mn-cs"/>
-              </a:rPr>
+              <a:rPr lang="en-US" sz="2000" b="1" dirty="0" err="1"/>
               <a:t>currency_service</a:t>
             </a:r>
             <a:r>
-              <a:rPr kumimoji="0" lang="en-US" sz="2400" b="0" i="0" u="none" strike="noStrike" kern="1200" cap="none" spc="0" normalizeH="0" baseline="0" noProof="0" dirty="0">
-                <a:ln>
-                  <a:noFill/>
-                </a:ln>
-                <a:solidFill>
-                  <a:prstClr val="black"/>
-                </a:solidFill>
-                <a:effectLst/>
-                <a:uLnTx/>
-                <a:uFillTx/>
-                <a:latin typeface="Calibri" panose="020F0502020204030204"/>
-                <a:ea typeface="+mn-ea"/>
-                <a:cs typeface="+mn-cs"/>
-              </a:rPr>
+              <a:rPr lang="en-US" sz="2000" b="1" dirty="0"/>
               <a:t> to retrieve or update data as required.</a:t>
             </a:r>
+            <a:endParaRPr lang="it-IT" sz="2000" b="1" dirty="0"/>
           </a:p>
         </p:txBody>
       </p:sp>
     </p:spTree>
     <p:extLst>
       <p:ext uri="{BB962C8B-B14F-4D97-AF65-F5344CB8AC3E}">
-        <p14:creationId xmlns:p14="http://schemas.microsoft.com/office/powerpoint/2010/main" val="3516781793"/>
-      </p:ext>
-    </p:extLst>
-  </p:cSld>
-  <p:clrMapOvr>
-    <a:masterClrMapping/>
-  </p:clrMapOvr>
-</p:sld>
-</file>
-
-<file path=ppt/slides/slide12.xml><?xml version="1.0" encoding="utf-8"?>
-<p:sld xmlns:a="http://schemas.openxmlformats.org/drawingml/2006/main" xmlns:r="http://schemas.openxmlformats.org/officeDocument/2006/relationships" xmlns:p="http://schemas.openxmlformats.org/presentationml/2006/main">
-  <p:cSld>
-    <p:spTree>
-      <p:nvGrpSpPr>
-        <p:cNvPr id="1" name="">
-          <a:extLst>
-            <a:ext uri="{FF2B5EF4-FFF2-40B4-BE49-F238E27FC236}">
-              <a16:creationId xmlns:a16="http://schemas.microsoft.com/office/drawing/2014/main" id="{42351869-5381-2447-2D98-6E3E17CE9CBB}"/>
-            </a:ext>
-          </a:extLst>
-        </p:cNvPr>
-        <p:cNvGrpSpPr/>
-        <p:nvPr/>
-      </p:nvGrpSpPr>
-      <p:grpSpPr>
-        <a:xfrm>
-          <a:off x="0" y="0"/>
-          <a:ext cx="0" cy="0"/>
-          <a:chOff x="0" y="0"/>
-          <a:chExt cx="0" cy="0"/>
-        </a:xfrm>
-      </p:grpSpPr>
-      <p:sp>
-        <p:nvSpPr>
-          <p:cNvPr id="3" name="Titolo 1">
-            <a:extLst>
-              <a:ext uri="{FF2B5EF4-FFF2-40B4-BE49-F238E27FC236}">
-                <a16:creationId xmlns:a16="http://schemas.microsoft.com/office/drawing/2014/main" id="{BD54B1B5-F335-8ACC-EEF8-DE5AE274EEAA}"/>
-              </a:ext>
-            </a:extLst>
-          </p:cNvPr>
-          <p:cNvSpPr>
-            <a:spLocks noGrp="1"/>
-          </p:cNvSpPr>
-          <p:nvPr>
-            <p:ph type="title"/>
-          </p:nvPr>
-        </p:nvSpPr>
-        <p:spPr>
-          <a:xfrm>
-            <a:off x="838200" y="365125"/>
-            <a:ext cx="10515600" cy="1325563"/>
-          </a:xfrm>
-        </p:spPr>
-        <p:txBody>
-          <a:bodyPr/>
-          <a:lstStyle/>
-          <a:p>
-            <a:r>
-              <a:rPr lang="it-IT" dirty="0">
-                <a:latin typeface="Cooper Black" panose="0208090404030B020404" pitchFamily="18" charset="0"/>
-              </a:rPr>
-              <a:t>The </a:t>
-            </a:r>
-            <a:r>
-              <a:rPr lang="it-IT" dirty="0" err="1">
-                <a:latin typeface="Cooper Black" panose="0208090404030B020404" pitchFamily="18" charset="0"/>
-              </a:rPr>
-              <a:t>currency</a:t>
-            </a:r>
-            <a:r>
-              <a:rPr lang="it-IT" dirty="0">
-                <a:latin typeface="Cooper Black" panose="0208090404030B020404" pitchFamily="18" charset="0"/>
-              </a:rPr>
-              <a:t> service </a:t>
-            </a:r>
-            <a:r>
-              <a:rPr lang="it-IT" dirty="0" err="1">
-                <a:latin typeface="Cooper Black" panose="0208090404030B020404" pitchFamily="18" charset="0"/>
-              </a:rPr>
-              <a:t>datapath</a:t>
-            </a:r>
-            <a:endParaRPr lang="it-IT" dirty="0">
-              <a:latin typeface="Cooper Black" panose="0208090404030B020404" pitchFamily="18" charset="0"/>
-            </a:endParaRPr>
-          </a:p>
-        </p:txBody>
-      </p:sp>
-      <p:sp>
-        <p:nvSpPr>
-          <p:cNvPr id="6" name="CasellaDiTesto 5">
-            <a:extLst>
-              <a:ext uri="{FF2B5EF4-FFF2-40B4-BE49-F238E27FC236}">
-                <a16:creationId xmlns:a16="http://schemas.microsoft.com/office/drawing/2014/main" id="{854EE167-1917-09D5-E84F-C0F77B7AC06C}"/>
-              </a:ext>
-            </a:extLst>
-          </p:cNvPr>
-          <p:cNvSpPr txBox="1"/>
-          <p:nvPr/>
-        </p:nvSpPr>
-        <p:spPr>
-          <a:xfrm>
-            <a:off x="373224" y="1690687"/>
-            <a:ext cx="10879494" cy="4154984"/>
-          </a:xfrm>
-          <a:prstGeom prst="rect">
-            <a:avLst/>
-          </a:prstGeom>
-          <a:noFill/>
-          <a:ln>
-            <a:solidFill>
-              <a:srgbClr val="002060"/>
-            </a:solidFill>
-          </a:ln>
-        </p:spPr>
-        <p:txBody>
-          <a:bodyPr wrap="square" rtlCol="0">
-            <a:spAutoFit/>
-          </a:bodyPr>
-          <a:lstStyle/>
-          <a:p>
-            <a:pPr marL="0" marR="0" lvl="0" indent="0" algn="l" defTabSz="914400" rtl="0" eaLnBrk="1" fontAlgn="auto" latinLnBrk="0" hangingPunct="1">
-              <a:lnSpc>
-                <a:spcPct val="100000"/>
-              </a:lnSpc>
-              <a:spcBef>
-                <a:spcPts val="0"/>
-              </a:spcBef>
-              <a:spcAft>
-                <a:spcPts val="0"/>
-              </a:spcAft>
-              <a:buClrTx/>
-              <a:buSzTx/>
-              <a:buFontTx/>
-              <a:buNone/>
-              <a:tabLst/>
-              <a:defRPr/>
-            </a:pPr>
-            <a:r>
-              <a:rPr kumimoji="0" lang="en-US" sz="2400" b="0" i="0" u="none" strike="noStrike" kern="1200" cap="none" spc="0" normalizeH="0" baseline="0" noProof="0" dirty="0">
-                <a:ln>
-                  <a:noFill/>
-                </a:ln>
-                <a:solidFill>
-                  <a:prstClr val="black"/>
-                </a:solidFill>
-                <a:effectLst/>
-                <a:uLnTx/>
-                <a:uFillTx/>
-                <a:latin typeface="Calibri" panose="020F0502020204030204"/>
-                <a:ea typeface="+mn-ea"/>
-                <a:cs typeface="+mn-cs"/>
-              </a:rPr>
-              <a:t>The </a:t>
-            </a:r>
-            <a:r>
-              <a:rPr kumimoji="0" lang="en-US" sz="2400" b="0" i="0" u="none" strike="noStrike" kern="1200" cap="none" spc="0" normalizeH="0" baseline="0" noProof="0" dirty="0" err="1">
-                <a:ln>
-                  <a:noFill/>
-                </a:ln>
-                <a:solidFill>
-                  <a:prstClr val="black"/>
-                </a:solidFill>
-                <a:effectLst/>
-                <a:uLnTx/>
-                <a:uFillTx/>
-                <a:latin typeface="Calibri" panose="020F0502020204030204"/>
-                <a:ea typeface="+mn-ea"/>
-                <a:cs typeface="+mn-cs"/>
-              </a:rPr>
-              <a:t>gacha</a:t>
-            </a:r>
-            <a:r>
-              <a:rPr kumimoji="0" lang="en-US" sz="2400" b="0" i="0" u="none" strike="noStrike" kern="1200" cap="none" spc="0" normalizeH="0" baseline="0" noProof="0" dirty="0">
-                <a:ln>
-                  <a:noFill/>
-                </a:ln>
-                <a:solidFill>
-                  <a:prstClr val="black"/>
-                </a:solidFill>
-                <a:effectLst/>
-                <a:uLnTx/>
-                <a:uFillTx/>
-                <a:latin typeface="Calibri" panose="020F0502020204030204"/>
-                <a:ea typeface="+mn-ea"/>
-                <a:cs typeface="+mn-cs"/>
-              </a:rPr>
-              <a:t>-related services are exposed externally to clients on port 8000 via an API gateway. When an HTTPS request is received for a service related to CRUD operations for </a:t>
-            </a:r>
-            <a:r>
-              <a:rPr kumimoji="0" lang="en-US" sz="2400" b="0" i="0" u="none" strike="noStrike" kern="1200" cap="none" spc="0" normalizeH="0" baseline="0" noProof="0" dirty="0" err="1">
-                <a:ln>
-                  <a:noFill/>
-                </a:ln>
-                <a:solidFill>
-                  <a:prstClr val="black"/>
-                </a:solidFill>
-                <a:effectLst/>
-                <a:uLnTx/>
-                <a:uFillTx/>
-                <a:latin typeface="Calibri" panose="020F0502020204030204"/>
-                <a:ea typeface="+mn-ea"/>
-                <a:cs typeface="+mn-cs"/>
-              </a:rPr>
-              <a:t>gacha</a:t>
-            </a:r>
-            <a:r>
-              <a:rPr kumimoji="0" lang="en-US" sz="2400" b="0" i="0" u="none" strike="noStrike" kern="1200" cap="none" spc="0" normalizeH="0" baseline="0" noProof="0" dirty="0">
-                <a:ln>
-                  <a:noFill/>
-                </a:ln>
-                <a:solidFill>
-                  <a:prstClr val="black"/>
-                </a:solidFill>
-                <a:effectLst/>
-                <a:uLnTx/>
-                <a:uFillTx/>
-                <a:latin typeface="Calibri" panose="020F0502020204030204"/>
-                <a:ea typeface="+mn-ea"/>
-                <a:cs typeface="+mn-cs"/>
-              </a:rPr>
-              <a:t>, the API gateway forwards the HTTPS request to the </a:t>
-            </a:r>
-            <a:r>
-              <a:rPr kumimoji="0" lang="en-US" sz="2400" b="0" i="0" u="none" strike="noStrike" kern="1200" cap="none" spc="0" normalizeH="0" baseline="0" noProof="0" dirty="0" err="1">
-                <a:ln>
-                  <a:noFill/>
-                </a:ln>
-                <a:solidFill>
-                  <a:prstClr val="black"/>
-                </a:solidFill>
-                <a:effectLst/>
-                <a:uLnTx/>
-                <a:uFillTx/>
-                <a:latin typeface="Calibri" panose="020F0502020204030204"/>
-                <a:ea typeface="+mn-ea"/>
-                <a:cs typeface="+mn-cs"/>
-              </a:rPr>
-              <a:t>gachaservice</a:t>
-            </a:r>
-            <a:r>
-              <a:rPr kumimoji="0" lang="en-US" sz="2400" b="0" i="0" u="none" strike="noStrike" kern="1200" cap="none" spc="0" normalizeH="0" baseline="0" noProof="0" dirty="0">
-                <a:ln>
-                  <a:noFill/>
-                </a:ln>
-                <a:solidFill>
-                  <a:prstClr val="black"/>
-                </a:solidFill>
-                <a:effectLst/>
-                <a:uLnTx/>
-                <a:uFillTx/>
-                <a:latin typeface="Calibri" panose="020F0502020204030204"/>
-                <a:ea typeface="+mn-ea"/>
-                <a:cs typeface="+mn-cs"/>
-              </a:rPr>
-              <a:t> on port 8002.</a:t>
-            </a:r>
-          </a:p>
-          <a:p>
-            <a:pPr marL="0" marR="0" lvl="0" indent="0" algn="l" defTabSz="914400" rtl="0" eaLnBrk="1" fontAlgn="auto" latinLnBrk="0" hangingPunct="1">
-              <a:lnSpc>
-                <a:spcPct val="100000"/>
-              </a:lnSpc>
-              <a:spcBef>
-                <a:spcPts val="0"/>
-              </a:spcBef>
-              <a:spcAft>
-                <a:spcPts val="0"/>
-              </a:spcAft>
-              <a:buClrTx/>
-              <a:buSzTx/>
-              <a:buFontTx/>
-              <a:buNone/>
-              <a:tabLst/>
-              <a:defRPr/>
-            </a:pPr>
-            <a:endParaRPr kumimoji="0" lang="en-US" sz="2400" b="0" i="0" u="none" strike="noStrike" kern="1200" cap="none" spc="0" normalizeH="0" baseline="0" noProof="0" dirty="0">
-              <a:ln>
-                <a:noFill/>
-              </a:ln>
-              <a:solidFill>
-                <a:prstClr val="black"/>
-              </a:solidFill>
-              <a:effectLst/>
-              <a:uLnTx/>
-              <a:uFillTx/>
-              <a:latin typeface="Calibri" panose="020F0502020204030204"/>
-              <a:ea typeface="+mn-ea"/>
-              <a:cs typeface="+mn-cs"/>
-            </a:endParaRPr>
-          </a:p>
-          <a:p>
-            <a:pPr marL="0" marR="0" lvl="0" indent="0" algn="l" defTabSz="914400" rtl="0" eaLnBrk="1" fontAlgn="auto" latinLnBrk="0" hangingPunct="1">
-              <a:lnSpc>
-                <a:spcPct val="100000"/>
-              </a:lnSpc>
-              <a:spcBef>
-                <a:spcPts val="0"/>
-              </a:spcBef>
-              <a:spcAft>
-                <a:spcPts val="0"/>
-              </a:spcAft>
-              <a:buClrTx/>
-              <a:buSzTx/>
-              <a:buFontTx/>
-              <a:buNone/>
-              <a:tabLst/>
-              <a:defRPr/>
-            </a:pPr>
-            <a:r>
-              <a:rPr kumimoji="0" lang="en-US" sz="2400" b="0" i="0" u="none" strike="noStrike" kern="1200" cap="none" spc="0" normalizeH="0" baseline="0" noProof="0" dirty="0">
-                <a:ln>
-                  <a:noFill/>
-                </a:ln>
-                <a:solidFill>
-                  <a:prstClr val="black"/>
-                </a:solidFill>
-                <a:effectLst/>
-                <a:uLnTx/>
-                <a:uFillTx/>
-                <a:latin typeface="Calibri" panose="020F0502020204030204"/>
-                <a:ea typeface="+mn-ea"/>
-                <a:cs typeface="+mn-cs"/>
-              </a:rPr>
-              <a:t>The </a:t>
-            </a:r>
-            <a:r>
-              <a:rPr kumimoji="0" lang="en-US" sz="2400" b="0" i="0" u="none" strike="noStrike" kern="1200" cap="none" spc="0" normalizeH="0" baseline="0" noProof="0" dirty="0" err="1">
-                <a:ln>
-                  <a:noFill/>
-                </a:ln>
-                <a:solidFill>
-                  <a:prstClr val="black"/>
-                </a:solidFill>
-                <a:effectLst/>
-                <a:uLnTx/>
-                <a:uFillTx/>
-                <a:latin typeface="Calibri" panose="020F0502020204030204"/>
-                <a:ea typeface="+mn-ea"/>
-                <a:cs typeface="+mn-cs"/>
-              </a:rPr>
-              <a:t>gachaservice</a:t>
-            </a:r>
-            <a:r>
-              <a:rPr kumimoji="0" lang="en-US" sz="2400" b="0" i="0" u="none" strike="noStrike" kern="1200" cap="none" spc="0" normalizeH="0" baseline="0" noProof="0" dirty="0">
-                <a:ln>
-                  <a:noFill/>
-                </a:ln>
-                <a:solidFill>
-                  <a:prstClr val="black"/>
-                </a:solidFill>
-                <a:effectLst/>
-                <a:uLnTx/>
-                <a:uFillTx/>
-                <a:latin typeface="Calibri" panose="020F0502020204030204"/>
-                <a:ea typeface="+mn-ea"/>
-                <a:cs typeface="+mn-cs"/>
-              </a:rPr>
-              <a:t> itself exposes APIs on port 8002 to add, modify, delete, and view a single </a:t>
-            </a:r>
-            <a:r>
-              <a:rPr kumimoji="0" lang="en-US" sz="2400" b="0" i="0" u="none" strike="noStrike" kern="1200" cap="none" spc="0" normalizeH="0" baseline="0" noProof="0" dirty="0" err="1">
-                <a:ln>
-                  <a:noFill/>
-                </a:ln>
-                <a:solidFill>
-                  <a:prstClr val="black"/>
-                </a:solidFill>
-                <a:effectLst/>
-                <a:uLnTx/>
-                <a:uFillTx/>
-                <a:latin typeface="Calibri" panose="020F0502020204030204"/>
-                <a:ea typeface="+mn-ea"/>
-                <a:cs typeface="+mn-cs"/>
-              </a:rPr>
-              <a:t>gacha</a:t>
-            </a:r>
-            <a:r>
-              <a:rPr kumimoji="0" lang="en-US" sz="2400" b="0" i="0" u="none" strike="noStrike" kern="1200" cap="none" spc="0" normalizeH="0" baseline="0" noProof="0" dirty="0">
-                <a:ln>
-                  <a:noFill/>
-                </a:ln>
-                <a:solidFill>
-                  <a:prstClr val="black"/>
-                </a:solidFill>
-                <a:effectLst/>
-                <a:uLnTx/>
-                <a:uFillTx/>
-                <a:latin typeface="Calibri" panose="020F0502020204030204"/>
-                <a:ea typeface="+mn-ea"/>
-                <a:cs typeface="+mn-cs"/>
-              </a:rPr>
-              <a:t> or the entire collection of </a:t>
-            </a:r>
-            <a:r>
-              <a:rPr kumimoji="0" lang="en-US" sz="2400" b="0" i="0" u="none" strike="noStrike" kern="1200" cap="none" spc="0" normalizeH="0" baseline="0" noProof="0" dirty="0" err="1">
-                <a:ln>
-                  <a:noFill/>
-                </a:ln>
-                <a:solidFill>
-                  <a:prstClr val="black"/>
-                </a:solidFill>
-                <a:effectLst/>
-                <a:uLnTx/>
-                <a:uFillTx/>
-                <a:latin typeface="Calibri" panose="020F0502020204030204"/>
-                <a:ea typeface="+mn-ea"/>
-                <a:cs typeface="+mn-cs"/>
-              </a:rPr>
-              <a:t>gachas</a:t>
-            </a:r>
-            <a:r>
-              <a:rPr kumimoji="0" lang="en-US" sz="2400" b="0" i="0" u="none" strike="noStrike" kern="1200" cap="none" spc="0" normalizeH="0" baseline="0" noProof="0" dirty="0">
-                <a:ln>
-                  <a:noFill/>
-                </a:ln>
-                <a:solidFill>
-                  <a:prstClr val="black"/>
-                </a:solidFill>
-                <a:effectLst/>
-                <a:uLnTx/>
-                <a:uFillTx/>
-                <a:latin typeface="Calibri" panose="020F0502020204030204"/>
-                <a:ea typeface="+mn-ea"/>
-                <a:cs typeface="+mn-cs"/>
-              </a:rPr>
-              <a:t>. </a:t>
-            </a:r>
-          </a:p>
-          <a:p>
-            <a:pPr marL="0" marR="0" lvl="0" indent="0" algn="l" defTabSz="914400" rtl="0" eaLnBrk="1" fontAlgn="auto" latinLnBrk="0" hangingPunct="1">
-              <a:lnSpc>
-                <a:spcPct val="100000"/>
-              </a:lnSpc>
-              <a:spcBef>
-                <a:spcPts val="0"/>
-              </a:spcBef>
-              <a:spcAft>
-                <a:spcPts val="0"/>
-              </a:spcAft>
-              <a:buClrTx/>
-              <a:buSzTx/>
-              <a:buFontTx/>
-              <a:buNone/>
-              <a:tabLst/>
-              <a:defRPr/>
-            </a:pPr>
-            <a:endParaRPr kumimoji="0" lang="en-US" sz="2400" b="0" i="0" u="none" strike="noStrike" kern="1200" cap="none" spc="0" normalizeH="0" baseline="0" noProof="0" dirty="0">
-              <a:ln>
-                <a:noFill/>
-              </a:ln>
-              <a:solidFill>
-                <a:prstClr val="black"/>
-              </a:solidFill>
-              <a:effectLst/>
-              <a:uLnTx/>
-              <a:uFillTx/>
-              <a:latin typeface="Calibri" panose="020F0502020204030204"/>
-              <a:ea typeface="+mn-ea"/>
-              <a:cs typeface="+mn-cs"/>
-            </a:endParaRPr>
-          </a:p>
-          <a:p>
-            <a:pPr marL="0" marR="0" lvl="0" indent="0" algn="l" defTabSz="914400" rtl="0" eaLnBrk="1" fontAlgn="auto" latinLnBrk="0" hangingPunct="1">
-              <a:lnSpc>
-                <a:spcPct val="100000"/>
-              </a:lnSpc>
-              <a:spcBef>
-                <a:spcPts val="0"/>
-              </a:spcBef>
-              <a:spcAft>
-                <a:spcPts val="0"/>
-              </a:spcAft>
-              <a:buClrTx/>
-              <a:buSzTx/>
-              <a:buFontTx/>
-              <a:buNone/>
-              <a:tabLst/>
-              <a:defRPr/>
-            </a:pPr>
-            <a:r>
-              <a:rPr kumimoji="0" lang="en-US" sz="2400" b="0" i="0" u="none" strike="noStrike" kern="1200" cap="none" spc="0" normalizeH="0" baseline="0" noProof="0" dirty="0">
-                <a:ln>
-                  <a:noFill/>
-                </a:ln>
-                <a:solidFill>
-                  <a:prstClr val="black"/>
-                </a:solidFill>
-                <a:effectLst/>
-                <a:uLnTx/>
-                <a:uFillTx/>
-                <a:latin typeface="Calibri" panose="020F0502020204030204"/>
-                <a:ea typeface="+mn-ea"/>
-                <a:cs typeface="+mn-cs"/>
-              </a:rPr>
-              <a:t>To interface with the database, the </a:t>
-            </a:r>
-            <a:r>
-              <a:rPr kumimoji="0" lang="en-US" sz="2400" b="0" i="0" u="none" strike="noStrike" kern="1200" cap="none" spc="0" normalizeH="0" baseline="0" noProof="0" dirty="0" err="1">
-                <a:ln>
-                  <a:noFill/>
-                </a:ln>
-                <a:solidFill>
-                  <a:prstClr val="black"/>
-                </a:solidFill>
-                <a:effectLst/>
-                <a:uLnTx/>
-                <a:uFillTx/>
-                <a:latin typeface="Calibri" panose="020F0502020204030204"/>
-                <a:ea typeface="+mn-ea"/>
-                <a:cs typeface="+mn-cs"/>
-              </a:rPr>
-              <a:t>gachaservice</a:t>
-            </a:r>
-            <a:r>
-              <a:rPr kumimoji="0" lang="en-US" sz="2400" b="0" i="0" u="none" strike="noStrike" kern="1200" cap="none" spc="0" normalizeH="0" baseline="0" noProof="0" dirty="0">
-                <a:ln>
-                  <a:noFill/>
-                </a:ln>
-                <a:solidFill>
-                  <a:prstClr val="black"/>
-                </a:solidFill>
-                <a:effectLst/>
-                <a:uLnTx/>
-                <a:uFillTx/>
-                <a:latin typeface="Calibri" panose="020F0502020204030204"/>
-                <a:ea typeface="+mn-ea"/>
-                <a:cs typeface="+mn-cs"/>
-              </a:rPr>
-              <a:t> sends an HTTPS request to the </a:t>
-            </a:r>
-            <a:r>
-              <a:rPr kumimoji="0" lang="en-US" sz="2400" b="0" i="0" u="none" strike="noStrike" kern="1200" cap="none" spc="0" normalizeH="0" baseline="0" noProof="0" dirty="0" err="1">
-                <a:ln>
-                  <a:noFill/>
-                </a:ln>
-                <a:solidFill>
-                  <a:prstClr val="black"/>
-                </a:solidFill>
-                <a:effectLst/>
-                <a:uLnTx/>
-                <a:uFillTx/>
-                <a:latin typeface="Calibri" panose="020F0502020204030204"/>
-                <a:ea typeface="+mn-ea"/>
-                <a:cs typeface="+mn-cs"/>
-              </a:rPr>
-              <a:t>db_manager</a:t>
-            </a:r>
-            <a:r>
-              <a:rPr kumimoji="0" lang="en-US" sz="2400" b="0" i="0" u="none" strike="noStrike" kern="1200" cap="none" spc="0" normalizeH="0" baseline="0" noProof="0" dirty="0">
-                <a:ln>
-                  <a:noFill/>
-                </a:ln>
-                <a:solidFill>
-                  <a:prstClr val="black"/>
-                </a:solidFill>
-                <a:effectLst/>
-                <a:uLnTx/>
-                <a:uFillTx/>
-                <a:latin typeface="Calibri" panose="020F0502020204030204"/>
-                <a:ea typeface="+mn-ea"/>
-                <a:cs typeface="+mn-cs"/>
-              </a:rPr>
-              <a:t>, which provides APIs for database interfacing services. These database-related APIs are exposed by the </a:t>
-            </a:r>
-            <a:r>
-              <a:rPr kumimoji="0" lang="en-US" sz="2400" b="0" i="0" u="none" strike="noStrike" kern="1200" cap="none" spc="0" normalizeH="0" baseline="0" noProof="0" dirty="0" err="1">
-                <a:ln>
-                  <a:noFill/>
-                </a:ln>
-                <a:solidFill>
-                  <a:prstClr val="black"/>
-                </a:solidFill>
-                <a:effectLst/>
-                <a:uLnTx/>
-                <a:uFillTx/>
-                <a:latin typeface="Calibri" panose="020F0502020204030204"/>
-                <a:ea typeface="+mn-ea"/>
-                <a:cs typeface="+mn-cs"/>
-              </a:rPr>
-              <a:t>db_manager</a:t>
-            </a:r>
-            <a:r>
-              <a:rPr kumimoji="0" lang="en-US" sz="2400" b="0" i="0" u="none" strike="noStrike" kern="1200" cap="none" spc="0" normalizeH="0" baseline="0" noProof="0" dirty="0">
-                <a:ln>
-                  <a:noFill/>
-                </a:ln>
-                <a:solidFill>
-                  <a:prstClr val="black"/>
-                </a:solidFill>
-                <a:effectLst/>
-                <a:uLnTx/>
-                <a:uFillTx/>
-                <a:latin typeface="Calibri" panose="020F0502020204030204"/>
-                <a:ea typeface="+mn-ea"/>
-                <a:cs typeface="+mn-cs"/>
-              </a:rPr>
-              <a:t> on port 8005.</a:t>
-            </a:r>
-          </a:p>
-        </p:txBody>
-      </p:sp>
-    </p:spTree>
-    <p:extLst>
-      <p:ext uri="{BB962C8B-B14F-4D97-AF65-F5344CB8AC3E}">
-        <p14:creationId xmlns:p14="http://schemas.microsoft.com/office/powerpoint/2010/main" val="3120023185"/>
-      </p:ext>
-    </p:extLst>
-  </p:cSld>
-  <p:clrMapOvr>
-    <a:masterClrMapping/>
-  </p:clrMapOvr>
-</p:sld>
-</file>
-
-<file path=ppt/slides/slide13.xml><?xml version="1.0" encoding="utf-8"?>
-<p:sld xmlns:a="http://schemas.openxmlformats.org/drawingml/2006/main" xmlns:r="http://schemas.openxmlformats.org/officeDocument/2006/relationships" xmlns:p="http://schemas.openxmlformats.org/presentationml/2006/main">
-  <p:cSld>
-    <p:spTree>
-      <p:nvGrpSpPr>
-        <p:cNvPr id="1" name="">
-          <a:extLst>
-            <a:ext uri="{FF2B5EF4-FFF2-40B4-BE49-F238E27FC236}">
-              <a16:creationId xmlns:a16="http://schemas.microsoft.com/office/drawing/2014/main" id="{55024CAE-0043-C575-7405-870A75A36FC0}"/>
-            </a:ext>
-          </a:extLst>
-        </p:cNvPr>
-        <p:cNvGrpSpPr/>
-        <p:nvPr/>
-      </p:nvGrpSpPr>
-      <p:grpSpPr>
-        <a:xfrm>
-          <a:off x="0" y="0"/>
-          <a:ext cx="0" cy="0"/>
-          <a:chOff x="0" y="0"/>
-          <a:chExt cx="0" cy="0"/>
-        </a:xfrm>
-      </p:grpSpPr>
-      <p:sp>
-        <p:nvSpPr>
-          <p:cNvPr id="3" name="Titolo 1">
-            <a:extLst>
-              <a:ext uri="{FF2B5EF4-FFF2-40B4-BE49-F238E27FC236}">
-                <a16:creationId xmlns:a16="http://schemas.microsoft.com/office/drawing/2014/main" id="{AE60F3C4-78DC-1E7C-CBB2-4558A345C83D}"/>
-              </a:ext>
-            </a:extLst>
-          </p:cNvPr>
-          <p:cNvSpPr>
-            <a:spLocks noGrp="1"/>
-          </p:cNvSpPr>
-          <p:nvPr>
-            <p:ph type="title"/>
-          </p:nvPr>
-        </p:nvSpPr>
-        <p:spPr>
-          <a:xfrm>
-            <a:off x="838200" y="365125"/>
-            <a:ext cx="10515600" cy="1325563"/>
-          </a:xfrm>
-        </p:spPr>
-        <p:txBody>
-          <a:bodyPr/>
-          <a:lstStyle/>
-          <a:p>
-            <a:r>
-              <a:rPr lang="it-IT" dirty="0">
-                <a:latin typeface="Cooper Black" panose="0208090404030B020404" pitchFamily="18" charset="0"/>
-              </a:rPr>
-              <a:t>The </a:t>
-            </a:r>
-            <a:r>
-              <a:rPr lang="it-IT" dirty="0" err="1">
-                <a:latin typeface="Cooper Black" panose="0208090404030B020404" pitchFamily="18" charset="0"/>
-              </a:rPr>
-              <a:t>gacha</a:t>
-            </a:r>
-            <a:r>
-              <a:rPr lang="it-IT" dirty="0">
-                <a:latin typeface="Cooper Black" panose="0208090404030B020404" pitchFamily="18" charset="0"/>
-              </a:rPr>
-              <a:t> service </a:t>
-            </a:r>
-            <a:r>
-              <a:rPr lang="it-IT" dirty="0" err="1">
-                <a:latin typeface="Cooper Black" panose="0208090404030B020404" pitchFamily="18" charset="0"/>
-              </a:rPr>
-              <a:t>datapath</a:t>
-            </a:r>
-            <a:endParaRPr lang="it-IT" dirty="0">
-              <a:latin typeface="Cooper Black" panose="0208090404030B020404" pitchFamily="18" charset="0"/>
-            </a:endParaRPr>
-          </a:p>
-        </p:txBody>
-      </p:sp>
-      <p:sp>
-        <p:nvSpPr>
-          <p:cNvPr id="6" name="CasellaDiTesto 5">
-            <a:extLst>
-              <a:ext uri="{FF2B5EF4-FFF2-40B4-BE49-F238E27FC236}">
-                <a16:creationId xmlns:a16="http://schemas.microsoft.com/office/drawing/2014/main" id="{29642769-4BD8-0967-D985-DD96D14D6EF4}"/>
-              </a:ext>
-            </a:extLst>
-          </p:cNvPr>
-          <p:cNvSpPr txBox="1"/>
-          <p:nvPr/>
-        </p:nvSpPr>
-        <p:spPr>
-          <a:xfrm>
-            <a:off x="373224" y="1690687"/>
-            <a:ext cx="10879494" cy="4524315"/>
-          </a:xfrm>
-          <a:prstGeom prst="rect">
-            <a:avLst/>
-          </a:prstGeom>
-          <a:noFill/>
-          <a:ln>
-            <a:solidFill>
-              <a:srgbClr val="002060"/>
-            </a:solidFill>
-          </a:ln>
-        </p:spPr>
-        <p:txBody>
-          <a:bodyPr wrap="square" rtlCol="0">
-            <a:spAutoFit/>
-          </a:bodyPr>
-          <a:lstStyle/>
-          <a:p>
-            <a:pPr marL="0" marR="0" lvl="0" indent="0" algn="l" defTabSz="914400" rtl="0" eaLnBrk="1" fontAlgn="auto" latinLnBrk="0" hangingPunct="1">
-              <a:lnSpc>
-                <a:spcPct val="100000"/>
-              </a:lnSpc>
-              <a:spcBef>
-                <a:spcPts val="0"/>
-              </a:spcBef>
-              <a:spcAft>
-                <a:spcPts val="0"/>
-              </a:spcAft>
-              <a:buClrTx/>
-              <a:buSzTx/>
-              <a:buFontTx/>
-              <a:buNone/>
-              <a:tabLst/>
-              <a:defRPr/>
-            </a:pPr>
-            <a:r>
-              <a:rPr kumimoji="0" lang="en-US" sz="2400" b="0" i="0" u="none" strike="noStrike" kern="1200" cap="none" spc="0" normalizeH="0" baseline="0" noProof="0" dirty="0">
-                <a:ln>
-                  <a:noFill/>
-                </a:ln>
-                <a:solidFill>
-                  <a:prstClr val="black"/>
-                </a:solidFill>
-                <a:effectLst/>
-                <a:uLnTx/>
-                <a:uFillTx/>
-                <a:latin typeface="Calibri" panose="020F0502020204030204"/>
-                <a:ea typeface="+mn-ea"/>
-                <a:cs typeface="+mn-cs"/>
-              </a:rPr>
-              <a:t>The currency service is exposed to external clients through an API Gateway on port 8000.</a:t>
-            </a:r>
-          </a:p>
-          <a:p>
-            <a:pPr marL="0" marR="0" lvl="0" indent="0" algn="l" defTabSz="914400" rtl="0" eaLnBrk="1" fontAlgn="auto" latinLnBrk="0" hangingPunct="1">
-              <a:lnSpc>
-                <a:spcPct val="100000"/>
-              </a:lnSpc>
-              <a:spcBef>
-                <a:spcPts val="0"/>
-              </a:spcBef>
-              <a:spcAft>
-                <a:spcPts val="0"/>
-              </a:spcAft>
-              <a:buClrTx/>
-              <a:buSzTx/>
-              <a:buFontTx/>
-              <a:buNone/>
-              <a:tabLst/>
-              <a:defRPr/>
-            </a:pPr>
-            <a:endParaRPr kumimoji="0" lang="en-US" sz="2400" b="0" i="0" u="none" strike="noStrike" kern="1200" cap="none" spc="0" normalizeH="0" baseline="0" noProof="0" dirty="0">
-              <a:ln>
-                <a:noFill/>
-              </a:ln>
-              <a:solidFill>
-                <a:prstClr val="black"/>
-              </a:solidFill>
-              <a:effectLst/>
-              <a:uLnTx/>
-              <a:uFillTx/>
-              <a:latin typeface="Calibri" panose="020F0502020204030204"/>
-              <a:ea typeface="+mn-ea"/>
-              <a:cs typeface="+mn-cs"/>
-            </a:endParaRPr>
-          </a:p>
-          <a:p>
-            <a:pPr marL="0" marR="0" lvl="0" indent="0" algn="l" defTabSz="914400" rtl="0" eaLnBrk="1" fontAlgn="auto" latinLnBrk="0" hangingPunct="1">
-              <a:lnSpc>
-                <a:spcPct val="100000"/>
-              </a:lnSpc>
-              <a:spcBef>
-                <a:spcPts val="0"/>
-              </a:spcBef>
-              <a:spcAft>
-                <a:spcPts val="0"/>
-              </a:spcAft>
-              <a:buClrTx/>
-              <a:buSzTx/>
-              <a:buFontTx/>
-              <a:buNone/>
-              <a:tabLst/>
-              <a:defRPr/>
-            </a:pPr>
-            <a:r>
-              <a:rPr kumimoji="0" lang="en-US" sz="2400" b="0" i="0" u="none" strike="noStrike" kern="1200" cap="none" spc="0" normalizeH="0" baseline="0" noProof="0" dirty="0">
-                <a:ln>
-                  <a:noFill/>
-                </a:ln>
-                <a:solidFill>
-                  <a:prstClr val="black"/>
-                </a:solidFill>
-                <a:effectLst/>
-                <a:uLnTx/>
-                <a:uFillTx/>
-                <a:latin typeface="Calibri" panose="020F0502020204030204"/>
-                <a:ea typeface="+mn-ea"/>
-                <a:cs typeface="+mn-cs"/>
-              </a:rPr>
-              <a:t>When an HTTPS request for </a:t>
-            </a:r>
-            <a:r>
-              <a:rPr kumimoji="0" lang="en-US" sz="2400" b="0" i="0" u="none" strike="noStrike" kern="1200" cap="none" spc="0" normalizeH="0" baseline="0" noProof="0" dirty="0" err="1">
-                <a:ln>
-                  <a:noFill/>
-                </a:ln>
-                <a:solidFill>
-                  <a:prstClr val="black"/>
-                </a:solidFill>
-                <a:effectLst/>
-                <a:uLnTx/>
-                <a:uFillTx/>
-                <a:latin typeface="Calibri" panose="020F0502020204030204"/>
-                <a:ea typeface="+mn-ea"/>
-                <a:cs typeface="+mn-cs"/>
-              </a:rPr>
-              <a:t>roll_gacha</a:t>
-            </a:r>
-            <a:r>
-              <a:rPr kumimoji="0" lang="en-US" sz="2400" b="0" i="0" u="none" strike="noStrike" kern="1200" cap="none" spc="0" normalizeH="0" baseline="0" noProof="0" dirty="0">
-                <a:ln>
-                  <a:noFill/>
-                </a:ln>
-                <a:solidFill>
-                  <a:prstClr val="black"/>
-                </a:solidFill>
-                <a:effectLst/>
-                <a:uLnTx/>
-                <a:uFillTx/>
-                <a:latin typeface="Calibri" panose="020F0502020204030204"/>
-                <a:ea typeface="+mn-ea"/>
-                <a:cs typeface="+mn-cs"/>
-              </a:rPr>
-              <a:t> or </a:t>
-            </a:r>
-            <a:r>
-              <a:rPr kumimoji="0" lang="en-US" sz="2400" b="0" i="0" u="none" strike="noStrike" kern="1200" cap="none" spc="0" normalizeH="0" baseline="0" noProof="0" dirty="0" err="1">
-                <a:ln>
-                  <a:noFill/>
-                </a:ln>
-                <a:solidFill>
-                  <a:prstClr val="black"/>
-                </a:solidFill>
-                <a:effectLst/>
-                <a:uLnTx/>
-                <a:uFillTx/>
-                <a:latin typeface="Calibri" panose="020F0502020204030204"/>
-                <a:ea typeface="+mn-ea"/>
-                <a:cs typeface="+mn-cs"/>
-              </a:rPr>
-              <a:t>buy_currency</a:t>
-            </a:r>
-            <a:r>
-              <a:rPr kumimoji="0" lang="en-US" sz="2400" b="0" i="0" u="none" strike="noStrike" kern="1200" cap="none" spc="0" normalizeH="0" baseline="0" noProof="0" dirty="0">
-                <a:ln>
-                  <a:noFill/>
-                </a:ln>
-                <a:solidFill>
-                  <a:prstClr val="black"/>
-                </a:solidFill>
-                <a:effectLst/>
-                <a:uLnTx/>
-                <a:uFillTx/>
-                <a:latin typeface="Calibri" panose="020F0502020204030204"/>
-                <a:ea typeface="+mn-ea"/>
-                <a:cs typeface="+mn-cs"/>
-              </a:rPr>
-              <a:t> is received, the API Gateway forwards the request to the </a:t>
-            </a:r>
-            <a:r>
-              <a:rPr kumimoji="0" lang="en-US" sz="2400" b="0" i="0" u="none" strike="noStrike" kern="1200" cap="none" spc="0" normalizeH="0" baseline="0" noProof="0" dirty="0" err="1">
-                <a:ln>
-                  <a:noFill/>
-                </a:ln>
-                <a:solidFill>
-                  <a:prstClr val="black"/>
-                </a:solidFill>
-                <a:effectLst/>
-                <a:uLnTx/>
-                <a:uFillTx/>
-                <a:latin typeface="Calibri" panose="020F0502020204030204"/>
-                <a:ea typeface="+mn-ea"/>
-                <a:cs typeface="+mn-cs"/>
-              </a:rPr>
-              <a:t>currency_service</a:t>
-            </a:r>
-            <a:r>
-              <a:rPr kumimoji="0" lang="en-US" sz="2400" b="0" i="0" u="none" strike="noStrike" kern="1200" cap="none" spc="0" normalizeH="0" baseline="0" noProof="0" dirty="0">
-                <a:ln>
-                  <a:noFill/>
-                </a:ln>
-                <a:solidFill>
-                  <a:prstClr val="black"/>
-                </a:solidFill>
-                <a:effectLst/>
-                <a:uLnTx/>
-                <a:uFillTx/>
-                <a:latin typeface="Calibri" panose="020F0502020204030204"/>
-                <a:ea typeface="+mn-ea"/>
-                <a:cs typeface="+mn-cs"/>
-              </a:rPr>
-              <a:t> via HTTPS on port 8004. The </a:t>
-            </a:r>
-            <a:r>
-              <a:rPr kumimoji="0" lang="en-US" sz="2400" b="0" i="0" u="none" strike="noStrike" kern="1200" cap="none" spc="0" normalizeH="0" baseline="0" noProof="0" dirty="0" err="1">
-                <a:ln>
-                  <a:noFill/>
-                </a:ln>
-                <a:solidFill>
-                  <a:prstClr val="black"/>
-                </a:solidFill>
-                <a:effectLst/>
-                <a:uLnTx/>
-                <a:uFillTx/>
-                <a:latin typeface="Calibri" panose="020F0502020204030204"/>
-                <a:ea typeface="+mn-ea"/>
-                <a:cs typeface="+mn-cs"/>
-              </a:rPr>
-              <a:t>currency_service</a:t>
-            </a:r>
-            <a:r>
-              <a:rPr kumimoji="0" lang="en-US" sz="2400" b="0" i="0" u="none" strike="noStrike" kern="1200" cap="none" spc="0" normalizeH="0" baseline="0" noProof="0" dirty="0">
-                <a:ln>
-                  <a:noFill/>
-                </a:ln>
-                <a:solidFill>
-                  <a:prstClr val="black"/>
-                </a:solidFill>
-                <a:effectLst/>
-                <a:uLnTx/>
-                <a:uFillTx/>
-                <a:latin typeface="Calibri" panose="020F0502020204030204"/>
-                <a:ea typeface="+mn-ea"/>
-                <a:cs typeface="+mn-cs"/>
-              </a:rPr>
-              <a:t> is responsible for implementing the business logic associated with these requests. </a:t>
-            </a:r>
-          </a:p>
-          <a:p>
-            <a:pPr marL="0" marR="0" lvl="0" indent="0" algn="l" defTabSz="914400" rtl="0" eaLnBrk="1" fontAlgn="auto" latinLnBrk="0" hangingPunct="1">
-              <a:lnSpc>
-                <a:spcPct val="100000"/>
-              </a:lnSpc>
-              <a:spcBef>
-                <a:spcPts val="0"/>
-              </a:spcBef>
-              <a:spcAft>
-                <a:spcPts val="0"/>
-              </a:spcAft>
-              <a:buClrTx/>
-              <a:buSzTx/>
-              <a:buFontTx/>
-              <a:buNone/>
-              <a:tabLst/>
-              <a:defRPr/>
-            </a:pPr>
-            <a:endParaRPr kumimoji="0" lang="en-US" sz="2400" b="0" i="0" u="none" strike="noStrike" kern="1200" cap="none" spc="0" normalizeH="0" baseline="0" noProof="0" dirty="0">
-              <a:ln>
-                <a:noFill/>
-              </a:ln>
-              <a:solidFill>
-                <a:prstClr val="black"/>
-              </a:solidFill>
-              <a:effectLst/>
-              <a:uLnTx/>
-              <a:uFillTx/>
-              <a:latin typeface="Calibri" panose="020F0502020204030204"/>
-              <a:ea typeface="+mn-ea"/>
-              <a:cs typeface="+mn-cs"/>
-            </a:endParaRPr>
-          </a:p>
-          <a:p>
-            <a:pPr marL="0" marR="0" lvl="0" indent="0" algn="l" defTabSz="914400" rtl="0" eaLnBrk="1" fontAlgn="auto" latinLnBrk="0" hangingPunct="1">
-              <a:lnSpc>
-                <a:spcPct val="100000"/>
-              </a:lnSpc>
-              <a:spcBef>
-                <a:spcPts val="0"/>
-              </a:spcBef>
-              <a:spcAft>
-                <a:spcPts val="0"/>
-              </a:spcAft>
-              <a:buClrTx/>
-              <a:buSzTx/>
-              <a:buFontTx/>
-              <a:buNone/>
-              <a:tabLst/>
-              <a:defRPr/>
-            </a:pPr>
-            <a:r>
-              <a:rPr kumimoji="0" lang="en-US" sz="2400" b="0" i="0" u="none" strike="noStrike" kern="1200" cap="none" spc="0" normalizeH="0" baseline="0" noProof="0" dirty="0">
-                <a:ln>
-                  <a:noFill/>
-                </a:ln>
-                <a:solidFill>
-                  <a:prstClr val="black"/>
-                </a:solidFill>
-                <a:effectLst/>
-                <a:uLnTx/>
-                <a:uFillTx/>
-                <a:latin typeface="Calibri" panose="020F0502020204030204"/>
-                <a:ea typeface="+mn-ea"/>
-                <a:cs typeface="+mn-cs"/>
-              </a:rPr>
-              <a:t>To interface with the database, the </a:t>
-            </a:r>
-            <a:r>
-              <a:rPr kumimoji="0" lang="en-US" sz="2400" b="0" i="0" u="none" strike="noStrike" kern="1200" cap="none" spc="0" normalizeH="0" baseline="0" noProof="0" dirty="0" err="1">
-                <a:ln>
-                  <a:noFill/>
-                </a:ln>
-                <a:solidFill>
-                  <a:prstClr val="black"/>
-                </a:solidFill>
-                <a:effectLst/>
-                <a:uLnTx/>
-                <a:uFillTx/>
-                <a:latin typeface="Calibri" panose="020F0502020204030204"/>
-                <a:ea typeface="+mn-ea"/>
-                <a:cs typeface="+mn-cs"/>
-              </a:rPr>
-              <a:t>currency_service</a:t>
-            </a:r>
-            <a:r>
-              <a:rPr kumimoji="0" lang="en-US" sz="2400" b="0" i="0" u="none" strike="noStrike" kern="1200" cap="none" spc="0" normalizeH="0" baseline="0" noProof="0" dirty="0">
-                <a:ln>
-                  <a:noFill/>
-                </a:ln>
-                <a:solidFill>
-                  <a:prstClr val="black"/>
-                </a:solidFill>
-                <a:effectLst/>
-                <a:uLnTx/>
-                <a:uFillTx/>
-                <a:latin typeface="Calibri" panose="020F0502020204030204"/>
-                <a:ea typeface="+mn-ea"/>
-                <a:cs typeface="+mn-cs"/>
-              </a:rPr>
-              <a:t> sends an HTTP request to the </a:t>
-            </a:r>
-            <a:r>
-              <a:rPr kumimoji="0" lang="en-US" sz="2400" b="0" i="0" u="none" strike="noStrike" kern="1200" cap="none" spc="0" normalizeH="0" baseline="0" noProof="0" dirty="0" err="1">
-                <a:ln>
-                  <a:noFill/>
-                </a:ln>
-                <a:solidFill>
-                  <a:prstClr val="black"/>
-                </a:solidFill>
-                <a:effectLst/>
-                <a:uLnTx/>
-                <a:uFillTx/>
-                <a:latin typeface="Calibri" panose="020F0502020204030204"/>
-                <a:ea typeface="+mn-ea"/>
-                <a:cs typeface="+mn-cs"/>
-              </a:rPr>
-              <a:t>db_manager</a:t>
-            </a:r>
-            <a:r>
-              <a:rPr kumimoji="0" lang="en-US" sz="2400" b="0" i="0" u="none" strike="noStrike" kern="1200" cap="none" spc="0" normalizeH="0" baseline="0" noProof="0" dirty="0">
-                <a:ln>
-                  <a:noFill/>
-                </a:ln>
-                <a:solidFill>
-                  <a:prstClr val="black"/>
-                </a:solidFill>
-                <a:effectLst/>
-                <a:uLnTx/>
-                <a:uFillTx/>
-                <a:latin typeface="Calibri" panose="020F0502020204030204"/>
-                <a:ea typeface="+mn-ea"/>
-                <a:cs typeface="+mn-cs"/>
-              </a:rPr>
-              <a:t>, which listens on port 8005. The </a:t>
-            </a:r>
-            <a:r>
-              <a:rPr kumimoji="0" lang="en-US" sz="2400" b="0" i="0" u="none" strike="noStrike" kern="1200" cap="none" spc="0" normalizeH="0" baseline="0" noProof="0" dirty="0" err="1">
-                <a:ln>
-                  <a:noFill/>
-                </a:ln>
-                <a:solidFill>
-                  <a:prstClr val="black"/>
-                </a:solidFill>
-                <a:effectLst/>
-                <a:uLnTx/>
-                <a:uFillTx/>
-                <a:latin typeface="Calibri" panose="020F0502020204030204"/>
-                <a:ea typeface="+mn-ea"/>
-                <a:cs typeface="+mn-cs"/>
-              </a:rPr>
-              <a:t>db_manager</a:t>
-            </a:r>
-            <a:r>
-              <a:rPr kumimoji="0" lang="en-US" sz="2400" b="0" i="0" u="none" strike="noStrike" kern="1200" cap="none" spc="0" normalizeH="0" baseline="0" noProof="0" dirty="0">
-                <a:ln>
-                  <a:noFill/>
-                </a:ln>
-                <a:solidFill>
-                  <a:prstClr val="black"/>
-                </a:solidFill>
-                <a:effectLst/>
-                <a:uLnTx/>
-                <a:uFillTx/>
-                <a:latin typeface="Calibri" panose="020F0502020204030204"/>
-                <a:ea typeface="+mn-ea"/>
-                <a:cs typeface="+mn-cs"/>
-              </a:rPr>
-              <a:t> exposes APIs that handle database queries, enabling the </a:t>
-            </a:r>
-            <a:r>
-              <a:rPr kumimoji="0" lang="en-US" sz="2400" b="0" i="0" u="none" strike="noStrike" kern="1200" cap="none" spc="0" normalizeH="0" baseline="0" noProof="0" dirty="0" err="1">
-                <a:ln>
-                  <a:noFill/>
-                </a:ln>
-                <a:solidFill>
-                  <a:prstClr val="black"/>
-                </a:solidFill>
-                <a:effectLst/>
-                <a:uLnTx/>
-                <a:uFillTx/>
-                <a:latin typeface="Calibri" panose="020F0502020204030204"/>
-                <a:ea typeface="+mn-ea"/>
-                <a:cs typeface="+mn-cs"/>
-              </a:rPr>
-              <a:t>currency_service</a:t>
-            </a:r>
-            <a:r>
-              <a:rPr kumimoji="0" lang="en-US" sz="2400" b="0" i="0" u="none" strike="noStrike" kern="1200" cap="none" spc="0" normalizeH="0" baseline="0" noProof="0" dirty="0">
-                <a:ln>
-                  <a:noFill/>
-                </a:ln>
-                <a:solidFill>
-                  <a:prstClr val="black"/>
-                </a:solidFill>
-                <a:effectLst/>
-                <a:uLnTx/>
-                <a:uFillTx/>
-                <a:latin typeface="Calibri" panose="020F0502020204030204"/>
-                <a:ea typeface="+mn-ea"/>
-                <a:cs typeface="+mn-cs"/>
-              </a:rPr>
-              <a:t> to retrieve or update data as required.</a:t>
-            </a:r>
-          </a:p>
-        </p:txBody>
-      </p:sp>
-    </p:spTree>
-    <p:extLst>
-      <p:ext uri="{BB962C8B-B14F-4D97-AF65-F5344CB8AC3E}">
-        <p14:creationId xmlns:p14="http://schemas.microsoft.com/office/powerpoint/2010/main" val="4276114239"/>
+        <p14:creationId xmlns:p14="http://schemas.microsoft.com/office/powerpoint/2010/main" val="560043698"/>
       </p:ext>
     </p:extLst>
   </p:cSld>
@@ -8791,17 +7262,26 @@
                 <a:effectLst/>
                 <a:latin typeface="ui-sans-serif"/>
               </a:rPr>
-              <a:t>The register service </a:t>
-            </a:r>
-            <a:r>
-              <a:rPr lang="en-US" b="1" i="0" dirty="0" err="1">
+              <a:t>Flow Example1: </a:t>
+            </a:r>
+            <a:br>
+              <a:rPr lang="en-US" b="1" i="0" dirty="0">
                 <a:solidFill>
                   <a:srgbClr val="0D0D0D"/>
                 </a:solidFill>
                 <a:effectLst/>
                 <a:latin typeface="ui-sans-serif"/>
               </a:rPr>
-              <a:t>datapath</a:t>
+            </a:br>
+            <a:r>
+              <a:rPr lang="en-US" b="1" i="0" dirty="0">
+                <a:solidFill>
+                  <a:srgbClr val="0D0D0D"/>
+                </a:solidFill>
+                <a:effectLst/>
+                <a:latin typeface="ui-sans-serif"/>
+              </a:rPr>
+              <a:t>a user wants to register himself</a:t>
             </a:r>
             <a:endParaRPr lang="it-IT" dirty="0"/>
           </a:p>
@@ -8821,18 +7301,13 @@
         </p:nvSpPr>
         <p:spPr>
           <a:xfrm>
-            <a:off x="744894" y="1558212"/>
-            <a:ext cx="10702212" cy="3579441"/>
+            <a:off x="838200" y="2164702"/>
+            <a:ext cx="10702212" cy="3251018"/>
           </a:xfrm>
           <a:prstGeom prst="rect">
             <a:avLst/>
           </a:prstGeom>
           <a:noFill/>
-          <a:ln>
-            <a:solidFill>
-              <a:schemeClr val="tx1"/>
-            </a:solidFill>
-          </a:ln>
         </p:spPr>
         <p:txBody>
           <a:bodyPr wrap="square" rtlCol="0">
@@ -8849,7 +7324,7 @@
               </a:spcAft>
             </a:pPr>
             <a:r>
-              <a:rPr lang="en-US" sz="2000" b="1" kern="100" dirty="0">
+              <a:rPr lang="en-US" sz="1800" b="1" kern="100" dirty="0">
                 <a:effectLst/>
                 <a:latin typeface="Aptos" panose="020B0004020202020204" pitchFamily="34" charset="0"/>
                 <a:ea typeface="Aptos" panose="020B0004020202020204" pitchFamily="34" charset="0"/>
@@ -8857,7 +7332,7 @@
               </a:rPr>
               <a:t>The registration-related services are exposed externally to clients on port 8000 via an API gateway. When an HTTPS request is received for user registration, the API gateway forwards the HTTPS request to the auth-service/register on port 8001.</a:t>
             </a:r>
-            <a:endParaRPr lang="it-IT" sz="2000" kern="100" dirty="0">
+            <a:endParaRPr lang="it-IT" sz="1800" kern="100" dirty="0">
               <a:effectLst/>
               <a:latin typeface="Aptos" panose="020B0004020202020204" pitchFamily="34" charset="0"/>
               <a:ea typeface="Aptos" panose="020B0004020202020204" pitchFamily="34" charset="0"/>
@@ -8874,7 +7349,7 @@
               </a:spcAft>
             </a:pPr>
             <a:r>
-              <a:rPr lang="en-US" sz="2000" b="1" kern="100" dirty="0">
+              <a:rPr lang="en-US" sz="1800" b="1" kern="100" dirty="0">
                 <a:effectLst/>
                 <a:latin typeface="Aptos" panose="020B0004020202020204" pitchFamily="34" charset="0"/>
                 <a:ea typeface="Aptos" panose="020B0004020202020204" pitchFamily="34" charset="0"/>
@@ -8883,7 +7358,7 @@
               <a:t>The auth-service itself exposes APIs on port 8001 to handle user registration, login, updating user details, and deleting users. To interface with the database, the auth-service sends an HTTPS request to the </a:t>
             </a:r>
             <a:r>
-              <a:rPr lang="en-US" sz="2000" b="1" kern="100" dirty="0" err="1">
+              <a:rPr lang="en-US" sz="1800" b="1" kern="100" dirty="0" err="1">
                 <a:effectLst/>
                 <a:latin typeface="Aptos" panose="020B0004020202020204" pitchFamily="34" charset="0"/>
                 <a:ea typeface="Aptos" panose="020B0004020202020204" pitchFamily="34" charset="0"/>
@@ -8892,7 +7367,7 @@
               <a:t>db_manager</a:t>
             </a:r>
             <a:r>
-              <a:rPr lang="en-US" sz="2000" b="1" kern="100" dirty="0">
+              <a:rPr lang="en-US" sz="1800" b="1" kern="100" dirty="0">
                 <a:effectLst/>
                 <a:latin typeface="Aptos" panose="020B0004020202020204" pitchFamily="34" charset="0"/>
                 <a:ea typeface="Aptos" panose="020B0004020202020204" pitchFamily="34" charset="0"/>
@@ -8901,7 +7376,7 @@
               <a:t>, which provides APIs for database-related operations. These database-related APIs are exposed by the </a:t>
             </a:r>
             <a:r>
-              <a:rPr lang="en-US" sz="2000" b="1" kern="100" dirty="0" err="1">
+              <a:rPr lang="en-US" sz="1800" b="1" kern="100" dirty="0" err="1">
                 <a:effectLst/>
                 <a:latin typeface="Aptos" panose="020B0004020202020204" pitchFamily="34" charset="0"/>
                 <a:ea typeface="Aptos" panose="020B0004020202020204" pitchFamily="34" charset="0"/>
@@ -8910,7 +7385,7 @@
               <a:t>db_manager</a:t>
             </a:r>
             <a:r>
-              <a:rPr lang="en-US" sz="2000" b="1" kern="100" dirty="0">
+              <a:rPr lang="en-US" sz="1800" b="1" kern="100" dirty="0">
                 <a:effectLst/>
                 <a:latin typeface="Aptos" panose="020B0004020202020204" pitchFamily="34" charset="0"/>
                 <a:ea typeface="Aptos" panose="020B0004020202020204" pitchFamily="34" charset="0"/>
@@ -8918,7 +7393,7 @@
               </a:rPr>
               <a:t> on port 8005.</a:t>
             </a:r>
-            <a:endParaRPr lang="it-IT" sz="2000" kern="100" dirty="0">
+            <a:endParaRPr lang="it-IT" sz="1800" kern="100" dirty="0">
               <a:effectLst/>
               <a:latin typeface="Aptos" panose="020B0004020202020204" pitchFamily="34" charset="0"/>
               <a:ea typeface="Aptos" panose="020B0004020202020204" pitchFamily="34" charset="0"/>
@@ -8935,7 +7410,7 @@
               </a:spcAft>
             </a:pPr>
             <a:r>
-              <a:rPr lang="en-US" sz="2000" b="1" kern="100" dirty="0">
+              <a:rPr lang="en-US" sz="1800" b="1" kern="100" dirty="0">
                 <a:effectLst/>
                 <a:latin typeface="Aptos" panose="020B0004020202020204" pitchFamily="34" charset="0"/>
                 <a:ea typeface="Aptos" panose="020B0004020202020204" pitchFamily="34" charset="0"/>
@@ -8944,7 +7419,7 @@
               <a:t>Once the registration is successful, without any problems on DB, the </a:t>
             </a:r>
             <a:r>
-              <a:rPr lang="en-US" sz="2000" b="1" kern="100" dirty="0" err="1">
+              <a:rPr lang="en-US" sz="1800" b="1" kern="100" dirty="0" err="1">
                 <a:effectLst/>
                 <a:latin typeface="Aptos" panose="020B0004020202020204" pitchFamily="34" charset="0"/>
                 <a:ea typeface="Aptos" panose="020B0004020202020204" pitchFamily="34" charset="0"/>
@@ -8953,7 +7428,7 @@
               <a:t>db</a:t>
             </a:r>
             <a:r>
-              <a:rPr lang="en-US" sz="2000" b="1" kern="100" dirty="0">
+              <a:rPr lang="en-US" sz="1800" b="1" kern="100" dirty="0">
                 <a:effectLst/>
                 <a:latin typeface="Aptos" panose="020B0004020202020204" pitchFamily="34" charset="0"/>
                 <a:ea typeface="Aptos" panose="020B0004020202020204" pitchFamily="34" charset="0"/>
@@ -8962,7 +7437,7 @@
               <a:t>-manager service communicates the registration in the database. The auth-service service will then forward the response obtained to the </a:t>
             </a:r>
             <a:r>
-              <a:rPr lang="en-US" sz="2000" b="1" kern="100" dirty="0" err="1">
+              <a:rPr lang="en-US" sz="1800" b="1" kern="100" dirty="0" err="1">
                 <a:effectLst/>
                 <a:latin typeface="Aptos" panose="020B0004020202020204" pitchFamily="34" charset="0"/>
                 <a:ea typeface="Aptos" panose="020B0004020202020204" pitchFamily="34" charset="0"/>
@@ -8971,7 +7446,7 @@
               <a:t>api</a:t>
             </a:r>
             <a:r>
-              <a:rPr lang="en-US" sz="2000" b="1" kern="100" dirty="0">
+              <a:rPr lang="en-US" sz="1800" b="1" kern="100" dirty="0">
                 <a:effectLst/>
                 <a:latin typeface="Aptos" panose="020B0004020202020204" pitchFamily="34" charset="0"/>
                 <a:ea typeface="Aptos" panose="020B0004020202020204" pitchFamily="34" charset="0"/>
@@ -8979,7 +7454,7 @@
               </a:rPr>
               <a:t>-gateway</a:t>
             </a:r>
-            <a:endParaRPr lang="it-IT" sz="2000" kern="100" dirty="0">
+            <a:endParaRPr lang="it-IT" sz="1800" kern="100" dirty="0">
               <a:effectLst/>
               <a:latin typeface="Aptos" panose="020B0004020202020204" pitchFamily="34" charset="0"/>
               <a:ea typeface="Aptos" panose="020B0004020202020204" pitchFamily="34" charset="0"/>

--- a/doc/Gacha Collection.pptx
+++ b/doc/Gacha Collection.pptx
@@ -21,12 +21,13 @@
     <p:sldId id="274" r:id="rId15"/>
     <p:sldId id="281" r:id="rId16"/>
     <p:sldId id="282" r:id="rId17"/>
-    <p:sldId id="275" r:id="rId18"/>
-    <p:sldId id="276" r:id="rId19"/>
-    <p:sldId id="277" r:id="rId20"/>
-    <p:sldId id="283" r:id="rId21"/>
-    <p:sldId id="284" r:id="rId22"/>
-    <p:sldId id="285" r:id="rId23"/>
+    <p:sldId id="286" r:id="rId18"/>
+    <p:sldId id="275" r:id="rId19"/>
+    <p:sldId id="276" r:id="rId20"/>
+    <p:sldId id="277" r:id="rId21"/>
+    <p:sldId id="283" r:id="rId22"/>
+    <p:sldId id="284" r:id="rId23"/>
+    <p:sldId id="285" r:id="rId24"/>
   </p:sldIdLst>
   <p:sldSz cx="12192000" cy="6858000"/>
   <p:notesSz cx="6858000" cy="9144000"/>
@@ -131,6 +132,123 @@
     </p:ext>
   </p:extLst>
 </p:presentation>
+</file>
+
+<file path=ppt/changesInfos/changesInfo1.xml><?xml version="1.0" encoding="utf-8"?>
+<pc:chgInfo xmlns:a="http://schemas.openxmlformats.org/drawingml/2006/main" xmlns:r="http://schemas.openxmlformats.org/officeDocument/2006/relationships" xmlns:ac="http://schemas.microsoft.com/office/drawing/2013/main/command" xmlns:pc="http://schemas.microsoft.com/office/powerpoint/2013/main/command">
+  <pc:docChgLst>
+    <pc:chgData name="FRANCESCO ARDIZZONI" userId="434aa0bc33b99c90" providerId="LiveId" clId="{D2828EF8-348D-4755-88B1-87C4260E078D}"/>
+    <pc:docChg chg="undo custSel addSld modSld">
+      <pc:chgData name="FRANCESCO ARDIZZONI" userId="434aa0bc33b99c90" providerId="LiveId" clId="{D2828EF8-348D-4755-88B1-87C4260E078D}" dt="2024-12-06T19:47:13.125" v="64" actId="20577"/>
+      <pc:docMkLst>
+        <pc:docMk/>
+      </pc:docMkLst>
+      <pc:sldChg chg="delSp modSp add mod">
+        <pc:chgData name="FRANCESCO ARDIZZONI" userId="434aa0bc33b99c90" providerId="LiveId" clId="{D2828EF8-348D-4755-88B1-87C4260E078D}" dt="2024-12-06T19:47:13.125" v="64" actId="20577"/>
+        <pc:sldMkLst>
+          <pc:docMk/>
+          <pc:sldMk cId="3912398011" sldId="286"/>
+        </pc:sldMkLst>
+        <pc:spChg chg="mod">
+          <ac:chgData name="FRANCESCO ARDIZZONI" userId="434aa0bc33b99c90" providerId="LiveId" clId="{D2828EF8-348D-4755-88B1-87C4260E078D}" dt="2024-12-06T19:44:55.151" v="28" actId="20577"/>
+          <ac:spMkLst>
+            <pc:docMk/>
+            <pc:sldMk cId="3912398011" sldId="286"/>
+            <ac:spMk id="2" creationId="{EC7AD36A-954C-78CA-E978-0091152F513B}"/>
+          </ac:spMkLst>
+        </pc:spChg>
+        <pc:spChg chg="mod">
+          <ac:chgData name="FRANCESCO ARDIZZONI" userId="434aa0bc33b99c90" providerId="LiveId" clId="{D2828EF8-348D-4755-88B1-87C4260E078D}" dt="2024-12-06T19:47:13.125" v="64" actId="20577"/>
+          <ac:spMkLst>
+            <pc:docMk/>
+            <pc:sldMk cId="3912398011" sldId="286"/>
+            <ac:spMk id="4" creationId="{A7B8E203-925D-B5AE-3270-6FE3A4E54255}"/>
+          </ac:spMkLst>
+        </pc:spChg>
+        <pc:spChg chg="del">
+          <ac:chgData name="FRANCESCO ARDIZZONI" userId="434aa0bc33b99c90" providerId="LiveId" clId="{D2828EF8-348D-4755-88B1-87C4260E078D}" dt="2024-12-06T19:45:08.922" v="32" actId="478"/>
+          <ac:spMkLst>
+            <pc:docMk/>
+            <pc:sldMk cId="3912398011" sldId="286"/>
+            <ac:spMk id="14" creationId="{9D48A27F-280A-2345-400A-BFB1EB8B4F8D}"/>
+          </ac:spMkLst>
+        </pc:spChg>
+        <pc:spChg chg="del">
+          <ac:chgData name="FRANCESCO ARDIZZONI" userId="434aa0bc33b99c90" providerId="LiveId" clId="{D2828EF8-348D-4755-88B1-87C4260E078D}" dt="2024-12-06T19:45:08.922" v="32" actId="478"/>
+          <ac:spMkLst>
+            <pc:docMk/>
+            <pc:sldMk cId="3912398011" sldId="286"/>
+            <ac:spMk id="19" creationId="{C31067B3-8611-406B-9D39-14BD2CB84826}"/>
+          </ac:spMkLst>
+        </pc:spChg>
+        <pc:spChg chg="del">
+          <ac:chgData name="FRANCESCO ARDIZZONI" userId="434aa0bc33b99c90" providerId="LiveId" clId="{D2828EF8-348D-4755-88B1-87C4260E078D}" dt="2024-12-06T19:45:08.922" v="32" actId="478"/>
+          <ac:spMkLst>
+            <pc:docMk/>
+            <pc:sldMk cId="3912398011" sldId="286"/>
+            <ac:spMk id="24" creationId="{270339DC-4383-2028-0753-AC7083FAFEB5}"/>
+          </ac:spMkLst>
+        </pc:spChg>
+        <pc:spChg chg="del">
+          <ac:chgData name="FRANCESCO ARDIZZONI" userId="434aa0bc33b99c90" providerId="LiveId" clId="{D2828EF8-348D-4755-88B1-87C4260E078D}" dt="2024-12-06T19:45:08.922" v="32" actId="478"/>
+          <ac:spMkLst>
+            <pc:docMk/>
+            <pc:sldMk cId="3912398011" sldId="286"/>
+            <ac:spMk id="25" creationId="{A861BDA6-5F39-B435-F859-875395C81724}"/>
+          </ac:spMkLst>
+        </pc:spChg>
+        <pc:picChg chg="del">
+          <ac:chgData name="FRANCESCO ARDIZZONI" userId="434aa0bc33b99c90" providerId="LiveId" clId="{D2828EF8-348D-4755-88B1-87C4260E078D}" dt="2024-12-06T19:45:05.114" v="31" actId="478"/>
+          <ac:picMkLst>
+            <pc:docMk/>
+            <pc:sldMk cId="3912398011" sldId="286"/>
+            <ac:picMk id="6" creationId="{54065FB9-5526-0706-EC92-36475C59140B}"/>
+          </ac:picMkLst>
+        </pc:picChg>
+        <pc:cxnChg chg="del mod">
+          <ac:chgData name="FRANCESCO ARDIZZONI" userId="434aa0bc33b99c90" providerId="LiveId" clId="{D2828EF8-348D-4755-88B1-87C4260E078D}" dt="2024-12-06T19:45:02.848" v="30" actId="478"/>
+          <ac:cxnSpMkLst>
+            <pc:docMk/>
+            <pc:sldMk cId="3912398011" sldId="286"/>
+            <ac:cxnSpMk id="11" creationId="{19FE03DE-4912-E0F1-370D-EDF3A3578F3E}"/>
+          </ac:cxnSpMkLst>
+        </pc:cxnChg>
+        <pc:cxnChg chg="del mod">
+          <ac:chgData name="FRANCESCO ARDIZZONI" userId="434aa0bc33b99c90" providerId="LiveId" clId="{D2828EF8-348D-4755-88B1-87C4260E078D}" dt="2024-12-06T19:45:08.922" v="32" actId="478"/>
+          <ac:cxnSpMkLst>
+            <pc:docMk/>
+            <pc:sldMk cId="3912398011" sldId="286"/>
+            <ac:cxnSpMk id="13" creationId="{75A02EA4-A58A-5008-86DA-6D12EF5AE397}"/>
+          </ac:cxnSpMkLst>
+        </pc:cxnChg>
+        <pc:cxnChg chg="del">
+          <ac:chgData name="FRANCESCO ARDIZZONI" userId="434aa0bc33b99c90" providerId="LiveId" clId="{D2828EF8-348D-4755-88B1-87C4260E078D}" dt="2024-12-06T19:45:08.922" v="32" actId="478"/>
+          <ac:cxnSpMkLst>
+            <pc:docMk/>
+            <pc:sldMk cId="3912398011" sldId="286"/>
+            <ac:cxnSpMk id="16" creationId="{8347EAB4-EE6B-BAF2-75D8-F6D27562BC26}"/>
+          </ac:cxnSpMkLst>
+        </pc:cxnChg>
+        <pc:cxnChg chg="del">
+          <ac:chgData name="FRANCESCO ARDIZZONI" userId="434aa0bc33b99c90" providerId="LiveId" clId="{D2828EF8-348D-4755-88B1-87C4260E078D}" dt="2024-12-06T19:45:08.922" v="32" actId="478"/>
+          <ac:cxnSpMkLst>
+            <pc:docMk/>
+            <pc:sldMk cId="3912398011" sldId="286"/>
+            <ac:cxnSpMk id="18" creationId="{1DEC3D54-DD83-9017-58E0-8DFBA4EA9BE9}"/>
+          </ac:cxnSpMkLst>
+        </pc:cxnChg>
+        <pc:cxnChg chg="del mod">
+          <ac:chgData name="FRANCESCO ARDIZZONI" userId="434aa0bc33b99c90" providerId="LiveId" clId="{D2828EF8-348D-4755-88B1-87C4260E078D}" dt="2024-12-06T19:45:08.922" v="32" actId="478"/>
+          <ac:cxnSpMkLst>
+            <pc:docMk/>
+            <pc:sldMk cId="3912398011" sldId="286"/>
+            <ac:cxnSpMk id="27" creationId="{B94E8B93-F86D-7754-B6AF-92BDAAA0B94C}"/>
+          </ac:cxnSpMkLst>
+        </pc:cxnChg>
+      </pc:sldChg>
+    </pc:docChg>
+  </pc:docChgLst>
+</pc:chgInfo>
 </file>
 
 <file path=ppt/slideLayouts/slideLayout1.xml><?xml version="1.0" encoding="utf-8"?>
@@ -4445,7 +4563,7 @@
                     <a:lstStyle/>
                     <a:p>
                       <a:r>
-                        <a:rPr lang="it-IT" sz="1800" b="0" kern="1200" dirty="0" smtClean="0">
+                        <a:rPr lang="it-IT" sz="1800" b="0" kern="1200" dirty="0">
                           <a:solidFill>
                             <a:schemeClr val="dk1"/>
                           </a:solidFill>
@@ -4457,7 +4575,7 @@
                         <a:t>/</a:t>
                       </a:r>
                       <a:r>
-                        <a:rPr lang="it-IT" sz="1800" kern="1200" dirty="0" err="1" smtClean="0">
+                        <a:rPr lang="it-IT" sz="1800" kern="1200" dirty="0" err="1">
                           <a:solidFill>
                             <a:schemeClr val="dk1"/>
                           </a:solidFill>
@@ -4487,22 +4605,21 @@
                     <a:lstStyle/>
                     <a:p>
                       <a:r>
-                        <a:rPr lang="it-IT" dirty="0" err="1" smtClean="0"/>
+                        <a:rPr lang="it-IT" dirty="0" err="1"/>
                         <a:t>admin_gateway</a:t>
                       </a:r>
                       <a:r>
-                        <a:rPr lang="it-IT" dirty="0" smtClean="0"/>
+                        <a:rPr lang="it-IT" dirty="0"/>
                         <a:t>, </a:t>
                       </a:r>
                       <a:r>
-                        <a:rPr lang="it-IT" dirty="0" err="1" smtClean="0"/>
+                        <a:rPr lang="it-IT" dirty="0" err="1"/>
                         <a:t>auth_service</a:t>
                       </a:r>
                       <a:r>
-                        <a:rPr lang="it-IT" dirty="0" smtClean="0"/>
+                        <a:rPr lang="it-IT" dirty="0"/>
                         <a:t>, db_manager</a:t>
                       </a:r>
-                      <a:endParaRPr lang="it-IT" dirty="0"/>
                     </a:p>
                   </a:txBody>
                   <a:tcPr/>
@@ -4584,7 +4701,7 @@
                         <a:defRPr/>
                       </a:pPr>
                       <a:r>
-                        <a:rPr lang="it-IT" sz="1800" kern="1200" dirty="0" smtClean="0">
+                        <a:rPr lang="it-IT" sz="1800" kern="1200" dirty="0">
                           <a:solidFill>
                             <a:schemeClr val="dk1"/>
                           </a:solidFill>
@@ -4596,7 +4713,7 @@
                         <a:t>/</a:t>
                       </a:r>
                       <a:r>
-                        <a:rPr lang="it-IT" sz="1800" kern="1200" dirty="0" err="1" smtClean="0">
+                        <a:rPr lang="it-IT" sz="1800" kern="1200" dirty="0" err="1">
                           <a:solidFill>
                             <a:schemeClr val="dk1"/>
                           </a:solidFill>
@@ -4607,7 +4724,7 @@
                         </a:rPr>
                         <a:t>specific_market_history</a:t>
                       </a:r>
-                      <a:endParaRPr lang="it-IT" sz="1800" kern="1200" dirty="0" smtClean="0">
+                      <a:endParaRPr lang="it-IT" sz="1800" kern="1200" dirty="0">
                         <a:solidFill>
                           <a:schemeClr val="dk1"/>
                         </a:solidFill>
@@ -4654,22 +4771,21 @@
                     <a:lstStyle/>
                     <a:p>
                       <a:r>
-                        <a:rPr lang="it-IT" dirty="0" err="1" smtClean="0"/>
+                        <a:rPr lang="it-IT" dirty="0" err="1"/>
                         <a:t>admin_gateway</a:t>
                       </a:r>
                       <a:r>
-                        <a:rPr lang="it-IT" dirty="0" smtClean="0"/>
+                        <a:rPr lang="it-IT" dirty="0"/>
                         <a:t>, </a:t>
                       </a:r>
                       <a:r>
-                        <a:rPr lang="it-IT" dirty="0" err="1" smtClean="0"/>
+                        <a:rPr lang="it-IT" dirty="0" err="1"/>
                         <a:t>auth_service</a:t>
                       </a:r>
                       <a:r>
-                        <a:rPr lang="it-IT" dirty="0" smtClean="0"/>
+                        <a:rPr lang="it-IT" dirty="0"/>
                         <a:t>, db_manager</a:t>
                       </a:r>
-                      <a:endParaRPr lang="it-IT" dirty="0"/>
                     </a:p>
                   </a:txBody>
                   <a:tcPr/>
@@ -4930,22 +5046,21 @@
                         <a:t>, currency_service, </a:t>
                       </a:r>
                       <a:r>
-                        <a:rPr lang="it-IT" dirty="0" err="1" smtClean="0"/>
+                        <a:rPr lang="it-IT" dirty="0" err="1"/>
                         <a:t>market_service</a:t>
                       </a:r>
                       <a:r>
-                        <a:rPr lang="it-IT" dirty="0" smtClean="0"/>
+                        <a:rPr lang="it-IT" dirty="0"/>
                         <a:t>,</a:t>
                       </a:r>
                       <a:r>
-                        <a:rPr lang="it-IT" baseline="0" dirty="0" smtClean="0"/>
+                        <a:rPr lang="it-IT" baseline="0" dirty="0"/>
                         <a:t> </a:t>
                       </a:r>
                       <a:r>
-                        <a:rPr lang="it-IT" dirty="0" smtClean="0"/>
+                        <a:rPr lang="it-IT" dirty="0"/>
                         <a:t>db_manager</a:t>
                       </a:r>
-                      <a:endParaRPr lang="it-IT" dirty="0"/>
                     </a:p>
                   </a:txBody>
                   <a:tcPr/>
@@ -4963,7 +5078,7 @@
                     <a:lstStyle/>
                     <a:p>
                       <a:r>
-                        <a:rPr lang="en-US" dirty="0" smtClean="0"/>
+                        <a:rPr lang="en-US" dirty="0"/>
                         <a:t>buy in-game currency</a:t>
                       </a:r>
                       <a:endParaRPr lang="it-IT" dirty="0"/>
@@ -5086,13 +5201,8 @@
                       </a:r>
                       <a:r>
                         <a:rPr lang="it-IT" dirty="0"/>
-                        <a:t>, currency_service, </a:t>
-                      </a:r>
-                      <a:r>
-                        <a:rPr lang="it-IT" dirty="0" smtClean="0"/>
-                        <a:t>db_manager</a:t>
-                      </a:r>
-                      <a:endParaRPr lang="it-IT" dirty="0"/>
+                        <a:t>, currency_service, db_manager</a:t>
+                      </a:r>
                     </a:p>
                   </a:txBody>
                   <a:tcPr/>
@@ -5110,7 +5220,7 @@
                     <a:lstStyle/>
                     <a:p>
                       <a:r>
-                        <a:rPr lang="en-US" smtClean="0"/>
+                        <a:rPr lang="en-US"/>
                         <a:t>have different level of roll rarity</a:t>
                       </a:r>
                       <a:endParaRPr lang="en-US" dirty="0"/>
@@ -5141,7 +5251,7 @@
                         <a:defRPr/>
                       </a:pPr>
                       <a:r>
-                        <a:rPr lang="it-IT" sz="1800" b="0" kern="1200" smtClean="0">
+                        <a:rPr lang="it-IT" sz="1800" b="0" kern="1200">
                           <a:solidFill>
                             <a:schemeClr val="dk1"/>
                           </a:solidFill>
@@ -5153,7 +5263,7 @@
                         <a:t>/</a:t>
                       </a:r>
                       <a:r>
-                        <a:rPr lang="it-IT" sz="1800" kern="1200" smtClean="0">
+                        <a:rPr lang="it-IT" sz="1800" kern="1200">
                           <a:solidFill>
                             <a:schemeClr val="dk1"/>
                           </a:solidFill>
@@ -5219,14 +5329,13 @@
                         <a:defRPr/>
                       </a:pPr>
                       <a:r>
-                        <a:rPr lang="it-IT" dirty="0" err="1" smtClean="0"/>
+                        <a:rPr lang="it-IT" dirty="0" err="1"/>
                         <a:t>api_gateway</a:t>
                       </a:r>
                       <a:r>
-                        <a:rPr lang="it-IT" dirty="0" smtClean="0"/>
+                        <a:rPr lang="it-IT" dirty="0"/>
                         <a:t>, currency_service, db_manager</a:t>
                       </a:r>
-                      <a:endParaRPr lang="it-IT" dirty="0"/>
                     </a:p>
                   </a:txBody>
                   <a:tcPr/>
@@ -6942,15 +7051,15 @@
                         <a:t>api_gateway</a:t>
                       </a:r>
                       <a:r>
-                        <a:rPr lang="it-IT" dirty="0" smtClean="0"/>
+                        <a:rPr lang="it-IT" dirty="0"/>
                         <a:t>, </a:t>
                       </a:r>
                       <a:r>
-                        <a:rPr lang="it-IT" dirty="0" err="1" smtClean="0"/>
+                        <a:rPr lang="it-IT" dirty="0" err="1"/>
                         <a:t>gacha_service</a:t>
                       </a:r>
                       <a:r>
-                        <a:rPr lang="it-IT" dirty="0" smtClean="0"/>
+                        <a:rPr lang="it-IT" dirty="0"/>
                         <a:t> </a:t>
                       </a:r>
                       <a:r>
@@ -7099,13 +7208,8 @@
                       </a:r>
                       <a:r>
                         <a:rPr lang="it-IT" dirty="0"/>
-                        <a:t>, </a:t>
-                      </a:r>
-                      <a:r>
-                        <a:rPr lang="it-IT" dirty="0" smtClean="0"/>
-                        <a:t>db_manager</a:t>
-                      </a:r>
-                      <a:endParaRPr lang="it-IT" dirty="0"/>
+                        <a:t>, db_manager</a:t>
+                      </a:r>
                     </a:p>
                   </a:txBody>
                   <a:tcPr/>
@@ -7209,13 +7313,8 @@
                       </a:r>
                       <a:r>
                         <a:rPr lang="it-IT" dirty="0"/>
-                        <a:t>, </a:t>
-                      </a:r>
-                      <a:r>
-                        <a:rPr lang="it-IT" dirty="0" smtClean="0"/>
-                        <a:t>db_manager</a:t>
-                      </a:r>
-                      <a:endParaRPr lang="it-IT" dirty="0"/>
+                        <a:t>, db_manager</a:t>
+                      </a:r>
                     </a:p>
                   </a:txBody>
                   <a:tcPr/>
@@ -7272,7 +7371,7 @@
                         <a:defRPr/>
                       </a:pPr>
                       <a:r>
-                        <a:rPr lang="it-IT" sz="1800" kern="1200" dirty="0" smtClean="0">
+                        <a:rPr lang="it-IT" sz="1800" kern="1200" dirty="0">
                           <a:solidFill>
                             <a:schemeClr val="dk1"/>
                           </a:solidFill>
@@ -7284,7 +7383,7 @@
                         <a:t>/</a:t>
                       </a:r>
                       <a:r>
-                        <a:rPr lang="it-IT" sz="1800" kern="1200" dirty="0" err="1" smtClean="0">
+                        <a:rPr lang="it-IT" sz="1800" kern="1200" dirty="0" err="1">
                           <a:solidFill>
                             <a:schemeClr val="dk1"/>
                           </a:solidFill>
@@ -7296,7 +7395,7 @@
                         <a:t>bid</a:t>
                       </a:r>
                       <a:r>
-                        <a:rPr lang="it-IT" sz="1800" kern="1200" dirty="0" smtClean="0">
+                        <a:rPr lang="it-IT" sz="1800" kern="1200" dirty="0">
                           <a:solidFill>
                             <a:schemeClr val="dk1"/>
                           </a:solidFill>
@@ -7308,7 +7407,7 @@
                         <a:t>/&lt;</a:t>
                       </a:r>
                       <a:r>
-                        <a:rPr lang="it-IT" sz="1800" kern="1200" dirty="0" err="1" smtClean="0">
+                        <a:rPr lang="it-IT" sz="1800" kern="1200" dirty="0" err="1">
                           <a:solidFill>
                             <a:schemeClr val="dk1"/>
                           </a:solidFill>
@@ -7320,7 +7419,7 @@
                         <a:t>transaction_id</a:t>
                       </a:r>
                       <a:r>
-                        <a:rPr lang="it-IT" sz="1800" kern="1200" dirty="0" smtClean="0">
+                        <a:rPr lang="it-IT" sz="1800" kern="1200" dirty="0">
                           <a:solidFill>
                             <a:schemeClr val="dk1"/>
                           </a:solidFill>
@@ -7369,11 +7468,11 @@
                         <a:defRPr/>
                       </a:pPr>
                       <a:r>
-                        <a:rPr lang="it-IT" dirty="0" err="1" smtClean="0"/>
+                        <a:rPr lang="it-IT" dirty="0" err="1"/>
                         <a:t>api_gateway</a:t>
                       </a:r>
                       <a:r>
-                        <a:rPr lang="it-IT" dirty="0" smtClean="0"/>
+                        <a:rPr lang="it-IT" dirty="0"/>
                         <a:t>, </a:t>
                       </a:r>
                       <a:r>
@@ -7382,13 +7481,8 @@
                       </a:r>
                       <a:r>
                         <a:rPr lang="it-IT" dirty="0"/>
-                        <a:t>, </a:t>
-                      </a:r>
-                      <a:r>
-                        <a:rPr lang="it-IT" dirty="0" smtClean="0"/>
-                        <a:t>db_manager</a:t>
-                      </a:r>
-                      <a:endParaRPr lang="it-IT" dirty="0"/>
+                        <a:t>, db_manager</a:t>
+                      </a:r>
                     </a:p>
                   </a:txBody>
                   <a:tcPr/>
@@ -7437,7 +7531,7 @@
                         <a:defRPr/>
                       </a:pPr>
                       <a:r>
-                        <a:rPr lang="it-IT" sz="1800" kern="1200" dirty="0" smtClean="0">
+                        <a:rPr lang="it-IT" sz="1800" kern="1200" dirty="0">
                           <a:solidFill>
                             <a:schemeClr val="dk1"/>
                           </a:solidFill>
@@ -7449,7 +7543,7 @@
                         <a:t>/</a:t>
                       </a:r>
                       <a:r>
-                        <a:rPr lang="it-IT" sz="1800" kern="1200" dirty="0" err="1" smtClean="0">
+                        <a:rPr lang="it-IT" sz="1800" kern="1200" dirty="0" err="1">
                           <a:solidFill>
                             <a:schemeClr val="dk1"/>
                           </a:solidFill>
@@ -7461,7 +7555,7 @@
                         <a:t>bid</a:t>
                       </a:r>
                       <a:r>
-                        <a:rPr lang="it-IT" sz="1800" kern="1200" dirty="0" smtClean="0">
+                        <a:rPr lang="it-IT" sz="1800" kern="1200" dirty="0">
                           <a:solidFill>
                             <a:schemeClr val="dk1"/>
                           </a:solidFill>
@@ -7473,7 +7567,7 @@
                         <a:t>/&lt;</a:t>
                       </a:r>
                       <a:r>
-                        <a:rPr lang="it-IT" sz="1800" kern="1200" dirty="0" err="1" smtClean="0">
+                        <a:rPr lang="it-IT" sz="1800" kern="1200" dirty="0" err="1">
                           <a:solidFill>
                             <a:schemeClr val="dk1"/>
                           </a:solidFill>
@@ -7485,7 +7579,7 @@
                         <a:t>transaction_id</a:t>
                       </a:r>
                       <a:r>
-                        <a:rPr lang="it-IT" sz="1800" kern="1200" dirty="0" smtClean="0">
+                        <a:rPr lang="it-IT" sz="1800" kern="1200" dirty="0">
                           <a:solidFill>
                             <a:schemeClr val="dk1"/>
                           </a:solidFill>
@@ -7517,11 +7611,11 @@
                     <a:lstStyle/>
                     <a:p>
                       <a:r>
-                        <a:rPr lang="it-IT" dirty="0" err="1" smtClean="0"/>
+                        <a:rPr lang="it-IT" dirty="0" err="1"/>
                         <a:t>api_gateway</a:t>
                       </a:r>
                       <a:r>
-                        <a:rPr lang="it-IT" dirty="0" smtClean="0"/>
+                        <a:rPr lang="it-IT" dirty="0"/>
                         <a:t>, </a:t>
                       </a:r>
                       <a:r>
@@ -7530,13 +7624,8 @@
                       </a:r>
                       <a:r>
                         <a:rPr lang="it-IT" dirty="0"/>
-                        <a:t>, </a:t>
-                      </a:r>
-                      <a:r>
-                        <a:rPr lang="it-IT" dirty="0" smtClean="0"/>
-                        <a:t>db_manager</a:t>
-                      </a:r>
-                      <a:endParaRPr lang="it-IT" dirty="0"/>
+                        <a:t>, db_manager</a:t>
+                      </a:r>
                     </a:p>
                   </a:txBody>
                   <a:tcPr/>
@@ -7618,7 +7707,7 @@
                         <a:defRPr/>
                       </a:pPr>
                       <a:r>
-                        <a:rPr lang="it-IT" sz="1800" kern="1200" dirty="0" smtClean="0">
+                        <a:rPr lang="it-IT" sz="1800" kern="1200" dirty="0">
                           <a:solidFill>
                             <a:schemeClr val="dk1"/>
                           </a:solidFill>
@@ -7630,7 +7719,7 @@
                         <a:t>/</a:t>
                       </a:r>
                       <a:r>
-                        <a:rPr lang="it-IT" sz="1800" kern="1200" dirty="0" err="1" smtClean="0">
+                        <a:rPr lang="it-IT" sz="1800" kern="1200" dirty="0" err="1">
                           <a:solidFill>
                             <a:schemeClr val="dk1"/>
                           </a:solidFill>
@@ -7642,7 +7731,7 @@
                         <a:t>bid</a:t>
                       </a:r>
                       <a:r>
-                        <a:rPr lang="it-IT" sz="1800" kern="1200" dirty="0" smtClean="0">
+                        <a:rPr lang="it-IT" sz="1800" kern="1200" dirty="0">
                           <a:solidFill>
                             <a:schemeClr val="dk1"/>
                           </a:solidFill>
@@ -7654,7 +7743,7 @@
                         <a:t>/&lt;</a:t>
                       </a:r>
                       <a:r>
-                        <a:rPr lang="it-IT" sz="1800" kern="1200" dirty="0" err="1" smtClean="0">
+                        <a:rPr lang="it-IT" sz="1800" kern="1200" dirty="0" err="1">
                           <a:solidFill>
                             <a:schemeClr val="dk1"/>
                           </a:solidFill>
@@ -7666,7 +7755,7 @@
                         <a:t>transaction_id</a:t>
                       </a:r>
                       <a:r>
-                        <a:rPr lang="it-IT" sz="1800" kern="1200" dirty="0" smtClean="0">
+                        <a:rPr lang="it-IT" sz="1800" kern="1200" dirty="0">
                           <a:solidFill>
                             <a:schemeClr val="dk1"/>
                           </a:solidFill>
@@ -7732,30 +7821,29 @@
                         <a:defRPr/>
                       </a:pPr>
                       <a:r>
-                        <a:rPr lang="it-IT" dirty="0" err="1" smtClean="0"/>
+                        <a:rPr lang="it-IT" dirty="0" err="1"/>
                         <a:t>api_gateway</a:t>
                       </a:r>
                       <a:r>
-                        <a:rPr lang="it-IT" dirty="0" smtClean="0"/>
+                        <a:rPr lang="it-IT" dirty="0"/>
                         <a:t>, </a:t>
                       </a:r>
                       <a:r>
-                        <a:rPr lang="it-IT" dirty="0" err="1" smtClean="0"/>
+                        <a:rPr lang="it-IT" dirty="0" err="1"/>
                         <a:t>market_service</a:t>
                       </a:r>
                       <a:r>
-                        <a:rPr lang="it-IT" dirty="0" smtClean="0"/>
+                        <a:rPr lang="it-IT" dirty="0"/>
                         <a:t>, currency_service,</a:t>
                       </a:r>
                       <a:r>
-                        <a:rPr lang="it-IT" baseline="0" dirty="0" smtClean="0"/>
+                        <a:rPr lang="it-IT" baseline="0" dirty="0"/>
                         <a:t> </a:t>
                       </a:r>
                       <a:r>
-                        <a:rPr lang="it-IT" dirty="0" smtClean="0"/>
+                        <a:rPr lang="it-IT" dirty="0"/>
                         <a:t>db_manager</a:t>
                       </a:r>
-                      <a:endParaRPr lang="it-IT" dirty="0"/>
                     </a:p>
                   </a:txBody>
                   <a:tcPr/>
@@ -7991,7 +8079,7 @@
                         <a:defRPr/>
                       </a:pPr>
                       <a:r>
-                        <a:rPr lang="it-IT" sz="1800" kern="1200" dirty="0" smtClean="0">
+                        <a:rPr lang="it-IT" sz="1800" kern="1200" dirty="0">
                           <a:solidFill>
                             <a:schemeClr val="dk1"/>
                           </a:solidFill>
@@ -8003,7 +8091,7 @@
                         <a:t>/</a:t>
                       </a:r>
                       <a:r>
-                        <a:rPr lang="it-IT" sz="1800" kern="1200" dirty="0" err="1" smtClean="0">
+                        <a:rPr lang="it-IT" sz="1800" kern="1200" dirty="0" err="1">
                           <a:solidFill>
                             <a:schemeClr val="dk1"/>
                           </a:solidFill>
@@ -8015,7 +8103,7 @@
                         <a:t>auction</a:t>
                       </a:r>
                       <a:r>
-                        <a:rPr lang="it-IT" sz="1800" kern="1200" dirty="0" smtClean="0">
+                        <a:rPr lang="it-IT" sz="1800" kern="1200" dirty="0">
                           <a:solidFill>
                             <a:schemeClr val="dk1"/>
                           </a:solidFill>
@@ -8027,7 +8115,7 @@
                         <a:t>/&lt;</a:t>
                       </a:r>
                       <a:r>
-                        <a:rPr lang="it-IT" sz="1800" kern="1200" dirty="0" err="1" smtClean="0">
+                        <a:rPr lang="it-IT" sz="1800" kern="1200" dirty="0" err="1">
                           <a:solidFill>
                             <a:schemeClr val="dk1"/>
                           </a:solidFill>
@@ -8039,7 +8127,7 @@
                         <a:t>int:transaction_id</a:t>
                       </a:r>
                       <a:r>
-                        <a:rPr lang="it-IT" sz="1800" kern="1200" dirty="0" smtClean="0">
+                        <a:rPr lang="it-IT" sz="1800" kern="1200" dirty="0">
                           <a:solidFill>
                             <a:schemeClr val="dk1"/>
                           </a:solidFill>
@@ -8105,11 +8193,11 @@
                         <a:defRPr/>
                       </a:pPr>
                       <a:r>
-                        <a:rPr lang="it-IT" dirty="0" err="1" smtClean="0"/>
+                        <a:rPr lang="it-IT" dirty="0" err="1"/>
                         <a:t>admin_gateway</a:t>
                       </a:r>
                       <a:r>
-                        <a:rPr lang="it-IT" dirty="0" smtClean="0"/>
+                        <a:rPr lang="it-IT" dirty="0"/>
                         <a:t>, </a:t>
                       </a:r>
                       <a:r>
@@ -8168,7 +8256,7 @@
                         <a:defRPr/>
                       </a:pPr>
                       <a:r>
-                        <a:rPr lang="it-IT" sz="1800" kern="1200" dirty="0" smtClean="0">
+                        <a:rPr lang="it-IT" sz="1800" kern="1200" dirty="0">
                           <a:solidFill>
                             <a:schemeClr val="dk1"/>
                           </a:solidFill>
@@ -8180,7 +8268,7 @@
                         <a:t>/</a:t>
                       </a:r>
                       <a:r>
-                        <a:rPr lang="it-IT" sz="1800" kern="1200" dirty="0" err="1" smtClean="0">
+                        <a:rPr lang="it-IT" sz="1800" kern="1200" dirty="0" err="1">
                           <a:solidFill>
                             <a:schemeClr val="dk1"/>
                           </a:solidFill>
@@ -8192,7 +8280,7 @@
                         <a:t>close_auction</a:t>
                       </a:r>
                       <a:r>
-                        <a:rPr lang="it-IT" sz="1800" kern="1200" dirty="0" smtClean="0">
+                        <a:rPr lang="it-IT" sz="1800" kern="1200" dirty="0">
                           <a:solidFill>
                             <a:schemeClr val="dk1"/>
                           </a:solidFill>
@@ -8204,7 +8292,7 @@
                         <a:t>/&lt;</a:t>
                       </a:r>
                       <a:r>
-                        <a:rPr lang="it-IT" sz="1800" kern="1200" dirty="0" err="1" smtClean="0">
+                        <a:rPr lang="it-IT" sz="1800" kern="1200" dirty="0" err="1">
                           <a:solidFill>
                             <a:schemeClr val="dk1"/>
                           </a:solidFill>
@@ -8216,7 +8304,7 @@
                         <a:t>int:transaction_id</a:t>
                       </a:r>
                       <a:r>
-                        <a:rPr lang="it-IT" sz="1800" kern="1200" dirty="0" smtClean="0">
+                        <a:rPr lang="it-IT" sz="1800" kern="1200" dirty="0">
                           <a:solidFill>
                             <a:schemeClr val="dk1"/>
                           </a:solidFill>
@@ -8282,11 +8370,11 @@
                         <a:defRPr/>
                       </a:pPr>
                       <a:r>
-                        <a:rPr lang="it-IT" dirty="0" err="1" smtClean="0"/>
+                        <a:rPr lang="it-IT" dirty="0" err="1"/>
                         <a:t>admin_gateway</a:t>
                       </a:r>
                       <a:r>
-                        <a:rPr lang="it-IT" dirty="0" smtClean="0"/>
+                        <a:rPr lang="it-IT" dirty="0"/>
                         <a:t>, </a:t>
                       </a:r>
                       <a:r>
@@ -8340,7 +8428,7 @@
                         <a:t>/</a:t>
                       </a:r>
                       <a:r>
-                        <a:rPr lang="it-IT" sz="1800" b="0" kern="1200" dirty="0" err="1" smtClean="0">
+                        <a:rPr lang="it-IT" sz="1800" b="0" kern="1200" dirty="0" err="1">
                           <a:solidFill>
                             <a:schemeClr val="dk1"/>
                           </a:solidFill>
@@ -8352,7 +8440,7 @@
                         <a:t>auction</a:t>
                       </a:r>
                       <a:r>
-                        <a:rPr lang="it-IT" sz="1800" b="0" kern="1200" dirty="0" smtClean="0">
+                        <a:rPr lang="it-IT" sz="1800" b="0" kern="1200" dirty="0">
                           <a:solidFill>
                             <a:schemeClr val="dk1"/>
                           </a:solidFill>
@@ -8364,7 +8452,7 @@
                         <a:t>/</a:t>
                       </a:r>
                       <a:r>
-                        <a:rPr lang="it-IT" sz="1800" b="0" kern="1200" dirty="0" err="1" smtClean="0">
+                        <a:rPr lang="it-IT" sz="1800" b="0" kern="1200" dirty="0" err="1">
                           <a:solidFill>
                             <a:schemeClr val="dk1"/>
                           </a:solidFill>
@@ -8375,7 +8463,7 @@
                         </a:rPr>
                         <a:t>history</a:t>
                       </a:r>
-                      <a:endParaRPr lang="it-IT" sz="1800" b="0" kern="1200" dirty="0" smtClean="0">
+                      <a:endParaRPr lang="it-IT" sz="1800" b="0" kern="1200" dirty="0">
                         <a:solidFill>
                           <a:schemeClr val="dk1"/>
                         </a:solidFill>
@@ -8500,16 +8588,10 @@
               <a:rPr lang="it-IT" dirty="0">
                 <a:latin typeface="Cooper Black" panose="0208090404030B020404" pitchFamily="18" charset="0"/>
               </a:rPr>
-              <a:t>M</a:t>
-            </a:r>
-            <a:r>
-              <a:rPr lang="it-IT" dirty="0" smtClean="0">
-                <a:latin typeface="Cooper Black" panose="0208090404030B020404" pitchFamily="18" charset="0"/>
-              </a:rPr>
-              <a:t>arket </a:t>
-            </a:r>
-            <a:r>
-              <a:rPr lang="it-IT" dirty="0" err="1" smtClean="0">
+              <a:t>Market </a:t>
+            </a:r>
+            <a:r>
+              <a:rPr lang="it-IT" dirty="0" err="1">
                 <a:latin typeface="Cooper Black" panose="0208090404030B020404" pitchFamily="18" charset="0"/>
               </a:rPr>
               <a:t>rules</a:t>
@@ -8569,7 +8651,7 @@
               <a:defRPr/>
             </a:pPr>
             <a:r>
-              <a:rPr kumimoji="0" lang="en-US" sz="2000" b="0" i="0" u="none" strike="noStrike" kern="1200" cap="none" spc="0" normalizeH="0" baseline="0" noProof="0" dirty="0" smtClean="0">
+              <a:rPr kumimoji="0" lang="en-US" sz="2000" b="0" i="0" u="none" strike="noStrike" kern="1200" cap="none" spc="0" normalizeH="0" baseline="0" noProof="0" dirty="0">
                 <a:ln>
                   <a:noFill/>
                 </a:ln>
@@ -8584,7 +8666,7 @@
               <a:t>The</a:t>
             </a:r>
             <a:r>
-              <a:rPr kumimoji="0" lang="en-US" sz="2000" b="0" i="0" u="none" strike="noStrike" kern="1200" cap="none" spc="0" normalizeH="0" noProof="0" dirty="0" smtClean="0">
+              <a:rPr kumimoji="0" lang="en-US" sz="2000" b="0" i="0" u="none" strike="noStrike" kern="1200" cap="none" spc="0" normalizeH="0" noProof="0" dirty="0">
                 <a:ln>
                   <a:noFill/>
                 </a:ln>
@@ -8618,7 +8700,7 @@
               <a:defRPr/>
             </a:pPr>
             <a:r>
-              <a:rPr lang="en-US" sz="2000" dirty="0" smtClean="0">
+              <a:rPr lang="en-US" sz="2000" dirty="0">
                 <a:solidFill>
                   <a:prstClr val="black"/>
                 </a:solidFill>
@@ -8627,7 +8709,7 @@
               <a:t>Roll a </a:t>
             </a:r>
             <a:r>
-              <a:rPr lang="en-US" sz="2000" dirty="0" err="1" smtClean="0">
+              <a:rPr lang="en-US" sz="2000" dirty="0" err="1">
                 <a:solidFill>
                   <a:prstClr val="black"/>
                 </a:solidFill>
@@ -8636,7 +8718,7 @@
               <a:t>gacha</a:t>
             </a:r>
             <a:r>
-              <a:rPr lang="en-US" sz="2000" dirty="0" smtClean="0">
+              <a:rPr lang="en-US" sz="2000" dirty="0">
                 <a:solidFill>
                   <a:prstClr val="black"/>
                 </a:solidFill>
@@ -8664,7 +8746,7 @@
               <a:defRPr/>
             </a:pPr>
             <a:r>
-              <a:rPr kumimoji="0" lang="en-US" sz="2000" b="0" i="0" u="none" strike="noStrike" kern="1200" cap="none" spc="0" normalizeH="0" baseline="0" noProof="0" dirty="0" smtClean="0">
+              <a:rPr kumimoji="0" lang="en-US" sz="2000" b="0" i="0" u="none" strike="noStrike" kern="1200" cap="none" spc="0" normalizeH="0" baseline="0" noProof="0" dirty="0">
                 <a:ln>
                   <a:noFill/>
                 </a:ln>
@@ -8719,7 +8801,7 @@
               <a:defRPr/>
             </a:pPr>
             <a:r>
-              <a:rPr kumimoji="0" lang="en-US" sz="2000" b="0" i="0" u="none" strike="noStrike" kern="1200" cap="none" spc="0" normalizeH="0" baseline="0" noProof="0" dirty="0" smtClean="0">
+              <a:rPr kumimoji="0" lang="en-US" sz="2000" b="0" i="0" u="none" strike="noStrike" kern="1200" cap="none" spc="0" normalizeH="0" baseline="0" noProof="0" dirty="0">
                 <a:ln>
                   <a:noFill/>
                 </a:ln>
@@ -8734,7 +8816,7 @@
               <a:t>The difference between an auction and a normal roll</a:t>
             </a:r>
             <a:r>
-              <a:rPr kumimoji="0" lang="en-US" sz="2000" b="0" i="0" u="none" strike="noStrike" kern="1200" cap="none" spc="0" normalizeH="0" noProof="0" dirty="0" smtClean="0">
+              <a:rPr kumimoji="0" lang="en-US" sz="2000" b="0" i="0" u="none" strike="noStrike" kern="1200" cap="none" spc="0" normalizeH="0" noProof="0" dirty="0">
                 <a:ln>
                   <a:noFill/>
                 </a:ln>
@@ -8749,7 +8831,7 @@
               <a:t> can be seen looking at the attribute ‘</a:t>
             </a:r>
             <a:r>
-              <a:rPr kumimoji="0" lang="en-US" sz="2000" b="0" i="0" u="none" strike="noStrike" kern="1200" cap="none" spc="0" normalizeH="0" noProof="0" dirty="0" err="1" smtClean="0">
+              <a:rPr kumimoji="0" lang="en-US" sz="2000" b="0" i="0" u="none" strike="noStrike" kern="1200" cap="none" spc="0" normalizeH="0" noProof="0" dirty="0" err="1">
                 <a:ln>
                   <a:noFill/>
                 </a:ln>
@@ -8764,7 +8846,7 @@
               <a:t>UserOwner</a:t>
             </a:r>
             <a:r>
-              <a:rPr kumimoji="0" lang="en-US" sz="2000" b="0" i="0" u="none" strike="noStrike" kern="1200" cap="none" spc="0" normalizeH="0" noProof="0" dirty="0" smtClean="0">
+              <a:rPr kumimoji="0" lang="en-US" sz="2000" b="0" i="0" u="none" strike="noStrike" kern="1200" cap="none" spc="0" normalizeH="0" noProof="0" dirty="0">
                 <a:ln>
                   <a:noFill/>
                 </a:ln>
@@ -8779,7 +8861,7 @@
               <a:t>’ because </a:t>
             </a:r>
             <a:r>
-              <a:rPr lang="en-US" sz="2000" dirty="0" smtClean="0">
+              <a:rPr lang="en-US" sz="2000" dirty="0">
                 <a:solidFill>
                   <a:prstClr val="black"/>
                 </a:solidFill>
@@ -8788,7 +8870,7 @@
               <a:t>for normal rolls, it is set to null, representing that the </a:t>
             </a:r>
             <a:r>
-              <a:rPr lang="en-US" sz="2000" dirty="0" err="1" smtClean="0">
+              <a:rPr lang="en-US" sz="2000" dirty="0" err="1">
                 <a:solidFill>
                   <a:prstClr val="black"/>
                 </a:solidFill>
@@ -8797,7 +8879,7 @@
               <a:t>UserOwner</a:t>
             </a:r>
             <a:r>
-              <a:rPr lang="en-US" sz="2000" dirty="0" smtClean="0">
+              <a:rPr lang="en-US" sz="2000" dirty="0">
                 <a:solidFill>
                   <a:prstClr val="black"/>
                 </a:solidFill>
@@ -8806,7 +8888,7 @@
               <a:t> was the system. When an user create a new auction, he/she is the </a:t>
             </a:r>
             <a:r>
-              <a:rPr lang="en-US" sz="2000" dirty="0" err="1" smtClean="0">
+              <a:rPr lang="en-US" sz="2000" dirty="0" err="1">
                 <a:solidFill>
                   <a:prstClr val="black"/>
                 </a:solidFill>
@@ -8815,7 +8897,7 @@
               <a:t>UserOwner</a:t>
             </a:r>
             <a:r>
-              <a:rPr lang="en-US" sz="2000" dirty="0" smtClean="0">
+              <a:rPr lang="en-US" sz="2000" dirty="0">
                 <a:solidFill>
                   <a:prstClr val="black"/>
                 </a:solidFill>
@@ -8863,7 +8945,7 @@
               <a:tabLst/>
               <a:defRPr/>
             </a:pPr>
-            <a:endParaRPr lang="en-US" sz="2000" dirty="0" smtClean="0">
+            <a:endParaRPr lang="en-US" sz="2000" dirty="0">
               <a:solidFill>
                 <a:prstClr val="black"/>
               </a:solidFill>
@@ -8887,7 +8969,7 @@
               <a:defRPr/>
             </a:pPr>
             <a:r>
-              <a:rPr lang="en-US" sz="2000" dirty="0" smtClean="0">
+              <a:rPr lang="en-US" sz="2000" dirty="0">
                 <a:solidFill>
                   <a:prstClr val="black"/>
                 </a:solidFill>
@@ -8896,7 +8978,7 @@
               <a:t>When an user put a bid on an auction, he/she plays the role of </a:t>
             </a:r>
             <a:r>
-              <a:rPr lang="en-US" sz="2000" dirty="0" err="1" smtClean="0">
+              <a:rPr lang="en-US" sz="2000" dirty="0" err="1">
                 <a:solidFill>
                   <a:prstClr val="black"/>
                 </a:solidFill>
@@ -8905,7 +8987,7 @@
               <a:t>RequestingUser</a:t>
             </a:r>
             <a:r>
-              <a:rPr lang="en-US" sz="2000" dirty="0" smtClean="0">
+              <a:rPr lang="en-US" sz="2000" dirty="0">
                 <a:solidFill>
                   <a:prstClr val="black"/>
                 </a:solidFill>
@@ -8959,7 +9041,7 @@
               <a:tabLst/>
               <a:defRPr/>
             </a:pPr>
-            <a:endParaRPr kumimoji="0" lang="en-US" sz="2000" b="0" i="0" u="none" strike="noStrike" kern="1200" cap="none" spc="0" normalizeH="0" baseline="0" noProof="0" dirty="0" smtClean="0">
+            <a:endParaRPr kumimoji="0" lang="en-US" sz="2000" b="0" i="0" u="none" strike="noStrike" kern="1200" cap="none" spc="0" normalizeH="0" baseline="0" noProof="0" dirty="0">
               <a:ln>
                 <a:noFill/>
               </a:ln>
@@ -8989,7 +9071,7 @@
               <a:defRPr/>
             </a:pPr>
             <a:r>
-              <a:rPr lang="en-US" sz="2000" dirty="0" smtClean="0">
+              <a:rPr lang="en-US" sz="2000" dirty="0">
                 <a:solidFill>
                   <a:prstClr val="black"/>
                 </a:solidFill>
@@ -8998,7 +9080,7 @@
               <a:t>The owner’s Currency amount is updated immediately and so for the </a:t>
             </a:r>
             <a:r>
-              <a:rPr lang="en-US" sz="2000" dirty="0" err="1" smtClean="0">
+              <a:rPr lang="en-US" sz="2000" dirty="0" err="1">
                 <a:solidFill>
                   <a:prstClr val="black"/>
                 </a:solidFill>
@@ -9007,7 +9089,7 @@
               <a:t>RequestingUser</a:t>
             </a:r>
             <a:r>
-              <a:rPr lang="en-US" sz="2000" dirty="0" smtClean="0">
+              <a:rPr lang="en-US" sz="2000" dirty="0">
                 <a:solidFill>
                   <a:prstClr val="black"/>
                 </a:solidFill>
@@ -9015,12 +9097,6 @@
               </a:rPr>
               <a:t>.</a:t>
             </a:r>
-            <a:endParaRPr lang="en-US" sz="2000" dirty="0">
-              <a:solidFill>
-                <a:prstClr val="black"/>
-              </a:solidFill>
-              <a:latin typeface="Calibri" panose="020F0502020204030204"/>
-            </a:endParaRPr>
           </a:p>
         </p:txBody>
       </p:sp>
@@ -9072,17 +9148,13 @@
           <a:p>
             <a:r>
               <a:rPr lang="it-IT" sz="900" dirty="0" err="1"/>
-              <a:t>r</a:t>
-            </a:r>
-            <a:r>
-              <a:rPr lang="it-IT" sz="900" dirty="0" err="1" smtClean="0"/>
-              <a:t>oll</a:t>
-            </a:r>
-            <a:endParaRPr lang="it-IT" sz="900" dirty="0" smtClean="0"/>
-          </a:p>
-          <a:p>
-            <a:r>
-              <a:rPr lang="it-IT" sz="900" dirty="0" err="1" smtClean="0"/>
+              <a:t>roll</a:t>
+            </a:r>
+            <a:endParaRPr lang="it-IT" sz="900" dirty="0"/>
+          </a:p>
+          <a:p>
+            <a:r>
+              <a:rPr lang="it-IT" sz="900" dirty="0" err="1"/>
               <a:t>auction</a:t>
             </a:r>
             <a:endParaRPr lang="it-IT" sz="900" dirty="0"/>
@@ -9254,16 +9326,10 @@
               <a:rPr lang="it-IT" dirty="0">
                 <a:latin typeface="Cooper Black" panose="0208090404030B020404" pitchFamily="18" charset="0"/>
               </a:rPr>
-              <a:t>M</a:t>
-            </a:r>
-            <a:r>
-              <a:rPr lang="it-IT" dirty="0" smtClean="0">
-                <a:latin typeface="Cooper Black" panose="0208090404030B020404" pitchFamily="18" charset="0"/>
-              </a:rPr>
-              <a:t>arket </a:t>
-            </a:r>
-            <a:r>
-              <a:rPr lang="it-IT" dirty="0" err="1" smtClean="0">
+              <a:t>Market </a:t>
+            </a:r>
+            <a:r>
+              <a:rPr lang="it-IT" dirty="0" err="1">
                 <a:latin typeface="Cooper Black" panose="0208090404030B020404" pitchFamily="18" charset="0"/>
               </a:rPr>
               <a:t>rules</a:t>
@@ -9323,7 +9389,7 @@
               <a:defRPr/>
             </a:pPr>
             <a:r>
-              <a:rPr lang="en-US" sz="2000" dirty="0" smtClean="0">
+              <a:rPr lang="en-US" sz="2000" dirty="0">
                 <a:solidFill>
                   <a:prstClr val="black"/>
                 </a:solidFill>
@@ -9332,7 +9398,7 @@
               <a:t>If some user raise on the bid, he becomes the </a:t>
             </a:r>
             <a:r>
-              <a:rPr lang="en-US" sz="2000" dirty="0" err="1" smtClean="0">
+              <a:rPr lang="en-US" sz="2000" dirty="0" err="1">
                 <a:solidFill>
                   <a:prstClr val="black"/>
                 </a:solidFill>
@@ -9341,7 +9407,7 @@
               <a:t>RequestingUser</a:t>
             </a:r>
             <a:r>
-              <a:rPr lang="en-US" sz="2000" dirty="0" smtClean="0">
+              <a:rPr lang="en-US" sz="2000" dirty="0">
                 <a:solidFill>
                   <a:prstClr val="black"/>
                 </a:solidFill>
@@ -9350,7 +9416,7 @@
               <a:t>. The old </a:t>
             </a:r>
             <a:r>
-              <a:rPr lang="en-US" sz="2000" dirty="0" err="1" smtClean="0">
+              <a:rPr lang="en-US" sz="2000" dirty="0" err="1">
                 <a:solidFill>
                   <a:prstClr val="black"/>
                 </a:solidFill>
@@ -9359,7 +9425,7 @@
               <a:t>RequestingUser</a:t>
             </a:r>
             <a:r>
-              <a:rPr lang="en-US" sz="2000" dirty="0" smtClean="0">
+              <a:rPr lang="en-US" sz="2000" dirty="0">
                 <a:solidFill>
                   <a:prstClr val="black"/>
                 </a:solidFill>
@@ -9386,7 +9452,7 @@
               <a:tabLst/>
               <a:defRPr/>
             </a:pPr>
-            <a:endParaRPr lang="en-US" sz="2000" dirty="0" smtClean="0">
+            <a:endParaRPr lang="en-US" sz="2000" dirty="0">
               <a:solidFill>
                 <a:prstClr val="black"/>
               </a:solidFill>
@@ -9435,31 +9501,7 @@
                   <a:prstClr val="black"/>
                 </a:solidFill>
               </a:rPr>
-              <a:t> passed). </a:t>
-            </a:r>
-            <a:r>
-              <a:rPr lang="en-US" sz="2000" dirty="0" smtClean="0">
-                <a:solidFill>
-                  <a:prstClr val="black"/>
-                </a:solidFill>
-              </a:rPr>
-              <a:t>If you </a:t>
-            </a:r>
-            <a:r>
-              <a:rPr lang="en-US" sz="2000" dirty="0">
-                <a:solidFill>
-                  <a:prstClr val="black"/>
-                </a:solidFill>
-              </a:rPr>
-              <a:t>bid at the last second of the </a:t>
-            </a:r>
-            <a:r>
-              <a:rPr lang="en-US" sz="2000" dirty="0" smtClean="0">
-                <a:solidFill>
-                  <a:prstClr val="black"/>
-                </a:solidFill>
-              </a:rPr>
-              <a:t>auction everything is fine.</a:t>
+              <a:t> passed). If you bid at the last second of the auction everything is fine.</a:t>
             </a:r>
           </a:p>
           <a:p>
@@ -9478,7 +9520,7 @@
               <a:defRPr/>
             </a:pPr>
             <a:r>
-              <a:rPr lang="en-US" sz="2000" dirty="0" smtClean="0">
+              <a:rPr lang="en-US" sz="2000" dirty="0">
                 <a:solidFill>
                   <a:prstClr val="black"/>
                 </a:solidFill>
@@ -9487,7 +9529,7 @@
               <a:t>The last thing that needs to be pointed out is the </a:t>
             </a:r>
             <a:r>
-              <a:rPr lang="en-US" sz="2000" dirty="0" err="1" smtClean="0">
+              <a:rPr lang="en-US" sz="2000" dirty="0" err="1">
                 <a:solidFill>
                   <a:prstClr val="black"/>
                 </a:solidFill>
@@ -9496,7 +9538,7 @@
               <a:t>SendedTo</a:t>
             </a:r>
             <a:r>
-              <a:rPr lang="en-US" sz="2000" dirty="0" smtClean="0">
+              <a:rPr lang="en-US" sz="2000" dirty="0">
                 <a:solidFill>
                   <a:prstClr val="black"/>
                 </a:solidFill>
@@ -9505,7 +9547,7 @@
               <a:t> attribute. An admin has the power of close an auction if he wants to. When he does this the </a:t>
             </a:r>
             <a:r>
-              <a:rPr lang="en-US" sz="2000" dirty="0" err="1" smtClean="0">
+              <a:rPr lang="en-US" sz="2000" dirty="0" err="1">
                 <a:solidFill>
                   <a:prstClr val="black"/>
                 </a:solidFill>
@@ -9514,7 +9556,7 @@
               <a:t>SendedTo</a:t>
             </a:r>
             <a:r>
-              <a:rPr lang="en-US" sz="2000" dirty="0" smtClean="0">
+              <a:rPr lang="en-US" sz="2000" dirty="0">
                 <a:solidFill>
                   <a:prstClr val="black"/>
                 </a:solidFill>
@@ -9523,7 +9565,7 @@
               <a:t> attribute, in the record where the </a:t>
             </a:r>
             <a:r>
-              <a:rPr lang="en-US" sz="2000" dirty="0" err="1" smtClean="0">
+              <a:rPr lang="en-US" sz="2000" dirty="0" err="1">
                 <a:solidFill>
                   <a:prstClr val="black"/>
                 </a:solidFill>
@@ -9532,7 +9574,7 @@
               <a:t>UserOwner</a:t>
             </a:r>
             <a:r>
-              <a:rPr lang="en-US" sz="2000" dirty="0" smtClean="0">
+              <a:rPr lang="en-US" sz="2000" dirty="0">
                 <a:solidFill>
                   <a:prstClr val="black"/>
                 </a:solidFill>
@@ -9541,7 +9583,7 @@
               <a:t> got the </a:t>
             </a:r>
             <a:r>
-              <a:rPr lang="en-US" sz="2000" dirty="0" err="1" smtClean="0">
+              <a:rPr lang="en-US" sz="2000" dirty="0" err="1">
                 <a:solidFill>
                   <a:prstClr val="black"/>
                 </a:solidFill>
@@ -9550,7 +9592,7 @@
               <a:t>gacha</a:t>
             </a:r>
             <a:r>
-              <a:rPr lang="en-US" sz="2000" dirty="0" smtClean="0">
+              <a:rPr lang="en-US" sz="2000" dirty="0">
                 <a:solidFill>
                   <a:prstClr val="black"/>
                 </a:solidFill>
@@ -9559,7 +9601,7 @@
               <a:t>, is </a:t>
             </a:r>
             <a:r>
-              <a:rPr lang="en-US" sz="2000" dirty="0" err="1" smtClean="0">
+              <a:rPr lang="en-US" sz="2000" dirty="0" err="1">
                 <a:solidFill>
                   <a:prstClr val="black"/>
                 </a:solidFill>
@@ -9568,7 +9610,7 @@
               <a:t>setted</a:t>
             </a:r>
             <a:r>
-              <a:rPr lang="en-US" sz="2000" dirty="0" smtClean="0">
+              <a:rPr lang="en-US" sz="2000" dirty="0">
                 <a:solidFill>
                   <a:prstClr val="black"/>
                 </a:solidFill>
@@ -9577,7 +9619,7 @@
               <a:t> with the </a:t>
             </a:r>
             <a:r>
-              <a:rPr lang="en-US" sz="2000" dirty="0" err="1" smtClean="0">
+              <a:rPr lang="en-US" sz="2000" dirty="0" err="1">
                 <a:solidFill>
                   <a:prstClr val="black"/>
                 </a:solidFill>
@@ -9586,7 +9628,7 @@
               <a:t>RequestingUser</a:t>
             </a:r>
             <a:r>
-              <a:rPr lang="en-US" sz="2000" dirty="0" smtClean="0">
+              <a:rPr lang="en-US" sz="2000" dirty="0">
                 <a:solidFill>
                   <a:prstClr val="black"/>
                 </a:solidFill>
@@ -9610,7 +9652,7 @@
             <a:pPr lvl="0">
               <a:defRPr/>
             </a:pPr>
-            <a:endParaRPr lang="en-US" sz="2000" dirty="0" smtClean="0">
+            <a:endParaRPr lang="en-US" sz="2000" dirty="0">
               <a:solidFill>
                 <a:prstClr val="black"/>
               </a:solidFill>
@@ -9632,7 +9674,7 @@
             <a:pPr lvl="0">
               <a:defRPr/>
             </a:pPr>
-            <a:endParaRPr lang="en-US" sz="2000" dirty="0" smtClean="0">
+            <a:endParaRPr lang="en-US" sz="2000" dirty="0">
               <a:solidFill>
                 <a:prstClr val="black"/>
               </a:solidFill>
@@ -10063,6 +10105,278 @@
   <p:cSld>
     <p:spTree>
       <p:nvGrpSpPr>
+        <p:cNvPr id="1" name="">
+          <a:extLst>
+            <a:ext uri="{FF2B5EF4-FFF2-40B4-BE49-F238E27FC236}">
+              <a16:creationId xmlns:a16="http://schemas.microsoft.com/office/drawing/2014/main" id="{A574B133-01C6-9DA8-578E-2C9681049676}"/>
+            </a:ext>
+          </a:extLst>
+        </p:cNvPr>
+        <p:cNvGrpSpPr/>
+        <p:nvPr/>
+      </p:nvGrpSpPr>
+      <p:grpSpPr>
+        <a:xfrm>
+          <a:off x="0" y="0"/>
+          <a:ext cx="0" cy="0"/>
+          <a:chOff x="0" y="0"/>
+          <a:chExt cx="0" cy="0"/>
+        </a:xfrm>
+      </p:grpSpPr>
+      <p:sp>
+        <p:nvSpPr>
+          <p:cNvPr id="2" name="Titolo 1">
+            <a:extLst>
+              <a:ext uri="{FF2B5EF4-FFF2-40B4-BE49-F238E27FC236}">
+                <a16:creationId xmlns:a16="http://schemas.microsoft.com/office/drawing/2014/main" id="{EC7AD36A-954C-78CA-E978-0091152F513B}"/>
+              </a:ext>
+            </a:extLst>
+          </p:cNvPr>
+          <p:cNvSpPr>
+            <a:spLocks noGrp="1"/>
+          </p:cNvSpPr>
+          <p:nvPr>
+            <p:ph type="title"/>
+          </p:nvPr>
+        </p:nvSpPr>
+        <p:spPr/>
+        <p:txBody>
+          <a:bodyPr/>
+          <a:lstStyle/>
+          <a:p>
+            <a:r>
+              <a:rPr lang="it-IT" dirty="0">
+                <a:latin typeface="Cooper Black" panose="0208090404030B020404" pitchFamily="18" charset="0"/>
+              </a:rPr>
+              <a:t>Testing</a:t>
+            </a:r>
+            <a:endParaRPr lang="it-IT" dirty="0"/>
+          </a:p>
+        </p:txBody>
+      </p:sp>
+      <p:sp>
+        <p:nvSpPr>
+          <p:cNvPr id="4" name="CasellaDiTesto 3">
+            <a:extLst>
+              <a:ext uri="{FF2B5EF4-FFF2-40B4-BE49-F238E27FC236}">
+                <a16:creationId xmlns:a16="http://schemas.microsoft.com/office/drawing/2014/main" id="{A7B8E203-925D-B5AE-3270-6FE3A4E54255}"/>
+              </a:ext>
+            </a:extLst>
+          </p:cNvPr>
+          <p:cNvSpPr txBox="1"/>
+          <p:nvPr/>
+        </p:nvSpPr>
+        <p:spPr>
+          <a:xfrm>
+            <a:off x="377416" y="1690688"/>
+            <a:ext cx="10861832" cy="3785652"/>
+          </a:xfrm>
+          <a:prstGeom prst="rect">
+            <a:avLst/>
+          </a:prstGeom>
+          <a:noFill/>
+          <a:ln>
+            <a:solidFill>
+              <a:srgbClr val="002060"/>
+            </a:solidFill>
+          </a:ln>
+        </p:spPr>
+        <p:txBody>
+          <a:bodyPr wrap="square" rtlCol="0">
+            <a:spAutoFit/>
+          </a:bodyPr>
+          <a:lstStyle/>
+          <a:p>
+            <a:pPr lvl="0">
+              <a:defRPr/>
+            </a:pPr>
+            <a:r>
+              <a:rPr lang="en-US" sz="2000" dirty="0"/>
+              <a:t>The implemented tests aim to verify the functioning of various services. The following endpoints were tested for the market service:</a:t>
+            </a:r>
+          </a:p>
+          <a:p>
+            <a:pPr lvl="0">
+              <a:defRPr/>
+            </a:pPr>
+            <a:endParaRPr lang="en-US" sz="2000" dirty="0"/>
+          </a:p>
+          <a:p>
+            <a:pPr marL="342900" lvl="0" indent="-342900">
+              <a:buFont typeface="Arial" panose="020B0604020202020204" pitchFamily="34" charset="0"/>
+              <a:buChar char="•"/>
+              <a:defRPr/>
+            </a:pPr>
+            <a:r>
+              <a:rPr lang="en-US" sz="2000" b="1" dirty="0">
+                <a:solidFill>
+                  <a:prstClr val="black"/>
+                </a:solidFill>
+                <a:latin typeface="Calibri" panose="020F0502020204030204"/>
+              </a:rPr>
+              <a:t>/</a:t>
+            </a:r>
+            <a:r>
+              <a:rPr lang="en-US" sz="2000" b="1" dirty="0" err="1"/>
+              <a:t>new_auction</a:t>
+            </a:r>
+            <a:r>
+              <a:rPr lang="en-US" sz="2000" dirty="0"/>
+              <a:t>: verifies the presence of all required parameters such as </a:t>
+            </a:r>
+            <a:r>
+              <a:rPr lang="en-US" sz="2000" dirty="0" err="1"/>
+              <a:t>user_owner</a:t>
+            </a:r>
+            <a:r>
+              <a:rPr lang="en-US" sz="2000" dirty="0"/>
+              <a:t>, </a:t>
+            </a:r>
+            <a:r>
+              <a:rPr lang="en-US" sz="2000" dirty="0" err="1"/>
+              <a:t>gacha_id</a:t>
+            </a:r>
+            <a:r>
+              <a:rPr lang="en-US" sz="2000" dirty="0"/>
+              <a:t>, </a:t>
+            </a:r>
+            <a:r>
+              <a:rPr lang="en-US" sz="2000" dirty="0" err="1"/>
+              <a:t>starting_price</a:t>
+            </a:r>
+            <a:r>
+              <a:rPr lang="en-US" sz="2000" dirty="0"/>
+              <a:t>, and </a:t>
+            </a:r>
+            <a:r>
+              <a:rPr lang="en-US" sz="2000" dirty="0" err="1"/>
+              <a:t>end_date</a:t>
+            </a:r>
+            <a:r>
+              <a:rPr lang="en-US" sz="2000" dirty="0"/>
+              <a:t>. </a:t>
+            </a:r>
+          </a:p>
+          <a:p>
+            <a:pPr marL="342900" lvl="0" indent="-342900">
+              <a:buFont typeface="Arial" panose="020B0604020202020204" pitchFamily="34" charset="0"/>
+              <a:buChar char="•"/>
+              <a:defRPr/>
+            </a:pPr>
+            <a:r>
+              <a:rPr lang="en-US" sz="2000" b="1" dirty="0"/>
+              <a:t>/</a:t>
+            </a:r>
+            <a:r>
+              <a:rPr lang="en-US" sz="2000" b="1" dirty="0" err="1"/>
+              <a:t>get_bid</a:t>
+            </a:r>
+            <a:r>
+              <a:rPr lang="en-US" sz="2000" dirty="0"/>
+              <a:t>: checks the correct existence of the auction and the presence of valid bids. </a:t>
+            </a:r>
+          </a:p>
+          <a:p>
+            <a:pPr marL="342900" lvl="0" indent="-342900">
+              <a:buFont typeface="Arial" panose="020B0604020202020204" pitchFamily="34" charset="0"/>
+              <a:buChar char="•"/>
+              <a:defRPr/>
+            </a:pPr>
+            <a:r>
+              <a:rPr lang="en-US" sz="2000" b="1" dirty="0"/>
+              <a:t>/</a:t>
+            </a:r>
+            <a:r>
+              <a:rPr lang="en-US" sz="2000" b="1" dirty="0" err="1"/>
+              <a:t>close_auction</a:t>
+            </a:r>
+            <a:r>
+              <a:rPr lang="en-US" sz="2000" dirty="0"/>
+              <a:t>: ensures that the auction exists and can be properly closed. </a:t>
+            </a:r>
+          </a:p>
+          <a:p>
+            <a:pPr marL="342900" lvl="0" indent="-342900">
+              <a:buFont typeface="Arial" panose="020B0604020202020204" pitchFamily="34" charset="0"/>
+              <a:buChar char="•"/>
+              <a:defRPr/>
+            </a:pPr>
+            <a:r>
+              <a:rPr lang="en-US" sz="2000" b="1" dirty="0"/>
+              <a:t>/roll</a:t>
+            </a:r>
+            <a:r>
+              <a:rPr lang="en-US" sz="2000" dirty="0"/>
+              <a:t>: verifies the presence of mandatory parameters such as </a:t>
+            </a:r>
+            <a:r>
+              <a:rPr lang="en-US" sz="2000" dirty="0" err="1"/>
+              <a:t>user_id</a:t>
+            </a:r>
+            <a:r>
+              <a:rPr lang="en-US" sz="2000" dirty="0"/>
+              <a:t>, </a:t>
+            </a:r>
+            <a:r>
+              <a:rPr lang="en-US" sz="2000" dirty="0" err="1"/>
+              <a:t>gacha_id</a:t>
+            </a:r>
+            <a:r>
+              <a:rPr lang="en-US" sz="2000" dirty="0"/>
+              <a:t>, cost, and </a:t>
+            </a:r>
+            <a:r>
+              <a:rPr lang="en-US" sz="2000" dirty="0" err="1"/>
+              <a:t>end_date</a:t>
+            </a:r>
+            <a:r>
+              <a:rPr lang="en-US" sz="2000" dirty="0"/>
+              <a:t> intercepted from the POST request sent to the </a:t>
+            </a:r>
+            <a:r>
+              <a:rPr lang="en-US" sz="2000" dirty="0" err="1"/>
+              <a:t>db</a:t>
+            </a:r>
+            <a:r>
+              <a:rPr lang="en-US" sz="2000" dirty="0"/>
+              <a:t>-manager.</a:t>
+            </a:r>
+          </a:p>
+          <a:p>
+            <a:pPr lvl="0">
+              <a:defRPr/>
+            </a:pPr>
+            <a:endParaRPr lang="en-US" sz="2000" dirty="0"/>
+          </a:p>
+          <a:p>
+            <a:pPr lvl="0">
+              <a:defRPr/>
+            </a:pPr>
+            <a:r>
+              <a:rPr lang="en-US" sz="2000" dirty="0"/>
+              <a:t> The scenarios also cover errors such as attempts to bid on non-existent auctions or the closure of already concluded auctions.</a:t>
+            </a:r>
+          </a:p>
+        </p:txBody>
+      </p:sp>
+    </p:spTree>
+    <p:extLst>
+      <p:ext uri="{BB962C8B-B14F-4D97-AF65-F5344CB8AC3E}">
+        <p14:creationId xmlns:p14="http://schemas.microsoft.com/office/powerpoint/2010/main" val="3912398011"/>
+      </p:ext>
+    </p:extLst>
+  </p:cSld>
+  <p:clrMapOvr>
+    <a:masterClrMapping/>
+  </p:clrMapOvr>
+</p:sld>
+</file>
+
+<file path=ppt/slides/slide18.xml><?xml version="1.0" encoding="utf-8"?>
+<p:sld xmlns:a="http://schemas.openxmlformats.org/drawingml/2006/main" xmlns:r="http://schemas.openxmlformats.org/officeDocument/2006/relationships" xmlns:p="http://schemas.openxmlformats.org/presentationml/2006/main">
+  <p:cSld>
+    <p:spTree>
+      <p:nvGrpSpPr>
         <p:cNvPr id="1" name=""/>
         <p:cNvGrpSpPr/>
         <p:nvPr/>
@@ -10327,7 +10641,7 @@
 </p:sld>
 </file>
 
-<file path=ppt/slides/slide18.xml><?xml version="1.0" encoding="utf-8"?>
+<file path=ppt/slides/slide19.xml><?xml version="1.0" encoding="utf-8"?>
 <p:sld xmlns:a="http://schemas.openxmlformats.org/drawingml/2006/main" xmlns:r="http://schemas.openxmlformats.org/officeDocument/2006/relationships" xmlns:p="http://schemas.openxmlformats.org/presentationml/2006/main">
   <p:cSld>
     <p:spTree>
@@ -10673,7 +10987,2480 @@
 </p:sld>
 </file>
 
-<file path=ppt/slides/slide19.xml><?xml version="1.0" encoding="utf-8"?>
+<file path=ppt/slides/slide2.xml><?xml version="1.0" encoding="utf-8"?>
+<p:sld xmlns:a="http://schemas.openxmlformats.org/drawingml/2006/main" xmlns:r="http://schemas.openxmlformats.org/officeDocument/2006/relationships" xmlns:p="http://schemas.openxmlformats.org/presentationml/2006/main">
+  <p:cSld>
+    <p:spTree>
+      <p:nvGrpSpPr>
+        <p:cNvPr id="1" name=""/>
+        <p:cNvGrpSpPr/>
+        <p:nvPr/>
+      </p:nvGrpSpPr>
+      <p:grpSpPr>
+        <a:xfrm>
+          <a:off x="0" y="0"/>
+          <a:ext cx="0" cy="0"/>
+          <a:chOff x="0" y="0"/>
+          <a:chExt cx="0" cy="0"/>
+        </a:xfrm>
+      </p:grpSpPr>
+      <p:sp>
+        <p:nvSpPr>
+          <p:cNvPr id="2" name="Titolo 1"/>
+          <p:cNvSpPr>
+            <a:spLocks noGrp="1"/>
+          </p:cNvSpPr>
+          <p:nvPr>
+            <p:ph type="title"/>
+          </p:nvPr>
+        </p:nvSpPr>
+        <p:spPr>
+          <a:xfrm>
+            <a:off x="838200" y="35939"/>
+            <a:ext cx="10515600" cy="1325563"/>
+          </a:xfrm>
+        </p:spPr>
+        <p:txBody>
+          <a:bodyPr>
+            <a:normAutofit/>
+          </a:bodyPr>
+          <a:lstStyle/>
+          <a:p>
+            <a:pPr algn="ctr"/>
+            <a:r>
+              <a:rPr lang="it-IT" sz="3200" dirty="0" err="1">
+                <a:latin typeface="Cooper Black" panose="0208090404030B020404" pitchFamily="18" charset="0"/>
+              </a:rPr>
+              <a:t>Catalogue</a:t>
+            </a:r>
+            <a:r>
+              <a:rPr lang="it-IT" sz="3200" dirty="0">
+                <a:latin typeface="Cooper Black" panose="0208090404030B020404" pitchFamily="18" charset="0"/>
+              </a:rPr>
+              <a:t> – </a:t>
+            </a:r>
+            <a:r>
+              <a:rPr lang="it-IT" sz="3200" dirty="0" err="1">
+                <a:latin typeface="Cooper Black" panose="0208090404030B020404" pitchFamily="18" charset="0"/>
+              </a:rPr>
+              <a:t>All</a:t>
+            </a:r>
+            <a:r>
+              <a:rPr lang="it-IT" sz="3200" dirty="0">
+                <a:latin typeface="Cooper Black" panose="0208090404030B020404" pitchFamily="18" charset="0"/>
+              </a:rPr>
+              <a:t> 151 </a:t>
+            </a:r>
+            <a:r>
+              <a:rPr lang="it-IT" sz="3200" dirty="0" err="1">
+                <a:latin typeface="Cooper Black" panose="0208090404030B020404" pitchFamily="18" charset="0"/>
+              </a:rPr>
+              <a:t>Pokémon</a:t>
+            </a:r>
+            <a:r>
+              <a:rPr lang="it-IT" sz="3200" dirty="0">
+                <a:latin typeface="Cooper Black" panose="0208090404030B020404" pitchFamily="18" charset="0"/>
+              </a:rPr>
+              <a:t> from 1° </a:t>
+            </a:r>
+            <a:r>
+              <a:rPr lang="it-IT" sz="3200" dirty="0" err="1">
+                <a:latin typeface="Cooper Black" panose="0208090404030B020404" pitchFamily="18" charset="0"/>
+              </a:rPr>
+              <a:t>gen</a:t>
+            </a:r>
+            <a:endParaRPr lang="it-IT" sz="3200" dirty="0">
+              <a:latin typeface="Cooper Black" panose="0208090404030B020404" pitchFamily="18" charset="0"/>
+            </a:endParaRPr>
+          </a:p>
+        </p:txBody>
+      </p:sp>
+      <p:sp>
+        <p:nvSpPr>
+          <p:cNvPr id="3" name="Segnaposto contenuto 2"/>
+          <p:cNvSpPr>
+            <a:spLocks noGrp="1"/>
+          </p:cNvSpPr>
+          <p:nvPr>
+            <p:ph idx="1"/>
+          </p:nvPr>
+        </p:nvSpPr>
+        <p:spPr>
+          <a:xfrm>
+            <a:off x="720000" y="1290814"/>
+            <a:ext cx="10800000" cy="540000"/>
+          </a:xfrm>
+          <a:solidFill>
+            <a:schemeClr val="bg2">
+              <a:lumMod val="90000"/>
+              <a:alpha val="40000"/>
+            </a:schemeClr>
+          </a:solidFill>
+        </p:spPr>
+        <p:txBody>
+          <a:bodyPr/>
+          <a:lstStyle/>
+          <a:p>
+            <a:r>
+              <a:rPr lang="it-IT" dirty="0">
+                <a:ln>
+                  <a:solidFill>
+                    <a:schemeClr val="tx1">
+                      <a:lumMod val="50000"/>
+                      <a:lumOff val="50000"/>
+                    </a:schemeClr>
+                  </a:solidFill>
+                </a:ln>
+                <a:solidFill>
+                  <a:schemeClr val="bg1"/>
+                </a:solidFill>
+              </a:rPr>
+              <a:t>Common (54,45%)</a:t>
+            </a:r>
+          </a:p>
+        </p:txBody>
+      </p:sp>
+      <p:sp>
+        <p:nvSpPr>
+          <p:cNvPr id="10" name="Segnaposto contenuto 2"/>
+          <p:cNvSpPr txBox="1">
+            <a:spLocks/>
+          </p:cNvSpPr>
+          <p:nvPr/>
+        </p:nvSpPr>
+        <p:spPr>
+          <a:xfrm>
+            <a:off x="720000" y="2190814"/>
+            <a:ext cx="10800000" cy="540000"/>
+          </a:xfrm>
+          <a:prstGeom prst="rect">
+            <a:avLst/>
+          </a:prstGeom>
+          <a:solidFill>
+            <a:schemeClr val="accent6">
+              <a:alpha val="40000"/>
+            </a:schemeClr>
+          </a:solidFill>
+        </p:spPr>
+        <p:txBody>
+          <a:bodyPr vert="horz" lIns="91440" tIns="45720" rIns="91440" bIns="45720" rtlCol="0">
+            <a:normAutofit/>
+          </a:bodyPr>
+          <a:lstStyle>
+            <a:lvl1pPr marL="228600" indent="-228600" algn="l" defTabSz="914400" rtl="0" eaLnBrk="1" latinLnBrk="0" hangingPunct="1">
+              <a:lnSpc>
+                <a:spcPct val="90000"/>
+              </a:lnSpc>
+              <a:spcBef>
+                <a:spcPts val="1000"/>
+              </a:spcBef>
+              <a:buFont typeface="Arial" panose="020B0604020202020204" pitchFamily="34" charset="0"/>
+              <a:buChar char="•"/>
+              <a:defRPr sz="2800" kern="1200">
+                <a:solidFill>
+                  <a:schemeClr val="tx1"/>
+                </a:solidFill>
+                <a:latin typeface="+mn-lt"/>
+                <a:ea typeface="+mn-ea"/>
+                <a:cs typeface="+mn-cs"/>
+              </a:defRPr>
+            </a:lvl1pPr>
+            <a:lvl2pPr marL="685800" indent="-228600" algn="l" defTabSz="914400" rtl="0" eaLnBrk="1" latinLnBrk="0" hangingPunct="1">
+              <a:lnSpc>
+                <a:spcPct val="90000"/>
+              </a:lnSpc>
+              <a:spcBef>
+                <a:spcPts val="500"/>
+              </a:spcBef>
+              <a:buFont typeface="Arial" panose="020B0604020202020204" pitchFamily="34" charset="0"/>
+              <a:buChar char="•"/>
+              <a:defRPr sz="2400" kern="1200">
+                <a:solidFill>
+                  <a:schemeClr val="tx1"/>
+                </a:solidFill>
+                <a:latin typeface="+mn-lt"/>
+                <a:ea typeface="+mn-ea"/>
+                <a:cs typeface="+mn-cs"/>
+              </a:defRPr>
+            </a:lvl2pPr>
+            <a:lvl3pPr marL="1143000" indent="-228600" algn="l" defTabSz="914400" rtl="0" eaLnBrk="1" latinLnBrk="0" hangingPunct="1">
+              <a:lnSpc>
+                <a:spcPct val="90000"/>
+              </a:lnSpc>
+              <a:spcBef>
+                <a:spcPts val="500"/>
+              </a:spcBef>
+              <a:buFont typeface="Arial" panose="020B0604020202020204" pitchFamily="34" charset="0"/>
+              <a:buChar char="•"/>
+              <a:defRPr sz="2000" kern="1200">
+                <a:solidFill>
+                  <a:schemeClr val="tx1"/>
+                </a:solidFill>
+                <a:latin typeface="+mn-lt"/>
+                <a:ea typeface="+mn-ea"/>
+                <a:cs typeface="+mn-cs"/>
+              </a:defRPr>
+            </a:lvl3pPr>
+            <a:lvl4pPr marL="1600200" indent="-228600" algn="l" defTabSz="914400" rtl="0" eaLnBrk="1" latinLnBrk="0" hangingPunct="1">
+              <a:lnSpc>
+                <a:spcPct val="90000"/>
+              </a:lnSpc>
+              <a:spcBef>
+                <a:spcPts val="500"/>
+              </a:spcBef>
+              <a:buFont typeface="Arial" panose="020B0604020202020204" pitchFamily="34" charset="0"/>
+              <a:buChar char="•"/>
+              <a:defRPr sz="1800" kern="1200">
+                <a:solidFill>
+                  <a:schemeClr val="tx1"/>
+                </a:solidFill>
+                <a:latin typeface="+mn-lt"/>
+                <a:ea typeface="+mn-ea"/>
+                <a:cs typeface="+mn-cs"/>
+              </a:defRPr>
+            </a:lvl4pPr>
+            <a:lvl5pPr marL="2057400" indent="-228600" algn="l" defTabSz="914400" rtl="0" eaLnBrk="1" latinLnBrk="0" hangingPunct="1">
+              <a:lnSpc>
+                <a:spcPct val="90000"/>
+              </a:lnSpc>
+              <a:spcBef>
+                <a:spcPts val="500"/>
+              </a:spcBef>
+              <a:buFont typeface="Arial" panose="020B0604020202020204" pitchFamily="34" charset="0"/>
+              <a:buChar char="•"/>
+              <a:defRPr sz="1800" kern="1200">
+                <a:solidFill>
+                  <a:schemeClr val="tx1"/>
+                </a:solidFill>
+                <a:latin typeface="+mn-lt"/>
+                <a:ea typeface="+mn-ea"/>
+                <a:cs typeface="+mn-cs"/>
+              </a:defRPr>
+            </a:lvl5pPr>
+            <a:lvl6pPr marL="2514600" indent="-228600" algn="l" defTabSz="914400" rtl="0" eaLnBrk="1" latinLnBrk="0" hangingPunct="1">
+              <a:lnSpc>
+                <a:spcPct val="90000"/>
+              </a:lnSpc>
+              <a:spcBef>
+                <a:spcPts val="500"/>
+              </a:spcBef>
+              <a:buFont typeface="Arial" panose="020B0604020202020204" pitchFamily="34" charset="0"/>
+              <a:buChar char="•"/>
+              <a:defRPr sz="1800" kern="1200">
+                <a:solidFill>
+                  <a:schemeClr val="tx1"/>
+                </a:solidFill>
+                <a:latin typeface="+mn-lt"/>
+                <a:ea typeface="+mn-ea"/>
+                <a:cs typeface="+mn-cs"/>
+              </a:defRPr>
+            </a:lvl6pPr>
+            <a:lvl7pPr marL="2971800" indent="-228600" algn="l" defTabSz="914400" rtl="0" eaLnBrk="1" latinLnBrk="0" hangingPunct="1">
+              <a:lnSpc>
+                <a:spcPct val="90000"/>
+              </a:lnSpc>
+              <a:spcBef>
+                <a:spcPts val="500"/>
+              </a:spcBef>
+              <a:buFont typeface="Arial" panose="020B0604020202020204" pitchFamily="34" charset="0"/>
+              <a:buChar char="•"/>
+              <a:defRPr sz="1800" kern="1200">
+                <a:solidFill>
+                  <a:schemeClr val="tx1"/>
+                </a:solidFill>
+                <a:latin typeface="+mn-lt"/>
+                <a:ea typeface="+mn-ea"/>
+                <a:cs typeface="+mn-cs"/>
+              </a:defRPr>
+            </a:lvl7pPr>
+            <a:lvl8pPr marL="3429000" indent="-228600" algn="l" defTabSz="914400" rtl="0" eaLnBrk="1" latinLnBrk="0" hangingPunct="1">
+              <a:lnSpc>
+                <a:spcPct val="90000"/>
+              </a:lnSpc>
+              <a:spcBef>
+                <a:spcPts val="500"/>
+              </a:spcBef>
+              <a:buFont typeface="Arial" panose="020B0604020202020204" pitchFamily="34" charset="0"/>
+              <a:buChar char="•"/>
+              <a:defRPr sz="1800" kern="1200">
+                <a:solidFill>
+                  <a:schemeClr val="tx1"/>
+                </a:solidFill>
+                <a:latin typeface="+mn-lt"/>
+                <a:ea typeface="+mn-ea"/>
+                <a:cs typeface="+mn-cs"/>
+              </a:defRPr>
+            </a:lvl8pPr>
+            <a:lvl9pPr marL="3886200" indent="-228600" algn="l" defTabSz="914400" rtl="0" eaLnBrk="1" latinLnBrk="0" hangingPunct="1">
+              <a:lnSpc>
+                <a:spcPct val="90000"/>
+              </a:lnSpc>
+              <a:spcBef>
+                <a:spcPts val="500"/>
+              </a:spcBef>
+              <a:buFont typeface="Arial" panose="020B0604020202020204" pitchFamily="34" charset="0"/>
+              <a:buChar char="•"/>
+              <a:defRPr sz="1800" kern="1200">
+                <a:solidFill>
+                  <a:schemeClr val="tx1"/>
+                </a:solidFill>
+                <a:latin typeface="+mn-lt"/>
+                <a:ea typeface="+mn-ea"/>
+                <a:cs typeface="+mn-cs"/>
+              </a:defRPr>
+            </a:lvl9pPr>
+          </a:lstStyle>
+          <a:p>
+            <a:r>
+              <a:rPr lang="it-IT" dirty="0" err="1">
+                <a:ln>
+                  <a:solidFill>
+                    <a:schemeClr val="accent6">
+                      <a:lumMod val="50000"/>
+                    </a:schemeClr>
+                  </a:solidFill>
+                </a:ln>
+                <a:solidFill>
+                  <a:schemeClr val="bg1"/>
+                </a:solidFill>
+              </a:rPr>
+              <a:t>Uncommon</a:t>
+            </a:r>
+            <a:r>
+              <a:rPr lang="it-IT" dirty="0">
+                <a:ln>
+                  <a:solidFill>
+                    <a:schemeClr val="accent6">
+                      <a:lumMod val="50000"/>
+                    </a:schemeClr>
+                  </a:solidFill>
+                </a:ln>
+                <a:solidFill>
+                  <a:schemeClr val="bg1"/>
+                </a:solidFill>
+              </a:rPr>
+              <a:t> (40%)</a:t>
+            </a:r>
+          </a:p>
+        </p:txBody>
+      </p:sp>
+      <p:sp>
+        <p:nvSpPr>
+          <p:cNvPr id="11" name="Segnaposto contenuto 2"/>
+          <p:cNvSpPr txBox="1">
+            <a:spLocks/>
+          </p:cNvSpPr>
+          <p:nvPr/>
+        </p:nvSpPr>
+        <p:spPr>
+          <a:xfrm>
+            <a:off x="720000" y="3090814"/>
+            <a:ext cx="10800000" cy="540000"/>
+          </a:xfrm>
+          <a:prstGeom prst="rect">
+            <a:avLst/>
+          </a:prstGeom>
+          <a:solidFill>
+            <a:schemeClr val="accent1">
+              <a:alpha val="40000"/>
+            </a:schemeClr>
+          </a:solidFill>
+        </p:spPr>
+        <p:txBody>
+          <a:bodyPr vert="horz" lIns="91440" tIns="45720" rIns="91440" bIns="45720" rtlCol="0">
+            <a:normAutofit/>
+          </a:bodyPr>
+          <a:lstStyle>
+            <a:lvl1pPr marL="228600" indent="-228600" algn="l" defTabSz="914400" rtl="0" eaLnBrk="1" latinLnBrk="0" hangingPunct="1">
+              <a:lnSpc>
+                <a:spcPct val="90000"/>
+              </a:lnSpc>
+              <a:spcBef>
+                <a:spcPts val="1000"/>
+              </a:spcBef>
+              <a:buFont typeface="Arial" panose="020B0604020202020204" pitchFamily="34" charset="0"/>
+              <a:buChar char="•"/>
+              <a:defRPr sz="2800" kern="1200">
+                <a:solidFill>
+                  <a:schemeClr val="tx1"/>
+                </a:solidFill>
+                <a:latin typeface="+mn-lt"/>
+                <a:ea typeface="+mn-ea"/>
+                <a:cs typeface="+mn-cs"/>
+              </a:defRPr>
+            </a:lvl1pPr>
+            <a:lvl2pPr marL="685800" indent="-228600" algn="l" defTabSz="914400" rtl="0" eaLnBrk="1" latinLnBrk="0" hangingPunct="1">
+              <a:lnSpc>
+                <a:spcPct val="90000"/>
+              </a:lnSpc>
+              <a:spcBef>
+                <a:spcPts val="500"/>
+              </a:spcBef>
+              <a:buFont typeface="Arial" panose="020B0604020202020204" pitchFamily="34" charset="0"/>
+              <a:buChar char="•"/>
+              <a:defRPr sz="2400" kern="1200">
+                <a:solidFill>
+                  <a:schemeClr val="tx1"/>
+                </a:solidFill>
+                <a:latin typeface="+mn-lt"/>
+                <a:ea typeface="+mn-ea"/>
+                <a:cs typeface="+mn-cs"/>
+              </a:defRPr>
+            </a:lvl2pPr>
+            <a:lvl3pPr marL="1143000" indent="-228600" algn="l" defTabSz="914400" rtl="0" eaLnBrk="1" latinLnBrk="0" hangingPunct="1">
+              <a:lnSpc>
+                <a:spcPct val="90000"/>
+              </a:lnSpc>
+              <a:spcBef>
+                <a:spcPts val="500"/>
+              </a:spcBef>
+              <a:buFont typeface="Arial" panose="020B0604020202020204" pitchFamily="34" charset="0"/>
+              <a:buChar char="•"/>
+              <a:defRPr sz="2000" kern="1200">
+                <a:solidFill>
+                  <a:schemeClr val="tx1"/>
+                </a:solidFill>
+                <a:latin typeface="+mn-lt"/>
+                <a:ea typeface="+mn-ea"/>
+                <a:cs typeface="+mn-cs"/>
+              </a:defRPr>
+            </a:lvl3pPr>
+            <a:lvl4pPr marL="1600200" indent="-228600" algn="l" defTabSz="914400" rtl="0" eaLnBrk="1" latinLnBrk="0" hangingPunct="1">
+              <a:lnSpc>
+                <a:spcPct val="90000"/>
+              </a:lnSpc>
+              <a:spcBef>
+                <a:spcPts val="500"/>
+              </a:spcBef>
+              <a:buFont typeface="Arial" panose="020B0604020202020204" pitchFamily="34" charset="0"/>
+              <a:buChar char="•"/>
+              <a:defRPr sz="1800" kern="1200">
+                <a:solidFill>
+                  <a:schemeClr val="tx1"/>
+                </a:solidFill>
+                <a:latin typeface="+mn-lt"/>
+                <a:ea typeface="+mn-ea"/>
+                <a:cs typeface="+mn-cs"/>
+              </a:defRPr>
+            </a:lvl4pPr>
+            <a:lvl5pPr marL="2057400" indent="-228600" algn="l" defTabSz="914400" rtl="0" eaLnBrk="1" latinLnBrk="0" hangingPunct="1">
+              <a:lnSpc>
+                <a:spcPct val="90000"/>
+              </a:lnSpc>
+              <a:spcBef>
+                <a:spcPts val="500"/>
+              </a:spcBef>
+              <a:buFont typeface="Arial" panose="020B0604020202020204" pitchFamily="34" charset="0"/>
+              <a:buChar char="•"/>
+              <a:defRPr sz="1800" kern="1200">
+                <a:solidFill>
+                  <a:schemeClr val="tx1"/>
+                </a:solidFill>
+                <a:latin typeface="+mn-lt"/>
+                <a:ea typeface="+mn-ea"/>
+                <a:cs typeface="+mn-cs"/>
+              </a:defRPr>
+            </a:lvl5pPr>
+            <a:lvl6pPr marL="2514600" indent="-228600" algn="l" defTabSz="914400" rtl="0" eaLnBrk="1" latinLnBrk="0" hangingPunct="1">
+              <a:lnSpc>
+                <a:spcPct val="90000"/>
+              </a:lnSpc>
+              <a:spcBef>
+                <a:spcPts val="500"/>
+              </a:spcBef>
+              <a:buFont typeface="Arial" panose="020B0604020202020204" pitchFamily="34" charset="0"/>
+              <a:buChar char="•"/>
+              <a:defRPr sz="1800" kern="1200">
+                <a:solidFill>
+                  <a:schemeClr val="tx1"/>
+                </a:solidFill>
+                <a:latin typeface="+mn-lt"/>
+                <a:ea typeface="+mn-ea"/>
+                <a:cs typeface="+mn-cs"/>
+              </a:defRPr>
+            </a:lvl6pPr>
+            <a:lvl7pPr marL="2971800" indent="-228600" algn="l" defTabSz="914400" rtl="0" eaLnBrk="1" latinLnBrk="0" hangingPunct="1">
+              <a:lnSpc>
+                <a:spcPct val="90000"/>
+              </a:lnSpc>
+              <a:spcBef>
+                <a:spcPts val="500"/>
+              </a:spcBef>
+              <a:buFont typeface="Arial" panose="020B0604020202020204" pitchFamily="34" charset="0"/>
+              <a:buChar char="•"/>
+              <a:defRPr sz="1800" kern="1200">
+                <a:solidFill>
+                  <a:schemeClr val="tx1"/>
+                </a:solidFill>
+                <a:latin typeface="+mn-lt"/>
+                <a:ea typeface="+mn-ea"/>
+                <a:cs typeface="+mn-cs"/>
+              </a:defRPr>
+            </a:lvl7pPr>
+            <a:lvl8pPr marL="3429000" indent="-228600" algn="l" defTabSz="914400" rtl="0" eaLnBrk="1" latinLnBrk="0" hangingPunct="1">
+              <a:lnSpc>
+                <a:spcPct val="90000"/>
+              </a:lnSpc>
+              <a:spcBef>
+                <a:spcPts val="500"/>
+              </a:spcBef>
+              <a:buFont typeface="Arial" panose="020B0604020202020204" pitchFamily="34" charset="0"/>
+              <a:buChar char="•"/>
+              <a:defRPr sz="1800" kern="1200">
+                <a:solidFill>
+                  <a:schemeClr val="tx1"/>
+                </a:solidFill>
+                <a:latin typeface="+mn-lt"/>
+                <a:ea typeface="+mn-ea"/>
+                <a:cs typeface="+mn-cs"/>
+              </a:defRPr>
+            </a:lvl8pPr>
+            <a:lvl9pPr marL="3886200" indent="-228600" algn="l" defTabSz="914400" rtl="0" eaLnBrk="1" latinLnBrk="0" hangingPunct="1">
+              <a:lnSpc>
+                <a:spcPct val="90000"/>
+              </a:lnSpc>
+              <a:spcBef>
+                <a:spcPts val="500"/>
+              </a:spcBef>
+              <a:buFont typeface="Arial" panose="020B0604020202020204" pitchFamily="34" charset="0"/>
+              <a:buChar char="•"/>
+              <a:defRPr sz="1800" kern="1200">
+                <a:solidFill>
+                  <a:schemeClr val="tx1"/>
+                </a:solidFill>
+                <a:latin typeface="+mn-lt"/>
+                <a:ea typeface="+mn-ea"/>
+                <a:cs typeface="+mn-cs"/>
+              </a:defRPr>
+            </a:lvl9pPr>
+          </a:lstStyle>
+          <a:p>
+            <a:r>
+              <a:rPr lang="it-IT" dirty="0">
+                <a:ln>
+                  <a:solidFill>
+                    <a:schemeClr val="accent1">
+                      <a:lumMod val="50000"/>
+                    </a:schemeClr>
+                  </a:solidFill>
+                </a:ln>
+                <a:solidFill>
+                  <a:schemeClr val="bg1"/>
+                </a:solidFill>
+              </a:rPr>
+              <a:t>Rare (5%)</a:t>
+            </a:r>
+          </a:p>
+        </p:txBody>
+      </p:sp>
+      <p:sp>
+        <p:nvSpPr>
+          <p:cNvPr id="12" name="Segnaposto contenuto 2"/>
+          <p:cNvSpPr txBox="1">
+            <a:spLocks/>
+          </p:cNvSpPr>
+          <p:nvPr/>
+        </p:nvSpPr>
+        <p:spPr>
+          <a:xfrm>
+            <a:off x="720000" y="3990814"/>
+            <a:ext cx="10800000" cy="540000"/>
+          </a:xfrm>
+          <a:prstGeom prst="rect">
+            <a:avLst/>
+          </a:prstGeom>
+          <a:solidFill>
+            <a:srgbClr val="7030A0">
+              <a:alpha val="40000"/>
+            </a:srgbClr>
+          </a:solidFill>
+        </p:spPr>
+        <p:txBody>
+          <a:bodyPr vert="horz" lIns="91440" tIns="45720" rIns="91440" bIns="45720" rtlCol="0">
+            <a:normAutofit/>
+          </a:bodyPr>
+          <a:lstStyle>
+            <a:lvl1pPr marL="228600" indent="-228600" algn="l" defTabSz="914400" rtl="0" eaLnBrk="1" latinLnBrk="0" hangingPunct="1">
+              <a:lnSpc>
+                <a:spcPct val="90000"/>
+              </a:lnSpc>
+              <a:spcBef>
+                <a:spcPts val="1000"/>
+              </a:spcBef>
+              <a:buFont typeface="Arial" panose="020B0604020202020204" pitchFamily="34" charset="0"/>
+              <a:buChar char="•"/>
+              <a:defRPr sz="2800" kern="1200">
+                <a:solidFill>
+                  <a:schemeClr val="tx1"/>
+                </a:solidFill>
+                <a:latin typeface="+mn-lt"/>
+                <a:ea typeface="+mn-ea"/>
+                <a:cs typeface="+mn-cs"/>
+              </a:defRPr>
+            </a:lvl1pPr>
+            <a:lvl2pPr marL="685800" indent="-228600" algn="l" defTabSz="914400" rtl="0" eaLnBrk="1" latinLnBrk="0" hangingPunct="1">
+              <a:lnSpc>
+                <a:spcPct val="90000"/>
+              </a:lnSpc>
+              <a:spcBef>
+                <a:spcPts val="500"/>
+              </a:spcBef>
+              <a:buFont typeface="Arial" panose="020B0604020202020204" pitchFamily="34" charset="0"/>
+              <a:buChar char="•"/>
+              <a:defRPr sz="2400" kern="1200">
+                <a:solidFill>
+                  <a:schemeClr val="tx1"/>
+                </a:solidFill>
+                <a:latin typeface="+mn-lt"/>
+                <a:ea typeface="+mn-ea"/>
+                <a:cs typeface="+mn-cs"/>
+              </a:defRPr>
+            </a:lvl2pPr>
+            <a:lvl3pPr marL="1143000" indent="-228600" algn="l" defTabSz="914400" rtl="0" eaLnBrk="1" latinLnBrk="0" hangingPunct="1">
+              <a:lnSpc>
+                <a:spcPct val="90000"/>
+              </a:lnSpc>
+              <a:spcBef>
+                <a:spcPts val="500"/>
+              </a:spcBef>
+              <a:buFont typeface="Arial" panose="020B0604020202020204" pitchFamily="34" charset="0"/>
+              <a:buChar char="•"/>
+              <a:defRPr sz="2000" kern="1200">
+                <a:solidFill>
+                  <a:schemeClr val="tx1"/>
+                </a:solidFill>
+                <a:latin typeface="+mn-lt"/>
+                <a:ea typeface="+mn-ea"/>
+                <a:cs typeface="+mn-cs"/>
+              </a:defRPr>
+            </a:lvl3pPr>
+            <a:lvl4pPr marL="1600200" indent="-228600" algn="l" defTabSz="914400" rtl="0" eaLnBrk="1" latinLnBrk="0" hangingPunct="1">
+              <a:lnSpc>
+                <a:spcPct val="90000"/>
+              </a:lnSpc>
+              <a:spcBef>
+                <a:spcPts val="500"/>
+              </a:spcBef>
+              <a:buFont typeface="Arial" panose="020B0604020202020204" pitchFamily="34" charset="0"/>
+              <a:buChar char="•"/>
+              <a:defRPr sz="1800" kern="1200">
+                <a:solidFill>
+                  <a:schemeClr val="tx1"/>
+                </a:solidFill>
+                <a:latin typeface="+mn-lt"/>
+                <a:ea typeface="+mn-ea"/>
+                <a:cs typeface="+mn-cs"/>
+              </a:defRPr>
+            </a:lvl4pPr>
+            <a:lvl5pPr marL="2057400" indent="-228600" algn="l" defTabSz="914400" rtl="0" eaLnBrk="1" latinLnBrk="0" hangingPunct="1">
+              <a:lnSpc>
+                <a:spcPct val="90000"/>
+              </a:lnSpc>
+              <a:spcBef>
+                <a:spcPts val="500"/>
+              </a:spcBef>
+              <a:buFont typeface="Arial" panose="020B0604020202020204" pitchFamily="34" charset="0"/>
+              <a:buChar char="•"/>
+              <a:defRPr sz="1800" kern="1200">
+                <a:solidFill>
+                  <a:schemeClr val="tx1"/>
+                </a:solidFill>
+                <a:latin typeface="+mn-lt"/>
+                <a:ea typeface="+mn-ea"/>
+                <a:cs typeface="+mn-cs"/>
+              </a:defRPr>
+            </a:lvl5pPr>
+            <a:lvl6pPr marL="2514600" indent="-228600" algn="l" defTabSz="914400" rtl="0" eaLnBrk="1" latinLnBrk="0" hangingPunct="1">
+              <a:lnSpc>
+                <a:spcPct val="90000"/>
+              </a:lnSpc>
+              <a:spcBef>
+                <a:spcPts val="500"/>
+              </a:spcBef>
+              <a:buFont typeface="Arial" panose="020B0604020202020204" pitchFamily="34" charset="0"/>
+              <a:buChar char="•"/>
+              <a:defRPr sz="1800" kern="1200">
+                <a:solidFill>
+                  <a:schemeClr val="tx1"/>
+                </a:solidFill>
+                <a:latin typeface="+mn-lt"/>
+                <a:ea typeface="+mn-ea"/>
+                <a:cs typeface="+mn-cs"/>
+              </a:defRPr>
+            </a:lvl6pPr>
+            <a:lvl7pPr marL="2971800" indent="-228600" algn="l" defTabSz="914400" rtl="0" eaLnBrk="1" latinLnBrk="0" hangingPunct="1">
+              <a:lnSpc>
+                <a:spcPct val="90000"/>
+              </a:lnSpc>
+              <a:spcBef>
+                <a:spcPts val="500"/>
+              </a:spcBef>
+              <a:buFont typeface="Arial" panose="020B0604020202020204" pitchFamily="34" charset="0"/>
+              <a:buChar char="•"/>
+              <a:defRPr sz="1800" kern="1200">
+                <a:solidFill>
+                  <a:schemeClr val="tx1"/>
+                </a:solidFill>
+                <a:latin typeface="+mn-lt"/>
+                <a:ea typeface="+mn-ea"/>
+                <a:cs typeface="+mn-cs"/>
+              </a:defRPr>
+            </a:lvl7pPr>
+            <a:lvl8pPr marL="3429000" indent="-228600" algn="l" defTabSz="914400" rtl="0" eaLnBrk="1" latinLnBrk="0" hangingPunct="1">
+              <a:lnSpc>
+                <a:spcPct val="90000"/>
+              </a:lnSpc>
+              <a:spcBef>
+                <a:spcPts val="500"/>
+              </a:spcBef>
+              <a:buFont typeface="Arial" panose="020B0604020202020204" pitchFamily="34" charset="0"/>
+              <a:buChar char="•"/>
+              <a:defRPr sz="1800" kern="1200">
+                <a:solidFill>
+                  <a:schemeClr val="tx1"/>
+                </a:solidFill>
+                <a:latin typeface="+mn-lt"/>
+                <a:ea typeface="+mn-ea"/>
+                <a:cs typeface="+mn-cs"/>
+              </a:defRPr>
+            </a:lvl8pPr>
+            <a:lvl9pPr marL="3886200" indent="-228600" algn="l" defTabSz="914400" rtl="0" eaLnBrk="1" latinLnBrk="0" hangingPunct="1">
+              <a:lnSpc>
+                <a:spcPct val="90000"/>
+              </a:lnSpc>
+              <a:spcBef>
+                <a:spcPts val="500"/>
+              </a:spcBef>
+              <a:buFont typeface="Arial" panose="020B0604020202020204" pitchFamily="34" charset="0"/>
+              <a:buChar char="•"/>
+              <a:defRPr sz="1800" kern="1200">
+                <a:solidFill>
+                  <a:schemeClr val="tx1"/>
+                </a:solidFill>
+                <a:latin typeface="+mn-lt"/>
+                <a:ea typeface="+mn-ea"/>
+                <a:cs typeface="+mn-cs"/>
+              </a:defRPr>
+            </a:lvl9pPr>
+          </a:lstStyle>
+          <a:p>
+            <a:r>
+              <a:rPr lang="it-IT" dirty="0" err="1">
+                <a:ln>
+                  <a:solidFill>
+                    <a:srgbClr val="7030A0"/>
+                  </a:solidFill>
+                </a:ln>
+                <a:solidFill>
+                  <a:schemeClr val="bg1"/>
+                </a:solidFill>
+              </a:rPr>
+              <a:t>Epic</a:t>
+            </a:r>
+            <a:r>
+              <a:rPr lang="it-IT" dirty="0">
+                <a:ln>
+                  <a:solidFill>
+                    <a:srgbClr val="7030A0"/>
+                  </a:solidFill>
+                </a:ln>
+                <a:solidFill>
+                  <a:schemeClr val="bg1"/>
+                </a:solidFill>
+              </a:rPr>
+              <a:t> (0,5%)</a:t>
+            </a:r>
+          </a:p>
+        </p:txBody>
+      </p:sp>
+      <p:sp>
+        <p:nvSpPr>
+          <p:cNvPr id="13" name="Segnaposto contenuto 2"/>
+          <p:cNvSpPr txBox="1">
+            <a:spLocks/>
+          </p:cNvSpPr>
+          <p:nvPr/>
+        </p:nvSpPr>
+        <p:spPr>
+          <a:xfrm>
+            <a:off x="720000" y="4890814"/>
+            <a:ext cx="10800000" cy="540000"/>
+          </a:xfrm>
+          <a:prstGeom prst="rect">
+            <a:avLst/>
+          </a:prstGeom>
+          <a:solidFill>
+            <a:schemeClr val="accent4">
+              <a:alpha val="40000"/>
+            </a:schemeClr>
+          </a:solidFill>
+        </p:spPr>
+        <p:txBody>
+          <a:bodyPr vert="horz" lIns="91440" tIns="45720" rIns="91440" bIns="45720" rtlCol="0">
+            <a:normAutofit/>
+          </a:bodyPr>
+          <a:lstStyle>
+            <a:lvl1pPr marL="228600" indent="-228600" algn="l" defTabSz="914400" rtl="0" eaLnBrk="1" latinLnBrk="0" hangingPunct="1">
+              <a:lnSpc>
+                <a:spcPct val="90000"/>
+              </a:lnSpc>
+              <a:spcBef>
+                <a:spcPts val="1000"/>
+              </a:spcBef>
+              <a:buFont typeface="Arial" panose="020B0604020202020204" pitchFamily="34" charset="0"/>
+              <a:buChar char="•"/>
+              <a:defRPr sz="2800" kern="1200">
+                <a:solidFill>
+                  <a:schemeClr val="tx1"/>
+                </a:solidFill>
+                <a:latin typeface="+mn-lt"/>
+                <a:ea typeface="+mn-ea"/>
+                <a:cs typeface="+mn-cs"/>
+              </a:defRPr>
+            </a:lvl1pPr>
+            <a:lvl2pPr marL="685800" indent="-228600" algn="l" defTabSz="914400" rtl="0" eaLnBrk="1" latinLnBrk="0" hangingPunct="1">
+              <a:lnSpc>
+                <a:spcPct val="90000"/>
+              </a:lnSpc>
+              <a:spcBef>
+                <a:spcPts val="500"/>
+              </a:spcBef>
+              <a:buFont typeface="Arial" panose="020B0604020202020204" pitchFamily="34" charset="0"/>
+              <a:buChar char="•"/>
+              <a:defRPr sz="2400" kern="1200">
+                <a:solidFill>
+                  <a:schemeClr val="tx1"/>
+                </a:solidFill>
+                <a:latin typeface="+mn-lt"/>
+                <a:ea typeface="+mn-ea"/>
+                <a:cs typeface="+mn-cs"/>
+              </a:defRPr>
+            </a:lvl2pPr>
+            <a:lvl3pPr marL="1143000" indent="-228600" algn="l" defTabSz="914400" rtl="0" eaLnBrk="1" latinLnBrk="0" hangingPunct="1">
+              <a:lnSpc>
+                <a:spcPct val="90000"/>
+              </a:lnSpc>
+              <a:spcBef>
+                <a:spcPts val="500"/>
+              </a:spcBef>
+              <a:buFont typeface="Arial" panose="020B0604020202020204" pitchFamily="34" charset="0"/>
+              <a:buChar char="•"/>
+              <a:defRPr sz="2000" kern="1200">
+                <a:solidFill>
+                  <a:schemeClr val="tx1"/>
+                </a:solidFill>
+                <a:latin typeface="+mn-lt"/>
+                <a:ea typeface="+mn-ea"/>
+                <a:cs typeface="+mn-cs"/>
+              </a:defRPr>
+            </a:lvl3pPr>
+            <a:lvl4pPr marL="1600200" indent="-228600" algn="l" defTabSz="914400" rtl="0" eaLnBrk="1" latinLnBrk="0" hangingPunct="1">
+              <a:lnSpc>
+                <a:spcPct val="90000"/>
+              </a:lnSpc>
+              <a:spcBef>
+                <a:spcPts val="500"/>
+              </a:spcBef>
+              <a:buFont typeface="Arial" panose="020B0604020202020204" pitchFamily="34" charset="0"/>
+              <a:buChar char="•"/>
+              <a:defRPr sz="1800" kern="1200">
+                <a:solidFill>
+                  <a:schemeClr val="tx1"/>
+                </a:solidFill>
+                <a:latin typeface="+mn-lt"/>
+                <a:ea typeface="+mn-ea"/>
+                <a:cs typeface="+mn-cs"/>
+              </a:defRPr>
+            </a:lvl4pPr>
+            <a:lvl5pPr marL="2057400" indent="-228600" algn="l" defTabSz="914400" rtl="0" eaLnBrk="1" latinLnBrk="0" hangingPunct="1">
+              <a:lnSpc>
+                <a:spcPct val="90000"/>
+              </a:lnSpc>
+              <a:spcBef>
+                <a:spcPts val="500"/>
+              </a:spcBef>
+              <a:buFont typeface="Arial" panose="020B0604020202020204" pitchFamily="34" charset="0"/>
+              <a:buChar char="•"/>
+              <a:defRPr sz="1800" kern="1200">
+                <a:solidFill>
+                  <a:schemeClr val="tx1"/>
+                </a:solidFill>
+                <a:latin typeface="+mn-lt"/>
+                <a:ea typeface="+mn-ea"/>
+                <a:cs typeface="+mn-cs"/>
+              </a:defRPr>
+            </a:lvl5pPr>
+            <a:lvl6pPr marL="2514600" indent="-228600" algn="l" defTabSz="914400" rtl="0" eaLnBrk="1" latinLnBrk="0" hangingPunct="1">
+              <a:lnSpc>
+                <a:spcPct val="90000"/>
+              </a:lnSpc>
+              <a:spcBef>
+                <a:spcPts val="500"/>
+              </a:spcBef>
+              <a:buFont typeface="Arial" panose="020B0604020202020204" pitchFamily="34" charset="0"/>
+              <a:buChar char="•"/>
+              <a:defRPr sz="1800" kern="1200">
+                <a:solidFill>
+                  <a:schemeClr val="tx1"/>
+                </a:solidFill>
+                <a:latin typeface="+mn-lt"/>
+                <a:ea typeface="+mn-ea"/>
+                <a:cs typeface="+mn-cs"/>
+              </a:defRPr>
+            </a:lvl6pPr>
+            <a:lvl7pPr marL="2971800" indent="-228600" algn="l" defTabSz="914400" rtl="0" eaLnBrk="1" latinLnBrk="0" hangingPunct="1">
+              <a:lnSpc>
+                <a:spcPct val="90000"/>
+              </a:lnSpc>
+              <a:spcBef>
+                <a:spcPts val="500"/>
+              </a:spcBef>
+              <a:buFont typeface="Arial" panose="020B0604020202020204" pitchFamily="34" charset="0"/>
+              <a:buChar char="•"/>
+              <a:defRPr sz="1800" kern="1200">
+                <a:solidFill>
+                  <a:schemeClr val="tx1"/>
+                </a:solidFill>
+                <a:latin typeface="+mn-lt"/>
+                <a:ea typeface="+mn-ea"/>
+                <a:cs typeface="+mn-cs"/>
+              </a:defRPr>
+            </a:lvl7pPr>
+            <a:lvl8pPr marL="3429000" indent="-228600" algn="l" defTabSz="914400" rtl="0" eaLnBrk="1" latinLnBrk="0" hangingPunct="1">
+              <a:lnSpc>
+                <a:spcPct val="90000"/>
+              </a:lnSpc>
+              <a:spcBef>
+                <a:spcPts val="500"/>
+              </a:spcBef>
+              <a:buFont typeface="Arial" panose="020B0604020202020204" pitchFamily="34" charset="0"/>
+              <a:buChar char="•"/>
+              <a:defRPr sz="1800" kern="1200">
+                <a:solidFill>
+                  <a:schemeClr val="tx1"/>
+                </a:solidFill>
+                <a:latin typeface="+mn-lt"/>
+                <a:ea typeface="+mn-ea"/>
+                <a:cs typeface="+mn-cs"/>
+              </a:defRPr>
+            </a:lvl8pPr>
+            <a:lvl9pPr marL="3886200" indent="-228600" algn="l" defTabSz="914400" rtl="0" eaLnBrk="1" latinLnBrk="0" hangingPunct="1">
+              <a:lnSpc>
+                <a:spcPct val="90000"/>
+              </a:lnSpc>
+              <a:spcBef>
+                <a:spcPts val="500"/>
+              </a:spcBef>
+              <a:buFont typeface="Arial" panose="020B0604020202020204" pitchFamily="34" charset="0"/>
+              <a:buChar char="•"/>
+              <a:defRPr sz="1800" kern="1200">
+                <a:solidFill>
+                  <a:schemeClr val="tx1"/>
+                </a:solidFill>
+                <a:latin typeface="+mn-lt"/>
+                <a:ea typeface="+mn-ea"/>
+                <a:cs typeface="+mn-cs"/>
+              </a:defRPr>
+            </a:lvl9pPr>
+          </a:lstStyle>
+          <a:p>
+            <a:r>
+              <a:rPr lang="it-IT" dirty="0" err="1">
+                <a:ln>
+                  <a:solidFill>
+                    <a:schemeClr val="accent4">
+                      <a:lumMod val="50000"/>
+                    </a:schemeClr>
+                  </a:solidFill>
+                </a:ln>
+                <a:solidFill>
+                  <a:schemeClr val="bg1"/>
+                </a:solidFill>
+              </a:rPr>
+              <a:t>Legendary</a:t>
+            </a:r>
+            <a:r>
+              <a:rPr lang="it-IT" dirty="0">
+                <a:ln>
+                  <a:solidFill>
+                    <a:schemeClr val="accent4">
+                      <a:lumMod val="50000"/>
+                    </a:schemeClr>
+                  </a:solidFill>
+                </a:ln>
+                <a:solidFill>
+                  <a:schemeClr val="bg1"/>
+                </a:solidFill>
+              </a:rPr>
+              <a:t> (0,05%)</a:t>
+            </a:r>
+          </a:p>
+        </p:txBody>
+      </p:sp>
+      <p:pic>
+        <p:nvPicPr>
+          <p:cNvPr id="1030" name="Picture 6" descr="https://static.wikia.nocookie.net/nintendo/images/d/d3/Mewtwo.png/revision/latest/scale-to-width-down/1000?cb=20141002090451&amp;path-prefix=en"/>
+          <p:cNvPicPr>
+            <a:picLocks noChangeAspect="1" noChangeArrowheads="1"/>
+          </p:cNvPicPr>
+          <p:nvPr/>
+        </p:nvPicPr>
+        <p:blipFill>
+          <a:blip r:embed="rId2" cstate="print">
+            <a:extLst>
+              <a:ext uri="{28A0092B-C50C-407E-A947-70E740481C1C}">
+                <a14:useLocalDpi xmlns:a14="http://schemas.microsoft.com/office/drawing/2010/main" val="0"/>
+              </a:ext>
+            </a:extLst>
+          </a:blip>
+          <a:srcRect/>
+          <a:stretch>
+            <a:fillRect/>
+          </a:stretch>
+        </p:blipFill>
+        <p:spPr bwMode="auto">
+          <a:xfrm>
+            <a:off x="10512000" y="4782814"/>
+            <a:ext cx="828000" cy="828000"/>
+          </a:xfrm>
+          <a:prstGeom prst="rect">
+            <a:avLst/>
+          </a:prstGeom>
+          <a:noFill/>
+          <a:extLst>
+            <a:ext uri="{909E8E84-426E-40DD-AFC4-6F175D3DCCD1}">
+              <a14:hiddenFill xmlns:a14="http://schemas.microsoft.com/office/drawing/2010/main">
+                <a:solidFill>
+                  <a:srgbClr val="FFFFFF"/>
+                </a:solidFill>
+              </a14:hiddenFill>
+            </a:ext>
+          </a:extLst>
+        </p:spPr>
+      </p:pic>
+      <p:pic>
+        <p:nvPicPr>
+          <p:cNvPr id="1032" name="Picture 8" descr="https://static.wikia.nocookie.net/nintendo/images/f/f8/Gengar.png/revision/latest?cb=20210812171706&amp;path-prefix=en"/>
+          <p:cNvPicPr>
+            <a:picLocks noChangeAspect="1" noChangeArrowheads="1"/>
+          </p:cNvPicPr>
+          <p:nvPr/>
+        </p:nvPicPr>
+        <p:blipFill>
+          <a:blip r:embed="rId3" cstate="print">
+            <a:extLst>
+              <a:ext uri="{28A0092B-C50C-407E-A947-70E740481C1C}">
+                <a14:useLocalDpi xmlns:a14="http://schemas.microsoft.com/office/drawing/2010/main" val="0"/>
+              </a:ext>
+            </a:extLst>
+          </a:blip>
+          <a:srcRect/>
+          <a:stretch>
+            <a:fillRect/>
+          </a:stretch>
+        </p:blipFill>
+        <p:spPr bwMode="auto">
+          <a:xfrm>
+            <a:off x="6480000" y="3846814"/>
+            <a:ext cx="828000" cy="828000"/>
+          </a:xfrm>
+          <a:prstGeom prst="rect">
+            <a:avLst/>
+          </a:prstGeom>
+          <a:noFill/>
+          <a:extLst>
+            <a:ext uri="{909E8E84-426E-40DD-AFC4-6F175D3DCCD1}">
+              <a14:hiddenFill xmlns:a14="http://schemas.microsoft.com/office/drawing/2010/main">
+                <a:solidFill>
+                  <a:srgbClr val="FFFFFF"/>
+                </a:solidFill>
+              </a14:hiddenFill>
+            </a:ext>
+          </a:extLst>
+        </p:spPr>
+      </p:pic>
+      <p:pic>
+        <p:nvPicPr>
+          <p:cNvPr id="1034" name="Picture 10" descr="https://static.wikia.nocookie.net/nintendo/images/9/95/Charizard.png/revision/latest/scale-to-width-down/1000?cb=20141002083306&amp;path-prefix=en"/>
+          <p:cNvPicPr>
+            <a:picLocks noChangeAspect="1" noChangeArrowheads="1"/>
+          </p:cNvPicPr>
+          <p:nvPr/>
+        </p:nvPicPr>
+        <p:blipFill>
+          <a:blip r:embed="rId4" cstate="print">
+            <a:extLst>
+              <a:ext uri="{28A0092B-C50C-407E-A947-70E740481C1C}">
+                <a14:useLocalDpi xmlns:a14="http://schemas.microsoft.com/office/drawing/2010/main" val="0"/>
+              </a:ext>
+            </a:extLst>
+          </a:blip>
+          <a:srcRect/>
+          <a:stretch>
+            <a:fillRect/>
+          </a:stretch>
+        </p:blipFill>
+        <p:spPr bwMode="auto">
+          <a:xfrm>
+            <a:off x="9450000" y="3846814"/>
+            <a:ext cx="828000" cy="828000"/>
+          </a:xfrm>
+          <a:prstGeom prst="rect">
+            <a:avLst/>
+          </a:prstGeom>
+          <a:noFill/>
+          <a:extLst>
+            <a:ext uri="{909E8E84-426E-40DD-AFC4-6F175D3DCCD1}">
+              <a14:hiddenFill xmlns:a14="http://schemas.microsoft.com/office/drawing/2010/main">
+                <a:solidFill>
+                  <a:srgbClr val="FFFFFF"/>
+                </a:solidFill>
+              </a14:hiddenFill>
+            </a:ext>
+          </a:extLst>
+        </p:spPr>
+      </p:pic>
+      <p:pic>
+        <p:nvPicPr>
+          <p:cNvPr id="1036" name="Picture 12" descr="https://static.wikia.nocookie.net/nintendo/images/7/77/Pikachu.png/revision/latest?cb=20141002082401&amp;path-prefix=en"/>
+          <p:cNvPicPr>
+            <a:picLocks noChangeAspect="1" noChangeArrowheads="1"/>
+          </p:cNvPicPr>
+          <p:nvPr/>
+        </p:nvPicPr>
+        <p:blipFill>
+          <a:blip r:embed="rId5" cstate="print">
+            <a:extLst>
+              <a:ext uri="{28A0092B-C50C-407E-A947-70E740481C1C}">
+                <a14:useLocalDpi xmlns:a14="http://schemas.microsoft.com/office/drawing/2010/main" val="0"/>
+              </a:ext>
+            </a:extLst>
+          </a:blip>
+          <a:srcRect/>
+          <a:stretch>
+            <a:fillRect/>
+          </a:stretch>
+        </p:blipFill>
+        <p:spPr bwMode="auto">
+          <a:xfrm>
+            <a:off x="6480000" y="2010814"/>
+            <a:ext cx="828000" cy="828000"/>
+          </a:xfrm>
+          <a:prstGeom prst="rect">
+            <a:avLst/>
+          </a:prstGeom>
+          <a:noFill/>
+          <a:extLst>
+            <a:ext uri="{909E8E84-426E-40DD-AFC4-6F175D3DCCD1}">
+              <a14:hiddenFill xmlns:a14="http://schemas.microsoft.com/office/drawing/2010/main">
+                <a:solidFill>
+                  <a:srgbClr val="FFFFFF"/>
+                </a:solidFill>
+              </a14:hiddenFill>
+            </a:ext>
+          </a:extLst>
+        </p:spPr>
+      </p:pic>
+      <p:pic>
+        <p:nvPicPr>
+          <p:cNvPr id="1044" name="Picture 20" descr="https://static.wikia.nocookie.net/nintendo/images/a/af/Jigglypuff.png/revision/latest?cb=20141002081555&amp;path-prefix=en"/>
+          <p:cNvPicPr>
+            <a:picLocks noChangeAspect="1" noChangeArrowheads="1"/>
+          </p:cNvPicPr>
+          <p:nvPr/>
+        </p:nvPicPr>
+        <p:blipFill>
+          <a:blip r:embed="rId6" cstate="print">
+            <a:extLst>
+              <a:ext uri="{28A0092B-C50C-407E-A947-70E740481C1C}">
+                <a14:useLocalDpi xmlns:a14="http://schemas.microsoft.com/office/drawing/2010/main" val="0"/>
+              </a:ext>
+            </a:extLst>
+          </a:blip>
+          <a:srcRect/>
+          <a:stretch>
+            <a:fillRect/>
+          </a:stretch>
+        </p:blipFill>
+        <p:spPr bwMode="auto">
+          <a:xfrm>
+            <a:off x="10512000" y="1110814"/>
+            <a:ext cx="828000" cy="828000"/>
+          </a:xfrm>
+          <a:prstGeom prst="rect">
+            <a:avLst/>
+          </a:prstGeom>
+          <a:noFill/>
+          <a:extLst>
+            <a:ext uri="{909E8E84-426E-40DD-AFC4-6F175D3DCCD1}">
+              <a14:hiddenFill xmlns:a14="http://schemas.microsoft.com/office/drawing/2010/main">
+                <a:solidFill>
+                  <a:srgbClr val="FFFFFF"/>
+                </a:solidFill>
+              </a14:hiddenFill>
+            </a:ext>
+          </a:extLst>
+        </p:spPr>
+      </p:pic>
+      <p:pic>
+        <p:nvPicPr>
+          <p:cNvPr id="1046" name="Picture 22" descr="https://static.wikia.nocookie.net/nintendo/images/9/99/Meowth.png/revision/latest?cb=20160811132041&amp;path-prefix=en"/>
+          <p:cNvPicPr>
+            <a:picLocks noChangeAspect="1" noChangeArrowheads="1"/>
+          </p:cNvPicPr>
+          <p:nvPr/>
+        </p:nvPicPr>
+        <p:blipFill>
+          <a:blip r:embed="rId7" cstate="print">
+            <a:extLst>
+              <a:ext uri="{28A0092B-C50C-407E-A947-70E740481C1C}">
+                <a14:useLocalDpi xmlns:a14="http://schemas.microsoft.com/office/drawing/2010/main" val="0"/>
+              </a:ext>
+            </a:extLst>
+          </a:blip>
+          <a:srcRect/>
+          <a:stretch>
+            <a:fillRect/>
+          </a:stretch>
+        </p:blipFill>
+        <p:spPr bwMode="auto">
+          <a:xfrm>
+            <a:off x="9536681" y="1110814"/>
+            <a:ext cx="654637" cy="828000"/>
+          </a:xfrm>
+          <a:prstGeom prst="rect">
+            <a:avLst/>
+          </a:prstGeom>
+          <a:noFill/>
+          <a:extLst>
+            <a:ext uri="{909E8E84-426E-40DD-AFC4-6F175D3DCCD1}">
+              <a14:hiddenFill xmlns:a14="http://schemas.microsoft.com/office/drawing/2010/main">
+                <a:solidFill>
+                  <a:srgbClr val="FFFFFF"/>
+                </a:solidFill>
+              </a14:hiddenFill>
+            </a:ext>
+          </a:extLst>
+        </p:spPr>
+      </p:pic>
+      <p:pic>
+        <p:nvPicPr>
+          <p:cNvPr id="1048" name="Picture 24" descr="https://static.wikia.nocookie.net/nintendo/images/f/f2/Eevee.png/revision/latest?cb=20210812185933&amp;path-prefix=en"/>
+          <p:cNvPicPr>
+            <a:picLocks noChangeAspect="1" noChangeArrowheads="1"/>
+          </p:cNvPicPr>
+          <p:nvPr/>
+        </p:nvPicPr>
+        <p:blipFill>
+          <a:blip r:embed="rId8" cstate="print">
+            <a:extLst>
+              <a:ext uri="{28A0092B-C50C-407E-A947-70E740481C1C}">
+                <a14:useLocalDpi xmlns:a14="http://schemas.microsoft.com/office/drawing/2010/main" val="0"/>
+              </a:ext>
+            </a:extLst>
+          </a:blip>
+          <a:srcRect/>
+          <a:stretch>
+            <a:fillRect/>
+          </a:stretch>
+        </p:blipFill>
+        <p:spPr bwMode="auto">
+          <a:xfrm>
+            <a:off x="7488000" y="2010814"/>
+            <a:ext cx="828000" cy="828000"/>
+          </a:xfrm>
+          <a:prstGeom prst="rect">
+            <a:avLst/>
+          </a:prstGeom>
+          <a:noFill/>
+          <a:extLst>
+            <a:ext uri="{909E8E84-426E-40DD-AFC4-6F175D3DCCD1}">
+              <a14:hiddenFill xmlns:a14="http://schemas.microsoft.com/office/drawing/2010/main">
+                <a:solidFill>
+                  <a:srgbClr val="FFFFFF"/>
+                </a:solidFill>
+              </a14:hiddenFill>
+            </a:ext>
+          </a:extLst>
+        </p:spPr>
+      </p:pic>
+      <p:pic>
+        <p:nvPicPr>
+          <p:cNvPr id="1050" name="Picture 26" descr="https://static.wikia.nocookie.net/nintendo/images/b/bf/Mew.png/revision/latest/scale-to-width-down/1000?cb=20180612225527&amp;path-prefix=en"/>
+          <p:cNvPicPr>
+            <a:picLocks noChangeAspect="1" noChangeArrowheads="1"/>
+          </p:cNvPicPr>
+          <p:nvPr/>
+        </p:nvPicPr>
+        <p:blipFill>
+          <a:blip r:embed="rId9" cstate="print">
+            <a:extLst>
+              <a:ext uri="{28A0092B-C50C-407E-A947-70E740481C1C}">
+                <a14:useLocalDpi xmlns:a14="http://schemas.microsoft.com/office/drawing/2010/main" val="0"/>
+              </a:ext>
+            </a:extLst>
+          </a:blip>
+          <a:srcRect/>
+          <a:stretch>
+            <a:fillRect/>
+          </a:stretch>
+        </p:blipFill>
+        <p:spPr bwMode="auto">
+          <a:xfrm>
+            <a:off x="9450000" y="4782814"/>
+            <a:ext cx="850976" cy="828000"/>
+          </a:xfrm>
+          <a:prstGeom prst="rect">
+            <a:avLst/>
+          </a:prstGeom>
+          <a:noFill/>
+          <a:extLst>
+            <a:ext uri="{909E8E84-426E-40DD-AFC4-6F175D3DCCD1}">
+              <a14:hiddenFill xmlns:a14="http://schemas.microsoft.com/office/drawing/2010/main">
+                <a:solidFill>
+                  <a:srgbClr val="FFFFFF"/>
+                </a:solidFill>
+              </a14:hiddenFill>
+            </a:ext>
+          </a:extLst>
+        </p:spPr>
+      </p:pic>
+      <p:pic>
+        <p:nvPicPr>
+          <p:cNvPr id="1052" name="Picture 28" descr="https://static.wikia.nocookie.net/nintendo/images/b/be/Venusaur.png/revision/latest/scale-to-width-down/1000?cb=20141002083423&amp;path-prefix=en"/>
+          <p:cNvPicPr>
+            <a:picLocks noChangeAspect="1" noChangeArrowheads="1"/>
+          </p:cNvPicPr>
+          <p:nvPr/>
+        </p:nvPicPr>
+        <p:blipFill>
+          <a:blip r:embed="rId10" cstate="print">
+            <a:extLst>
+              <a:ext uri="{28A0092B-C50C-407E-A947-70E740481C1C}">
+                <a14:useLocalDpi xmlns:a14="http://schemas.microsoft.com/office/drawing/2010/main" val="0"/>
+              </a:ext>
+            </a:extLst>
+          </a:blip>
+          <a:srcRect/>
+          <a:stretch>
+            <a:fillRect/>
+          </a:stretch>
+        </p:blipFill>
+        <p:spPr bwMode="auto">
+          <a:xfrm>
+            <a:off x="8460000" y="3846814"/>
+            <a:ext cx="828000" cy="828000"/>
+          </a:xfrm>
+          <a:prstGeom prst="rect">
+            <a:avLst/>
+          </a:prstGeom>
+          <a:noFill/>
+          <a:extLst>
+            <a:ext uri="{909E8E84-426E-40DD-AFC4-6F175D3DCCD1}">
+              <a14:hiddenFill xmlns:a14="http://schemas.microsoft.com/office/drawing/2010/main">
+                <a:solidFill>
+                  <a:srgbClr val="FFFFFF"/>
+                </a:solidFill>
+              </a14:hiddenFill>
+            </a:ext>
+          </a:extLst>
+        </p:spPr>
+      </p:pic>
+      <p:pic>
+        <p:nvPicPr>
+          <p:cNvPr id="1054" name="Picture 30" descr="https://static.wikia.nocookie.net/nintendo/images/4/41/Blastoise.png/revision/latest/scale-to-width-down/1000?cb=20141002083147&amp;path-prefix=en"/>
+          <p:cNvPicPr>
+            <a:picLocks noChangeAspect="1" noChangeArrowheads="1"/>
+          </p:cNvPicPr>
+          <p:nvPr/>
+        </p:nvPicPr>
+        <p:blipFill>
+          <a:blip r:embed="rId11" cstate="print">
+            <a:extLst>
+              <a:ext uri="{28A0092B-C50C-407E-A947-70E740481C1C}">
+                <a14:useLocalDpi xmlns:a14="http://schemas.microsoft.com/office/drawing/2010/main" val="0"/>
+              </a:ext>
+            </a:extLst>
+          </a:blip>
+          <a:srcRect/>
+          <a:stretch>
+            <a:fillRect/>
+          </a:stretch>
+        </p:blipFill>
+        <p:spPr bwMode="auto">
+          <a:xfrm>
+            <a:off x="10512000" y="3846814"/>
+            <a:ext cx="828000" cy="828000"/>
+          </a:xfrm>
+          <a:prstGeom prst="rect">
+            <a:avLst/>
+          </a:prstGeom>
+          <a:noFill/>
+          <a:extLst>
+            <a:ext uri="{909E8E84-426E-40DD-AFC4-6F175D3DCCD1}">
+              <a14:hiddenFill xmlns:a14="http://schemas.microsoft.com/office/drawing/2010/main">
+                <a:solidFill>
+                  <a:srgbClr val="FFFFFF"/>
+                </a:solidFill>
+              </a14:hiddenFill>
+            </a:ext>
+          </a:extLst>
+        </p:spPr>
+      </p:pic>
+      <p:pic>
+        <p:nvPicPr>
+          <p:cNvPr id="1056" name="Picture 32" descr="https://static.wikia.nocookie.net/nintendo/images/d/d7/Gyarados.png/revision/latest?cb=20210812185601&amp;path-prefix=en"/>
+          <p:cNvPicPr>
+            <a:picLocks noChangeAspect="1" noChangeArrowheads="1"/>
+          </p:cNvPicPr>
+          <p:nvPr/>
+        </p:nvPicPr>
+        <p:blipFill>
+          <a:blip r:embed="rId12" cstate="print">
+            <a:extLst>
+              <a:ext uri="{28A0092B-C50C-407E-A947-70E740481C1C}">
+                <a14:useLocalDpi xmlns:a14="http://schemas.microsoft.com/office/drawing/2010/main" val="0"/>
+              </a:ext>
+            </a:extLst>
+          </a:blip>
+          <a:srcRect/>
+          <a:stretch>
+            <a:fillRect/>
+          </a:stretch>
+        </p:blipFill>
+        <p:spPr bwMode="auto">
+          <a:xfrm>
+            <a:off x="13669282" y="3367699"/>
+            <a:ext cx="443115" cy="443115"/>
+          </a:xfrm>
+          <a:prstGeom prst="rect">
+            <a:avLst/>
+          </a:prstGeom>
+          <a:noFill/>
+          <a:extLst>
+            <a:ext uri="{909E8E84-426E-40DD-AFC4-6F175D3DCCD1}">
+              <a14:hiddenFill xmlns:a14="http://schemas.microsoft.com/office/drawing/2010/main">
+                <a:solidFill>
+                  <a:srgbClr val="FFFFFF"/>
+                </a:solidFill>
+              </a14:hiddenFill>
+            </a:ext>
+          </a:extLst>
+        </p:spPr>
+      </p:pic>
+      <p:pic>
+        <p:nvPicPr>
+          <p:cNvPr id="1058" name="Picture 34" descr="https://static.wikia.nocookie.net/nintendo/images/3/30/Lapras.png/revision/latest/scale-to-width-down/1000?cb=20191013025849&amp;path-prefix=en"/>
+          <p:cNvPicPr>
+            <a:picLocks noChangeAspect="1" noChangeArrowheads="1"/>
+          </p:cNvPicPr>
+          <p:nvPr/>
+        </p:nvPicPr>
+        <p:blipFill>
+          <a:blip r:embed="rId13" cstate="print">
+            <a:extLst>
+              <a:ext uri="{28A0092B-C50C-407E-A947-70E740481C1C}">
+                <a14:useLocalDpi xmlns:a14="http://schemas.microsoft.com/office/drawing/2010/main" val="0"/>
+              </a:ext>
+            </a:extLst>
+          </a:blip>
+          <a:srcRect/>
+          <a:stretch>
+            <a:fillRect/>
+          </a:stretch>
+        </p:blipFill>
+        <p:spPr bwMode="auto">
+          <a:xfrm>
+            <a:off x="7488000" y="3846814"/>
+            <a:ext cx="828000" cy="828000"/>
+          </a:xfrm>
+          <a:prstGeom prst="rect">
+            <a:avLst/>
+          </a:prstGeom>
+          <a:noFill/>
+          <a:extLst>
+            <a:ext uri="{909E8E84-426E-40DD-AFC4-6F175D3DCCD1}">
+              <a14:hiddenFill xmlns:a14="http://schemas.microsoft.com/office/drawing/2010/main">
+                <a:solidFill>
+                  <a:srgbClr val="FFFFFF"/>
+                </a:solidFill>
+              </a14:hiddenFill>
+            </a:ext>
+          </a:extLst>
+        </p:spPr>
+      </p:pic>
+      <p:pic>
+        <p:nvPicPr>
+          <p:cNvPr id="1062" name="Picture 38" descr="https://static.wikia.nocookie.net/nintendo/images/0/01/Moltres.png/revision/latest/scale-to-width-down/1000?cb=20191013000237&amp;path-prefix=en"/>
+          <p:cNvPicPr>
+            <a:picLocks noChangeAspect="1" noChangeArrowheads="1"/>
+          </p:cNvPicPr>
+          <p:nvPr/>
+        </p:nvPicPr>
+        <p:blipFill>
+          <a:blip r:embed="rId14" cstate="print">
+            <a:extLst>
+              <a:ext uri="{28A0092B-C50C-407E-A947-70E740481C1C}">
+                <a14:useLocalDpi xmlns:a14="http://schemas.microsoft.com/office/drawing/2010/main" val="0"/>
+              </a:ext>
+            </a:extLst>
+          </a:blip>
+          <a:srcRect/>
+          <a:stretch>
+            <a:fillRect/>
+          </a:stretch>
+        </p:blipFill>
+        <p:spPr bwMode="auto">
+          <a:xfrm>
+            <a:off x="8460000" y="4782814"/>
+            <a:ext cx="828000" cy="828000"/>
+          </a:xfrm>
+          <a:prstGeom prst="rect">
+            <a:avLst/>
+          </a:prstGeom>
+          <a:noFill/>
+          <a:extLst>
+            <a:ext uri="{909E8E84-426E-40DD-AFC4-6F175D3DCCD1}">
+              <a14:hiddenFill xmlns:a14="http://schemas.microsoft.com/office/drawing/2010/main">
+                <a:solidFill>
+                  <a:srgbClr val="FFFFFF"/>
+                </a:solidFill>
+              </a14:hiddenFill>
+            </a:ext>
+          </a:extLst>
+        </p:spPr>
+      </p:pic>
+      <p:pic>
+        <p:nvPicPr>
+          <p:cNvPr id="1066" name="Picture 42" descr="https://static.wikia.nocookie.net/nintendo/images/d/d8/Zapdos.png/revision/latest?cb=20141002090124&amp;path-prefix=en"/>
+          <p:cNvPicPr>
+            <a:picLocks noChangeAspect="1" noChangeArrowheads="1"/>
+          </p:cNvPicPr>
+          <p:nvPr/>
+        </p:nvPicPr>
+        <p:blipFill>
+          <a:blip r:embed="rId15" cstate="print">
+            <a:extLst>
+              <a:ext uri="{28A0092B-C50C-407E-A947-70E740481C1C}">
+                <a14:useLocalDpi xmlns:a14="http://schemas.microsoft.com/office/drawing/2010/main" val="0"/>
+              </a:ext>
+            </a:extLst>
+          </a:blip>
+          <a:srcRect/>
+          <a:stretch>
+            <a:fillRect/>
+          </a:stretch>
+        </p:blipFill>
+        <p:spPr bwMode="auto">
+          <a:xfrm>
+            <a:off x="7488000" y="4782814"/>
+            <a:ext cx="828000" cy="828000"/>
+          </a:xfrm>
+          <a:prstGeom prst="rect">
+            <a:avLst/>
+          </a:prstGeom>
+          <a:noFill/>
+          <a:extLst>
+            <a:ext uri="{909E8E84-426E-40DD-AFC4-6F175D3DCCD1}">
+              <a14:hiddenFill xmlns:a14="http://schemas.microsoft.com/office/drawing/2010/main">
+                <a:solidFill>
+                  <a:srgbClr val="FFFFFF"/>
+                </a:solidFill>
+              </a14:hiddenFill>
+            </a:ext>
+          </a:extLst>
+        </p:spPr>
+      </p:pic>
+      <p:pic>
+        <p:nvPicPr>
+          <p:cNvPr id="1068" name="Picture 44" descr="https://static.wikia.nocookie.net/nintendo/images/5/52/Articuno.png/revision/latest?cb=20141002090055&amp;path-prefix=en"/>
+          <p:cNvPicPr>
+            <a:picLocks noChangeAspect="1" noChangeArrowheads="1"/>
+          </p:cNvPicPr>
+          <p:nvPr/>
+        </p:nvPicPr>
+        <p:blipFill>
+          <a:blip r:embed="rId16" cstate="print">
+            <a:extLst>
+              <a:ext uri="{28A0092B-C50C-407E-A947-70E740481C1C}">
+                <a14:useLocalDpi xmlns:a14="http://schemas.microsoft.com/office/drawing/2010/main" val="0"/>
+              </a:ext>
+            </a:extLst>
+          </a:blip>
+          <a:srcRect/>
+          <a:stretch>
+            <a:fillRect/>
+          </a:stretch>
+        </p:blipFill>
+        <p:spPr bwMode="auto">
+          <a:xfrm>
+            <a:off x="6480000" y="4782814"/>
+            <a:ext cx="828000" cy="828000"/>
+          </a:xfrm>
+          <a:prstGeom prst="rect">
+            <a:avLst/>
+          </a:prstGeom>
+          <a:noFill/>
+          <a:extLst>
+            <a:ext uri="{909E8E84-426E-40DD-AFC4-6F175D3DCCD1}">
+              <a14:hiddenFill xmlns:a14="http://schemas.microsoft.com/office/drawing/2010/main">
+                <a:solidFill>
+                  <a:srgbClr val="FFFFFF"/>
+                </a:solidFill>
+              </a14:hiddenFill>
+            </a:ext>
+          </a:extLst>
+        </p:spPr>
+      </p:pic>
+      <p:pic>
+        <p:nvPicPr>
+          <p:cNvPr id="1070" name="Picture 46" descr="https://static.wikia.nocookie.net/nintendo/images/6/67/Zubat.png/revision/latest?cb=20210812165813&amp;path-prefix=en"/>
+          <p:cNvPicPr>
+            <a:picLocks noChangeAspect="1" noChangeArrowheads="1"/>
+          </p:cNvPicPr>
+          <p:nvPr/>
+        </p:nvPicPr>
+        <p:blipFill>
+          <a:blip r:embed="rId17" cstate="print">
+            <a:extLst>
+              <a:ext uri="{28A0092B-C50C-407E-A947-70E740481C1C}">
+                <a14:useLocalDpi xmlns:a14="http://schemas.microsoft.com/office/drawing/2010/main" val="0"/>
+              </a:ext>
+            </a:extLst>
+          </a:blip>
+          <a:srcRect/>
+          <a:stretch>
+            <a:fillRect/>
+          </a:stretch>
+        </p:blipFill>
+        <p:spPr bwMode="auto">
+          <a:xfrm>
+            <a:off x="8460000" y="1110814"/>
+            <a:ext cx="828000" cy="828000"/>
+          </a:xfrm>
+          <a:prstGeom prst="rect">
+            <a:avLst/>
+          </a:prstGeom>
+          <a:noFill/>
+          <a:extLst>
+            <a:ext uri="{909E8E84-426E-40DD-AFC4-6F175D3DCCD1}">
+              <a14:hiddenFill xmlns:a14="http://schemas.microsoft.com/office/drawing/2010/main">
+                <a:solidFill>
+                  <a:srgbClr val="FFFFFF"/>
+                </a:solidFill>
+              </a14:hiddenFill>
+            </a:ext>
+          </a:extLst>
+        </p:spPr>
+      </p:pic>
+      <p:pic>
+        <p:nvPicPr>
+          <p:cNvPr id="1072" name="Picture 48" descr="https://static.wikia.nocookie.net/nintendo/images/b/b7/Pidgey.png/revision/latest/scale-to-width-down/1000?cb=20141002082835&amp;path-prefix=en"/>
+          <p:cNvPicPr>
+            <a:picLocks noChangeAspect="1" noChangeArrowheads="1"/>
+          </p:cNvPicPr>
+          <p:nvPr/>
+        </p:nvPicPr>
+        <p:blipFill>
+          <a:blip r:embed="rId18" cstate="print">
+            <a:extLst>
+              <a:ext uri="{28A0092B-C50C-407E-A947-70E740481C1C}">
+                <a14:useLocalDpi xmlns:a14="http://schemas.microsoft.com/office/drawing/2010/main" val="0"/>
+              </a:ext>
+            </a:extLst>
+          </a:blip>
+          <a:srcRect/>
+          <a:stretch>
+            <a:fillRect/>
+          </a:stretch>
+        </p:blipFill>
+        <p:spPr bwMode="auto">
+          <a:xfrm>
+            <a:off x="6480000" y="1110814"/>
+            <a:ext cx="828000" cy="828000"/>
+          </a:xfrm>
+          <a:prstGeom prst="rect">
+            <a:avLst/>
+          </a:prstGeom>
+          <a:noFill/>
+          <a:extLst>
+            <a:ext uri="{909E8E84-426E-40DD-AFC4-6F175D3DCCD1}">
+              <a14:hiddenFill xmlns:a14="http://schemas.microsoft.com/office/drawing/2010/main">
+                <a:solidFill>
+                  <a:srgbClr val="FFFFFF"/>
+                </a:solidFill>
+              </a14:hiddenFill>
+            </a:ext>
+          </a:extLst>
+        </p:spPr>
+      </p:pic>
+      <p:pic>
+        <p:nvPicPr>
+          <p:cNvPr id="1074" name="Picture 50" descr="https://static.wikia.nocookie.net/nintendo/images/c/c4/Rattata.png/revision/latest?cb=20191012231600&amp;path-prefix=en"/>
+          <p:cNvPicPr>
+            <a:picLocks noChangeAspect="1" noChangeArrowheads="1"/>
+          </p:cNvPicPr>
+          <p:nvPr/>
+        </p:nvPicPr>
+        <p:blipFill>
+          <a:blip r:embed="rId19" cstate="print">
+            <a:extLst>
+              <a:ext uri="{28A0092B-C50C-407E-A947-70E740481C1C}">
+                <a14:useLocalDpi xmlns:a14="http://schemas.microsoft.com/office/drawing/2010/main" val="0"/>
+              </a:ext>
+            </a:extLst>
+          </a:blip>
+          <a:srcRect/>
+          <a:stretch>
+            <a:fillRect/>
+          </a:stretch>
+        </p:blipFill>
+        <p:spPr bwMode="auto">
+          <a:xfrm>
+            <a:off x="5508000" y="1110814"/>
+            <a:ext cx="828000" cy="828000"/>
+          </a:xfrm>
+          <a:prstGeom prst="rect">
+            <a:avLst/>
+          </a:prstGeom>
+          <a:noFill/>
+          <a:extLst>
+            <a:ext uri="{909E8E84-426E-40DD-AFC4-6F175D3DCCD1}">
+              <a14:hiddenFill xmlns:a14="http://schemas.microsoft.com/office/drawing/2010/main">
+                <a:solidFill>
+                  <a:srgbClr val="FFFFFF"/>
+                </a:solidFill>
+              </a14:hiddenFill>
+            </a:ext>
+          </a:extLst>
+        </p:spPr>
+      </p:pic>
+      <p:pic>
+        <p:nvPicPr>
+          <p:cNvPr id="1076" name="Picture 52" descr="https://static.wikia.nocookie.net/nintendo/images/0/01/Magikarp.png/revision/latest?cb=20210812185539&amp;path-prefix=en"/>
+          <p:cNvPicPr>
+            <a:picLocks noChangeAspect="1" noChangeArrowheads="1"/>
+          </p:cNvPicPr>
+          <p:nvPr/>
+        </p:nvPicPr>
+        <p:blipFill>
+          <a:blip r:embed="rId20" cstate="print">
+            <a:extLst>
+              <a:ext uri="{28A0092B-C50C-407E-A947-70E740481C1C}">
+                <a14:useLocalDpi xmlns:a14="http://schemas.microsoft.com/office/drawing/2010/main" val="0"/>
+              </a:ext>
+            </a:extLst>
+          </a:blip>
+          <a:srcRect/>
+          <a:stretch>
+            <a:fillRect/>
+          </a:stretch>
+        </p:blipFill>
+        <p:spPr bwMode="auto">
+          <a:xfrm>
+            <a:off x="7488000" y="1110814"/>
+            <a:ext cx="828000" cy="828000"/>
+          </a:xfrm>
+          <a:prstGeom prst="rect">
+            <a:avLst/>
+          </a:prstGeom>
+          <a:noFill/>
+          <a:extLst>
+            <a:ext uri="{909E8E84-426E-40DD-AFC4-6F175D3DCCD1}">
+              <a14:hiddenFill xmlns:a14="http://schemas.microsoft.com/office/drawing/2010/main">
+                <a:solidFill>
+                  <a:srgbClr val="FFFFFF"/>
+                </a:solidFill>
+              </a14:hiddenFill>
+            </a:ext>
+          </a:extLst>
+        </p:spPr>
+      </p:pic>
+      <p:pic>
+        <p:nvPicPr>
+          <p:cNvPr id="1078" name="Picture 54" descr="https://static.wikia.nocookie.net/nintendo/images/9/99/Dratini.png/revision/latest?cb=20210812191413&amp;path-prefix=en"/>
+          <p:cNvPicPr>
+            <a:picLocks noChangeAspect="1" noChangeArrowheads="1"/>
+          </p:cNvPicPr>
+          <p:nvPr/>
+        </p:nvPicPr>
+        <p:blipFill>
+          <a:blip r:embed="rId21" cstate="print">
+            <a:extLst>
+              <a:ext uri="{28A0092B-C50C-407E-A947-70E740481C1C}">
+                <a14:useLocalDpi xmlns:a14="http://schemas.microsoft.com/office/drawing/2010/main" val="0"/>
+              </a:ext>
+            </a:extLst>
+          </a:blip>
+          <a:srcRect/>
+          <a:stretch>
+            <a:fillRect/>
+          </a:stretch>
+        </p:blipFill>
+        <p:spPr bwMode="auto">
+          <a:xfrm>
+            <a:off x="10475866" y="2910814"/>
+            <a:ext cx="828000" cy="828000"/>
+          </a:xfrm>
+          <a:prstGeom prst="rect">
+            <a:avLst/>
+          </a:prstGeom>
+          <a:noFill/>
+          <a:extLst>
+            <a:ext uri="{909E8E84-426E-40DD-AFC4-6F175D3DCCD1}">
+              <a14:hiddenFill xmlns:a14="http://schemas.microsoft.com/office/drawing/2010/main">
+                <a:solidFill>
+                  <a:srgbClr val="FFFFFF"/>
+                </a:solidFill>
+              </a14:hiddenFill>
+            </a:ext>
+          </a:extLst>
+        </p:spPr>
+      </p:pic>
+      <p:pic>
+        <p:nvPicPr>
+          <p:cNvPr id="1080" name="Picture 56" descr="https://static.wikia.nocookie.net/nintendo/images/b/b2/Onix.png/revision/latest?cb=20210812171841&amp;path-prefix=en"/>
+          <p:cNvPicPr>
+            <a:picLocks noChangeAspect="1" noChangeArrowheads="1"/>
+          </p:cNvPicPr>
+          <p:nvPr/>
+        </p:nvPicPr>
+        <p:blipFill>
+          <a:blip r:embed="rId22" cstate="print">
+            <a:extLst>
+              <a:ext uri="{28A0092B-C50C-407E-A947-70E740481C1C}">
+                <a14:useLocalDpi xmlns:a14="http://schemas.microsoft.com/office/drawing/2010/main" val="0"/>
+              </a:ext>
+            </a:extLst>
+          </a:blip>
+          <a:srcRect/>
+          <a:stretch>
+            <a:fillRect/>
+          </a:stretch>
+        </p:blipFill>
+        <p:spPr bwMode="auto">
+          <a:xfrm>
+            <a:off x="10512000" y="2010814"/>
+            <a:ext cx="828000" cy="828000"/>
+          </a:xfrm>
+          <a:prstGeom prst="rect">
+            <a:avLst/>
+          </a:prstGeom>
+          <a:noFill/>
+          <a:extLst>
+            <a:ext uri="{909E8E84-426E-40DD-AFC4-6F175D3DCCD1}">
+              <a14:hiddenFill xmlns:a14="http://schemas.microsoft.com/office/drawing/2010/main">
+                <a:solidFill>
+                  <a:srgbClr val="FFFFFF"/>
+                </a:solidFill>
+              </a14:hiddenFill>
+            </a:ext>
+          </a:extLst>
+        </p:spPr>
+      </p:pic>
+      <p:pic>
+        <p:nvPicPr>
+          <p:cNvPr id="1082" name="Picture 58" descr="https://static.wikia.nocookie.net/nintendo/images/b/bb/Growlithe.png/revision/latest?cb=20141002080601&amp;path-prefix=en"/>
+          <p:cNvPicPr>
+            <a:picLocks noChangeAspect="1" noChangeArrowheads="1"/>
+          </p:cNvPicPr>
+          <p:nvPr/>
+        </p:nvPicPr>
+        <p:blipFill>
+          <a:blip r:embed="rId23" cstate="print">
+            <a:extLst>
+              <a:ext uri="{28A0092B-C50C-407E-A947-70E740481C1C}">
+                <a14:useLocalDpi xmlns:a14="http://schemas.microsoft.com/office/drawing/2010/main" val="0"/>
+              </a:ext>
+            </a:extLst>
+          </a:blip>
+          <a:srcRect/>
+          <a:stretch>
+            <a:fillRect/>
+          </a:stretch>
+        </p:blipFill>
+        <p:spPr bwMode="auto">
+          <a:xfrm>
+            <a:off x="9450000" y="2010814"/>
+            <a:ext cx="828000" cy="828000"/>
+          </a:xfrm>
+          <a:prstGeom prst="rect">
+            <a:avLst/>
+          </a:prstGeom>
+          <a:noFill/>
+          <a:extLst>
+            <a:ext uri="{909E8E84-426E-40DD-AFC4-6F175D3DCCD1}">
+              <a14:hiddenFill xmlns:a14="http://schemas.microsoft.com/office/drawing/2010/main">
+                <a:solidFill>
+                  <a:srgbClr val="FFFFFF"/>
+                </a:solidFill>
+              </a14:hiddenFill>
+            </a:ext>
+          </a:extLst>
+        </p:spPr>
+      </p:pic>
+      <p:pic>
+        <p:nvPicPr>
+          <p:cNvPr id="1084" name="Picture 60" descr="https://static.wikia.nocookie.net/nintendo/images/6/62/Parasect.png/revision/latest?cb=20141002081144&amp;path-prefix=en"/>
+          <p:cNvPicPr>
+            <a:picLocks noChangeAspect="1" noChangeArrowheads="1"/>
+          </p:cNvPicPr>
+          <p:nvPr/>
+        </p:nvPicPr>
+        <p:blipFill>
+          <a:blip r:embed="rId24" cstate="print">
+            <a:extLst>
+              <a:ext uri="{28A0092B-C50C-407E-A947-70E740481C1C}">
+                <a14:useLocalDpi xmlns:a14="http://schemas.microsoft.com/office/drawing/2010/main" val="0"/>
+              </a:ext>
+            </a:extLst>
+          </a:blip>
+          <a:srcRect/>
+          <a:stretch>
+            <a:fillRect/>
+          </a:stretch>
+        </p:blipFill>
+        <p:spPr bwMode="auto">
+          <a:xfrm>
+            <a:off x="8460000" y="2010814"/>
+            <a:ext cx="828000" cy="828000"/>
+          </a:xfrm>
+          <a:prstGeom prst="rect">
+            <a:avLst/>
+          </a:prstGeom>
+          <a:noFill/>
+          <a:extLst>
+            <a:ext uri="{909E8E84-426E-40DD-AFC4-6F175D3DCCD1}">
+              <a14:hiddenFill xmlns:a14="http://schemas.microsoft.com/office/drawing/2010/main">
+                <a:solidFill>
+                  <a:srgbClr val="FFFFFF"/>
+                </a:solidFill>
+              </a14:hiddenFill>
+            </a:ext>
+          </a:extLst>
+        </p:spPr>
+      </p:pic>
+      <p:pic>
+        <p:nvPicPr>
+          <p:cNvPr id="1086" name="Picture 62" descr="https://static.wikia.nocookie.net/nintendo/images/f/fc/Vaporeon.png/revision/latest/scale-to-width-down/1000?cb=20141002085541&amp;path-prefix=en"/>
+          <p:cNvPicPr>
+            <a:picLocks noChangeAspect="1" noChangeArrowheads="1"/>
+          </p:cNvPicPr>
+          <p:nvPr/>
+        </p:nvPicPr>
+        <p:blipFill>
+          <a:blip r:embed="rId25" cstate="print">
+            <a:extLst>
+              <a:ext uri="{28A0092B-C50C-407E-A947-70E740481C1C}">
+                <a14:useLocalDpi xmlns:a14="http://schemas.microsoft.com/office/drawing/2010/main" val="0"/>
+              </a:ext>
+            </a:extLst>
+          </a:blip>
+          <a:srcRect/>
+          <a:stretch>
+            <a:fillRect/>
+          </a:stretch>
+        </p:blipFill>
+        <p:spPr bwMode="auto">
+          <a:xfrm>
+            <a:off x="5508000" y="3846814"/>
+            <a:ext cx="828000" cy="828000"/>
+          </a:xfrm>
+          <a:prstGeom prst="rect">
+            <a:avLst/>
+          </a:prstGeom>
+          <a:noFill/>
+          <a:extLst>
+            <a:ext uri="{909E8E84-426E-40DD-AFC4-6F175D3DCCD1}">
+              <a14:hiddenFill xmlns:a14="http://schemas.microsoft.com/office/drawing/2010/main">
+                <a:solidFill>
+                  <a:srgbClr val="FFFFFF"/>
+                </a:solidFill>
+              </a14:hiddenFill>
+            </a:ext>
+          </a:extLst>
+        </p:spPr>
+      </p:pic>
+      <p:pic>
+        <p:nvPicPr>
+          <p:cNvPr id="1088" name="Picture 64" descr="https://static.wikia.nocookie.net/nintendo/images/c/c2/Scyther.png/revision/latest?cb=20191013025833&amp;path-prefix=en"/>
+          <p:cNvPicPr>
+            <a:picLocks noChangeAspect="1" noChangeArrowheads="1"/>
+          </p:cNvPicPr>
+          <p:nvPr/>
+        </p:nvPicPr>
+        <p:blipFill>
+          <a:blip r:embed="rId26" cstate="print">
+            <a:extLst>
+              <a:ext uri="{28A0092B-C50C-407E-A947-70E740481C1C}">
+                <a14:useLocalDpi xmlns:a14="http://schemas.microsoft.com/office/drawing/2010/main" val="0"/>
+              </a:ext>
+            </a:extLst>
+          </a:blip>
+          <a:srcRect/>
+          <a:stretch>
+            <a:fillRect/>
+          </a:stretch>
+        </p:blipFill>
+        <p:spPr bwMode="auto">
+          <a:xfrm>
+            <a:off x="8460000" y="2910814"/>
+            <a:ext cx="828000" cy="828000"/>
+          </a:xfrm>
+          <a:prstGeom prst="rect">
+            <a:avLst/>
+          </a:prstGeom>
+          <a:noFill/>
+          <a:extLst>
+            <a:ext uri="{909E8E84-426E-40DD-AFC4-6F175D3DCCD1}">
+              <a14:hiddenFill xmlns:a14="http://schemas.microsoft.com/office/drawing/2010/main">
+                <a:solidFill>
+                  <a:srgbClr val="FFFFFF"/>
+                </a:solidFill>
+              </a14:hiddenFill>
+            </a:ext>
+          </a:extLst>
+        </p:spPr>
+      </p:pic>
+      <p:pic>
+        <p:nvPicPr>
+          <p:cNvPr id="1090" name="Picture 66" descr="https://static.wikia.nocookie.net/nintendo/images/9/98/Ninetales.png/revision/latest?cb=20141002081754&amp;path-prefix=en"/>
+          <p:cNvPicPr>
+            <a:picLocks noChangeAspect="1" noChangeArrowheads="1"/>
+          </p:cNvPicPr>
+          <p:nvPr/>
+        </p:nvPicPr>
+        <p:blipFill>
+          <a:blip r:embed="rId27" cstate="print">
+            <a:extLst>
+              <a:ext uri="{28A0092B-C50C-407E-A947-70E740481C1C}">
+                <a14:useLocalDpi xmlns:a14="http://schemas.microsoft.com/office/drawing/2010/main" val="0"/>
+              </a:ext>
+            </a:extLst>
+          </a:blip>
+          <a:srcRect/>
+          <a:stretch>
+            <a:fillRect/>
+          </a:stretch>
+        </p:blipFill>
+        <p:spPr bwMode="auto">
+          <a:xfrm>
+            <a:off x="9450000" y="2910814"/>
+            <a:ext cx="828000" cy="828000"/>
+          </a:xfrm>
+          <a:prstGeom prst="rect">
+            <a:avLst/>
+          </a:prstGeom>
+          <a:noFill/>
+          <a:extLst>
+            <a:ext uri="{909E8E84-426E-40DD-AFC4-6F175D3DCCD1}">
+              <a14:hiddenFill xmlns:a14="http://schemas.microsoft.com/office/drawing/2010/main">
+                <a:solidFill>
+                  <a:srgbClr val="FFFFFF"/>
+                </a:solidFill>
+              </a14:hiddenFill>
+            </a:ext>
+          </a:extLst>
+        </p:spPr>
+      </p:pic>
+      <p:pic>
+        <p:nvPicPr>
+          <p:cNvPr id="1092" name="Picture 68" descr="https://static.wikia.nocookie.net/nintendo/images/3/3a/Electabuzz.png/revision/latest?cb=20210812184737&amp;path-prefix=en"/>
+          <p:cNvPicPr>
+            <a:picLocks noChangeAspect="1" noChangeArrowheads="1"/>
+          </p:cNvPicPr>
+          <p:nvPr/>
+        </p:nvPicPr>
+        <p:blipFill>
+          <a:blip r:embed="rId28" cstate="print">
+            <a:extLst>
+              <a:ext uri="{28A0092B-C50C-407E-A947-70E740481C1C}">
+                <a14:useLocalDpi xmlns:a14="http://schemas.microsoft.com/office/drawing/2010/main" val="0"/>
+              </a:ext>
+            </a:extLst>
+          </a:blip>
+          <a:srcRect/>
+          <a:stretch>
+            <a:fillRect/>
+          </a:stretch>
+        </p:blipFill>
+        <p:spPr bwMode="auto">
+          <a:xfrm>
+            <a:off x="7488000" y="2910814"/>
+            <a:ext cx="828000" cy="828000"/>
+          </a:xfrm>
+          <a:prstGeom prst="rect">
+            <a:avLst/>
+          </a:prstGeom>
+          <a:noFill/>
+          <a:extLst>
+            <a:ext uri="{909E8E84-426E-40DD-AFC4-6F175D3DCCD1}">
+              <a14:hiddenFill xmlns:a14="http://schemas.microsoft.com/office/drawing/2010/main">
+                <a:solidFill>
+                  <a:srgbClr val="FFFFFF"/>
+                </a:solidFill>
+              </a14:hiddenFill>
+            </a:ext>
+          </a:extLst>
+        </p:spPr>
+      </p:pic>
+      <p:pic>
+        <p:nvPicPr>
+          <p:cNvPr id="1094" name="Picture 70" descr="https://static.wikia.nocookie.net/nintendo/images/0/03/Ditto.png/revision/latest?cb=20191013024928&amp;path-prefix=en"/>
+          <p:cNvPicPr>
+            <a:picLocks noChangeAspect="1" noChangeArrowheads="1"/>
+          </p:cNvPicPr>
+          <p:nvPr/>
+        </p:nvPicPr>
+        <p:blipFill>
+          <a:blip r:embed="rId29" cstate="print">
+            <a:extLst>
+              <a:ext uri="{28A0092B-C50C-407E-A947-70E740481C1C}">
+                <a14:useLocalDpi xmlns:a14="http://schemas.microsoft.com/office/drawing/2010/main" val="0"/>
+              </a:ext>
+            </a:extLst>
+          </a:blip>
+          <a:srcRect/>
+          <a:stretch>
+            <a:fillRect/>
+          </a:stretch>
+        </p:blipFill>
+        <p:spPr bwMode="auto">
+          <a:xfrm>
+            <a:off x="6480000" y="2910814"/>
+            <a:ext cx="828000" cy="828000"/>
+          </a:xfrm>
+          <a:prstGeom prst="rect">
+            <a:avLst/>
+          </a:prstGeom>
+          <a:noFill/>
+          <a:extLst>
+            <a:ext uri="{909E8E84-426E-40DD-AFC4-6F175D3DCCD1}">
+              <a14:hiddenFill xmlns:a14="http://schemas.microsoft.com/office/drawing/2010/main">
+                <a:solidFill>
+                  <a:srgbClr val="FFFFFF"/>
+                </a:solidFill>
+              </a14:hiddenFill>
+            </a:ext>
+          </a:extLst>
+        </p:spPr>
+      </p:pic>
+      <p:sp>
+        <p:nvSpPr>
+          <p:cNvPr id="51" name="Segnaposto contenuto 2"/>
+          <p:cNvSpPr txBox="1">
+            <a:spLocks/>
+          </p:cNvSpPr>
+          <p:nvPr/>
+        </p:nvSpPr>
+        <p:spPr>
+          <a:xfrm>
+            <a:off x="720000" y="5826814"/>
+            <a:ext cx="10800000" cy="540000"/>
+          </a:xfrm>
+          <a:prstGeom prst="rect">
+            <a:avLst/>
+          </a:prstGeom>
+          <a:noFill/>
+        </p:spPr>
+        <p:txBody>
+          <a:bodyPr vert="horz" lIns="91440" tIns="45720" rIns="91440" bIns="45720" rtlCol="0">
+            <a:normAutofit/>
+          </a:bodyPr>
+          <a:lstStyle>
+            <a:lvl1pPr marL="228600" indent="-228600" algn="l" defTabSz="914400" rtl="0" eaLnBrk="1" latinLnBrk="0" hangingPunct="1">
+              <a:lnSpc>
+                <a:spcPct val="90000"/>
+              </a:lnSpc>
+              <a:spcBef>
+                <a:spcPts val="1000"/>
+              </a:spcBef>
+              <a:buFont typeface="Arial" panose="020B0604020202020204" pitchFamily="34" charset="0"/>
+              <a:buChar char="•"/>
+              <a:defRPr sz="2800" kern="1200">
+                <a:solidFill>
+                  <a:schemeClr val="tx1"/>
+                </a:solidFill>
+                <a:latin typeface="+mn-lt"/>
+                <a:ea typeface="+mn-ea"/>
+                <a:cs typeface="+mn-cs"/>
+              </a:defRPr>
+            </a:lvl1pPr>
+            <a:lvl2pPr marL="685800" indent="-228600" algn="l" defTabSz="914400" rtl="0" eaLnBrk="1" latinLnBrk="0" hangingPunct="1">
+              <a:lnSpc>
+                <a:spcPct val="90000"/>
+              </a:lnSpc>
+              <a:spcBef>
+                <a:spcPts val="500"/>
+              </a:spcBef>
+              <a:buFont typeface="Arial" panose="020B0604020202020204" pitchFamily="34" charset="0"/>
+              <a:buChar char="•"/>
+              <a:defRPr sz="2400" kern="1200">
+                <a:solidFill>
+                  <a:schemeClr val="tx1"/>
+                </a:solidFill>
+                <a:latin typeface="+mn-lt"/>
+                <a:ea typeface="+mn-ea"/>
+                <a:cs typeface="+mn-cs"/>
+              </a:defRPr>
+            </a:lvl2pPr>
+            <a:lvl3pPr marL="1143000" indent="-228600" algn="l" defTabSz="914400" rtl="0" eaLnBrk="1" latinLnBrk="0" hangingPunct="1">
+              <a:lnSpc>
+                <a:spcPct val="90000"/>
+              </a:lnSpc>
+              <a:spcBef>
+                <a:spcPts val="500"/>
+              </a:spcBef>
+              <a:buFont typeface="Arial" panose="020B0604020202020204" pitchFamily="34" charset="0"/>
+              <a:buChar char="•"/>
+              <a:defRPr sz="2000" kern="1200">
+                <a:solidFill>
+                  <a:schemeClr val="tx1"/>
+                </a:solidFill>
+                <a:latin typeface="+mn-lt"/>
+                <a:ea typeface="+mn-ea"/>
+                <a:cs typeface="+mn-cs"/>
+              </a:defRPr>
+            </a:lvl3pPr>
+            <a:lvl4pPr marL="1600200" indent="-228600" algn="l" defTabSz="914400" rtl="0" eaLnBrk="1" latinLnBrk="0" hangingPunct="1">
+              <a:lnSpc>
+                <a:spcPct val="90000"/>
+              </a:lnSpc>
+              <a:spcBef>
+                <a:spcPts val="500"/>
+              </a:spcBef>
+              <a:buFont typeface="Arial" panose="020B0604020202020204" pitchFamily="34" charset="0"/>
+              <a:buChar char="•"/>
+              <a:defRPr sz="1800" kern="1200">
+                <a:solidFill>
+                  <a:schemeClr val="tx1"/>
+                </a:solidFill>
+                <a:latin typeface="+mn-lt"/>
+                <a:ea typeface="+mn-ea"/>
+                <a:cs typeface="+mn-cs"/>
+              </a:defRPr>
+            </a:lvl4pPr>
+            <a:lvl5pPr marL="2057400" indent="-228600" algn="l" defTabSz="914400" rtl="0" eaLnBrk="1" latinLnBrk="0" hangingPunct="1">
+              <a:lnSpc>
+                <a:spcPct val="90000"/>
+              </a:lnSpc>
+              <a:spcBef>
+                <a:spcPts val="500"/>
+              </a:spcBef>
+              <a:buFont typeface="Arial" panose="020B0604020202020204" pitchFamily="34" charset="0"/>
+              <a:buChar char="•"/>
+              <a:defRPr sz="1800" kern="1200">
+                <a:solidFill>
+                  <a:schemeClr val="tx1"/>
+                </a:solidFill>
+                <a:latin typeface="+mn-lt"/>
+                <a:ea typeface="+mn-ea"/>
+                <a:cs typeface="+mn-cs"/>
+              </a:defRPr>
+            </a:lvl5pPr>
+            <a:lvl6pPr marL="2514600" indent="-228600" algn="l" defTabSz="914400" rtl="0" eaLnBrk="1" latinLnBrk="0" hangingPunct="1">
+              <a:lnSpc>
+                <a:spcPct val="90000"/>
+              </a:lnSpc>
+              <a:spcBef>
+                <a:spcPts val="500"/>
+              </a:spcBef>
+              <a:buFont typeface="Arial" panose="020B0604020202020204" pitchFamily="34" charset="0"/>
+              <a:buChar char="•"/>
+              <a:defRPr sz="1800" kern="1200">
+                <a:solidFill>
+                  <a:schemeClr val="tx1"/>
+                </a:solidFill>
+                <a:latin typeface="+mn-lt"/>
+                <a:ea typeface="+mn-ea"/>
+                <a:cs typeface="+mn-cs"/>
+              </a:defRPr>
+            </a:lvl6pPr>
+            <a:lvl7pPr marL="2971800" indent="-228600" algn="l" defTabSz="914400" rtl="0" eaLnBrk="1" latinLnBrk="0" hangingPunct="1">
+              <a:lnSpc>
+                <a:spcPct val="90000"/>
+              </a:lnSpc>
+              <a:spcBef>
+                <a:spcPts val="500"/>
+              </a:spcBef>
+              <a:buFont typeface="Arial" panose="020B0604020202020204" pitchFamily="34" charset="0"/>
+              <a:buChar char="•"/>
+              <a:defRPr sz="1800" kern="1200">
+                <a:solidFill>
+                  <a:schemeClr val="tx1"/>
+                </a:solidFill>
+                <a:latin typeface="+mn-lt"/>
+                <a:ea typeface="+mn-ea"/>
+                <a:cs typeface="+mn-cs"/>
+              </a:defRPr>
+            </a:lvl7pPr>
+            <a:lvl8pPr marL="3429000" indent="-228600" algn="l" defTabSz="914400" rtl="0" eaLnBrk="1" latinLnBrk="0" hangingPunct="1">
+              <a:lnSpc>
+                <a:spcPct val="90000"/>
+              </a:lnSpc>
+              <a:spcBef>
+                <a:spcPts val="500"/>
+              </a:spcBef>
+              <a:buFont typeface="Arial" panose="020B0604020202020204" pitchFamily="34" charset="0"/>
+              <a:buChar char="•"/>
+              <a:defRPr sz="1800" kern="1200">
+                <a:solidFill>
+                  <a:schemeClr val="tx1"/>
+                </a:solidFill>
+                <a:latin typeface="+mn-lt"/>
+                <a:ea typeface="+mn-ea"/>
+                <a:cs typeface="+mn-cs"/>
+              </a:defRPr>
+            </a:lvl8pPr>
+            <a:lvl9pPr marL="3886200" indent="-228600" algn="l" defTabSz="914400" rtl="0" eaLnBrk="1" latinLnBrk="0" hangingPunct="1">
+              <a:lnSpc>
+                <a:spcPct val="90000"/>
+              </a:lnSpc>
+              <a:spcBef>
+                <a:spcPts val="500"/>
+              </a:spcBef>
+              <a:buFont typeface="Arial" panose="020B0604020202020204" pitchFamily="34" charset="0"/>
+              <a:buChar char="•"/>
+              <a:defRPr sz="1800" kern="1200">
+                <a:solidFill>
+                  <a:schemeClr val="tx1"/>
+                </a:solidFill>
+                <a:latin typeface="+mn-lt"/>
+                <a:ea typeface="+mn-ea"/>
+                <a:cs typeface="+mn-cs"/>
+              </a:defRPr>
+            </a:lvl9pPr>
+          </a:lstStyle>
+          <a:p>
+            <a:r>
+              <a:rPr lang="it-IT" dirty="0">
+                <a:latin typeface="Cooper Black" panose="0208090404030B020404" pitchFamily="18" charset="0"/>
+              </a:rPr>
+              <a:t>In-game </a:t>
+            </a:r>
+            <a:r>
+              <a:rPr lang="it-IT" dirty="0" err="1">
+                <a:latin typeface="Cooper Black" panose="0208090404030B020404" pitchFamily="18" charset="0"/>
+              </a:rPr>
+              <a:t>currency</a:t>
+            </a:r>
+            <a:r>
+              <a:rPr lang="it-IT" dirty="0">
+                <a:latin typeface="Cooper Black" panose="0208090404030B020404" pitchFamily="18" charset="0"/>
+              </a:rPr>
+              <a:t>: </a:t>
+            </a:r>
+            <a:r>
+              <a:rPr lang="it-IT" dirty="0" err="1">
+                <a:latin typeface="Cooper Black" panose="0208090404030B020404" pitchFamily="18" charset="0"/>
+              </a:rPr>
+              <a:t>Pokedollars</a:t>
+            </a:r>
+            <a:r>
+              <a:rPr lang="it-IT" dirty="0">
+                <a:latin typeface="Cooper Black" panose="0208090404030B020404" pitchFamily="18" charset="0"/>
+              </a:rPr>
+              <a:t> </a:t>
+            </a:r>
+          </a:p>
+        </p:txBody>
+      </p:sp>
+      <p:pic>
+        <p:nvPicPr>
+          <p:cNvPr id="1096" name="Picture 72" descr="File:Pokémon Dollar sign.svg - Wikimedia Commons"/>
+          <p:cNvPicPr>
+            <a:picLocks noChangeAspect="1" noChangeArrowheads="1"/>
+          </p:cNvPicPr>
+          <p:nvPr/>
+        </p:nvPicPr>
+        <p:blipFill>
+          <a:blip r:embed="rId30" cstate="print">
+            <a:extLst>
+              <a:ext uri="{28A0092B-C50C-407E-A947-70E740481C1C}">
+                <a14:useLocalDpi xmlns:a14="http://schemas.microsoft.com/office/drawing/2010/main" val="0"/>
+              </a:ext>
+            </a:extLst>
+          </a:blip>
+          <a:srcRect/>
+          <a:stretch>
+            <a:fillRect/>
+          </a:stretch>
+        </p:blipFill>
+        <p:spPr bwMode="auto">
+          <a:xfrm>
+            <a:off x="6942528" y="5922863"/>
+            <a:ext cx="195555" cy="267870"/>
+          </a:xfrm>
+          <a:prstGeom prst="rect">
+            <a:avLst/>
+          </a:prstGeom>
+          <a:noFill/>
+          <a:extLst>
+            <a:ext uri="{909E8E84-426E-40DD-AFC4-6F175D3DCCD1}">
+              <a14:hiddenFill xmlns:a14="http://schemas.microsoft.com/office/drawing/2010/main">
+                <a:solidFill>
+                  <a:srgbClr val="FFFFFF"/>
+                </a:solidFill>
+              </a14:hiddenFill>
+            </a:ext>
+          </a:extLst>
+        </p:spPr>
+      </p:pic>
+      <p:pic>
+        <p:nvPicPr>
+          <p:cNvPr id="1098" name="Picture 74" descr="Review Order : Pokémon GO Web Store"/>
+          <p:cNvPicPr>
+            <a:picLocks noChangeAspect="1" noChangeArrowheads="1"/>
+          </p:cNvPicPr>
+          <p:nvPr/>
+        </p:nvPicPr>
+        <p:blipFill>
+          <a:blip r:embed="rId31" cstate="print">
+            <a:extLst>
+              <a:ext uri="{28A0092B-C50C-407E-A947-70E740481C1C}">
+                <a14:useLocalDpi xmlns:a14="http://schemas.microsoft.com/office/drawing/2010/main" val="0"/>
+              </a:ext>
+            </a:extLst>
+          </a:blip>
+          <a:srcRect/>
+          <a:stretch>
+            <a:fillRect/>
+          </a:stretch>
+        </p:blipFill>
+        <p:spPr bwMode="auto">
+          <a:xfrm>
+            <a:off x="7447454" y="5590541"/>
+            <a:ext cx="1012546" cy="1012546"/>
+          </a:xfrm>
+          <a:prstGeom prst="rect">
+            <a:avLst/>
+          </a:prstGeom>
+          <a:noFill/>
+          <a:extLst>
+            <a:ext uri="{909E8E84-426E-40DD-AFC4-6F175D3DCCD1}">
+              <a14:hiddenFill xmlns:a14="http://schemas.microsoft.com/office/drawing/2010/main">
+                <a:solidFill>
+                  <a:srgbClr val="FFFFFF"/>
+                </a:solidFill>
+              </a14:hiddenFill>
+            </a:ext>
+          </a:extLst>
+        </p:spPr>
+      </p:pic>
+    </p:spTree>
+    <p:extLst>
+      <p:ext uri="{BB962C8B-B14F-4D97-AF65-F5344CB8AC3E}">
+        <p14:creationId xmlns:p14="http://schemas.microsoft.com/office/powerpoint/2010/main" val="2626683805"/>
+      </p:ext>
+    </p:extLst>
+  </p:cSld>
+  <p:clrMapOvr>
+    <a:masterClrMapping/>
+  </p:clrMapOvr>
+</p:sld>
+</file>
+
+<file path=ppt/slides/slide20.xml><?xml version="1.0" encoding="utf-8"?>
 <p:sld xmlns:a="http://schemas.openxmlformats.org/drawingml/2006/main" xmlns:r="http://schemas.openxmlformats.org/officeDocument/2006/relationships" xmlns:p="http://schemas.openxmlformats.org/presentationml/2006/main">
   <p:cSld>
     <p:spTree>
@@ -11085,2480 +13872,7 @@
 </p:sld>
 </file>
 
-<file path=ppt/slides/slide2.xml><?xml version="1.0" encoding="utf-8"?>
-<p:sld xmlns:a="http://schemas.openxmlformats.org/drawingml/2006/main" xmlns:r="http://schemas.openxmlformats.org/officeDocument/2006/relationships" xmlns:p="http://schemas.openxmlformats.org/presentationml/2006/main">
-  <p:cSld>
-    <p:spTree>
-      <p:nvGrpSpPr>
-        <p:cNvPr id="1" name=""/>
-        <p:cNvGrpSpPr/>
-        <p:nvPr/>
-      </p:nvGrpSpPr>
-      <p:grpSpPr>
-        <a:xfrm>
-          <a:off x="0" y="0"/>
-          <a:ext cx="0" cy="0"/>
-          <a:chOff x="0" y="0"/>
-          <a:chExt cx="0" cy="0"/>
-        </a:xfrm>
-      </p:grpSpPr>
-      <p:sp>
-        <p:nvSpPr>
-          <p:cNvPr id="2" name="Titolo 1"/>
-          <p:cNvSpPr>
-            <a:spLocks noGrp="1"/>
-          </p:cNvSpPr>
-          <p:nvPr>
-            <p:ph type="title"/>
-          </p:nvPr>
-        </p:nvSpPr>
-        <p:spPr>
-          <a:xfrm>
-            <a:off x="838200" y="35939"/>
-            <a:ext cx="10515600" cy="1325563"/>
-          </a:xfrm>
-        </p:spPr>
-        <p:txBody>
-          <a:bodyPr>
-            <a:normAutofit/>
-          </a:bodyPr>
-          <a:lstStyle/>
-          <a:p>
-            <a:pPr algn="ctr"/>
-            <a:r>
-              <a:rPr lang="it-IT" sz="3200" dirty="0" err="1">
-                <a:latin typeface="Cooper Black" panose="0208090404030B020404" pitchFamily="18" charset="0"/>
-              </a:rPr>
-              <a:t>Catalogue</a:t>
-            </a:r>
-            <a:r>
-              <a:rPr lang="it-IT" sz="3200" dirty="0">
-                <a:latin typeface="Cooper Black" panose="0208090404030B020404" pitchFamily="18" charset="0"/>
-              </a:rPr>
-              <a:t> – </a:t>
-            </a:r>
-            <a:r>
-              <a:rPr lang="it-IT" sz="3200" dirty="0" err="1">
-                <a:latin typeface="Cooper Black" panose="0208090404030B020404" pitchFamily="18" charset="0"/>
-              </a:rPr>
-              <a:t>All</a:t>
-            </a:r>
-            <a:r>
-              <a:rPr lang="it-IT" sz="3200" dirty="0">
-                <a:latin typeface="Cooper Black" panose="0208090404030B020404" pitchFamily="18" charset="0"/>
-              </a:rPr>
-              <a:t> 151 </a:t>
-            </a:r>
-            <a:r>
-              <a:rPr lang="it-IT" sz="3200" dirty="0" err="1">
-                <a:latin typeface="Cooper Black" panose="0208090404030B020404" pitchFamily="18" charset="0"/>
-              </a:rPr>
-              <a:t>Pokémon</a:t>
-            </a:r>
-            <a:r>
-              <a:rPr lang="it-IT" sz="3200" dirty="0">
-                <a:latin typeface="Cooper Black" panose="0208090404030B020404" pitchFamily="18" charset="0"/>
-              </a:rPr>
-              <a:t> from 1° </a:t>
-            </a:r>
-            <a:r>
-              <a:rPr lang="it-IT" sz="3200" dirty="0" err="1">
-                <a:latin typeface="Cooper Black" panose="0208090404030B020404" pitchFamily="18" charset="0"/>
-              </a:rPr>
-              <a:t>gen</a:t>
-            </a:r>
-            <a:endParaRPr lang="it-IT" sz="3200" dirty="0">
-              <a:latin typeface="Cooper Black" panose="0208090404030B020404" pitchFamily="18" charset="0"/>
-            </a:endParaRPr>
-          </a:p>
-        </p:txBody>
-      </p:sp>
-      <p:sp>
-        <p:nvSpPr>
-          <p:cNvPr id="3" name="Segnaposto contenuto 2"/>
-          <p:cNvSpPr>
-            <a:spLocks noGrp="1"/>
-          </p:cNvSpPr>
-          <p:nvPr>
-            <p:ph idx="1"/>
-          </p:nvPr>
-        </p:nvSpPr>
-        <p:spPr>
-          <a:xfrm>
-            <a:off x="720000" y="1290814"/>
-            <a:ext cx="10800000" cy="540000"/>
-          </a:xfrm>
-          <a:solidFill>
-            <a:schemeClr val="bg2">
-              <a:lumMod val="90000"/>
-              <a:alpha val="40000"/>
-            </a:schemeClr>
-          </a:solidFill>
-        </p:spPr>
-        <p:txBody>
-          <a:bodyPr/>
-          <a:lstStyle/>
-          <a:p>
-            <a:r>
-              <a:rPr lang="it-IT" dirty="0">
-                <a:ln>
-                  <a:solidFill>
-                    <a:schemeClr val="tx1">
-                      <a:lumMod val="50000"/>
-                      <a:lumOff val="50000"/>
-                    </a:schemeClr>
-                  </a:solidFill>
-                </a:ln>
-                <a:solidFill>
-                  <a:schemeClr val="bg1"/>
-                </a:solidFill>
-              </a:rPr>
-              <a:t>Common (54,45%)</a:t>
-            </a:r>
-          </a:p>
-        </p:txBody>
-      </p:sp>
-      <p:sp>
-        <p:nvSpPr>
-          <p:cNvPr id="10" name="Segnaposto contenuto 2"/>
-          <p:cNvSpPr txBox="1">
-            <a:spLocks/>
-          </p:cNvSpPr>
-          <p:nvPr/>
-        </p:nvSpPr>
-        <p:spPr>
-          <a:xfrm>
-            <a:off x="720000" y="2190814"/>
-            <a:ext cx="10800000" cy="540000"/>
-          </a:xfrm>
-          <a:prstGeom prst="rect">
-            <a:avLst/>
-          </a:prstGeom>
-          <a:solidFill>
-            <a:schemeClr val="accent6">
-              <a:alpha val="40000"/>
-            </a:schemeClr>
-          </a:solidFill>
-        </p:spPr>
-        <p:txBody>
-          <a:bodyPr vert="horz" lIns="91440" tIns="45720" rIns="91440" bIns="45720" rtlCol="0">
-            <a:normAutofit/>
-          </a:bodyPr>
-          <a:lstStyle>
-            <a:lvl1pPr marL="228600" indent="-228600" algn="l" defTabSz="914400" rtl="0" eaLnBrk="1" latinLnBrk="0" hangingPunct="1">
-              <a:lnSpc>
-                <a:spcPct val="90000"/>
-              </a:lnSpc>
-              <a:spcBef>
-                <a:spcPts val="1000"/>
-              </a:spcBef>
-              <a:buFont typeface="Arial" panose="020B0604020202020204" pitchFamily="34" charset="0"/>
-              <a:buChar char="•"/>
-              <a:defRPr sz="2800" kern="1200">
-                <a:solidFill>
-                  <a:schemeClr val="tx1"/>
-                </a:solidFill>
-                <a:latin typeface="+mn-lt"/>
-                <a:ea typeface="+mn-ea"/>
-                <a:cs typeface="+mn-cs"/>
-              </a:defRPr>
-            </a:lvl1pPr>
-            <a:lvl2pPr marL="685800" indent="-228600" algn="l" defTabSz="914400" rtl="0" eaLnBrk="1" latinLnBrk="0" hangingPunct="1">
-              <a:lnSpc>
-                <a:spcPct val="90000"/>
-              </a:lnSpc>
-              <a:spcBef>
-                <a:spcPts val="500"/>
-              </a:spcBef>
-              <a:buFont typeface="Arial" panose="020B0604020202020204" pitchFamily="34" charset="0"/>
-              <a:buChar char="•"/>
-              <a:defRPr sz="2400" kern="1200">
-                <a:solidFill>
-                  <a:schemeClr val="tx1"/>
-                </a:solidFill>
-                <a:latin typeface="+mn-lt"/>
-                <a:ea typeface="+mn-ea"/>
-                <a:cs typeface="+mn-cs"/>
-              </a:defRPr>
-            </a:lvl2pPr>
-            <a:lvl3pPr marL="1143000" indent="-228600" algn="l" defTabSz="914400" rtl="0" eaLnBrk="1" latinLnBrk="0" hangingPunct="1">
-              <a:lnSpc>
-                <a:spcPct val="90000"/>
-              </a:lnSpc>
-              <a:spcBef>
-                <a:spcPts val="500"/>
-              </a:spcBef>
-              <a:buFont typeface="Arial" panose="020B0604020202020204" pitchFamily="34" charset="0"/>
-              <a:buChar char="•"/>
-              <a:defRPr sz="2000" kern="1200">
-                <a:solidFill>
-                  <a:schemeClr val="tx1"/>
-                </a:solidFill>
-                <a:latin typeface="+mn-lt"/>
-                <a:ea typeface="+mn-ea"/>
-                <a:cs typeface="+mn-cs"/>
-              </a:defRPr>
-            </a:lvl3pPr>
-            <a:lvl4pPr marL="1600200" indent="-228600" algn="l" defTabSz="914400" rtl="0" eaLnBrk="1" latinLnBrk="0" hangingPunct="1">
-              <a:lnSpc>
-                <a:spcPct val="90000"/>
-              </a:lnSpc>
-              <a:spcBef>
-                <a:spcPts val="500"/>
-              </a:spcBef>
-              <a:buFont typeface="Arial" panose="020B0604020202020204" pitchFamily="34" charset="0"/>
-              <a:buChar char="•"/>
-              <a:defRPr sz="1800" kern="1200">
-                <a:solidFill>
-                  <a:schemeClr val="tx1"/>
-                </a:solidFill>
-                <a:latin typeface="+mn-lt"/>
-                <a:ea typeface="+mn-ea"/>
-                <a:cs typeface="+mn-cs"/>
-              </a:defRPr>
-            </a:lvl4pPr>
-            <a:lvl5pPr marL="2057400" indent="-228600" algn="l" defTabSz="914400" rtl="0" eaLnBrk="1" latinLnBrk="0" hangingPunct="1">
-              <a:lnSpc>
-                <a:spcPct val="90000"/>
-              </a:lnSpc>
-              <a:spcBef>
-                <a:spcPts val="500"/>
-              </a:spcBef>
-              <a:buFont typeface="Arial" panose="020B0604020202020204" pitchFamily="34" charset="0"/>
-              <a:buChar char="•"/>
-              <a:defRPr sz="1800" kern="1200">
-                <a:solidFill>
-                  <a:schemeClr val="tx1"/>
-                </a:solidFill>
-                <a:latin typeface="+mn-lt"/>
-                <a:ea typeface="+mn-ea"/>
-                <a:cs typeface="+mn-cs"/>
-              </a:defRPr>
-            </a:lvl5pPr>
-            <a:lvl6pPr marL="2514600" indent="-228600" algn="l" defTabSz="914400" rtl="0" eaLnBrk="1" latinLnBrk="0" hangingPunct="1">
-              <a:lnSpc>
-                <a:spcPct val="90000"/>
-              </a:lnSpc>
-              <a:spcBef>
-                <a:spcPts val="500"/>
-              </a:spcBef>
-              <a:buFont typeface="Arial" panose="020B0604020202020204" pitchFamily="34" charset="0"/>
-              <a:buChar char="•"/>
-              <a:defRPr sz="1800" kern="1200">
-                <a:solidFill>
-                  <a:schemeClr val="tx1"/>
-                </a:solidFill>
-                <a:latin typeface="+mn-lt"/>
-                <a:ea typeface="+mn-ea"/>
-                <a:cs typeface="+mn-cs"/>
-              </a:defRPr>
-            </a:lvl6pPr>
-            <a:lvl7pPr marL="2971800" indent="-228600" algn="l" defTabSz="914400" rtl="0" eaLnBrk="1" latinLnBrk="0" hangingPunct="1">
-              <a:lnSpc>
-                <a:spcPct val="90000"/>
-              </a:lnSpc>
-              <a:spcBef>
-                <a:spcPts val="500"/>
-              </a:spcBef>
-              <a:buFont typeface="Arial" panose="020B0604020202020204" pitchFamily="34" charset="0"/>
-              <a:buChar char="•"/>
-              <a:defRPr sz="1800" kern="1200">
-                <a:solidFill>
-                  <a:schemeClr val="tx1"/>
-                </a:solidFill>
-                <a:latin typeface="+mn-lt"/>
-                <a:ea typeface="+mn-ea"/>
-                <a:cs typeface="+mn-cs"/>
-              </a:defRPr>
-            </a:lvl7pPr>
-            <a:lvl8pPr marL="3429000" indent="-228600" algn="l" defTabSz="914400" rtl="0" eaLnBrk="1" latinLnBrk="0" hangingPunct="1">
-              <a:lnSpc>
-                <a:spcPct val="90000"/>
-              </a:lnSpc>
-              <a:spcBef>
-                <a:spcPts val="500"/>
-              </a:spcBef>
-              <a:buFont typeface="Arial" panose="020B0604020202020204" pitchFamily="34" charset="0"/>
-              <a:buChar char="•"/>
-              <a:defRPr sz="1800" kern="1200">
-                <a:solidFill>
-                  <a:schemeClr val="tx1"/>
-                </a:solidFill>
-                <a:latin typeface="+mn-lt"/>
-                <a:ea typeface="+mn-ea"/>
-                <a:cs typeface="+mn-cs"/>
-              </a:defRPr>
-            </a:lvl8pPr>
-            <a:lvl9pPr marL="3886200" indent="-228600" algn="l" defTabSz="914400" rtl="0" eaLnBrk="1" latinLnBrk="0" hangingPunct="1">
-              <a:lnSpc>
-                <a:spcPct val="90000"/>
-              </a:lnSpc>
-              <a:spcBef>
-                <a:spcPts val="500"/>
-              </a:spcBef>
-              <a:buFont typeface="Arial" panose="020B0604020202020204" pitchFamily="34" charset="0"/>
-              <a:buChar char="•"/>
-              <a:defRPr sz="1800" kern="1200">
-                <a:solidFill>
-                  <a:schemeClr val="tx1"/>
-                </a:solidFill>
-                <a:latin typeface="+mn-lt"/>
-                <a:ea typeface="+mn-ea"/>
-                <a:cs typeface="+mn-cs"/>
-              </a:defRPr>
-            </a:lvl9pPr>
-          </a:lstStyle>
-          <a:p>
-            <a:r>
-              <a:rPr lang="it-IT" dirty="0" err="1">
-                <a:ln>
-                  <a:solidFill>
-                    <a:schemeClr val="accent6">
-                      <a:lumMod val="50000"/>
-                    </a:schemeClr>
-                  </a:solidFill>
-                </a:ln>
-                <a:solidFill>
-                  <a:schemeClr val="bg1"/>
-                </a:solidFill>
-              </a:rPr>
-              <a:t>Uncommon</a:t>
-            </a:r>
-            <a:r>
-              <a:rPr lang="it-IT" dirty="0">
-                <a:ln>
-                  <a:solidFill>
-                    <a:schemeClr val="accent6">
-                      <a:lumMod val="50000"/>
-                    </a:schemeClr>
-                  </a:solidFill>
-                </a:ln>
-                <a:solidFill>
-                  <a:schemeClr val="bg1"/>
-                </a:solidFill>
-              </a:rPr>
-              <a:t> (40%)</a:t>
-            </a:r>
-          </a:p>
-        </p:txBody>
-      </p:sp>
-      <p:sp>
-        <p:nvSpPr>
-          <p:cNvPr id="11" name="Segnaposto contenuto 2"/>
-          <p:cNvSpPr txBox="1">
-            <a:spLocks/>
-          </p:cNvSpPr>
-          <p:nvPr/>
-        </p:nvSpPr>
-        <p:spPr>
-          <a:xfrm>
-            <a:off x="720000" y="3090814"/>
-            <a:ext cx="10800000" cy="540000"/>
-          </a:xfrm>
-          <a:prstGeom prst="rect">
-            <a:avLst/>
-          </a:prstGeom>
-          <a:solidFill>
-            <a:schemeClr val="accent1">
-              <a:alpha val="40000"/>
-            </a:schemeClr>
-          </a:solidFill>
-        </p:spPr>
-        <p:txBody>
-          <a:bodyPr vert="horz" lIns="91440" tIns="45720" rIns="91440" bIns="45720" rtlCol="0">
-            <a:normAutofit/>
-          </a:bodyPr>
-          <a:lstStyle>
-            <a:lvl1pPr marL="228600" indent="-228600" algn="l" defTabSz="914400" rtl="0" eaLnBrk="1" latinLnBrk="0" hangingPunct="1">
-              <a:lnSpc>
-                <a:spcPct val="90000"/>
-              </a:lnSpc>
-              <a:spcBef>
-                <a:spcPts val="1000"/>
-              </a:spcBef>
-              <a:buFont typeface="Arial" panose="020B0604020202020204" pitchFamily="34" charset="0"/>
-              <a:buChar char="•"/>
-              <a:defRPr sz="2800" kern="1200">
-                <a:solidFill>
-                  <a:schemeClr val="tx1"/>
-                </a:solidFill>
-                <a:latin typeface="+mn-lt"/>
-                <a:ea typeface="+mn-ea"/>
-                <a:cs typeface="+mn-cs"/>
-              </a:defRPr>
-            </a:lvl1pPr>
-            <a:lvl2pPr marL="685800" indent="-228600" algn="l" defTabSz="914400" rtl="0" eaLnBrk="1" latinLnBrk="0" hangingPunct="1">
-              <a:lnSpc>
-                <a:spcPct val="90000"/>
-              </a:lnSpc>
-              <a:spcBef>
-                <a:spcPts val="500"/>
-              </a:spcBef>
-              <a:buFont typeface="Arial" panose="020B0604020202020204" pitchFamily="34" charset="0"/>
-              <a:buChar char="•"/>
-              <a:defRPr sz="2400" kern="1200">
-                <a:solidFill>
-                  <a:schemeClr val="tx1"/>
-                </a:solidFill>
-                <a:latin typeface="+mn-lt"/>
-                <a:ea typeface="+mn-ea"/>
-                <a:cs typeface="+mn-cs"/>
-              </a:defRPr>
-            </a:lvl2pPr>
-            <a:lvl3pPr marL="1143000" indent="-228600" algn="l" defTabSz="914400" rtl="0" eaLnBrk="1" latinLnBrk="0" hangingPunct="1">
-              <a:lnSpc>
-                <a:spcPct val="90000"/>
-              </a:lnSpc>
-              <a:spcBef>
-                <a:spcPts val="500"/>
-              </a:spcBef>
-              <a:buFont typeface="Arial" panose="020B0604020202020204" pitchFamily="34" charset="0"/>
-              <a:buChar char="•"/>
-              <a:defRPr sz="2000" kern="1200">
-                <a:solidFill>
-                  <a:schemeClr val="tx1"/>
-                </a:solidFill>
-                <a:latin typeface="+mn-lt"/>
-                <a:ea typeface="+mn-ea"/>
-                <a:cs typeface="+mn-cs"/>
-              </a:defRPr>
-            </a:lvl3pPr>
-            <a:lvl4pPr marL="1600200" indent="-228600" algn="l" defTabSz="914400" rtl="0" eaLnBrk="1" latinLnBrk="0" hangingPunct="1">
-              <a:lnSpc>
-                <a:spcPct val="90000"/>
-              </a:lnSpc>
-              <a:spcBef>
-                <a:spcPts val="500"/>
-              </a:spcBef>
-              <a:buFont typeface="Arial" panose="020B0604020202020204" pitchFamily="34" charset="0"/>
-              <a:buChar char="•"/>
-              <a:defRPr sz="1800" kern="1200">
-                <a:solidFill>
-                  <a:schemeClr val="tx1"/>
-                </a:solidFill>
-                <a:latin typeface="+mn-lt"/>
-                <a:ea typeface="+mn-ea"/>
-                <a:cs typeface="+mn-cs"/>
-              </a:defRPr>
-            </a:lvl4pPr>
-            <a:lvl5pPr marL="2057400" indent="-228600" algn="l" defTabSz="914400" rtl="0" eaLnBrk="1" latinLnBrk="0" hangingPunct="1">
-              <a:lnSpc>
-                <a:spcPct val="90000"/>
-              </a:lnSpc>
-              <a:spcBef>
-                <a:spcPts val="500"/>
-              </a:spcBef>
-              <a:buFont typeface="Arial" panose="020B0604020202020204" pitchFamily="34" charset="0"/>
-              <a:buChar char="•"/>
-              <a:defRPr sz="1800" kern="1200">
-                <a:solidFill>
-                  <a:schemeClr val="tx1"/>
-                </a:solidFill>
-                <a:latin typeface="+mn-lt"/>
-                <a:ea typeface="+mn-ea"/>
-                <a:cs typeface="+mn-cs"/>
-              </a:defRPr>
-            </a:lvl5pPr>
-            <a:lvl6pPr marL="2514600" indent="-228600" algn="l" defTabSz="914400" rtl="0" eaLnBrk="1" latinLnBrk="0" hangingPunct="1">
-              <a:lnSpc>
-                <a:spcPct val="90000"/>
-              </a:lnSpc>
-              <a:spcBef>
-                <a:spcPts val="500"/>
-              </a:spcBef>
-              <a:buFont typeface="Arial" panose="020B0604020202020204" pitchFamily="34" charset="0"/>
-              <a:buChar char="•"/>
-              <a:defRPr sz="1800" kern="1200">
-                <a:solidFill>
-                  <a:schemeClr val="tx1"/>
-                </a:solidFill>
-                <a:latin typeface="+mn-lt"/>
-                <a:ea typeface="+mn-ea"/>
-                <a:cs typeface="+mn-cs"/>
-              </a:defRPr>
-            </a:lvl6pPr>
-            <a:lvl7pPr marL="2971800" indent="-228600" algn="l" defTabSz="914400" rtl="0" eaLnBrk="1" latinLnBrk="0" hangingPunct="1">
-              <a:lnSpc>
-                <a:spcPct val="90000"/>
-              </a:lnSpc>
-              <a:spcBef>
-                <a:spcPts val="500"/>
-              </a:spcBef>
-              <a:buFont typeface="Arial" panose="020B0604020202020204" pitchFamily="34" charset="0"/>
-              <a:buChar char="•"/>
-              <a:defRPr sz="1800" kern="1200">
-                <a:solidFill>
-                  <a:schemeClr val="tx1"/>
-                </a:solidFill>
-                <a:latin typeface="+mn-lt"/>
-                <a:ea typeface="+mn-ea"/>
-                <a:cs typeface="+mn-cs"/>
-              </a:defRPr>
-            </a:lvl7pPr>
-            <a:lvl8pPr marL="3429000" indent="-228600" algn="l" defTabSz="914400" rtl="0" eaLnBrk="1" latinLnBrk="0" hangingPunct="1">
-              <a:lnSpc>
-                <a:spcPct val="90000"/>
-              </a:lnSpc>
-              <a:spcBef>
-                <a:spcPts val="500"/>
-              </a:spcBef>
-              <a:buFont typeface="Arial" panose="020B0604020202020204" pitchFamily="34" charset="0"/>
-              <a:buChar char="•"/>
-              <a:defRPr sz="1800" kern="1200">
-                <a:solidFill>
-                  <a:schemeClr val="tx1"/>
-                </a:solidFill>
-                <a:latin typeface="+mn-lt"/>
-                <a:ea typeface="+mn-ea"/>
-                <a:cs typeface="+mn-cs"/>
-              </a:defRPr>
-            </a:lvl8pPr>
-            <a:lvl9pPr marL="3886200" indent="-228600" algn="l" defTabSz="914400" rtl="0" eaLnBrk="1" latinLnBrk="0" hangingPunct="1">
-              <a:lnSpc>
-                <a:spcPct val="90000"/>
-              </a:lnSpc>
-              <a:spcBef>
-                <a:spcPts val="500"/>
-              </a:spcBef>
-              <a:buFont typeface="Arial" panose="020B0604020202020204" pitchFamily="34" charset="0"/>
-              <a:buChar char="•"/>
-              <a:defRPr sz="1800" kern="1200">
-                <a:solidFill>
-                  <a:schemeClr val="tx1"/>
-                </a:solidFill>
-                <a:latin typeface="+mn-lt"/>
-                <a:ea typeface="+mn-ea"/>
-                <a:cs typeface="+mn-cs"/>
-              </a:defRPr>
-            </a:lvl9pPr>
-          </a:lstStyle>
-          <a:p>
-            <a:r>
-              <a:rPr lang="it-IT" dirty="0">
-                <a:ln>
-                  <a:solidFill>
-                    <a:schemeClr val="accent1">
-                      <a:lumMod val="50000"/>
-                    </a:schemeClr>
-                  </a:solidFill>
-                </a:ln>
-                <a:solidFill>
-                  <a:schemeClr val="bg1"/>
-                </a:solidFill>
-              </a:rPr>
-              <a:t>Rare (5%)</a:t>
-            </a:r>
-          </a:p>
-        </p:txBody>
-      </p:sp>
-      <p:sp>
-        <p:nvSpPr>
-          <p:cNvPr id="12" name="Segnaposto contenuto 2"/>
-          <p:cNvSpPr txBox="1">
-            <a:spLocks/>
-          </p:cNvSpPr>
-          <p:nvPr/>
-        </p:nvSpPr>
-        <p:spPr>
-          <a:xfrm>
-            <a:off x="720000" y="3990814"/>
-            <a:ext cx="10800000" cy="540000"/>
-          </a:xfrm>
-          <a:prstGeom prst="rect">
-            <a:avLst/>
-          </a:prstGeom>
-          <a:solidFill>
-            <a:srgbClr val="7030A0">
-              <a:alpha val="40000"/>
-            </a:srgbClr>
-          </a:solidFill>
-        </p:spPr>
-        <p:txBody>
-          <a:bodyPr vert="horz" lIns="91440" tIns="45720" rIns="91440" bIns="45720" rtlCol="0">
-            <a:normAutofit/>
-          </a:bodyPr>
-          <a:lstStyle>
-            <a:lvl1pPr marL="228600" indent="-228600" algn="l" defTabSz="914400" rtl="0" eaLnBrk="1" latinLnBrk="0" hangingPunct="1">
-              <a:lnSpc>
-                <a:spcPct val="90000"/>
-              </a:lnSpc>
-              <a:spcBef>
-                <a:spcPts val="1000"/>
-              </a:spcBef>
-              <a:buFont typeface="Arial" panose="020B0604020202020204" pitchFamily="34" charset="0"/>
-              <a:buChar char="•"/>
-              <a:defRPr sz="2800" kern="1200">
-                <a:solidFill>
-                  <a:schemeClr val="tx1"/>
-                </a:solidFill>
-                <a:latin typeface="+mn-lt"/>
-                <a:ea typeface="+mn-ea"/>
-                <a:cs typeface="+mn-cs"/>
-              </a:defRPr>
-            </a:lvl1pPr>
-            <a:lvl2pPr marL="685800" indent="-228600" algn="l" defTabSz="914400" rtl="0" eaLnBrk="1" latinLnBrk="0" hangingPunct="1">
-              <a:lnSpc>
-                <a:spcPct val="90000"/>
-              </a:lnSpc>
-              <a:spcBef>
-                <a:spcPts val="500"/>
-              </a:spcBef>
-              <a:buFont typeface="Arial" panose="020B0604020202020204" pitchFamily="34" charset="0"/>
-              <a:buChar char="•"/>
-              <a:defRPr sz="2400" kern="1200">
-                <a:solidFill>
-                  <a:schemeClr val="tx1"/>
-                </a:solidFill>
-                <a:latin typeface="+mn-lt"/>
-                <a:ea typeface="+mn-ea"/>
-                <a:cs typeface="+mn-cs"/>
-              </a:defRPr>
-            </a:lvl2pPr>
-            <a:lvl3pPr marL="1143000" indent="-228600" algn="l" defTabSz="914400" rtl="0" eaLnBrk="1" latinLnBrk="0" hangingPunct="1">
-              <a:lnSpc>
-                <a:spcPct val="90000"/>
-              </a:lnSpc>
-              <a:spcBef>
-                <a:spcPts val="500"/>
-              </a:spcBef>
-              <a:buFont typeface="Arial" panose="020B0604020202020204" pitchFamily="34" charset="0"/>
-              <a:buChar char="•"/>
-              <a:defRPr sz="2000" kern="1200">
-                <a:solidFill>
-                  <a:schemeClr val="tx1"/>
-                </a:solidFill>
-                <a:latin typeface="+mn-lt"/>
-                <a:ea typeface="+mn-ea"/>
-                <a:cs typeface="+mn-cs"/>
-              </a:defRPr>
-            </a:lvl3pPr>
-            <a:lvl4pPr marL="1600200" indent="-228600" algn="l" defTabSz="914400" rtl="0" eaLnBrk="1" latinLnBrk="0" hangingPunct="1">
-              <a:lnSpc>
-                <a:spcPct val="90000"/>
-              </a:lnSpc>
-              <a:spcBef>
-                <a:spcPts val="500"/>
-              </a:spcBef>
-              <a:buFont typeface="Arial" panose="020B0604020202020204" pitchFamily="34" charset="0"/>
-              <a:buChar char="•"/>
-              <a:defRPr sz="1800" kern="1200">
-                <a:solidFill>
-                  <a:schemeClr val="tx1"/>
-                </a:solidFill>
-                <a:latin typeface="+mn-lt"/>
-                <a:ea typeface="+mn-ea"/>
-                <a:cs typeface="+mn-cs"/>
-              </a:defRPr>
-            </a:lvl4pPr>
-            <a:lvl5pPr marL="2057400" indent="-228600" algn="l" defTabSz="914400" rtl="0" eaLnBrk="1" latinLnBrk="0" hangingPunct="1">
-              <a:lnSpc>
-                <a:spcPct val="90000"/>
-              </a:lnSpc>
-              <a:spcBef>
-                <a:spcPts val="500"/>
-              </a:spcBef>
-              <a:buFont typeface="Arial" panose="020B0604020202020204" pitchFamily="34" charset="0"/>
-              <a:buChar char="•"/>
-              <a:defRPr sz="1800" kern="1200">
-                <a:solidFill>
-                  <a:schemeClr val="tx1"/>
-                </a:solidFill>
-                <a:latin typeface="+mn-lt"/>
-                <a:ea typeface="+mn-ea"/>
-                <a:cs typeface="+mn-cs"/>
-              </a:defRPr>
-            </a:lvl5pPr>
-            <a:lvl6pPr marL="2514600" indent="-228600" algn="l" defTabSz="914400" rtl="0" eaLnBrk="1" latinLnBrk="0" hangingPunct="1">
-              <a:lnSpc>
-                <a:spcPct val="90000"/>
-              </a:lnSpc>
-              <a:spcBef>
-                <a:spcPts val="500"/>
-              </a:spcBef>
-              <a:buFont typeface="Arial" panose="020B0604020202020204" pitchFamily="34" charset="0"/>
-              <a:buChar char="•"/>
-              <a:defRPr sz="1800" kern="1200">
-                <a:solidFill>
-                  <a:schemeClr val="tx1"/>
-                </a:solidFill>
-                <a:latin typeface="+mn-lt"/>
-                <a:ea typeface="+mn-ea"/>
-                <a:cs typeface="+mn-cs"/>
-              </a:defRPr>
-            </a:lvl6pPr>
-            <a:lvl7pPr marL="2971800" indent="-228600" algn="l" defTabSz="914400" rtl="0" eaLnBrk="1" latinLnBrk="0" hangingPunct="1">
-              <a:lnSpc>
-                <a:spcPct val="90000"/>
-              </a:lnSpc>
-              <a:spcBef>
-                <a:spcPts val="500"/>
-              </a:spcBef>
-              <a:buFont typeface="Arial" panose="020B0604020202020204" pitchFamily="34" charset="0"/>
-              <a:buChar char="•"/>
-              <a:defRPr sz="1800" kern="1200">
-                <a:solidFill>
-                  <a:schemeClr val="tx1"/>
-                </a:solidFill>
-                <a:latin typeface="+mn-lt"/>
-                <a:ea typeface="+mn-ea"/>
-                <a:cs typeface="+mn-cs"/>
-              </a:defRPr>
-            </a:lvl7pPr>
-            <a:lvl8pPr marL="3429000" indent="-228600" algn="l" defTabSz="914400" rtl="0" eaLnBrk="1" latinLnBrk="0" hangingPunct="1">
-              <a:lnSpc>
-                <a:spcPct val="90000"/>
-              </a:lnSpc>
-              <a:spcBef>
-                <a:spcPts val="500"/>
-              </a:spcBef>
-              <a:buFont typeface="Arial" panose="020B0604020202020204" pitchFamily="34" charset="0"/>
-              <a:buChar char="•"/>
-              <a:defRPr sz="1800" kern="1200">
-                <a:solidFill>
-                  <a:schemeClr val="tx1"/>
-                </a:solidFill>
-                <a:latin typeface="+mn-lt"/>
-                <a:ea typeface="+mn-ea"/>
-                <a:cs typeface="+mn-cs"/>
-              </a:defRPr>
-            </a:lvl8pPr>
-            <a:lvl9pPr marL="3886200" indent="-228600" algn="l" defTabSz="914400" rtl="0" eaLnBrk="1" latinLnBrk="0" hangingPunct="1">
-              <a:lnSpc>
-                <a:spcPct val="90000"/>
-              </a:lnSpc>
-              <a:spcBef>
-                <a:spcPts val="500"/>
-              </a:spcBef>
-              <a:buFont typeface="Arial" panose="020B0604020202020204" pitchFamily="34" charset="0"/>
-              <a:buChar char="•"/>
-              <a:defRPr sz="1800" kern="1200">
-                <a:solidFill>
-                  <a:schemeClr val="tx1"/>
-                </a:solidFill>
-                <a:latin typeface="+mn-lt"/>
-                <a:ea typeface="+mn-ea"/>
-                <a:cs typeface="+mn-cs"/>
-              </a:defRPr>
-            </a:lvl9pPr>
-          </a:lstStyle>
-          <a:p>
-            <a:r>
-              <a:rPr lang="it-IT" dirty="0" err="1">
-                <a:ln>
-                  <a:solidFill>
-                    <a:srgbClr val="7030A0"/>
-                  </a:solidFill>
-                </a:ln>
-                <a:solidFill>
-                  <a:schemeClr val="bg1"/>
-                </a:solidFill>
-              </a:rPr>
-              <a:t>Epic</a:t>
-            </a:r>
-            <a:r>
-              <a:rPr lang="it-IT" dirty="0">
-                <a:ln>
-                  <a:solidFill>
-                    <a:srgbClr val="7030A0"/>
-                  </a:solidFill>
-                </a:ln>
-                <a:solidFill>
-                  <a:schemeClr val="bg1"/>
-                </a:solidFill>
-              </a:rPr>
-              <a:t> (0,5%)</a:t>
-            </a:r>
-          </a:p>
-        </p:txBody>
-      </p:sp>
-      <p:sp>
-        <p:nvSpPr>
-          <p:cNvPr id="13" name="Segnaposto contenuto 2"/>
-          <p:cNvSpPr txBox="1">
-            <a:spLocks/>
-          </p:cNvSpPr>
-          <p:nvPr/>
-        </p:nvSpPr>
-        <p:spPr>
-          <a:xfrm>
-            <a:off x="720000" y="4890814"/>
-            <a:ext cx="10800000" cy="540000"/>
-          </a:xfrm>
-          <a:prstGeom prst="rect">
-            <a:avLst/>
-          </a:prstGeom>
-          <a:solidFill>
-            <a:schemeClr val="accent4">
-              <a:alpha val="40000"/>
-            </a:schemeClr>
-          </a:solidFill>
-        </p:spPr>
-        <p:txBody>
-          <a:bodyPr vert="horz" lIns="91440" tIns="45720" rIns="91440" bIns="45720" rtlCol="0">
-            <a:normAutofit/>
-          </a:bodyPr>
-          <a:lstStyle>
-            <a:lvl1pPr marL="228600" indent="-228600" algn="l" defTabSz="914400" rtl="0" eaLnBrk="1" latinLnBrk="0" hangingPunct="1">
-              <a:lnSpc>
-                <a:spcPct val="90000"/>
-              </a:lnSpc>
-              <a:spcBef>
-                <a:spcPts val="1000"/>
-              </a:spcBef>
-              <a:buFont typeface="Arial" panose="020B0604020202020204" pitchFamily="34" charset="0"/>
-              <a:buChar char="•"/>
-              <a:defRPr sz="2800" kern="1200">
-                <a:solidFill>
-                  <a:schemeClr val="tx1"/>
-                </a:solidFill>
-                <a:latin typeface="+mn-lt"/>
-                <a:ea typeface="+mn-ea"/>
-                <a:cs typeface="+mn-cs"/>
-              </a:defRPr>
-            </a:lvl1pPr>
-            <a:lvl2pPr marL="685800" indent="-228600" algn="l" defTabSz="914400" rtl="0" eaLnBrk="1" latinLnBrk="0" hangingPunct="1">
-              <a:lnSpc>
-                <a:spcPct val="90000"/>
-              </a:lnSpc>
-              <a:spcBef>
-                <a:spcPts val="500"/>
-              </a:spcBef>
-              <a:buFont typeface="Arial" panose="020B0604020202020204" pitchFamily="34" charset="0"/>
-              <a:buChar char="•"/>
-              <a:defRPr sz="2400" kern="1200">
-                <a:solidFill>
-                  <a:schemeClr val="tx1"/>
-                </a:solidFill>
-                <a:latin typeface="+mn-lt"/>
-                <a:ea typeface="+mn-ea"/>
-                <a:cs typeface="+mn-cs"/>
-              </a:defRPr>
-            </a:lvl2pPr>
-            <a:lvl3pPr marL="1143000" indent="-228600" algn="l" defTabSz="914400" rtl="0" eaLnBrk="1" latinLnBrk="0" hangingPunct="1">
-              <a:lnSpc>
-                <a:spcPct val="90000"/>
-              </a:lnSpc>
-              <a:spcBef>
-                <a:spcPts val="500"/>
-              </a:spcBef>
-              <a:buFont typeface="Arial" panose="020B0604020202020204" pitchFamily="34" charset="0"/>
-              <a:buChar char="•"/>
-              <a:defRPr sz="2000" kern="1200">
-                <a:solidFill>
-                  <a:schemeClr val="tx1"/>
-                </a:solidFill>
-                <a:latin typeface="+mn-lt"/>
-                <a:ea typeface="+mn-ea"/>
-                <a:cs typeface="+mn-cs"/>
-              </a:defRPr>
-            </a:lvl3pPr>
-            <a:lvl4pPr marL="1600200" indent="-228600" algn="l" defTabSz="914400" rtl="0" eaLnBrk="1" latinLnBrk="0" hangingPunct="1">
-              <a:lnSpc>
-                <a:spcPct val="90000"/>
-              </a:lnSpc>
-              <a:spcBef>
-                <a:spcPts val="500"/>
-              </a:spcBef>
-              <a:buFont typeface="Arial" panose="020B0604020202020204" pitchFamily="34" charset="0"/>
-              <a:buChar char="•"/>
-              <a:defRPr sz="1800" kern="1200">
-                <a:solidFill>
-                  <a:schemeClr val="tx1"/>
-                </a:solidFill>
-                <a:latin typeface="+mn-lt"/>
-                <a:ea typeface="+mn-ea"/>
-                <a:cs typeface="+mn-cs"/>
-              </a:defRPr>
-            </a:lvl4pPr>
-            <a:lvl5pPr marL="2057400" indent="-228600" algn="l" defTabSz="914400" rtl="0" eaLnBrk="1" latinLnBrk="0" hangingPunct="1">
-              <a:lnSpc>
-                <a:spcPct val="90000"/>
-              </a:lnSpc>
-              <a:spcBef>
-                <a:spcPts val="500"/>
-              </a:spcBef>
-              <a:buFont typeface="Arial" panose="020B0604020202020204" pitchFamily="34" charset="0"/>
-              <a:buChar char="•"/>
-              <a:defRPr sz="1800" kern="1200">
-                <a:solidFill>
-                  <a:schemeClr val="tx1"/>
-                </a:solidFill>
-                <a:latin typeface="+mn-lt"/>
-                <a:ea typeface="+mn-ea"/>
-                <a:cs typeface="+mn-cs"/>
-              </a:defRPr>
-            </a:lvl5pPr>
-            <a:lvl6pPr marL="2514600" indent="-228600" algn="l" defTabSz="914400" rtl="0" eaLnBrk="1" latinLnBrk="0" hangingPunct="1">
-              <a:lnSpc>
-                <a:spcPct val="90000"/>
-              </a:lnSpc>
-              <a:spcBef>
-                <a:spcPts val="500"/>
-              </a:spcBef>
-              <a:buFont typeface="Arial" panose="020B0604020202020204" pitchFamily="34" charset="0"/>
-              <a:buChar char="•"/>
-              <a:defRPr sz="1800" kern="1200">
-                <a:solidFill>
-                  <a:schemeClr val="tx1"/>
-                </a:solidFill>
-                <a:latin typeface="+mn-lt"/>
-                <a:ea typeface="+mn-ea"/>
-                <a:cs typeface="+mn-cs"/>
-              </a:defRPr>
-            </a:lvl6pPr>
-            <a:lvl7pPr marL="2971800" indent="-228600" algn="l" defTabSz="914400" rtl="0" eaLnBrk="1" latinLnBrk="0" hangingPunct="1">
-              <a:lnSpc>
-                <a:spcPct val="90000"/>
-              </a:lnSpc>
-              <a:spcBef>
-                <a:spcPts val="500"/>
-              </a:spcBef>
-              <a:buFont typeface="Arial" panose="020B0604020202020204" pitchFamily="34" charset="0"/>
-              <a:buChar char="•"/>
-              <a:defRPr sz="1800" kern="1200">
-                <a:solidFill>
-                  <a:schemeClr val="tx1"/>
-                </a:solidFill>
-                <a:latin typeface="+mn-lt"/>
-                <a:ea typeface="+mn-ea"/>
-                <a:cs typeface="+mn-cs"/>
-              </a:defRPr>
-            </a:lvl7pPr>
-            <a:lvl8pPr marL="3429000" indent="-228600" algn="l" defTabSz="914400" rtl="0" eaLnBrk="1" latinLnBrk="0" hangingPunct="1">
-              <a:lnSpc>
-                <a:spcPct val="90000"/>
-              </a:lnSpc>
-              <a:spcBef>
-                <a:spcPts val="500"/>
-              </a:spcBef>
-              <a:buFont typeface="Arial" panose="020B0604020202020204" pitchFamily="34" charset="0"/>
-              <a:buChar char="•"/>
-              <a:defRPr sz="1800" kern="1200">
-                <a:solidFill>
-                  <a:schemeClr val="tx1"/>
-                </a:solidFill>
-                <a:latin typeface="+mn-lt"/>
-                <a:ea typeface="+mn-ea"/>
-                <a:cs typeface="+mn-cs"/>
-              </a:defRPr>
-            </a:lvl8pPr>
-            <a:lvl9pPr marL="3886200" indent="-228600" algn="l" defTabSz="914400" rtl="0" eaLnBrk="1" latinLnBrk="0" hangingPunct="1">
-              <a:lnSpc>
-                <a:spcPct val="90000"/>
-              </a:lnSpc>
-              <a:spcBef>
-                <a:spcPts val="500"/>
-              </a:spcBef>
-              <a:buFont typeface="Arial" panose="020B0604020202020204" pitchFamily="34" charset="0"/>
-              <a:buChar char="•"/>
-              <a:defRPr sz="1800" kern="1200">
-                <a:solidFill>
-                  <a:schemeClr val="tx1"/>
-                </a:solidFill>
-                <a:latin typeface="+mn-lt"/>
-                <a:ea typeface="+mn-ea"/>
-                <a:cs typeface="+mn-cs"/>
-              </a:defRPr>
-            </a:lvl9pPr>
-          </a:lstStyle>
-          <a:p>
-            <a:r>
-              <a:rPr lang="it-IT" dirty="0" err="1">
-                <a:ln>
-                  <a:solidFill>
-                    <a:schemeClr val="accent4">
-                      <a:lumMod val="50000"/>
-                    </a:schemeClr>
-                  </a:solidFill>
-                </a:ln>
-                <a:solidFill>
-                  <a:schemeClr val="bg1"/>
-                </a:solidFill>
-              </a:rPr>
-              <a:t>Legendary</a:t>
-            </a:r>
-            <a:r>
-              <a:rPr lang="it-IT" dirty="0">
-                <a:ln>
-                  <a:solidFill>
-                    <a:schemeClr val="accent4">
-                      <a:lumMod val="50000"/>
-                    </a:schemeClr>
-                  </a:solidFill>
-                </a:ln>
-                <a:solidFill>
-                  <a:schemeClr val="bg1"/>
-                </a:solidFill>
-              </a:rPr>
-              <a:t> (0,05%)</a:t>
-            </a:r>
-          </a:p>
-        </p:txBody>
-      </p:sp>
-      <p:pic>
-        <p:nvPicPr>
-          <p:cNvPr id="1030" name="Picture 6" descr="https://static.wikia.nocookie.net/nintendo/images/d/d3/Mewtwo.png/revision/latest/scale-to-width-down/1000?cb=20141002090451&amp;path-prefix=en"/>
-          <p:cNvPicPr>
-            <a:picLocks noChangeAspect="1" noChangeArrowheads="1"/>
-          </p:cNvPicPr>
-          <p:nvPr/>
-        </p:nvPicPr>
-        <p:blipFill>
-          <a:blip r:embed="rId2" cstate="print">
-            <a:extLst>
-              <a:ext uri="{28A0092B-C50C-407E-A947-70E740481C1C}">
-                <a14:useLocalDpi xmlns:a14="http://schemas.microsoft.com/office/drawing/2010/main" val="0"/>
-              </a:ext>
-            </a:extLst>
-          </a:blip>
-          <a:srcRect/>
-          <a:stretch>
-            <a:fillRect/>
-          </a:stretch>
-        </p:blipFill>
-        <p:spPr bwMode="auto">
-          <a:xfrm>
-            <a:off x="10512000" y="4782814"/>
-            <a:ext cx="828000" cy="828000"/>
-          </a:xfrm>
-          <a:prstGeom prst="rect">
-            <a:avLst/>
-          </a:prstGeom>
-          <a:noFill/>
-          <a:extLst>
-            <a:ext uri="{909E8E84-426E-40DD-AFC4-6F175D3DCCD1}">
-              <a14:hiddenFill xmlns:a14="http://schemas.microsoft.com/office/drawing/2010/main">
-                <a:solidFill>
-                  <a:srgbClr val="FFFFFF"/>
-                </a:solidFill>
-              </a14:hiddenFill>
-            </a:ext>
-          </a:extLst>
-        </p:spPr>
-      </p:pic>
-      <p:pic>
-        <p:nvPicPr>
-          <p:cNvPr id="1032" name="Picture 8" descr="https://static.wikia.nocookie.net/nintendo/images/f/f8/Gengar.png/revision/latest?cb=20210812171706&amp;path-prefix=en"/>
-          <p:cNvPicPr>
-            <a:picLocks noChangeAspect="1" noChangeArrowheads="1"/>
-          </p:cNvPicPr>
-          <p:nvPr/>
-        </p:nvPicPr>
-        <p:blipFill>
-          <a:blip r:embed="rId3" cstate="print">
-            <a:extLst>
-              <a:ext uri="{28A0092B-C50C-407E-A947-70E740481C1C}">
-                <a14:useLocalDpi xmlns:a14="http://schemas.microsoft.com/office/drawing/2010/main" val="0"/>
-              </a:ext>
-            </a:extLst>
-          </a:blip>
-          <a:srcRect/>
-          <a:stretch>
-            <a:fillRect/>
-          </a:stretch>
-        </p:blipFill>
-        <p:spPr bwMode="auto">
-          <a:xfrm>
-            <a:off x="6480000" y="3846814"/>
-            <a:ext cx="828000" cy="828000"/>
-          </a:xfrm>
-          <a:prstGeom prst="rect">
-            <a:avLst/>
-          </a:prstGeom>
-          <a:noFill/>
-          <a:extLst>
-            <a:ext uri="{909E8E84-426E-40DD-AFC4-6F175D3DCCD1}">
-              <a14:hiddenFill xmlns:a14="http://schemas.microsoft.com/office/drawing/2010/main">
-                <a:solidFill>
-                  <a:srgbClr val="FFFFFF"/>
-                </a:solidFill>
-              </a14:hiddenFill>
-            </a:ext>
-          </a:extLst>
-        </p:spPr>
-      </p:pic>
-      <p:pic>
-        <p:nvPicPr>
-          <p:cNvPr id="1034" name="Picture 10" descr="https://static.wikia.nocookie.net/nintendo/images/9/95/Charizard.png/revision/latest/scale-to-width-down/1000?cb=20141002083306&amp;path-prefix=en"/>
-          <p:cNvPicPr>
-            <a:picLocks noChangeAspect="1" noChangeArrowheads="1"/>
-          </p:cNvPicPr>
-          <p:nvPr/>
-        </p:nvPicPr>
-        <p:blipFill>
-          <a:blip r:embed="rId4" cstate="print">
-            <a:extLst>
-              <a:ext uri="{28A0092B-C50C-407E-A947-70E740481C1C}">
-                <a14:useLocalDpi xmlns:a14="http://schemas.microsoft.com/office/drawing/2010/main" val="0"/>
-              </a:ext>
-            </a:extLst>
-          </a:blip>
-          <a:srcRect/>
-          <a:stretch>
-            <a:fillRect/>
-          </a:stretch>
-        </p:blipFill>
-        <p:spPr bwMode="auto">
-          <a:xfrm>
-            <a:off x="9450000" y="3846814"/>
-            <a:ext cx="828000" cy="828000"/>
-          </a:xfrm>
-          <a:prstGeom prst="rect">
-            <a:avLst/>
-          </a:prstGeom>
-          <a:noFill/>
-          <a:extLst>
-            <a:ext uri="{909E8E84-426E-40DD-AFC4-6F175D3DCCD1}">
-              <a14:hiddenFill xmlns:a14="http://schemas.microsoft.com/office/drawing/2010/main">
-                <a:solidFill>
-                  <a:srgbClr val="FFFFFF"/>
-                </a:solidFill>
-              </a14:hiddenFill>
-            </a:ext>
-          </a:extLst>
-        </p:spPr>
-      </p:pic>
-      <p:pic>
-        <p:nvPicPr>
-          <p:cNvPr id="1036" name="Picture 12" descr="https://static.wikia.nocookie.net/nintendo/images/7/77/Pikachu.png/revision/latest?cb=20141002082401&amp;path-prefix=en"/>
-          <p:cNvPicPr>
-            <a:picLocks noChangeAspect="1" noChangeArrowheads="1"/>
-          </p:cNvPicPr>
-          <p:nvPr/>
-        </p:nvPicPr>
-        <p:blipFill>
-          <a:blip r:embed="rId5" cstate="print">
-            <a:extLst>
-              <a:ext uri="{28A0092B-C50C-407E-A947-70E740481C1C}">
-                <a14:useLocalDpi xmlns:a14="http://schemas.microsoft.com/office/drawing/2010/main" val="0"/>
-              </a:ext>
-            </a:extLst>
-          </a:blip>
-          <a:srcRect/>
-          <a:stretch>
-            <a:fillRect/>
-          </a:stretch>
-        </p:blipFill>
-        <p:spPr bwMode="auto">
-          <a:xfrm>
-            <a:off x="6480000" y="2010814"/>
-            <a:ext cx="828000" cy="828000"/>
-          </a:xfrm>
-          <a:prstGeom prst="rect">
-            <a:avLst/>
-          </a:prstGeom>
-          <a:noFill/>
-          <a:extLst>
-            <a:ext uri="{909E8E84-426E-40DD-AFC4-6F175D3DCCD1}">
-              <a14:hiddenFill xmlns:a14="http://schemas.microsoft.com/office/drawing/2010/main">
-                <a:solidFill>
-                  <a:srgbClr val="FFFFFF"/>
-                </a:solidFill>
-              </a14:hiddenFill>
-            </a:ext>
-          </a:extLst>
-        </p:spPr>
-      </p:pic>
-      <p:pic>
-        <p:nvPicPr>
-          <p:cNvPr id="1044" name="Picture 20" descr="https://static.wikia.nocookie.net/nintendo/images/a/af/Jigglypuff.png/revision/latest?cb=20141002081555&amp;path-prefix=en"/>
-          <p:cNvPicPr>
-            <a:picLocks noChangeAspect="1" noChangeArrowheads="1"/>
-          </p:cNvPicPr>
-          <p:nvPr/>
-        </p:nvPicPr>
-        <p:blipFill>
-          <a:blip r:embed="rId6" cstate="print">
-            <a:extLst>
-              <a:ext uri="{28A0092B-C50C-407E-A947-70E740481C1C}">
-                <a14:useLocalDpi xmlns:a14="http://schemas.microsoft.com/office/drawing/2010/main" val="0"/>
-              </a:ext>
-            </a:extLst>
-          </a:blip>
-          <a:srcRect/>
-          <a:stretch>
-            <a:fillRect/>
-          </a:stretch>
-        </p:blipFill>
-        <p:spPr bwMode="auto">
-          <a:xfrm>
-            <a:off x="10512000" y="1110814"/>
-            <a:ext cx="828000" cy="828000"/>
-          </a:xfrm>
-          <a:prstGeom prst="rect">
-            <a:avLst/>
-          </a:prstGeom>
-          <a:noFill/>
-          <a:extLst>
-            <a:ext uri="{909E8E84-426E-40DD-AFC4-6F175D3DCCD1}">
-              <a14:hiddenFill xmlns:a14="http://schemas.microsoft.com/office/drawing/2010/main">
-                <a:solidFill>
-                  <a:srgbClr val="FFFFFF"/>
-                </a:solidFill>
-              </a14:hiddenFill>
-            </a:ext>
-          </a:extLst>
-        </p:spPr>
-      </p:pic>
-      <p:pic>
-        <p:nvPicPr>
-          <p:cNvPr id="1046" name="Picture 22" descr="https://static.wikia.nocookie.net/nintendo/images/9/99/Meowth.png/revision/latest?cb=20160811132041&amp;path-prefix=en"/>
-          <p:cNvPicPr>
-            <a:picLocks noChangeAspect="1" noChangeArrowheads="1"/>
-          </p:cNvPicPr>
-          <p:nvPr/>
-        </p:nvPicPr>
-        <p:blipFill>
-          <a:blip r:embed="rId7" cstate="print">
-            <a:extLst>
-              <a:ext uri="{28A0092B-C50C-407E-A947-70E740481C1C}">
-                <a14:useLocalDpi xmlns:a14="http://schemas.microsoft.com/office/drawing/2010/main" val="0"/>
-              </a:ext>
-            </a:extLst>
-          </a:blip>
-          <a:srcRect/>
-          <a:stretch>
-            <a:fillRect/>
-          </a:stretch>
-        </p:blipFill>
-        <p:spPr bwMode="auto">
-          <a:xfrm>
-            <a:off x="9536681" y="1110814"/>
-            <a:ext cx="654637" cy="828000"/>
-          </a:xfrm>
-          <a:prstGeom prst="rect">
-            <a:avLst/>
-          </a:prstGeom>
-          <a:noFill/>
-          <a:extLst>
-            <a:ext uri="{909E8E84-426E-40DD-AFC4-6F175D3DCCD1}">
-              <a14:hiddenFill xmlns:a14="http://schemas.microsoft.com/office/drawing/2010/main">
-                <a:solidFill>
-                  <a:srgbClr val="FFFFFF"/>
-                </a:solidFill>
-              </a14:hiddenFill>
-            </a:ext>
-          </a:extLst>
-        </p:spPr>
-      </p:pic>
-      <p:pic>
-        <p:nvPicPr>
-          <p:cNvPr id="1048" name="Picture 24" descr="https://static.wikia.nocookie.net/nintendo/images/f/f2/Eevee.png/revision/latest?cb=20210812185933&amp;path-prefix=en"/>
-          <p:cNvPicPr>
-            <a:picLocks noChangeAspect="1" noChangeArrowheads="1"/>
-          </p:cNvPicPr>
-          <p:nvPr/>
-        </p:nvPicPr>
-        <p:blipFill>
-          <a:blip r:embed="rId8" cstate="print">
-            <a:extLst>
-              <a:ext uri="{28A0092B-C50C-407E-A947-70E740481C1C}">
-                <a14:useLocalDpi xmlns:a14="http://schemas.microsoft.com/office/drawing/2010/main" val="0"/>
-              </a:ext>
-            </a:extLst>
-          </a:blip>
-          <a:srcRect/>
-          <a:stretch>
-            <a:fillRect/>
-          </a:stretch>
-        </p:blipFill>
-        <p:spPr bwMode="auto">
-          <a:xfrm>
-            <a:off x="7488000" y="2010814"/>
-            <a:ext cx="828000" cy="828000"/>
-          </a:xfrm>
-          <a:prstGeom prst="rect">
-            <a:avLst/>
-          </a:prstGeom>
-          <a:noFill/>
-          <a:extLst>
-            <a:ext uri="{909E8E84-426E-40DD-AFC4-6F175D3DCCD1}">
-              <a14:hiddenFill xmlns:a14="http://schemas.microsoft.com/office/drawing/2010/main">
-                <a:solidFill>
-                  <a:srgbClr val="FFFFFF"/>
-                </a:solidFill>
-              </a14:hiddenFill>
-            </a:ext>
-          </a:extLst>
-        </p:spPr>
-      </p:pic>
-      <p:pic>
-        <p:nvPicPr>
-          <p:cNvPr id="1050" name="Picture 26" descr="https://static.wikia.nocookie.net/nintendo/images/b/bf/Mew.png/revision/latest/scale-to-width-down/1000?cb=20180612225527&amp;path-prefix=en"/>
-          <p:cNvPicPr>
-            <a:picLocks noChangeAspect="1" noChangeArrowheads="1"/>
-          </p:cNvPicPr>
-          <p:nvPr/>
-        </p:nvPicPr>
-        <p:blipFill>
-          <a:blip r:embed="rId9" cstate="print">
-            <a:extLst>
-              <a:ext uri="{28A0092B-C50C-407E-A947-70E740481C1C}">
-                <a14:useLocalDpi xmlns:a14="http://schemas.microsoft.com/office/drawing/2010/main" val="0"/>
-              </a:ext>
-            </a:extLst>
-          </a:blip>
-          <a:srcRect/>
-          <a:stretch>
-            <a:fillRect/>
-          </a:stretch>
-        </p:blipFill>
-        <p:spPr bwMode="auto">
-          <a:xfrm>
-            <a:off x="9450000" y="4782814"/>
-            <a:ext cx="850976" cy="828000"/>
-          </a:xfrm>
-          <a:prstGeom prst="rect">
-            <a:avLst/>
-          </a:prstGeom>
-          <a:noFill/>
-          <a:extLst>
-            <a:ext uri="{909E8E84-426E-40DD-AFC4-6F175D3DCCD1}">
-              <a14:hiddenFill xmlns:a14="http://schemas.microsoft.com/office/drawing/2010/main">
-                <a:solidFill>
-                  <a:srgbClr val="FFFFFF"/>
-                </a:solidFill>
-              </a14:hiddenFill>
-            </a:ext>
-          </a:extLst>
-        </p:spPr>
-      </p:pic>
-      <p:pic>
-        <p:nvPicPr>
-          <p:cNvPr id="1052" name="Picture 28" descr="https://static.wikia.nocookie.net/nintendo/images/b/be/Venusaur.png/revision/latest/scale-to-width-down/1000?cb=20141002083423&amp;path-prefix=en"/>
-          <p:cNvPicPr>
-            <a:picLocks noChangeAspect="1" noChangeArrowheads="1"/>
-          </p:cNvPicPr>
-          <p:nvPr/>
-        </p:nvPicPr>
-        <p:blipFill>
-          <a:blip r:embed="rId10" cstate="print">
-            <a:extLst>
-              <a:ext uri="{28A0092B-C50C-407E-A947-70E740481C1C}">
-                <a14:useLocalDpi xmlns:a14="http://schemas.microsoft.com/office/drawing/2010/main" val="0"/>
-              </a:ext>
-            </a:extLst>
-          </a:blip>
-          <a:srcRect/>
-          <a:stretch>
-            <a:fillRect/>
-          </a:stretch>
-        </p:blipFill>
-        <p:spPr bwMode="auto">
-          <a:xfrm>
-            <a:off x="8460000" y="3846814"/>
-            <a:ext cx="828000" cy="828000"/>
-          </a:xfrm>
-          <a:prstGeom prst="rect">
-            <a:avLst/>
-          </a:prstGeom>
-          <a:noFill/>
-          <a:extLst>
-            <a:ext uri="{909E8E84-426E-40DD-AFC4-6F175D3DCCD1}">
-              <a14:hiddenFill xmlns:a14="http://schemas.microsoft.com/office/drawing/2010/main">
-                <a:solidFill>
-                  <a:srgbClr val="FFFFFF"/>
-                </a:solidFill>
-              </a14:hiddenFill>
-            </a:ext>
-          </a:extLst>
-        </p:spPr>
-      </p:pic>
-      <p:pic>
-        <p:nvPicPr>
-          <p:cNvPr id="1054" name="Picture 30" descr="https://static.wikia.nocookie.net/nintendo/images/4/41/Blastoise.png/revision/latest/scale-to-width-down/1000?cb=20141002083147&amp;path-prefix=en"/>
-          <p:cNvPicPr>
-            <a:picLocks noChangeAspect="1" noChangeArrowheads="1"/>
-          </p:cNvPicPr>
-          <p:nvPr/>
-        </p:nvPicPr>
-        <p:blipFill>
-          <a:blip r:embed="rId11" cstate="print">
-            <a:extLst>
-              <a:ext uri="{28A0092B-C50C-407E-A947-70E740481C1C}">
-                <a14:useLocalDpi xmlns:a14="http://schemas.microsoft.com/office/drawing/2010/main" val="0"/>
-              </a:ext>
-            </a:extLst>
-          </a:blip>
-          <a:srcRect/>
-          <a:stretch>
-            <a:fillRect/>
-          </a:stretch>
-        </p:blipFill>
-        <p:spPr bwMode="auto">
-          <a:xfrm>
-            <a:off x="10512000" y="3846814"/>
-            <a:ext cx="828000" cy="828000"/>
-          </a:xfrm>
-          <a:prstGeom prst="rect">
-            <a:avLst/>
-          </a:prstGeom>
-          <a:noFill/>
-          <a:extLst>
-            <a:ext uri="{909E8E84-426E-40DD-AFC4-6F175D3DCCD1}">
-              <a14:hiddenFill xmlns:a14="http://schemas.microsoft.com/office/drawing/2010/main">
-                <a:solidFill>
-                  <a:srgbClr val="FFFFFF"/>
-                </a:solidFill>
-              </a14:hiddenFill>
-            </a:ext>
-          </a:extLst>
-        </p:spPr>
-      </p:pic>
-      <p:pic>
-        <p:nvPicPr>
-          <p:cNvPr id="1056" name="Picture 32" descr="https://static.wikia.nocookie.net/nintendo/images/d/d7/Gyarados.png/revision/latest?cb=20210812185601&amp;path-prefix=en"/>
-          <p:cNvPicPr>
-            <a:picLocks noChangeAspect="1" noChangeArrowheads="1"/>
-          </p:cNvPicPr>
-          <p:nvPr/>
-        </p:nvPicPr>
-        <p:blipFill>
-          <a:blip r:embed="rId12" cstate="print">
-            <a:extLst>
-              <a:ext uri="{28A0092B-C50C-407E-A947-70E740481C1C}">
-                <a14:useLocalDpi xmlns:a14="http://schemas.microsoft.com/office/drawing/2010/main" val="0"/>
-              </a:ext>
-            </a:extLst>
-          </a:blip>
-          <a:srcRect/>
-          <a:stretch>
-            <a:fillRect/>
-          </a:stretch>
-        </p:blipFill>
-        <p:spPr bwMode="auto">
-          <a:xfrm>
-            <a:off x="13669282" y="3367699"/>
-            <a:ext cx="443115" cy="443115"/>
-          </a:xfrm>
-          <a:prstGeom prst="rect">
-            <a:avLst/>
-          </a:prstGeom>
-          <a:noFill/>
-          <a:extLst>
-            <a:ext uri="{909E8E84-426E-40DD-AFC4-6F175D3DCCD1}">
-              <a14:hiddenFill xmlns:a14="http://schemas.microsoft.com/office/drawing/2010/main">
-                <a:solidFill>
-                  <a:srgbClr val="FFFFFF"/>
-                </a:solidFill>
-              </a14:hiddenFill>
-            </a:ext>
-          </a:extLst>
-        </p:spPr>
-      </p:pic>
-      <p:pic>
-        <p:nvPicPr>
-          <p:cNvPr id="1058" name="Picture 34" descr="https://static.wikia.nocookie.net/nintendo/images/3/30/Lapras.png/revision/latest/scale-to-width-down/1000?cb=20191013025849&amp;path-prefix=en"/>
-          <p:cNvPicPr>
-            <a:picLocks noChangeAspect="1" noChangeArrowheads="1"/>
-          </p:cNvPicPr>
-          <p:nvPr/>
-        </p:nvPicPr>
-        <p:blipFill>
-          <a:blip r:embed="rId13" cstate="print">
-            <a:extLst>
-              <a:ext uri="{28A0092B-C50C-407E-A947-70E740481C1C}">
-                <a14:useLocalDpi xmlns:a14="http://schemas.microsoft.com/office/drawing/2010/main" val="0"/>
-              </a:ext>
-            </a:extLst>
-          </a:blip>
-          <a:srcRect/>
-          <a:stretch>
-            <a:fillRect/>
-          </a:stretch>
-        </p:blipFill>
-        <p:spPr bwMode="auto">
-          <a:xfrm>
-            <a:off x="7488000" y="3846814"/>
-            <a:ext cx="828000" cy="828000"/>
-          </a:xfrm>
-          <a:prstGeom prst="rect">
-            <a:avLst/>
-          </a:prstGeom>
-          <a:noFill/>
-          <a:extLst>
-            <a:ext uri="{909E8E84-426E-40DD-AFC4-6F175D3DCCD1}">
-              <a14:hiddenFill xmlns:a14="http://schemas.microsoft.com/office/drawing/2010/main">
-                <a:solidFill>
-                  <a:srgbClr val="FFFFFF"/>
-                </a:solidFill>
-              </a14:hiddenFill>
-            </a:ext>
-          </a:extLst>
-        </p:spPr>
-      </p:pic>
-      <p:pic>
-        <p:nvPicPr>
-          <p:cNvPr id="1062" name="Picture 38" descr="https://static.wikia.nocookie.net/nintendo/images/0/01/Moltres.png/revision/latest/scale-to-width-down/1000?cb=20191013000237&amp;path-prefix=en"/>
-          <p:cNvPicPr>
-            <a:picLocks noChangeAspect="1" noChangeArrowheads="1"/>
-          </p:cNvPicPr>
-          <p:nvPr/>
-        </p:nvPicPr>
-        <p:blipFill>
-          <a:blip r:embed="rId14" cstate="print">
-            <a:extLst>
-              <a:ext uri="{28A0092B-C50C-407E-A947-70E740481C1C}">
-                <a14:useLocalDpi xmlns:a14="http://schemas.microsoft.com/office/drawing/2010/main" val="0"/>
-              </a:ext>
-            </a:extLst>
-          </a:blip>
-          <a:srcRect/>
-          <a:stretch>
-            <a:fillRect/>
-          </a:stretch>
-        </p:blipFill>
-        <p:spPr bwMode="auto">
-          <a:xfrm>
-            <a:off x="8460000" y="4782814"/>
-            <a:ext cx="828000" cy="828000"/>
-          </a:xfrm>
-          <a:prstGeom prst="rect">
-            <a:avLst/>
-          </a:prstGeom>
-          <a:noFill/>
-          <a:extLst>
-            <a:ext uri="{909E8E84-426E-40DD-AFC4-6F175D3DCCD1}">
-              <a14:hiddenFill xmlns:a14="http://schemas.microsoft.com/office/drawing/2010/main">
-                <a:solidFill>
-                  <a:srgbClr val="FFFFFF"/>
-                </a:solidFill>
-              </a14:hiddenFill>
-            </a:ext>
-          </a:extLst>
-        </p:spPr>
-      </p:pic>
-      <p:pic>
-        <p:nvPicPr>
-          <p:cNvPr id="1066" name="Picture 42" descr="https://static.wikia.nocookie.net/nintendo/images/d/d8/Zapdos.png/revision/latest?cb=20141002090124&amp;path-prefix=en"/>
-          <p:cNvPicPr>
-            <a:picLocks noChangeAspect="1" noChangeArrowheads="1"/>
-          </p:cNvPicPr>
-          <p:nvPr/>
-        </p:nvPicPr>
-        <p:blipFill>
-          <a:blip r:embed="rId15" cstate="print">
-            <a:extLst>
-              <a:ext uri="{28A0092B-C50C-407E-A947-70E740481C1C}">
-                <a14:useLocalDpi xmlns:a14="http://schemas.microsoft.com/office/drawing/2010/main" val="0"/>
-              </a:ext>
-            </a:extLst>
-          </a:blip>
-          <a:srcRect/>
-          <a:stretch>
-            <a:fillRect/>
-          </a:stretch>
-        </p:blipFill>
-        <p:spPr bwMode="auto">
-          <a:xfrm>
-            <a:off x="7488000" y="4782814"/>
-            <a:ext cx="828000" cy="828000"/>
-          </a:xfrm>
-          <a:prstGeom prst="rect">
-            <a:avLst/>
-          </a:prstGeom>
-          <a:noFill/>
-          <a:extLst>
-            <a:ext uri="{909E8E84-426E-40DD-AFC4-6F175D3DCCD1}">
-              <a14:hiddenFill xmlns:a14="http://schemas.microsoft.com/office/drawing/2010/main">
-                <a:solidFill>
-                  <a:srgbClr val="FFFFFF"/>
-                </a:solidFill>
-              </a14:hiddenFill>
-            </a:ext>
-          </a:extLst>
-        </p:spPr>
-      </p:pic>
-      <p:pic>
-        <p:nvPicPr>
-          <p:cNvPr id="1068" name="Picture 44" descr="https://static.wikia.nocookie.net/nintendo/images/5/52/Articuno.png/revision/latest?cb=20141002090055&amp;path-prefix=en"/>
-          <p:cNvPicPr>
-            <a:picLocks noChangeAspect="1" noChangeArrowheads="1"/>
-          </p:cNvPicPr>
-          <p:nvPr/>
-        </p:nvPicPr>
-        <p:blipFill>
-          <a:blip r:embed="rId16" cstate="print">
-            <a:extLst>
-              <a:ext uri="{28A0092B-C50C-407E-A947-70E740481C1C}">
-                <a14:useLocalDpi xmlns:a14="http://schemas.microsoft.com/office/drawing/2010/main" val="0"/>
-              </a:ext>
-            </a:extLst>
-          </a:blip>
-          <a:srcRect/>
-          <a:stretch>
-            <a:fillRect/>
-          </a:stretch>
-        </p:blipFill>
-        <p:spPr bwMode="auto">
-          <a:xfrm>
-            <a:off x="6480000" y="4782814"/>
-            <a:ext cx="828000" cy="828000"/>
-          </a:xfrm>
-          <a:prstGeom prst="rect">
-            <a:avLst/>
-          </a:prstGeom>
-          <a:noFill/>
-          <a:extLst>
-            <a:ext uri="{909E8E84-426E-40DD-AFC4-6F175D3DCCD1}">
-              <a14:hiddenFill xmlns:a14="http://schemas.microsoft.com/office/drawing/2010/main">
-                <a:solidFill>
-                  <a:srgbClr val="FFFFFF"/>
-                </a:solidFill>
-              </a14:hiddenFill>
-            </a:ext>
-          </a:extLst>
-        </p:spPr>
-      </p:pic>
-      <p:pic>
-        <p:nvPicPr>
-          <p:cNvPr id="1070" name="Picture 46" descr="https://static.wikia.nocookie.net/nintendo/images/6/67/Zubat.png/revision/latest?cb=20210812165813&amp;path-prefix=en"/>
-          <p:cNvPicPr>
-            <a:picLocks noChangeAspect="1" noChangeArrowheads="1"/>
-          </p:cNvPicPr>
-          <p:nvPr/>
-        </p:nvPicPr>
-        <p:blipFill>
-          <a:blip r:embed="rId17" cstate="print">
-            <a:extLst>
-              <a:ext uri="{28A0092B-C50C-407E-A947-70E740481C1C}">
-                <a14:useLocalDpi xmlns:a14="http://schemas.microsoft.com/office/drawing/2010/main" val="0"/>
-              </a:ext>
-            </a:extLst>
-          </a:blip>
-          <a:srcRect/>
-          <a:stretch>
-            <a:fillRect/>
-          </a:stretch>
-        </p:blipFill>
-        <p:spPr bwMode="auto">
-          <a:xfrm>
-            <a:off x="8460000" y="1110814"/>
-            <a:ext cx="828000" cy="828000"/>
-          </a:xfrm>
-          <a:prstGeom prst="rect">
-            <a:avLst/>
-          </a:prstGeom>
-          <a:noFill/>
-          <a:extLst>
-            <a:ext uri="{909E8E84-426E-40DD-AFC4-6F175D3DCCD1}">
-              <a14:hiddenFill xmlns:a14="http://schemas.microsoft.com/office/drawing/2010/main">
-                <a:solidFill>
-                  <a:srgbClr val="FFFFFF"/>
-                </a:solidFill>
-              </a14:hiddenFill>
-            </a:ext>
-          </a:extLst>
-        </p:spPr>
-      </p:pic>
-      <p:pic>
-        <p:nvPicPr>
-          <p:cNvPr id="1072" name="Picture 48" descr="https://static.wikia.nocookie.net/nintendo/images/b/b7/Pidgey.png/revision/latest/scale-to-width-down/1000?cb=20141002082835&amp;path-prefix=en"/>
-          <p:cNvPicPr>
-            <a:picLocks noChangeAspect="1" noChangeArrowheads="1"/>
-          </p:cNvPicPr>
-          <p:nvPr/>
-        </p:nvPicPr>
-        <p:blipFill>
-          <a:blip r:embed="rId18" cstate="print">
-            <a:extLst>
-              <a:ext uri="{28A0092B-C50C-407E-A947-70E740481C1C}">
-                <a14:useLocalDpi xmlns:a14="http://schemas.microsoft.com/office/drawing/2010/main" val="0"/>
-              </a:ext>
-            </a:extLst>
-          </a:blip>
-          <a:srcRect/>
-          <a:stretch>
-            <a:fillRect/>
-          </a:stretch>
-        </p:blipFill>
-        <p:spPr bwMode="auto">
-          <a:xfrm>
-            <a:off x="6480000" y="1110814"/>
-            <a:ext cx="828000" cy="828000"/>
-          </a:xfrm>
-          <a:prstGeom prst="rect">
-            <a:avLst/>
-          </a:prstGeom>
-          <a:noFill/>
-          <a:extLst>
-            <a:ext uri="{909E8E84-426E-40DD-AFC4-6F175D3DCCD1}">
-              <a14:hiddenFill xmlns:a14="http://schemas.microsoft.com/office/drawing/2010/main">
-                <a:solidFill>
-                  <a:srgbClr val="FFFFFF"/>
-                </a:solidFill>
-              </a14:hiddenFill>
-            </a:ext>
-          </a:extLst>
-        </p:spPr>
-      </p:pic>
-      <p:pic>
-        <p:nvPicPr>
-          <p:cNvPr id="1074" name="Picture 50" descr="https://static.wikia.nocookie.net/nintendo/images/c/c4/Rattata.png/revision/latest?cb=20191012231600&amp;path-prefix=en"/>
-          <p:cNvPicPr>
-            <a:picLocks noChangeAspect="1" noChangeArrowheads="1"/>
-          </p:cNvPicPr>
-          <p:nvPr/>
-        </p:nvPicPr>
-        <p:blipFill>
-          <a:blip r:embed="rId19" cstate="print">
-            <a:extLst>
-              <a:ext uri="{28A0092B-C50C-407E-A947-70E740481C1C}">
-                <a14:useLocalDpi xmlns:a14="http://schemas.microsoft.com/office/drawing/2010/main" val="0"/>
-              </a:ext>
-            </a:extLst>
-          </a:blip>
-          <a:srcRect/>
-          <a:stretch>
-            <a:fillRect/>
-          </a:stretch>
-        </p:blipFill>
-        <p:spPr bwMode="auto">
-          <a:xfrm>
-            <a:off x="5508000" y="1110814"/>
-            <a:ext cx="828000" cy="828000"/>
-          </a:xfrm>
-          <a:prstGeom prst="rect">
-            <a:avLst/>
-          </a:prstGeom>
-          <a:noFill/>
-          <a:extLst>
-            <a:ext uri="{909E8E84-426E-40DD-AFC4-6F175D3DCCD1}">
-              <a14:hiddenFill xmlns:a14="http://schemas.microsoft.com/office/drawing/2010/main">
-                <a:solidFill>
-                  <a:srgbClr val="FFFFFF"/>
-                </a:solidFill>
-              </a14:hiddenFill>
-            </a:ext>
-          </a:extLst>
-        </p:spPr>
-      </p:pic>
-      <p:pic>
-        <p:nvPicPr>
-          <p:cNvPr id="1076" name="Picture 52" descr="https://static.wikia.nocookie.net/nintendo/images/0/01/Magikarp.png/revision/latest?cb=20210812185539&amp;path-prefix=en"/>
-          <p:cNvPicPr>
-            <a:picLocks noChangeAspect="1" noChangeArrowheads="1"/>
-          </p:cNvPicPr>
-          <p:nvPr/>
-        </p:nvPicPr>
-        <p:blipFill>
-          <a:blip r:embed="rId20" cstate="print">
-            <a:extLst>
-              <a:ext uri="{28A0092B-C50C-407E-A947-70E740481C1C}">
-                <a14:useLocalDpi xmlns:a14="http://schemas.microsoft.com/office/drawing/2010/main" val="0"/>
-              </a:ext>
-            </a:extLst>
-          </a:blip>
-          <a:srcRect/>
-          <a:stretch>
-            <a:fillRect/>
-          </a:stretch>
-        </p:blipFill>
-        <p:spPr bwMode="auto">
-          <a:xfrm>
-            <a:off x="7488000" y="1110814"/>
-            <a:ext cx="828000" cy="828000"/>
-          </a:xfrm>
-          <a:prstGeom prst="rect">
-            <a:avLst/>
-          </a:prstGeom>
-          <a:noFill/>
-          <a:extLst>
-            <a:ext uri="{909E8E84-426E-40DD-AFC4-6F175D3DCCD1}">
-              <a14:hiddenFill xmlns:a14="http://schemas.microsoft.com/office/drawing/2010/main">
-                <a:solidFill>
-                  <a:srgbClr val="FFFFFF"/>
-                </a:solidFill>
-              </a14:hiddenFill>
-            </a:ext>
-          </a:extLst>
-        </p:spPr>
-      </p:pic>
-      <p:pic>
-        <p:nvPicPr>
-          <p:cNvPr id="1078" name="Picture 54" descr="https://static.wikia.nocookie.net/nintendo/images/9/99/Dratini.png/revision/latest?cb=20210812191413&amp;path-prefix=en"/>
-          <p:cNvPicPr>
-            <a:picLocks noChangeAspect="1" noChangeArrowheads="1"/>
-          </p:cNvPicPr>
-          <p:nvPr/>
-        </p:nvPicPr>
-        <p:blipFill>
-          <a:blip r:embed="rId21" cstate="print">
-            <a:extLst>
-              <a:ext uri="{28A0092B-C50C-407E-A947-70E740481C1C}">
-                <a14:useLocalDpi xmlns:a14="http://schemas.microsoft.com/office/drawing/2010/main" val="0"/>
-              </a:ext>
-            </a:extLst>
-          </a:blip>
-          <a:srcRect/>
-          <a:stretch>
-            <a:fillRect/>
-          </a:stretch>
-        </p:blipFill>
-        <p:spPr bwMode="auto">
-          <a:xfrm>
-            <a:off x="10475866" y="2910814"/>
-            <a:ext cx="828000" cy="828000"/>
-          </a:xfrm>
-          <a:prstGeom prst="rect">
-            <a:avLst/>
-          </a:prstGeom>
-          <a:noFill/>
-          <a:extLst>
-            <a:ext uri="{909E8E84-426E-40DD-AFC4-6F175D3DCCD1}">
-              <a14:hiddenFill xmlns:a14="http://schemas.microsoft.com/office/drawing/2010/main">
-                <a:solidFill>
-                  <a:srgbClr val="FFFFFF"/>
-                </a:solidFill>
-              </a14:hiddenFill>
-            </a:ext>
-          </a:extLst>
-        </p:spPr>
-      </p:pic>
-      <p:pic>
-        <p:nvPicPr>
-          <p:cNvPr id="1080" name="Picture 56" descr="https://static.wikia.nocookie.net/nintendo/images/b/b2/Onix.png/revision/latest?cb=20210812171841&amp;path-prefix=en"/>
-          <p:cNvPicPr>
-            <a:picLocks noChangeAspect="1" noChangeArrowheads="1"/>
-          </p:cNvPicPr>
-          <p:nvPr/>
-        </p:nvPicPr>
-        <p:blipFill>
-          <a:blip r:embed="rId22" cstate="print">
-            <a:extLst>
-              <a:ext uri="{28A0092B-C50C-407E-A947-70E740481C1C}">
-                <a14:useLocalDpi xmlns:a14="http://schemas.microsoft.com/office/drawing/2010/main" val="0"/>
-              </a:ext>
-            </a:extLst>
-          </a:blip>
-          <a:srcRect/>
-          <a:stretch>
-            <a:fillRect/>
-          </a:stretch>
-        </p:blipFill>
-        <p:spPr bwMode="auto">
-          <a:xfrm>
-            <a:off x="10512000" y="2010814"/>
-            <a:ext cx="828000" cy="828000"/>
-          </a:xfrm>
-          <a:prstGeom prst="rect">
-            <a:avLst/>
-          </a:prstGeom>
-          <a:noFill/>
-          <a:extLst>
-            <a:ext uri="{909E8E84-426E-40DD-AFC4-6F175D3DCCD1}">
-              <a14:hiddenFill xmlns:a14="http://schemas.microsoft.com/office/drawing/2010/main">
-                <a:solidFill>
-                  <a:srgbClr val="FFFFFF"/>
-                </a:solidFill>
-              </a14:hiddenFill>
-            </a:ext>
-          </a:extLst>
-        </p:spPr>
-      </p:pic>
-      <p:pic>
-        <p:nvPicPr>
-          <p:cNvPr id="1082" name="Picture 58" descr="https://static.wikia.nocookie.net/nintendo/images/b/bb/Growlithe.png/revision/latest?cb=20141002080601&amp;path-prefix=en"/>
-          <p:cNvPicPr>
-            <a:picLocks noChangeAspect="1" noChangeArrowheads="1"/>
-          </p:cNvPicPr>
-          <p:nvPr/>
-        </p:nvPicPr>
-        <p:blipFill>
-          <a:blip r:embed="rId23" cstate="print">
-            <a:extLst>
-              <a:ext uri="{28A0092B-C50C-407E-A947-70E740481C1C}">
-                <a14:useLocalDpi xmlns:a14="http://schemas.microsoft.com/office/drawing/2010/main" val="0"/>
-              </a:ext>
-            </a:extLst>
-          </a:blip>
-          <a:srcRect/>
-          <a:stretch>
-            <a:fillRect/>
-          </a:stretch>
-        </p:blipFill>
-        <p:spPr bwMode="auto">
-          <a:xfrm>
-            <a:off x="9450000" y="2010814"/>
-            <a:ext cx="828000" cy="828000"/>
-          </a:xfrm>
-          <a:prstGeom prst="rect">
-            <a:avLst/>
-          </a:prstGeom>
-          <a:noFill/>
-          <a:extLst>
-            <a:ext uri="{909E8E84-426E-40DD-AFC4-6F175D3DCCD1}">
-              <a14:hiddenFill xmlns:a14="http://schemas.microsoft.com/office/drawing/2010/main">
-                <a:solidFill>
-                  <a:srgbClr val="FFFFFF"/>
-                </a:solidFill>
-              </a14:hiddenFill>
-            </a:ext>
-          </a:extLst>
-        </p:spPr>
-      </p:pic>
-      <p:pic>
-        <p:nvPicPr>
-          <p:cNvPr id="1084" name="Picture 60" descr="https://static.wikia.nocookie.net/nintendo/images/6/62/Parasect.png/revision/latest?cb=20141002081144&amp;path-prefix=en"/>
-          <p:cNvPicPr>
-            <a:picLocks noChangeAspect="1" noChangeArrowheads="1"/>
-          </p:cNvPicPr>
-          <p:nvPr/>
-        </p:nvPicPr>
-        <p:blipFill>
-          <a:blip r:embed="rId24" cstate="print">
-            <a:extLst>
-              <a:ext uri="{28A0092B-C50C-407E-A947-70E740481C1C}">
-                <a14:useLocalDpi xmlns:a14="http://schemas.microsoft.com/office/drawing/2010/main" val="0"/>
-              </a:ext>
-            </a:extLst>
-          </a:blip>
-          <a:srcRect/>
-          <a:stretch>
-            <a:fillRect/>
-          </a:stretch>
-        </p:blipFill>
-        <p:spPr bwMode="auto">
-          <a:xfrm>
-            <a:off x="8460000" y="2010814"/>
-            <a:ext cx="828000" cy="828000"/>
-          </a:xfrm>
-          <a:prstGeom prst="rect">
-            <a:avLst/>
-          </a:prstGeom>
-          <a:noFill/>
-          <a:extLst>
-            <a:ext uri="{909E8E84-426E-40DD-AFC4-6F175D3DCCD1}">
-              <a14:hiddenFill xmlns:a14="http://schemas.microsoft.com/office/drawing/2010/main">
-                <a:solidFill>
-                  <a:srgbClr val="FFFFFF"/>
-                </a:solidFill>
-              </a14:hiddenFill>
-            </a:ext>
-          </a:extLst>
-        </p:spPr>
-      </p:pic>
-      <p:pic>
-        <p:nvPicPr>
-          <p:cNvPr id="1086" name="Picture 62" descr="https://static.wikia.nocookie.net/nintendo/images/f/fc/Vaporeon.png/revision/latest/scale-to-width-down/1000?cb=20141002085541&amp;path-prefix=en"/>
-          <p:cNvPicPr>
-            <a:picLocks noChangeAspect="1" noChangeArrowheads="1"/>
-          </p:cNvPicPr>
-          <p:nvPr/>
-        </p:nvPicPr>
-        <p:blipFill>
-          <a:blip r:embed="rId25" cstate="print">
-            <a:extLst>
-              <a:ext uri="{28A0092B-C50C-407E-A947-70E740481C1C}">
-                <a14:useLocalDpi xmlns:a14="http://schemas.microsoft.com/office/drawing/2010/main" val="0"/>
-              </a:ext>
-            </a:extLst>
-          </a:blip>
-          <a:srcRect/>
-          <a:stretch>
-            <a:fillRect/>
-          </a:stretch>
-        </p:blipFill>
-        <p:spPr bwMode="auto">
-          <a:xfrm>
-            <a:off x="5508000" y="3846814"/>
-            <a:ext cx="828000" cy="828000"/>
-          </a:xfrm>
-          <a:prstGeom prst="rect">
-            <a:avLst/>
-          </a:prstGeom>
-          <a:noFill/>
-          <a:extLst>
-            <a:ext uri="{909E8E84-426E-40DD-AFC4-6F175D3DCCD1}">
-              <a14:hiddenFill xmlns:a14="http://schemas.microsoft.com/office/drawing/2010/main">
-                <a:solidFill>
-                  <a:srgbClr val="FFFFFF"/>
-                </a:solidFill>
-              </a14:hiddenFill>
-            </a:ext>
-          </a:extLst>
-        </p:spPr>
-      </p:pic>
-      <p:pic>
-        <p:nvPicPr>
-          <p:cNvPr id="1088" name="Picture 64" descr="https://static.wikia.nocookie.net/nintendo/images/c/c2/Scyther.png/revision/latest?cb=20191013025833&amp;path-prefix=en"/>
-          <p:cNvPicPr>
-            <a:picLocks noChangeAspect="1" noChangeArrowheads="1"/>
-          </p:cNvPicPr>
-          <p:nvPr/>
-        </p:nvPicPr>
-        <p:blipFill>
-          <a:blip r:embed="rId26" cstate="print">
-            <a:extLst>
-              <a:ext uri="{28A0092B-C50C-407E-A947-70E740481C1C}">
-                <a14:useLocalDpi xmlns:a14="http://schemas.microsoft.com/office/drawing/2010/main" val="0"/>
-              </a:ext>
-            </a:extLst>
-          </a:blip>
-          <a:srcRect/>
-          <a:stretch>
-            <a:fillRect/>
-          </a:stretch>
-        </p:blipFill>
-        <p:spPr bwMode="auto">
-          <a:xfrm>
-            <a:off x="8460000" y="2910814"/>
-            <a:ext cx="828000" cy="828000"/>
-          </a:xfrm>
-          <a:prstGeom prst="rect">
-            <a:avLst/>
-          </a:prstGeom>
-          <a:noFill/>
-          <a:extLst>
-            <a:ext uri="{909E8E84-426E-40DD-AFC4-6F175D3DCCD1}">
-              <a14:hiddenFill xmlns:a14="http://schemas.microsoft.com/office/drawing/2010/main">
-                <a:solidFill>
-                  <a:srgbClr val="FFFFFF"/>
-                </a:solidFill>
-              </a14:hiddenFill>
-            </a:ext>
-          </a:extLst>
-        </p:spPr>
-      </p:pic>
-      <p:pic>
-        <p:nvPicPr>
-          <p:cNvPr id="1090" name="Picture 66" descr="https://static.wikia.nocookie.net/nintendo/images/9/98/Ninetales.png/revision/latest?cb=20141002081754&amp;path-prefix=en"/>
-          <p:cNvPicPr>
-            <a:picLocks noChangeAspect="1" noChangeArrowheads="1"/>
-          </p:cNvPicPr>
-          <p:nvPr/>
-        </p:nvPicPr>
-        <p:blipFill>
-          <a:blip r:embed="rId27" cstate="print">
-            <a:extLst>
-              <a:ext uri="{28A0092B-C50C-407E-A947-70E740481C1C}">
-                <a14:useLocalDpi xmlns:a14="http://schemas.microsoft.com/office/drawing/2010/main" val="0"/>
-              </a:ext>
-            </a:extLst>
-          </a:blip>
-          <a:srcRect/>
-          <a:stretch>
-            <a:fillRect/>
-          </a:stretch>
-        </p:blipFill>
-        <p:spPr bwMode="auto">
-          <a:xfrm>
-            <a:off x="9450000" y="2910814"/>
-            <a:ext cx="828000" cy="828000"/>
-          </a:xfrm>
-          <a:prstGeom prst="rect">
-            <a:avLst/>
-          </a:prstGeom>
-          <a:noFill/>
-          <a:extLst>
-            <a:ext uri="{909E8E84-426E-40DD-AFC4-6F175D3DCCD1}">
-              <a14:hiddenFill xmlns:a14="http://schemas.microsoft.com/office/drawing/2010/main">
-                <a:solidFill>
-                  <a:srgbClr val="FFFFFF"/>
-                </a:solidFill>
-              </a14:hiddenFill>
-            </a:ext>
-          </a:extLst>
-        </p:spPr>
-      </p:pic>
-      <p:pic>
-        <p:nvPicPr>
-          <p:cNvPr id="1092" name="Picture 68" descr="https://static.wikia.nocookie.net/nintendo/images/3/3a/Electabuzz.png/revision/latest?cb=20210812184737&amp;path-prefix=en"/>
-          <p:cNvPicPr>
-            <a:picLocks noChangeAspect="1" noChangeArrowheads="1"/>
-          </p:cNvPicPr>
-          <p:nvPr/>
-        </p:nvPicPr>
-        <p:blipFill>
-          <a:blip r:embed="rId28" cstate="print">
-            <a:extLst>
-              <a:ext uri="{28A0092B-C50C-407E-A947-70E740481C1C}">
-                <a14:useLocalDpi xmlns:a14="http://schemas.microsoft.com/office/drawing/2010/main" val="0"/>
-              </a:ext>
-            </a:extLst>
-          </a:blip>
-          <a:srcRect/>
-          <a:stretch>
-            <a:fillRect/>
-          </a:stretch>
-        </p:blipFill>
-        <p:spPr bwMode="auto">
-          <a:xfrm>
-            <a:off x="7488000" y="2910814"/>
-            <a:ext cx="828000" cy="828000"/>
-          </a:xfrm>
-          <a:prstGeom prst="rect">
-            <a:avLst/>
-          </a:prstGeom>
-          <a:noFill/>
-          <a:extLst>
-            <a:ext uri="{909E8E84-426E-40DD-AFC4-6F175D3DCCD1}">
-              <a14:hiddenFill xmlns:a14="http://schemas.microsoft.com/office/drawing/2010/main">
-                <a:solidFill>
-                  <a:srgbClr val="FFFFFF"/>
-                </a:solidFill>
-              </a14:hiddenFill>
-            </a:ext>
-          </a:extLst>
-        </p:spPr>
-      </p:pic>
-      <p:pic>
-        <p:nvPicPr>
-          <p:cNvPr id="1094" name="Picture 70" descr="https://static.wikia.nocookie.net/nintendo/images/0/03/Ditto.png/revision/latest?cb=20191013024928&amp;path-prefix=en"/>
-          <p:cNvPicPr>
-            <a:picLocks noChangeAspect="1" noChangeArrowheads="1"/>
-          </p:cNvPicPr>
-          <p:nvPr/>
-        </p:nvPicPr>
-        <p:blipFill>
-          <a:blip r:embed="rId29" cstate="print">
-            <a:extLst>
-              <a:ext uri="{28A0092B-C50C-407E-A947-70E740481C1C}">
-                <a14:useLocalDpi xmlns:a14="http://schemas.microsoft.com/office/drawing/2010/main" val="0"/>
-              </a:ext>
-            </a:extLst>
-          </a:blip>
-          <a:srcRect/>
-          <a:stretch>
-            <a:fillRect/>
-          </a:stretch>
-        </p:blipFill>
-        <p:spPr bwMode="auto">
-          <a:xfrm>
-            <a:off x="6480000" y="2910814"/>
-            <a:ext cx="828000" cy="828000"/>
-          </a:xfrm>
-          <a:prstGeom prst="rect">
-            <a:avLst/>
-          </a:prstGeom>
-          <a:noFill/>
-          <a:extLst>
-            <a:ext uri="{909E8E84-426E-40DD-AFC4-6F175D3DCCD1}">
-              <a14:hiddenFill xmlns:a14="http://schemas.microsoft.com/office/drawing/2010/main">
-                <a:solidFill>
-                  <a:srgbClr val="FFFFFF"/>
-                </a:solidFill>
-              </a14:hiddenFill>
-            </a:ext>
-          </a:extLst>
-        </p:spPr>
-      </p:pic>
-      <p:sp>
-        <p:nvSpPr>
-          <p:cNvPr id="51" name="Segnaposto contenuto 2"/>
-          <p:cNvSpPr txBox="1">
-            <a:spLocks/>
-          </p:cNvSpPr>
-          <p:nvPr/>
-        </p:nvSpPr>
-        <p:spPr>
-          <a:xfrm>
-            <a:off x="720000" y="5826814"/>
-            <a:ext cx="10800000" cy="540000"/>
-          </a:xfrm>
-          <a:prstGeom prst="rect">
-            <a:avLst/>
-          </a:prstGeom>
-          <a:noFill/>
-        </p:spPr>
-        <p:txBody>
-          <a:bodyPr vert="horz" lIns="91440" tIns="45720" rIns="91440" bIns="45720" rtlCol="0">
-            <a:normAutofit/>
-          </a:bodyPr>
-          <a:lstStyle>
-            <a:lvl1pPr marL="228600" indent="-228600" algn="l" defTabSz="914400" rtl="0" eaLnBrk="1" latinLnBrk="0" hangingPunct="1">
-              <a:lnSpc>
-                <a:spcPct val="90000"/>
-              </a:lnSpc>
-              <a:spcBef>
-                <a:spcPts val="1000"/>
-              </a:spcBef>
-              <a:buFont typeface="Arial" panose="020B0604020202020204" pitchFamily="34" charset="0"/>
-              <a:buChar char="•"/>
-              <a:defRPr sz="2800" kern="1200">
-                <a:solidFill>
-                  <a:schemeClr val="tx1"/>
-                </a:solidFill>
-                <a:latin typeface="+mn-lt"/>
-                <a:ea typeface="+mn-ea"/>
-                <a:cs typeface="+mn-cs"/>
-              </a:defRPr>
-            </a:lvl1pPr>
-            <a:lvl2pPr marL="685800" indent="-228600" algn="l" defTabSz="914400" rtl="0" eaLnBrk="1" latinLnBrk="0" hangingPunct="1">
-              <a:lnSpc>
-                <a:spcPct val="90000"/>
-              </a:lnSpc>
-              <a:spcBef>
-                <a:spcPts val="500"/>
-              </a:spcBef>
-              <a:buFont typeface="Arial" panose="020B0604020202020204" pitchFamily="34" charset="0"/>
-              <a:buChar char="•"/>
-              <a:defRPr sz="2400" kern="1200">
-                <a:solidFill>
-                  <a:schemeClr val="tx1"/>
-                </a:solidFill>
-                <a:latin typeface="+mn-lt"/>
-                <a:ea typeface="+mn-ea"/>
-                <a:cs typeface="+mn-cs"/>
-              </a:defRPr>
-            </a:lvl2pPr>
-            <a:lvl3pPr marL="1143000" indent="-228600" algn="l" defTabSz="914400" rtl="0" eaLnBrk="1" latinLnBrk="0" hangingPunct="1">
-              <a:lnSpc>
-                <a:spcPct val="90000"/>
-              </a:lnSpc>
-              <a:spcBef>
-                <a:spcPts val="500"/>
-              </a:spcBef>
-              <a:buFont typeface="Arial" panose="020B0604020202020204" pitchFamily="34" charset="0"/>
-              <a:buChar char="•"/>
-              <a:defRPr sz="2000" kern="1200">
-                <a:solidFill>
-                  <a:schemeClr val="tx1"/>
-                </a:solidFill>
-                <a:latin typeface="+mn-lt"/>
-                <a:ea typeface="+mn-ea"/>
-                <a:cs typeface="+mn-cs"/>
-              </a:defRPr>
-            </a:lvl3pPr>
-            <a:lvl4pPr marL="1600200" indent="-228600" algn="l" defTabSz="914400" rtl="0" eaLnBrk="1" latinLnBrk="0" hangingPunct="1">
-              <a:lnSpc>
-                <a:spcPct val="90000"/>
-              </a:lnSpc>
-              <a:spcBef>
-                <a:spcPts val="500"/>
-              </a:spcBef>
-              <a:buFont typeface="Arial" panose="020B0604020202020204" pitchFamily="34" charset="0"/>
-              <a:buChar char="•"/>
-              <a:defRPr sz="1800" kern="1200">
-                <a:solidFill>
-                  <a:schemeClr val="tx1"/>
-                </a:solidFill>
-                <a:latin typeface="+mn-lt"/>
-                <a:ea typeface="+mn-ea"/>
-                <a:cs typeface="+mn-cs"/>
-              </a:defRPr>
-            </a:lvl4pPr>
-            <a:lvl5pPr marL="2057400" indent="-228600" algn="l" defTabSz="914400" rtl="0" eaLnBrk="1" latinLnBrk="0" hangingPunct="1">
-              <a:lnSpc>
-                <a:spcPct val="90000"/>
-              </a:lnSpc>
-              <a:spcBef>
-                <a:spcPts val="500"/>
-              </a:spcBef>
-              <a:buFont typeface="Arial" panose="020B0604020202020204" pitchFamily="34" charset="0"/>
-              <a:buChar char="•"/>
-              <a:defRPr sz="1800" kern="1200">
-                <a:solidFill>
-                  <a:schemeClr val="tx1"/>
-                </a:solidFill>
-                <a:latin typeface="+mn-lt"/>
-                <a:ea typeface="+mn-ea"/>
-                <a:cs typeface="+mn-cs"/>
-              </a:defRPr>
-            </a:lvl5pPr>
-            <a:lvl6pPr marL="2514600" indent="-228600" algn="l" defTabSz="914400" rtl="0" eaLnBrk="1" latinLnBrk="0" hangingPunct="1">
-              <a:lnSpc>
-                <a:spcPct val="90000"/>
-              </a:lnSpc>
-              <a:spcBef>
-                <a:spcPts val="500"/>
-              </a:spcBef>
-              <a:buFont typeface="Arial" panose="020B0604020202020204" pitchFamily="34" charset="0"/>
-              <a:buChar char="•"/>
-              <a:defRPr sz="1800" kern="1200">
-                <a:solidFill>
-                  <a:schemeClr val="tx1"/>
-                </a:solidFill>
-                <a:latin typeface="+mn-lt"/>
-                <a:ea typeface="+mn-ea"/>
-                <a:cs typeface="+mn-cs"/>
-              </a:defRPr>
-            </a:lvl6pPr>
-            <a:lvl7pPr marL="2971800" indent="-228600" algn="l" defTabSz="914400" rtl="0" eaLnBrk="1" latinLnBrk="0" hangingPunct="1">
-              <a:lnSpc>
-                <a:spcPct val="90000"/>
-              </a:lnSpc>
-              <a:spcBef>
-                <a:spcPts val="500"/>
-              </a:spcBef>
-              <a:buFont typeface="Arial" panose="020B0604020202020204" pitchFamily="34" charset="0"/>
-              <a:buChar char="•"/>
-              <a:defRPr sz="1800" kern="1200">
-                <a:solidFill>
-                  <a:schemeClr val="tx1"/>
-                </a:solidFill>
-                <a:latin typeface="+mn-lt"/>
-                <a:ea typeface="+mn-ea"/>
-                <a:cs typeface="+mn-cs"/>
-              </a:defRPr>
-            </a:lvl7pPr>
-            <a:lvl8pPr marL="3429000" indent="-228600" algn="l" defTabSz="914400" rtl="0" eaLnBrk="1" latinLnBrk="0" hangingPunct="1">
-              <a:lnSpc>
-                <a:spcPct val="90000"/>
-              </a:lnSpc>
-              <a:spcBef>
-                <a:spcPts val="500"/>
-              </a:spcBef>
-              <a:buFont typeface="Arial" panose="020B0604020202020204" pitchFamily="34" charset="0"/>
-              <a:buChar char="•"/>
-              <a:defRPr sz="1800" kern="1200">
-                <a:solidFill>
-                  <a:schemeClr val="tx1"/>
-                </a:solidFill>
-                <a:latin typeface="+mn-lt"/>
-                <a:ea typeface="+mn-ea"/>
-                <a:cs typeface="+mn-cs"/>
-              </a:defRPr>
-            </a:lvl8pPr>
-            <a:lvl9pPr marL="3886200" indent="-228600" algn="l" defTabSz="914400" rtl="0" eaLnBrk="1" latinLnBrk="0" hangingPunct="1">
-              <a:lnSpc>
-                <a:spcPct val="90000"/>
-              </a:lnSpc>
-              <a:spcBef>
-                <a:spcPts val="500"/>
-              </a:spcBef>
-              <a:buFont typeface="Arial" panose="020B0604020202020204" pitchFamily="34" charset="0"/>
-              <a:buChar char="•"/>
-              <a:defRPr sz="1800" kern="1200">
-                <a:solidFill>
-                  <a:schemeClr val="tx1"/>
-                </a:solidFill>
-                <a:latin typeface="+mn-lt"/>
-                <a:ea typeface="+mn-ea"/>
-                <a:cs typeface="+mn-cs"/>
-              </a:defRPr>
-            </a:lvl9pPr>
-          </a:lstStyle>
-          <a:p>
-            <a:r>
-              <a:rPr lang="it-IT" dirty="0">
-                <a:latin typeface="Cooper Black" panose="0208090404030B020404" pitchFamily="18" charset="0"/>
-              </a:rPr>
-              <a:t>In-game </a:t>
-            </a:r>
-            <a:r>
-              <a:rPr lang="it-IT" dirty="0" err="1">
-                <a:latin typeface="Cooper Black" panose="0208090404030B020404" pitchFamily="18" charset="0"/>
-              </a:rPr>
-              <a:t>currency</a:t>
-            </a:r>
-            <a:r>
-              <a:rPr lang="it-IT" dirty="0">
-                <a:latin typeface="Cooper Black" panose="0208090404030B020404" pitchFamily="18" charset="0"/>
-              </a:rPr>
-              <a:t>: </a:t>
-            </a:r>
-            <a:r>
-              <a:rPr lang="it-IT" dirty="0" err="1">
-                <a:latin typeface="Cooper Black" panose="0208090404030B020404" pitchFamily="18" charset="0"/>
-              </a:rPr>
-              <a:t>Pokedollars</a:t>
-            </a:r>
-            <a:r>
-              <a:rPr lang="it-IT" dirty="0">
-                <a:latin typeface="Cooper Black" panose="0208090404030B020404" pitchFamily="18" charset="0"/>
-              </a:rPr>
-              <a:t> </a:t>
-            </a:r>
-          </a:p>
-        </p:txBody>
-      </p:sp>
-      <p:pic>
-        <p:nvPicPr>
-          <p:cNvPr id="1096" name="Picture 72" descr="File:Pokémon Dollar sign.svg - Wikimedia Commons"/>
-          <p:cNvPicPr>
-            <a:picLocks noChangeAspect="1" noChangeArrowheads="1"/>
-          </p:cNvPicPr>
-          <p:nvPr/>
-        </p:nvPicPr>
-        <p:blipFill>
-          <a:blip r:embed="rId30" cstate="print">
-            <a:extLst>
-              <a:ext uri="{28A0092B-C50C-407E-A947-70E740481C1C}">
-                <a14:useLocalDpi xmlns:a14="http://schemas.microsoft.com/office/drawing/2010/main" val="0"/>
-              </a:ext>
-            </a:extLst>
-          </a:blip>
-          <a:srcRect/>
-          <a:stretch>
-            <a:fillRect/>
-          </a:stretch>
-        </p:blipFill>
-        <p:spPr bwMode="auto">
-          <a:xfrm>
-            <a:off x="6942528" y="5922863"/>
-            <a:ext cx="195555" cy="267870"/>
-          </a:xfrm>
-          <a:prstGeom prst="rect">
-            <a:avLst/>
-          </a:prstGeom>
-          <a:noFill/>
-          <a:extLst>
-            <a:ext uri="{909E8E84-426E-40DD-AFC4-6F175D3DCCD1}">
-              <a14:hiddenFill xmlns:a14="http://schemas.microsoft.com/office/drawing/2010/main">
-                <a:solidFill>
-                  <a:srgbClr val="FFFFFF"/>
-                </a:solidFill>
-              </a14:hiddenFill>
-            </a:ext>
-          </a:extLst>
-        </p:spPr>
-      </p:pic>
-      <p:pic>
-        <p:nvPicPr>
-          <p:cNvPr id="1098" name="Picture 74" descr="Review Order : Pokémon GO Web Store"/>
-          <p:cNvPicPr>
-            <a:picLocks noChangeAspect="1" noChangeArrowheads="1"/>
-          </p:cNvPicPr>
-          <p:nvPr/>
-        </p:nvPicPr>
-        <p:blipFill>
-          <a:blip r:embed="rId31" cstate="print">
-            <a:extLst>
-              <a:ext uri="{28A0092B-C50C-407E-A947-70E740481C1C}">
-                <a14:useLocalDpi xmlns:a14="http://schemas.microsoft.com/office/drawing/2010/main" val="0"/>
-              </a:ext>
-            </a:extLst>
-          </a:blip>
-          <a:srcRect/>
-          <a:stretch>
-            <a:fillRect/>
-          </a:stretch>
-        </p:blipFill>
-        <p:spPr bwMode="auto">
-          <a:xfrm>
-            <a:off x="7447454" y="5590541"/>
-            <a:ext cx="1012546" cy="1012546"/>
-          </a:xfrm>
-          <a:prstGeom prst="rect">
-            <a:avLst/>
-          </a:prstGeom>
-          <a:noFill/>
-          <a:extLst>
-            <a:ext uri="{909E8E84-426E-40DD-AFC4-6F175D3DCCD1}">
-              <a14:hiddenFill xmlns:a14="http://schemas.microsoft.com/office/drawing/2010/main">
-                <a:solidFill>
-                  <a:srgbClr val="FFFFFF"/>
-                </a:solidFill>
-              </a14:hiddenFill>
-            </a:ext>
-          </a:extLst>
-        </p:spPr>
-      </p:pic>
-    </p:spTree>
-    <p:extLst>
-      <p:ext uri="{BB962C8B-B14F-4D97-AF65-F5344CB8AC3E}">
-        <p14:creationId xmlns:p14="http://schemas.microsoft.com/office/powerpoint/2010/main" val="2626683805"/>
-      </p:ext>
-    </p:extLst>
-  </p:cSld>
-  <p:clrMapOvr>
-    <a:masterClrMapping/>
-  </p:clrMapOvr>
-</p:sld>
-</file>
-
-<file path=ppt/slides/slide20.xml><?xml version="1.0" encoding="utf-8"?>
+<file path=ppt/slides/slide21.xml><?xml version="1.0" encoding="utf-8"?>
 <p:sld xmlns:a="http://schemas.openxmlformats.org/drawingml/2006/main" xmlns:r="http://schemas.openxmlformats.org/officeDocument/2006/relationships" xmlns:p="http://schemas.openxmlformats.org/presentationml/2006/main">
   <p:cSld>
     <p:spTree>
@@ -13716,7 +14030,7 @@
 </p:sld>
 </file>
 
-<file path=ppt/slides/slide21.xml><?xml version="1.0" encoding="utf-8"?>
+<file path=ppt/slides/slide22.xml><?xml version="1.0" encoding="utf-8"?>
 <p:sld xmlns:a="http://schemas.openxmlformats.org/drawingml/2006/main" xmlns:r="http://schemas.openxmlformats.org/officeDocument/2006/relationships" xmlns:p="http://schemas.openxmlformats.org/presentationml/2006/main">
   <p:cSld>
     <p:spTree>
@@ -13874,7 +14188,7 @@
 </p:sld>
 </file>
 
-<file path=ppt/slides/slide22.xml><?xml version="1.0" encoding="utf-8"?>
+<file path=ppt/slides/slide23.xml><?xml version="1.0" encoding="utf-8"?>
 <p:sld xmlns:a="http://schemas.openxmlformats.org/drawingml/2006/main" xmlns:r="http://schemas.openxmlformats.org/officeDocument/2006/relationships" xmlns:p="http://schemas.openxmlformats.org/presentationml/2006/main">
   <p:cSld>
     <p:spTree>
@@ -13907,19 +14221,19 @@
           <a:lstStyle/>
           <a:p>
             <a:r>
-              <a:rPr lang="it-IT" dirty="0" err="1" smtClean="0">
+              <a:rPr lang="it-IT" dirty="0" err="1">
                 <a:latin typeface="Cooper Black" panose="0208090404030B020404" pitchFamily="18" charset="0"/>
               </a:rPr>
               <a:t>Additional</a:t>
             </a:r>
             <a:r>
-              <a:rPr lang="it-IT" dirty="0" smtClean="0">
+              <a:rPr lang="it-IT" dirty="0">
                 <a:latin typeface="Cooper Black" panose="0208090404030B020404" pitchFamily="18" charset="0"/>
               </a:rPr>
               <a:t> </a:t>
             </a:r>
             <a:r>
-              <a:rPr lang="it-IT" dirty="0" err="1" smtClean="0">
+              <a:rPr lang="it-IT" dirty="0" err="1">
                 <a:latin typeface="Cooper Black" panose="0208090404030B020404" pitchFamily="18" charset="0"/>
               </a:rPr>
               <a:t>features</a:t>
@@ -14028,10 +14342,9 @@
                     <a:lstStyle/>
                     <a:p>
                       <a:r>
-                        <a:rPr lang="en-US" sz="1400" dirty="0" smtClean="0"/>
+                        <a:rPr lang="en-US" sz="1400" dirty="0"/>
                         <a:t>have different level of roll rarity</a:t>
                       </a:r>
-                      <a:endParaRPr lang="en-US" sz="1400" dirty="0"/>
                     </a:p>
                   </a:txBody>
                   <a:tcPr/>
@@ -14059,7 +14372,7 @@
                         <a:defRPr/>
                       </a:pPr>
                       <a:r>
-                        <a:rPr lang="it-IT" sz="1400" b="0" kern="1200" smtClean="0">
+                        <a:rPr lang="it-IT" sz="1400" b="0" kern="1200">
                           <a:solidFill>
                             <a:schemeClr val="dk1"/>
                           </a:solidFill>
@@ -14071,7 +14384,7 @@
                         <a:t>/</a:t>
                       </a:r>
                       <a:r>
-                        <a:rPr lang="it-IT" sz="1400" kern="1200" smtClean="0">
+                        <a:rPr lang="it-IT" sz="1400" kern="1200">
                           <a:solidFill>
                             <a:schemeClr val="dk1"/>
                           </a:solidFill>
@@ -14109,14 +14422,13 @@
                         <a:defRPr/>
                       </a:pPr>
                       <a:r>
-                        <a:rPr lang="it-IT" sz="1400" dirty="0" err="1" smtClean="0"/>
+                        <a:rPr lang="it-IT" sz="1400" dirty="0" err="1"/>
                         <a:t>api_gateway</a:t>
                       </a:r>
                       <a:r>
-                        <a:rPr lang="it-IT" sz="1400" dirty="0" smtClean="0"/>
+                        <a:rPr lang="it-IT" sz="1400" dirty="0"/>
                         <a:t>, currency_service, db_manager</a:t>
                       </a:r>
-                      <a:endParaRPr lang="it-IT" sz="1400" dirty="0"/>
                     </a:p>
                   </a:txBody>
                   <a:tcPr/>
@@ -14374,7 +14686,7 @@
                     <a:lstStyle/>
                     <a:p>
                       <a:r>
-                        <a:rPr lang="it-IT" sz="1400" b="0" kern="1200" dirty="0" smtClean="0">
+                        <a:rPr lang="it-IT" sz="1400" b="0" kern="1200" dirty="0">
                           <a:solidFill>
                             <a:schemeClr val="dk1"/>
                           </a:solidFill>
@@ -14386,7 +14698,7 @@
                         <a:t>/</a:t>
                       </a:r>
                       <a:r>
-                        <a:rPr lang="it-IT" sz="1400" kern="1200" dirty="0" err="1" smtClean="0">
+                        <a:rPr lang="it-IT" sz="1400" kern="1200" dirty="0" err="1">
                           <a:solidFill>
                             <a:schemeClr val="dk1"/>
                           </a:solidFill>
@@ -14416,22 +14728,21 @@
                     <a:lstStyle/>
                     <a:p>
                       <a:r>
-                        <a:rPr lang="it-IT" sz="1400" dirty="0" err="1" smtClean="0"/>
+                        <a:rPr lang="it-IT" sz="1400" dirty="0" err="1"/>
                         <a:t>admin_gateway</a:t>
                       </a:r>
                       <a:r>
-                        <a:rPr lang="it-IT" sz="1400" dirty="0" smtClean="0"/>
+                        <a:rPr lang="it-IT" sz="1400" dirty="0"/>
                         <a:t>, </a:t>
                       </a:r>
                       <a:r>
-                        <a:rPr lang="it-IT" sz="1400" dirty="0" err="1" smtClean="0"/>
+                        <a:rPr lang="it-IT" sz="1400" dirty="0" err="1"/>
                         <a:t>auth_service</a:t>
                       </a:r>
                       <a:r>
-                        <a:rPr lang="it-IT" sz="1400" dirty="0" smtClean="0"/>
+                        <a:rPr lang="it-IT" sz="1400" dirty="0"/>
                         <a:t>, db_manager</a:t>
                       </a:r>
-                      <a:endParaRPr lang="it-IT" sz="1400" dirty="0"/>
                     </a:p>
                   </a:txBody>
                   <a:tcPr/>
@@ -14513,7 +14824,7 @@
                         <a:defRPr/>
                       </a:pPr>
                       <a:r>
-                        <a:rPr lang="it-IT" sz="1400" kern="1200" dirty="0" smtClean="0">
+                        <a:rPr lang="it-IT" sz="1400" kern="1200" dirty="0">
                           <a:solidFill>
                             <a:schemeClr val="dk1"/>
                           </a:solidFill>
@@ -14525,7 +14836,7 @@
                         <a:t>/</a:t>
                       </a:r>
                       <a:r>
-                        <a:rPr lang="it-IT" sz="1400" kern="1200" dirty="0" err="1" smtClean="0">
+                        <a:rPr lang="it-IT" sz="1400" kern="1200" dirty="0" err="1">
                           <a:solidFill>
                             <a:schemeClr val="dk1"/>
                           </a:solidFill>
@@ -14536,7 +14847,7 @@
                         </a:rPr>
                         <a:t>specific_market_history</a:t>
                       </a:r>
-                      <a:endParaRPr lang="it-IT" sz="1400" kern="1200" dirty="0" smtClean="0">
+                      <a:endParaRPr lang="it-IT" sz="1400" kern="1200" dirty="0">
                         <a:solidFill>
                           <a:schemeClr val="dk1"/>
                         </a:solidFill>
@@ -14555,22 +14866,21 @@
                     <a:lstStyle/>
                     <a:p>
                       <a:r>
-                        <a:rPr lang="it-IT" sz="1400" dirty="0" err="1" smtClean="0"/>
+                        <a:rPr lang="it-IT" sz="1400" dirty="0" err="1"/>
                         <a:t>admin_gateway</a:t>
                       </a:r>
                       <a:r>
-                        <a:rPr lang="it-IT" sz="1400" dirty="0" smtClean="0"/>
+                        <a:rPr lang="it-IT" sz="1400" dirty="0"/>
                         <a:t>, </a:t>
                       </a:r>
                       <a:r>
-                        <a:rPr lang="it-IT" sz="1400" dirty="0" err="1" smtClean="0"/>
+                        <a:rPr lang="it-IT" sz="1400" dirty="0" err="1"/>
                         <a:t>auth_service</a:t>
                       </a:r>
                       <a:r>
-                        <a:rPr lang="it-IT" sz="1400" dirty="0" smtClean="0"/>
+                        <a:rPr lang="it-IT" sz="1400" dirty="0"/>
                         <a:t>, db_manager</a:t>
                       </a:r>
-                      <a:endParaRPr lang="it-IT" sz="1400" dirty="0"/>
                     </a:p>
                   </a:txBody>
                   <a:tcPr/>
@@ -15018,7 +15328,7 @@
                         <a:defRPr/>
                       </a:pPr>
                       <a:r>
-                        <a:rPr lang="it-IT" sz="1400" kern="1200" dirty="0" smtClean="0">
+                        <a:rPr lang="it-IT" sz="1400" kern="1200" dirty="0">
                           <a:solidFill>
                             <a:schemeClr val="dk1"/>
                           </a:solidFill>
@@ -15030,7 +15340,7 @@
                         <a:t>/</a:t>
                       </a:r>
                       <a:r>
-                        <a:rPr lang="it-IT" sz="1400" kern="1200" dirty="0" err="1" smtClean="0">
+                        <a:rPr lang="it-IT" sz="1400" kern="1200" dirty="0" err="1">
                           <a:solidFill>
                             <a:schemeClr val="dk1"/>
                           </a:solidFill>
@@ -15042,7 +15352,7 @@
                         <a:t>auction</a:t>
                       </a:r>
                       <a:r>
-                        <a:rPr lang="it-IT" sz="1400" kern="1200" dirty="0" smtClean="0">
+                        <a:rPr lang="it-IT" sz="1400" kern="1200" dirty="0">
                           <a:solidFill>
                             <a:schemeClr val="dk1"/>
                           </a:solidFill>
@@ -15054,7 +15364,7 @@
                         <a:t>/&lt;</a:t>
                       </a:r>
                       <a:r>
-                        <a:rPr lang="it-IT" sz="1400" kern="1200" dirty="0" err="1" smtClean="0">
+                        <a:rPr lang="it-IT" sz="1400" kern="1200" dirty="0" err="1">
                           <a:solidFill>
                             <a:schemeClr val="dk1"/>
                           </a:solidFill>
@@ -15066,7 +15376,7 @@
                         <a:t>int:transaction_id</a:t>
                       </a:r>
                       <a:r>
-                        <a:rPr lang="it-IT" sz="1400" kern="1200" dirty="0" smtClean="0">
+                        <a:rPr lang="it-IT" sz="1400" kern="1200" dirty="0">
                           <a:solidFill>
                             <a:schemeClr val="dk1"/>
                           </a:solidFill>
@@ -15104,11 +15414,11 @@
                         <a:defRPr/>
                       </a:pPr>
                       <a:r>
-                        <a:rPr lang="it-IT" sz="1400" dirty="0" err="1" smtClean="0"/>
+                        <a:rPr lang="it-IT" sz="1400" dirty="0" err="1"/>
                         <a:t>admin_gateway</a:t>
                       </a:r>
                       <a:r>
-                        <a:rPr lang="it-IT" sz="1400" dirty="0" smtClean="0"/>
+                        <a:rPr lang="it-IT" sz="1400" dirty="0"/>
                         <a:t>, </a:t>
                       </a:r>
                       <a:r>
@@ -15167,7 +15477,7 @@
                         <a:defRPr/>
                       </a:pPr>
                       <a:r>
-                        <a:rPr lang="it-IT" sz="1400" kern="1200" dirty="0" smtClean="0">
+                        <a:rPr lang="it-IT" sz="1400" kern="1200" dirty="0">
                           <a:solidFill>
                             <a:schemeClr val="dk1"/>
                           </a:solidFill>
@@ -15179,7 +15489,7 @@
                         <a:t>/</a:t>
                       </a:r>
                       <a:r>
-                        <a:rPr lang="it-IT" sz="1400" kern="1200" dirty="0" err="1" smtClean="0">
+                        <a:rPr lang="it-IT" sz="1400" kern="1200" dirty="0" err="1">
                           <a:solidFill>
                             <a:schemeClr val="dk1"/>
                           </a:solidFill>
@@ -15191,7 +15501,7 @@
                         <a:t>close_auction</a:t>
                       </a:r>
                       <a:r>
-                        <a:rPr lang="it-IT" sz="1400" kern="1200" dirty="0" smtClean="0">
+                        <a:rPr lang="it-IT" sz="1400" kern="1200" dirty="0">
                           <a:solidFill>
                             <a:schemeClr val="dk1"/>
                           </a:solidFill>
@@ -15203,7 +15513,7 @@
                         <a:t>/&lt;</a:t>
                       </a:r>
                       <a:r>
-                        <a:rPr lang="it-IT" sz="1400" kern="1200" dirty="0" err="1" smtClean="0">
+                        <a:rPr lang="it-IT" sz="1400" kern="1200" dirty="0" err="1">
                           <a:solidFill>
                             <a:schemeClr val="dk1"/>
                           </a:solidFill>
@@ -15215,7 +15525,7 @@
                         <a:t>int:transaction_id</a:t>
                       </a:r>
                       <a:r>
-                        <a:rPr lang="it-IT" sz="1400" kern="1200" dirty="0" smtClean="0">
+                        <a:rPr lang="it-IT" sz="1400" kern="1200" dirty="0">
                           <a:solidFill>
                             <a:schemeClr val="dk1"/>
                           </a:solidFill>
@@ -15253,11 +15563,11 @@
                         <a:defRPr/>
                       </a:pPr>
                       <a:r>
-                        <a:rPr lang="it-IT" sz="1400" dirty="0" err="1" smtClean="0"/>
+                        <a:rPr lang="it-IT" sz="1400" dirty="0" err="1"/>
                         <a:t>admin_gateway</a:t>
                       </a:r>
                       <a:r>
-                        <a:rPr lang="it-IT" sz="1400" dirty="0" smtClean="0"/>
+                        <a:rPr lang="it-IT" sz="1400" dirty="0"/>
                         <a:t>, </a:t>
                       </a:r>
                       <a:r>
@@ -15311,7 +15621,7 @@
                         <a:t>/</a:t>
                       </a:r>
                       <a:r>
-                        <a:rPr lang="it-IT" sz="1400" b="0" kern="1200" dirty="0" err="1" smtClean="0">
+                        <a:rPr lang="it-IT" sz="1400" b="0" kern="1200" dirty="0" err="1">
                           <a:solidFill>
                             <a:schemeClr val="dk1"/>
                           </a:solidFill>
@@ -15323,7 +15633,7 @@
                         <a:t>auction</a:t>
                       </a:r>
                       <a:r>
-                        <a:rPr lang="it-IT" sz="1400" b="0" kern="1200" dirty="0" smtClean="0">
+                        <a:rPr lang="it-IT" sz="1400" b="0" kern="1200" dirty="0">
                           <a:solidFill>
                             <a:schemeClr val="dk1"/>
                           </a:solidFill>
@@ -15335,7 +15645,7 @@
                         <a:t>/</a:t>
                       </a:r>
                       <a:r>
-                        <a:rPr lang="it-IT" sz="1400" b="0" kern="1200" dirty="0" err="1" smtClean="0">
+                        <a:rPr lang="it-IT" sz="1400" b="0" kern="1200" dirty="0" err="1">
                           <a:solidFill>
                             <a:schemeClr val="dk1"/>
                           </a:solidFill>
@@ -15346,7 +15656,7 @@
                         </a:rPr>
                         <a:t>history</a:t>
                       </a:r>
-                      <a:endParaRPr lang="it-IT" sz="1400" b="0" kern="1200" dirty="0" smtClean="0">
+                      <a:endParaRPr lang="it-IT" sz="1400" b="0" kern="1200" dirty="0">
                         <a:solidFill>
                           <a:schemeClr val="dk1"/>
                         </a:solidFill>
@@ -15551,17 +15861,8 @@
               <a:rPr lang="it-IT" dirty="0">
                 <a:latin typeface="Cooper Black" panose="0208090404030B020404" pitchFamily="18" charset="0"/>
               </a:rPr>
-              <a:t>The </a:t>
-            </a:r>
-            <a:r>
-              <a:rPr lang="it-IT" dirty="0" smtClean="0">
-                <a:latin typeface="Cooper Black" panose="0208090404030B020404" pitchFamily="18" charset="0"/>
-              </a:rPr>
-              <a:t>Database</a:t>
-            </a:r>
-            <a:endParaRPr lang="it-IT" dirty="0">
-              <a:latin typeface="Cooper Black" panose="0208090404030B020404" pitchFamily="18" charset="0"/>
-            </a:endParaRPr>
+              <a:t>The Database</a:t>
+            </a:r>
           </a:p>
         </p:txBody>
       </p:sp>
@@ -15688,22 +15989,13 @@
               <a:rPr lang="it-IT" dirty="0"/>
               <a:t>-api-gateway</a:t>
             </a:r>
-            <a:r>
-              <a:rPr lang="en-US" dirty="0"/>
-              <a:t/>
-            </a:r>
             <a:br>
               <a:rPr lang="en-US" dirty="0"/>
             </a:br>
             <a:r>
               <a:rPr lang="en-US" sz="1400" dirty="0"/>
-              <a:t>This API Gateway acts as the main entry point for client requests, forwarding them to the appropriate microservices for processing. It integrates with multiple services</a:t>
-            </a:r>
-            <a:r>
-              <a:rPr lang="en-US" sz="1400" dirty="0" smtClean="0"/>
-              <a:t>.</a:t>
-            </a:r>
-            <a:endParaRPr lang="en-US" sz="1400" dirty="0"/>
+              <a:t>This API Gateway acts as the main entry point for client requests, forwarding them to the appropriate microservices for processing. It integrates with multiple services.</a:t>
+            </a:r>
           </a:p>
         </p:txBody>
       </p:sp>
@@ -15735,45 +16027,23 @@
           <a:lstStyle/>
           <a:p>
             <a:r>
-              <a:rPr lang="it-IT" dirty="0" smtClean="0"/>
+              <a:rPr lang="it-IT" dirty="0"/>
               <a:t>-</a:t>
             </a:r>
             <a:r>
-              <a:rPr lang="it-IT" dirty="0" err="1" smtClean="0"/>
+              <a:rPr lang="it-IT" dirty="0" err="1"/>
               <a:t>admin</a:t>
             </a:r>
             <a:r>
-              <a:rPr lang="it-IT" dirty="0" smtClean="0"/>
+              <a:rPr lang="it-IT" dirty="0"/>
               <a:t>-gateway</a:t>
             </a:r>
-            <a:endParaRPr lang="it-IT" dirty="0"/>
           </a:p>
           <a:p>
             <a:r>
               <a:rPr lang="en-US" sz="1400" dirty="0"/>
-              <a:t>This API Gateway acts as </a:t>
-            </a:r>
-            <a:r>
-              <a:rPr lang="en-US" sz="1400" dirty="0" smtClean="0"/>
-              <a:t>the entry </a:t>
-            </a:r>
-            <a:r>
-              <a:rPr lang="en-US" sz="1400" dirty="0"/>
-              <a:t>point for </a:t>
-            </a:r>
-            <a:r>
-              <a:rPr lang="en-US" sz="1400" dirty="0" smtClean="0"/>
-              <a:t>admin requests</a:t>
-            </a:r>
-            <a:r>
-              <a:rPr lang="en-US" sz="1400" dirty="0"/>
-              <a:t>, forwarding them to the appropriate microservices for processing. It integrates with multiple services</a:t>
-            </a:r>
-            <a:r>
-              <a:rPr lang="en-US" sz="1400" dirty="0" smtClean="0"/>
-              <a:t>.</a:t>
-            </a:r>
-            <a:endParaRPr lang="en-US" sz="1400" dirty="0"/>
+              <a:t>This API Gateway acts as the entry point for admin requests, forwarding them to the appropriate microservices for processing. It integrates with multiple services.</a:t>
+            </a:r>
           </a:p>
         </p:txBody>
       </p:sp>
@@ -15816,10 +16086,6 @@
               <a:rPr lang="it-IT" dirty="0"/>
               <a:t>-service</a:t>
             </a:r>
-            <a:r>
-              <a:rPr lang="en-US" dirty="0"/>
-              <a:t/>
-            </a:r>
             <a:br>
               <a:rPr lang="en-US" dirty="0"/>
             </a:br>
@@ -15981,13 +16247,8 @@
           <a:p>
             <a:r>
               <a:rPr lang="en-US" sz="1400" dirty="0"/>
-              <a:t>This API is part of a microservices architecture and handles all the queries to the database</a:t>
-            </a:r>
-            <a:r>
-              <a:rPr lang="en-US" sz="1400" dirty="0" smtClean="0"/>
-              <a:t>.</a:t>
-            </a:r>
-            <a:endParaRPr lang="en-US" sz="1400" dirty="0"/>
+              <a:t>This API is part of a microservices architecture and handles all the queries to the database.</a:t>
+            </a:r>
           </a:p>
           <a:p>
             <a:endParaRPr lang="en-US" sz="1400" dirty="0"/>
@@ -16179,10 +16440,19 @@
                 <a:uFillTx/>
                 <a:latin typeface="Calibri" panose="020F0502020204030204"/>
               </a:rPr>
-              <a:t>-related </a:t>
-            </a:r>
-            <a:r>
-              <a:rPr kumimoji="0" lang="en-US" sz="2000" b="0" i="0" u="none" strike="noStrike" kern="1200" cap="none" spc="0" normalizeH="0" baseline="0" noProof="0" dirty="0" smtClean="0">
+              <a:t>-related service for the user </a:t>
+            </a:r>
+            <a:r>
+              <a:rPr lang="en-US" sz="2000" dirty="0">
+                <a:solidFill>
+                  <a:prstClr val="black"/>
+                </a:solidFill>
+                <a:latin typeface="Calibri" panose="020F0502020204030204"/>
+              </a:rPr>
+              <a:t>is</a:t>
+            </a:r>
+            <a:r>
+              <a:rPr kumimoji="0" lang="en-US" sz="2000" b="0" i="0" u="none" strike="noStrike" kern="1200" cap="none" spc="0" normalizeH="0" baseline="0" noProof="0" dirty="0">
                 <a:ln>
                   <a:noFill/>
                 </a:ln>
@@ -16194,7 +16464,22 @@
                 <a:uFillTx/>
                 <a:latin typeface="Calibri" panose="020F0502020204030204"/>
               </a:rPr>
-              <a:t>service </a:t>
+              <a:t> exposed externally to clients on port 8000 via an API gateway. The related service for the admin is</a:t>
+            </a:r>
+            <a:r>
+              <a:rPr kumimoji="0" lang="en-US" sz="2000" b="0" i="0" u="none" strike="noStrike" kern="1200" cap="none" spc="0" normalizeH="0" noProof="0" dirty="0">
+                <a:ln>
+                  <a:noFill/>
+                </a:ln>
+                <a:solidFill>
+                  <a:prstClr val="black"/>
+                </a:solidFill>
+                <a:effectLst/>
+                <a:uLnTx/>
+                <a:uFillTx/>
+                <a:latin typeface="Calibri" panose="020F0502020204030204"/>
+              </a:rPr>
+              <a:t> </a:t>
             </a:r>
             <a:r>
               <a:rPr kumimoji="0" lang="en-US" sz="2000" b="0" i="0" u="none" strike="noStrike" kern="1200" cap="none" spc="0" normalizeH="0" baseline="0" noProof="0" dirty="0">
@@ -16209,136 +16494,7 @@
                 <a:uFillTx/>
                 <a:latin typeface="Calibri" panose="020F0502020204030204"/>
               </a:rPr>
-              <a:t>for the user </a:t>
-            </a:r>
-            <a:r>
-              <a:rPr lang="en-US" sz="2000" dirty="0" smtClean="0">
-                <a:solidFill>
-                  <a:prstClr val="black"/>
-                </a:solidFill>
-                <a:latin typeface="Calibri" panose="020F0502020204030204"/>
-              </a:rPr>
-              <a:t>is</a:t>
-            </a:r>
-            <a:r>
-              <a:rPr kumimoji="0" lang="en-US" sz="2000" b="0" i="0" u="none" strike="noStrike" kern="1200" cap="none" spc="0" normalizeH="0" baseline="0" noProof="0" dirty="0" smtClean="0">
-                <a:ln>
-                  <a:noFill/>
-                </a:ln>
-                <a:solidFill>
-                  <a:prstClr val="black"/>
-                </a:solidFill>
-                <a:effectLst/>
-                <a:uLnTx/>
-                <a:uFillTx/>
-                <a:latin typeface="Calibri" panose="020F0502020204030204"/>
-              </a:rPr>
-              <a:t> </a:t>
-            </a:r>
-            <a:r>
-              <a:rPr kumimoji="0" lang="en-US" sz="2000" b="0" i="0" u="none" strike="noStrike" kern="1200" cap="none" spc="0" normalizeH="0" baseline="0" noProof="0" dirty="0">
-                <a:ln>
-                  <a:noFill/>
-                </a:ln>
-                <a:solidFill>
-                  <a:prstClr val="black"/>
-                </a:solidFill>
-                <a:effectLst/>
-                <a:uLnTx/>
-                <a:uFillTx/>
-                <a:latin typeface="Calibri" panose="020F0502020204030204"/>
-              </a:rPr>
-              <a:t>exposed externally to clients on port 8000 via an API gateway. The related </a:t>
-            </a:r>
-            <a:r>
-              <a:rPr kumimoji="0" lang="en-US" sz="2000" b="0" i="0" u="none" strike="noStrike" kern="1200" cap="none" spc="0" normalizeH="0" baseline="0" noProof="0" dirty="0" smtClean="0">
-                <a:ln>
-                  <a:noFill/>
-                </a:ln>
-                <a:solidFill>
-                  <a:prstClr val="black"/>
-                </a:solidFill>
-                <a:effectLst/>
-                <a:uLnTx/>
-                <a:uFillTx/>
-                <a:latin typeface="Calibri" panose="020F0502020204030204"/>
-              </a:rPr>
-              <a:t>service </a:t>
-            </a:r>
-            <a:r>
-              <a:rPr kumimoji="0" lang="en-US" sz="2000" b="0" i="0" u="none" strike="noStrike" kern="1200" cap="none" spc="0" normalizeH="0" baseline="0" noProof="0" dirty="0">
-                <a:ln>
-                  <a:noFill/>
-                </a:ln>
-                <a:solidFill>
-                  <a:prstClr val="black"/>
-                </a:solidFill>
-                <a:effectLst/>
-                <a:uLnTx/>
-                <a:uFillTx/>
-                <a:latin typeface="Calibri" panose="020F0502020204030204"/>
-              </a:rPr>
-              <a:t>for the admin </a:t>
-            </a:r>
-            <a:r>
-              <a:rPr kumimoji="0" lang="en-US" sz="2000" b="0" i="0" u="none" strike="noStrike" kern="1200" cap="none" spc="0" normalizeH="0" baseline="0" noProof="0" dirty="0" smtClean="0">
-                <a:ln>
-                  <a:noFill/>
-                </a:ln>
-                <a:solidFill>
-                  <a:prstClr val="black"/>
-                </a:solidFill>
-                <a:effectLst/>
-                <a:uLnTx/>
-                <a:uFillTx/>
-                <a:latin typeface="Calibri" panose="020F0502020204030204"/>
-              </a:rPr>
-              <a:t>is</a:t>
-            </a:r>
-            <a:r>
-              <a:rPr kumimoji="0" lang="en-US" sz="2000" b="0" i="0" u="none" strike="noStrike" kern="1200" cap="none" spc="0" normalizeH="0" noProof="0" dirty="0" smtClean="0">
-                <a:ln>
-                  <a:noFill/>
-                </a:ln>
-                <a:solidFill>
-                  <a:prstClr val="black"/>
-                </a:solidFill>
-                <a:effectLst/>
-                <a:uLnTx/>
-                <a:uFillTx/>
-                <a:latin typeface="Calibri" panose="020F0502020204030204"/>
-              </a:rPr>
-              <a:t> </a:t>
-            </a:r>
-            <a:r>
-              <a:rPr kumimoji="0" lang="en-US" sz="2000" b="0" i="0" u="none" strike="noStrike" kern="1200" cap="none" spc="0" normalizeH="0" baseline="0" noProof="0" dirty="0" smtClean="0">
-                <a:ln>
-                  <a:noFill/>
-                </a:ln>
-                <a:solidFill>
-                  <a:prstClr val="black"/>
-                </a:solidFill>
-                <a:effectLst/>
-                <a:uLnTx/>
-                <a:uFillTx/>
-                <a:latin typeface="Calibri" panose="020F0502020204030204"/>
-              </a:rPr>
-              <a:t>exposed </a:t>
-            </a:r>
-            <a:r>
-              <a:rPr kumimoji="0" lang="en-US" sz="2000" b="0" i="0" u="none" strike="noStrike" kern="1200" cap="none" spc="0" normalizeH="0" baseline="0" noProof="0" dirty="0">
-                <a:ln>
-                  <a:noFill/>
-                </a:ln>
-                <a:solidFill>
-                  <a:prstClr val="black"/>
-                </a:solidFill>
-                <a:effectLst/>
-                <a:uLnTx/>
-                <a:uFillTx/>
-                <a:latin typeface="Calibri" panose="020F0502020204030204"/>
-              </a:rPr>
-              <a:t>to clients on port 8080 via an </a:t>
+              <a:t>exposed to clients on port 8080 via an </a:t>
             </a:r>
             <a:r>
               <a:rPr lang="en-US" sz="2000" dirty="0">
@@ -16811,10 +16967,19 @@
                 <a:uFillTx/>
                 <a:latin typeface="Calibri" panose="020F0502020204030204"/>
               </a:rPr>
-              <a:t>The currency-related </a:t>
-            </a:r>
-            <a:r>
-              <a:rPr kumimoji="0" lang="en-US" sz="2000" b="0" i="0" u="none" strike="noStrike" kern="1200" cap="none" spc="0" normalizeH="0" baseline="0" noProof="0" dirty="0" smtClean="0">
+              <a:t>The currency-related service for the user </a:t>
+            </a:r>
+            <a:r>
+              <a:rPr lang="en-US" sz="2000" dirty="0">
+                <a:solidFill>
+                  <a:prstClr val="black"/>
+                </a:solidFill>
+                <a:latin typeface="Calibri" panose="020F0502020204030204"/>
+              </a:rPr>
+              <a:t>is</a:t>
+            </a:r>
+            <a:r>
+              <a:rPr kumimoji="0" lang="en-US" sz="2000" b="0" i="0" u="none" strike="noStrike" kern="1200" cap="none" spc="0" normalizeH="0" baseline="0" noProof="0" dirty="0">
                 <a:ln>
                   <a:noFill/>
                 </a:ln>
@@ -16826,61 +16991,7 @@
                 <a:uFillTx/>
                 <a:latin typeface="Calibri" panose="020F0502020204030204"/>
               </a:rPr>
-              <a:t>service </a:t>
-            </a:r>
-            <a:r>
-              <a:rPr kumimoji="0" lang="en-US" sz="2000" b="0" i="0" u="none" strike="noStrike" kern="1200" cap="none" spc="0" normalizeH="0" baseline="0" noProof="0" dirty="0">
-                <a:ln>
-                  <a:noFill/>
-                </a:ln>
-                <a:solidFill>
-                  <a:prstClr val="black"/>
-                </a:solidFill>
-                <a:effectLst/>
-                <a:uLnTx/>
-                <a:uFillTx/>
-                <a:latin typeface="Calibri" panose="020F0502020204030204"/>
-              </a:rPr>
-              <a:t>for the user </a:t>
-            </a:r>
-            <a:r>
-              <a:rPr lang="en-US" sz="2000" dirty="0" smtClean="0">
-                <a:solidFill>
-                  <a:prstClr val="black"/>
-                </a:solidFill>
-                <a:latin typeface="Calibri" panose="020F0502020204030204"/>
-              </a:rPr>
-              <a:t>is</a:t>
-            </a:r>
-            <a:r>
-              <a:rPr kumimoji="0" lang="en-US" sz="2000" b="0" i="0" u="none" strike="noStrike" kern="1200" cap="none" spc="0" normalizeH="0" baseline="0" noProof="0" dirty="0" smtClean="0">
-                <a:ln>
-                  <a:noFill/>
-                </a:ln>
-                <a:solidFill>
-                  <a:prstClr val="black"/>
-                </a:solidFill>
-                <a:effectLst/>
-                <a:uLnTx/>
-                <a:uFillTx/>
-                <a:latin typeface="Calibri" panose="020F0502020204030204"/>
-              </a:rPr>
-              <a:t> </a:t>
-            </a:r>
-            <a:r>
-              <a:rPr kumimoji="0" lang="en-US" sz="2000" b="0" i="0" u="none" strike="noStrike" kern="1200" cap="none" spc="0" normalizeH="0" baseline="0" noProof="0" dirty="0">
-                <a:ln>
-                  <a:noFill/>
-                </a:ln>
-                <a:solidFill>
-                  <a:prstClr val="black"/>
-                </a:solidFill>
-                <a:effectLst/>
-                <a:uLnTx/>
-                <a:uFillTx/>
-                <a:latin typeface="Calibri" panose="020F0502020204030204"/>
-              </a:rPr>
-              <a:t>exposed externally to clients on port 8000 via an API gateway. When an HTTPS request is received for a service related to the operations for currency, the </a:t>
+              <a:t> exposed externally to clients on port 8000 via an API gateway. When an HTTPS request is received for a service related to the operations for currency, the </a:t>
             </a:r>
             <a:r>
               <a:rPr kumimoji="0" lang="en-US" sz="2000" b="0" i="0" u="none" strike="noStrike" kern="1200" cap="none" spc="0" normalizeH="0" baseline="0" noProof="0" dirty="0" err="1">
@@ -17132,18 +17243,6 @@
               </a:rPr>
               <a:t> query, and return the result to the currency service. These database-related APIs are exposed by the db_manager on port 8005. </a:t>
             </a:r>
-            <a:endParaRPr kumimoji="0" lang="en-US" sz="2000" b="0" i="0" u="none" strike="noStrike" kern="1200" cap="none" spc="0" normalizeH="0" baseline="0" noProof="0" dirty="0" smtClean="0">
-              <a:ln>
-                <a:noFill/>
-              </a:ln>
-              <a:solidFill>
-                <a:prstClr val="black"/>
-              </a:solidFill>
-              <a:effectLst/>
-              <a:uLnTx/>
-              <a:uFillTx/>
-              <a:latin typeface="Calibri" panose="020F0502020204030204"/>
-            </a:endParaRPr>
           </a:p>
           <a:p>
             <a:pPr marL="0" marR="0" lvl="0" indent="0" algn="l" defTabSz="914400" rtl="0" eaLnBrk="1" fontAlgn="auto" latinLnBrk="0" hangingPunct="1">
@@ -17180,53 +17279,8 @@
                   <a:prstClr val="black"/>
                 </a:solidFill>
               </a:rPr>
-              <a:t>The </a:t>
-            </a:r>
-            <a:r>
-              <a:rPr lang="en-US" sz="2000" dirty="0" smtClean="0">
-                <a:solidFill>
-                  <a:prstClr val="black"/>
-                </a:solidFill>
-              </a:rPr>
-              <a:t>currency </a:t>
-            </a:r>
-            <a:r>
-              <a:rPr lang="en-US" sz="2000" dirty="0">
-                <a:solidFill>
-                  <a:prstClr val="black"/>
-                </a:solidFill>
-              </a:rPr>
-              <a:t>service communicates also with </a:t>
-            </a:r>
-            <a:r>
-              <a:rPr lang="en-US" sz="2000" dirty="0" smtClean="0">
-                <a:solidFill>
-                  <a:prstClr val="black"/>
-                </a:solidFill>
-              </a:rPr>
-              <a:t>market service </a:t>
-            </a:r>
-            <a:r>
-              <a:rPr lang="en-US" sz="2000" dirty="0">
-                <a:solidFill>
-                  <a:prstClr val="black"/>
-                </a:solidFill>
-              </a:rPr>
-              <a:t>to handle operations like creating a </a:t>
-            </a:r>
-            <a:r>
-              <a:rPr lang="en-US" sz="2000" dirty="0" smtClean="0">
-                <a:solidFill>
-                  <a:prstClr val="black"/>
-                </a:solidFill>
-              </a:rPr>
-              <a:t>new transaction in the market when a roll is done.</a:t>
-            </a:r>
-            <a:endParaRPr lang="en-US" sz="2000" dirty="0">
-              <a:solidFill>
-                <a:prstClr val="black"/>
-              </a:solidFill>
-            </a:endParaRPr>
+              <a:t>The currency service communicates also with market service to handle operations like creating a new transaction in the market when a roll is done.</a:t>
+            </a:r>
           </a:p>
           <a:p>
             <a:pPr marL="0" marR="0" lvl="0" indent="0" algn="l" defTabSz="914400" rtl="0" eaLnBrk="1" fontAlgn="auto" latinLnBrk="0" hangingPunct="1">
@@ -17446,10 +17500,10 @@
                 <a:uFillTx/>
                 <a:latin typeface="Calibri" panose="020F0502020204030204"/>
               </a:rPr>
-              <a:t>-related </a:t>
-            </a:r>
-            <a:r>
-              <a:rPr kumimoji="0" lang="en-US" sz="2000" b="0" i="0" u="none" strike="noStrike" kern="1200" cap="none" spc="0" normalizeH="0" baseline="0" noProof="0" dirty="0" smtClean="0">
+              <a:t>-related service for the user is</a:t>
+            </a:r>
+            <a:r>
+              <a:rPr kumimoji="0" lang="en-US" sz="2000" b="0" i="0" u="none" strike="noStrike" kern="1200" cap="none" spc="0" normalizeH="0" noProof="0" dirty="0">
                 <a:ln>
                   <a:noFill/>
                 </a:ln>
@@ -17461,7 +17515,7 @@
                 <a:uFillTx/>
                 <a:latin typeface="Calibri" panose="020F0502020204030204"/>
               </a:rPr>
-              <a:t>service </a:t>
+              <a:t> </a:t>
             </a:r>
             <a:r>
               <a:rPr kumimoji="0" lang="en-US" sz="2000" b="0" i="0" u="none" strike="noStrike" kern="1200" cap="none" spc="0" normalizeH="0" baseline="0" noProof="0" dirty="0">
@@ -17476,10 +17530,10 @@
                 <a:uFillTx/>
                 <a:latin typeface="Calibri" panose="020F0502020204030204"/>
               </a:rPr>
-              <a:t>for the user </a:t>
-            </a:r>
-            <a:r>
-              <a:rPr kumimoji="0" lang="en-US" sz="2000" b="0" i="0" u="none" strike="noStrike" kern="1200" cap="none" spc="0" normalizeH="0" baseline="0" noProof="0" dirty="0" smtClean="0">
+              <a:t>exposed externally to clients on port 8000 via an API gateway. The related service for the admin is</a:t>
+            </a:r>
+            <a:r>
+              <a:rPr kumimoji="0" lang="en-US" sz="2000" b="0" i="0" u="none" strike="noStrike" kern="1200" cap="none" spc="0" normalizeH="0" noProof="0" dirty="0">
                 <a:ln>
                   <a:noFill/>
                 </a:ln>
@@ -17491,10 +17545,10 @@
                 <a:uFillTx/>
                 <a:latin typeface="Calibri" panose="020F0502020204030204"/>
               </a:rPr>
-              <a:t>is</a:t>
-            </a:r>
-            <a:r>
-              <a:rPr kumimoji="0" lang="en-US" sz="2000" b="0" i="0" u="none" strike="noStrike" kern="1200" cap="none" spc="0" normalizeH="0" noProof="0" dirty="0" smtClean="0">
+              <a:t> </a:t>
+            </a:r>
+            <a:r>
+              <a:rPr kumimoji="0" lang="en-US" sz="2000" b="0" i="0" u="none" strike="noStrike" kern="1200" cap="none" spc="0" normalizeH="0" baseline="0" noProof="0" dirty="0">
                 <a:ln>
                   <a:noFill/>
                 </a:ln>
@@ -17506,127 +17560,7 @@
                 <a:uFillTx/>
                 <a:latin typeface="Calibri" panose="020F0502020204030204"/>
               </a:rPr>
-              <a:t> </a:t>
-            </a:r>
-            <a:r>
-              <a:rPr kumimoji="0" lang="en-US" sz="2000" b="0" i="0" u="none" strike="noStrike" kern="1200" cap="none" spc="0" normalizeH="0" baseline="0" noProof="0" dirty="0" smtClean="0">
-                <a:ln>
-                  <a:noFill/>
-                </a:ln>
-                <a:solidFill>
-                  <a:prstClr val="black"/>
-                </a:solidFill>
-                <a:effectLst/>
-                <a:uLnTx/>
-                <a:uFillTx/>
-                <a:latin typeface="Calibri" panose="020F0502020204030204"/>
-              </a:rPr>
-              <a:t>exposed </a:t>
-            </a:r>
-            <a:r>
-              <a:rPr kumimoji="0" lang="en-US" sz="2000" b="0" i="0" u="none" strike="noStrike" kern="1200" cap="none" spc="0" normalizeH="0" baseline="0" noProof="0" dirty="0">
-                <a:ln>
-                  <a:noFill/>
-                </a:ln>
-                <a:solidFill>
-                  <a:prstClr val="black"/>
-                </a:solidFill>
-                <a:effectLst/>
-                <a:uLnTx/>
-                <a:uFillTx/>
-                <a:latin typeface="Calibri" panose="020F0502020204030204"/>
-              </a:rPr>
-              <a:t>externally to clients on port 8000 via an API gateway. The related </a:t>
-            </a:r>
-            <a:r>
-              <a:rPr kumimoji="0" lang="en-US" sz="2000" b="0" i="0" u="none" strike="noStrike" kern="1200" cap="none" spc="0" normalizeH="0" baseline="0" noProof="0" dirty="0" smtClean="0">
-                <a:ln>
-                  <a:noFill/>
-                </a:ln>
-                <a:solidFill>
-                  <a:prstClr val="black"/>
-                </a:solidFill>
-                <a:effectLst/>
-                <a:uLnTx/>
-                <a:uFillTx/>
-                <a:latin typeface="Calibri" panose="020F0502020204030204"/>
-              </a:rPr>
-              <a:t>service </a:t>
-            </a:r>
-            <a:r>
-              <a:rPr kumimoji="0" lang="en-US" sz="2000" b="0" i="0" u="none" strike="noStrike" kern="1200" cap="none" spc="0" normalizeH="0" baseline="0" noProof="0" dirty="0">
-                <a:ln>
-                  <a:noFill/>
-                </a:ln>
-                <a:solidFill>
-                  <a:prstClr val="black"/>
-                </a:solidFill>
-                <a:effectLst/>
-                <a:uLnTx/>
-                <a:uFillTx/>
-                <a:latin typeface="Calibri" panose="020F0502020204030204"/>
-              </a:rPr>
-              <a:t>for the admin </a:t>
-            </a:r>
-            <a:r>
-              <a:rPr kumimoji="0" lang="en-US" sz="2000" b="0" i="0" u="none" strike="noStrike" kern="1200" cap="none" spc="0" normalizeH="0" baseline="0" noProof="0" dirty="0" smtClean="0">
-                <a:ln>
-                  <a:noFill/>
-                </a:ln>
-                <a:solidFill>
-                  <a:prstClr val="black"/>
-                </a:solidFill>
-                <a:effectLst/>
-                <a:uLnTx/>
-                <a:uFillTx/>
-                <a:latin typeface="Calibri" panose="020F0502020204030204"/>
-              </a:rPr>
-              <a:t>is</a:t>
-            </a:r>
-            <a:r>
-              <a:rPr kumimoji="0" lang="en-US" sz="2000" b="0" i="0" u="none" strike="noStrike" kern="1200" cap="none" spc="0" normalizeH="0" noProof="0" dirty="0" smtClean="0">
-                <a:ln>
-                  <a:noFill/>
-                </a:ln>
-                <a:solidFill>
-                  <a:prstClr val="black"/>
-                </a:solidFill>
-                <a:effectLst/>
-                <a:uLnTx/>
-                <a:uFillTx/>
-                <a:latin typeface="Calibri" panose="020F0502020204030204"/>
-              </a:rPr>
-              <a:t> </a:t>
-            </a:r>
-            <a:r>
-              <a:rPr kumimoji="0" lang="en-US" sz="2000" b="0" i="0" u="none" strike="noStrike" kern="1200" cap="none" spc="0" normalizeH="0" baseline="0" noProof="0" dirty="0" smtClean="0">
-                <a:ln>
-                  <a:noFill/>
-                </a:ln>
-                <a:solidFill>
-                  <a:prstClr val="black"/>
-                </a:solidFill>
-                <a:effectLst/>
-                <a:uLnTx/>
-                <a:uFillTx/>
-                <a:latin typeface="Calibri" panose="020F0502020204030204"/>
-              </a:rPr>
-              <a:t>exposed </a:t>
-            </a:r>
-            <a:r>
-              <a:rPr kumimoji="0" lang="en-US" sz="2000" b="0" i="0" u="none" strike="noStrike" kern="1200" cap="none" spc="0" normalizeH="0" baseline="0" noProof="0" dirty="0">
-                <a:ln>
-                  <a:noFill/>
-                </a:ln>
-                <a:solidFill>
-                  <a:prstClr val="black"/>
-                </a:solidFill>
-                <a:effectLst/>
-                <a:uLnTx/>
-                <a:uFillTx/>
-                <a:latin typeface="Calibri" panose="020F0502020204030204"/>
-              </a:rPr>
-              <a:t>to clients on port 8080 via an </a:t>
+              <a:t>exposed to clients on port 8080 via an </a:t>
             </a:r>
             <a:r>
               <a:rPr lang="en-US" sz="2000" dirty="0">
@@ -18127,18 +18061,6 @@
               </a:rPr>
               <a:t>-service. These database-related APIs are exposed by the db_manager on port 8005. </a:t>
             </a:r>
-            <a:endParaRPr kumimoji="0" lang="en-US" sz="2000" b="0" i="0" u="none" strike="noStrike" kern="1200" cap="none" spc="0" normalizeH="0" baseline="0" noProof="0" dirty="0" smtClean="0">
-              <a:ln>
-                <a:noFill/>
-              </a:ln>
-              <a:solidFill>
-                <a:prstClr val="black"/>
-              </a:solidFill>
-              <a:effectLst/>
-              <a:uLnTx/>
-              <a:uFillTx/>
-              <a:latin typeface="Calibri" panose="020F0502020204030204"/>
-            </a:endParaRPr>
           </a:p>
           <a:p>
             <a:pPr marL="0" marR="0" lvl="0" indent="0" algn="l" defTabSz="914400" rtl="0" eaLnBrk="1" fontAlgn="auto" latinLnBrk="0" hangingPunct="1">
@@ -18316,10 +18238,10 @@
                 <a:uFillTx/>
                 <a:latin typeface="Calibri" panose="020F0502020204030204"/>
               </a:rPr>
-              <a:t>The market-related </a:t>
-            </a:r>
-            <a:r>
-              <a:rPr kumimoji="0" lang="en-US" sz="2000" b="0" i="0" u="none" strike="noStrike" kern="1200" cap="none" spc="0" normalizeH="0" baseline="0" noProof="0" dirty="0" smtClean="0">
+              <a:t>The market-related service for the user is</a:t>
+            </a:r>
+            <a:r>
+              <a:rPr kumimoji="0" lang="en-US" sz="2000" b="0" i="0" u="none" strike="noStrike" kern="1200" cap="none" spc="0" normalizeH="0" noProof="0" dirty="0">
                 <a:ln>
                   <a:noFill/>
                 </a:ln>
@@ -18331,7 +18253,7 @@
                 <a:uFillTx/>
                 <a:latin typeface="Calibri" panose="020F0502020204030204"/>
               </a:rPr>
-              <a:t>service </a:t>
+              <a:t> </a:t>
             </a:r>
             <a:r>
               <a:rPr kumimoji="0" lang="en-US" sz="2000" b="0" i="0" u="none" strike="noStrike" kern="1200" cap="none" spc="0" normalizeH="0" baseline="0" noProof="0" dirty="0">
@@ -18346,10 +18268,10 @@
                 <a:uFillTx/>
                 <a:latin typeface="Calibri" panose="020F0502020204030204"/>
               </a:rPr>
-              <a:t>for the user </a:t>
-            </a:r>
-            <a:r>
-              <a:rPr kumimoji="0" lang="en-US" sz="2000" b="0" i="0" u="none" strike="noStrike" kern="1200" cap="none" spc="0" normalizeH="0" baseline="0" noProof="0" dirty="0" smtClean="0">
+              <a:t>exposed externally to clients on port 8000 via an API gateway. The related service for the admin is</a:t>
+            </a:r>
+            <a:r>
+              <a:rPr kumimoji="0" lang="en-US" sz="2000" b="0" i="0" u="none" strike="noStrike" kern="1200" cap="none" spc="0" normalizeH="0" noProof="0" dirty="0">
                 <a:ln>
                   <a:noFill/>
                 </a:ln>
@@ -18361,10 +18283,10 @@
                 <a:uFillTx/>
                 <a:latin typeface="Calibri" panose="020F0502020204030204"/>
               </a:rPr>
-              <a:t>is</a:t>
-            </a:r>
-            <a:r>
-              <a:rPr kumimoji="0" lang="en-US" sz="2000" b="0" i="0" u="none" strike="noStrike" kern="1200" cap="none" spc="0" normalizeH="0" noProof="0" dirty="0" smtClean="0">
+              <a:t> </a:t>
+            </a:r>
+            <a:r>
+              <a:rPr kumimoji="0" lang="en-US" sz="2000" b="0" i="0" u="none" strike="noStrike" kern="1200" cap="none" spc="0" normalizeH="0" baseline="0" noProof="0" dirty="0">
                 <a:ln>
                   <a:noFill/>
                 </a:ln>
@@ -18376,127 +18298,7 @@
                 <a:uFillTx/>
                 <a:latin typeface="Calibri" panose="020F0502020204030204"/>
               </a:rPr>
-              <a:t> </a:t>
-            </a:r>
-            <a:r>
-              <a:rPr kumimoji="0" lang="en-US" sz="2000" b="0" i="0" u="none" strike="noStrike" kern="1200" cap="none" spc="0" normalizeH="0" baseline="0" noProof="0" dirty="0" smtClean="0">
-                <a:ln>
-                  <a:noFill/>
-                </a:ln>
-                <a:solidFill>
-                  <a:prstClr val="black"/>
-                </a:solidFill>
-                <a:effectLst/>
-                <a:uLnTx/>
-                <a:uFillTx/>
-                <a:latin typeface="Calibri" panose="020F0502020204030204"/>
-              </a:rPr>
-              <a:t>exposed </a:t>
-            </a:r>
-            <a:r>
-              <a:rPr kumimoji="0" lang="en-US" sz="2000" b="0" i="0" u="none" strike="noStrike" kern="1200" cap="none" spc="0" normalizeH="0" baseline="0" noProof="0" dirty="0">
-                <a:ln>
-                  <a:noFill/>
-                </a:ln>
-                <a:solidFill>
-                  <a:prstClr val="black"/>
-                </a:solidFill>
-                <a:effectLst/>
-                <a:uLnTx/>
-                <a:uFillTx/>
-                <a:latin typeface="Calibri" panose="020F0502020204030204"/>
-              </a:rPr>
-              <a:t>externally to clients on port 8000 via an API gateway. The related </a:t>
-            </a:r>
-            <a:r>
-              <a:rPr kumimoji="0" lang="en-US" sz="2000" b="0" i="0" u="none" strike="noStrike" kern="1200" cap="none" spc="0" normalizeH="0" baseline="0" noProof="0" dirty="0" smtClean="0">
-                <a:ln>
-                  <a:noFill/>
-                </a:ln>
-                <a:solidFill>
-                  <a:prstClr val="black"/>
-                </a:solidFill>
-                <a:effectLst/>
-                <a:uLnTx/>
-                <a:uFillTx/>
-                <a:latin typeface="Calibri" panose="020F0502020204030204"/>
-              </a:rPr>
-              <a:t>service </a:t>
-            </a:r>
-            <a:r>
-              <a:rPr kumimoji="0" lang="en-US" sz="2000" b="0" i="0" u="none" strike="noStrike" kern="1200" cap="none" spc="0" normalizeH="0" baseline="0" noProof="0" dirty="0">
-                <a:ln>
-                  <a:noFill/>
-                </a:ln>
-                <a:solidFill>
-                  <a:prstClr val="black"/>
-                </a:solidFill>
-                <a:effectLst/>
-                <a:uLnTx/>
-                <a:uFillTx/>
-                <a:latin typeface="Calibri" panose="020F0502020204030204"/>
-              </a:rPr>
-              <a:t>for the admin </a:t>
-            </a:r>
-            <a:r>
-              <a:rPr kumimoji="0" lang="en-US" sz="2000" b="0" i="0" u="none" strike="noStrike" kern="1200" cap="none" spc="0" normalizeH="0" baseline="0" noProof="0" dirty="0" smtClean="0">
-                <a:ln>
-                  <a:noFill/>
-                </a:ln>
-                <a:solidFill>
-                  <a:prstClr val="black"/>
-                </a:solidFill>
-                <a:effectLst/>
-                <a:uLnTx/>
-                <a:uFillTx/>
-                <a:latin typeface="Calibri" panose="020F0502020204030204"/>
-              </a:rPr>
-              <a:t>is</a:t>
-            </a:r>
-            <a:r>
-              <a:rPr kumimoji="0" lang="en-US" sz="2000" b="0" i="0" u="none" strike="noStrike" kern="1200" cap="none" spc="0" normalizeH="0" noProof="0" dirty="0" smtClean="0">
-                <a:ln>
-                  <a:noFill/>
-                </a:ln>
-                <a:solidFill>
-                  <a:prstClr val="black"/>
-                </a:solidFill>
-                <a:effectLst/>
-                <a:uLnTx/>
-                <a:uFillTx/>
-                <a:latin typeface="Calibri" panose="020F0502020204030204"/>
-              </a:rPr>
-              <a:t> </a:t>
-            </a:r>
-            <a:r>
-              <a:rPr kumimoji="0" lang="en-US" sz="2000" b="0" i="0" u="none" strike="noStrike" kern="1200" cap="none" spc="0" normalizeH="0" baseline="0" noProof="0" dirty="0" smtClean="0">
-                <a:ln>
-                  <a:noFill/>
-                </a:ln>
-                <a:solidFill>
-                  <a:prstClr val="black"/>
-                </a:solidFill>
-                <a:effectLst/>
-                <a:uLnTx/>
-                <a:uFillTx/>
-                <a:latin typeface="Calibri" panose="020F0502020204030204"/>
-              </a:rPr>
-              <a:t>exposed </a:t>
-            </a:r>
-            <a:r>
-              <a:rPr kumimoji="0" lang="en-US" sz="2000" b="0" i="0" u="none" strike="noStrike" kern="1200" cap="none" spc="0" normalizeH="0" baseline="0" noProof="0" dirty="0">
-                <a:ln>
-                  <a:noFill/>
-                </a:ln>
-                <a:solidFill>
-                  <a:prstClr val="black"/>
-                </a:solidFill>
-                <a:effectLst/>
-                <a:uLnTx/>
-                <a:uFillTx/>
-                <a:latin typeface="Calibri" panose="020F0502020204030204"/>
-              </a:rPr>
-              <a:t>to clients on port 8080 via an </a:t>
+              <a:t>exposed to clients on port 8080 via an </a:t>
             </a:r>
             <a:r>
               <a:rPr lang="en-US" sz="2000" dirty="0">
@@ -18817,22 +18619,7 @@
                 <a:uFillTx/>
                 <a:latin typeface="Calibri" panose="020F0502020204030204"/>
               </a:rPr>
-              <a:t> forwards the HTTPS request to the market service on port 8003</a:t>
-            </a:r>
-            <a:r>
-              <a:rPr kumimoji="0" lang="en-US" sz="2000" b="0" i="0" u="none" strike="noStrike" kern="1200" cap="none" spc="0" normalizeH="0" baseline="0" noProof="0" dirty="0" smtClean="0">
-                <a:ln>
-                  <a:noFill/>
-                </a:ln>
-                <a:solidFill>
-                  <a:prstClr val="black"/>
-                </a:solidFill>
-                <a:effectLst/>
-                <a:uLnTx/>
-                <a:uFillTx/>
-                <a:latin typeface="Calibri" panose="020F0502020204030204"/>
-              </a:rPr>
-              <a:t>.</a:t>
+              <a:t> forwards the HTTPS request to the market service on port 8003.</a:t>
             </a:r>
           </a:p>
           <a:p>
@@ -18840,7 +18627,7 @@
               <a:defRPr/>
             </a:pPr>
             <a:r>
-              <a:rPr lang="en-US" sz="2000" dirty="0" smtClean="0">
+              <a:rPr lang="en-US" sz="2000" dirty="0">
                 <a:solidFill>
                   <a:prstClr val="black"/>
                 </a:solidFill>
@@ -18849,7 +18636,7 @@
               <a:t>The market service communicates also with currency and </a:t>
             </a:r>
             <a:r>
-              <a:rPr lang="en-US" sz="2000" dirty="0" err="1" smtClean="0">
+              <a:rPr lang="en-US" sz="2000" dirty="0" err="1">
                 <a:solidFill>
                   <a:prstClr val="black"/>
                 </a:solidFill>
@@ -18858,7 +18645,7 @@
               <a:t>gacha</a:t>
             </a:r>
             <a:r>
-              <a:rPr lang="en-US" sz="2000" dirty="0" smtClean="0">
+              <a:rPr lang="en-US" sz="2000" dirty="0">
                 <a:solidFill>
                   <a:prstClr val="black"/>
                 </a:solidFill>

--- a/doc/Gacha Collection.pptx
+++ b/doc/Gacha Collection.pptx
@@ -22,12 +22,14 @@
     <p:sldId id="281" r:id="rId16"/>
     <p:sldId id="282" r:id="rId17"/>
     <p:sldId id="286" r:id="rId18"/>
-    <p:sldId id="275" r:id="rId19"/>
-    <p:sldId id="276" r:id="rId20"/>
-    <p:sldId id="277" r:id="rId21"/>
-    <p:sldId id="283" r:id="rId22"/>
-    <p:sldId id="284" r:id="rId23"/>
-    <p:sldId id="285" r:id="rId24"/>
+    <p:sldId id="288" r:id="rId19"/>
+    <p:sldId id="287" r:id="rId20"/>
+    <p:sldId id="275" r:id="rId21"/>
+    <p:sldId id="276" r:id="rId22"/>
+    <p:sldId id="277" r:id="rId23"/>
+    <p:sldId id="283" r:id="rId24"/>
+    <p:sldId id="284" r:id="rId25"/>
+    <p:sldId id="285" r:id="rId26"/>
   </p:sldIdLst>
   <p:sldSz cx="12192000" cy="6858000"/>
   <p:notesSz cx="6858000" cy="9144000"/>
@@ -138,19 +140,19 @@
 <pc:chgInfo xmlns:a="http://schemas.openxmlformats.org/drawingml/2006/main" xmlns:r="http://schemas.openxmlformats.org/officeDocument/2006/relationships" xmlns:ac="http://schemas.microsoft.com/office/drawing/2013/main/command" xmlns:pc="http://schemas.microsoft.com/office/powerpoint/2013/main/command">
   <pc:docChgLst>
     <pc:chgData name="FRANCESCO ARDIZZONI" userId="434aa0bc33b99c90" providerId="LiveId" clId="{D2828EF8-348D-4755-88B1-87C4260E078D}"/>
-    <pc:docChg chg="undo custSel addSld modSld">
-      <pc:chgData name="FRANCESCO ARDIZZONI" userId="434aa0bc33b99c90" providerId="LiveId" clId="{D2828EF8-348D-4755-88B1-87C4260E078D}" dt="2024-12-06T19:47:13.125" v="64" actId="20577"/>
+    <pc:docChg chg="undo custSel addSld modSld sldOrd">
+      <pc:chgData name="FRANCESCO ARDIZZONI" userId="434aa0bc33b99c90" providerId="LiveId" clId="{D2828EF8-348D-4755-88B1-87C4260E078D}" dt="2024-12-06T20:24:27.864" v="1061" actId="20577"/>
       <pc:docMkLst>
         <pc:docMk/>
       </pc:docMkLst>
       <pc:sldChg chg="delSp modSp add mod">
-        <pc:chgData name="FRANCESCO ARDIZZONI" userId="434aa0bc33b99c90" providerId="LiveId" clId="{D2828EF8-348D-4755-88B1-87C4260E078D}" dt="2024-12-06T19:47:13.125" v="64" actId="20577"/>
+        <pc:chgData name="FRANCESCO ARDIZZONI" userId="434aa0bc33b99c90" providerId="LiveId" clId="{D2828EF8-348D-4755-88B1-87C4260E078D}" dt="2024-12-06T20:07:45.842" v="370" actId="20577"/>
         <pc:sldMkLst>
           <pc:docMk/>
           <pc:sldMk cId="3912398011" sldId="286"/>
         </pc:sldMkLst>
         <pc:spChg chg="mod">
-          <ac:chgData name="FRANCESCO ARDIZZONI" userId="434aa0bc33b99c90" providerId="LiveId" clId="{D2828EF8-348D-4755-88B1-87C4260E078D}" dt="2024-12-06T19:44:55.151" v="28" actId="20577"/>
+          <ac:chgData name="FRANCESCO ARDIZZONI" userId="434aa0bc33b99c90" providerId="LiveId" clId="{D2828EF8-348D-4755-88B1-87C4260E078D}" dt="2024-12-06T20:07:45.842" v="370" actId="20577"/>
           <ac:spMkLst>
             <pc:docMk/>
             <pc:sldMk cId="3912398011" sldId="286"/>
@@ -158,7 +160,7 @@
           </ac:spMkLst>
         </pc:spChg>
         <pc:spChg chg="mod">
-          <ac:chgData name="FRANCESCO ARDIZZONI" userId="434aa0bc33b99c90" providerId="LiveId" clId="{D2828EF8-348D-4755-88B1-87C4260E078D}" dt="2024-12-06T19:47:13.125" v="64" actId="20577"/>
+          <ac:chgData name="FRANCESCO ARDIZZONI" userId="434aa0bc33b99c90" providerId="LiveId" clId="{D2828EF8-348D-4755-88B1-87C4260E078D}" dt="2024-12-06T20:07:39.673" v="365" actId="20577"/>
           <ac:spMkLst>
             <pc:docMk/>
             <pc:sldMk cId="3912398011" sldId="286"/>
@@ -245,6 +247,52 @@
             <ac:cxnSpMk id="27" creationId="{B94E8B93-F86D-7754-B6AF-92BDAAA0B94C}"/>
           </ac:cxnSpMkLst>
         </pc:cxnChg>
+      </pc:sldChg>
+      <pc:sldChg chg="modSp add mod">
+        <pc:chgData name="FRANCESCO ARDIZZONI" userId="434aa0bc33b99c90" providerId="LiveId" clId="{D2828EF8-348D-4755-88B1-87C4260E078D}" dt="2024-12-06T20:22:43.537" v="991" actId="114"/>
+        <pc:sldMkLst>
+          <pc:docMk/>
+          <pc:sldMk cId="689692471" sldId="287"/>
+        </pc:sldMkLst>
+        <pc:spChg chg="mod">
+          <ac:chgData name="FRANCESCO ARDIZZONI" userId="434aa0bc33b99c90" providerId="LiveId" clId="{D2828EF8-348D-4755-88B1-87C4260E078D}" dt="2024-12-06T20:16:30.989" v="817" actId="20577"/>
+          <ac:spMkLst>
+            <pc:docMk/>
+            <pc:sldMk cId="689692471" sldId="287"/>
+            <ac:spMk id="2" creationId="{530A5044-F008-87C1-4D23-7AD9A40A878D}"/>
+          </ac:spMkLst>
+        </pc:spChg>
+        <pc:spChg chg="mod">
+          <ac:chgData name="FRANCESCO ARDIZZONI" userId="434aa0bc33b99c90" providerId="LiveId" clId="{D2828EF8-348D-4755-88B1-87C4260E078D}" dt="2024-12-06T20:22:43.537" v="991" actId="114"/>
+          <ac:spMkLst>
+            <pc:docMk/>
+            <pc:sldMk cId="689692471" sldId="287"/>
+            <ac:spMk id="4" creationId="{32610640-098D-0635-F817-BA7843FA4B91}"/>
+          </ac:spMkLst>
+        </pc:spChg>
+      </pc:sldChg>
+      <pc:sldChg chg="modSp add mod ord">
+        <pc:chgData name="FRANCESCO ARDIZZONI" userId="434aa0bc33b99c90" providerId="LiveId" clId="{D2828EF8-348D-4755-88B1-87C4260E078D}" dt="2024-12-06T20:24:27.864" v="1061" actId="20577"/>
+        <pc:sldMkLst>
+          <pc:docMk/>
+          <pc:sldMk cId="2280516717" sldId="288"/>
+        </pc:sldMkLst>
+        <pc:spChg chg="mod">
+          <ac:chgData name="FRANCESCO ARDIZZONI" userId="434aa0bc33b99c90" providerId="LiveId" clId="{D2828EF8-348D-4755-88B1-87C4260E078D}" dt="2024-12-06T20:10:29.676" v="403" actId="20577"/>
+          <ac:spMkLst>
+            <pc:docMk/>
+            <pc:sldMk cId="2280516717" sldId="288"/>
+            <ac:spMk id="2" creationId="{1BF787B7-2F17-4552-1A63-426C042C6A5E}"/>
+          </ac:spMkLst>
+        </pc:spChg>
+        <pc:spChg chg="mod">
+          <ac:chgData name="FRANCESCO ARDIZZONI" userId="434aa0bc33b99c90" providerId="LiveId" clId="{D2828EF8-348D-4755-88B1-87C4260E078D}" dt="2024-12-06T20:24:27.864" v="1061" actId="20577"/>
+          <ac:spMkLst>
+            <pc:docMk/>
+            <pc:sldMk cId="2280516717" sldId="288"/>
+            <ac:spMk id="4" creationId="{7A68A6C7-B4B1-E85B-CC0C-B7239C6B703F}"/>
+          </ac:spMkLst>
+        </pc:spChg>
       </pc:sldChg>
     </pc:docChg>
   </pc:docChgLst>
@@ -10148,7 +10196,7 @@
               <a:rPr lang="it-IT" dirty="0">
                 <a:latin typeface="Cooper Black" panose="0208090404030B020404" pitchFamily="18" charset="0"/>
               </a:rPr>
-              <a:t>Testing</a:t>
+              <a:t>Unit Testing</a:t>
             </a:r>
             <a:endParaRPr lang="it-IT" dirty="0"/>
           </a:p>
@@ -10168,7 +10216,7 @@
         </p:nvSpPr>
         <p:spPr>
           <a:xfrm>
-            <a:off x="377416" y="1690688"/>
+            <a:off x="401479" y="1690688"/>
             <a:ext cx="10861832" cy="3785652"/>
           </a:xfrm>
           <a:prstGeom prst="rect">
@@ -10187,12 +10235,28 @@
           </a:bodyPr>
           <a:lstStyle/>
           <a:p>
-            <a:pPr lvl="0">
+            <a:pPr>
               <a:defRPr/>
             </a:pPr>
             <a:r>
               <a:rPr lang="en-US" sz="2000" dirty="0"/>
-              <a:t>The implemented tests aim to verify the functioning of various services. The following endpoints were tested for the market service:</a:t>
+              <a:t>Every tests were deployed in every microservices in the file </a:t>
+            </a:r>
+            <a:r>
+              <a:rPr lang="en-US" sz="2000" i="1" dirty="0"/>
+              <a:t>main_test.py </a:t>
+            </a:r>
+            <a:r>
+              <a:rPr lang="en-US" sz="2000" dirty="0"/>
+              <a:t>and executed with the </a:t>
+            </a:r>
+            <a:r>
+              <a:rPr lang="en-US" sz="2000" i="1" dirty="0" err="1"/>
+              <a:t>Dockerfile_test</a:t>
+            </a:r>
+            <a:r>
+              <a:rPr lang="en-US" sz="2000" dirty="0"/>
+              <a:t>.</a:t>
             </a:r>
           </a:p>
           <a:p>
@@ -10202,144 +10266,20 @@
             <a:endParaRPr lang="en-US" sz="2000" dirty="0"/>
           </a:p>
           <a:p>
-            <a:pPr marL="342900" lvl="0" indent="-342900">
-              <a:buFont typeface="Arial" panose="020B0604020202020204" pitchFamily="34" charset="0"/>
-              <a:buChar char="•"/>
+            <a:pPr lvl="0">
               <a:defRPr/>
             </a:pPr>
             <a:r>
-              <a:rPr lang="en-US" sz="2000" b="1" dirty="0">
-                <a:solidFill>
-                  <a:prstClr val="black"/>
-                </a:solidFill>
-                <a:latin typeface="Calibri" panose="020F0502020204030204"/>
-              </a:rPr>
-              <a:t>/</a:t>
-            </a:r>
-            <a:r>
-              <a:rPr lang="en-US" sz="2000" b="1" dirty="0" err="1"/>
-              <a:t>new_auction</a:t>
-            </a:r>
-            <a:r>
               <a:rPr lang="en-US" sz="2000" dirty="0"/>
-              <a:t>: verifies the presence of all required parameters such as </a:t>
-            </a:r>
-            <a:r>
-              <a:rPr lang="en-US" sz="2000" dirty="0" err="1"/>
-              <a:t>user_owner</a:t>
+              <a:t>To ensure an isolated testing environment, an in-memory simulated database (</a:t>
+            </a:r>
+            <a:r>
+              <a:rPr lang="en-US" sz="2000" i="1" dirty="0" err="1"/>
+              <a:t>mock_database</a:t>
             </a:r>
             <a:r>
               <a:rPr lang="en-US" sz="2000" dirty="0"/>
-              <a:t>, </a:t>
-            </a:r>
-            <a:r>
-              <a:rPr lang="en-US" sz="2000" dirty="0" err="1"/>
-              <a:t>gacha_id</a:t>
-            </a:r>
-            <a:r>
-              <a:rPr lang="en-US" sz="2000" dirty="0"/>
-              <a:t>, </a:t>
-            </a:r>
-            <a:r>
-              <a:rPr lang="en-US" sz="2000" dirty="0" err="1"/>
-              <a:t>starting_price</a:t>
-            </a:r>
-            <a:r>
-              <a:rPr lang="en-US" sz="2000" dirty="0"/>
-              <a:t>, and </a:t>
-            </a:r>
-            <a:r>
-              <a:rPr lang="en-US" sz="2000" dirty="0" err="1"/>
-              <a:t>end_date</a:t>
-            </a:r>
-            <a:r>
-              <a:rPr lang="en-US" sz="2000" dirty="0"/>
-              <a:t>. </a:t>
-            </a:r>
-          </a:p>
-          <a:p>
-            <a:pPr marL="342900" lvl="0" indent="-342900">
-              <a:buFont typeface="Arial" panose="020B0604020202020204" pitchFamily="34" charset="0"/>
-              <a:buChar char="•"/>
-              <a:defRPr/>
-            </a:pPr>
-            <a:r>
-              <a:rPr lang="en-US" sz="2000" b="1" dirty="0"/>
-              <a:t>/</a:t>
-            </a:r>
-            <a:r>
-              <a:rPr lang="en-US" sz="2000" b="1" dirty="0" err="1"/>
-              <a:t>get_bid</a:t>
-            </a:r>
-            <a:r>
-              <a:rPr lang="en-US" sz="2000" dirty="0"/>
-              <a:t>: checks the correct existence of the auction and the presence of valid bids. </a:t>
-            </a:r>
-          </a:p>
-          <a:p>
-            <a:pPr marL="342900" lvl="0" indent="-342900">
-              <a:buFont typeface="Arial" panose="020B0604020202020204" pitchFamily="34" charset="0"/>
-              <a:buChar char="•"/>
-              <a:defRPr/>
-            </a:pPr>
-            <a:r>
-              <a:rPr lang="en-US" sz="2000" b="1" dirty="0"/>
-              <a:t>/</a:t>
-            </a:r>
-            <a:r>
-              <a:rPr lang="en-US" sz="2000" b="1" dirty="0" err="1"/>
-              <a:t>close_auction</a:t>
-            </a:r>
-            <a:r>
-              <a:rPr lang="en-US" sz="2000" dirty="0"/>
-              <a:t>: ensures that the auction exists and can be properly closed. </a:t>
-            </a:r>
-          </a:p>
-          <a:p>
-            <a:pPr marL="342900" lvl="0" indent="-342900">
-              <a:buFont typeface="Arial" panose="020B0604020202020204" pitchFamily="34" charset="0"/>
-              <a:buChar char="•"/>
-              <a:defRPr/>
-            </a:pPr>
-            <a:r>
-              <a:rPr lang="en-US" sz="2000" b="1" dirty="0"/>
-              <a:t>/roll</a:t>
-            </a:r>
-            <a:r>
-              <a:rPr lang="en-US" sz="2000" dirty="0"/>
-              <a:t>: verifies the presence of mandatory parameters such as </a:t>
-            </a:r>
-            <a:r>
-              <a:rPr lang="en-US" sz="2000" dirty="0" err="1"/>
-              <a:t>user_id</a:t>
-            </a:r>
-            <a:r>
-              <a:rPr lang="en-US" sz="2000" dirty="0"/>
-              <a:t>, </a:t>
-            </a:r>
-            <a:r>
-              <a:rPr lang="en-US" sz="2000" dirty="0" err="1"/>
-              <a:t>gacha_id</a:t>
-            </a:r>
-            <a:r>
-              <a:rPr lang="en-US" sz="2000" dirty="0"/>
-              <a:t>, cost, and </a:t>
-            </a:r>
-            <a:r>
-              <a:rPr lang="en-US" sz="2000" dirty="0" err="1"/>
-              <a:t>end_date</a:t>
-            </a:r>
-            <a:r>
-              <a:rPr lang="en-US" sz="2000" dirty="0"/>
-              <a:t> intercepted from the POST request sent to the </a:t>
-            </a:r>
-            <a:r>
-              <a:rPr lang="en-US" sz="2000" dirty="0" err="1"/>
-              <a:t>db</a:t>
-            </a:r>
-            <a:r>
-              <a:rPr lang="en-US" sz="2000" dirty="0"/>
-              <a:t>-manager.</a:t>
+              <a:t>) was used. </a:t>
             </a:r>
           </a:p>
           <a:p>
@@ -10354,7 +10294,58 @@
             </a:pPr>
             <a:r>
               <a:rPr lang="en-US" sz="2000" dirty="0"/>
-              <a:t> The scenarios also cover errors such as attempts to bid on non-existent auctions or the closure of already concluded auctions.</a:t>
+              <a:t>The </a:t>
+            </a:r>
+            <a:r>
+              <a:rPr lang="en-US" sz="2000" b="1" dirty="0"/>
+              <a:t>mock database </a:t>
+            </a:r>
+            <a:r>
+              <a:rPr lang="en-US" sz="2000" dirty="0"/>
+              <a:t>is implemented as a dictionary and simulates the user, </a:t>
+            </a:r>
+            <a:r>
+              <a:rPr lang="en-US" sz="2000" dirty="0" err="1"/>
+              <a:t>gacha</a:t>
+            </a:r>
+            <a:r>
+              <a:rPr lang="en-US" sz="2000" dirty="0"/>
+              <a:t>, and transaction tables. These mock tests intercept all calls made to the </a:t>
+            </a:r>
+            <a:r>
+              <a:rPr lang="en-US" sz="2000" dirty="0" err="1"/>
+              <a:t>db</a:t>
+            </a:r>
+            <a:r>
+              <a:rPr lang="en-US" sz="2000" dirty="0"/>
+              <a:t>-manager (and other services), simulating their operation.</a:t>
+            </a:r>
+          </a:p>
+          <a:p>
+            <a:pPr lvl="0">
+              <a:defRPr/>
+            </a:pPr>
+            <a:endParaRPr lang="en-US" sz="2000" dirty="0"/>
+          </a:p>
+          <a:p>
+            <a:pPr lvl="0">
+              <a:defRPr/>
+            </a:pPr>
+            <a:r>
+              <a:rPr lang="en-US" sz="2000" dirty="0"/>
+              <a:t>Every operation was tracked using the </a:t>
+            </a:r>
+            <a:r>
+              <a:rPr lang="en-US" sz="2000" i="1" dirty="0" err="1"/>
+              <a:t>mock_save_last</a:t>
+            </a:r>
+            <a:r>
+              <a:rPr lang="en-US" sz="2000" i="1" dirty="0"/>
+              <a:t>() </a:t>
+            </a:r>
+            <a:r>
+              <a:rPr lang="en-US" sz="2000" dirty="0"/>
+              <a:t>function, which records the operation performed, the parameters passed, and the resulting output.</a:t>
             </a:r>
           </a:p>
         </p:txBody>
@@ -10373,6 +10364,2833 @@
 </file>
 
 <file path=ppt/slides/slide18.xml><?xml version="1.0" encoding="utf-8"?>
+<p:sld xmlns:a="http://schemas.openxmlformats.org/drawingml/2006/main" xmlns:r="http://schemas.openxmlformats.org/officeDocument/2006/relationships" xmlns:p="http://schemas.openxmlformats.org/presentationml/2006/main">
+  <p:cSld>
+    <p:spTree>
+      <p:nvGrpSpPr>
+        <p:cNvPr id="1" name="">
+          <a:extLst>
+            <a:ext uri="{FF2B5EF4-FFF2-40B4-BE49-F238E27FC236}">
+              <a16:creationId xmlns:a16="http://schemas.microsoft.com/office/drawing/2014/main" id="{4BE3FF36-3842-5491-EEC4-65CA38FB97BF}"/>
+            </a:ext>
+          </a:extLst>
+        </p:cNvPr>
+        <p:cNvGrpSpPr/>
+        <p:nvPr/>
+      </p:nvGrpSpPr>
+      <p:grpSpPr>
+        <a:xfrm>
+          <a:off x="0" y="0"/>
+          <a:ext cx="0" cy="0"/>
+          <a:chOff x="0" y="0"/>
+          <a:chExt cx="0" cy="0"/>
+        </a:xfrm>
+      </p:grpSpPr>
+      <p:sp>
+        <p:nvSpPr>
+          <p:cNvPr id="2" name="Titolo 1">
+            <a:extLst>
+              <a:ext uri="{FF2B5EF4-FFF2-40B4-BE49-F238E27FC236}">
+                <a16:creationId xmlns:a16="http://schemas.microsoft.com/office/drawing/2014/main" id="{1BF787B7-2F17-4552-1A63-426C042C6A5E}"/>
+              </a:ext>
+            </a:extLst>
+          </p:cNvPr>
+          <p:cNvSpPr>
+            <a:spLocks noGrp="1"/>
+          </p:cNvSpPr>
+          <p:nvPr>
+            <p:ph type="title"/>
+          </p:nvPr>
+        </p:nvSpPr>
+        <p:spPr/>
+        <p:txBody>
+          <a:bodyPr/>
+          <a:lstStyle/>
+          <a:p>
+            <a:r>
+              <a:rPr lang="it-IT" dirty="0">
+                <a:latin typeface="Cooper Black" panose="0208090404030B020404" pitchFamily="18" charset="0"/>
+              </a:rPr>
+              <a:t>Integration Testing </a:t>
+            </a:r>
+            <a:endParaRPr lang="it-IT" dirty="0"/>
+          </a:p>
+        </p:txBody>
+      </p:sp>
+      <p:sp>
+        <p:nvSpPr>
+          <p:cNvPr id="4" name="CasellaDiTesto 3">
+            <a:extLst>
+              <a:ext uri="{FF2B5EF4-FFF2-40B4-BE49-F238E27FC236}">
+                <a16:creationId xmlns:a16="http://schemas.microsoft.com/office/drawing/2014/main" id="{7A68A6C7-B4B1-E85B-CC0C-B7239C6B703F}"/>
+              </a:ext>
+            </a:extLst>
+          </p:cNvPr>
+          <p:cNvSpPr txBox="1"/>
+          <p:nvPr/>
+        </p:nvSpPr>
+        <p:spPr>
+          <a:xfrm>
+            <a:off x="393458" y="2155909"/>
+            <a:ext cx="10861832" cy="3477875"/>
+          </a:xfrm>
+          <a:prstGeom prst="rect">
+            <a:avLst/>
+          </a:prstGeom>
+          <a:noFill/>
+          <a:ln>
+            <a:solidFill>
+              <a:srgbClr val="002060"/>
+            </a:solidFill>
+          </a:ln>
+        </p:spPr>
+        <p:txBody>
+          <a:bodyPr wrap="square" rtlCol="0">
+            <a:spAutoFit/>
+          </a:bodyPr>
+          <a:lstStyle/>
+          <a:p>
+            <a:pPr lvl="0">
+              <a:defRPr/>
+            </a:pPr>
+            <a:r>
+              <a:rPr lang="en-US" sz="2000" dirty="0"/>
+              <a:t>Designed to verify the proper functioning of various services of the application in a combined environment, ensuring that all services work correctly together.</a:t>
+            </a:r>
+          </a:p>
+          <a:p>
+            <a:pPr lvl="0">
+              <a:defRPr/>
+            </a:pPr>
+            <a:endParaRPr lang="en-US" sz="2000" dirty="0"/>
+          </a:p>
+          <a:p>
+            <a:pPr lvl="0">
+              <a:defRPr/>
+            </a:pPr>
+            <a:r>
+              <a:rPr lang="en-US" sz="2000" dirty="0"/>
+              <a:t>Aim to ensure that communication between the various microservices operates smoothly. </a:t>
+            </a:r>
+          </a:p>
+          <a:p>
+            <a:pPr lvl="0">
+              <a:defRPr/>
+            </a:pPr>
+            <a:endParaRPr lang="en-US" sz="2000" dirty="0"/>
+          </a:p>
+          <a:p>
+            <a:pPr lvl="0">
+              <a:defRPr/>
+            </a:pPr>
+            <a:r>
+              <a:rPr lang="en-US" sz="2000" dirty="0"/>
+              <a:t>Use of </a:t>
+            </a:r>
+            <a:r>
+              <a:rPr lang="en-US" sz="2000" b="1" dirty="0"/>
+              <a:t>docker-compose</a:t>
+            </a:r>
+            <a:r>
+              <a:rPr lang="en-US" sz="2000" dirty="0"/>
+              <a:t> to test the entire architecture in isolation.</a:t>
+            </a:r>
+          </a:p>
+          <a:p>
+            <a:pPr lvl="0">
+              <a:defRPr/>
+            </a:pPr>
+            <a:endParaRPr lang="en-US" sz="2000" dirty="0"/>
+          </a:p>
+          <a:p>
+            <a:pPr lvl="0">
+              <a:defRPr/>
+            </a:pPr>
+            <a:r>
+              <a:rPr lang="en-US" sz="2000" dirty="0"/>
+              <a:t>In the case of registration, the user registers using the /register endpoint of the authentication service and obtains a JWT token. Token is used to allow a user for applying for an operation </a:t>
+            </a:r>
+          </a:p>
+          <a:p>
+            <a:pPr lvl="0">
+              <a:defRPr/>
+            </a:pPr>
+            <a:endParaRPr lang="en-US" sz="2000" dirty="0"/>
+          </a:p>
+          <a:p>
+            <a:pPr lvl="0">
+              <a:defRPr/>
+            </a:pPr>
+            <a:r>
+              <a:rPr lang="en-US" sz="2000" dirty="0"/>
+              <a:t>Test made on the API-gateway for all </a:t>
+            </a:r>
+            <a:r>
+              <a:rPr lang="en-US" sz="2000"/>
+              <a:t>the microservices</a:t>
+            </a:r>
+            <a:endParaRPr lang="en-US" sz="2000" dirty="0"/>
+          </a:p>
+        </p:txBody>
+      </p:sp>
+    </p:spTree>
+    <p:extLst>
+      <p:ext uri="{BB962C8B-B14F-4D97-AF65-F5344CB8AC3E}">
+        <p14:creationId xmlns:p14="http://schemas.microsoft.com/office/powerpoint/2010/main" val="2280516717"/>
+      </p:ext>
+    </p:extLst>
+  </p:cSld>
+  <p:clrMapOvr>
+    <a:masterClrMapping/>
+  </p:clrMapOvr>
+</p:sld>
+</file>
+
+<file path=ppt/slides/slide19.xml><?xml version="1.0" encoding="utf-8"?>
+<p:sld xmlns:a="http://schemas.openxmlformats.org/drawingml/2006/main" xmlns:r="http://schemas.openxmlformats.org/officeDocument/2006/relationships" xmlns:p="http://schemas.openxmlformats.org/presentationml/2006/main">
+  <p:cSld>
+    <p:spTree>
+      <p:nvGrpSpPr>
+        <p:cNvPr id="1" name="">
+          <a:extLst>
+            <a:ext uri="{FF2B5EF4-FFF2-40B4-BE49-F238E27FC236}">
+              <a16:creationId xmlns:a16="http://schemas.microsoft.com/office/drawing/2014/main" id="{9C4642A0-341C-0419-3C0A-2FBE0C4B63E7}"/>
+            </a:ext>
+          </a:extLst>
+        </p:cNvPr>
+        <p:cNvGrpSpPr/>
+        <p:nvPr/>
+      </p:nvGrpSpPr>
+      <p:grpSpPr>
+        <a:xfrm>
+          <a:off x="0" y="0"/>
+          <a:ext cx="0" cy="0"/>
+          <a:chOff x="0" y="0"/>
+          <a:chExt cx="0" cy="0"/>
+        </a:xfrm>
+      </p:grpSpPr>
+      <p:sp>
+        <p:nvSpPr>
+          <p:cNvPr id="2" name="Titolo 1">
+            <a:extLst>
+              <a:ext uri="{FF2B5EF4-FFF2-40B4-BE49-F238E27FC236}">
+                <a16:creationId xmlns:a16="http://schemas.microsoft.com/office/drawing/2014/main" id="{530A5044-F008-87C1-4D23-7AD9A40A878D}"/>
+              </a:ext>
+            </a:extLst>
+          </p:cNvPr>
+          <p:cNvSpPr>
+            <a:spLocks noGrp="1"/>
+          </p:cNvSpPr>
+          <p:nvPr>
+            <p:ph type="title"/>
+          </p:nvPr>
+        </p:nvSpPr>
+        <p:spPr/>
+        <p:txBody>
+          <a:bodyPr/>
+          <a:lstStyle/>
+          <a:p>
+            <a:r>
+              <a:rPr lang="it-IT" dirty="0">
+                <a:latin typeface="Cooper Black" panose="0208090404030B020404" pitchFamily="18" charset="0"/>
+              </a:rPr>
+              <a:t>Load Testing</a:t>
+            </a:r>
+            <a:endParaRPr lang="it-IT" dirty="0"/>
+          </a:p>
+        </p:txBody>
+      </p:sp>
+      <p:sp>
+        <p:nvSpPr>
+          <p:cNvPr id="4" name="CasellaDiTesto 3">
+            <a:extLst>
+              <a:ext uri="{FF2B5EF4-FFF2-40B4-BE49-F238E27FC236}">
+                <a16:creationId xmlns:a16="http://schemas.microsoft.com/office/drawing/2014/main" id="{32610640-098D-0635-F817-BA7843FA4B91}"/>
+              </a:ext>
+            </a:extLst>
+          </p:cNvPr>
+          <p:cNvSpPr txBox="1"/>
+          <p:nvPr/>
+        </p:nvSpPr>
+        <p:spPr>
+          <a:xfrm>
+            <a:off x="377416" y="1690688"/>
+            <a:ext cx="10861832" cy="2862322"/>
+          </a:xfrm>
+          <a:prstGeom prst="rect">
+            <a:avLst/>
+          </a:prstGeom>
+          <a:noFill/>
+          <a:ln>
+            <a:solidFill>
+              <a:srgbClr val="002060"/>
+            </a:solidFill>
+          </a:ln>
+        </p:spPr>
+        <p:txBody>
+          <a:bodyPr wrap="square" rtlCol="0">
+            <a:spAutoFit/>
+          </a:bodyPr>
+          <a:lstStyle/>
+          <a:p>
+            <a:pPr lvl="0">
+              <a:defRPr/>
+            </a:pPr>
+            <a:r>
+              <a:rPr lang="en-US" sz="2000" dirty="0"/>
+              <a:t>To verify the application's performance, Locust is used to ensure the system can handle a high number of simultaneous requests without performance degradation.</a:t>
+            </a:r>
+          </a:p>
+          <a:p>
+            <a:pPr lvl="0">
+              <a:defRPr/>
+            </a:pPr>
+            <a:endParaRPr lang="en-US" sz="2000" dirty="0"/>
+          </a:p>
+          <a:p>
+            <a:pPr lvl="0">
+              <a:defRPr/>
+            </a:pPr>
+            <a:r>
+              <a:rPr lang="en-US" sz="2000" dirty="0"/>
+              <a:t>After registration, each user attempts to log in via the </a:t>
+            </a:r>
+            <a:r>
+              <a:rPr lang="en-US" sz="2000" i="1" dirty="0"/>
+              <a:t>/login </a:t>
+            </a:r>
+            <a:r>
+              <a:rPr lang="en-US" sz="2000" dirty="0"/>
+              <a:t>endpoint. If successful, the JWT token is stored for subsequent operations.</a:t>
+            </a:r>
+          </a:p>
+          <a:p>
+            <a:pPr lvl="0">
+              <a:defRPr/>
+            </a:pPr>
+            <a:endParaRPr lang="en-US" sz="2000" dirty="0"/>
+          </a:p>
+          <a:p>
+            <a:pPr lvl="0">
+              <a:defRPr/>
+            </a:pPr>
+            <a:r>
+              <a:rPr lang="en-US" sz="2000" dirty="0"/>
+              <a:t>A series of CRUD operations are performed on </a:t>
+            </a:r>
+            <a:r>
+              <a:rPr lang="en-US" sz="2000" dirty="0" err="1"/>
+              <a:t>Gacha</a:t>
+            </a:r>
+            <a:r>
+              <a:rPr lang="en-US" sz="2000" dirty="0"/>
+              <a:t> objects.</a:t>
+            </a:r>
+          </a:p>
+          <a:p>
+            <a:pPr lvl="0">
+              <a:defRPr/>
+            </a:pPr>
+            <a:endParaRPr lang="en-US" sz="2000" dirty="0"/>
+          </a:p>
+          <a:p>
+            <a:pPr lvl="0">
+              <a:defRPr/>
+            </a:pPr>
+            <a:r>
+              <a:rPr lang="en-US" sz="2000" dirty="0"/>
+              <a:t>Allows for verifying the capacity of the authentication service to handle a large number of requests.</a:t>
+            </a:r>
+          </a:p>
+        </p:txBody>
+      </p:sp>
+    </p:spTree>
+    <p:extLst>
+      <p:ext uri="{BB962C8B-B14F-4D97-AF65-F5344CB8AC3E}">
+        <p14:creationId xmlns:p14="http://schemas.microsoft.com/office/powerpoint/2010/main" val="689692471"/>
+      </p:ext>
+    </p:extLst>
+  </p:cSld>
+  <p:clrMapOvr>
+    <a:masterClrMapping/>
+  </p:clrMapOvr>
+</p:sld>
+</file>
+
+<file path=ppt/slides/slide2.xml><?xml version="1.0" encoding="utf-8"?>
+<p:sld xmlns:a="http://schemas.openxmlformats.org/drawingml/2006/main" xmlns:r="http://schemas.openxmlformats.org/officeDocument/2006/relationships" xmlns:p="http://schemas.openxmlformats.org/presentationml/2006/main">
+  <p:cSld>
+    <p:spTree>
+      <p:nvGrpSpPr>
+        <p:cNvPr id="1" name=""/>
+        <p:cNvGrpSpPr/>
+        <p:nvPr/>
+      </p:nvGrpSpPr>
+      <p:grpSpPr>
+        <a:xfrm>
+          <a:off x="0" y="0"/>
+          <a:ext cx="0" cy="0"/>
+          <a:chOff x="0" y="0"/>
+          <a:chExt cx="0" cy="0"/>
+        </a:xfrm>
+      </p:grpSpPr>
+      <p:sp>
+        <p:nvSpPr>
+          <p:cNvPr id="2" name="Titolo 1"/>
+          <p:cNvSpPr>
+            <a:spLocks noGrp="1"/>
+          </p:cNvSpPr>
+          <p:nvPr>
+            <p:ph type="title"/>
+          </p:nvPr>
+        </p:nvSpPr>
+        <p:spPr>
+          <a:xfrm>
+            <a:off x="838200" y="35939"/>
+            <a:ext cx="10515600" cy="1325563"/>
+          </a:xfrm>
+        </p:spPr>
+        <p:txBody>
+          <a:bodyPr>
+            <a:normAutofit/>
+          </a:bodyPr>
+          <a:lstStyle/>
+          <a:p>
+            <a:pPr algn="ctr"/>
+            <a:r>
+              <a:rPr lang="it-IT" sz="3200" dirty="0" err="1">
+                <a:latin typeface="Cooper Black" panose="0208090404030B020404" pitchFamily="18" charset="0"/>
+              </a:rPr>
+              <a:t>Catalogue</a:t>
+            </a:r>
+            <a:r>
+              <a:rPr lang="it-IT" sz="3200" dirty="0">
+                <a:latin typeface="Cooper Black" panose="0208090404030B020404" pitchFamily="18" charset="0"/>
+              </a:rPr>
+              <a:t> – </a:t>
+            </a:r>
+            <a:r>
+              <a:rPr lang="it-IT" sz="3200" dirty="0" err="1">
+                <a:latin typeface="Cooper Black" panose="0208090404030B020404" pitchFamily="18" charset="0"/>
+              </a:rPr>
+              <a:t>All</a:t>
+            </a:r>
+            <a:r>
+              <a:rPr lang="it-IT" sz="3200" dirty="0">
+                <a:latin typeface="Cooper Black" panose="0208090404030B020404" pitchFamily="18" charset="0"/>
+              </a:rPr>
+              <a:t> 151 </a:t>
+            </a:r>
+            <a:r>
+              <a:rPr lang="it-IT" sz="3200" dirty="0" err="1">
+                <a:latin typeface="Cooper Black" panose="0208090404030B020404" pitchFamily="18" charset="0"/>
+              </a:rPr>
+              <a:t>Pokémon</a:t>
+            </a:r>
+            <a:r>
+              <a:rPr lang="it-IT" sz="3200" dirty="0">
+                <a:latin typeface="Cooper Black" panose="0208090404030B020404" pitchFamily="18" charset="0"/>
+              </a:rPr>
+              <a:t> from 1° </a:t>
+            </a:r>
+            <a:r>
+              <a:rPr lang="it-IT" sz="3200" dirty="0" err="1">
+                <a:latin typeface="Cooper Black" panose="0208090404030B020404" pitchFamily="18" charset="0"/>
+              </a:rPr>
+              <a:t>gen</a:t>
+            </a:r>
+            <a:endParaRPr lang="it-IT" sz="3200" dirty="0">
+              <a:latin typeface="Cooper Black" panose="0208090404030B020404" pitchFamily="18" charset="0"/>
+            </a:endParaRPr>
+          </a:p>
+        </p:txBody>
+      </p:sp>
+      <p:sp>
+        <p:nvSpPr>
+          <p:cNvPr id="3" name="Segnaposto contenuto 2"/>
+          <p:cNvSpPr>
+            <a:spLocks noGrp="1"/>
+          </p:cNvSpPr>
+          <p:nvPr>
+            <p:ph idx="1"/>
+          </p:nvPr>
+        </p:nvSpPr>
+        <p:spPr>
+          <a:xfrm>
+            <a:off x="720000" y="1290814"/>
+            <a:ext cx="10800000" cy="540000"/>
+          </a:xfrm>
+          <a:solidFill>
+            <a:schemeClr val="bg2">
+              <a:lumMod val="90000"/>
+              <a:alpha val="40000"/>
+            </a:schemeClr>
+          </a:solidFill>
+        </p:spPr>
+        <p:txBody>
+          <a:bodyPr/>
+          <a:lstStyle/>
+          <a:p>
+            <a:r>
+              <a:rPr lang="it-IT" dirty="0">
+                <a:ln>
+                  <a:solidFill>
+                    <a:schemeClr val="tx1">
+                      <a:lumMod val="50000"/>
+                      <a:lumOff val="50000"/>
+                    </a:schemeClr>
+                  </a:solidFill>
+                </a:ln>
+                <a:solidFill>
+                  <a:schemeClr val="bg1"/>
+                </a:solidFill>
+              </a:rPr>
+              <a:t>Common (54,45%)</a:t>
+            </a:r>
+          </a:p>
+        </p:txBody>
+      </p:sp>
+      <p:sp>
+        <p:nvSpPr>
+          <p:cNvPr id="10" name="Segnaposto contenuto 2"/>
+          <p:cNvSpPr txBox="1">
+            <a:spLocks/>
+          </p:cNvSpPr>
+          <p:nvPr/>
+        </p:nvSpPr>
+        <p:spPr>
+          <a:xfrm>
+            <a:off x="720000" y="2190814"/>
+            <a:ext cx="10800000" cy="540000"/>
+          </a:xfrm>
+          <a:prstGeom prst="rect">
+            <a:avLst/>
+          </a:prstGeom>
+          <a:solidFill>
+            <a:schemeClr val="accent6">
+              <a:alpha val="40000"/>
+            </a:schemeClr>
+          </a:solidFill>
+        </p:spPr>
+        <p:txBody>
+          <a:bodyPr vert="horz" lIns="91440" tIns="45720" rIns="91440" bIns="45720" rtlCol="0">
+            <a:normAutofit/>
+          </a:bodyPr>
+          <a:lstStyle>
+            <a:lvl1pPr marL="228600" indent="-228600" algn="l" defTabSz="914400" rtl="0" eaLnBrk="1" latinLnBrk="0" hangingPunct="1">
+              <a:lnSpc>
+                <a:spcPct val="90000"/>
+              </a:lnSpc>
+              <a:spcBef>
+                <a:spcPts val="1000"/>
+              </a:spcBef>
+              <a:buFont typeface="Arial" panose="020B0604020202020204" pitchFamily="34" charset="0"/>
+              <a:buChar char="•"/>
+              <a:defRPr sz="2800" kern="1200">
+                <a:solidFill>
+                  <a:schemeClr val="tx1"/>
+                </a:solidFill>
+                <a:latin typeface="+mn-lt"/>
+                <a:ea typeface="+mn-ea"/>
+                <a:cs typeface="+mn-cs"/>
+              </a:defRPr>
+            </a:lvl1pPr>
+            <a:lvl2pPr marL="685800" indent="-228600" algn="l" defTabSz="914400" rtl="0" eaLnBrk="1" latinLnBrk="0" hangingPunct="1">
+              <a:lnSpc>
+                <a:spcPct val="90000"/>
+              </a:lnSpc>
+              <a:spcBef>
+                <a:spcPts val="500"/>
+              </a:spcBef>
+              <a:buFont typeface="Arial" panose="020B0604020202020204" pitchFamily="34" charset="0"/>
+              <a:buChar char="•"/>
+              <a:defRPr sz="2400" kern="1200">
+                <a:solidFill>
+                  <a:schemeClr val="tx1"/>
+                </a:solidFill>
+                <a:latin typeface="+mn-lt"/>
+                <a:ea typeface="+mn-ea"/>
+                <a:cs typeface="+mn-cs"/>
+              </a:defRPr>
+            </a:lvl2pPr>
+            <a:lvl3pPr marL="1143000" indent="-228600" algn="l" defTabSz="914400" rtl="0" eaLnBrk="1" latinLnBrk="0" hangingPunct="1">
+              <a:lnSpc>
+                <a:spcPct val="90000"/>
+              </a:lnSpc>
+              <a:spcBef>
+                <a:spcPts val="500"/>
+              </a:spcBef>
+              <a:buFont typeface="Arial" panose="020B0604020202020204" pitchFamily="34" charset="0"/>
+              <a:buChar char="•"/>
+              <a:defRPr sz="2000" kern="1200">
+                <a:solidFill>
+                  <a:schemeClr val="tx1"/>
+                </a:solidFill>
+                <a:latin typeface="+mn-lt"/>
+                <a:ea typeface="+mn-ea"/>
+                <a:cs typeface="+mn-cs"/>
+              </a:defRPr>
+            </a:lvl3pPr>
+            <a:lvl4pPr marL="1600200" indent="-228600" algn="l" defTabSz="914400" rtl="0" eaLnBrk="1" latinLnBrk="0" hangingPunct="1">
+              <a:lnSpc>
+                <a:spcPct val="90000"/>
+              </a:lnSpc>
+              <a:spcBef>
+                <a:spcPts val="500"/>
+              </a:spcBef>
+              <a:buFont typeface="Arial" panose="020B0604020202020204" pitchFamily="34" charset="0"/>
+              <a:buChar char="•"/>
+              <a:defRPr sz="1800" kern="1200">
+                <a:solidFill>
+                  <a:schemeClr val="tx1"/>
+                </a:solidFill>
+                <a:latin typeface="+mn-lt"/>
+                <a:ea typeface="+mn-ea"/>
+                <a:cs typeface="+mn-cs"/>
+              </a:defRPr>
+            </a:lvl4pPr>
+            <a:lvl5pPr marL="2057400" indent="-228600" algn="l" defTabSz="914400" rtl="0" eaLnBrk="1" latinLnBrk="0" hangingPunct="1">
+              <a:lnSpc>
+                <a:spcPct val="90000"/>
+              </a:lnSpc>
+              <a:spcBef>
+                <a:spcPts val="500"/>
+              </a:spcBef>
+              <a:buFont typeface="Arial" panose="020B0604020202020204" pitchFamily="34" charset="0"/>
+              <a:buChar char="•"/>
+              <a:defRPr sz="1800" kern="1200">
+                <a:solidFill>
+                  <a:schemeClr val="tx1"/>
+                </a:solidFill>
+                <a:latin typeface="+mn-lt"/>
+                <a:ea typeface="+mn-ea"/>
+                <a:cs typeface="+mn-cs"/>
+              </a:defRPr>
+            </a:lvl5pPr>
+            <a:lvl6pPr marL="2514600" indent="-228600" algn="l" defTabSz="914400" rtl="0" eaLnBrk="1" latinLnBrk="0" hangingPunct="1">
+              <a:lnSpc>
+                <a:spcPct val="90000"/>
+              </a:lnSpc>
+              <a:spcBef>
+                <a:spcPts val="500"/>
+              </a:spcBef>
+              <a:buFont typeface="Arial" panose="020B0604020202020204" pitchFamily="34" charset="0"/>
+              <a:buChar char="•"/>
+              <a:defRPr sz="1800" kern="1200">
+                <a:solidFill>
+                  <a:schemeClr val="tx1"/>
+                </a:solidFill>
+                <a:latin typeface="+mn-lt"/>
+                <a:ea typeface="+mn-ea"/>
+                <a:cs typeface="+mn-cs"/>
+              </a:defRPr>
+            </a:lvl6pPr>
+            <a:lvl7pPr marL="2971800" indent="-228600" algn="l" defTabSz="914400" rtl="0" eaLnBrk="1" latinLnBrk="0" hangingPunct="1">
+              <a:lnSpc>
+                <a:spcPct val="90000"/>
+              </a:lnSpc>
+              <a:spcBef>
+                <a:spcPts val="500"/>
+              </a:spcBef>
+              <a:buFont typeface="Arial" panose="020B0604020202020204" pitchFamily="34" charset="0"/>
+              <a:buChar char="•"/>
+              <a:defRPr sz="1800" kern="1200">
+                <a:solidFill>
+                  <a:schemeClr val="tx1"/>
+                </a:solidFill>
+                <a:latin typeface="+mn-lt"/>
+                <a:ea typeface="+mn-ea"/>
+                <a:cs typeface="+mn-cs"/>
+              </a:defRPr>
+            </a:lvl7pPr>
+            <a:lvl8pPr marL="3429000" indent="-228600" algn="l" defTabSz="914400" rtl="0" eaLnBrk="1" latinLnBrk="0" hangingPunct="1">
+              <a:lnSpc>
+                <a:spcPct val="90000"/>
+              </a:lnSpc>
+              <a:spcBef>
+                <a:spcPts val="500"/>
+              </a:spcBef>
+              <a:buFont typeface="Arial" panose="020B0604020202020204" pitchFamily="34" charset="0"/>
+              <a:buChar char="•"/>
+              <a:defRPr sz="1800" kern="1200">
+                <a:solidFill>
+                  <a:schemeClr val="tx1"/>
+                </a:solidFill>
+                <a:latin typeface="+mn-lt"/>
+                <a:ea typeface="+mn-ea"/>
+                <a:cs typeface="+mn-cs"/>
+              </a:defRPr>
+            </a:lvl8pPr>
+            <a:lvl9pPr marL="3886200" indent="-228600" algn="l" defTabSz="914400" rtl="0" eaLnBrk="1" latinLnBrk="0" hangingPunct="1">
+              <a:lnSpc>
+                <a:spcPct val="90000"/>
+              </a:lnSpc>
+              <a:spcBef>
+                <a:spcPts val="500"/>
+              </a:spcBef>
+              <a:buFont typeface="Arial" panose="020B0604020202020204" pitchFamily="34" charset="0"/>
+              <a:buChar char="•"/>
+              <a:defRPr sz="1800" kern="1200">
+                <a:solidFill>
+                  <a:schemeClr val="tx1"/>
+                </a:solidFill>
+                <a:latin typeface="+mn-lt"/>
+                <a:ea typeface="+mn-ea"/>
+                <a:cs typeface="+mn-cs"/>
+              </a:defRPr>
+            </a:lvl9pPr>
+          </a:lstStyle>
+          <a:p>
+            <a:r>
+              <a:rPr lang="it-IT" dirty="0" err="1">
+                <a:ln>
+                  <a:solidFill>
+                    <a:schemeClr val="accent6">
+                      <a:lumMod val="50000"/>
+                    </a:schemeClr>
+                  </a:solidFill>
+                </a:ln>
+                <a:solidFill>
+                  <a:schemeClr val="bg1"/>
+                </a:solidFill>
+              </a:rPr>
+              <a:t>Uncommon</a:t>
+            </a:r>
+            <a:r>
+              <a:rPr lang="it-IT" dirty="0">
+                <a:ln>
+                  <a:solidFill>
+                    <a:schemeClr val="accent6">
+                      <a:lumMod val="50000"/>
+                    </a:schemeClr>
+                  </a:solidFill>
+                </a:ln>
+                <a:solidFill>
+                  <a:schemeClr val="bg1"/>
+                </a:solidFill>
+              </a:rPr>
+              <a:t> (40%)</a:t>
+            </a:r>
+          </a:p>
+        </p:txBody>
+      </p:sp>
+      <p:sp>
+        <p:nvSpPr>
+          <p:cNvPr id="11" name="Segnaposto contenuto 2"/>
+          <p:cNvSpPr txBox="1">
+            <a:spLocks/>
+          </p:cNvSpPr>
+          <p:nvPr/>
+        </p:nvSpPr>
+        <p:spPr>
+          <a:xfrm>
+            <a:off x="720000" y="3090814"/>
+            <a:ext cx="10800000" cy="540000"/>
+          </a:xfrm>
+          <a:prstGeom prst="rect">
+            <a:avLst/>
+          </a:prstGeom>
+          <a:solidFill>
+            <a:schemeClr val="accent1">
+              <a:alpha val="40000"/>
+            </a:schemeClr>
+          </a:solidFill>
+        </p:spPr>
+        <p:txBody>
+          <a:bodyPr vert="horz" lIns="91440" tIns="45720" rIns="91440" bIns="45720" rtlCol="0">
+            <a:normAutofit/>
+          </a:bodyPr>
+          <a:lstStyle>
+            <a:lvl1pPr marL="228600" indent="-228600" algn="l" defTabSz="914400" rtl="0" eaLnBrk="1" latinLnBrk="0" hangingPunct="1">
+              <a:lnSpc>
+                <a:spcPct val="90000"/>
+              </a:lnSpc>
+              <a:spcBef>
+                <a:spcPts val="1000"/>
+              </a:spcBef>
+              <a:buFont typeface="Arial" panose="020B0604020202020204" pitchFamily="34" charset="0"/>
+              <a:buChar char="•"/>
+              <a:defRPr sz="2800" kern="1200">
+                <a:solidFill>
+                  <a:schemeClr val="tx1"/>
+                </a:solidFill>
+                <a:latin typeface="+mn-lt"/>
+                <a:ea typeface="+mn-ea"/>
+                <a:cs typeface="+mn-cs"/>
+              </a:defRPr>
+            </a:lvl1pPr>
+            <a:lvl2pPr marL="685800" indent="-228600" algn="l" defTabSz="914400" rtl="0" eaLnBrk="1" latinLnBrk="0" hangingPunct="1">
+              <a:lnSpc>
+                <a:spcPct val="90000"/>
+              </a:lnSpc>
+              <a:spcBef>
+                <a:spcPts val="500"/>
+              </a:spcBef>
+              <a:buFont typeface="Arial" panose="020B0604020202020204" pitchFamily="34" charset="0"/>
+              <a:buChar char="•"/>
+              <a:defRPr sz="2400" kern="1200">
+                <a:solidFill>
+                  <a:schemeClr val="tx1"/>
+                </a:solidFill>
+                <a:latin typeface="+mn-lt"/>
+                <a:ea typeface="+mn-ea"/>
+                <a:cs typeface="+mn-cs"/>
+              </a:defRPr>
+            </a:lvl2pPr>
+            <a:lvl3pPr marL="1143000" indent="-228600" algn="l" defTabSz="914400" rtl="0" eaLnBrk="1" latinLnBrk="0" hangingPunct="1">
+              <a:lnSpc>
+                <a:spcPct val="90000"/>
+              </a:lnSpc>
+              <a:spcBef>
+                <a:spcPts val="500"/>
+              </a:spcBef>
+              <a:buFont typeface="Arial" panose="020B0604020202020204" pitchFamily="34" charset="0"/>
+              <a:buChar char="•"/>
+              <a:defRPr sz="2000" kern="1200">
+                <a:solidFill>
+                  <a:schemeClr val="tx1"/>
+                </a:solidFill>
+                <a:latin typeface="+mn-lt"/>
+                <a:ea typeface="+mn-ea"/>
+                <a:cs typeface="+mn-cs"/>
+              </a:defRPr>
+            </a:lvl3pPr>
+            <a:lvl4pPr marL="1600200" indent="-228600" algn="l" defTabSz="914400" rtl="0" eaLnBrk="1" latinLnBrk="0" hangingPunct="1">
+              <a:lnSpc>
+                <a:spcPct val="90000"/>
+              </a:lnSpc>
+              <a:spcBef>
+                <a:spcPts val="500"/>
+              </a:spcBef>
+              <a:buFont typeface="Arial" panose="020B0604020202020204" pitchFamily="34" charset="0"/>
+              <a:buChar char="•"/>
+              <a:defRPr sz="1800" kern="1200">
+                <a:solidFill>
+                  <a:schemeClr val="tx1"/>
+                </a:solidFill>
+                <a:latin typeface="+mn-lt"/>
+                <a:ea typeface="+mn-ea"/>
+                <a:cs typeface="+mn-cs"/>
+              </a:defRPr>
+            </a:lvl4pPr>
+            <a:lvl5pPr marL="2057400" indent="-228600" algn="l" defTabSz="914400" rtl="0" eaLnBrk="1" latinLnBrk="0" hangingPunct="1">
+              <a:lnSpc>
+                <a:spcPct val="90000"/>
+              </a:lnSpc>
+              <a:spcBef>
+                <a:spcPts val="500"/>
+              </a:spcBef>
+              <a:buFont typeface="Arial" panose="020B0604020202020204" pitchFamily="34" charset="0"/>
+              <a:buChar char="•"/>
+              <a:defRPr sz="1800" kern="1200">
+                <a:solidFill>
+                  <a:schemeClr val="tx1"/>
+                </a:solidFill>
+                <a:latin typeface="+mn-lt"/>
+                <a:ea typeface="+mn-ea"/>
+                <a:cs typeface="+mn-cs"/>
+              </a:defRPr>
+            </a:lvl5pPr>
+            <a:lvl6pPr marL="2514600" indent="-228600" algn="l" defTabSz="914400" rtl="0" eaLnBrk="1" latinLnBrk="0" hangingPunct="1">
+              <a:lnSpc>
+                <a:spcPct val="90000"/>
+              </a:lnSpc>
+              <a:spcBef>
+                <a:spcPts val="500"/>
+              </a:spcBef>
+              <a:buFont typeface="Arial" panose="020B0604020202020204" pitchFamily="34" charset="0"/>
+              <a:buChar char="•"/>
+              <a:defRPr sz="1800" kern="1200">
+                <a:solidFill>
+                  <a:schemeClr val="tx1"/>
+                </a:solidFill>
+                <a:latin typeface="+mn-lt"/>
+                <a:ea typeface="+mn-ea"/>
+                <a:cs typeface="+mn-cs"/>
+              </a:defRPr>
+            </a:lvl6pPr>
+            <a:lvl7pPr marL="2971800" indent="-228600" algn="l" defTabSz="914400" rtl="0" eaLnBrk="1" latinLnBrk="0" hangingPunct="1">
+              <a:lnSpc>
+                <a:spcPct val="90000"/>
+              </a:lnSpc>
+              <a:spcBef>
+                <a:spcPts val="500"/>
+              </a:spcBef>
+              <a:buFont typeface="Arial" panose="020B0604020202020204" pitchFamily="34" charset="0"/>
+              <a:buChar char="•"/>
+              <a:defRPr sz="1800" kern="1200">
+                <a:solidFill>
+                  <a:schemeClr val="tx1"/>
+                </a:solidFill>
+                <a:latin typeface="+mn-lt"/>
+                <a:ea typeface="+mn-ea"/>
+                <a:cs typeface="+mn-cs"/>
+              </a:defRPr>
+            </a:lvl7pPr>
+            <a:lvl8pPr marL="3429000" indent="-228600" algn="l" defTabSz="914400" rtl="0" eaLnBrk="1" latinLnBrk="0" hangingPunct="1">
+              <a:lnSpc>
+                <a:spcPct val="90000"/>
+              </a:lnSpc>
+              <a:spcBef>
+                <a:spcPts val="500"/>
+              </a:spcBef>
+              <a:buFont typeface="Arial" panose="020B0604020202020204" pitchFamily="34" charset="0"/>
+              <a:buChar char="•"/>
+              <a:defRPr sz="1800" kern="1200">
+                <a:solidFill>
+                  <a:schemeClr val="tx1"/>
+                </a:solidFill>
+                <a:latin typeface="+mn-lt"/>
+                <a:ea typeface="+mn-ea"/>
+                <a:cs typeface="+mn-cs"/>
+              </a:defRPr>
+            </a:lvl8pPr>
+            <a:lvl9pPr marL="3886200" indent="-228600" algn="l" defTabSz="914400" rtl="0" eaLnBrk="1" latinLnBrk="0" hangingPunct="1">
+              <a:lnSpc>
+                <a:spcPct val="90000"/>
+              </a:lnSpc>
+              <a:spcBef>
+                <a:spcPts val="500"/>
+              </a:spcBef>
+              <a:buFont typeface="Arial" panose="020B0604020202020204" pitchFamily="34" charset="0"/>
+              <a:buChar char="•"/>
+              <a:defRPr sz="1800" kern="1200">
+                <a:solidFill>
+                  <a:schemeClr val="tx1"/>
+                </a:solidFill>
+                <a:latin typeface="+mn-lt"/>
+                <a:ea typeface="+mn-ea"/>
+                <a:cs typeface="+mn-cs"/>
+              </a:defRPr>
+            </a:lvl9pPr>
+          </a:lstStyle>
+          <a:p>
+            <a:r>
+              <a:rPr lang="it-IT" dirty="0">
+                <a:ln>
+                  <a:solidFill>
+                    <a:schemeClr val="accent1">
+                      <a:lumMod val="50000"/>
+                    </a:schemeClr>
+                  </a:solidFill>
+                </a:ln>
+                <a:solidFill>
+                  <a:schemeClr val="bg1"/>
+                </a:solidFill>
+              </a:rPr>
+              <a:t>Rare (5%)</a:t>
+            </a:r>
+          </a:p>
+        </p:txBody>
+      </p:sp>
+      <p:sp>
+        <p:nvSpPr>
+          <p:cNvPr id="12" name="Segnaposto contenuto 2"/>
+          <p:cNvSpPr txBox="1">
+            <a:spLocks/>
+          </p:cNvSpPr>
+          <p:nvPr/>
+        </p:nvSpPr>
+        <p:spPr>
+          <a:xfrm>
+            <a:off x="720000" y="3990814"/>
+            <a:ext cx="10800000" cy="540000"/>
+          </a:xfrm>
+          <a:prstGeom prst="rect">
+            <a:avLst/>
+          </a:prstGeom>
+          <a:solidFill>
+            <a:srgbClr val="7030A0">
+              <a:alpha val="40000"/>
+            </a:srgbClr>
+          </a:solidFill>
+        </p:spPr>
+        <p:txBody>
+          <a:bodyPr vert="horz" lIns="91440" tIns="45720" rIns="91440" bIns="45720" rtlCol="0">
+            <a:normAutofit/>
+          </a:bodyPr>
+          <a:lstStyle>
+            <a:lvl1pPr marL="228600" indent="-228600" algn="l" defTabSz="914400" rtl="0" eaLnBrk="1" latinLnBrk="0" hangingPunct="1">
+              <a:lnSpc>
+                <a:spcPct val="90000"/>
+              </a:lnSpc>
+              <a:spcBef>
+                <a:spcPts val="1000"/>
+              </a:spcBef>
+              <a:buFont typeface="Arial" panose="020B0604020202020204" pitchFamily="34" charset="0"/>
+              <a:buChar char="•"/>
+              <a:defRPr sz="2800" kern="1200">
+                <a:solidFill>
+                  <a:schemeClr val="tx1"/>
+                </a:solidFill>
+                <a:latin typeface="+mn-lt"/>
+                <a:ea typeface="+mn-ea"/>
+                <a:cs typeface="+mn-cs"/>
+              </a:defRPr>
+            </a:lvl1pPr>
+            <a:lvl2pPr marL="685800" indent="-228600" algn="l" defTabSz="914400" rtl="0" eaLnBrk="1" latinLnBrk="0" hangingPunct="1">
+              <a:lnSpc>
+                <a:spcPct val="90000"/>
+              </a:lnSpc>
+              <a:spcBef>
+                <a:spcPts val="500"/>
+              </a:spcBef>
+              <a:buFont typeface="Arial" panose="020B0604020202020204" pitchFamily="34" charset="0"/>
+              <a:buChar char="•"/>
+              <a:defRPr sz="2400" kern="1200">
+                <a:solidFill>
+                  <a:schemeClr val="tx1"/>
+                </a:solidFill>
+                <a:latin typeface="+mn-lt"/>
+                <a:ea typeface="+mn-ea"/>
+                <a:cs typeface="+mn-cs"/>
+              </a:defRPr>
+            </a:lvl2pPr>
+            <a:lvl3pPr marL="1143000" indent="-228600" algn="l" defTabSz="914400" rtl="0" eaLnBrk="1" latinLnBrk="0" hangingPunct="1">
+              <a:lnSpc>
+                <a:spcPct val="90000"/>
+              </a:lnSpc>
+              <a:spcBef>
+                <a:spcPts val="500"/>
+              </a:spcBef>
+              <a:buFont typeface="Arial" panose="020B0604020202020204" pitchFamily="34" charset="0"/>
+              <a:buChar char="•"/>
+              <a:defRPr sz="2000" kern="1200">
+                <a:solidFill>
+                  <a:schemeClr val="tx1"/>
+                </a:solidFill>
+                <a:latin typeface="+mn-lt"/>
+                <a:ea typeface="+mn-ea"/>
+                <a:cs typeface="+mn-cs"/>
+              </a:defRPr>
+            </a:lvl3pPr>
+            <a:lvl4pPr marL="1600200" indent="-228600" algn="l" defTabSz="914400" rtl="0" eaLnBrk="1" latinLnBrk="0" hangingPunct="1">
+              <a:lnSpc>
+                <a:spcPct val="90000"/>
+              </a:lnSpc>
+              <a:spcBef>
+                <a:spcPts val="500"/>
+              </a:spcBef>
+              <a:buFont typeface="Arial" panose="020B0604020202020204" pitchFamily="34" charset="0"/>
+              <a:buChar char="•"/>
+              <a:defRPr sz="1800" kern="1200">
+                <a:solidFill>
+                  <a:schemeClr val="tx1"/>
+                </a:solidFill>
+                <a:latin typeface="+mn-lt"/>
+                <a:ea typeface="+mn-ea"/>
+                <a:cs typeface="+mn-cs"/>
+              </a:defRPr>
+            </a:lvl4pPr>
+            <a:lvl5pPr marL="2057400" indent="-228600" algn="l" defTabSz="914400" rtl="0" eaLnBrk="1" latinLnBrk="0" hangingPunct="1">
+              <a:lnSpc>
+                <a:spcPct val="90000"/>
+              </a:lnSpc>
+              <a:spcBef>
+                <a:spcPts val="500"/>
+              </a:spcBef>
+              <a:buFont typeface="Arial" panose="020B0604020202020204" pitchFamily="34" charset="0"/>
+              <a:buChar char="•"/>
+              <a:defRPr sz="1800" kern="1200">
+                <a:solidFill>
+                  <a:schemeClr val="tx1"/>
+                </a:solidFill>
+                <a:latin typeface="+mn-lt"/>
+                <a:ea typeface="+mn-ea"/>
+                <a:cs typeface="+mn-cs"/>
+              </a:defRPr>
+            </a:lvl5pPr>
+            <a:lvl6pPr marL="2514600" indent="-228600" algn="l" defTabSz="914400" rtl="0" eaLnBrk="1" latinLnBrk="0" hangingPunct="1">
+              <a:lnSpc>
+                <a:spcPct val="90000"/>
+              </a:lnSpc>
+              <a:spcBef>
+                <a:spcPts val="500"/>
+              </a:spcBef>
+              <a:buFont typeface="Arial" panose="020B0604020202020204" pitchFamily="34" charset="0"/>
+              <a:buChar char="•"/>
+              <a:defRPr sz="1800" kern="1200">
+                <a:solidFill>
+                  <a:schemeClr val="tx1"/>
+                </a:solidFill>
+                <a:latin typeface="+mn-lt"/>
+                <a:ea typeface="+mn-ea"/>
+                <a:cs typeface="+mn-cs"/>
+              </a:defRPr>
+            </a:lvl6pPr>
+            <a:lvl7pPr marL="2971800" indent="-228600" algn="l" defTabSz="914400" rtl="0" eaLnBrk="1" latinLnBrk="0" hangingPunct="1">
+              <a:lnSpc>
+                <a:spcPct val="90000"/>
+              </a:lnSpc>
+              <a:spcBef>
+                <a:spcPts val="500"/>
+              </a:spcBef>
+              <a:buFont typeface="Arial" panose="020B0604020202020204" pitchFamily="34" charset="0"/>
+              <a:buChar char="•"/>
+              <a:defRPr sz="1800" kern="1200">
+                <a:solidFill>
+                  <a:schemeClr val="tx1"/>
+                </a:solidFill>
+                <a:latin typeface="+mn-lt"/>
+                <a:ea typeface="+mn-ea"/>
+                <a:cs typeface="+mn-cs"/>
+              </a:defRPr>
+            </a:lvl7pPr>
+            <a:lvl8pPr marL="3429000" indent="-228600" algn="l" defTabSz="914400" rtl="0" eaLnBrk="1" latinLnBrk="0" hangingPunct="1">
+              <a:lnSpc>
+                <a:spcPct val="90000"/>
+              </a:lnSpc>
+              <a:spcBef>
+                <a:spcPts val="500"/>
+              </a:spcBef>
+              <a:buFont typeface="Arial" panose="020B0604020202020204" pitchFamily="34" charset="0"/>
+              <a:buChar char="•"/>
+              <a:defRPr sz="1800" kern="1200">
+                <a:solidFill>
+                  <a:schemeClr val="tx1"/>
+                </a:solidFill>
+                <a:latin typeface="+mn-lt"/>
+                <a:ea typeface="+mn-ea"/>
+                <a:cs typeface="+mn-cs"/>
+              </a:defRPr>
+            </a:lvl8pPr>
+            <a:lvl9pPr marL="3886200" indent="-228600" algn="l" defTabSz="914400" rtl="0" eaLnBrk="1" latinLnBrk="0" hangingPunct="1">
+              <a:lnSpc>
+                <a:spcPct val="90000"/>
+              </a:lnSpc>
+              <a:spcBef>
+                <a:spcPts val="500"/>
+              </a:spcBef>
+              <a:buFont typeface="Arial" panose="020B0604020202020204" pitchFamily="34" charset="0"/>
+              <a:buChar char="•"/>
+              <a:defRPr sz="1800" kern="1200">
+                <a:solidFill>
+                  <a:schemeClr val="tx1"/>
+                </a:solidFill>
+                <a:latin typeface="+mn-lt"/>
+                <a:ea typeface="+mn-ea"/>
+                <a:cs typeface="+mn-cs"/>
+              </a:defRPr>
+            </a:lvl9pPr>
+          </a:lstStyle>
+          <a:p>
+            <a:r>
+              <a:rPr lang="it-IT" dirty="0" err="1">
+                <a:ln>
+                  <a:solidFill>
+                    <a:srgbClr val="7030A0"/>
+                  </a:solidFill>
+                </a:ln>
+                <a:solidFill>
+                  <a:schemeClr val="bg1"/>
+                </a:solidFill>
+              </a:rPr>
+              <a:t>Epic</a:t>
+            </a:r>
+            <a:r>
+              <a:rPr lang="it-IT" dirty="0">
+                <a:ln>
+                  <a:solidFill>
+                    <a:srgbClr val="7030A0"/>
+                  </a:solidFill>
+                </a:ln>
+                <a:solidFill>
+                  <a:schemeClr val="bg1"/>
+                </a:solidFill>
+              </a:rPr>
+              <a:t> (0,5%)</a:t>
+            </a:r>
+          </a:p>
+        </p:txBody>
+      </p:sp>
+      <p:sp>
+        <p:nvSpPr>
+          <p:cNvPr id="13" name="Segnaposto contenuto 2"/>
+          <p:cNvSpPr txBox="1">
+            <a:spLocks/>
+          </p:cNvSpPr>
+          <p:nvPr/>
+        </p:nvSpPr>
+        <p:spPr>
+          <a:xfrm>
+            <a:off x="720000" y="4890814"/>
+            <a:ext cx="10800000" cy="540000"/>
+          </a:xfrm>
+          <a:prstGeom prst="rect">
+            <a:avLst/>
+          </a:prstGeom>
+          <a:solidFill>
+            <a:schemeClr val="accent4">
+              <a:alpha val="40000"/>
+            </a:schemeClr>
+          </a:solidFill>
+        </p:spPr>
+        <p:txBody>
+          <a:bodyPr vert="horz" lIns="91440" tIns="45720" rIns="91440" bIns="45720" rtlCol="0">
+            <a:normAutofit/>
+          </a:bodyPr>
+          <a:lstStyle>
+            <a:lvl1pPr marL="228600" indent="-228600" algn="l" defTabSz="914400" rtl="0" eaLnBrk="1" latinLnBrk="0" hangingPunct="1">
+              <a:lnSpc>
+                <a:spcPct val="90000"/>
+              </a:lnSpc>
+              <a:spcBef>
+                <a:spcPts val="1000"/>
+              </a:spcBef>
+              <a:buFont typeface="Arial" panose="020B0604020202020204" pitchFamily="34" charset="0"/>
+              <a:buChar char="•"/>
+              <a:defRPr sz="2800" kern="1200">
+                <a:solidFill>
+                  <a:schemeClr val="tx1"/>
+                </a:solidFill>
+                <a:latin typeface="+mn-lt"/>
+                <a:ea typeface="+mn-ea"/>
+                <a:cs typeface="+mn-cs"/>
+              </a:defRPr>
+            </a:lvl1pPr>
+            <a:lvl2pPr marL="685800" indent="-228600" algn="l" defTabSz="914400" rtl="0" eaLnBrk="1" latinLnBrk="0" hangingPunct="1">
+              <a:lnSpc>
+                <a:spcPct val="90000"/>
+              </a:lnSpc>
+              <a:spcBef>
+                <a:spcPts val="500"/>
+              </a:spcBef>
+              <a:buFont typeface="Arial" panose="020B0604020202020204" pitchFamily="34" charset="0"/>
+              <a:buChar char="•"/>
+              <a:defRPr sz="2400" kern="1200">
+                <a:solidFill>
+                  <a:schemeClr val="tx1"/>
+                </a:solidFill>
+                <a:latin typeface="+mn-lt"/>
+                <a:ea typeface="+mn-ea"/>
+                <a:cs typeface="+mn-cs"/>
+              </a:defRPr>
+            </a:lvl2pPr>
+            <a:lvl3pPr marL="1143000" indent="-228600" algn="l" defTabSz="914400" rtl="0" eaLnBrk="1" latinLnBrk="0" hangingPunct="1">
+              <a:lnSpc>
+                <a:spcPct val="90000"/>
+              </a:lnSpc>
+              <a:spcBef>
+                <a:spcPts val="500"/>
+              </a:spcBef>
+              <a:buFont typeface="Arial" panose="020B0604020202020204" pitchFamily="34" charset="0"/>
+              <a:buChar char="•"/>
+              <a:defRPr sz="2000" kern="1200">
+                <a:solidFill>
+                  <a:schemeClr val="tx1"/>
+                </a:solidFill>
+                <a:latin typeface="+mn-lt"/>
+                <a:ea typeface="+mn-ea"/>
+                <a:cs typeface="+mn-cs"/>
+              </a:defRPr>
+            </a:lvl3pPr>
+            <a:lvl4pPr marL="1600200" indent="-228600" algn="l" defTabSz="914400" rtl="0" eaLnBrk="1" latinLnBrk="0" hangingPunct="1">
+              <a:lnSpc>
+                <a:spcPct val="90000"/>
+              </a:lnSpc>
+              <a:spcBef>
+                <a:spcPts val="500"/>
+              </a:spcBef>
+              <a:buFont typeface="Arial" panose="020B0604020202020204" pitchFamily="34" charset="0"/>
+              <a:buChar char="•"/>
+              <a:defRPr sz="1800" kern="1200">
+                <a:solidFill>
+                  <a:schemeClr val="tx1"/>
+                </a:solidFill>
+                <a:latin typeface="+mn-lt"/>
+                <a:ea typeface="+mn-ea"/>
+                <a:cs typeface="+mn-cs"/>
+              </a:defRPr>
+            </a:lvl4pPr>
+            <a:lvl5pPr marL="2057400" indent="-228600" algn="l" defTabSz="914400" rtl="0" eaLnBrk="1" latinLnBrk="0" hangingPunct="1">
+              <a:lnSpc>
+                <a:spcPct val="90000"/>
+              </a:lnSpc>
+              <a:spcBef>
+                <a:spcPts val="500"/>
+              </a:spcBef>
+              <a:buFont typeface="Arial" panose="020B0604020202020204" pitchFamily="34" charset="0"/>
+              <a:buChar char="•"/>
+              <a:defRPr sz="1800" kern="1200">
+                <a:solidFill>
+                  <a:schemeClr val="tx1"/>
+                </a:solidFill>
+                <a:latin typeface="+mn-lt"/>
+                <a:ea typeface="+mn-ea"/>
+                <a:cs typeface="+mn-cs"/>
+              </a:defRPr>
+            </a:lvl5pPr>
+            <a:lvl6pPr marL="2514600" indent="-228600" algn="l" defTabSz="914400" rtl="0" eaLnBrk="1" latinLnBrk="0" hangingPunct="1">
+              <a:lnSpc>
+                <a:spcPct val="90000"/>
+              </a:lnSpc>
+              <a:spcBef>
+                <a:spcPts val="500"/>
+              </a:spcBef>
+              <a:buFont typeface="Arial" panose="020B0604020202020204" pitchFamily="34" charset="0"/>
+              <a:buChar char="•"/>
+              <a:defRPr sz="1800" kern="1200">
+                <a:solidFill>
+                  <a:schemeClr val="tx1"/>
+                </a:solidFill>
+                <a:latin typeface="+mn-lt"/>
+                <a:ea typeface="+mn-ea"/>
+                <a:cs typeface="+mn-cs"/>
+              </a:defRPr>
+            </a:lvl6pPr>
+            <a:lvl7pPr marL="2971800" indent="-228600" algn="l" defTabSz="914400" rtl="0" eaLnBrk="1" latinLnBrk="0" hangingPunct="1">
+              <a:lnSpc>
+                <a:spcPct val="90000"/>
+              </a:lnSpc>
+              <a:spcBef>
+                <a:spcPts val="500"/>
+              </a:spcBef>
+              <a:buFont typeface="Arial" panose="020B0604020202020204" pitchFamily="34" charset="0"/>
+              <a:buChar char="•"/>
+              <a:defRPr sz="1800" kern="1200">
+                <a:solidFill>
+                  <a:schemeClr val="tx1"/>
+                </a:solidFill>
+                <a:latin typeface="+mn-lt"/>
+                <a:ea typeface="+mn-ea"/>
+                <a:cs typeface="+mn-cs"/>
+              </a:defRPr>
+            </a:lvl7pPr>
+            <a:lvl8pPr marL="3429000" indent="-228600" algn="l" defTabSz="914400" rtl="0" eaLnBrk="1" latinLnBrk="0" hangingPunct="1">
+              <a:lnSpc>
+                <a:spcPct val="90000"/>
+              </a:lnSpc>
+              <a:spcBef>
+                <a:spcPts val="500"/>
+              </a:spcBef>
+              <a:buFont typeface="Arial" panose="020B0604020202020204" pitchFamily="34" charset="0"/>
+              <a:buChar char="•"/>
+              <a:defRPr sz="1800" kern="1200">
+                <a:solidFill>
+                  <a:schemeClr val="tx1"/>
+                </a:solidFill>
+                <a:latin typeface="+mn-lt"/>
+                <a:ea typeface="+mn-ea"/>
+                <a:cs typeface="+mn-cs"/>
+              </a:defRPr>
+            </a:lvl8pPr>
+            <a:lvl9pPr marL="3886200" indent="-228600" algn="l" defTabSz="914400" rtl="0" eaLnBrk="1" latinLnBrk="0" hangingPunct="1">
+              <a:lnSpc>
+                <a:spcPct val="90000"/>
+              </a:lnSpc>
+              <a:spcBef>
+                <a:spcPts val="500"/>
+              </a:spcBef>
+              <a:buFont typeface="Arial" panose="020B0604020202020204" pitchFamily="34" charset="0"/>
+              <a:buChar char="•"/>
+              <a:defRPr sz="1800" kern="1200">
+                <a:solidFill>
+                  <a:schemeClr val="tx1"/>
+                </a:solidFill>
+                <a:latin typeface="+mn-lt"/>
+                <a:ea typeface="+mn-ea"/>
+                <a:cs typeface="+mn-cs"/>
+              </a:defRPr>
+            </a:lvl9pPr>
+          </a:lstStyle>
+          <a:p>
+            <a:r>
+              <a:rPr lang="it-IT" dirty="0" err="1">
+                <a:ln>
+                  <a:solidFill>
+                    <a:schemeClr val="accent4">
+                      <a:lumMod val="50000"/>
+                    </a:schemeClr>
+                  </a:solidFill>
+                </a:ln>
+                <a:solidFill>
+                  <a:schemeClr val="bg1"/>
+                </a:solidFill>
+              </a:rPr>
+              <a:t>Legendary</a:t>
+            </a:r>
+            <a:r>
+              <a:rPr lang="it-IT" dirty="0">
+                <a:ln>
+                  <a:solidFill>
+                    <a:schemeClr val="accent4">
+                      <a:lumMod val="50000"/>
+                    </a:schemeClr>
+                  </a:solidFill>
+                </a:ln>
+                <a:solidFill>
+                  <a:schemeClr val="bg1"/>
+                </a:solidFill>
+              </a:rPr>
+              <a:t> (0,05%)</a:t>
+            </a:r>
+          </a:p>
+        </p:txBody>
+      </p:sp>
+      <p:pic>
+        <p:nvPicPr>
+          <p:cNvPr id="1030" name="Picture 6" descr="https://static.wikia.nocookie.net/nintendo/images/d/d3/Mewtwo.png/revision/latest/scale-to-width-down/1000?cb=20141002090451&amp;path-prefix=en"/>
+          <p:cNvPicPr>
+            <a:picLocks noChangeAspect="1" noChangeArrowheads="1"/>
+          </p:cNvPicPr>
+          <p:nvPr/>
+        </p:nvPicPr>
+        <p:blipFill>
+          <a:blip r:embed="rId2" cstate="print">
+            <a:extLst>
+              <a:ext uri="{28A0092B-C50C-407E-A947-70E740481C1C}">
+                <a14:useLocalDpi xmlns:a14="http://schemas.microsoft.com/office/drawing/2010/main" val="0"/>
+              </a:ext>
+            </a:extLst>
+          </a:blip>
+          <a:srcRect/>
+          <a:stretch>
+            <a:fillRect/>
+          </a:stretch>
+        </p:blipFill>
+        <p:spPr bwMode="auto">
+          <a:xfrm>
+            <a:off x="10512000" y="4782814"/>
+            <a:ext cx="828000" cy="828000"/>
+          </a:xfrm>
+          <a:prstGeom prst="rect">
+            <a:avLst/>
+          </a:prstGeom>
+          <a:noFill/>
+          <a:extLst>
+            <a:ext uri="{909E8E84-426E-40DD-AFC4-6F175D3DCCD1}">
+              <a14:hiddenFill xmlns:a14="http://schemas.microsoft.com/office/drawing/2010/main">
+                <a:solidFill>
+                  <a:srgbClr val="FFFFFF"/>
+                </a:solidFill>
+              </a14:hiddenFill>
+            </a:ext>
+          </a:extLst>
+        </p:spPr>
+      </p:pic>
+      <p:pic>
+        <p:nvPicPr>
+          <p:cNvPr id="1032" name="Picture 8" descr="https://static.wikia.nocookie.net/nintendo/images/f/f8/Gengar.png/revision/latest?cb=20210812171706&amp;path-prefix=en"/>
+          <p:cNvPicPr>
+            <a:picLocks noChangeAspect="1" noChangeArrowheads="1"/>
+          </p:cNvPicPr>
+          <p:nvPr/>
+        </p:nvPicPr>
+        <p:blipFill>
+          <a:blip r:embed="rId3" cstate="print">
+            <a:extLst>
+              <a:ext uri="{28A0092B-C50C-407E-A947-70E740481C1C}">
+                <a14:useLocalDpi xmlns:a14="http://schemas.microsoft.com/office/drawing/2010/main" val="0"/>
+              </a:ext>
+            </a:extLst>
+          </a:blip>
+          <a:srcRect/>
+          <a:stretch>
+            <a:fillRect/>
+          </a:stretch>
+        </p:blipFill>
+        <p:spPr bwMode="auto">
+          <a:xfrm>
+            <a:off x="6480000" y="3846814"/>
+            <a:ext cx="828000" cy="828000"/>
+          </a:xfrm>
+          <a:prstGeom prst="rect">
+            <a:avLst/>
+          </a:prstGeom>
+          <a:noFill/>
+          <a:extLst>
+            <a:ext uri="{909E8E84-426E-40DD-AFC4-6F175D3DCCD1}">
+              <a14:hiddenFill xmlns:a14="http://schemas.microsoft.com/office/drawing/2010/main">
+                <a:solidFill>
+                  <a:srgbClr val="FFFFFF"/>
+                </a:solidFill>
+              </a14:hiddenFill>
+            </a:ext>
+          </a:extLst>
+        </p:spPr>
+      </p:pic>
+      <p:pic>
+        <p:nvPicPr>
+          <p:cNvPr id="1034" name="Picture 10" descr="https://static.wikia.nocookie.net/nintendo/images/9/95/Charizard.png/revision/latest/scale-to-width-down/1000?cb=20141002083306&amp;path-prefix=en"/>
+          <p:cNvPicPr>
+            <a:picLocks noChangeAspect="1" noChangeArrowheads="1"/>
+          </p:cNvPicPr>
+          <p:nvPr/>
+        </p:nvPicPr>
+        <p:blipFill>
+          <a:blip r:embed="rId4" cstate="print">
+            <a:extLst>
+              <a:ext uri="{28A0092B-C50C-407E-A947-70E740481C1C}">
+                <a14:useLocalDpi xmlns:a14="http://schemas.microsoft.com/office/drawing/2010/main" val="0"/>
+              </a:ext>
+            </a:extLst>
+          </a:blip>
+          <a:srcRect/>
+          <a:stretch>
+            <a:fillRect/>
+          </a:stretch>
+        </p:blipFill>
+        <p:spPr bwMode="auto">
+          <a:xfrm>
+            <a:off x="9450000" y="3846814"/>
+            <a:ext cx="828000" cy="828000"/>
+          </a:xfrm>
+          <a:prstGeom prst="rect">
+            <a:avLst/>
+          </a:prstGeom>
+          <a:noFill/>
+          <a:extLst>
+            <a:ext uri="{909E8E84-426E-40DD-AFC4-6F175D3DCCD1}">
+              <a14:hiddenFill xmlns:a14="http://schemas.microsoft.com/office/drawing/2010/main">
+                <a:solidFill>
+                  <a:srgbClr val="FFFFFF"/>
+                </a:solidFill>
+              </a14:hiddenFill>
+            </a:ext>
+          </a:extLst>
+        </p:spPr>
+      </p:pic>
+      <p:pic>
+        <p:nvPicPr>
+          <p:cNvPr id="1036" name="Picture 12" descr="https://static.wikia.nocookie.net/nintendo/images/7/77/Pikachu.png/revision/latest?cb=20141002082401&amp;path-prefix=en"/>
+          <p:cNvPicPr>
+            <a:picLocks noChangeAspect="1" noChangeArrowheads="1"/>
+          </p:cNvPicPr>
+          <p:nvPr/>
+        </p:nvPicPr>
+        <p:blipFill>
+          <a:blip r:embed="rId5" cstate="print">
+            <a:extLst>
+              <a:ext uri="{28A0092B-C50C-407E-A947-70E740481C1C}">
+                <a14:useLocalDpi xmlns:a14="http://schemas.microsoft.com/office/drawing/2010/main" val="0"/>
+              </a:ext>
+            </a:extLst>
+          </a:blip>
+          <a:srcRect/>
+          <a:stretch>
+            <a:fillRect/>
+          </a:stretch>
+        </p:blipFill>
+        <p:spPr bwMode="auto">
+          <a:xfrm>
+            <a:off x="6480000" y="2010814"/>
+            <a:ext cx="828000" cy="828000"/>
+          </a:xfrm>
+          <a:prstGeom prst="rect">
+            <a:avLst/>
+          </a:prstGeom>
+          <a:noFill/>
+          <a:extLst>
+            <a:ext uri="{909E8E84-426E-40DD-AFC4-6F175D3DCCD1}">
+              <a14:hiddenFill xmlns:a14="http://schemas.microsoft.com/office/drawing/2010/main">
+                <a:solidFill>
+                  <a:srgbClr val="FFFFFF"/>
+                </a:solidFill>
+              </a14:hiddenFill>
+            </a:ext>
+          </a:extLst>
+        </p:spPr>
+      </p:pic>
+      <p:pic>
+        <p:nvPicPr>
+          <p:cNvPr id="1044" name="Picture 20" descr="https://static.wikia.nocookie.net/nintendo/images/a/af/Jigglypuff.png/revision/latest?cb=20141002081555&amp;path-prefix=en"/>
+          <p:cNvPicPr>
+            <a:picLocks noChangeAspect="1" noChangeArrowheads="1"/>
+          </p:cNvPicPr>
+          <p:nvPr/>
+        </p:nvPicPr>
+        <p:blipFill>
+          <a:blip r:embed="rId6" cstate="print">
+            <a:extLst>
+              <a:ext uri="{28A0092B-C50C-407E-A947-70E740481C1C}">
+                <a14:useLocalDpi xmlns:a14="http://schemas.microsoft.com/office/drawing/2010/main" val="0"/>
+              </a:ext>
+            </a:extLst>
+          </a:blip>
+          <a:srcRect/>
+          <a:stretch>
+            <a:fillRect/>
+          </a:stretch>
+        </p:blipFill>
+        <p:spPr bwMode="auto">
+          <a:xfrm>
+            <a:off x="10512000" y="1110814"/>
+            <a:ext cx="828000" cy="828000"/>
+          </a:xfrm>
+          <a:prstGeom prst="rect">
+            <a:avLst/>
+          </a:prstGeom>
+          <a:noFill/>
+          <a:extLst>
+            <a:ext uri="{909E8E84-426E-40DD-AFC4-6F175D3DCCD1}">
+              <a14:hiddenFill xmlns:a14="http://schemas.microsoft.com/office/drawing/2010/main">
+                <a:solidFill>
+                  <a:srgbClr val="FFFFFF"/>
+                </a:solidFill>
+              </a14:hiddenFill>
+            </a:ext>
+          </a:extLst>
+        </p:spPr>
+      </p:pic>
+      <p:pic>
+        <p:nvPicPr>
+          <p:cNvPr id="1046" name="Picture 22" descr="https://static.wikia.nocookie.net/nintendo/images/9/99/Meowth.png/revision/latest?cb=20160811132041&amp;path-prefix=en"/>
+          <p:cNvPicPr>
+            <a:picLocks noChangeAspect="1" noChangeArrowheads="1"/>
+          </p:cNvPicPr>
+          <p:nvPr/>
+        </p:nvPicPr>
+        <p:blipFill>
+          <a:blip r:embed="rId7" cstate="print">
+            <a:extLst>
+              <a:ext uri="{28A0092B-C50C-407E-A947-70E740481C1C}">
+                <a14:useLocalDpi xmlns:a14="http://schemas.microsoft.com/office/drawing/2010/main" val="0"/>
+              </a:ext>
+            </a:extLst>
+          </a:blip>
+          <a:srcRect/>
+          <a:stretch>
+            <a:fillRect/>
+          </a:stretch>
+        </p:blipFill>
+        <p:spPr bwMode="auto">
+          <a:xfrm>
+            <a:off x="9536681" y="1110814"/>
+            <a:ext cx="654637" cy="828000"/>
+          </a:xfrm>
+          <a:prstGeom prst="rect">
+            <a:avLst/>
+          </a:prstGeom>
+          <a:noFill/>
+          <a:extLst>
+            <a:ext uri="{909E8E84-426E-40DD-AFC4-6F175D3DCCD1}">
+              <a14:hiddenFill xmlns:a14="http://schemas.microsoft.com/office/drawing/2010/main">
+                <a:solidFill>
+                  <a:srgbClr val="FFFFFF"/>
+                </a:solidFill>
+              </a14:hiddenFill>
+            </a:ext>
+          </a:extLst>
+        </p:spPr>
+      </p:pic>
+      <p:pic>
+        <p:nvPicPr>
+          <p:cNvPr id="1048" name="Picture 24" descr="https://static.wikia.nocookie.net/nintendo/images/f/f2/Eevee.png/revision/latest?cb=20210812185933&amp;path-prefix=en"/>
+          <p:cNvPicPr>
+            <a:picLocks noChangeAspect="1" noChangeArrowheads="1"/>
+          </p:cNvPicPr>
+          <p:nvPr/>
+        </p:nvPicPr>
+        <p:blipFill>
+          <a:blip r:embed="rId8" cstate="print">
+            <a:extLst>
+              <a:ext uri="{28A0092B-C50C-407E-A947-70E740481C1C}">
+                <a14:useLocalDpi xmlns:a14="http://schemas.microsoft.com/office/drawing/2010/main" val="0"/>
+              </a:ext>
+            </a:extLst>
+          </a:blip>
+          <a:srcRect/>
+          <a:stretch>
+            <a:fillRect/>
+          </a:stretch>
+        </p:blipFill>
+        <p:spPr bwMode="auto">
+          <a:xfrm>
+            <a:off x="7488000" y="2010814"/>
+            <a:ext cx="828000" cy="828000"/>
+          </a:xfrm>
+          <a:prstGeom prst="rect">
+            <a:avLst/>
+          </a:prstGeom>
+          <a:noFill/>
+          <a:extLst>
+            <a:ext uri="{909E8E84-426E-40DD-AFC4-6F175D3DCCD1}">
+              <a14:hiddenFill xmlns:a14="http://schemas.microsoft.com/office/drawing/2010/main">
+                <a:solidFill>
+                  <a:srgbClr val="FFFFFF"/>
+                </a:solidFill>
+              </a14:hiddenFill>
+            </a:ext>
+          </a:extLst>
+        </p:spPr>
+      </p:pic>
+      <p:pic>
+        <p:nvPicPr>
+          <p:cNvPr id="1050" name="Picture 26" descr="https://static.wikia.nocookie.net/nintendo/images/b/bf/Mew.png/revision/latest/scale-to-width-down/1000?cb=20180612225527&amp;path-prefix=en"/>
+          <p:cNvPicPr>
+            <a:picLocks noChangeAspect="1" noChangeArrowheads="1"/>
+          </p:cNvPicPr>
+          <p:nvPr/>
+        </p:nvPicPr>
+        <p:blipFill>
+          <a:blip r:embed="rId9" cstate="print">
+            <a:extLst>
+              <a:ext uri="{28A0092B-C50C-407E-A947-70E740481C1C}">
+                <a14:useLocalDpi xmlns:a14="http://schemas.microsoft.com/office/drawing/2010/main" val="0"/>
+              </a:ext>
+            </a:extLst>
+          </a:blip>
+          <a:srcRect/>
+          <a:stretch>
+            <a:fillRect/>
+          </a:stretch>
+        </p:blipFill>
+        <p:spPr bwMode="auto">
+          <a:xfrm>
+            <a:off x="9450000" y="4782814"/>
+            <a:ext cx="850976" cy="828000"/>
+          </a:xfrm>
+          <a:prstGeom prst="rect">
+            <a:avLst/>
+          </a:prstGeom>
+          <a:noFill/>
+          <a:extLst>
+            <a:ext uri="{909E8E84-426E-40DD-AFC4-6F175D3DCCD1}">
+              <a14:hiddenFill xmlns:a14="http://schemas.microsoft.com/office/drawing/2010/main">
+                <a:solidFill>
+                  <a:srgbClr val="FFFFFF"/>
+                </a:solidFill>
+              </a14:hiddenFill>
+            </a:ext>
+          </a:extLst>
+        </p:spPr>
+      </p:pic>
+      <p:pic>
+        <p:nvPicPr>
+          <p:cNvPr id="1052" name="Picture 28" descr="https://static.wikia.nocookie.net/nintendo/images/b/be/Venusaur.png/revision/latest/scale-to-width-down/1000?cb=20141002083423&amp;path-prefix=en"/>
+          <p:cNvPicPr>
+            <a:picLocks noChangeAspect="1" noChangeArrowheads="1"/>
+          </p:cNvPicPr>
+          <p:nvPr/>
+        </p:nvPicPr>
+        <p:blipFill>
+          <a:blip r:embed="rId10" cstate="print">
+            <a:extLst>
+              <a:ext uri="{28A0092B-C50C-407E-A947-70E740481C1C}">
+                <a14:useLocalDpi xmlns:a14="http://schemas.microsoft.com/office/drawing/2010/main" val="0"/>
+              </a:ext>
+            </a:extLst>
+          </a:blip>
+          <a:srcRect/>
+          <a:stretch>
+            <a:fillRect/>
+          </a:stretch>
+        </p:blipFill>
+        <p:spPr bwMode="auto">
+          <a:xfrm>
+            <a:off x="8460000" y="3846814"/>
+            <a:ext cx="828000" cy="828000"/>
+          </a:xfrm>
+          <a:prstGeom prst="rect">
+            <a:avLst/>
+          </a:prstGeom>
+          <a:noFill/>
+          <a:extLst>
+            <a:ext uri="{909E8E84-426E-40DD-AFC4-6F175D3DCCD1}">
+              <a14:hiddenFill xmlns:a14="http://schemas.microsoft.com/office/drawing/2010/main">
+                <a:solidFill>
+                  <a:srgbClr val="FFFFFF"/>
+                </a:solidFill>
+              </a14:hiddenFill>
+            </a:ext>
+          </a:extLst>
+        </p:spPr>
+      </p:pic>
+      <p:pic>
+        <p:nvPicPr>
+          <p:cNvPr id="1054" name="Picture 30" descr="https://static.wikia.nocookie.net/nintendo/images/4/41/Blastoise.png/revision/latest/scale-to-width-down/1000?cb=20141002083147&amp;path-prefix=en"/>
+          <p:cNvPicPr>
+            <a:picLocks noChangeAspect="1" noChangeArrowheads="1"/>
+          </p:cNvPicPr>
+          <p:nvPr/>
+        </p:nvPicPr>
+        <p:blipFill>
+          <a:blip r:embed="rId11" cstate="print">
+            <a:extLst>
+              <a:ext uri="{28A0092B-C50C-407E-A947-70E740481C1C}">
+                <a14:useLocalDpi xmlns:a14="http://schemas.microsoft.com/office/drawing/2010/main" val="0"/>
+              </a:ext>
+            </a:extLst>
+          </a:blip>
+          <a:srcRect/>
+          <a:stretch>
+            <a:fillRect/>
+          </a:stretch>
+        </p:blipFill>
+        <p:spPr bwMode="auto">
+          <a:xfrm>
+            <a:off x="10512000" y="3846814"/>
+            <a:ext cx="828000" cy="828000"/>
+          </a:xfrm>
+          <a:prstGeom prst="rect">
+            <a:avLst/>
+          </a:prstGeom>
+          <a:noFill/>
+          <a:extLst>
+            <a:ext uri="{909E8E84-426E-40DD-AFC4-6F175D3DCCD1}">
+              <a14:hiddenFill xmlns:a14="http://schemas.microsoft.com/office/drawing/2010/main">
+                <a:solidFill>
+                  <a:srgbClr val="FFFFFF"/>
+                </a:solidFill>
+              </a14:hiddenFill>
+            </a:ext>
+          </a:extLst>
+        </p:spPr>
+      </p:pic>
+      <p:pic>
+        <p:nvPicPr>
+          <p:cNvPr id="1056" name="Picture 32" descr="https://static.wikia.nocookie.net/nintendo/images/d/d7/Gyarados.png/revision/latest?cb=20210812185601&amp;path-prefix=en"/>
+          <p:cNvPicPr>
+            <a:picLocks noChangeAspect="1" noChangeArrowheads="1"/>
+          </p:cNvPicPr>
+          <p:nvPr/>
+        </p:nvPicPr>
+        <p:blipFill>
+          <a:blip r:embed="rId12" cstate="print">
+            <a:extLst>
+              <a:ext uri="{28A0092B-C50C-407E-A947-70E740481C1C}">
+                <a14:useLocalDpi xmlns:a14="http://schemas.microsoft.com/office/drawing/2010/main" val="0"/>
+              </a:ext>
+            </a:extLst>
+          </a:blip>
+          <a:srcRect/>
+          <a:stretch>
+            <a:fillRect/>
+          </a:stretch>
+        </p:blipFill>
+        <p:spPr bwMode="auto">
+          <a:xfrm>
+            <a:off x="13669282" y="3367699"/>
+            <a:ext cx="443115" cy="443115"/>
+          </a:xfrm>
+          <a:prstGeom prst="rect">
+            <a:avLst/>
+          </a:prstGeom>
+          <a:noFill/>
+          <a:extLst>
+            <a:ext uri="{909E8E84-426E-40DD-AFC4-6F175D3DCCD1}">
+              <a14:hiddenFill xmlns:a14="http://schemas.microsoft.com/office/drawing/2010/main">
+                <a:solidFill>
+                  <a:srgbClr val="FFFFFF"/>
+                </a:solidFill>
+              </a14:hiddenFill>
+            </a:ext>
+          </a:extLst>
+        </p:spPr>
+      </p:pic>
+      <p:pic>
+        <p:nvPicPr>
+          <p:cNvPr id="1058" name="Picture 34" descr="https://static.wikia.nocookie.net/nintendo/images/3/30/Lapras.png/revision/latest/scale-to-width-down/1000?cb=20191013025849&amp;path-prefix=en"/>
+          <p:cNvPicPr>
+            <a:picLocks noChangeAspect="1" noChangeArrowheads="1"/>
+          </p:cNvPicPr>
+          <p:nvPr/>
+        </p:nvPicPr>
+        <p:blipFill>
+          <a:blip r:embed="rId13" cstate="print">
+            <a:extLst>
+              <a:ext uri="{28A0092B-C50C-407E-A947-70E740481C1C}">
+                <a14:useLocalDpi xmlns:a14="http://schemas.microsoft.com/office/drawing/2010/main" val="0"/>
+              </a:ext>
+            </a:extLst>
+          </a:blip>
+          <a:srcRect/>
+          <a:stretch>
+            <a:fillRect/>
+          </a:stretch>
+        </p:blipFill>
+        <p:spPr bwMode="auto">
+          <a:xfrm>
+            <a:off x="7488000" y="3846814"/>
+            <a:ext cx="828000" cy="828000"/>
+          </a:xfrm>
+          <a:prstGeom prst="rect">
+            <a:avLst/>
+          </a:prstGeom>
+          <a:noFill/>
+          <a:extLst>
+            <a:ext uri="{909E8E84-426E-40DD-AFC4-6F175D3DCCD1}">
+              <a14:hiddenFill xmlns:a14="http://schemas.microsoft.com/office/drawing/2010/main">
+                <a:solidFill>
+                  <a:srgbClr val="FFFFFF"/>
+                </a:solidFill>
+              </a14:hiddenFill>
+            </a:ext>
+          </a:extLst>
+        </p:spPr>
+      </p:pic>
+      <p:pic>
+        <p:nvPicPr>
+          <p:cNvPr id="1062" name="Picture 38" descr="https://static.wikia.nocookie.net/nintendo/images/0/01/Moltres.png/revision/latest/scale-to-width-down/1000?cb=20191013000237&amp;path-prefix=en"/>
+          <p:cNvPicPr>
+            <a:picLocks noChangeAspect="1" noChangeArrowheads="1"/>
+          </p:cNvPicPr>
+          <p:nvPr/>
+        </p:nvPicPr>
+        <p:blipFill>
+          <a:blip r:embed="rId14" cstate="print">
+            <a:extLst>
+              <a:ext uri="{28A0092B-C50C-407E-A947-70E740481C1C}">
+                <a14:useLocalDpi xmlns:a14="http://schemas.microsoft.com/office/drawing/2010/main" val="0"/>
+              </a:ext>
+            </a:extLst>
+          </a:blip>
+          <a:srcRect/>
+          <a:stretch>
+            <a:fillRect/>
+          </a:stretch>
+        </p:blipFill>
+        <p:spPr bwMode="auto">
+          <a:xfrm>
+            <a:off x="8460000" y="4782814"/>
+            <a:ext cx="828000" cy="828000"/>
+          </a:xfrm>
+          <a:prstGeom prst="rect">
+            <a:avLst/>
+          </a:prstGeom>
+          <a:noFill/>
+          <a:extLst>
+            <a:ext uri="{909E8E84-426E-40DD-AFC4-6F175D3DCCD1}">
+              <a14:hiddenFill xmlns:a14="http://schemas.microsoft.com/office/drawing/2010/main">
+                <a:solidFill>
+                  <a:srgbClr val="FFFFFF"/>
+                </a:solidFill>
+              </a14:hiddenFill>
+            </a:ext>
+          </a:extLst>
+        </p:spPr>
+      </p:pic>
+      <p:pic>
+        <p:nvPicPr>
+          <p:cNvPr id="1066" name="Picture 42" descr="https://static.wikia.nocookie.net/nintendo/images/d/d8/Zapdos.png/revision/latest?cb=20141002090124&amp;path-prefix=en"/>
+          <p:cNvPicPr>
+            <a:picLocks noChangeAspect="1" noChangeArrowheads="1"/>
+          </p:cNvPicPr>
+          <p:nvPr/>
+        </p:nvPicPr>
+        <p:blipFill>
+          <a:blip r:embed="rId15" cstate="print">
+            <a:extLst>
+              <a:ext uri="{28A0092B-C50C-407E-A947-70E740481C1C}">
+                <a14:useLocalDpi xmlns:a14="http://schemas.microsoft.com/office/drawing/2010/main" val="0"/>
+              </a:ext>
+            </a:extLst>
+          </a:blip>
+          <a:srcRect/>
+          <a:stretch>
+            <a:fillRect/>
+          </a:stretch>
+        </p:blipFill>
+        <p:spPr bwMode="auto">
+          <a:xfrm>
+            <a:off x="7488000" y="4782814"/>
+            <a:ext cx="828000" cy="828000"/>
+          </a:xfrm>
+          <a:prstGeom prst="rect">
+            <a:avLst/>
+          </a:prstGeom>
+          <a:noFill/>
+          <a:extLst>
+            <a:ext uri="{909E8E84-426E-40DD-AFC4-6F175D3DCCD1}">
+              <a14:hiddenFill xmlns:a14="http://schemas.microsoft.com/office/drawing/2010/main">
+                <a:solidFill>
+                  <a:srgbClr val="FFFFFF"/>
+                </a:solidFill>
+              </a14:hiddenFill>
+            </a:ext>
+          </a:extLst>
+        </p:spPr>
+      </p:pic>
+      <p:pic>
+        <p:nvPicPr>
+          <p:cNvPr id="1068" name="Picture 44" descr="https://static.wikia.nocookie.net/nintendo/images/5/52/Articuno.png/revision/latest?cb=20141002090055&amp;path-prefix=en"/>
+          <p:cNvPicPr>
+            <a:picLocks noChangeAspect="1" noChangeArrowheads="1"/>
+          </p:cNvPicPr>
+          <p:nvPr/>
+        </p:nvPicPr>
+        <p:blipFill>
+          <a:blip r:embed="rId16" cstate="print">
+            <a:extLst>
+              <a:ext uri="{28A0092B-C50C-407E-A947-70E740481C1C}">
+                <a14:useLocalDpi xmlns:a14="http://schemas.microsoft.com/office/drawing/2010/main" val="0"/>
+              </a:ext>
+            </a:extLst>
+          </a:blip>
+          <a:srcRect/>
+          <a:stretch>
+            <a:fillRect/>
+          </a:stretch>
+        </p:blipFill>
+        <p:spPr bwMode="auto">
+          <a:xfrm>
+            <a:off x="6480000" y="4782814"/>
+            <a:ext cx="828000" cy="828000"/>
+          </a:xfrm>
+          <a:prstGeom prst="rect">
+            <a:avLst/>
+          </a:prstGeom>
+          <a:noFill/>
+          <a:extLst>
+            <a:ext uri="{909E8E84-426E-40DD-AFC4-6F175D3DCCD1}">
+              <a14:hiddenFill xmlns:a14="http://schemas.microsoft.com/office/drawing/2010/main">
+                <a:solidFill>
+                  <a:srgbClr val="FFFFFF"/>
+                </a:solidFill>
+              </a14:hiddenFill>
+            </a:ext>
+          </a:extLst>
+        </p:spPr>
+      </p:pic>
+      <p:pic>
+        <p:nvPicPr>
+          <p:cNvPr id="1070" name="Picture 46" descr="https://static.wikia.nocookie.net/nintendo/images/6/67/Zubat.png/revision/latest?cb=20210812165813&amp;path-prefix=en"/>
+          <p:cNvPicPr>
+            <a:picLocks noChangeAspect="1" noChangeArrowheads="1"/>
+          </p:cNvPicPr>
+          <p:nvPr/>
+        </p:nvPicPr>
+        <p:blipFill>
+          <a:blip r:embed="rId17" cstate="print">
+            <a:extLst>
+              <a:ext uri="{28A0092B-C50C-407E-A947-70E740481C1C}">
+                <a14:useLocalDpi xmlns:a14="http://schemas.microsoft.com/office/drawing/2010/main" val="0"/>
+              </a:ext>
+            </a:extLst>
+          </a:blip>
+          <a:srcRect/>
+          <a:stretch>
+            <a:fillRect/>
+          </a:stretch>
+        </p:blipFill>
+        <p:spPr bwMode="auto">
+          <a:xfrm>
+            <a:off x="8460000" y="1110814"/>
+            <a:ext cx="828000" cy="828000"/>
+          </a:xfrm>
+          <a:prstGeom prst="rect">
+            <a:avLst/>
+          </a:prstGeom>
+          <a:noFill/>
+          <a:extLst>
+            <a:ext uri="{909E8E84-426E-40DD-AFC4-6F175D3DCCD1}">
+              <a14:hiddenFill xmlns:a14="http://schemas.microsoft.com/office/drawing/2010/main">
+                <a:solidFill>
+                  <a:srgbClr val="FFFFFF"/>
+                </a:solidFill>
+              </a14:hiddenFill>
+            </a:ext>
+          </a:extLst>
+        </p:spPr>
+      </p:pic>
+      <p:pic>
+        <p:nvPicPr>
+          <p:cNvPr id="1072" name="Picture 48" descr="https://static.wikia.nocookie.net/nintendo/images/b/b7/Pidgey.png/revision/latest/scale-to-width-down/1000?cb=20141002082835&amp;path-prefix=en"/>
+          <p:cNvPicPr>
+            <a:picLocks noChangeAspect="1" noChangeArrowheads="1"/>
+          </p:cNvPicPr>
+          <p:nvPr/>
+        </p:nvPicPr>
+        <p:blipFill>
+          <a:blip r:embed="rId18" cstate="print">
+            <a:extLst>
+              <a:ext uri="{28A0092B-C50C-407E-A947-70E740481C1C}">
+                <a14:useLocalDpi xmlns:a14="http://schemas.microsoft.com/office/drawing/2010/main" val="0"/>
+              </a:ext>
+            </a:extLst>
+          </a:blip>
+          <a:srcRect/>
+          <a:stretch>
+            <a:fillRect/>
+          </a:stretch>
+        </p:blipFill>
+        <p:spPr bwMode="auto">
+          <a:xfrm>
+            <a:off x="6480000" y="1110814"/>
+            <a:ext cx="828000" cy="828000"/>
+          </a:xfrm>
+          <a:prstGeom prst="rect">
+            <a:avLst/>
+          </a:prstGeom>
+          <a:noFill/>
+          <a:extLst>
+            <a:ext uri="{909E8E84-426E-40DD-AFC4-6F175D3DCCD1}">
+              <a14:hiddenFill xmlns:a14="http://schemas.microsoft.com/office/drawing/2010/main">
+                <a:solidFill>
+                  <a:srgbClr val="FFFFFF"/>
+                </a:solidFill>
+              </a14:hiddenFill>
+            </a:ext>
+          </a:extLst>
+        </p:spPr>
+      </p:pic>
+      <p:pic>
+        <p:nvPicPr>
+          <p:cNvPr id="1074" name="Picture 50" descr="https://static.wikia.nocookie.net/nintendo/images/c/c4/Rattata.png/revision/latest?cb=20191012231600&amp;path-prefix=en"/>
+          <p:cNvPicPr>
+            <a:picLocks noChangeAspect="1" noChangeArrowheads="1"/>
+          </p:cNvPicPr>
+          <p:nvPr/>
+        </p:nvPicPr>
+        <p:blipFill>
+          <a:blip r:embed="rId19" cstate="print">
+            <a:extLst>
+              <a:ext uri="{28A0092B-C50C-407E-A947-70E740481C1C}">
+                <a14:useLocalDpi xmlns:a14="http://schemas.microsoft.com/office/drawing/2010/main" val="0"/>
+              </a:ext>
+            </a:extLst>
+          </a:blip>
+          <a:srcRect/>
+          <a:stretch>
+            <a:fillRect/>
+          </a:stretch>
+        </p:blipFill>
+        <p:spPr bwMode="auto">
+          <a:xfrm>
+            <a:off x="5508000" y="1110814"/>
+            <a:ext cx="828000" cy="828000"/>
+          </a:xfrm>
+          <a:prstGeom prst="rect">
+            <a:avLst/>
+          </a:prstGeom>
+          <a:noFill/>
+          <a:extLst>
+            <a:ext uri="{909E8E84-426E-40DD-AFC4-6F175D3DCCD1}">
+              <a14:hiddenFill xmlns:a14="http://schemas.microsoft.com/office/drawing/2010/main">
+                <a:solidFill>
+                  <a:srgbClr val="FFFFFF"/>
+                </a:solidFill>
+              </a14:hiddenFill>
+            </a:ext>
+          </a:extLst>
+        </p:spPr>
+      </p:pic>
+      <p:pic>
+        <p:nvPicPr>
+          <p:cNvPr id="1076" name="Picture 52" descr="https://static.wikia.nocookie.net/nintendo/images/0/01/Magikarp.png/revision/latest?cb=20210812185539&amp;path-prefix=en"/>
+          <p:cNvPicPr>
+            <a:picLocks noChangeAspect="1" noChangeArrowheads="1"/>
+          </p:cNvPicPr>
+          <p:nvPr/>
+        </p:nvPicPr>
+        <p:blipFill>
+          <a:blip r:embed="rId20" cstate="print">
+            <a:extLst>
+              <a:ext uri="{28A0092B-C50C-407E-A947-70E740481C1C}">
+                <a14:useLocalDpi xmlns:a14="http://schemas.microsoft.com/office/drawing/2010/main" val="0"/>
+              </a:ext>
+            </a:extLst>
+          </a:blip>
+          <a:srcRect/>
+          <a:stretch>
+            <a:fillRect/>
+          </a:stretch>
+        </p:blipFill>
+        <p:spPr bwMode="auto">
+          <a:xfrm>
+            <a:off x="7488000" y="1110814"/>
+            <a:ext cx="828000" cy="828000"/>
+          </a:xfrm>
+          <a:prstGeom prst="rect">
+            <a:avLst/>
+          </a:prstGeom>
+          <a:noFill/>
+          <a:extLst>
+            <a:ext uri="{909E8E84-426E-40DD-AFC4-6F175D3DCCD1}">
+              <a14:hiddenFill xmlns:a14="http://schemas.microsoft.com/office/drawing/2010/main">
+                <a:solidFill>
+                  <a:srgbClr val="FFFFFF"/>
+                </a:solidFill>
+              </a14:hiddenFill>
+            </a:ext>
+          </a:extLst>
+        </p:spPr>
+      </p:pic>
+      <p:pic>
+        <p:nvPicPr>
+          <p:cNvPr id="1078" name="Picture 54" descr="https://static.wikia.nocookie.net/nintendo/images/9/99/Dratini.png/revision/latest?cb=20210812191413&amp;path-prefix=en"/>
+          <p:cNvPicPr>
+            <a:picLocks noChangeAspect="1" noChangeArrowheads="1"/>
+          </p:cNvPicPr>
+          <p:nvPr/>
+        </p:nvPicPr>
+        <p:blipFill>
+          <a:blip r:embed="rId21" cstate="print">
+            <a:extLst>
+              <a:ext uri="{28A0092B-C50C-407E-A947-70E740481C1C}">
+                <a14:useLocalDpi xmlns:a14="http://schemas.microsoft.com/office/drawing/2010/main" val="0"/>
+              </a:ext>
+            </a:extLst>
+          </a:blip>
+          <a:srcRect/>
+          <a:stretch>
+            <a:fillRect/>
+          </a:stretch>
+        </p:blipFill>
+        <p:spPr bwMode="auto">
+          <a:xfrm>
+            <a:off x="10475866" y="2910814"/>
+            <a:ext cx="828000" cy="828000"/>
+          </a:xfrm>
+          <a:prstGeom prst="rect">
+            <a:avLst/>
+          </a:prstGeom>
+          <a:noFill/>
+          <a:extLst>
+            <a:ext uri="{909E8E84-426E-40DD-AFC4-6F175D3DCCD1}">
+              <a14:hiddenFill xmlns:a14="http://schemas.microsoft.com/office/drawing/2010/main">
+                <a:solidFill>
+                  <a:srgbClr val="FFFFFF"/>
+                </a:solidFill>
+              </a14:hiddenFill>
+            </a:ext>
+          </a:extLst>
+        </p:spPr>
+      </p:pic>
+      <p:pic>
+        <p:nvPicPr>
+          <p:cNvPr id="1080" name="Picture 56" descr="https://static.wikia.nocookie.net/nintendo/images/b/b2/Onix.png/revision/latest?cb=20210812171841&amp;path-prefix=en"/>
+          <p:cNvPicPr>
+            <a:picLocks noChangeAspect="1" noChangeArrowheads="1"/>
+          </p:cNvPicPr>
+          <p:nvPr/>
+        </p:nvPicPr>
+        <p:blipFill>
+          <a:blip r:embed="rId22" cstate="print">
+            <a:extLst>
+              <a:ext uri="{28A0092B-C50C-407E-A947-70E740481C1C}">
+                <a14:useLocalDpi xmlns:a14="http://schemas.microsoft.com/office/drawing/2010/main" val="0"/>
+              </a:ext>
+            </a:extLst>
+          </a:blip>
+          <a:srcRect/>
+          <a:stretch>
+            <a:fillRect/>
+          </a:stretch>
+        </p:blipFill>
+        <p:spPr bwMode="auto">
+          <a:xfrm>
+            <a:off x="10512000" y="2010814"/>
+            <a:ext cx="828000" cy="828000"/>
+          </a:xfrm>
+          <a:prstGeom prst="rect">
+            <a:avLst/>
+          </a:prstGeom>
+          <a:noFill/>
+          <a:extLst>
+            <a:ext uri="{909E8E84-426E-40DD-AFC4-6F175D3DCCD1}">
+              <a14:hiddenFill xmlns:a14="http://schemas.microsoft.com/office/drawing/2010/main">
+                <a:solidFill>
+                  <a:srgbClr val="FFFFFF"/>
+                </a:solidFill>
+              </a14:hiddenFill>
+            </a:ext>
+          </a:extLst>
+        </p:spPr>
+      </p:pic>
+      <p:pic>
+        <p:nvPicPr>
+          <p:cNvPr id="1082" name="Picture 58" descr="https://static.wikia.nocookie.net/nintendo/images/b/bb/Growlithe.png/revision/latest?cb=20141002080601&amp;path-prefix=en"/>
+          <p:cNvPicPr>
+            <a:picLocks noChangeAspect="1" noChangeArrowheads="1"/>
+          </p:cNvPicPr>
+          <p:nvPr/>
+        </p:nvPicPr>
+        <p:blipFill>
+          <a:blip r:embed="rId23" cstate="print">
+            <a:extLst>
+              <a:ext uri="{28A0092B-C50C-407E-A947-70E740481C1C}">
+                <a14:useLocalDpi xmlns:a14="http://schemas.microsoft.com/office/drawing/2010/main" val="0"/>
+              </a:ext>
+            </a:extLst>
+          </a:blip>
+          <a:srcRect/>
+          <a:stretch>
+            <a:fillRect/>
+          </a:stretch>
+        </p:blipFill>
+        <p:spPr bwMode="auto">
+          <a:xfrm>
+            <a:off x="9450000" y="2010814"/>
+            <a:ext cx="828000" cy="828000"/>
+          </a:xfrm>
+          <a:prstGeom prst="rect">
+            <a:avLst/>
+          </a:prstGeom>
+          <a:noFill/>
+          <a:extLst>
+            <a:ext uri="{909E8E84-426E-40DD-AFC4-6F175D3DCCD1}">
+              <a14:hiddenFill xmlns:a14="http://schemas.microsoft.com/office/drawing/2010/main">
+                <a:solidFill>
+                  <a:srgbClr val="FFFFFF"/>
+                </a:solidFill>
+              </a14:hiddenFill>
+            </a:ext>
+          </a:extLst>
+        </p:spPr>
+      </p:pic>
+      <p:pic>
+        <p:nvPicPr>
+          <p:cNvPr id="1084" name="Picture 60" descr="https://static.wikia.nocookie.net/nintendo/images/6/62/Parasect.png/revision/latest?cb=20141002081144&amp;path-prefix=en"/>
+          <p:cNvPicPr>
+            <a:picLocks noChangeAspect="1" noChangeArrowheads="1"/>
+          </p:cNvPicPr>
+          <p:nvPr/>
+        </p:nvPicPr>
+        <p:blipFill>
+          <a:blip r:embed="rId24" cstate="print">
+            <a:extLst>
+              <a:ext uri="{28A0092B-C50C-407E-A947-70E740481C1C}">
+                <a14:useLocalDpi xmlns:a14="http://schemas.microsoft.com/office/drawing/2010/main" val="0"/>
+              </a:ext>
+            </a:extLst>
+          </a:blip>
+          <a:srcRect/>
+          <a:stretch>
+            <a:fillRect/>
+          </a:stretch>
+        </p:blipFill>
+        <p:spPr bwMode="auto">
+          <a:xfrm>
+            <a:off x="8460000" y="2010814"/>
+            <a:ext cx="828000" cy="828000"/>
+          </a:xfrm>
+          <a:prstGeom prst="rect">
+            <a:avLst/>
+          </a:prstGeom>
+          <a:noFill/>
+          <a:extLst>
+            <a:ext uri="{909E8E84-426E-40DD-AFC4-6F175D3DCCD1}">
+              <a14:hiddenFill xmlns:a14="http://schemas.microsoft.com/office/drawing/2010/main">
+                <a:solidFill>
+                  <a:srgbClr val="FFFFFF"/>
+                </a:solidFill>
+              </a14:hiddenFill>
+            </a:ext>
+          </a:extLst>
+        </p:spPr>
+      </p:pic>
+      <p:pic>
+        <p:nvPicPr>
+          <p:cNvPr id="1086" name="Picture 62" descr="https://static.wikia.nocookie.net/nintendo/images/f/fc/Vaporeon.png/revision/latest/scale-to-width-down/1000?cb=20141002085541&amp;path-prefix=en"/>
+          <p:cNvPicPr>
+            <a:picLocks noChangeAspect="1" noChangeArrowheads="1"/>
+          </p:cNvPicPr>
+          <p:nvPr/>
+        </p:nvPicPr>
+        <p:blipFill>
+          <a:blip r:embed="rId25" cstate="print">
+            <a:extLst>
+              <a:ext uri="{28A0092B-C50C-407E-A947-70E740481C1C}">
+                <a14:useLocalDpi xmlns:a14="http://schemas.microsoft.com/office/drawing/2010/main" val="0"/>
+              </a:ext>
+            </a:extLst>
+          </a:blip>
+          <a:srcRect/>
+          <a:stretch>
+            <a:fillRect/>
+          </a:stretch>
+        </p:blipFill>
+        <p:spPr bwMode="auto">
+          <a:xfrm>
+            <a:off x="5508000" y="3846814"/>
+            <a:ext cx="828000" cy="828000"/>
+          </a:xfrm>
+          <a:prstGeom prst="rect">
+            <a:avLst/>
+          </a:prstGeom>
+          <a:noFill/>
+          <a:extLst>
+            <a:ext uri="{909E8E84-426E-40DD-AFC4-6F175D3DCCD1}">
+              <a14:hiddenFill xmlns:a14="http://schemas.microsoft.com/office/drawing/2010/main">
+                <a:solidFill>
+                  <a:srgbClr val="FFFFFF"/>
+                </a:solidFill>
+              </a14:hiddenFill>
+            </a:ext>
+          </a:extLst>
+        </p:spPr>
+      </p:pic>
+      <p:pic>
+        <p:nvPicPr>
+          <p:cNvPr id="1088" name="Picture 64" descr="https://static.wikia.nocookie.net/nintendo/images/c/c2/Scyther.png/revision/latest?cb=20191013025833&amp;path-prefix=en"/>
+          <p:cNvPicPr>
+            <a:picLocks noChangeAspect="1" noChangeArrowheads="1"/>
+          </p:cNvPicPr>
+          <p:nvPr/>
+        </p:nvPicPr>
+        <p:blipFill>
+          <a:blip r:embed="rId26" cstate="print">
+            <a:extLst>
+              <a:ext uri="{28A0092B-C50C-407E-A947-70E740481C1C}">
+                <a14:useLocalDpi xmlns:a14="http://schemas.microsoft.com/office/drawing/2010/main" val="0"/>
+              </a:ext>
+            </a:extLst>
+          </a:blip>
+          <a:srcRect/>
+          <a:stretch>
+            <a:fillRect/>
+          </a:stretch>
+        </p:blipFill>
+        <p:spPr bwMode="auto">
+          <a:xfrm>
+            <a:off x="8460000" y="2910814"/>
+            <a:ext cx="828000" cy="828000"/>
+          </a:xfrm>
+          <a:prstGeom prst="rect">
+            <a:avLst/>
+          </a:prstGeom>
+          <a:noFill/>
+          <a:extLst>
+            <a:ext uri="{909E8E84-426E-40DD-AFC4-6F175D3DCCD1}">
+              <a14:hiddenFill xmlns:a14="http://schemas.microsoft.com/office/drawing/2010/main">
+                <a:solidFill>
+                  <a:srgbClr val="FFFFFF"/>
+                </a:solidFill>
+              </a14:hiddenFill>
+            </a:ext>
+          </a:extLst>
+        </p:spPr>
+      </p:pic>
+      <p:pic>
+        <p:nvPicPr>
+          <p:cNvPr id="1090" name="Picture 66" descr="https://static.wikia.nocookie.net/nintendo/images/9/98/Ninetales.png/revision/latest?cb=20141002081754&amp;path-prefix=en"/>
+          <p:cNvPicPr>
+            <a:picLocks noChangeAspect="1" noChangeArrowheads="1"/>
+          </p:cNvPicPr>
+          <p:nvPr/>
+        </p:nvPicPr>
+        <p:blipFill>
+          <a:blip r:embed="rId27" cstate="print">
+            <a:extLst>
+              <a:ext uri="{28A0092B-C50C-407E-A947-70E740481C1C}">
+                <a14:useLocalDpi xmlns:a14="http://schemas.microsoft.com/office/drawing/2010/main" val="0"/>
+              </a:ext>
+            </a:extLst>
+          </a:blip>
+          <a:srcRect/>
+          <a:stretch>
+            <a:fillRect/>
+          </a:stretch>
+        </p:blipFill>
+        <p:spPr bwMode="auto">
+          <a:xfrm>
+            <a:off x="9450000" y="2910814"/>
+            <a:ext cx="828000" cy="828000"/>
+          </a:xfrm>
+          <a:prstGeom prst="rect">
+            <a:avLst/>
+          </a:prstGeom>
+          <a:noFill/>
+          <a:extLst>
+            <a:ext uri="{909E8E84-426E-40DD-AFC4-6F175D3DCCD1}">
+              <a14:hiddenFill xmlns:a14="http://schemas.microsoft.com/office/drawing/2010/main">
+                <a:solidFill>
+                  <a:srgbClr val="FFFFFF"/>
+                </a:solidFill>
+              </a14:hiddenFill>
+            </a:ext>
+          </a:extLst>
+        </p:spPr>
+      </p:pic>
+      <p:pic>
+        <p:nvPicPr>
+          <p:cNvPr id="1092" name="Picture 68" descr="https://static.wikia.nocookie.net/nintendo/images/3/3a/Electabuzz.png/revision/latest?cb=20210812184737&amp;path-prefix=en"/>
+          <p:cNvPicPr>
+            <a:picLocks noChangeAspect="1" noChangeArrowheads="1"/>
+          </p:cNvPicPr>
+          <p:nvPr/>
+        </p:nvPicPr>
+        <p:blipFill>
+          <a:blip r:embed="rId28" cstate="print">
+            <a:extLst>
+              <a:ext uri="{28A0092B-C50C-407E-A947-70E740481C1C}">
+                <a14:useLocalDpi xmlns:a14="http://schemas.microsoft.com/office/drawing/2010/main" val="0"/>
+              </a:ext>
+            </a:extLst>
+          </a:blip>
+          <a:srcRect/>
+          <a:stretch>
+            <a:fillRect/>
+          </a:stretch>
+        </p:blipFill>
+        <p:spPr bwMode="auto">
+          <a:xfrm>
+            <a:off x="7488000" y="2910814"/>
+            <a:ext cx="828000" cy="828000"/>
+          </a:xfrm>
+          <a:prstGeom prst="rect">
+            <a:avLst/>
+          </a:prstGeom>
+          <a:noFill/>
+          <a:extLst>
+            <a:ext uri="{909E8E84-426E-40DD-AFC4-6F175D3DCCD1}">
+              <a14:hiddenFill xmlns:a14="http://schemas.microsoft.com/office/drawing/2010/main">
+                <a:solidFill>
+                  <a:srgbClr val="FFFFFF"/>
+                </a:solidFill>
+              </a14:hiddenFill>
+            </a:ext>
+          </a:extLst>
+        </p:spPr>
+      </p:pic>
+      <p:pic>
+        <p:nvPicPr>
+          <p:cNvPr id="1094" name="Picture 70" descr="https://static.wikia.nocookie.net/nintendo/images/0/03/Ditto.png/revision/latest?cb=20191013024928&amp;path-prefix=en"/>
+          <p:cNvPicPr>
+            <a:picLocks noChangeAspect="1" noChangeArrowheads="1"/>
+          </p:cNvPicPr>
+          <p:nvPr/>
+        </p:nvPicPr>
+        <p:blipFill>
+          <a:blip r:embed="rId29" cstate="print">
+            <a:extLst>
+              <a:ext uri="{28A0092B-C50C-407E-A947-70E740481C1C}">
+                <a14:useLocalDpi xmlns:a14="http://schemas.microsoft.com/office/drawing/2010/main" val="0"/>
+              </a:ext>
+            </a:extLst>
+          </a:blip>
+          <a:srcRect/>
+          <a:stretch>
+            <a:fillRect/>
+          </a:stretch>
+        </p:blipFill>
+        <p:spPr bwMode="auto">
+          <a:xfrm>
+            <a:off x="6480000" y="2910814"/>
+            <a:ext cx="828000" cy="828000"/>
+          </a:xfrm>
+          <a:prstGeom prst="rect">
+            <a:avLst/>
+          </a:prstGeom>
+          <a:noFill/>
+          <a:extLst>
+            <a:ext uri="{909E8E84-426E-40DD-AFC4-6F175D3DCCD1}">
+              <a14:hiddenFill xmlns:a14="http://schemas.microsoft.com/office/drawing/2010/main">
+                <a:solidFill>
+                  <a:srgbClr val="FFFFFF"/>
+                </a:solidFill>
+              </a14:hiddenFill>
+            </a:ext>
+          </a:extLst>
+        </p:spPr>
+      </p:pic>
+      <p:sp>
+        <p:nvSpPr>
+          <p:cNvPr id="51" name="Segnaposto contenuto 2"/>
+          <p:cNvSpPr txBox="1">
+            <a:spLocks/>
+          </p:cNvSpPr>
+          <p:nvPr/>
+        </p:nvSpPr>
+        <p:spPr>
+          <a:xfrm>
+            <a:off x="720000" y="5826814"/>
+            <a:ext cx="10800000" cy="540000"/>
+          </a:xfrm>
+          <a:prstGeom prst="rect">
+            <a:avLst/>
+          </a:prstGeom>
+          <a:noFill/>
+        </p:spPr>
+        <p:txBody>
+          <a:bodyPr vert="horz" lIns="91440" tIns="45720" rIns="91440" bIns="45720" rtlCol="0">
+            <a:normAutofit/>
+          </a:bodyPr>
+          <a:lstStyle>
+            <a:lvl1pPr marL="228600" indent="-228600" algn="l" defTabSz="914400" rtl="0" eaLnBrk="1" latinLnBrk="0" hangingPunct="1">
+              <a:lnSpc>
+                <a:spcPct val="90000"/>
+              </a:lnSpc>
+              <a:spcBef>
+                <a:spcPts val="1000"/>
+              </a:spcBef>
+              <a:buFont typeface="Arial" panose="020B0604020202020204" pitchFamily="34" charset="0"/>
+              <a:buChar char="•"/>
+              <a:defRPr sz="2800" kern="1200">
+                <a:solidFill>
+                  <a:schemeClr val="tx1"/>
+                </a:solidFill>
+                <a:latin typeface="+mn-lt"/>
+                <a:ea typeface="+mn-ea"/>
+                <a:cs typeface="+mn-cs"/>
+              </a:defRPr>
+            </a:lvl1pPr>
+            <a:lvl2pPr marL="685800" indent="-228600" algn="l" defTabSz="914400" rtl="0" eaLnBrk="1" latinLnBrk="0" hangingPunct="1">
+              <a:lnSpc>
+                <a:spcPct val="90000"/>
+              </a:lnSpc>
+              <a:spcBef>
+                <a:spcPts val="500"/>
+              </a:spcBef>
+              <a:buFont typeface="Arial" panose="020B0604020202020204" pitchFamily="34" charset="0"/>
+              <a:buChar char="•"/>
+              <a:defRPr sz="2400" kern="1200">
+                <a:solidFill>
+                  <a:schemeClr val="tx1"/>
+                </a:solidFill>
+                <a:latin typeface="+mn-lt"/>
+                <a:ea typeface="+mn-ea"/>
+                <a:cs typeface="+mn-cs"/>
+              </a:defRPr>
+            </a:lvl2pPr>
+            <a:lvl3pPr marL="1143000" indent="-228600" algn="l" defTabSz="914400" rtl="0" eaLnBrk="1" latinLnBrk="0" hangingPunct="1">
+              <a:lnSpc>
+                <a:spcPct val="90000"/>
+              </a:lnSpc>
+              <a:spcBef>
+                <a:spcPts val="500"/>
+              </a:spcBef>
+              <a:buFont typeface="Arial" panose="020B0604020202020204" pitchFamily="34" charset="0"/>
+              <a:buChar char="•"/>
+              <a:defRPr sz="2000" kern="1200">
+                <a:solidFill>
+                  <a:schemeClr val="tx1"/>
+                </a:solidFill>
+                <a:latin typeface="+mn-lt"/>
+                <a:ea typeface="+mn-ea"/>
+                <a:cs typeface="+mn-cs"/>
+              </a:defRPr>
+            </a:lvl3pPr>
+            <a:lvl4pPr marL="1600200" indent="-228600" algn="l" defTabSz="914400" rtl="0" eaLnBrk="1" latinLnBrk="0" hangingPunct="1">
+              <a:lnSpc>
+                <a:spcPct val="90000"/>
+              </a:lnSpc>
+              <a:spcBef>
+                <a:spcPts val="500"/>
+              </a:spcBef>
+              <a:buFont typeface="Arial" panose="020B0604020202020204" pitchFamily="34" charset="0"/>
+              <a:buChar char="•"/>
+              <a:defRPr sz="1800" kern="1200">
+                <a:solidFill>
+                  <a:schemeClr val="tx1"/>
+                </a:solidFill>
+                <a:latin typeface="+mn-lt"/>
+                <a:ea typeface="+mn-ea"/>
+                <a:cs typeface="+mn-cs"/>
+              </a:defRPr>
+            </a:lvl4pPr>
+            <a:lvl5pPr marL="2057400" indent="-228600" algn="l" defTabSz="914400" rtl="0" eaLnBrk="1" latinLnBrk="0" hangingPunct="1">
+              <a:lnSpc>
+                <a:spcPct val="90000"/>
+              </a:lnSpc>
+              <a:spcBef>
+                <a:spcPts val="500"/>
+              </a:spcBef>
+              <a:buFont typeface="Arial" panose="020B0604020202020204" pitchFamily="34" charset="0"/>
+              <a:buChar char="•"/>
+              <a:defRPr sz="1800" kern="1200">
+                <a:solidFill>
+                  <a:schemeClr val="tx1"/>
+                </a:solidFill>
+                <a:latin typeface="+mn-lt"/>
+                <a:ea typeface="+mn-ea"/>
+                <a:cs typeface="+mn-cs"/>
+              </a:defRPr>
+            </a:lvl5pPr>
+            <a:lvl6pPr marL="2514600" indent="-228600" algn="l" defTabSz="914400" rtl="0" eaLnBrk="1" latinLnBrk="0" hangingPunct="1">
+              <a:lnSpc>
+                <a:spcPct val="90000"/>
+              </a:lnSpc>
+              <a:spcBef>
+                <a:spcPts val="500"/>
+              </a:spcBef>
+              <a:buFont typeface="Arial" panose="020B0604020202020204" pitchFamily="34" charset="0"/>
+              <a:buChar char="•"/>
+              <a:defRPr sz="1800" kern="1200">
+                <a:solidFill>
+                  <a:schemeClr val="tx1"/>
+                </a:solidFill>
+                <a:latin typeface="+mn-lt"/>
+                <a:ea typeface="+mn-ea"/>
+                <a:cs typeface="+mn-cs"/>
+              </a:defRPr>
+            </a:lvl6pPr>
+            <a:lvl7pPr marL="2971800" indent="-228600" algn="l" defTabSz="914400" rtl="0" eaLnBrk="1" latinLnBrk="0" hangingPunct="1">
+              <a:lnSpc>
+                <a:spcPct val="90000"/>
+              </a:lnSpc>
+              <a:spcBef>
+                <a:spcPts val="500"/>
+              </a:spcBef>
+              <a:buFont typeface="Arial" panose="020B0604020202020204" pitchFamily="34" charset="0"/>
+              <a:buChar char="•"/>
+              <a:defRPr sz="1800" kern="1200">
+                <a:solidFill>
+                  <a:schemeClr val="tx1"/>
+                </a:solidFill>
+                <a:latin typeface="+mn-lt"/>
+                <a:ea typeface="+mn-ea"/>
+                <a:cs typeface="+mn-cs"/>
+              </a:defRPr>
+            </a:lvl7pPr>
+            <a:lvl8pPr marL="3429000" indent="-228600" algn="l" defTabSz="914400" rtl="0" eaLnBrk="1" latinLnBrk="0" hangingPunct="1">
+              <a:lnSpc>
+                <a:spcPct val="90000"/>
+              </a:lnSpc>
+              <a:spcBef>
+                <a:spcPts val="500"/>
+              </a:spcBef>
+              <a:buFont typeface="Arial" panose="020B0604020202020204" pitchFamily="34" charset="0"/>
+              <a:buChar char="•"/>
+              <a:defRPr sz="1800" kern="1200">
+                <a:solidFill>
+                  <a:schemeClr val="tx1"/>
+                </a:solidFill>
+                <a:latin typeface="+mn-lt"/>
+                <a:ea typeface="+mn-ea"/>
+                <a:cs typeface="+mn-cs"/>
+              </a:defRPr>
+            </a:lvl8pPr>
+            <a:lvl9pPr marL="3886200" indent="-228600" algn="l" defTabSz="914400" rtl="0" eaLnBrk="1" latinLnBrk="0" hangingPunct="1">
+              <a:lnSpc>
+                <a:spcPct val="90000"/>
+              </a:lnSpc>
+              <a:spcBef>
+                <a:spcPts val="500"/>
+              </a:spcBef>
+              <a:buFont typeface="Arial" panose="020B0604020202020204" pitchFamily="34" charset="0"/>
+              <a:buChar char="•"/>
+              <a:defRPr sz="1800" kern="1200">
+                <a:solidFill>
+                  <a:schemeClr val="tx1"/>
+                </a:solidFill>
+                <a:latin typeface="+mn-lt"/>
+                <a:ea typeface="+mn-ea"/>
+                <a:cs typeface="+mn-cs"/>
+              </a:defRPr>
+            </a:lvl9pPr>
+          </a:lstStyle>
+          <a:p>
+            <a:r>
+              <a:rPr lang="it-IT" dirty="0">
+                <a:latin typeface="Cooper Black" panose="0208090404030B020404" pitchFamily="18" charset="0"/>
+              </a:rPr>
+              <a:t>In-game </a:t>
+            </a:r>
+            <a:r>
+              <a:rPr lang="it-IT" dirty="0" err="1">
+                <a:latin typeface="Cooper Black" panose="0208090404030B020404" pitchFamily="18" charset="0"/>
+              </a:rPr>
+              <a:t>currency</a:t>
+            </a:r>
+            <a:r>
+              <a:rPr lang="it-IT" dirty="0">
+                <a:latin typeface="Cooper Black" panose="0208090404030B020404" pitchFamily="18" charset="0"/>
+              </a:rPr>
+              <a:t>: </a:t>
+            </a:r>
+            <a:r>
+              <a:rPr lang="it-IT" dirty="0" err="1">
+                <a:latin typeface="Cooper Black" panose="0208090404030B020404" pitchFamily="18" charset="0"/>
+              </a:rPr>
+              <a:t>Pokedollars</a:t>
+            </a:r>
+            <a:r>
+              <a:rPr lang="it-IT" dirty="0">
+                <a:latin typeface="Cooper Black" panose="0208090404030B020404" pitchFamily="18" charset="0"/>
+              </a:rPr>
+              <a:t> </a:t>
+            </a:r>
+          </a:p>
+        </p:txBody>
+      </p:sp>
+      <p:pic>
+        <p:nvPicPr>
+          <p:cNvPr id="1096" name="Picture 72" descr="File:Pokémon Dollar sign.svg - Wikimedia Commons"/>
+          <p:cNvPicPr>
+            <a:picLocks noChangeAspect="1" noChangeArrowheads="1"/>
+          </p:cNvPicPr>
+          <p:nvPr/>
+        </p:nvPicPr>
+        <p:blipFill>
+          <a:blip r:embed="rId30" cstate="print">
+            <a:extLst>
+              <a:ext uri="{28A0092B-C50C-407E-A947-70E740481C1C}">
+                <a14:useLocalDpi xmlns:a14="http://schemas.microsoft.com/office/drawing/2010/main" val="0"/>
+              </a:ext>
+            </a:extLst>
+          </a:blip>
+          <a:srcRect/>
+          <a:stretch>
+            <a:fillRect/>
+          </a:stretch>
+        </p:blipFill>
+        <p:spPr bwMode="auto">
+          <a:xfrm>
+            <a:off x="6942528" y="5922863"/>
+            <a:ext cx="195555" cy="267870"/>
+          </a:xfrm>
+          <a:prstGeom prst="rect">
+            <a:avLst/>
+          </a:prstGeom>
+          <a:noFill/>
+          <a:extLst>
+            <a:ext uri="{909E8E84-426E-40DD-AFC4-6F175D3DCCD1}">
+              <a14:hiddenFill xmlns:a14="http://schemas.microsoft.com/office/drawing/2010/main">
+                <a:solidFill>
+                  <a:srgbClr val="FFFFFF"/>
+                </a:solidFill>
+              </a14:hiddenFill>
+            </a:ext>
+          </a:extLst>
+        </p:spPr>
+      </p:pic>
+      <p:pic>
+        <p:nvPicPr>
+          <p:cNvPr id="1098" name="Picture 74" descr="Review Order : Pokémon GO Web Store"/>
+          <p:cNvPicPr>
+            <a:picLocks noChangeAspect="1" noChangeArrowheads="1"/>
+          </p:cNvPicPr>
+          <p:nvPr/>
+        </p:nvPicPr>
+        <p:blipFill>
+          <a:blip r:embed="rId31" cstate="print">
+            <a:extLst>
+              <a:ext uri="{28A0092B-C50C-407E-A947-70E740481C1C}">
+                <a14:useLocalDpi xmlns:a14="http://schemas.microsoft.com/office/drawing/2010/main" val="0"/>
+              </a:ext>
+            </a:extLst>
+          </a:blip>
+          <a:srcRect/>
+          <a:stretch>
+            <a:fillRect/>
+          </a:stretch>
+        </p:blipFill>
+        <p:spPr bwMode="auto">
+          <a:xfrm>
+            <a:off x="7447454" y="5590541"/>
+            <a:ext cx="1012546" cy="1012546"/>
+          </a:xfrm>
+          <a:prstGeom prst="rect">
+            <a:avLst/>
+          </a:prstGeom>
+          <a:noFill/>
+          <a:extLst>
+            <a:ext uri="{909E8E84-426E-40DD-AFC4-6F175D3DCCD1}">
+              <a14:hiddenFill xmlns:a14="http://schemas.microsoft.com/office/drawing/2010/main">
+                <a:solidFill>
+                  <a:srgbClr val="FFFFFF"/>
+                </a:solidFill>
+              </a14:hiddenFill>
+            </a:ext>
+          </a:extLst>
+        </p:spPr>
+      </p:pic>
+    </p:spTree>
+    <p:extLst>
+      <p:ext uri="{BB962C8B-B14F-4D97-AF65-F5344CB8AC3E}">
+        <p14:creationId xmlns:p14="http://schemas.microsoft.com/office/powerpoint/2010/main" val="2626683805"/>
+      </p:ext>
+    </p:extLst>
+  </p:cSld>
+  <p:clrMapOvr>
+    <a:masterClrMapping/>
+  </p:clrMapOvr>
+</p:sld>
+</file>
+
+<file path=ppt/slides/slide20.xml><?xml version="1.0" encoding="utf-8"?>
 <p:sld xmlns:a="http://schemas.openxmlformats.org/drawingml/2006/main" xmlns:r="http://schemas.openxmlformats.org/officeDocument/2006/relationships" xmlns:p="http://schemas.openxmlformats.org/presentationml/2006/main">
   <p:cSld>
     <p:spTree>
@@ -10641,7 +13459,7 @@
 </p:sld>
 </file>
 
-<file path=ppt/slides/slide19.xml><?xml version="1.0" encoding="utf-8"?>
+<file path=ppt/slides/slide21.xml><?xml version="1.0" encoding="utf-8"?>
 <p:sld xmlns:a="http://schemas.openxmlformats.org/drawingml/2006/main" xmlns:r="http://schemas.openxmlformats.org/officeDocument/2006/relationships" xmlns:p="http://schemas.openxmlformats.org/presentationml/2006/main">
   <p:cSld>
     <p:spTree>
@@ -10987,2480 +13805,7 @@
 </p:sld>
 </file>
 
-<file path=ppt/slides/slide2.xml><?xml version="1.0" encoding="utf-8"?>
-<p:sld xmlns:a="http://schemas.openxmlformats.org/drawingml/2006/main" xmlns:r="http://schemas.openxmlformats.org/officeDocument/2006/relationships" xmlns:p="http://schemas.openxmlformats.org/presentationml/2006/main">
-  <p:cSld>
-    <p:spTree>
-      <p:nvGrpSpPr>
-        <p:cNvPr id="1" name=""/>
-        <p:cNvGrpSpPr/>
-        <p:nvPr/>
-      </p:nvGrpSpPr>
-      <p:grpSpPr>
-        <a:xfrm>
-          <a:off x="0" y="0"/>
-          <a:ext cx="0" cy="0"/>
-          <a:chOff x="0" y="0"/>
-          <a:chExt cx="0" cy="0"/>
-        </a:xfrm>
-      </p:grpSpPr>
-      <p:sp>
-        <p:nvSpPr>
-          <p:cNvPr id="2" name="Titolo 1"/>
-          <p:cNvSpPr>
-            <a:spLocks noGrp="1"/>
-          </p:cNvSpPr>
-          <p:nvPr>
-            <p:ph type="title"/>
-          </p:nvPr>
-        </p:nvSpPr>
-        <p:spPr>
-          <a:xfrm>
-            <a:off x="838200" y="35939"/>
-            <a:ext cx="10515600" cy="1325563"/>
-          </a:xfrm>
-        </p:spPr>
-        <p:txBody>
-          <a:bodyPr>
-            <a:normAutofit/>
-          </a:bodyPr>
-          <a:lstStyle/>
-          <a:p>
-            <a:pPr algn="ctr"/>
-            <a:r>
-              <a:rPr lang="it-IT" sz="3200" dirty="0" err="1">
-                <a:latin typeface="Cooper Black" panose="0208090404030B020404" pitchFamily="18" charset="0"/>
-              </a:rPr>
-              <a:t>Catalogue</a:t>
-            </a:r>
-            <a:r>
-              <a:rPr lang="it-IT" sz="3200" dirty="0">
-                <a:latin typeface="Cooper Black" panose="0208090404030B020404" pitchFamily="18" charset="0"/>
-              </a:rPr>
-              <a:t> – </a:t>
-            </a:r>
-            <a:r>
-              <a:rPr lang="it-IT" sz="3200" dirty="0" err="1">
-                <a:latin typeface="Cooper Black" panose="0208090404030B020404" pitchFamily="18" charset="0"/>
-              </a:rPr>
-              <a:t>All</a:t>
-            </a:r>
-            <a:r>
-              <a:rPr lang="it-IT" sz="3200" dirty="0">
-                <a:latin typeface="Cooper Black" panose="0208090404030B020404" pitchFamily="18" charset="0"/>
-              </a:rPr>
-              <a:t> 151 </a:t>
-            </a:r>
-            <a:r>
-              <a:rPr lang="it-IT" sz="3200" dirty="0" err="1">
-                <a:latin typeface="Cooper Black" panose="0208090404030B020404" pitchFamily="18" charset="0"/>
-              </a:rPr>
-              <a:t>Pokémon</a:t>
-            </a:r>
-            <a:r>
-              <a:rPr lang="it-IT" sz="3200" dirty="0">
-                <a:latin typeface="Cooper Black" panose="0208090404030B020404" pitchFamily="18" charset="0"/>
-              </a:rPr>
-              <a:t> from 1° </a:t>
-            </a:r>
-            <a:r>
-              <a:rPr lang="it-IT" sz="3200" dirty="0" err="1">
-                <a:latin typeface="Cooper Black" panose="0208090404030B020404" pitchFamily="18" charset="0"/>
-              </a:rPr>
-              <a:t>gen</a:t>
-            </a:r>
-            <a:endParaRPr lang="it-IT" sz="3200" dirty="0">
-              <a:latin typeface="Cooper Black" panose="0208090404030B020404" pitchFamily="18" charset="0"/>
-            </a:endParaRPr>
-          </a:p>
-        </p:txBody>
-      </p:sp>
-      <p:sp>
-        <p:nvSpPr>
-          <p:cNvPr id="3" name="Segnaposto contenuto 2"/>
-          <p:cNvSpPr>
-            <a:spLocks noGrp="1"/>
-          </p:cNvSpPr>
-          <p:nvPr>
-            <p:ph idx="1"/>
-          </p:nvPr>
-        </p:nvSpPr>
-        <p:spPr>
-          <a:xfrm>
-            <a:off x="720000" y="1290814"/>
-            <a:ext cx="10800000" cy="540000"/>
-          </a:xfrm>
-          <a:solidFill>
-            <a:schemeClr val="bg2">
-              <a:lumMod val="90000"/>
-              <a:alpha val="40000"/>
-            </a:schemeClr>
-          </a:solidFill>
-        </p:spPr>
-        <p:txBody>
-          <a:bodyPr/>
-          <a:lstStyle/>
-          <a:p>
-            <a:r>
-              <a:rPr lang="it-IT" dirty="0">
-                <a:ln>
-                  <a:solidFill>
-                    <a:schemeClr val="tx1">
-                      <a:lumMod val="50000"/>
-                      <a:lumOff val="50000"/>
-                    </a:schemeClr>
-                  </a:solidFill>
-                </a:ln>
-                <a:solidFill>
-                  <a:schemeClr val="bg1"/>
-                </a:solidFill>
-              </a:rPr>
-              <a:t>Common (54,45%)</a:t>
-            </a:r>
-          </a:p>
-        </p:txBody>
-      </p:sp>
-      <p:sp>
-        <p:nvSpPr>
-          <p:cNvPr id="10" name="Segnaposto contenuto 2"/>
-          <p:cNvSpPr txBox="1">
-            <a:spLocks/>
-          </p:cNvSpPr>
-          <p:nvPr/>
-        </p:nvSpPr>
-        <p:spPr>
-          <a:xfrm>
-            <a:off x="720000" y="2190814"/>
-            <a:ext cx="10800000" cy="540000"/>
-          </a:xfrm>
-          <a:prstGeom prst="rect">
-            <a:avLst/>
-          </a:prstGeom>
-          <a:solidFill>
-            <a:schemeClr val="accent6">
-              <a:alpha val="40000"/>
-            </a:schemeClr>
-          </a:solidFill>
-        </p:spPr>
-        <p:txBody>
-          <a:bodyPr vert="horz" lIns="91440" tIns="45720" rIns="91440" bIns="45720" rtlCol="0">
-            <a:normAutofit/>
-          </a:bodyPr>
-          <a:lstStyle>
-            <a:lvl1pPr marL="228600" indent="-228600" algn="l" defTabSz="914400" rtl="0" eaLnBrk="1" latinLnBrk="0" hangingPunct="1">
-              <a:lnSpc>
-                <a:spcPct val="90000"/>
-              </a:lnSpc>
-              <a:spcBef>
-                <a:spcPts val="1000"/>
-              </a:spcBef>
-              <a:buFont typeface="Arial" panose="020B0604020202020204" pitchFamily="34" charset="0"/>
-              <a:buChar char="•"/>
-              <a:defRPr sz="2800" kern="1200">
-                <a:solidFill>
-                  <a:schemeClr val="tx1"/>
-                </a:solidFill>
-                <a:latin typeface="+mn-lt"/>
-                <a:ea typeface="+mn-ea"/>
-                <a:cs typeface="+mn-cs"/>
-              </a:defRPr>
-            </a:lvl1pPr>
-            <a:lvl2pPr marL="685800" indent="-228600" algn="l" defTabSz="914400" rtl="0" eaLnBrk="1" latinLnBrk="0" hangingPunct="1">
-              <a:lnSpc>
-                <a:spcPct val="90000"/>
-              </a:lnSpc>
-              <a:spcBef>
-                <a:spcPts val="500"/>
-              </a:spcBef>
-              <a:buFont typeface="Arial" panose="020B0604020202020204" pitchFamily="34" charset="0"/>
-              <a:buChar char="•"/>
-              <a:defRPr sz="2400" kern="1200">
-                <a:solidFill>
-                  <a:schemeClr val="tx1"/>
-                </a:solidFill>
-                <a:latin typeface="+mn-lt"/>
-                <a:ea typeface="+mn-ea"/>
-                <a:cs typeface="+mn-cs"/>
-              </a:defRPr>
-            </a:lvl2pPr>
-            <a:lvl3pPr marL="1143000" indent="-228600" algn="l" defTabSz="914400" rtl="0" eaLnBrk="1" latinLnBrk="0" hangingPunct="1">
-              <a:lnSpc>
-                <a:spcPct val="90000"/>
-              </a:lnSpc>
-              <a:spcBef>
-                <a:spcPts val="500"/>
-              </a:spcBef>
-              <a:buFont typeface="Arial" panose="020B0604020202020204" pitchFamily="34" charset="0"/>
-              <a:buChar char="•"/>
-              <a:defRPr sz="2000" kern="1200">
-                <a:solidFill>
-                  <a:schemeClr val="tx1"/>
-                </a:solidFill>
-                <a:latin typeface="+mn-lt"/>
-                <a:ea typeface="+mn-ea"/>
-                <a:cs typeface="+mn-cs"/>
-              </a:defRPr>
-            </a:lvl3pPr>
-            <a:lvl4pPr marL="1600200" indent="-228600" algn="l" defTabSz="914400" rtl="0" eaLnBrk="1" latinLnBrk="0" hangingPunct="1">
-              <a:lnSpc>
-                <a:spcPct val="90000"/>
-              </a:lnSpc>
-              <a:spcBef>
-                <a:spcPts val="500"/>
-              </a:spcBef>
-              <a:buFont typeface="Arial" panose="020B0604020202020204" pitchFamily="34" charset="0"/>
-              <a:buChar char="•"/>
-              <a:defRPr sz="1800" kern="1200">
-                <a:solidFill>
-                  <a:schemeClr val="tx1"/>
-                </a:solidFill>
-                <a:latin typeface="+mn-lt"/>
-                <a:ea typeface="+mn-ea"/>
-                <a:cs typeface="+mn-cs"/>
-              </a:defRPr>
-            </a:lvl4pPr>
-            <a:lvl5pPr marL="2057400" indent="-228600" algn="l" defTabSz="914400" rtl="0" eaLnBrk="1" latinLnBrk="0" hangingPunct="1">
-              <a:lnSpc>
-                <a:spcPct val="90000"/>
-              </a:lnSpc>
-              <a:spcBef>
-                <a:spcPts val="500"/>
-              </a:spcBef>
-              <a:buFont typeface="Arial" panose="020B0604020202020204" pitchFamily="34" charset="0"/>
-              <a:buChar char="•"/>
-              <a:defRPr sz="1800" kern="1200">
-                <a:solidFill>
-                  <a:schemeClr val="tx1"/>
-                </a:solidFill>
-                <a:latin typeface="+mn-lt"/>
-                <a:ea typeface="+mn-ea"/>
-                <a:cs typeface="+mn-cs"/>
-              </a:defRPr>
-            </a:lvl5pPr>
-            <a:lvl6pPr marL="2514600" indent="-228600" algn="l" defTabSz="914400" rtl="0" eaLnBrk="1" latinLnBrk="0" hangingPunct="1">
-              <a:lnSpc>
-                <a:spcPct val="90000"/>
-              </a:lnSpc>
-              <a:spcBef>
-                <a:spcPts val="500"/>
-              </a:spcBef>
-              <a:buFont typeface="Arial" panose="020B0604020202020204" pitchFamily="34" charset="0"/>
-              <a:buChar char="•"/>
-              <a:defRPr sz="1800" kern="1200">
-                <a:solidFill>
-                  <a:schemeClr val="tx1"/>
-                </a:solidFill>
-                <a:latin typeface="+mn-lt"/>
-                <a:ea typeface="+mn-ea"/>
-                <a:cs typeface="+mn-cs"/>
-              </a:defRPr>
-            </a:lvl6pPr>
-            <a:lvl7pPr marL="2971800" indent="-228600" algn="l" defTabSz="914400" rtl="0" eaLnBrk="1" latinLnBrk="0" hangingPunct="1">
-              <a:lnSpc>
-                <a:spcPct val="90000"/>
-              </a:lnSpc>
-              <a:spcBef>
-                <a:spcPts val="500"/>
-              </a:spcBef>
-              <a:buFont typeface="Arial" panose="020B0604020202020204" pitchFamily="34" charset="0"/>
-              <a:buChar char="•"/>
-              <a:defRPr sz="1800" kern="1200">
-                <a:solidFill>
-                  <a:schemeClr val="tx1"/>
-                </a:solidFill>
-                <a:latin typeface="+mn-lt"/>
-                <a:ea typeface="+mn-ea"/>
-                <a:cs typeface="+mn-cs"/>
-              </a:defRPr>
-            </a:lvl7pPr>
-            <a:lvl8pPr marL="3429000" indent="-228600" algn="l" defTabSz="914400" rtl="0" eaLnBrk="1" latinLnBrk="0" hangingPunct="1">
-              <a:lnSpc>
-                <a:spcPct val="90000"/>
-              </a:lnSpc>
-              <a:spcBef>
-                <a:spcPts val="500"/>
-              </a:spcBef>
-              <a:buFont typeface="Arial" panose="020B0604020202020204" pitchFamily="34" charset="0"/>
-              <a:buChar char="•"/>
-              <a:defRPr sz="1800" kern="1200">
-                <a:solidFill>
-                  <a:schemeClr val="tx1"/>
-                </a:solidFill>
-                <a:latin typeface="+mn-lt"/>
-                <a:ea typeface="+mn-ea"/>
-                <a:cs typeface="+mn-cs"/>
-              </a:defRPr>
-            </a:lvl8pPr>
-            <a:lvl9pPr marL="3886200" indent="-228600" algn="l" defTabSz="914400" rtl="0" eaLnBrk="1" latinLnBrk="0" hangingPunct="1">
-              <a:lnSpc>
-                <a:spcPct val="90000"/>
-              </a:lnSpc>
-              <a:spcBef>
-                <a:spcPts val="500"/>
-              </a:spcBef>
-              <a:buFont typeface="Arial" panose="020B0604020202020204" pitchFamily="34" charset="0"/>
-              <a:buChar char="•"/>
-              <a:defRPr sz="1800" kern="1200">
-                <a:solidFill>
-                  <a:schemeClr val="tx1"/>
-                </a:solidFill>
-                <a:latin typeface="+mn-lt"/>
-                <a:ea typeface="+mn-ea"/>
-                <a:cs typeface="+mn-cs"/>
-              </a:defRPr>
-            </a:lvl9pPr>
-          </a:lstStyle>
-          <a:p>
-            <a:r>
-              <a:rPr lang="it-IT" dirty="0" err="1">
-                <a:ln>
-                  <a:solidFill>
-                    <a:schemeClr val="accent6">
-                      <a:lumMod val="50000"/>
-                    </a:schemeClr>
-                  </a:solidFill>
-                </a:ln>
-                <a:solidFill>
-                  <a:schemeClr val="bg1"/>
-                </a:solidFill>
-              </a:rPr>
-              <a:t>Uncommon</a:t>
-            </a:r>
-            <a:r>
-              <a:rPr lang="it-IT" dirty="0">
-                <a:ln>
-                  <a:solidFill>
-                    <a:schemeClr val="accent6">
-                      <a:lumMod val="50000"/>
-                    </a:schemeClr>
-                  </a:solidFill>
-                </a:ln>
-                <a:solidFill>
-                  <a:schemeClr val="bg1"/>
-                </a:solidFill>
-              </a:rPr>
-              <a:t> (40%)</a:t>
-            </a:r>
-          </a:p>
-        </p:txBody>
-      </p:sp>
-      <p:sp>
-        <p:nvSpPr>
-          <p:cNvPr id="11" name="Segnaposto contenuto 2"/>
-          <p:cNvSpPr txBox="1">
-            <a:spLocks/>
-          </p:cNvSpPr>
-          <p:nvPr/>
-        </p:nvSpPr>
-        <p:spPr>
-          <a:xfrm>
-            <a:off x="720000" y="3090814"/>
-            <a:ext cx="10800000" cy="540000"/>
-          </a:xfrm>
-          <a:prstGeom prst="rect">
-            <a:avLst/>
-          </a:prstGeom>
-          <a:solidFill>
-            <a:schemeClr val="accent1">
-              <a:alpha val="40000"/>
-            </a:schemeClr>
-          </a:solidFill>
-        </p:spPr>
-        <p:txBody>
-          <a:bodyPr vert="horz" lIns="91440" tIns="45720" rIns="91440" bIns="45720" rtlCol="0">
-            <a:normAutofit/>
-          </a:bodyPr>
-          <a:lstStyle>
-            <a:lvl1pPr marL="228600" indent="-228600" algn="l" defTabSz="914400" rtl="0" eaLnBrk="1" latinLnBrk="0" hangingPunct="1">
-              <a:lnSpc>
-                <a:spcPct val="90000"/>
-              </a:lnSpc>
-              <a:spcBef>
-                <a:spcPts val="1000"/>
-              </a:spcBef>
-              <a:buFont typeface="Arial" panose="020B0604020202020204" pitchFamily="34" charset="0"/>
-              <a:buChar char="•"/>
-              <a:defRPr sz="2800" kern="1200">
-                <a:solidFill>
-                  <a:schemeClr val="tx1"/>
-                </a:solidFill>
-                <a:latin typeface="+mn-lt"/>
-                <a:ea typeface="+mn-ea"/>
-                <a:cs typeface="+mn-cs"/>
-              </a:defRPr>
-            </a:lvl1pPr>
-            <a:lvl2pPr marL="685800" indent="-228600" algn="l" defTabSz="914400" rtl="0" eaLnBrk="1" latinLnBrk="0" hangingPunct="1">
-              <a:lnSpc>
-                <a:spcPct val="90000"/>
-              </a:lnSpc>
-              <a:spcBef>
-                <a:spcPts val="500"/>
-              </a:spcBef>
-              <a:buFont typeface="Arial" panose="020B0604020202020204" pitchFamily="34" charset="0"/>
-              <a:buChar char="•"/>
-              <a:defRPr sz="2400" kern="1200">
-                <a:solidFill>
-                  <a:schemeClr val="tx1"/>
-                </a:solidFill>
-                <a:latin typeface="+mn-lt"/>
-                <a:ea typeface="+mn-ea"/>
-                <a:cs typeface="+mn-cs"/>
-              </a:defRPr>
-            </a:lvl2pPr>
-            <a:lvl3pPr marL="1143000" indent="-228600" algn="l" defTabSz="914400" rtl="0" eaLnBrk="1" latinLnBrk="0" hangingPunct="1">
-              <a:lnSpc>
-                <a:spcPct val="90000"/>
-              </a:lnSpc>
-              <a:spcBef>
-                <a:spcPts val="500"/>
-              </a:spcBef>
-              <a:buFont typeface="Arial" panose="020B0604020202020204" pitchFamily="34" charset="0"/>
-              <a:buChar char="•"/>
-              <a:defRPr sz="2000" kern="1200">
-                <a:solidFill>
-                  <a:schemeClr val="tx1"/>
-                </a:solidFill>
-                <a:latin typeface="+mn-lt"/>
-                <a:ea typeface="+mn-ea"/>
-                <a:cs typeface="+mn-cs"/>
-              </a:defRPr>
-            </a:lvl3pPr>
-            <a:lvl4pPr marL="1600200" indent="-228600" algn="l" defTabSz="914400" rtl="0" eaLnBrk="1" latinLnBrk="0" hangingPunct="1">
-              <a:lnSpc>
-                <a:spcPct val="90000"/>
-              </a:lnSpc>
-              <a:spcBef>
-                <a:spcPts val="500"/>
-              </a:spcBef>
-              <a:buFont typeface="Arial" panose="020B0604020202020204" pitchFamily="34" charset="0"/>
-              <a:buChar char="•"/>
-              <a:defRPr sz="1800" kern="1200">
-                <a:solidFill>
-                  <a:schemeClr val="tx1"/>
-                </a:solidFill>
-                <a:latin typeface="+mn-lt"/>
-                <a:ea typeface="+mn-ea"/>
-                <a:cs typeface="+mn-cs"/>
-              </a:defRPr>
-            </a:lvl4pPr>
-            <a:lvl5pPr marL="2057400" indent="-228600" algn="l" defTabSz="914400" rtl="0" eaLnBrk="1" latinLnBrk="0" hangingPunct="1">
-              <a:lnSpc>
-                <a:spcPct val="90000"/>
-              </a:lnSpc>
-              <a:spcBef>
-                <a:spcPts val="500"/>
-              </a:spcBef>
-              <a:buFont typeface="Arial" panose="020B0604020202020204" pitchFamily="34" charset="0"/>
-              <a:buChar char="•"/>
-              <a:defRPr sz="1800" kern="1200">
-                <a:solidFill>
-                  <a:schemeClr val="tx1"/>
-                </a:solidFill>
-                <a:latin typeface="+mn-lt"/>
-                <a:ea typeface="+mn-ea"/>
-                <a:cs typeface="+mn-cs"/>
-              </a:defRPr>
-            </a:lvl5pPr>
-            <a:lvl6pPr marL="2514600" indent="-228600" algn="l" defTabSz="914400" rtl="0" eaLnBrk="1" latinLnBrk="0" hangingPunct="1">
-              <a:lnSpc>
-                <a:spcPct val="90000"/>
-              </a:lnSpc>
-              <a:spcBef>
-                <a:spcPts val="500"/>
-              </a:spcBef>
-              <a:buFont typeface="Arial" panose="020B0604020202020204" pitchFamily="34" charset="0"/>
-              <a:buChar char="•"/>
-              <a:defRPr sz="1800" kern="1200">
-                <a:solidFill>
-                  <a:schemeClr val="tx1"/>
-                </a:solidFill>
-                <a:latin typeface="+mn-lt"/>
-                <a:ea typeface="+mn-ea"/>
-                <a:cs typeface="+mn-cs"/>
-              </a:defRPr>
-            </a:lvl6pPr>
-            <a:lvl7pPr marL="2971800" indent="-228600" algn="l" defTabSz="914400" rtl="0" eaLnBrk="1" latinLnBrk="0" hangingPunct="1">
-              <a:lnSpc>
-                <a:spcPct val="90000"/>
-              </a:lnSpc>
-              <a:spcBef>
-                <a:spcPts val="500"/>
-              </a:spcBef>
-              <a:buFont typeface="Arial" panose="020B0604020202020204" pitchFamily="34" charset="0"/>
-              <a:buChar char="•"/>
-              <a:defRPr sz="1800" kern="1200">
-                <a:solidFill>
-                  <a:schemeClr val="tx1"/>
-                </a:solidFill>
-                <a:latin typeface="+mn-lt"/>
-                <a:ea typeface="+mn-ea"/>
-                <a:cs typeface="+mn-cs"/>
-              </a:defRPr>
-            </a:lvl7pPr>
-            <a:lvl8pPr marL="3429000" indent="-228600" algn="l" defTabSz="914400" rtl="0" eaLnBrk="1" latinLnBrk="0" hangingPunct="1">
-              <a:lnSpc>
-                <a:spcPct val="90000"/>
-              </a:lnSpc>
-              <a:spcBef>
-                <a:spcPts val="500"/>
-              </a:spcBef>
-              <a:buFont typeface="Arial" panose="020B0604020202020204" pitchFamily="34" charset="0"/>
-              <a:buChar char="•"/>
-              <a:defRPr sz="1800" kern="1200">
-                <a:solidFill>
-                  <a:schemeClr val="tx1"/>
-                </a:solidFill>
-                <a:latin typeface="+mn-lt"/>
-                <a:ea typeface="+mn-ea"/>
-                <a:cs typeface="+mn-cs"/>
-              </a:defRPr>
-            </a:lvl8pPr>
-            <a:lvl9pPr marL="3886200" indent="-228600" algn="l" defTabSz="914400" rtl="0" eaLnBrk="1" latinLnBrk="0" hangingPunct="1">
-              <a:lnSpc>
-                <a:spcPct val="90000"/>
-              </a:lnSpc>
-              <a:spcBef>
-                <a:spcPts val="500"/>
-              </a:spcBef>
-              <a:buFont typeface="Arial" panose="020B0604020202020204" pitchFamily="34" charset="0"/>
-              <a:buChar char="•"/>
-              <a:defRPr sz="1800" kern="1200">
-                <a:solidFill>
-                  <a:schemeClr val="tx1"/>
-                </a:solidFill>
-                <a:latin typeface="+mn-lt"/>
-                <a:ea typeface="+mn-ea"/>
-                <a:cs typeface="+mn-cs"/>
-              </a:defRPr>
-            </a:lvl9pPr>
-          </a:lstStyle>
-          <a:p>
-            <a:r>
-              <a:rPr lang="it-IT" dirty="0">
-                <a:ln>
-                  <a:solidFill>
-                    <a:schemeClr val="accent1">
-                      <a:lumMod val="50000"/>
-                    </a:schemeClr>
-                  </a:solidFill>
-                </a:ln>
-                <a:solidFill>
-                  <a:schemeClr val="bg1"/>
-                </a:solidFill>
-              </a:rPr>
-              <a:t>Rare (5%)</a:t>
-            </a:r>
-          </a:p>
-        </p:txBody>
-      </p:sp>
-      <p:sp>
-        <p:nvSpPr>
-          <p:cNvPr id="12" name="Segnaposto contenuto 2"/>
-          <p:cNvSpPr txBox="1">
-            <a:spLocks/>
-          </p:cNvSpPr>
-          <p:nvPr/>
-        </p:nvSpPr>
-        <p:spPr>
-          <a:xfrm>
-            <a:off x="720000" y="3990814"/>
-            <a:ext cx="10800000" cy="540000"/>
-          </a:xfrm>
-          <a:prstGeom prst="rect">
-            <a:avLst/>
-          </a:prstGeom>
-          <a:solidFill>
-            <a:srgbClr val="7030A0">
-              <a:alpha val="40000"/>
-            </a:srgbClr>
-          </a:solidFill>
-        </p:spPr>
-        <p:txBody>
-          <a:bodyPr vert="horz" lIns="91440" tIns="45720" rIns="91440" bIns="45720" rtlCol="0">
-            <a:normAutofit/>
-          </a:bodyPr>
-          <a:lstStyle>
-            <a:lvl1pPr marL="228600" indent="-228600" algn="l" defTabSz="914400" rtl="0" eaLnBrk="1" latinLnBrk="0" hangingPunct="1">
-              <a:lnSpc>
-                <a:spcPct val="90000"/>
-              </a:lnSpc>
-              <a:spcBef>
-                <a:spcPts val="1000"/>
-              </a:spcBef>
-              <a:buFont typeface="Arial" panose="020B0604020202020204" pitchFamily="34" charset="0"/>
-              <a:buChar char="•"/>
-              <a:defRPr sz="2800" kern="1200">
-                <a:solidFill>
-                  <a:schemeClr val="tx1"/>
-                </a:solidFill>
-                <a:latin typeface="+mn-lt"/>
-                <a:ea typeface="+mn-ea"/>
-                <a:cs typeface="+mn-cs"/>
-              </a:defRPr>
-            </a:lvl1pPr>
-            <a:lvl2pPr marL="685800" indent="-228600" algn="l" defTabSz="914400" rtl="0" eaLnBrk="1" latinLnBrk="0" hangingPunct="1">
-              <a:lnSpc>
-                <a:spcPct val="90000"/>
-              </a:lnSpc>
-              <a:spcBef>
-                <a:spcPts val="500"/>
-              </a:spcBef>
-              <a:buFont typeface="Arial" panose="020B0604020202020204" pitchFamily="34" charset="0"/>
-              <a:buChar char="•"/>
-              <a:defRPr sz="2400" kern="1200">
-                <a:solidFill>
-                  <a:schemeClr val="tx1"/>
-                </a:solidFill>
-                <a:latin typeface="+mn-lt"/>
-                <a:ea typeface="+mn-ea"/>
-                <a:cs typeface="+mn-cs"/>
-              </a:defRPr>
-            </a:lvl2pPr>
-            <a:lvl3pPr marL="1143000" indent="-228600" algn="l" defTabSz="914400" rtl="0" eaLnBrk="1" latinLnBrk="0" hangingPunct="1">
-              <a:lnSpc>
-                <a:spcPct val="90000"/>
-              </a:lnSpc>
-              <a:spcBef>
-                <a:spcPts val="500"/>
-              </a:spcBef>
-              <a:buFont typeface="Arial" panose="020B0604020202020204" pitchFamily="34" charset="0"/>
-              <a:buChar char="•"/>
-              <a:defRPr sz="2000" kern="1200">
-                <a:solidFill>
-                  <a:schemeClr val="tx1"/>
-                </a:solidFill>
-                <a:latin typeface="+mn-lt"/>
-                <a:ea typeface="+mn-ea"/>
-                <a:cs typeface="+mn-cs"/>
-              </a:defRPr>
-            </a:lvl3pPr>
-            <a:lvl4pPr marL="1600200" indent="-228600" algn="l" defTabSz="914400" rtl="0" eaLnBrk="1" latinLnBrk="0" hangingPunct="1">
-              <a:lnSpc>
-                <a:spcPct val="90000"/>
-              </a:lnSpc>
-              <a:spcBef>
-                <a:spcPts val="500"/>
-              </a:spcBef>
-              <a:buFont typeface="Arial" panose="020B0604020202020204" pitchFamily="34" charset="0"/>
-              <a:buChar char="•"/>
-              <a:defRPr sz="1800" kern="1200">
-                <a:solidFill>
-                  <a:schemeClr val="tx1"/>
-                </a:solidFill>
-                <a:latin typeface="+mn-lt"/>
-                <a:ea typeface="+mn-ea"/>
-                <a:cs typeface="+mn-cs"/>
-              </a:defRPr>
-            </a:lvl4pPr>
-            <a:lvl5pPr marL="2057400" indent="-228600" algn="l" defTabSz="914400" rtl="0" eaLnBrk="1" latinLnBrk="0" hangingPunct="1">
-              <a:lnSpc>
-                <a:spcPct val="90000"/>
-              </a:lnSpc>
-              <a:spcBef>
-                <a:spcPts val="500"/>
-              </a:spcBef>
-              <a:buFont typeface="Arial" panose="020B0604020202020204" pitchFamily="34" charset="0"/>
-              <a:buChar char="•"/>
-              <a:defRPr sz="1800" kern="1200">
-                <a:solidFill>
-                  <a:schemeClr val="tx1"/>
-                </a:solidFill>
-                <a:latin typeface="+mn-lt"/>
-                <a:ea typeface="+mn-ea"/>
-                <a:cs typeface="+mn-cs"/>
-              </a:defRPr>
-            </a:lvl5pPr>
-            <a:lvl6pPr marL="2514600" indent="-228600" algn="l" defTabSz="914400" rtl="0" eaLnBrk="1" latinLnBrk="0" hangingPunct="1">
-              <a:lnSpc>
-                <a:spcPct val="90000"/>
-              </a:lnSpc>
-              <a:spcBef>
-                <a:spcPts val="500"/>
-              </a:spcBef>
-              <a:buFont typeface="Arial" panose="020B0604020202020204" pitchFamily="34" charset="0"/>
-              <a:buChar char="•"/>
-              <a:defRPr sz="1800" kern="1200">
-                <a:solidFill>
-                  <a:schemeClr val="tx1"/>
-                </a:solidFill>
-                <a:latin typeface="+mn-lt"/>
-                <a:ea typeface="+mn-ea"/>
-                <a:cs typeface="+mn-cs"/>
-              </a:defRPr>
-            </a:lvl6pPr>
-            <a:lvl7pPr marL="2971800" indent="-228600" algn="l" defTabSz="914400" rtl="0" eaLnBrk="1" latinLnBrk="0" hangingPunct="1">
-              <a:lnSpc>
-                <a:spcPct val="90000"/>
-              </a:lnSpc>
-              <a:spcBef>
-                <a:spcPts val="500"/>
-              </a:spcBef>
-              <a:buFont typeface="Arial" panose="020B0604020202020204" pitchFamily="34" charset="0"/>
-              <a:buChar char="•"/>
-              <a:defRPr sz="1800" kern="1200">
-                <a:solidFill>
-                  <a:schemeClr val="tx1"/>
-                </a:solidFill>
-                <a:latin typeface="+mn-lt"/>
-                <a:ea typeface="+mn-ea"/>
-                <a:cs typeface="+mn-cs"/>
-              </a:defRPr>
-            </a:lvl7pPr>
-            <a:lvl8pPr marL="3429000" indent="-228600" algn="l" defTabSz="914400" rtl="0" eaLnBrk="1" latinLnBrk="0" hangingPunct="1">
-              <a:lnSpc>
-                <a:spcPct val="90000"/>
-              </a:lnSpc>
-              <a:spcBef>
-                <a:spcPts val="500"/>
-              </a:spcBef>
-              <a:buFont typeface="Arial" panose="020B0604020202020204" pitchFamily="34" charset="0"/>
-              <a:buChar char="•"/>
-              <a:defRPr sz="1800" kern="1200">
-                <a:solidFill>
-                  <a:schemeClr val="tx1"/>
-                </a:solidFill>
-                <a:latin typeface="+mn-lt"/>
-                <a:ea typeface="+mn-ea"/>
-                <a:cs typeface="+mn-cs"/>
-              </a:defRPr>
-            </a:lvl8pPr>
-            <a:lvl9pPr marL="3886200" indent="-228600" algn="l" defTabSz="914400" rtl="0" eaLnBrk="1" latinLnBrk="0" hangingPunct="1">
-              <a:lnSpc>
-                <a:spcPct val="90000"/>
-              </a:lnSpc>
-              <a:spcBef>
-                <a:spcPts val="500"/>
-              </a:spcBef>
-              <a:buFont typeface="Arial" panose="020B0604020202020204" pitchFamily="34" charset="0"/>
-              <a:buChar char="•"/>
-              <a:defRPr sz="1800" kern="1200">
-                <a:solidFill>
-                  <a:schemeClr val="tx1"/>
-                </a:solidFill>
-                <a:latin typeface="+mn-lt"/>
-                <a:ea typeface="+mn-ea"/>
-                <a:cs typeface="+mn-cs"/>
-              </a:defRPr>
-            </a:lvl9pPr>
-          </a:lstStyle>
-          <a:p>
-            <a:r>
-              <a:rPr lang="it-IT" dirty="0" err="1">
-                <a:ln>
-                  <a:solidFill>
-                    <a:srgbClr val="7030A0"/>
-                  </a:solidFill>
-                </a:ln>
-                <a:solidFill>
-                  <a:schemeClr val="bg1"/>
-                </a:solidFill>
-              </a:rPr>
-              <a:t>Epic</a:t>
-            </a:r>
-            <a:r>
-              <a:rPr lang="it-IT" dirty="0">
-                <a:ln>
-                  <a:solidFill>
-                    <a:srgbClr val="7030A0"/>
-                  </a:solidFill>
-                </a:ln>
-                <a:solidFill>
-                  <a:schemeClr val="bg1"/>
-                </a:solidFill>
-              </a:rPr>
-              <a:t> (0,5%)</a:t>
-            </a:r>
-          </a:p>
-        </p:txBody>
-      </p:sp>
-      <p:sp>
-        <p:nvSpPr>
-          <p:cNvPr id="13" name="Segnaposto contenuto 2"/>
-          <p:cNvSpPr txBox="1">
-            <a:spLocks/>
-          </p:cNvSpPr>
-          <p:nvPr/>
-        </p:nvSpPr>
-        <p:spPr>
-          <a:xfrm>
-            <a:off x="720000" y="4890814"/>
-            <a:ext cx="10800000" cy="540000"/>
-          </a:xfrm>
-          <a:prstGeom prst="rect">
-            <a:avLst/>
-          </a:prstGeom>
-          <a:solidFill>
-            <a:schemeClr val="accent4">
-              <a:alpha val="40000"/>
-            </a:schemeClr>
-          </a:solidFill>
-        </p:spPr>
-        <p:txBody>
-          <a:bodyPr vert="horz" lIns="91440" tIns="45720" rIns="91440" bIns="45720" rtlCol="0">
-            <a:normAutofit/>
-          </a:bodyPr>
-          <a:lstStyle>
-            <a:lvl1pPr marL="228600" indent="-228600" algn="l" defTabSz="914400" rtl="0" eaLnBrk="1" latinLnBrk="0" hangingPunct="1">
-              <a:lnSpc>
-                <a:spcPct val="90000"/>
-              </a:lnSpc>
-              <a:spcBef>
-                <a:spcPts val="1000"/>
-              </a:spcBef>
-              <a:buFont typeface="Arial" panose="020B0604020202020204" pitchFamily="34" charset="0"/>
-              <a:buChar char="•"/>
-              <a:defRPr sz="2800" kern="1200">
-                <a:solidFill>
-                  <a:schemeClr val="tx1"/>
-                </a:solidFill>
-                <a:latin typeface="+mn-lt"/>
-                <a:ea typeface="+mn-ea"/>
-                <a:cs typeface="+mn-cs"/>
-              </a:defRPr>
-            </a:lvl1pPr>
-            <a:lvl2pPr marL="685800" indent="-228600" algn="l" defTabSz="914400" rtl="0" eaLnBrk="1" latinLnBrk="0" hangingPunct="1">
-              <a:lnSpc>
-                <a:spcPct val="90000"/>
-              </a:lnSpc>
-              <a:spcBef>
-                <a:spcPts val="500"/>
-              </a:spcBef>
-              <a:buFont typeface="Arial" panose="020B0604020202020204" pitchFamily="34" charset="0"/>
-              <a:buChar char="•"/>
-              <a:defRPr sz="2400" kern="1200">
-                <a:solidFill>
-                  <a:schemeClr val="tx1"/>
-                </a:solidFill>
-                <a:latin typeface="+mn-lt"/>
-                <a:ea typeface="+mn-ea"/>
-                <a:cs typeface="+mn-cs"/>
-              </a:defRPr>
-            </a:lvl2pPr>
-            <a:lvl3pPr marL="1143000" indent="-228600" algn="l" defTabSz="914400" rtl="0" eaLnBrk="1" latinLnBrk="0" hangingPunct="1">
-              <a:lnSpc>
-                <a:spcPct val="90000"/>
-              </a:lnSpc>
-              <a:spcBef>
-                <a:spcPts val="500"/>
-              </a:spcBef>
-              <a:buFont typeface="Arial" panose="020B0604020202020204" pitchFamily="34" charset="0"/>
-              <a:buChar char="•"/>
-              <a:defRPr sz="2000" kern="1200">
-                <a:solidFill>
-                  <a:schemeClr val="tx1"/>
-                </a:solidFill>
-                <a:latin typeface="+mn-lt"/>
-                <a:ea typeface="+mn-ea"/>
-                <a:cs typeface="+mn-cs"/>
-              </a:defRPr>
-            </a:lvl3pPr>
-            <a:lvl4pPr marL="1600200" indent="-228600" algn="l" defTabSz="914400" rtl="0" eaLnBrk="1" latinLnBrk="0" hangingPunct="1">
-              <a:lnSpc>
-                <a:spcPct val="90000"/>
-              </a:lnSpc>
-              <a:spcBef>
-                <a:spcPts val="500"/>
-              </a:spcBef>
-              <a:buFont typeface="Arial" panose="020B0604020202020204" pitchFamily="34" charset="0"/>
-              <a:buChar char="•"/>
-              <a:defRPr sz="1800" kern="1200">
-                <a:solidFill>
-                  <a:schemeClr val="tx1"/>
-                </a:solidFill>
-                <a:latin typeface="+mn-lt"/>
-                <a:ea typeface="+mn-ea"/>
-                <a:cs typeface="+mn-cs"/>
-              </a:defRPr>
-            </a:lvl4pPr>
-            <a:lvl5pPr marL="2057400" indent="-228600" algn="l" defTabSz="914400" rtl="0" eaLnBrk="1" latinLnBrk="0" hangingPunct="1">
-              <a:lnSpc>
-                <a:spcPct val="90000"/>
-              </a:lnSpc>
-              <a:spcBef>
-                <a:spcPts val="500"/>
-              </a:spcBef>
-              <a:buFont typeface="Arial" panose="020B0604020202020204" pitchFamily="34" charset="0"/>
-              <a:buChar char="•"/>
-              <a:defRPr sz="1800" kern="1200">
-                <a:solidFill>
-                  <a:schemeClr val="tx1"/>
-                </a:solidFill>
-                <a:latin typeface="+mn-lt"/>
-                <a:ea typeface="+mn-ea"/>
-                <a:cs typeface="+mn-cs"/>
-              </a:defRPr>
-            </a:lvl5pPr>
-            <a:lvl6pPr marL="2514600" indent="-228600" algn="l" defTabSz="914400" rtl="0" eaLnBrk="1" latinLnBrk="0" hangingPunct="1">
-              <a:lnSpc>
-                <a:spcPct val="90000"/>
-              </a:lnSpc>
-              <a:spcBef>
-                <a:spcPts val="500"/>
-              </a:spcBef>
-              <a:buFont typeface="Arial" panose="020B0604020202020204" pitchFamily="34" charset="0"/>
-              <a:buChar char="•"/>
-              <a:defRPr sz="1800" kern="1200">
-                <a:solidFill>
-                  <a:schemeClr val="tx1"/>
-                </a:solidFill>
-                <a:latin typeface="+mn-lt"/>
-                <a:ea typeface="+mn-ea"/>
-                <a:cs typeface="+mn-cs"/>
-              </a:defRPr>
-            </a:lvl6pPr>
-            <a:lvl7pPr marL="2971800" indent="-228600" algn="l" defTabSz="914400" rtl="0" eaLnBrk="1" latinLnBrk="0" hangingPunct="1">
-              <a:lnSpc>
-                <a:spcPct val="90000"/>
-              </a:lnSpc>
-              <a:spcBef>
-                <a:spcPts val="500"/>
-              </a:spcBef>
-              <a:buFont typeface="Arial" panose="020B0604020202020204" pitchFamily="34" charset="0"/>
-              <a:buChar char="•"/>
-              <a:defRPr sz="1800" kern="1200">
-                <a:solidFill>
-                  <a:schemeClr val="tx1"/>
-                </a:solidFill>
-                <a:latin typeface="+mn-lt"/>
-                <a:ea typeface="+mn-ea"/>
-                <a:cs typeface="+mn-cs"/>
-              </a:defRPr>
-            </a:lvl7pPr>
-            <a:lvl8pPr marL="3429000" indent="-228600" algn="l" defTabSz="914400" rtl="0" eaLnBrk="1" latinLnBrk="0" hangingPunct="1">
-              <a:lnSpc>
-                <a:spcPct val="90000"/>
-              </a:lnSpc>
-              <a:spcBef>
-                <a:spcPts val="500"/>
-              </a:spcBef>
-              <a:buFont typeface="Arial" panose="020B0604020202020204" pitchFamily="34" charset="0"/>
-              <a:buChar char="•"/>
-              <a:defRPr sz="1800" kern="1200">
-                <a:solidFill>
-                  <a:schemeClr val="tx1"/>
-                </a:solidFill>
-                <a:latin typeface="+mn-lt"/>
-                <a:ea typeface="+mn-ea"/>
-                <a:cs typeface="+mn-cs"/>
-              </a:defRPr>
-            </a:lvl8pPr>
-            <a:lvl9pPr marL="3886200" indent="-228600" algn="l" defTabSz="914400" rtl="0" eaLnBrk="1" latinLnBrk="0" hangingPunct="1">
-              <a:lnSpc>
-                <a:spcPct val="90000"/>
-              </a:lnSpc>
-              <a:spcBef>
-                <a:spcPts val="500"/>
-              </a:spcBef>
-              <a:buFont typeface="Arial" panose="020B0604020202020204" pitchFamily="34" charset="0"/>
-              <a:buChar char="•"/>
-              <a:defRPr sz="1800" kern="1200">
-                <a:solidFill>
-                  <a:schemeClr val="tx1"/>
-                </a:solidFill>
-                <a:latin typeface="+mn-lt"/>
-                <a:ea typeface="+mn-ea"/>
-                <a:cs typeface="+mn-cs"/>
-              </a:defRPr>
-            </a:lvl9pPr>
-          </a:lstStyle>
-          <a:p>
-            <a:r>
-              <a:rPr lang="it-IT" dirty="0" err="1">
-                <a:ln>
-                  <a:solidFill>
-                    <a:schemeClr val="accent4">
-                      <a:lumMod val="50000"/>
-                    </a:schemeClr>
-                  </a:solidFill>
-                </a:ln>
-                <a:solidFill>
-                  <a:schemeClr val="bg1"/>
-                </a:solidFill>
-              </a:rPr>
-              <a:t>Legendary</a:t>
-            </a:r>
-            <a:r>
-              <a:rPr lang="it-IT" dirty="0">
-                <a:ln>
-                  <a:solidFill>
-                    <a:schemeClr val="accent4">
-                      <a:lumMod val="50000"/>
-                    </a:schemeClr>
-                  </a:solidFill>
-                </a:ln>
-                <a:solidFill>
-                  <a:schemeClr val="bg1"/>
-                </a:solidFill>
-              </a:rPr>
-              <a:t> (0,05%)</a:t>
-            </a:r>
-          </a:p>
-        </p:txBody>
-      </p:sp>
-      <p:pic>
-        <p:nvPicPr>
-          <p:cNvPr id="1030" name="Picture 6" descr="https://static.wikia.nocookie.net/nintendo/images/d/d3/Mewtwo.png/revision/latest/scale-to-width-down/1000?cb=20141002090451&amp;path-prefix=en"/>
-          <p:cNvPicPr>
-            <a:picLocks noChangeAspect="1" noChangeArrowheads="1"/>
-          </p:cNvPicPr>
-          <p:nvPr/>
-        </p:nvPicPr>
-        <p:blipFill>
-          <a:blip r:embed="rId2" cstate="print">
-            <a:extLst>
-              <a:ext uri="{28A0092B-C50C-407E-A947-70E740481C1C}">
-                <a14:useLocalDpi xmlns:a14="http://schemas.microsoft.com/office/drawing/2010/main" val="0"/>
-              </a:ext>
-            </a:extLst>
-          </a:blip>
-          <a:srcRect/>
-          <a:stretch>
-            <a:fillRect/>
-          </a:stretch>
-        </p:blipFill>
-        <p:spPr bwMode="auto">
-          <a:xfrm>
-            <a:off x="10512000" y="4782814"/>
-            <a:ext cx="828000" cy="828000"/>
-          </a:xfrm>
-          <a:prstGeom prst="rect">
-            <a:avLst/>
-          </a:prstGeom>
-          <a:noFill/>
-          <a:extLst>
-            <a:ext uri="{909E8E84-426E-40DD-AFC4-6F175D3DCCD1}">
-              <a14:hiddenFill xmlns:a14="http://schemas.microsoft.com/office/drawing/2010/main">
-                <a:solidFill>
-                  <a:srgbClr val="FFFFFF"/>
-                </a:solidFill>
-              </a14:hiddenFill>
-            </a:ext>
-          </a:extLst>
-        </p:spPr>
-      </p:pic>
-      <p:pic>
-        <p:nvPicPr>
-          <p:cNvPr id="1032" name="Picture 8" descr="https://static.wikia.nocookie.net/nintendo/images/f/f8/Gengar.png/revision/latest?cb=20210812171706&amp;path-prefix=en"/>
-          <p:cNvPicPr>
-            <a:picLocks noChangeAspect="1" noChangeArrowheads="1"/>
-          </p:cNvPicPr>
-          <p:nvPr/>
-        </p:nvPicPr>
-        <p:blipFill>
-          <a:blip r:embed="rId3" cstate="print">
-            <a:extLst>
-              <a:ext uri="{28A0092B-C50C-407E-A947-70E740481C1C}">
-                <a14:useLocalDpi xmlns:a14="http://schemas.microsoft.com/office/drawing/2010/main" val="0"/>
-              </a:ext>
-            </a:extLst>
-          </a:blip>
-          <a:srcRect/>
-          <a:stretch>
-            <a:fillRect/>
-          </a:stretch>
-        </p:blipFill>
-        <p:spPr bwMode="auto">
-          <a:xfrm>
-            <a:off x="6480000" y="3846814"/>
-            <a:ext cx="828000" cy="828000"/>
-          </a:xfrm>
-          <a:prstGeom prst="rect">
-            <a:avLst/>
-          </a:prstGeom>
-          <a:noFill/>
-          <a:extLst>
-            <a:ext uri="{909E8E84-426E-40DD-AFC4-6F175D3DCCD1}">
-              <a14:hiddenFill xmlns:a14="http://schemas.microsoft.com/office/drawing/2010/main">
-                <a:solidFill>
-                  <a:srgbClr val="FFFFFF"/>
-                </a:solidFill>
-              </a14:hiddenFill>
-            </a:ext>
-          </a:extLst>
-        </p:spPr>
-      </p:pic>
-      <p:pic>
-        <p:nvPicPr>
-          <p:cNvPr id="1034" name="Picture 10" descr="https://static.wikia.nocookie.net/nintendo/images/9/95/Charizard.png/revision/latest/scale-to-width-down/1000?cb=20141002083306&amp;path-prefix=en"/>
-          <p:cNvPicPr>
-            <a:picLocks noChangeAspect="1" noChangeArrowheads="1"/>
-          </p:cNvPicPr>
-          <p:nvPr/>
-        </p:nvPicPr>
-        <p:blipFill>
-          <a:blip r:embed="rId4" cstate="print">
-            <a:extLst>
-              <a:ext uri="{28A0092B-C50C-407E-A947-70E740481C1C}">
-                <a14:useLocalDpi xmlns:a14="http://schemas.microsoft.com/office/drawing/2010/main" val="0"/>
-              </a:ext>
-            </a:extLst>
-          </a:blip>
-          <a:srcRect/>
-          <a:stretch>
-            <a:fillRect/>
-          </a:stretch>
-        </p:blipFill>
-        <p:spPr bwMode="auto">
-          <a:xfrm>
-            <a:off x="9450000" y="3846814"/>
-            <a:ext cx="828000" cy="828000"/>
-          </a:xfrm>
-          <a:prstGeom prst="rect">
-            <a:avLst/>
-          </a:prstGeom>
-          <a:noFill/>
-          <a:extLst>
-            <a:ext uri="{909E8E84-426E-40DD-AFC4-6F175D3DCCD1}">
-              <a14:hiddenFill xmlns:a14="http://schemas.microsoft.com/office/drawing/2010/main">
-                <a:solidFill>
-                  <a:srgbClr val="FFFFFF"/>
-                </a:solidFill>
-              </a14:hiddenFill>
-            </a:ext>
-          </a:extLst>
-        </p:spPr>
-      </p:pic>
-      <p:pic>
-        <p:nvPicPr>
-          <p:cNvPr id="1036" name="Picture 12" descr="https://static.wikia.nocookie.net/nintendo/images/7/77/Pikachu.png/revision/latest?cb=20141002082401&amp;path-prefix=en"/>
-          <p:cNvPicPr>
-            <a:picLocks noChangeAspect="1" noChangeArrowheads="1"/>
-          </p:cNvPicPr>
-          <p:nvPr/>
-        </p:nvPicPr>
-        <p:blipFill>
-          <a:blip r:embed="rId5" cstate="print">
-            <a:extLst>
-              <a:ext uri="{28A0092B-C50C-407E-A947-70E740481C1C}">
-                <a14:useLocalDpi xmlns:a14="http://schemas.microsoft.com/office/drawing/2010/main" val="0"/>
-              </a:ext>
-            </a:extLst>
-          </a:blip>
-          <a:srcRect/>
-          <a:stretch>
-            <a:fillRect/>
-          </a:stretch>
-        </p:blipFill>
-        <p:spPr bwMode="auto">
-          <a:xfrm>
-            <a:off x="6480000" y="2010814"/>
-            <a:ext cx="828000" cy="828000"/>
-          </a:xfrm>
-          <a:prstGeom prst="rect">
-            <a:avLst/>
-          </a:prstGeom>
-          <a:noFill/>
-          <a:extLst>
-            <a:ext uri="{909E8E84-426E-40DD-AFC4-6F175D3DCCD1}">
-              <a14:hiddenFill xmlns:a14="http://schemas.microsoft.com/office/drawing/2010/main">
-                <a:solidFill>
-                  <a:srgbClr val="FFFFFF"/>
-                </a:solidFill>
-              </a14:hiddenFill>
-            </a:ext>
-          </a:extLst>
-        </p:spPr>
-      </p:pic>
-      <p:pic>
-        <p:nvPicPr>
-          <p:cNvPr id="1044" name="Picture 20" descr="https://static.wikia.nocookie.net/nintendo/images/a/af/Jigglypuff.png/revision/latest?cb=20141002081555&amp;path-prefix=en"/>
-          <p:cNvPicPr>
-            <a:picLocks noChangeAspect="1" noChangeArrowheads="1"/>
-          </p:cNvPicPr>
-          <p:nvPr/>
-        </p:nvPicPr>
-        <p:blipFill>
-          <a:blip r:embed="rId6" cstate="print">
-            <a:extLst>
-              <a:ext uri="{28A0092B-C50C-407E-A947-70E740481C1C}">
-                <a14:useLocalDpi xmlns:a14="http://schemas.microsoft.com/office/drawing/2010/main" val="0"/>
-              </a:ext>
-            </a:extLst>
-          </a:blip>
-          <a:srcRect/>
-          <a:stretch>
-            <a:fillRect/>
-          </a:stretch>
-        </p:blipFill>
-        <p:spPr bwMode="auto">
-          <a:xfrm>
-            <a:off x="10512000" y="1110814"/>
-            <a:ext cx="828000" cy="828000"/>
-          </a:xfrm>
-          <a:prstGeom prst="rect">
-            <a:avLst/>
-          </a:prstGeom>
-          <a:noFill/>
-          <a:extLst>
-            <a:ext uri="{909E8E84-426E-40DD-AFC4-6F175D3DCCD1}">
-              <a14:hiddenFill xmlns:a14="http://schemas.microsoft.com/office/drawing/2010/main">
-                <a:solidFill>
-                  <a:srgbClr val="FFFFFF"/>
-                </a:solidFill>
-              </a14:hiddenFill>
-            </a:ext>
-          </a:extLst>
-        </p:spPr>
-      </p:pic>
-      <p:pic>
-        <p:nvPicPr>
-          <p:cNvPr id="1046" name="Picture 22" descr="https://static.wikia.nocookie.net/nintendo/images/9/99/Meowth.png/revision/latest?cb=20160811132041&amp;path-prefix=en"/>
-          <p:cNvPicPr>
-            <a:picLocks noChangeAspect="1" noChangeArrowheads="1"/>
-          </p:cNvPicPr>
-          <p:nvPr/>
-        </p:nvPicPr>
-        <p:blipFill>
-          <a:blip r:embed="rId7" cstate="print">
-            <a:extLst>
-              <a:ext uri="{28A0092B-C50C-407E-A947-70E740481C1C}">
-                <a14:useLocalDpi xmlns:a14="http://schemas.microsoft.com/office/drawing/2010/main" val="0"/>
-              </a:ext>
-            </a:extLst>
-          </a:blip>
-          <a:srcRect/>
-          <a:stretch>
-            <a:fillRect/>
-          </a:stretch>
-        </p:blipFill>
-        <p:spPr bwMode="auto">
-          <a:xfrm>
-            <a:off x="9536681" y="1110814"/>
-            <a:ext cx="654637" cy="828000"/>
-          </a:xfrm>
-          <a:prstGeom prst="rect">
-            <a:avLst/>
-          </a:prstGeom>
-          <a:noFill/>
-          <a:extLst>
-            <a:ext uri="{909E8E84-426E-40DD-AFC4-6F175D3DCCD1}">
-              <a14:hiddenFill xmlns:a14="http://schemas.microsoft.com/office/drawing/2010/main">
-                <a:solidFill>
-                  <a:srgbClr val="FFFFFF"/>
-                </a:solidFill>
-              </a14:hiddenFill>
-            </a:ext>
-          </a:extLst>
-        </p:spPr>
-      </p:pic>
-      <p:pic>
-        <p:nvPicPr>
-          <p:cNvPr id="1048" name="Picture 24" descr="https://static.wikia.nocookie.net/nintendo/images/f/f2/Eevee.png/revision/latest?cb=20210812185933&amp;path-prefix=en"/>
-          <p:cNvPicPr>
-            <a:picLocks noChangeAspect="1" noChangeArrowheads="1"/>
-          </p:cNvPicPr>
-          <p:nvPr/>
-        </p:nvPicPr>
-        <p:blipFill>
-          <a:blip r:embed="rId8" cstate="print">
-            <a:extLst>
-              <a:ext uri="{28A0092B-C50C-407E-A947-70E740481C1C}">
-                <a14:useLocalDpi xmlns:a14="http://schemas.microsoft.com/office/drawing/2010/main" val="0"/>
-              </a:ext>
-            </a:extLst>
-          </a:blip>
-          <a:srcRect/>
-          <a:stretch>
-            <a:fillRect/>
-          </a:stretch>
-        </p:blipFill>
-        <p:spPr bwMode="auto">
-          <a:xfrm>
-            <a:off x="7488000" y="2010814"/>
-            <a:ext cx="828000" cy="828000"/>
-          </a:xfrm>
-          <a:prstGeom prst="rect">
-            <a:avLst/>
-          </a:prstGeom>
-          <a:noFill/>
-          <a:extLst>
-            <a:ext uri="{909E8E84-426E-40DD-AFC4-6F175D3DCCD1}">
-              <a14:hiddenFill xmlns:a14="http://schemas.microsoft.com/office/drawing/2010/main">
-                <a:solidFill>
-                  <a:srgbClr val="FFFFFF"/>
-                </a:solidFill>
-              </a14:hiddenFill>
-            </a:ext>
-          </a:extLst>
-        </p:spPr>
-      </p:pic>
-      <p:pic>
-        <p:nvPicPr>
-          <p:cNvPr id="1050" name="Picture 26" descr="https://static.wikia.nocookie.net/nintendo/images/b/bf/Mew.png/revision/latest/scale-to-width-down/1000?cb=20180612225527&amp;path-prefix=en"/>
-          <p:cNvPicPr>
-            <a:picLocks noChangeAspect="1" noChangeArrowheads="1"/>
-          </p:cNvPicPr>
-          <p:nvPr/>
-        </p:nvPicPr>
-        <p:blipFill>
-          <a:blip r:embed="rId9" cstate="print">
-            <a:extLst>
-              <a:ext uri="{28A0092B-C50C-407E-A947-70E740481C1C}">
-                <a14:useLocalDpi xmlns:a14="http://schemas.microsoft.com/office/drawing/2010/main" val="0"/>
-              </a:ext>
-            </a:extLst>
-          </a:blip>
-          <a:srcRect/>
-          <a:stretch>
-            <a:fillRect/>
-          </a:stretch>
-        </p:blipFill>
-        <p:spPr bwMode="auto">
-          <a:xfrm>
-            <a:off x="9450000" y="4782814"/>
-            <a:ext cx="850976" cy="828000"/>
-          </a:xfrm>
-          <a:prstGeom prst="rect">
-            <a:avLst/>
-          </a:prstGeom>
-          <a:noFill/>
-          <a:extLst>
-            <a:ext uri="{909E8E84-426E-40DD-AFC4-6F175D3DCCD1}">
-              <a14:hiddenFill xmlns:a14="http://schemas.microsoft.com/office/drawing/2010/main">
-                <a:solidFill>
-                  <a:srgbClr val="FFFFFF"/>
-                </a:solidFill>
-              </a14:hiddenFill>
-            </a:ext>
-          </a:extLst>
-        </p:spPr>
-      </p:pic>
-      <p:pic>
-        <p:nvPicPr>
-          <p:cNvPr id="1052" name="Picture 28" descr="https://static.wikia.nocookie.net/nintendo/images/b/be/Venusaur.png/revision/latest/scale-to-width-down/1000?cb=20141002083423&amp;path-prefix=en"/>
-          <p:cNvPicPr>
-            <a:picLocks noChangeAspect="1" noChangeArrowheads="1"/>
-          </p:cNvPicPr>
-          <p:nvPr/>
-        </p:nvPicPr>
-        <p:blipFill>
-          <a:blip r:embed="rId10" cstate="print">
-            <a:extLst>
-              <a:ext uri="{28A0092B-C50C-407E-A947-70E740481C1C}">
-                <a14:useLocalDpi xmlns:a14="http://schemas.microsoft.com/office/drawing/2010/main" val="0"/>
-              </a:ext>
-            </a:extLst>
-          </a:blip>
-          <a:srcRect/>
-          <a:stretch>
-            <a:fillRect/>
-          </a:stretch>
-        </p:blipFill>
-        <p:spPr bwMode="auto">
-          <a:xfrm>
-            <a:off x="8460000" y="3846814"/>
-            <a:ext cx="828000" cy="828000"/>
-          </a:xfrm>
-          <a:prstGeom prst="rect">
-            <a:avLst/>
-          </a:prstGeom>
-          <a:noFill/>
-          <a:extLst>
-            <a:ext uri="{909E8E84-426E-40DD-AFC4-6F175D3DCCD1}">
-              <a14:hiddenFill xmlns:a14="http://schemas.microsoft.com/office/drawing/2010/main">
-                <a:solidFill>
-                  <a:srgbClr val="FFFFFF"/>
-                </a:solidFill>
-              </a14:hiddenFill>
-            </a:ext>
-          </a:extLst>
-        </p:spPr>
-      </p:pic>
-      <p:pic>
-        <p:nvPicPr>
-          <p:cNvPr id="1054" name="Picture 30" descr="https://static.wikia.nocookie.net/nintendo/images/4/41/Blastoise.png/revision/latest/scale-to-width-down/1000?cb=20141002083147&amp;path-prefix=en"/>
-          <p:cNvPicPr>
-            <a:picLocks noChangeAspect="1" noChangeArrowheads="1"/>
-          </p:cNvPicPr>
-          <p:nvPr/>
-        </p:nvPicPr>
-        <p:blipFill>
-          <a:blip r:embed="rId11" cstate="print">
-            <a:extLst>
-              <a:ext uri="{28A0092B-C50C-407E-A947-70E740481C1C}">
-                <a14:useLocalDpi xmlns:a14="http://schemas.microsoft.com/office/drawing/2010/main" val="0"/>
-              </a:ext>
-            </a:extLst>
-          </a:blip>
-          <a:srcRect/>
-          <a:stretch>
-            <a:fillRect/>
-          </a:stretch>
-        </p:blipFill>
-        <p:spPr bwMode="auto">
-          <a:xfrm>
-            <a:off x="10512000" y="3846814"/>
-            <a:ext cx="828000" cy="828000"/>
-          </a:xfrm>
-          <a:prstGeom prst="rect">
-            <a:avLst/>
-          </a:prstGeom>
-          <a:noFill/>
-          <a:extLst>
-            <a:ext uri="{909E8E84-426E-40DD-AFC4-6F175D3DCCD1}">
-              <a14:hiddenFill xmlns:a14="http://schemas.microsoft.com/office/drawing/2010/main">
-                <a:solidFill>
-                  <a:srgbClr val="FFFFFF"/>
-                </a:solidFill>
-              </a14:hiddenFill>
-            </a:ext>
-          </a:extLst>
-        </p:spPr>
-      </p:pic>
-      <p:pic>
-        <p:nvPicPr>
-          <p:cNvPr id="1056" name="Picture 32" descr="https://static.wikia.nocookie.net/nintendo/images/d/d7/Gyarados.png/revision/latest?cb=20210812185601&amp;path-prefix=en"/>
-          <p:cNvPicPr>
-            <a:picLocks noChangeAspect="1" noChangeArrowheads="1"/>
-          </p:cNvPicPr>
-          <p:nvPr/>
-        </p:nvPicPr>
-        <p:blipFill>
-          <a:blip r:embed="rId12" cstate="print">
-            <a:extLst>
-              <a:ext uri="{28A0092B-C50C-407E-A947-70E740481C1C}">
-                <a14:useLocalDpi xmlns:a14="http://schemas.microsoft.com/office/drawing/2010/main" val="0"/>
-              </a:ext>
-            </a:extLst>
-          </a:blip>
-          <a:srcRect/>
-          <a:stretch>
-            <a:fillRect/>
-          </a:stretch>
-        </p:blipFill>
-        <p:spPr bwMode="auto">
-          <a:xfrm>
-            <a:off x="13669282" y="3367699"/>
-            <a:ext cx="443115" cy="443115"/>
-          </a:xfrm>
-          <a:prstGeom prst="rect">
-            <a:avLst/>
-          </a:prstGeom>
-          <a:noFill/>
-          <a:extLst>
-            <a:ext uri="{909E8E84-426E-40DD-AFC4-6F175D3DCCD1}">
-              <a14:hiddenFill xmlns:a14="http://schemas.microsoft.com/office/drawing/2010/main">
-                <a:solidFill>
-                  <a:srgbClr val="FFFFFF"/>
-                </a:solidFill>
-              </a14:hiddenFill>
-            </a:ext>
-          </a:extLst>
-        </p:spPr>
-      </p:pic>
-      <p:pic>
-        <p:nvPicPr>
-          <p:cNvPr id="1058" name="Picture 34" descr="https://static.wikia.nocookie.net/nintendo/images/3/30/Lapras.png/revision/latest/scale-to-width-down/1000?cb=20191013025849&amp;path-prefix=en"/>
-          <p:cNvPicPr>
-            <a:picLocks noChangeAspect="1" noChangeArrowheads="1"/>
-          </p:cNvPicPr>
-          <p:nvPr/>
-        </p:nvPicPr>
-        <p:blipFill>
-          <a:blip r:embed="rId13" cstate="print">
-            <a:extLst>
-              <a:ext uri="{28A0092B-C50C-407E-A947-70E740481C1C}">
-                <a14:useLocalDpi xmlns:a14="http://schemas.microsoft.com/office/drawing/2010/main" val="0"/>
-              </a:ext>
-            </a:extLst>
-          </a:blip>
-          <a:srcRect/>
-          <a:stretch>
-            <a:fillRect/>
-          </a:stretch>
-        </p:blipFill>
-        <p:spPr bwMode="auto">
-          <a:xfrm>
-            <a:off x="7488000" y="3846814"/>
-            <a:ext cx="828000" cy="828000"/>
-          </a:xfrm>
-          <a:prstGeom prst="rect">
-            <a:avLst/>
-          </a:prstGeom>
-          <a:noFill/>
-          <a:extLst>
-            <a:ext uri="{909E8E84-426E-40DD-AFC4-6F175D3DCCD1}">
-              <a14:hiddenFill xmlns:a14="http://schemas.microsoft.com/office/drawing/2010/main">
-                <a:solidFill>
-                  <a:srgbClr val="FFFFFF"/>
-                </a:solidFill>
-              </a14:hiddenFill>
-            </a:ext>
-          </a:extLst>
-        </p:spPr>
-      </p:pic>
-      <p:pic>
-        <p:nvPicPr>
-          <p:cNvPr id="1062" name="Picture 38" descr="https://static.wikia.nocookie.net/nintendo/images/0/01/Moltres.png/revision/latest/scale-to-width-down/1000?cb=20191013000237&amp;path-prefix=en"/>
-          <p:cNvPicPr>
-            <a:picLocks noChangeAspect="1" noChangeArrowheads="1"/>
-          </p:cNvPicPr>
-          <p:nvPr/>
-        </p:nvPicPr>
-        <p:blipFill>
-          <a:blip r:embed="rId14" cstate="print">
-            <a:extLst>
-              <a:ext uri="{28A0092B-C50C-407E-A947-70E740481C1C}">
-                <a14:useLocalDpi xmlns:a14="http://schemas.microsoft.com/office/drawing/2010/main" val="0"/>
-              </a:ext>
-            </a:extLst>
-          </a:blip>
-          <a:srcRect/>
-          <a:stretch>
-            <a:fillRect/>
-          </a:stretch>
-        </p:blipFill>
-        <p:spPr bwMode="auto">
-          <a:xfrm>
-            <a:off x="8460000" y="4782814"/>
-            <a:ext cx="828000" cy="828000"/>
-          </a:xfrm>
-          <a:prstGeom prst="rect">
-            <a:avLst/>
-          </a:prstGeom>
-          <a:noFill/>
-          <a:extLst>
-            <a:ext uri="{909E8E84-426E-40DD-AFC4-6F175D3DCCD1}">
-              <a14:hiddenFill xmlns:a14="http://schemas.microsoft.com/office/drawing/2010/main">
-                <a:solidFill>
-                  <a:srgbClr val="FFFFFF"/>
-                </a:solidFill>
-              </a14:hiddenFill>
-            </a:ext>
-          </a:extLst>
-        </p:spPr>
-      </p:pic>
-      <p:pic>
-        <p:nvPicPr>
-          <p:cNvPr id="1066" name="Picture 42" descr="https://static.wikia.nocookie.net/nintendo/images/d/d8/Zapdos.png/revision/latest?cb=20141002090124&amp;path-prefix=en"/>
-          <p:cNvPicPr>
-            <a:picLocks noChangeAspect="1" noChangeArrowheads="1"/>
-          </p:cNvPicPr>
-          <p:nvPr/>
-        </p:nvPicPr>
-        <p:blipFill>
-          <a:blip r:embed="rId15" cstate="print">
-            <a:extLst>
-              <a:ext uri="{28A0092B-C50C-407E-A947-70E740481C1C}">
-                <a14:useLocalDpi xmlns:a14="http://schemas.microsoft.com/office/drawing/2010/main" val="0"/>
-              </a:ext>
-            </a:extLst>
-          </a:blip>
-          <a:srcRect/>
-          <a:stretch>
-            <a:fillRect/>
-          </a:stretch>
-        </p:blipFill>
-        <p:spPr bwMode="auto">
-          <a:xfrm>
-            <a:off x="7488000" y="4782814"/>
-            <a:ext cx="828000" cy="828000"/>
-          </a:xfrm>
-          <a:prstGeom prst="rect">
-            <a:avLst/>
-          </a:prstGeom>
-          <a:noFill/>
-          <a:extLst>
-            <a:ext uri="{909E8E84-426E-40DD-AFC4-6F175D3DCCD1}">
-              <a14:hiddenFill xmlns:a14="http://schemas.microsoft.com/office/drawing/2010/main">
-                <a:solidFill>
-                  <a:srgbClr val="FFFFFF"/>
-                </a:solidFill>
-              </a14:hiddenFill>
-            </a:ext>
-          </a:extLst>
-        </p:spPr>
-      </p:pic>
-      <p:pic>
-        <p:nvPicPr>
-          <p:cNvPr id="1068" name="Picture 44" descr="https://static.wikia.nocookie.net/nintendo/images/5/52/Articuno.png/revision/latest?cb=20141002090055&amp;path-prefix=en"/>
-          <p:cNvPicPr>
-            <a:picLocks noChangeAspect="1" noChangeArrowheads="1"/>
-          </p:cNvPicPr>
-          <p:nvPr/>
-        </p:nvPicPr>
-        <p:blipFill>
-          <a:blip r:embed="rId16" cstate="print">
-            <a:extLst>
-              <a:ext uri="{28A0092B-C50C-407E-A947-70E740481C1C}">
-                <a14:useLocalDpi xmlns:a14="http://schemas.microsoft.com/office/drawing/2010/main" val="0"/>
-              </a:ext>
-            </a:extLst>
-          </a:blip>
-          <a:srcRect/>
-          <a:stretch>
-            <a:fillRect/>
-          </a:stretch>
-        </p:blipFill>
-        <p:spPr bwMode="auto">
-          <a:xfrm>
-            <a:off x="6480000" y="4782814"/>
-            <a:ext cx="828000" cy="828000"/>
-          </a:xfrm>
-          <a:prstGeom prst="rect">
-            <a:avLst/>
-          </a:prstGeom>
-          <a:noFill/>
-          <a:extLst>
-            <a:ext uri="{909E8E84-426E-40DD-AFC4-6F175D3DCCD1}">
-              <a14:hiddenFill xmlns:a14="http://schemas.microsoft.com/office/drawing/2010/main">
-                <a:solidFill>
-                  <a:srgbClr val="FFFFFF"/>
-                </a:solidFill>
-              </a14:hiddenFill>
-            </a:ext>
-          </a:extLst>
-        </p:spPr>
-      </p:pic>
-      <p:pic>
-        <p:nvPicPr>
-          <p:cNvPr id="1070" name="Picture 46" descr="https://static.wikia.nocookie.net/nintendo/images/6/67/Zubat.png/revision/latest?cb=20210812165813&amp;path-prefix=en"/>
-          <p:cNvPicPr>
-            <a:picLocks noChangeAspect="1" noChangeArrowheads="1"/>
-          </p:cNvPicPr>
-          <p:nvPr/>
-        </p:nvPicPr>
-        <p:blipFill>
-          <a:blip r:embed="rId17" cstate="print">
-            <a:extLst>
-              <a:ext uri="{28A0092B-C50C-407E-A947-70E740481C1C}">
-                <a14:useLocalDpi xmlns:a14="http://schemas.microsoft.com/office/drawing/2010/main" val="0"/>
-              </a:ext>
-            </a:extLst>
-          </a:blip>
-          <a:srcRect/>
-          <a:stretch>
-            <a:fillRect/>
-          </a:stretch>
-        </p:blipFill>
-        <p:spPr bwMode="auto">
-          <a:xfrm>
-            <a:off x="8460000" y="1110814"/>
-            <a:ext cx="828000" cy="828000"/>
-          </a:xfrm>
-          <a:prstGeom prst="rect">
-            <a:avLst/>
-          </a:prstGeom>
-          <a:noFill/>
-          <a:extLst>
-            <a:ext uri="{909E8E84-426E-40DD-AFC4-6F175D3DCCD1}">
-              <a14:hiddenFill xmlns:a14="http://schemas.microsoft.com/office/drawing/2010/main">
-                <a:solidFill>
-                  <a:srgbClr val="FFFFFF"/>
-                </a:solidFill>
-              </a14:hiddenFill>
-            </a:ext>
-          </a:extLst>
-        </p:spPr>
-      </p:pic>
-      <p:pic>
-        <p:nvPicPr>
-          <p:cNvPr id="1072" name="Picture 48" descr="https://static.wikia.nocookie.net/nintendo/images/b/b7/Pidgey.png/revision/latest/scale-to-width-down/1000?cb=20141002082835&amp;path-prefix=en"/>
-          <p:cNvPicPr>
-            <a:picLocks noChangeAspect="1" noChangeArrowheads="1"/>
-          </p:cNvPicPr>
-          <p:nvPr/>
-        </p:nvPicPr>
-        <p:blipFill>
-          <a:blip r:embed="rId18" cstate="print">
-            <a:extLst>
-              <a:ext uri="{28A0092B-C50C-407E-A947-70E740481C1C}">
-                <a14:useLocalDpi xmlns:a14="http://schemas.microsoft.com/office/drawing/2010/main" val="0"/>
-              </a:ext>
-            </a:extLst>
-          </a:blip>
-          <a:srcRect/>
-          <a:stretch>
-            <a:fillRect/>
-          </a:stretch>
-        </p:blipFill>
-        <p:spPr bwMode="auto">
-          <a:xfrm>
-            <a:off x="6480000" y="1110814"/>
-            <a:ext cx="828000" cy="828000"/>
-          </a:xfrm>
-          <a:prstGeom prst="rect">
-            <a:avLst/>
-          </a:prstGeom>
-          <a:noFill/>
-          <a:extLst>
-            <a:ext uri="{909E8E84-426E-40DD-AFC4-6F175D3DCCD1}">
-              <a14:hiddenFill xmlns:a14="http://schemas.microsoft.com/office/drawing/2010/main">
-                <a:solidFill>
-                  <a:srgbClr val="FFFFFF"/>
-                </a:solidFill>
-              </a14:hiddenFill>
-            </a:ext>
-          </a:extLst>
-        </p:spPr>
-      </p:pic>
-      <p:pic>
-        <p:nvPicPr>
-          <p:cNvPr id="1074" name="Picture 50" descr="https://static.wikia.nocookie.net/nintendo/images/c/c4/Rattata.png/revision/latest?cb=20191012231600&amp;path-prefix=en"/>
-          <p:cNvPicPr>
-            <a:picLocks noChangeAspect="1" noChangeArrowheads="1"/>
-          </p:cNvPicPr>
-          <p:nvPr/>
-        </p:nvPicPr>
-        <p:blipFill>
-          <a:blip r:embed="rId19" cstate="print">
-            <a:extLst>
-              <a:ext uri="{28A0092B-C50C-407E-A947-70E740481C1C}">
-                <a14:useLocalDpi xmlns:a14="http://schemas.microsoft.com/office/drawing/2010/main" val="0"/>
-              </a:ext>
-            </a:extLst>
-          </a:blip>
-          <a:srcRect/>
-          <a:stretch>
-            <a:fillRect/>
-          </a:stretch>
-        </p:blipFill>
-        <p:spPr bwMode="auto">
-          <a:xfrm>
-            <a:off x="5508000" y="1110814"/>
-            <a:ext cx="828000" cy="828000"/>
-          </a:xfrm>
-          <a:prstGeom prst="rect">
-            <a:avLst/>
-          </a:prstGeom>
-          <a:noFill/>
-          <a:extLst>
-            <a:ext uri="{909E8E84-426E-40DD-AFC4-6F175D3DCCD1}">
-              <a14:hiddenFill xmlns:a14="http://schemas.microsoft.com/office/drawing/2010/main">
-                <a:solidFill>
-                  <a:srgbClr val="FFFFFF"/>
-                </a:solidFill>
-              </a14:hiddenFill>
-            </a:ext>
-          </a:extLst>
-        </p:spPr>
-      </p:pic>
-      <p:pic>
-        <p:nvPicPr>
-          <p:cNvPr id="1076" name="Picture 52" descr="https://static.wikia.nocookie.net/nintendo/images/0/01/Magikarp.png/revision/latest?cb=20210812185539&amp;path-prefix=en"/>
-          <p:cNvPicPr>
-            <a:picLocks noChangeAspect="1" noChangeArrowheads="1"/>
-          </p:cNvPicPr>
-          <p:nvPr/>
-        </p:nvPicPr>
-        <p:blipFill>
-          <a:blip r:embed="rId20" cstate="print">
-            <a:extLst>
-              <a:ext uri="{28A0092B-C50C-407E-A947-70E740481C1C}">
-                <a14:useLocalDpi xmlns:a14="http://schemas.microsoft.com/office/drawing/2010/main" val="0"/>
-              </a:ext>
-            </a:extLst>
-          </a:blip>
-          <a:srcRect/>
-          <a:stretch>
-            <a:fillRect/>
-          </a:stretch>
-        </p:blipFill>
-        <p:spPr bwMode="auto">
-          <a:xfrm>
-            <a:off x="7488000" y="1110814"/>
-            <a:ext cx="828000" cy="828000"/>
-          </a:xfrm>
-          <a:prstGeom prst="rect">
-            <a:avLst/>
-          </a:prstGeom>
-          <a:noFill/>
-          <a:extLst>
-            <a:ext uri="{909E8E84-426E-40DD-AFC4-6F175D3DCCD1}">
-              <a14:hiddenFill xmlns:a14="http://schemas.microsoft.com/office/drawing/2010/main">
-                <a:solidFill>
-                  <a:srgbClr val="FFFFFF"/>
-                </a:solidFill>
-              </a14:hiddenFill>
-            </a:ext>
-          </a:extLst>
-        </p:spPr>
-      </p:pic>
-      <p:pic>
-        <p:nvPicPr>
-          <p:cNvPr id="1078" name="Picture 54" descr="https://static.wikia.nocookie.net/nintendo/images/9/99/Dratini.png/revision/latest?cb=20210812191413&amp;path-prefix=en"/>
-          <p:cNvPicPr>
-            <a:picLocks noChangeAspect="1" noChangeArrowheads="1"/>
-          </p:cNvPicPr>
-          <p:nvPr/>
-        </p:nvPicPr>
-        <p:blipFill>
-          <a:blip r:embed="rId21" cstate="print">
-            <a:extLst>
-              <a:ext uri="{28A0092B-C50C-407E-A947-70E740481C1C}">
-                <a14:useLocalDpi xmlns:a14="http://schemas.microsoft.com/office/drawing/2010/main" val="0"/>
-              </a:ext>
-            </a:extLst>
-          </a:blip>
-          <a:srcRect/>
-          <a:stretch>
-            <a:fillRect/>
-          </a:stretch>
-        </p:blipFill>
-        <p:spPr bwMode="auto">
-          <a:xfrm>
-            <a:off x="10475866" y="2910814"/>
-            <a:ext cx="828000" cy="828000"/>
-          </a:xfrm>
-          <a:prstGeom prst="rect">
-            <a:avLst/>
-          </a:prstGeom>
-          <a:noFill/>
-          <a:extLst>
-            <a:ext uri="{909E8E84-426E-40DD-AFC4-6F175D3DCCD1}">
-              <a14:hiddenFill xmlns:a14="http://schemas.microsoft.com/office/drawing/2010/main">
-                <a:solidFill>
-                  <a:srgbClr val="FFFFFF"/>
-                </a:solidFill>
-              </a14:hiddenFill>
-            </a:ext>
-          </a:extLst>
-        </p:spPr>
-      </p:pic>
-      <p:pic>
-        <p:nvPicPr>
-          <p:cNvPr id="1080" name="Picture 56" descr="https://static.wikia.nocookie.net/nintendo/images/b/b2/Onix.png/revision/latest?cb=20210812171841&amp;path-prefix=en"/>
-          <p:cNvPicPr>
-            <a:picLocks noChangeAspect="1" noChangeArrowheads="1"/>
-          </p:cNvPicPr>
-          <p:nvPr/>
-        </p:nvPicPr>
-        <p:blipFill>
-          <a:blip r:embed="rId22" cstate="print">
-            <a:extLst>
-              <a:ext uri="{28A0092B-C50C-407E-A947-70E740481C1C}">
-                <a14:useLocalDpi xmlns:a14="http://schemas.microsoft.com/office/drawing/2010/main" val="0"/>
-              </a:ext>
-            </a:extLst>
-          </a:blip>
-          <a:srcRect/>
-          <a:stretch>
-            <a:fillRect/>
-          </a:stretch>
-        </p:blipFill>
-        <p:spPr bwMode="auto">
-          <a:xfrm>
-            <a:off x="10512000" y="2010814"/>
-            <a:ext cx="828000" cy="828000"/>
-          </a:xfrm>
-          <a:prstGeom prst="rect">
-            <a:avLst/>
-          </a:prstGeom>
-          <a:noFill/>
-          <a:extLst>
-            <a:ext uri="{909E8E84-426E-40DD-AFC4-6F175D3DCCD1}">
-              <a14:hiddenFill xmlns:a14="http://schemas.microsoft.com/office/drawing/2010/main">
-                <a:solidFill>
-                  <a:srgbClr val="FFFFFF"/>
-                </a:solidFill>
-              </a14:hiddenFill>
-            </a:ext>
-          </a:extLst>
-        </p:spPr>
-      </p:pic>
-      <p:pic>
-        <p:nvPicPr>
-          <p:cNvPr id="1082" name="Picture 58" descr="https://static.wikia.nocookie.net/nintendo/images/b/bb/Growlithe.png/revision/latest?cb=20141002080601&amp;path-prefix=en"/>
-          <p:cNvPicPr>
-            <a:picLocks noChangeAspect="1" noChangeArrowheads="1"/>
-          </p:cNvPicPr>
-          <p:nvPr/>
-        </p:nvPicPr>
-        <p:blipFill>
-          <a:blip r:embed="rId23" cstate="print">
-            <a:extLst>
-              <a:ext uri="{28A0092B-C50C-407E-A947-70E740481C1C}">
-                <a14:useLocalDpi xmlns:a14="http://schemas.microsoft.com/office/drawing/2010/main" val="0"/>
-              </a:ext>
-            </a:extLst>
-          </a:blip>
-          <a:srcRect/>
-          <a:stretch>
-            <a:fillRect/>
-          </a:stretch>
-        </p:blipFill>
-        <p:spPr bwMode="auto">
-          <a:xfrm>
-            <a:off x="9450000" y="2010814"/>
-            <a:ext cx="828000" cy="828000"/>
-          </a:xfrm>
-          <a:prstGeom prst="rect">
-            <a:avLst/>
-          </a:prstGeom>
-          <a:noFill/>
-          <a:extLst>
-            <a:ext uri="{909E8E84-426E-40DD-AFC4-6F175D3DCCD1}">
-              <a14:hiddenFill xmlns:a14="http://schemas.microsoft.com/office/drawing/2010/main">
-                <a:solidFill>
-                  <a:srgbClr val="FFFFFF"/>
-                </a:solidFill>
-              </a14:hiddenFill>
-            </a:ext>
-          </a:extLst>
-        </p:spPr>
-      </p:pic>
-      <p:pic>
-        <p:nvPicPr>
-          <p:cNvPr id="1084" name="Picture 60" descr="https://static.wikia.nocookie.net/nintendo/images/6/62/Parasect.png/revision/latest?cb=20141002081144&amp;path-prefix=en"/>
-          <p:cNvPicPr>
-            <a:picLocks noChangeAspect="1" noChangeArrowheads="1"/>
-          </p:cNvPicPr>
-          <p:nvPr/>
-        </p:nvPicPr>
-        <p:blipFill>
-          <a:blip r:embed="rId24" cstate="print">
-            <a:extLst>
-              <a:ext uri="{28A0092B-C50C-407E-A947-70E740481C1C}">
-                <a14:useLocalDpi xmlns:a14="http://schemas.microsoft.com/office/drawing/2010/main" val="0"/>
-              </a:ext>
-            </a:extLst>
-          </a:blip>
-          <a:srcRect/>
-          <a:stretch>
-            <a:fillRect/>
-          </a:stretch>
-        </p:blipFill>
-        <p:spPr bwMode="auto">
-          <a:xfrm>
-            <a:off x="8460000" y="2010814"/>
-            <a:ext cx="828000" cy="828000"/>
-          </a:xfrm>
-          <a:prstGeom prst="rect">
-            <a:avLst/>
-          </a:prstGeom>
-          <a:noFill/>
-          <a:extLst>
-            <a:ext uri="{909E8E84-426E-40DD-AFC4-6F175D3DCCD1}">
-              <a14:hiddenFill xmlns:a14="http://schemas.microsoft.com/office/drawing/2010/main">
-                <a:solidFill>
-                  <a:srgbClr val="FFFFFF"/>
-                </a:solidFill>
-              </a14:hiddenFill>
-            </a:ext>
-          </a:extLst>
-        </p:spPr>
-      </p:pic>
-      <p:pic>
-        <p:nvPicPr>
-          <p:cNvPr id="1086" name="Picture 62" descr="https://static.wikia.nocookie.net/nintendo/images/f/fc/Vaporeon.png/revision/latest/scale-to-width-down/1000?cb=20141002085541&amp;path-prefix=en"/>
-          <p:cNvPicPr>
-            <a:picLocks noChangeAspect="1" noChangeArrowheads="1"/>
-          </p:cNvPicPr>
-          <p:nvPr/>
-        </p:nvPicPr>
-        <p:blipFill>
-          <a:blip r:embed="rId25" cstate="print">
-            <a:extLst>
-              <a:ext uri="{28A0092B-C50C-407E-A947-70E740481C1C}">
-                <a14:useLocalDpi xmlns:a14="http://schemas.microsoft.com/office/drawing/2010/main" val="0"/>
-              </a:ext>
-            </a:extLst>
-          </a:blip>
-          <a:srcRect/>
-          <a:stretch>
-            <a:fillRect/>
-          </a:stretch>
-        </p:blipFill>
-        <p:spPr bwMode="auto">
-          <a:xfrm>
-            <a:off x="5508000" y="3846814"/>
-            <a:ext cx="828000" cy="828000"/>
-          </a:xfrm>
-          <a:prstGeom prst="rect">
-            <a:avLst/>
-          </a:prstGeom>
-          <a:noFill/>
-          <a:extLst>
-            <a:ext uri="{909E8E84-426E-40DD-AFC4-6F175D3DCCD1}">
-              <a14:hiddenFill xmlns:a14="http://schemas.microsoft.com/office/drawing/2010/main">
-                <a:solidFill>
-                  <a:srgbClr val="FFFFFF"/>
-                </a:solidFill>
-              </a14:hiddenFill>
-            </a:ext>
-          </a:extLst>
-        </p:spPr>
-      </p:pic>
-      <p:pic>
-        <p:nvPicPr>
-          <p:cNvPr id="1088" name="Picture 64" descr="https://static.wikia.nocookie.net/nintendo/images/c/c2/Scyther.png/revision/latest?cb=20191013025833&amp;path-prefix=en"/>
-          <p:cNvPicPr>
-            <a:picLocks noChangeAspect="1" noChangeArrowheads="1"/>
-          </p:cNvPicPr>
-          <p:nvPr/>
-        </p:nvPicPr>
-        <p:blipFill>
-          <a:blip r:embed="rId26" cstate="print">
-            <a:extLst>
-              <a:ext uri="{28A0092B-C50C-407E-A947-70E740481C1C}">
-                <a14:useLocalDpi xmlns:a14="http://schemas.microsoft.com/office/drawing/2010/main" val="0"/>
-              </a:ext>
-            </a:extLst>
-          </a:blip>
-          <a:srcRect/>
-          <a:stretch>
-            <a:fillRect/>
-          </a:stretch>
-        </p:blipFill>
-        <p:spPr bwMode="auto">
-          <a:xfrm>
-            <a:off x="8460000" y="2910814"/>
-            <a:ext cx="828000" cy="828000"/>
-          </a:xfrm>
-          <a:prstGeom prst="rect">
-            <a:avLst/>
-          </a:prstGeom>
-          <a:noFill/>
-          <a:extLst>
-            <a:ext uri="{909E8E84-426E-40DD-AFC4-6F175D3DCCD1}">
-              <a14:hiddenFill xmlns:a14="http://schemas.microsoft.com/office/drawing/2010/main">
-                <a:solidFill>
-                  <a:srgbClr val="FFFFFF"/>
-                </a:solidFill>
-              </a14:hiddenFill>
-            </a:ext>
-          </a:extLst>
-        </p:spPr>
-      </p:pic>
-      <p:pic>
-        <p:nvPicPr>
-          <p:cNvPr id="1090" name="Picture 66" descr="https://static.wikia.nocookie.net/nintendo/images/9/98/Ninetales.png/revision/latest?cb=20141002081754&amp;path-prefix=en"/>
-          <p:cNvPicPr>
-            <a:picLocks noChangeAspect="1" noChangeArrowheads="1"/>
-          </p:cNvPicPr>
-          <p:nvPr/>
-        </p:nvPicPr>
-        <p:blipFill>
-          <a:blip r:embed="rId27" cstate="print">
-            <a:extLst>
-              <a:ext uri="{28A0092B-C50C-407E-A947-70E740481C1C}">
-                <a14:useLocalDpi xmlns:a14="http://schemas.microsoft.com/office/drawing/2010/main" val="0"/>
-              </a:ext>
-            </a:extLst>
-          </a:blip>
-          <a:srcRect/>
-          <a:stretch>
-            <a:fillRect/>
-          </a:stretch>
-        </p:blipFill>
-        <p:spPr bwMode="auto">
-          <a:xfrm>
-            <a:off x="9450000" y="2910814"/>
-            <a:ext cx="828000" cy="828000"/>
-          </a:xfrm>
-          <a:prstGeom prst="rect">
-            <a:avLst/>
-          </a:prstGeom>
-          <a:noFill/>
-          <a:extLst>
-            <a:ext uri="{909E8E84-426E-40DD-AFC4-6F175D3DCCD1}">
-              <a14:hiddenFill xmlns:a14="http://schemas.microsoft.com/office/drawing/2010/main">
-                <a:solidFill>
-                  <a:srgbClr val="FFFFFF"/>
-                </a:solidFill>
-              </a14:hiddenFill>
-            </a:ext>
-          </a:extLst>
-        </p:spPr>
-      </p:pic>
-      <p:pic>
-        <p:nvPicPr>
-          <p:cNvPr id="1092" name="Picture 68" descr="https://static.wikia.nocookie.net/nintendo/images/3/3a/Electabuzz.png/revision/latest?cb=20210812184737&amp;path-prefix=en"/>
-          <p:cNvPicPr>
-            <a:picLocks noChangeAspect="1" noChangeArrowheads="1"/>
-          </p:cNvPicPr>
-          <p:nvPr/>
-        </p:nvPicPr>
-        <p:blipFill>
-          <a:blip r:embed="rId28" cstate="print">
-            <a:extLst>
-              <a:ext uri="{28A0092B-C50C-407E-A947-70E740481C1C}">
-                <a14:useLocalDpi xmlns:a14="http://schemas.microsoft.com/office/drawing/2010/main" val="0"/>
-              </a:ext>
-            </a:extLst>
-          </a:blip>
-          <a:srcRect/>
-          <a:stretch>
-            <a:fillRect/>
-          </a:stretch>
-        </p:blipFill>
-        <p:spPr bwMode="auto">
-          <a:xfrm>
-            <a:off x="7488000" y="2910814"/>
-            <a:ext cx="828000" cy="828000"/>
-          </a:xfrm>
-          <a:prstGeom prst="rect">
-            <a:avLst/>
-          </a:prstGeom>
-          <a:noFill/>
-          <a:extLst>
-            <a:ext uri="{909E8E84-426E-40DD-AFC4-6F175D3DCCD1}">
-              <a14:hiddenFill xmlns:a14="http://schemas.microsoft.com/office/drawing/2010/main">
-                <a:solidFill>
-                  <a:srgbClr val="FFFFFF"/>
-                </a:solidFill>
-              </a14:hiddenFill>
-            </a:ext>
-          </a:extLst>
-        </p:spPr>
-      </p:pic>
-      <p:pic>
-        <p:nvPicPr>
-          <p:cNvPr id="1094" name="Picture 70" descr="https://static.wikia.nocookie.net/nintendo/images/0/03/Ditto.png/revision/latest?cb=20191013024928&amp;path-prefix=en"/>
-          <p:cNvPicPr>
-            <a:picLocks noChangeAspect="1" noChangeArrowheads="1"/>
-          </p:cNvPicPr>
-          <p:nvPr/>
-        </p:nvPicPr>
-        <p:blipFill>
-          <a:blip r:embed="rId29" cstate="print">
-            <a:extLst>
-              <a:ext uri="{28A0092B-C50C-407E-A947-70E740481C1C}">
-                <a14:useLocalDpi xmlns:a14="http://schemas.microsoft.com/office/drawing/2010/main" val="0"/>
-              </a:ext>
-            </a:extLst>
-          </a:blip>
-          <a:srcRect/>
-          <a:stretch>
-            <a:fillRect/>
-          </a:stretch>
-        </p:blipFill>
-        <p:spPr bwMode="auto">
-          <a:xfrm>
-            <a:off x="6480000" y="2910814"/>
-            <a:ext cx="828000" cy="828000"/>
-          </a:xfrm>
-          <a:prstGeom prst="rect">
-            <a:avLst/>
-          </a:prstGeom>
-          <a:noFill/>
-          <a:extLst>
-            <a:ext uri="{909E8E84-426E-40DD-AFC4-6F175D3DCCD1}">
-              <a14:hiddenFill xmlns:a14="http://schemas.microsoft.com/office/drawing/2010/main">
-                <a:solidFill>
-                  <a:srgbClr val="FFFFFF"/>
-                </a:solidFill>
-              </a14:hiddenFill>
-            </a:ext>
-          </a:extLst>
-        </p:spPr>
-      </p:pic>
-      <p:sp>
-        <p:nvSpPr>
-          <p:cNvPr id="51" name="Segnaposto contenuto 2"/>
-          <p:cNvSpPr txBox="1">
-            <a:spLocks/>
-          </p:cNvSpPr>
-          <p:nvPr/>
-        </p:nvSpPr>
-        <p:spPr>
-          <a:xfrm>
-            <a:off x="720000" y="5826814"/>
-            <a:ext cx="10800000" cy="540000"/>
-          </a:xfrm>
-          <a:prstGeom prst="rect">
-            <a:avLst/>
-          </a:prstGeom>
-          <a:noFill/>
-        </p:spPr>
-        <p:txBody>
-          <a:bodyPr vert="horz" lIns="91440" tIns="45720" rIns="91440" bIns="45720" rtlCol="0">
-            <a:normAutofit/>
-          </a:bodyPr>
-          <a:lstStyle>
-            <a:lvl1pPr marL="228600" indent="-228600" algn="l" defTabSz="914400" rtl="0" eaLnBrk="1" latinLnBrk="0" hangingPunct="1">
-              <a:lnSpc>
-                <a:spcPct val="90000"/>
-              </a:lnSpc>
-              <a:spcBef>
-                <a:spcPts val="1000"/>
-              </a:spcBef>
-              <a:buFont typeface="Arial" panose="020B0604020202020204" pitchFamily="34" charset="0"/>
-              <a:buChar char="•"/>
-              <a:defRPr sz="2800" kern="1200">
-                <a:solidFill>
-                  <a:schemeClr val="tx1"/>
-                </a:solidFill>
-                <a:latin typeface="+mn-lt"/>
-                <a:ea typeface="+mn-ea"/>
-                <a:cs typeface="+mn-cs"/>
-              </a:defRPr>
-            </a:lvl1pPr>
-            <a:lvl2pPr marL="685800" indent="-228600" algn="l" defTabSz="914400" rtl="0" eaLnBrk="1" latinLnBrk="0" hangingPunct="1">
-              <a:lnSpc>
-                <a:spcPct val="90000"/>
-              </a:lnSpc>
-              <a:spcBef>
-                <a:spcPts val="500"/>
-              </a:spcBef>
-              <a:buFont typeface="Arial" panose="020B0604020202020204" pitchFamily="34" charset="0"/>
-              <a:buChar char="•"/>
-              <a:defRPr sz="2400" kern="1200">
-                <a:solidFill>
-                  <a:schemeClr val="tx1"/>
-                </a:solidFill>
-                <a:latin typeface="+mn-lt"/>
-                <a:ea typeface="+mn-ea"/>
-                <a:cs typeface="+mn-cs"/>
-              </a:defRPr>
-            </a:lvl2pPr>
-            <a:lvl3pPr marL="1143000" indent="-228600" algn="l" defTabSz="914400" rtl="0" eaLnBrk="1" latinLnBrk="0" hangingPunct="1">
-              <a:lnSpc>
-                <a:spcPct val="90000"/>
-              </a:lnSpc>
-              <a:spcBef>
-                <a:spcPts val="500"/>
-              </a:spcBef>
-              <a:buFont typeface="Arial" panose="020B0604020202020204" pitchFamily="34" charset="0"/>
-              <a:buChar char="•"/>
-              <a:defRPr sz="2000" kern="1200">
-                <a:solidFill>
-                  <a:schemeClr val="tx1"/>
-                </a:solidFill>
-                <a:latin typeface="+mn-lt"/>
-                <a:ea typeface="+mn-ea"/>
-                <a:cs typeface="+mn-cs"/>
-              </a:defRPr>
-            </a:lvl3pPr>
-            <a:lvl4pPr marL="1600200" indent="-228600" algn="l" defTabSz="914400" rtl="0" eaLnBrk="1" latinLnBrk="0" hangingPunct="1">
-              <a:lnSpc>
-                <a:spcPct val="90000"/>
-              </a:lnSpc>
-              <a:spcBef>
-                <a:spcPts val="500"/>
-              </a:spcBef>
-              <a:buFont typeface="Arial" panose="020B0604020202020204" pitchFamily="34" charset="0"/>
-              <a:buChar char="•"/>
-              <a:defRPr sz="1800" kern="1200">
-                <a:solidFill>
-                  <a:schemeClr val="tx1"/>
-                </a:solidFill>
-                <a:latin typeface="+mn-lt"/>
-                <a:ea typeface="+mn-ea"/>
-                <a:cs typeface="+mn-cs"/>
-              </a:defRPr>
-            </a:lvl4pPr>
-            <a:lvl5pPr marL="2057400" indent="-228600" algn="l" defTabSz="914400" rtl="0" eaLnBrk="1" latinLnBrk="0" hangingPunct="1">
-              <a:lnSpc>
-                <a:spcPct val="90000"/>
-              </a:lnSpc>
-              <a:spcBef>
-                <a:spcPts val="500"/>
-              </a:spcBef>
-              <a:buFont typeface="Arial" panose="020B0604020202020204" pitchFamily="34" charset="0"/>
-              <a:buChar char="•"/>
-              <a:defRPr sz="1800" kern="1200">
-                <a:solidFill>
-                  <a:schemeClr val="tx1"/>
-                </a:solidFill>
-                <a:latin typeface="+mn-lt"/>
-                <a:ea typeface="+mn-ea"/>
-                <a:cs typeface="+mn-cs"/>
-              </a:defRPr>
-            </a:lvl5pPr>
-            <a:lvl6pPr marL="2514600" indent="-228600" algn="l" defTabSz="914400" rtl="0" eaLnBrk="1" latinLnBrk="0" hangingPunct="1">
-              <a:lnSpc>
-                <a:spcPct val="90000"/>
-              </a:lnSpc>
-              <a:spcBef>
-                <a:spcPts val="500"/>
-              </a:spcBef>
-              <a:buFont typeface="Arial" panose="020B0604020202020204" pitchFamily="34" charset="0"/>
-              <a:buChar char="•"/>
-              <a:defRPr sz="1800" kern="1200">
-                <a:solidFill>
-                  <a:schemeClr val="tx1"/>
-                </a:solidFill>
-                <a:latin typeface="+mn-lt"/>
-                <a:ea typeface="+mn-ea"/>
-                <a:cs typeface="+mn-cs"/>
-              </a:defRPr>
-            </a:lvl6pPr>
-            <a:lvl7pPr marL="2971800" indent="-228600" algn="l" defTabSz="914400" rtl="0" eaLnBrk="1" latinLnBrk="0" hangingPunct="1">
-              <a:lnSpc>
-                <a:spcPct val="90000"/>
-              </a:lnSpc>
-              <a:spcBef>
-                <a:spcPts val="500"/>
-              </a:spcBef>
-              <a:buFont typeface="Arial" panose="020B0604020202020204" pitchFamily="34" charset="0"/>
-              <a:buChar char="•"/>
-              <a:defRPr sz="1800" kern="1200">
-                <a:solidFill>
-                  <a:schemeClr val="tx1"/>
-                </a:solidFill>
-                <a:latin typeface="+mn-lt"/>
-                <a:ea typeface="+mn-ea"/>
-                <a:cs typeface="+mn-cs"/>
-              </a:defRPr>
-            </a:lvl7pPr>
-            <a:lvl8pPr marL="3429000" indent="-228600" algn="l" defTabSz="914400" rtl="0" eaLnBrk="1" latinLnBrk="0" hangingPunct="1">
-              <a:lnSpc>
-                <a:spcPct val="90000"/>
-              </a:lnSpc>
-              <a:spcBef>
-                <a:spcPts val="500"/>
-              </a:spcBef>
-              <a:buFont typeface="Arial" panose="020B0604020202020204" pitchFamily="34" charset="0"/>
-              <a:buChar char="•"/>
-              <a:defRPr sz="1800" kern="1200">
-                <a:solidFill>
-                  <a:schemeClr val="tx1"/>
-                </a:solidFill>
-                <a:latin typeface="+mn-lt"/>
-                <a:ea typeface="+mn-ea"/>
-                <a:cs typeface="+mn-cs"/>
-              </a:defRPr>
-            </a:lvl8pPr>
-            <a:lvl9pPr marL="3886200" indent="-228600" algn="l" defTabSz="914400" rtl="0" eaLnBrk="1" latinLnBrk="0" hangingPunct="1">
-              <a:lnSpc>
-                <a:spcPct val="90000"/>
-              </a:lnSpc>
-              <a:spcBef>
-                <a:spcPts val="500"/>
-              </a:spcBef>
-              <a:buFont typeface="Arial" panose="020B0604020202020204" pitchFamily="34" charset="0"/>
-              <a:buChar char="•"/>
-              <a:defRPr sz="1800" kern="1200">
-                <a:solidFill>
-                  <a:schemeClr val="tx1"/>
-                </a:solidFill>
-                <a:latin typeface="+mn-lt"/>
-                <a:ea typeface="+mn-ea"/>
-                <a:cs typeface="+mn-cs"/>
-              </a:defRPr>
-            </a:lvl9pPr>
-          </a:lstStyle>
-          <a:p>
-            <a:r>
-              <a:rPr lang="it-IT" dirty="0">
-                <a:latin typeface="Cooper Black" panose="0208090404030B020404" pitchFamily="18" charset="0"/>
-              </a:rPr>
-              <a:t>In-game </a:t>
-            </a:r>
-            <a:r>
-              <a:rPr lang="it-IT" dirty="0" err="1">
-                <a:latin typeface="Cooper Black" panose="0208090404030B020404" pitchFamily="18" charset="0"/>
-              </a:rPr>
-              <a:t>currency</a:t>
-            </a:r>
-            <a:r>
-              <a:rPr lang="it-IT" dirty="0">
-                <a:latin typeface="Cooper Black" panose="0208090404030B020404" pitchFamily="18" charset="0"/>
-              </a:rPr>
-              <a:t>: </a:t>
-            </a:r>
-            <a:r>
-              <a:rPr lang="it-IT" dirty="0" err="1">
-                <a:latin typeface="Cooper Black" panose="0208090404030B020404" pitchFamily="18" charset="0"/>
-              </a:rPr>
-              <a:t>Pokedollars</a:t>
-            </a:r>
-            <a:r>
-              <a:rPr lang="it-IT" dirty="0">
-                <a:latin typeface="Cooper Black" panose="0208090404030B020404" pitchFamily="18" charset="0"/>
-              </a:rPr>
-              <a:t> </a:t>
-            </a:r>
-          </a:p>
-        </p:txBody>
-      </p:sp>
-      <p:pic>
-        <p:nvPicPr>
-          <p:cNvPr id="1096" name="Picture 72" descr="File:Pokémon Dollar sign.svg - Wikimedia Commons"/>
-          <p:cNvPicPr>
-            <a:picLocks noChangeAspect="1" noChangeArrowheads="1"/>
-          </p:cNvPicPr>
-          <p:nvPr/>
-        </p:nvPicPr>
-        <p:blipFill>
-          <a:blip r:embed="rId30" cstate="print">
-            <a:extLst>
-              <a:ext uri="{28A0092B-C50C-407E-A947-70E740481C1C}">
-                <a14:useLocalDpi xmlns:a14="http://schemas.microsoft.com/office/drawing/2010/main" val="0"/>
-              </a:ext>
-            </a:extLst>
-          </a:blip>
-          <a:srcRect/>
-          <a:stretch>
-            <a:fillRect/>
-          </a:stretch>
-        </p:blipFill>
-        <p:spPr bwMode="auto">
-          <a:xfrm>
-            <a:off x="6942528" y="5922863"/>
-            <a:ext cx="195555" cy="267870"/>
-          </a:xfrm>
-          <a:prstGeom prst="rect">
-            <a:avLst/>
-          </a:prstGeom>
-          <a:noFill/>
-          <a:extLst>
-            <a:ext uri="{909E8E84-426E-40DD-AFC4-6F175D3DCCD1}">
-              <a14:hiddenFill xmlns:a14="http://schemas.microsoft.com/office/drawing/2010/main">
-                <a:solidFill>
-                  <a:srgbClr val="FFFFFF"/>
-                </a:solidFill>
-              </a14:hiddenFill>
-            </a:ext>
-          </a:extLst>
-        </p:spPr>
-      </p:pic>
-      <p:pic>
-        <p:nvPicPr>
-          <p:cNvPr id="1098" name="Picture 74" descr="Review Order : Pokémon GO Web Store"/>
-          <p:cNvPicPr>
-            <a:picLocks noChangeAspect="1" noChangeArrowheads="1"/>
-          </p:cNvPicPr>
-          <p:nvPr/>
-        </p:nvPicPr>
-        <p:blipFill>
-          <a:blip r:embed="rId31" cstate="print">
-            <a:extLst>
-              <a:ext uri="{28A0092B-C50C-407E-A947-70E740481C1C}">
-                <a14:useLocalDpi xmlns:a14="http://schemas.microsoft.com/office/drawing/2010/main" val="0"/>
-              </a:ext>
-            </a:extLst>
-          </a:blip>
-          <a:srcRect/>
-          <a:stretch>
-            <a:fillRect/>
-          </a:stretch>
-        </p:blipFill>
-        <p:spPr bwMode="auto">
-          <a:xfrm>
-            <a:off x="7447454" y="5590541"/>
-            <a:ext cx="1012546" cy="1012546"/>
-          </a:xfrm>
-          <a:prstGeom prst="rect">
-            <a:avLst/>
-          </a:prstGeom>
-          <a:noFill/>
-          <a:extLst>
-            <a:ext uri="{909E8E84-426E-40DD-AFC4-6F175D3DCCD1}">
-              <a14:hiddenFill xmlns:a14="http://schemas.microsoft.com/office/drawing/2010/main">
-                <a:solidFill>
-                  <a:srgbClr val="FFFFFF"/>
-                </a:solidFill>
-              </a14:hiddenFill>
-            </a:ext>
-          </a:extLst>
-        </p:spPr>
-      </p:pic>
-    </p:spTree>
-    <p:extLst>
-      <p:ext uri="{BB962C8B-B14F-4D97-AF65-F5344CB8AC3E}">
-        <p14:creationId xmlns:p14="http://schemas.microsoft.com/office/powerpoint/2010/main" val="2626683805"/>
-      </p:ext>
-    </p:extLst>
-  </p:cSld>
-  <p:clrMapOvr>
-    <a:masterClrMapping/>
-  </p:clrMapOvr>
-</p:sld>
-</file>
-
-<file path=ppt/slides/slide20.xml><?xml version="1.0" encoding="utf-8"?>
+<file path=ppt/slides/slide22.xml><?xml version="1.0" encoding="utf-8"?>
 <p:sld xmlns:a="http://schemas.openxmlformats.org/drawingml/2006/main" xmlns:r="http://schemas.openxmlformats.org/officeDocument/2006/relationships" xmlns:p="http://schemas.openxmlformats.org/presentationml/2006/main">
   <p:cSld>
     <p:spTree>
@@ -13872,7 +14217,7 @@
 </p:sld>
 </file>
 
-<file path=ppt/slides/slide21.xml><?xml version="1.0" encoding="utf-8"?>
+<file path=ppt/slides/slide23.xml><?xml version="1.0" encoding="utf-8"?>
 <p:sld xmlns:a="http://schemas.openxmlformats.org/drawingml/2006/main" xmlns:r="http://schemas.openxmlformats.org/officeDocument/2006/relationships" xmlns:p="http://schemas.openxmlformats.org/presentationml/2006/main">
   <p:cSld>
     <p:spTree>
@@ -14030,7 +14375,7 @@
 </p:sld>
 </file>
 
-<file path=ppt/slides/slide22.xml><?xml version="1.0" encoding="utf-8"?>
+<file path=ppt/slides/slide24.xml><?xml version="1.0" encoding="utf-8"?>
 <p:sld xmlns:a="http://schemas.openxmlformats.org/drawingml/2006/main" xmlns:r="http://schemas.openxmlformats.org/officeDocument/2006/relationships" xmlns:p="http://schemas.openxmlformats.org/presentationml/2006/main">
   <p:cSld>
     <p:spTree>
@@ -14188,7 +14533,7 @@
 </p:sld>
 </file>
 
-<file path=ppt/slides/slide23.xml><?xml version="1.0" encoding="utf-8"?>
+<file path=ppt/slides/slide25.xml><?xml version="1.0" encoding="utf-8"?>
 <p:sld xmlns:a="http://schemas.openxmlformats.org/drawingml/2006/main" xmlns:r="http://schemas.openxmlformats.org/officeDocument/2006/relationships" xmlns:p="http://schemas.openxmlformats.org/presentationml/2006/main">
   <p:cSld>
     <p:spTree>
